--- a/НИР и ВКР/Презентация/ПронинАС_НИР_презентация.pptx
+++ b/НИР и ВКР/Презентация/ПронинАС_НИР_презентация.pptx
@@ -5,7 +5,7 @@
     <p:sldMasterId id="2147483648" r:id="rId1"/>
   </p:sldMasterIdLst>
   <p:notesMasterIdLst>
-    <p:notesMasterId r:id="rId13"/>
+    <p:notesMasterId r:id="rId14"/>
   </p:notesMasterIdLst>
   <p:sldIdLst>
     <p:sldId id="256" r:id="rId2"/>
@@ -14,11 +14,12 @@
     <p:sldId id="280" r:id="rId5"/>
     <p:sldId id="285" r:id="rId6"/>
     <p:sldId id="283" r:id="rId7"/>
-    <p:sldId id="286" r:id="rId8"/>
-    <p:sldId id="284" r:id="rId9"/>
-    <p:sldId id="281" r:id="rId10"/>
-    <p:sldId id="282" r:id="rId11"/>
-    <p:sldId id="266" r:id="rId12"/>
+    <p:sldId id="287" r:id="rId8"/>
+    <p:sldId id="286" r:id="rId9"/>
+    <p:sldId id="284" r:id="rId10"/>
+    <p:sldId id="281" r:id="rId11"/>
+    <p:sldId id="282" r:id="rId12"/>
+    <p:sldId id="266" r:id="rId13"/>
   </p:sldIdLst>
   <p:sldSz cx="12192000" cy="6858000"/>
   <p:notesSz cx="6858000" cy="9144000"/>
@@ -207,7 +208,7 @@
           <a:p>
             <a:fld id="{A1FA72BB-6139-4A02-8082-35B9C9D89E0C}" type="datetimeFigureOut">
               <a:rPr lang="ru-RU" smtClean="0"/>
-              <a:t>15.01.2023</a:t>
+              <a:t>16.01.2023</a:t>
             </a:fld>
             <a:endParaRPr lang="ru-RU"/>
           </a:p>
@@ -539,7 +540,7 @@
           <a:p>
             <a:fld id="{E3BF92F7-6176-4844-94CE-FF1FD83770F1}" type="slidenum">
               <a:rPr lang="ru-RU" smtClean="0"/>
-              <a:t>8</a:t>
+              <a:t>9</a:t>
             </a:fld>
             <a:endParaRPr lang="ru-RU"/>
           </a:p>
@@ -623,7 +624,7 @@
           <a:p>
             <a:fld id="{E3BF92F7-6176-4844-94CE-FF1FD83770F1}" type="slidenum">
               <a:rPr lang="ru-RU" smtClean="0"/>
-              <a:t>11</a:t>
+              <a:t>12</a:t>
             </a:fld>
             <a:endParaRPr lang="ru-RU"/>
           </a:p>
@@ -789,7 +790,7 @@
           <a:p>
             <a:fld id="{D006F585-C031-4F3D-8109-2C1271EAF95C}" type="datetime1">
               <a:rPr lang="ru-RU" smtClean="0"/>
-              <a:t>15.01.2023</a:t>
+              <a:t>16.01.2023</a:t>
             </a:fld>
             <a:endParaRPr lang="ru-RU"/>
           </a:p>
@@ -987,7 +988,7 @@
           <a:p>
             <a:fld id="{863B978C-907D-410C-AC33-C70FB0065AB1}" type="datetime1">
               <a:rPr lang="ru-RU" smtClean="0"/>
-              <a:t>15.01.2023</a:t>
+              <a:t>16.01.2023</a:t>
             </a:fld>
             <a:endParaRPr lang="ru-RU"/>
           </a:p>
@@ -1195,7 +1196,7 @@
           <a:p>
             <a:fld id="{7370F86F-261F-4C2A-B7CA-06D91EEBB15B}" type="datetime1">
               <a:rPr lang="ru-RU" smtClean="0"/>
-              <a:t>15.01.2023</a:t>
+              <a:t>16.01.2023</a:t>
             </a:fld>
             <a:endParaRPr lang="ru-RU"/>
           </a:p>
@@ -1393,7 +1394,7 @@
           <a:p>
             <a:fld id="{AFEE3786-D129-4BD2-B6F3-55FC5BC12532}" type="datetime1">
               <a:rPr lang="ru-RU" smtClean="0"/>
-              <a:t>15.01.2023</a:t>
+              <a:t>16.01.2023</a:t>
             </a:fld>
             <a:endParaRPr lang="ru-RU"/>
           </a:p>
@@ -1668,7 +1669,7 @@
           <a:p>
             <a:fld id="{C9466CFB-2389-4A9C-AD12-8B6FB05D3E41}" type="datetime1">
               <a:rPr lang="ru-RU" smtClean="0"/>
-              <a:t>15.01.2023</a:t>
+              <a:t>16.01.2023</a:t>
             </a:fld>
             <a:endParaRPr lang="ru-RU"/>
           </a:p>
@@ -1933,7 +1934,7 @@
           <a:p>
             <a:fld id="{6E930FF5-4E67-4BB3-A0D6-D5DBBB9A8A64}" type="datetime1">
               <a:rPr lang="ru-RU" smtClean="0"/>
-              <a:t>15.01.2023</a:t>
+              <a:t>16.01.2023</a:t>
             </a:fld>
             <a:endParaRPr lang="ru-RU"/>
           </a:p>
@@ -2345,7 +2346,7 @@
           <a:p>
             <a:fld id="{1F915F62-A180-4781-87B2-C363CCD39E80}" type="datetime1">
               <a:rPr lang="ru-RU" smtClean="0"/>
-              <a:t>15.01.2023</a:t>
+              <a:t>16.01.2023</a:t>
             </a:fld>
             <a:endParaRPr lang="ru-RU"/>
           </a:p>
@@ -2486,7 +2487,7 @@
           <a:p>
             <a:fld id="{67FD249C-BC1A-4A70-A502-0DCD1E4E82B3}" type="datetime1">
               <a:rPr lang="ru-RU" smtClean="0"/>
-              <a:t>15.01.2023</a:t>
+              <a:t>16.01.2023</a:t>
             </a:fld>
             <a:endParaRPr lang="ru-RU"/>
           </a:p>
@@ -2599,7 +2600,7 @@
           <a:p>
             <a:fld id="{45D5B91C-A2D9-4813-A97B-31FA3A6207FE}" type="datetime1">
               <a:rPr lang="ru-RU" smtClean="0"/>
-              <a:t>15.01.2023</a:t>
+              <a:t>16.01.2023</a:t>
             </a:fld>
             <a:endParaRPr lang="ru-RU"/>
           </a:p>
@@ -2910,7 +2911,7 @@
           <a:p>
             <a:fld id="{BD9E5343-4C2F-4429-B1C5-87457F54369C}" type="datetime1">
               <a:rPr lang="ru-RU" smtClean="0"/>
-              <a:t>15.01.2023</a:t>
+              <a:t>16.01.2023</a:t>
             </a:fld>
             <a:endParaRPr lang="ru-RU"/>
           </a:p>
@@ -3198,7 +3199,7 @@
           <a:p>
             <a:fld id="{802D0396-A548-40ED-918D-A78893C27574}" type="datetime1">
               <a:rPr lang="ru-RU" smtClean="0"/>
-              <a:t>15.01.2023</a:t>
+              <a:t>16.01.2023</a:t>
             </a:fld>
             <a:endParaRPr lang="ru-RU"/>
           </a:p>
@@ -3439,7 +3440,7 @@
           <a:p>
             <a:fld id="{3ECCE158-C433-4D4B-A18E-F373B1318AC3}" type="datetime1">
               <a:rPr lang="ru-RU" smtClean="0"/>
-              <a:t>15.01.2023</a:t>
+              <a:t>16.01.2023</a:t>
             </a:fld>
             <a:endParaRPr lang="ru-RU"/>
           </a:p>
@@ -4216,7 +4217,7 @@
           <a:p>
             <a:r>
               <a:rPr lang="ru-RU" sz="4000" b="1" dirty="0"/>
-              <a:t>Сравнительный анализ</a:t>
+              <a:t>Классификация</a:t>
             </a:r>
           </a:p>
         </p:txBody>
@@ -4255,6 +4256,77 @@
               </a:lnSpc>
               <a:buNone/>
             </a:pPr>
+            <a:r>
+              <a:rPr lang="ru-RU" sz="2200" dirty="0">
+                <a:latin typeface="Times New Roman" panose="02020603050405020304" pitchFamily="18" charset="0"/>
+                <a:ea typeface="Times New Roman" panose="02020603050405020304" pitchFamily="18" charset="0"/>
+              </a:rPr>
+              <a:t>Рассмотрев вышеописанные методы анализа пользовательской активности, можно их разделить на следующие категории:</a:t>
+            </a:r>
+          </a:p>
+          <a:p>
+            <a:pPr marL="571500" indent="-342900" algn="just">
+              <a:lnSpc>
+                <a:spcPct val="100000"/>
+              </a:lnSpc>
+            </a:pPr>
+            <a:r>
+              <a:rPr lang="ru-RU" sz="2200" dirty="0">
+                <a:latin typeface="Times New Roman" panose="02020603050405020304" pitchFamily="18" charset="0"/>
+                <a:ea typeface="Times New Roman" panose="02020603050405020304" pitchFamily="18" charset="0"/>
+              </a:rPr>
+              <a:t>поиск ассоциативных правил;</a:t>
+            </a:r>
+          </a:p>
+          <a:p>
+            <a:pPr marL="571500" indent="-342900" algn="just">
+              <a:lnSpc>
+                <a:spcPct val="100000"/>
+              </a:lnSpc>
+            </a:pPr>
+            <a:r>
+              <a:rPr lang="ru-RU" sz="2200" dirty="0">
+                <a:latin typeface="Times New Roman" panose="02020603050405020304" pitchFamily="18" charset="0"/>
+                <a:ea typeface="Times New Roman" panose="02020603050405020304" pitchFamily="18" charset="0"/>
+              </a:rPr>
+              <a:t>поиск последовательных шаблонов;</a:t>
+            </a:r>
+          </a:p>
+          <a:p>
+            <a:pPr marL="571500" indent="-342900" algn="just">
+              <a:lnSpc>
+                <a:spcPct val="100000"/>
+              </a:lnSpc>
+            </a:pPr>
+            <a:r>
+              <a:rPr lang="ru-RU" sz="2200" dirty="0">
+                <a:latin typeface="Times New Roman" panose="02020603050405020304" pitchFamily="18" charset="0"/>
+                <a:ea typeface="Times New Roman" panose="02020603050405020304" pitchFamily="18" charset="0"/>
+              </a:rPr>
+              <a:t>сбор и анализ временных характеристик выполнения пользователем действий и промежутков между ними;</a:t>
+            </a:r>
+          </a:p>
+          <a:p>
+            <a:pPr marL="571500" indent="-342900" algn="just">
+              <a:lnSpc>
+                <a:spcPct val="100000"/>
+              </a:lnSpc>
+            </a:pPr>
+            <a:r>
+              <a:rPr lang="ru-RU" sz="2200" dirty="0">
+                <a:latin typeface="Times New Roman" panose="02020603050405020304" pitchFamily="18" charset="0"/>
+                <a:ea typeface="Times New Roman" panose="02020603050405020304" pitchFamily="18" charset="0"/>
+              </a:rPr>
+              <a:t>вычисление уровней поддержки шаблонов поведения пользователя.</a:t>
+            </a:r>
+          </a:p>
+          <a:p>
+            <a:pPr indent="0" algn="just">
+              <a:lnSpc>
+                <a:spcPct val="100000"/>
+              </a:lnSpc>
+              <a:buNone/>
+            </a:pPr>
             <a:endParaRPr lang="ru-RU" sz="2200" dirty="0">
               <a:latin typeface="Times New Roman" panose="02020603050405020304" pitchFamily="18" charset="0"/>
               <a:ea typeface="Times New Roman" panose="02020603050405020304" pitchFamily="18" charset="0"/>
@@ -4294,7 +4366,7 @@
     </p:spTree>
     <p:extLst>
       <p:ext uri="{BB962C8B-B14F-4D97-AF65-F5344CB8AC3E}">
-        <p14:creationId xmlns:p14="http://schemas.microsoft.com/office/powerpoint/2010/main" val="649740196"/>
+        <p14:creationId xmlns:p14="http://schemas.microsoft.com/office/powerpoint/2010/main" val="2176375297"/>
       </p:ext>
     </p:extLst>
   </p:cSld>
@@ -4351,17 +4423,17 @@
           <a:p>
             <a:r>
               <a:rPr lang="ru-RU" sz="4000" b="1" dirty="0"/>
-              <a:t>Заключение</a:t>
-            </a:r>
-          </a:p>
-        </p:txBody>
-      </p:sp>
-      <p:sp>
-        <p:nvSpPr>
-          <p:cNvPr id="3" name="Номер слайда 2">
-            <a:extLst>
-              <a:ext uri="{FF2B5EF4-FFF2-40B4-BE49-F238E27FC236}">
-                <a16:creationId xmlns:a16="http://schemas.microsoft.com/office/drawing/2014/main" id="{EB930BD0-D85B-F112-101C-B409455C44FB}"/>
+              <a:t>Сравнение методов</a:t>
+            </a:r>
+          </a:p>
+        </p:txBody>
+      </p:sp>
+      <p:sp>
+        <p:nvSpPr>
+          <p:cNvPr id="4" name="Номер слайда 3">
+            <a:extLst>
+              <a:ext uri="{FF2B5EF4-FFF2-40B4-BE49-F238E27FC236}">
+                <a16:creationId xmlns:a16="http://schemas.microsoft.com/office/drawing/2014/main" id="{80FEEFAF-0D6B-464C-7360-370FF23083CC}"/>
               </a:ext>
             </a:extLst>
           </p:cNvPr>
@@ -4380,6 +4452,130 @@
             <a:fld id="{E83D2FD5-BBDA-43D0-B172-791327EA2B6A}" type="slidenum">
               <a:rPr lang="ru-RU" smtClean="0"/>
               <a:t>11</a:t>
+            </a:fld>
+            <a:endParaRPr lang="ru-RU" dirty="0"/>
+          </a:p>
+        </p:txBody>
+      </p:sp>
+      <p:pic>
+        <p:nvPicPr>
+          <p:cNvPr id="6" name="Рисунок 5">
+            <a:extLst>
+              <a:ext uri="{FF2B5EF4-FFF2-40B4-BE49-F238E27FC236}">
+                <a16:creationId xmlns:a16="http://schemas.microsoft.com/office/drawing/2014/main" id="{35A70FED-7A83-44C0-8483-844878DCC4DB}"/>
+              </a:ext>
+            </a:extLst>
+          </p:cNvPr>
+          <p:cNvPicPr>
+            <a:picLocks noChangeAspect="1"/>
+          </p:cNvPicPr>
+          <p:nvPr/>
+        </p:nvPicPr>
+        <p:blipFill>
+          <a:blip r:embed="rId2"/>
+          <a:stretch>
+            <a:fillRect/>
+          </a:stretch>
+        </p:blipFill>
+        <p:spPr>
+          <a:xfrm>
+            <a:off x="2464755" y="1119981"/>
+            <a:ext cx="7262489" cy="5090601"/>
+          </a:xfrm>
+          <a:prstGeom prst="rect">
+            <a:avLst/>
+          </a:prstGeom>
+        </p:spPr>
+      </p:pic>
+    </p:spTree>
+    <p:extLst>
+      <p:ext uri="{BB962C8B-B14F-4D97-AF65-F5344CB8AC3E}">
+        <p14:creationId xmlns:p14="http://schemas.microsoft.com/office/powerpoint/2010/main" val="649740196"/>
+      </p:ext>
+    </p:extLst>
+  </p:cSld>
+  <p:clrMapOvr>
+    <a:masterClrMapping/>
+  </p:clrMapOvr>
+</p:sld>
+</file>
+
+<file path=ppt/slides/slide12.xml><?xml version="1.0" encoding="utf-8"?>
+<p:sld xmlns:a="http://schemas.openxmlformats.org/drawingml/2006/main" xmlns:r="http://schemas.openxmlformats.org/officeDocument/2006/relationships" xmlns:p="http://schemas.openxmlformats.org/presentationml/2006/main">
+  <p:cSld>
+    <p:spTree>
+      <p:nvGrpSpPr>
+        <p:cNvPr id="1" name=""/>
+        <p:cNvGrpSpPr/>
+        <p:nvPr/>
+      </p:nvGrpSpPr>
+      <p:grpSpPr>
+        <a:xfrm>
+          <a:off x="0" y="0"/>
+          <a:ext cx="0" cy="0"/>
+          <a:chOff x="0" y="0"/>
+          <a:chExt cx="0" cy="0"/>
+        </a:xfrm>
+      </p:grpSpPr>
+      <p:sp>
+        <p:nvSpPr>
+          <p:cNvPr id="2" name="Заголовок 1">
+            <a:extLst>
+              <a:ext uri="{FF2B5EF4-FFF2-40B4-BE49-F238E27FC236}">
+                <a16:creationId xmlns:a16="http://schemas.microsoft.com/office/drawing/2014/main" id="{1802D59D-6A83-151A-EEA2-678960399BE4}"/>
+              </a:ext>
+            </a:extLst>
+          </p:cNvPr>
+          <p:cNvSpPr>
+            <a:spLocks noGrp="1"/>
+          </p:cNvSpPr>
+          <p:nvPr>
+            <p:ph type="title"/>
+          </p:nvPr>
+        </p:nvSpPr>
+        <p:spPr>
+          <a:xfrm>
+            <a:off x="428017" y="-72232"/>
+            <a:ext cx="10515600" cy="1325563"/>
+          </a:xfrm>
+        </p:spPr>
+        <p:txBody>
+          <a:bodyPr>
+            <a:normAutofit/>
+          </a:bodyPr>
+          <a:lstStyle/>
+          <a:p>
+            <a:r>
+              <a:rPr lang="ru-RU" sz="4000" b="1" dirty="0"/>
+              <a:t>Заключение</a:t>
+            </a:r>
+          </a:p>
+        </p:txBody>
+      </p:sp>
+      <p:sp>
+        <p:nvSpPr>
+          <p:cNvPr id="3" name="Номер слайда 2">
+            <a:extLst>
+              <a:ext uri="{FF2B5EF4-FFF2-40B4-BE49-F238E27FC236}">
+                <a16:creationId xmlns:a16="http://schemas.microsoft.com/office/drawing/2014/main" id="{EB930BD0-D85B-F112-101C-B409455C44FB}"/>
+              </a:ext>
+            </a:extLst>
+          </p:cNvPr>
+          <p:cNvSpPr>
+            <a:spLocks noGrp="1"/>
+          </p:cNvSpPr>
+          <p:nvPr>
+            <p:ph type="sldNum" sz="quarter" idx="12"/>
+          </p:nvPr>
+        </p:nvSpPr>
+        <p:spPr/>
+        <p:txBody>
+          <a:bodyPr/>
+          <a:lstStyle/>
+          <a:p>
+            <a:fld id="{E83D2FD5-BBDA-43D0-B172-791327EA2B6A}" type="slidenum">
+              <a:rPr lang="ru-RU" smtClean="0"/>
+              <a:t>12</a:t>
             </a:fld>
             <a:endParaRPr lang="ru-RU" dirty="0"/>
           </a:p>
@@ -5510,10 +5706,10 @@
       </p:sp>
       <p:pic>
         <p:nvPicPr>
-          <p:cNvPr id="6" name="Рисунок 5">
-            <a:extLst>
-              <a:ext uri="{FF2B5EF4-FFF2-40B4-BE49-F238E27FC236}">
-                <a16:creationId xmlns:a16="http://schemas.microsoft.com/office/drawing/2014/main" id="{F181E02D-EA05-48B1-AE79-271B0DD2F9E6}"/>
+          <p:cNvPr id="14" name="Рисунок 13">
+            <a:extLst>
+              <a:ext uri="{FF2B5EF4-FFF2-40B4-BE49-F238E27FC236}">
+                <a16:creationId xmlns:a16="http://schemas.microsoft.com/office/drawing/2014/main" id="{CDABA089-439E-4C81-AE26-64F26D679FFA}"/>
               </a:ext>
             </a:extLst>
           </p:cNvPr>
@@ -5536,8 +5732,8 @@
         </p:blipFill>
         <p:spPr>
           <a:xfrm>
-            <a:off x="86334" y="1843083"/>
-            <a:ext cx="6677025" cy="3371850"/>
+            <a:off x="0" y="1364853"/>
+            <a:ext cx="6522077" cy="4128294"/>
           </a:xfrm>
           <a:prstGeom prst="rect">
             <a:avLst/>
@@ -5546,10 +5742,10 @@
       </p:pic>
       <p:pic>
         <p:nvPicPr>
-          <p:cNvPr id="8" name="Рисунок 7">
-            <a:extLst>
-              <a:ext uri="{FF2B5EF4-FFF2-40B4-BE49-F238E27FC236}">
-                <a16:creationId xmlns:a16="http://schemas.microsoft.com/office/drawing/2014/main" id="{B9E9748B-3BEA-47A1-B8F9-3C27464C6058}"/>
+          <p:cNvPr id="24" name="Рисунок 23">
+            <a:extLst>
+              <a:ext uri="{FF2B5EF4-FFF2-40B4-BE49-F238E27FC236}">
+                <a16:creationId xmlns:a16="http://schemas.microsoft.com/office/drawing/2014/main" id="{95825B38-A1E9-479F-BBE2-537F66F3CF44}"/>
               </a:ext>
             </a:extLst>
           </p:cNvPr>
@@ -5572,8 +5768,8 @@
         </p:blipFill>
         <p:spPr>
           <a:xfrm>
-            <a:off x="6800241" y="1733546"/>
-            <a:ext cx="5305425" cy="3590925"/>
+            <a:off x="6522077" y="2029770"/>
+            <a:ext cx="5548039" cy="2798460"/>
           </a:xfrm>
           <a:prstGeom prst="rect">
             <a:avLst/>
@@ -5640,13 +5836,8 @@
           <a:p>
             <a:r>
               <a:rPr lang="ru-RU" sz="4000" b="1" dirty="0"/>
-              <a:t>Алгоритм </a:t>
-            </a:r>
-            <a:r>
-              <a:rPr lang="en-US" sz="4000" b="1" dirty="0"/>
-              <a:t>GSP</a:t>
-            </a:r>
-            <a:endParaRPr lang="ru-RU" sz="4000" b="1" dirty="0"/>
+              <a:t>Алгоритм получения ассоциативных правил Apriori</a:t>
+            </a:r>
           </a:p>
         </p:txBody>
       </p:sp>
@@ -5679,223 +5870,80 @@
           </a:p>
         </p:txBody>
       </p:sp>
-      <p:sp>
-        <p:nvSpPr>
-          <p:cNvPr id="7" name="Объект 2">
-            <a:extLst>
-              <a:ext uri="{FF2B5EF4-FFF2-40B4-BE49-F238E27FC236}">
-                <a16:creationId xmlns:a16="http://schemas.microsoft.com/office/drawing/2014/main" id="{6CF8E559-CCDE-49E5-93F5-28EC1006FB11}"/>
-              </a:ext>
-            </a:extLst>
-          </p:cNvPr>
-          <p:cNvSpPr>
-            <a:spLocks noGrp="1"/>
-          </p:cNvSpPr>
-          <p:nvPr>
-            <p:ph idx="1"/>
-          </p:nvPr>
-        </p:nvSpPr>
+      <p:pic>
+        <p:nvPicPr>
+          <p:cNvPr id="5" name="Рисунок 4">
+            <a:extLst>
+              <a:ext uri="{FF2B5EF4-FFF2-40B4-BE49-F238E27FC236}">
+                <a16:creationId xmlns:a16="http://schemas.microsoft.com/office/drawing/2014/main" id="{3DAEC5D1-F156-424A-9FE1-6F7A66C879DB}"/>
+              </a:ext>
+            </a:extLst>
+          </p:cNvPr>
+          <p:cNvPicPr>
+            <a:picLocks noChangeAspect="1"/>
+          </p:cNvPicPr>
+          <p:nvPr/>
+        </p:nvPicPr>
+        <p:blipFill rotWithShape="1">
+          <a:blip r:embed="rId2">
+            <a:extLst>
+              <a:ext uri="{28A0092B-C50C-407E-A947-70E740481C1C}">
+                <a14:useLocalDpi xmlns:a14="http://schemas.microsoft.com/office/drawing/2010/main" val="0"/>
+              </a:ext>
+            </a:extLst>
+          </a:blip>
+          <a:srcRect r="15224"/>
+          <a:stretch/>
+        </p:blipFill>
         <p:spPr>
           <a:xfrm>
-            <a:off x="428017" y="1253331"/>
-            <a:ext cx="11182378" cy="5168894"/>
+            <a:off x="1858393" y="1253331"/>
+            <a:ext cx="8475214" cy="1905434"/>
           </a:xfrm>
+          <a:prstGeom prst="rect">
+            <a:avLst/>
+          </a:prstGeom>
         </p:spPr>
-        <p:txBody>
-          <a:bodyPr>
-            <a:noAutofit/>
-          </a:bodyPr>
-          <a:lstStyle/>
-          <a:p>
-            <a:pPr indent="0" algn="just">
-              <a:lnSpc>
-                <a:spcPct val="100000"/>
-              </a:lnSpc>
-              <a:buNone/>
-            </a:pPr>
-            <a:r>
-              <a:rPr lang="ru-RU" sz="2200" dirty="0">
-                <a:latin typeface="Times New Roman" panose="02020603050405020304" pitchFamily="18" charset="0"/>
-                <a:ea typeface="Times New Roman" panose="02020603050405020304" pitchFamily="18" charset="0"/>
-              </a:rPr>
-              <a:t>Алгоритм GSP (англ. </a:t>
-            </a:r>
-            <a:r>
-              <a:rPr lang="ru-RU" sz="2200" dirty="0" err="1">
-                <a:latin typeface="Times New Roman" panose="02020603050405020304" pitchFamily="18" charset="0"/>
-                <a:ea typeface="Times New Roman" panose="02020603050405020304" pitchFamily="18" charset="0"/>
-              </a:rPr>
-              <a:t>Generalized</a:t>
-            </a:r>
-            <a:r>
-              <a:rPr lang="ru-RU" sz="2200" dirty="0">
-                <a:latin typeface="Times New Roman" panose="02020603050405020304" pitchFamily="18" charset="0"/>
-                <a:ea typeface="Times New Roman" panose="02020603050405020304" pitchFamily="18" charset="0"/>
-              </a:rPr>
-              <a:t> </a:t>
-            </a:r>
-            <a:r>
-              <a:rPr lang="ru-RU" sz="2200" dirty="0" err="1">
-                <a:latin typeface="Times New Roman" panose="02020603050405020304" pitchFamily="18" charset="0"/>
-                <a:ea typeface="Times New Roman" panose="02020603050405020304" pitchFamily="18" charset="0"/>
-              </a:rPr>
-              <a:t>Sequential</a:t>
-            </a:r>
-            <a:r>
-              <a:rPr lang="ru-RU" sz="2200" dirty="0">
-                <a:latin typeface="Times New Roman" panose="02020603050405020304" pitchFamily="18" charset="0"/>
-                <a:ea typeface="Times New Roman" panose="02020603050405020304" pitchFamily="18" charset="0"/>
-              </a:rPr>
-              <a:t> </a:t>
-            </a:r>
-            <a:r>
-              <a:rPr lang="ru-RU" sz="2200" dirty="0" err="1">
-                <a:latin typeface="Times New Roman" panose="02020603050405020304" pitchFamily="18" charset="0"/>
-                <a:ea typeface="Times New Roman" panose="02020603050405020304" pitchFamily="18" charset="0"/>
-              </a:rPr>
-              <a:t>Pattern</a:t>
-            </a:r>
-            <a:r>
-              <a:rPr lang="ru-RU" sz="2200" dirty="0">
-                <a:latin typeface="Times New Roman" panose="02020603050405020304" pitchFamily="18" charset="0"/>
-                <a:ea typeface="Times New Roman" panose="02020603050405020304" pitchFamily="18" charset="0"/>
-              </a:rPr>
-              <a:t>, обобщенный </a:t>
-            </a:r>
-            <a:r>
-              <a:rPr lang="ru-RU" sz="2200" dirty="0" err="1">
-                <a:latin typeface="Times New Roman" panose="02020603050405020304" pitchFamily="18" charset="0"/>
-                <a:ea typeface="Times New Roman" panose="02020603050405020304" pitchFamily="18" charset="0"/>
-              </a:rPr>
-              <a:t>секвенциальный</a:t>
-            </a:r>
-            <a:r>
-              <a:rPr lang="ru-RU" sz="2200" dirty="0">
-                <a:latin typeface="Times New Roman" panose="02020603050405020304" pitchFamily="18" charset="0"/>
-                <a:ea typeface="Times New Roman" panose="02020603050405020304" pitchFamily="18" charset="0"/>
-              </a:rPr>
-              <a:t> паттерн) является модификацией алгоритма Apriori, учитывающей ограничения по времени между соседними транзакциями</a:t>
-            </a:r>
-            <a:r>
-              <a:rPr lang="en-US" sz="2200" dirty="0">
-                <a:latin typeface="Times New Roman" panose="02020603050405020304" pitchFamily="18" charset="0"/>
-                <a:ea typeface="Times New Roman" panose="02020603050405020304" pitchFamily="18" charset="0"/>
-              </a:rPr>
-              <a:t>.</a:t>
-            </a:r>
-          </a:p>
-          <a:p>
-            <a:pPr indent="0" algn="just">
-              <a:lnSpc>
-                <a:spcPct val="100000"/>
-              </a:lnSpc>
-              <a:buNone/>
-            </a:pPr>
-            <a:r>
-              <a:rPr lang="ru-RU" sz="2200" dirty="0">
-                <a:latin typeface="Times New Roman" panose="02020603050405020304" pitchFamily="18" charset="0"/>
-                <a:ea typeface="Times New Roman" panose="02020603050405020304" pitchFamily="18" charset="0"/>
-              </a:rPr>
-              <a:t>В работе алгоритма можно выделить следующие основные этапы:</a:t>
-            </a:r>
-            <a:endParaRPr lang="en-US" sz="2200" dirty="0">
-              <a:latin typeface="Times New Roman" panose="02020603050405020304" pitchFamily="18" charset="0"/>
-              <a:ea typeface="Times New Roman" panose="02020603050405020304" pitchFamily="18" charset="0"/>
-            </a:endParaRPr>
-          </a:p>
-          <a:p>
-            <a:pPr indent="0">
-              <a:lnSpc>
-                <a:spcPct val="100000"/>
-              </a:lnSpc>
-              <a:buNone/>
-            </a:pPr>
-            <a:r>
-              <a:rPr lang="en-US" sz="2200" dirty="0">
-                <a:latin typeface="Times New Roman" panose="02020603050405020304" pitchFamily="18" charset="0"/>
-                <a:cs typeface="Times New Roman" panose="02020603050405020304" pitchFamily="18" charset="0"/>
-              </a:rPr>
-              <a:t>	1. </a:t>
-            </a:r>
-            <a:r>
-              <a:rPr lang="ru-RU" sz="2200" dirty="0">
-                <a:latin typeface="Times New Roman" panose="02020603050405020304" pitchFamily="18" charset="0"/>
-                <a:cs typeface="Times New Roman" panose="02020603050405020304" pitchFamily="18" charset="0"/>
-              </a:rPr>
-              <a:t>Генерация кандидатов.</a:t>
-            </a:r>
-            <a:br>
-              <a:rPr lang="en-US" sz="2200" dirty="0">
-                <a:latin typeface="Times New Roman" panose="02020603050405020304" pitchFamily="18" charset="0"/>
-                <a:cs typeface="Times New Roman" panose="02020603050405020304" pitchFamily="18" charset="0"/>
-              </a:rPr>
-            </a:br>
-            <a:r>
-              <a:rPr lang="en-US" sz="2200" dirty="0">
-                <a:latin typeface="Times New Roman" panose="02020603050405020304" pitchFamily="18" charset="0"/>
-                <a:cs typeface="Times New Roman" panose="02020603050405020304" pitchFamily="18" charset="0"/>
-              </a:rPr>
-              <a:t>	1.1 </a:t>
-            </a:r>
-            <a:r>
-              <a:rPr lang="ru-RU" sz="2200" dirty="0">
-                <a:latin typeface="Times New Roman" panose="02020603050405020304" pitchFamily="18" charset="0"/>
-                <a:cs typeface="Times New Roman" panose="02020603050405020304" pitchFamily="18" charset="0"/>
-              </a:rPr>
-              <a:t>Объединение.</a:t>
-            </a:r>
-            <a:br>
-              <a:rPr lang="en-US" sz="2200" dirty="0">
-                <a:latin typeface="Times New Roman" panose="02020603050405020304" pitchFamily="18" charset="0"/>
-                <a:cs typeface="Times New Roman" panose="02020603050405020304" pitchFamily="18" charset="0"/>
-              </a:rPr>
-            </a:br>
-            <a:r>
-              <a:rPr lang="en-US" sz="2200" dirty="0">
-                <a:latin typeface="Times New Roman" panose="02020603050405020304" pitchFamily="18" charset="0"/>
-                <a:cs typeface="Times New Roman" panose="02020603050405020304" pitchFamily="18" charset="0"/>
-              </a:rPr>
-              <a:t>	1.2 </a:t>
-            </a:r>
-            <a:r>
-              <a:rPr lang="ru-RU" sz="2200" dirty="0">
-                <a:latin typeface="Times New Roman" panose="02020603050405020304" pitchFamily="18" charset="0"/>
-                <a:cs typeface="Times New Roman" panose="02020603050405020304" pitchFamily="18" charset="0"/>
-              </a:rPr>
-              <a:t>Упрощение.</a:t>
-            </a:r>
-            <a:br>
-              <a:rPr lang="en-US" sz="2200" dirty="0">
-                <a:latin typeface="Times New Roman" panose="02020603050405020304" pitchFamily="18" charset="0"/>
-                <a:cs typeface="Times New Roman" panose="02020603050405020304" pitchFamily="18" charset="0"/>
-              </a:rPr>
-            </a:br>
-            <a:r>
-              <a:rPr lang="en-US" sz="2200" dirty="0">
-                <a:latin typeface="Times New Roman" panose="02020603050405020304" pitchFamily="18" charset="0"/>
-                <a:cs typeface="Times New Roman" panose="02020603050405020304" pitchFamily="18" charset="0"/>
-              </a:rPr>
-              <a:t>	2. </a:t>
-            </a:r>
-            <a:r>
-              <a:rPr lang="ru-RU" sz="2200" dirty="0">
-                <a:latin typeface="Times New Roman" panose="02020603050405020304" pitchFamily="18" charset="0"/>
-                <a:cs typeface="Times New Roman" panose="02020603050405020304" pitchFamily="18" charset="0"/>
-              </a:rPr>
-              <a:t>Подсчет поддержки кандидатов.</a:t>
-            </a:r>
-            <a:endParaRPr lang="en-US" sz="2200" dirty="0">
-              <a:latin typeface="Times New Roman" panose="02020603050405020304" pitchFamily="18" charset="0"/>
-              <a:ea typeface="Times New Roman" panose="02020603050405020304" pitchFamily="18" charset="0"/>
-              <a:cs typeface="Times New Roman" panose="02020603050405020304" pitchFamily="18" charset="0"/>
-            </a:endParaRPr>
-          </a:p>
-        </p:txBody>
-      </p:sp>
+      </p:pic>
+      <p:pic>
+        <p:nvPicPr>
+          <p:cNvPr id="11" name="Рисунок 10">
+            <a:extLst>
+              <a:ext uri="{FF2B5EF4-FFF2-40B4-BE49-F238E27FC236}">
+                <a16:creationId xmlns:a16="http://schemas.microsoft.com/office/drawing/2014/main" id="{23E56FEB-BFB4-4A77-A0EA-84774C1B4F2D}"/>
+              </a:ext>
+            </a:extLst>
+          </p:cNvPr>
+          <p:cNvPicPr>
+            <a:picLocks noChangeAspect="1"/>
+          </p:cNvPicPr>
+          <p:nvPr/>
+        </p:nvPicPr>
+        <p:blipFill rotWithShape="1">
+          <a:blip r:embed="rId3">
+            <a:extLst>
+              <a:ext uri="{28A0092B-C50C-407E-A947-70E740481C1C}">
+                <a14:useLocalDpi xmlns:a14="http://schemas.microsoft.com/office/drawing/2010/main" val="0"/>
+              </a:ext>
+            </a:extLst>
+          </a:blip>
+          <a:srcRect r="15224" b="20398"/>
+          <a:stretch/>
+        </p:blipFill>
+        <p:spPr>
+          <a:xfrm>
+            <a:off x="1858393" y="3699236"/>
+            <a:ext cx="8475214" cy="2072914"/>
+          </a:xfrm>
+          <a:prstGeom prst="rect">
+            <a:avLst/>
+          </a:prstGeom>
+        </p:spPr>
+      </p:pic>
     </p:spTree>
     <p:extLst>
       <p:ext uri="{BB962C8B-B14F-4D97-AF65-F5344CB8AC3E}">
-        <p14:creationId xmlns:p14="http://schemas.microsoft.com/office/powerpoint/2010/main" val="2834239968"/>
+        <p14:creationId xmlns:p14="http://schemas.microsoft.com/office/powerpoint/2010/main" val="3862488474"/>
       </p:ext>
     </p:extLst>
   </p:cSld>
@@ -5940,8 +5988,8 @@
         </p:nvSpPr>
         <p:spPr>
           <a:xfrm>
-            <a:off x="428017" y="-72232"/>
-            <a:ext cx="10515600" cy="1325563"/>
+            <a:off x="428016" y="-72232"/>
+            <a:ext cx="11763983" cy="1325563"/>
           </a:xfrm>
         </p:spPr>
         <p:txBody>
@@ -5952,17 +6000,51 @@
           <a:p>
             <a:r>
               <a:rPr lang="ru-RU" sz="4000" b="1" dirty="0"/>
-              <a:t>Метод оценки эффективности интерфейса GOMS</a:t>
-            </a:r>
-          </a:p>
-        </p:txBody>
-      </p:sp>
-      <p:sp>
-        <p:nvSpPr>
-          <p:cNvPr id="3" name="Объект 2">
-            <a:extLst>
-              <a:ext uri="{FF2B5EF4-FFF2-40B4-BE49-F238E27FC236}">
-                <a16:creationId xmlns:a16="http://schemas.microsoft.com/office/drawing/2014/main" id="{68541323-2632-074C-E69F-FC80AB230174}"/>
+              <a:t>Алгоритм </a:t>
+            </a:r>
+            <a:r>
+              <a:rPr lang="en-US" sz="4000" b="1" dirty="0"/>
+              <a:t>GSP</a:t>
+            </a:r>
+            <a:endParaRPr lang="ru-RU" sz="4000" b="1" dirty="0"/>
+          </a:p>
+        </p:txBody>
+      </p:sp>
+      <p:sp>
+        <p:nvSpPr>
+          <p:cNvPr id="4" name="Номер слайда 3">
+            <a:extLst>
+              <a:ext uri="{FF2B5EF4-FFF2-40B4-BE49-F238E27FC236}">
+                <a16:creationId xmlns:a16="http://schemas.microsoft.com/office/drawing/2014/main" id="{80FEEFAF-0D6B-464C-7360-370FF23083CC}"/>
+              </a:ext>
+            </a:extLst>
+          </p:cNvPr>
+          <p:cNvSpPr>
+            <a:spLocks noGrp="1"/>
+          </p:cNvSpPr>
+          <p:nvPr>
+            <p:ph type="sldNum" sz="quarter" idx="12"/>
+          </p:nvPr>
+        </p:nvSpPr>
+        <p:spPr/>
+        <p:txBody>
+          <a:bodyPr/>
+          <a:lstStyle/>
+          <a:p>
+            <a:fld id="{E83D2FD5-BBDA-43D0-B172-791327EA2B6A}" type="slidenum">
+              <a:rPr lang="ru-RU" smtClean="0"/>
+              <a:t>8</a:t>
+            </a:fld>
+            <a:endParaRPr lang="ru-RU" dirty="0"/>
+          </a:p>
+        </p:txBody>
+      </p:sp>
+      <p:sp>
+        <p:nvSpPr>
+          <p:cNvPr id="7" name="Объект 2">
+            <a:extLst>
+              <a:ext uri="{FF2B5EF4-FFF2-40B4-BE49-F238E27FC236}">
+                <a16:creationId xmlns:a16="http://schemas.microsoft.com/office/drawing/2014/main" id="{6CF8E559-CCDE-49E5-93F5-28EC1006FB11}"/>
               </a:ext>
             </a:extLst>
           </p:cNvPr>
@@ -5985,206 +6067,205 @@
           </a:bodyPr>
           <a:lstStyle/>
           <a:p>
-            <a:pPr marL="0" indent="0">
+            <a:pPr indent="0" algn="just">
+              <a:lnSpc>
+                <a:spcPct val="100000"/>
+              </a:lnSpc>
               <a:buNone/>
             </a:pPr>
             <a:r>
               <a:rPr lang="ru-RU" sz="2200" dirty="0">
                 <a:latin typeface="Times New Roman" panose="02020603050405020304" pitchFamily="18" charset="0"/>
-                <a:cs typeface="Times New Roman" panose="02020603050405020304" pitchFamily="18" charset="0"/>
-              </a:rPr>
-              <a:t>Метод GOMS (сокращение от </a:t>
+                <a:ea typeface="Times New Roman" panose="02020603050405020304" pitchFamily="18" charset="0"/>
+              </a:rPr>
+              <a:t>Алгоритм GSP (англ. </a:t>
             </a:r>
             <a:r>
               <a:rPr lang="ru-RU" sz="2200" dirty="0" err="1">
                 <a:latin typeface="Times New Roman" panose="02020603050405020304" pitchFamily="18" charset="0"/>
-                <a:cs typeface="Times New Roman" panose="02020603050405020304" pitchFamily="18" charset="0"/>
-              </a:rPr>
-              <a:t>Goals</a:t>
+                <a:ea typeface="Times New Roman" panose="02020603050405020304" pitchFamily="18" charset="0"/>
+              </a:rPr>
+              <a:t>Generalized</a:t>
             </a:r>
             <a:r>
               <a:rPr lang="ru-RU" sz="2200" dirty="0">
                 <a:latin typeface="Times New Roman" panose="02020603050405020304" pitchFamily="18" charset="0"/>
-                <a:cs typeface="Times New Roman" panose="02020603050405020304" pitchFamily="18" charset="0"/>
-              </a:rPr>
-              <a:t>, </a:t>
+                <a:ea typeface="Times New Roman" panose="02020603050405020304" pitchFamily="18" charset="0"/>
+              </a:rPr>
+              <a:t> </a:t>
             </a:r>
             <a:r>
               <a:rPr lang="ru-RU" sz="2200" dirty="0" err="1">
                 <a:latin typeface="Times New Roman" panose="02020603050405020304" pitchFamily="18" charset="0"/>
-                <a:cs typeface="Times New Roman" panose="02020603050405020304" pitchFamily="18" charset="0"/>
-              </a:rPr>
-              <a:t>Operators</a:t>
+                <a:ea typeface="Times New Roman" panose="02020603050405020304" pitchFamily="18" charset="0"/>
+              </a:rPr>
+              <a:t>Sequential</a:t>
             </a:r>
             <a:r>
               <a:rPr lang="ru-RU" sz="2200" dirty="0">
                 <a:latin typeface="Times New Roman" panose="02020603050405020304" pitchFamily="18" charset="0"/>
-                <a:cs typeface="Times New Roman" panose="02020603050405020304" pitchFamily="18" charset="0"/>
-              </a:rPr>
-              <a:t>, </a:t>
+                <a:ea typeface="Times New Roman" panose="02020603050405020304" pitchFamily="18" charset="0"/>
+              </a:rPr>
+              <a:t> </a:t>
             </a:r>
             <a:r>
               <a:rPr lang="ru-RU" sz="2200" dirty="0" err="1">
                 <a:latin typeface="Times New Roman" panose="02020603050405020304" pitchFamily="18" charset="0"/>
-                <a:cs typeface="Times New Roman" panose="02020603050405020304" pitchFamily="18" charset="0"/>
-              </a:rPr>
-              <a:t>Methods</a:t>
+                <a:ea typeface="Times New Roman" panose="02020603050405020304" pitchFamily="18" charset="0"/>
+              </a:rPr>
+              <a:t>Pattern</a:t>
             </a:r>
             <a:r>
               <a:rPr lang="ru-RU" sz="2200" dirty="0">
                 <a:latin typeface="Times New Roman" panose="02020603050405020304" pitchFamily="18" charset="0"/>
-                <a:cs typeface="Times New Roman" panose="02020603050405020304" pitchFamily="18" charset="0"/>
-              </a:rPr>
-              <a:t> </a:t>
+                <a:ea typeface="Times New Roman" panose="02020603050405020304" pitchFamily="18" charset="0"/>
+              </a:rPr>
+              <a:t>, обобщенный </a:t>
             </a:r>
             <a:r>
               <a:rPr lang="ru-RU" sz="2200" dirty="0" err="1">
                 <a:latin typeface="Times New Roman" panose="02020603050405020304" pitchFamily="18" charset="0"/>
-                <a:cs typeface="Times New Roman" panose="02020603050405020304" pitchFamily="18" charset="0"/>
-              </a:rPr>
-              <a:t>and</a:t>
+                <a:ea typeface="Times New Roman" panose="02020603050405020304" pitchFamily="18" charset="0"/>
+              </a:rPr>
+              <a:t>секвенциальный</a:t>
             </a:r>
             <a:r>
               <a:rPr lang="ru-RU" sz="2200" dirty="0">
                 <a:latin typeface="Times New Roman" panose="02020603050405020304" pitchFamily="18" charset="0"/>
-                <a:cs typeface="Times New Roman" panose="02020603050405020304" pitchFamily="18" charset="0"/>
-              </a:rPr>
-              <a:t> </a:t>
+                <a:ea typeface="Times New Roman" panose="02020603050405020304" pitchFamily="18" charset="0"/>
+              </a:rPr>
+              <a:t> паттерн) является модификацией алгоритма </a:t>
             </a:r>
             <a:r>
               <a:rPr lang="ru-RU" sz="2200" dirty="0" err="1">
                 <a:latin typeface="Times New Roman" panose="02020603050405020304" pitchFamily="18" charset="0"/>
-                <a:cs typeface="Times New Roman" panose="02020603050405020304" pitchFamily="18" charset="0"/>
-              </a:rPr>
-              <a:t>Selection</a:t>
+                <a:ea typeface="Times New Roman" panose="02020603050405020304" pitchFamily="18" charset="0"/>
+              </a:rPr>
+              <a:t>Apriori</a:t>
+            </a:r>
+            <a:r>
+              <a:rPr lang="en-US" sz="2200" dirty="0">
+                <a:latin typeface="Times New Roman" panose="02020603050405020304" pitchFamily="18" charset="0"/>
+                <a:ea typeface="Times New Roman" panose="02020603050405020304" pitchFamily="18" charset="0"/>
+              </a:rPr>
+              <a:t>All</a:t>
             </a:r>
             <a:r>
               <a:rPr lang="ru-RU" sz="2200" dirty="0">
                 <a:latin typeface="Times New Roman" panose="02020603050405020304" pitchFamily="18" charset="0"/>
-                <a:cs typeface="Times New Roman" panose="02020603050405020304" pitchFamily="18" charset="0"/>
-              </a:rPr>
-              <a:t> </a:t>
-            </a:r>
-            <a:r>
-              <a:rPr lang="ru-RU" sz="2200" dirty="0" err="1">
-                <a:latin typeface="Times New Roman" panose="02020603050405020304" pitchFamily="18" charset="0"/>
-                <a:cs typeface="Times New Roman" panose="02020603050405020304" pitchFamily="18" charset="0"/>
-              </a:rPr>
-              <a:t>Rules</a:t>
-            </a:r>
+                <a:ea typeface="Times New Roman" panose="02020603050405020304" pitchFamily="18" charset="0"/>
+              </a:rPr>
+              <a:t>, учитывающей ограничения по времени между соседними транзакциями</a:t>
+            </a:r>
+            <a:r>
+              <a:rPr lang="en-US" sz="2200" dirty="0">
+                <a:latin typeface="Times New Roman" panose="02020603050405020304" pitchFamily="18" charset="0"/>
+                <a:ea typeface="Times New Roman" panose="02020603050405020304" pitchFamily="18" charset="0"/>
+              </a:rPr>
+              <a:t>.</a:t>
+            </a:r>
+          </a:p>
+          <a:p>
+            <a:pPr indent="0" algn="just">
+              <a:lnSpc>
+                <a:spcPct val="100000"/>
+              </a:lnSpc>
+              <a:buNone/>
+            </a:pPr>
             <a:r>
               <a:rPr lang="ru-RU" sz="2200" dirty="0">
                 <a:latin typeface="Times New Roman" panose="02020603050405020304" pitchFamily="18" charset="0"/>
-                <a:cs typeface="Times New Roman" panose="02020603050405020304" pitchFamily="18" charset="0"/>
-              </a:rPr>
-              <a:t>) – это семейство методов, позволяющих провести моделирование выполнения той или иной задачи пользователем и на основе такой модели оценить качество интерфейса.</a:t>
-            </a:r>
-          </a:p>
-          <a:p>
-            <a:pPr marL="0" indent="0">
-              <a:buNone/>
-            </a:pPr>
-            <a:r>
-              <a:rPr lang="ru-RU" sz="2200" dirty="0">
-                <a:latin typeface="Times New Roman" panose="02020603050405020304" pitchFamily="18" charset="0"/>
-                <a:cs typeface="Times New Roman" panose="02020603050405020304" pitchFamily="18" charset="0"/>
-              </a:rPr>
-              <a:t>Метод </a:t>
-            </a:r>
-            <a:r>
-              <a:rPr lang="en-US" sz="2200" dirty="0">
-                <a:latin typeface="Times New Roman" panose="02020603050405020304" pitchFamily="18" charset="0"/>
-                <a:cs typeface="Times New Roman" panose="02020603050405020304" pitchFamily="18" charset="0"/>
-              </a:rPr>
-              <a:t>GOMS </a:t>
-            </a:r>
-            <a:r>
-              <a:rPr lang="ru-RU" sz="2200" dirty="0">
-                <a:latin typeface="Times New Roman" panose="02020603050405020304" pitchFamily="18" charset="0"/>
-                <a:cs typeface="Times New Roman" panose="02020603050405020304" pitchFamily="18" charset="0"/>
-              </a:rPr>
-              <a:t>включает в себя модель </a:t>
-            </a:r>
-            <a:r>
-              <a:rPr lang="en-US" sz="2200" dirty="0">
-                <a:latin typeface="Times New Roman" panose="02020603050405020304" pitchFamily="18" charset="0"/>
-                <a:cs typeface="Times New Roman" panose="02020603050405020304" pitchFamily="18" charset="0"/>
-              </a:rPr>
-              <a:t>Keystroke-level Model (KLM)</a:t>
-            </a:r>
-            <a:r>
-              <a:rPr lang="ru-RU" sz="2200" dirty="0">
-                <a:latin typeface="Times New Roman" panose="02020603050405020304" pitchFamily="18" charset="0"/>
-                <a:cs typeface="Times New Roman" panose="02020603050405020304" pitchFamily="18" charset="0"/>
-              </a:rPr>
-              <a:t>, которая выделяет следующие элементарные задачи:</a:t>
-            </a:r>
-          </a:p>
-          <a:p>
-            <a:r>
-              <a:rPr lang="ru-RU" sz="2200" dirty="0">
-                <a:latin typeface="Times New Roman" panose="02020603050405020304" pitchFamily="18" charset="0"/>
-                <a:cs typeface="Times New Roman" panose="02020603050405020304" pitchFamily="18" charset="0"/>
-              </a:rPr>
-              <a:t>K – нажатие на клавишу;</a:t>
-            </a:r>
-          </a:p>
-          <a:p>
-            <a:r>
-              <a:rPr lang="ru-RU" sz="2200" dirty="0">
-                <a:latin typeface="Times New Roman" panose="02020603050405020304" pitchFamily="18" charset="0"/>
-                <a:cs typeface="Times New Roman" panose="02020603050405020304" pitchFamily="18" charset="0"/>
-              </a:rPr>
-              <a:t>P – указание курсором мыши на объект;</a:t>
-            </a:r>
-          </a:p>
-          <a:p>
-            <a:r>
-              <a:rPr lang="ru-RU" sz="2200" dirty="0">
-                <a:latin typeface="Times New Roman" panose="02020603050405020304" pitchFamily="18" charset="0"/>
-                <a:cs typeface="Times New Roman" panose="02020603050405020304" pitchFamily="18" charset="0"/>
-              </a:rPr>
-              <a:t>B – нажатие или отпускание мыши;</a:t>
-            </a:r>
-          </a:p>
-          <a:p>
-            <a:r>
-              <a:rPr lang="ru-RU" sz="2200" dirty="0">
-                <a:latin typeface="Times New Roman" panose="02020603050405020304" pitchFamily="18" charset="0"/>
-                <a:cs typeface="Times New Roman" panose="02020603050405020304" pitchFamily="18" charset="0"/>
-              </a:rPr>
-              <a:t>M – умственная подготовка, выбор действия;</a:t>
+                <a:ea typeface="Times New Roman" panose="02020603050405020304" pitchFamily="18" charset="0"/>
+              </a:rPr>
+              <a:t>В работе алгоритма можно выделить следующие основные этапы:</a:t>
             </a:r>
             <a:endParaRPr lang="en-US" sz="2200" dirty="0">
               <a:latin typeface="Times New Roman" panose="02020603050405020304" pitchFamily="18" charset="0"/>
-              <a:cs typeface="Times New Roman" panose="02020603050405020304" pitchFamily="18" charset="0"/>
+              <a:ea typeface="Times New Roman" panose="02020603050405020304" pitchFamily="18" charset="0"/>
             </a:endParaRPr>
           </a:p>
           <a:p>
+            <a:pPr indent="0">
+              <a:lnSpc>
+                <a:spcPct val="100000"/>
+              </a:lnSpc>
+              <a:buNone/>
+            </a:pPr>
             <a:r>
               <a:rPr lang="en-US" sz="2200" dirty="0">
                 <a:latin typeface="Times New Roman" panose="02020603050405020304" pitchFamily="18" charset="0"/>
                 <a:cs typeface="Times New Roman" panose="02020603050405020304" pitchFamily="18" charset="0"/>
               </a:rPr>
-              <a:t>H </a:t>
+              <a:t>	1. </a:t>
             </a:r>
             <a:r>
               <a:rPr lang="ru-RU" sz="2200" dirty="0">
                 <a:latin typeface="Times New Roman" panose="02020603050405020304" pitchFamily="18" charset="0"/>
                 <a:cs typeface="Times New Roman" panose="02020603050405020304" pitchFamily="18" charset="0"/>
               </a:rPr>
-              <a:t>– перемещение руки в исходное положение на клавиатуре;</a:t>
-            </a:r>
-          </a:p>
-          <a:p>
+              <a:t>Генерация кандидатов.</a:t>
+            </a:r>
+            <a:br>
+              <a:rPr lang="en-US" sz="2200" dirty="0">
+                <a:latin typeface="Times New Roman" panose="02020603050405020304" pitchFamily="18" charset="0"/>
+                <a:cs typeface="Times New Roman" panose="02020603050405020304" pitchFamily="18" charset="0"/>
+              </a:rPr>
+            </a:br>
+            <a:r>
+              <a:rPr lang="en-US" sz="2200" dirty="0">
+                <a:latin typeface="Times New Roman" panose="02020603050405020304" pitchFamily="18" charset="0"/>
+                <a:cs typeface="Times New Roman" panose="02020603050405020304" pitchFamily="18" charset="0"/>
+              </a:rPr>
+              <a:t>	1.1 </a:t>
+            </a:r>
             <a:r>
               <a:rPr lang="ru-RU" sz="2200" dirty="0">
                 <a:latin typeface="Times New Roman" panose="02020603050405020304" pitchFamily="18" charset="0"/>
                 <a:cs typeface="Times New Roman" panose="02020603050405020304" pitchFamily="18" charset="0"/>
               </a:rPr>
-              <a:t>R – ожидание ответа системы.</a:t>
-            </a:r>
-            <a:endParaRPr lang="ru-RU" sz="2200" dirty="0">
+              <a:t>Объединение.</a:t>
+            </a:r>
+            <a:br>
+              <a:rPr lang="en-US" sz="2200" dirty="0">
+                <a:latin typeface="Times New Roman" panose="02020603050405020304" pitchFamily="18" charset="0"/>
+                <a:cs typeface="Times New Roman" panose="02020603050405020304" pitchFamily="18" charset="0"/>
+              </a:rPr>
+            </a:br>
+            <a:r>
+              <a:rPr lang="en-US" sz="2200" dirty="0">
+                <a:latin typeface="Times New Roman" panose="02020603050405020304" pitchFamily="18" charset="0"/>
+                <a:cs typeface="Times New Roman" panose="02020603050405020304" pitchFamily="18" charset="0"/>
+              </a:rPr>
+              <a:t>	1.2 </a:t>
+            </a:r>
+            <a:r>
+              <a:rPr lang="ru-RU" sz="2200" dirty="0">
+                <a:latin typeface="Times New Roman" panose="02020603050405020304" pitchFamily="18" charset="0"/>
+                <a:cs typeface="Times New Roman" panose="02020603050405020304" pitchFamily="18" charset="0"/>
+              </a:rPr>
+              <a:t>Упрощение.</a:t>
+            </a:r>
+            <a:br>
+              <a:rPr lang="en-US" sz="2200" dirty="0">
+                <a:latin typeface="Times New Roman" panose="02020603050405020304" pitchFamily="18" charset="0"/>
+                <a:cs typeface="Times New Roman" panose="02020603050405020304" pitchFamily="18" charset="0"/>
+              </a:rPr>
+            </a:br>
+            <a:r>
+              <a:rPr lang="en-US" sz="2200" dirty="0">
+                <a:latin typeface="Times New Roman" panose="02020603050405020304" pitchFamily="18" charset="0"/>
+                <a:cs typeface="Times New Roman" panose="02020603050405020304" pitchFamily="18" charset="0"/>
+              </a:rPr>
+              <a:t>	2. </a:t>
+            </a:r>
+            <a:r>
+              <a:rPr lang="ru-RU" sz="2200" dirty="0">
+                <a:latin typeface="Times New Roman" panose="02020603050405020304" pitchFamily="18" charset="0"/>
+                <a:cs typeface="Times New Roman" panose="02020603050405020304" pitchFamily="18" charset="0"/>
+              </a:rPr>
+              <a:t>Подсчет поддержки кандидатов.</a:t>
+            </a:r>
+            <a:endParaRPr lang="en-US" sz="2200" dirty="0">
               <a:latin typeface="Times New Roman" panose="02020603050405020304" pitchFamily="18" charset="0"/>
               <a:ea typeface="Times New Roman" panose="02020603050405020304" pitchFamily="18" charset="0"/>
               <a:cs typeface="Times New Roman" panose="02020603050405020304" pitchFamily="18" charset="0"/>
@@ -6192,39 +6273,10 @@
           </a:p>
         </p:txBody>
       </p:sp>
-      <p:sp>
-        <p:nvSpPr>
-          <p:cNvPr id="4" name="Номер слайда 3">
-            <a:extLst>
-              <a:ext uri="{FF2B5EF4-FFF2-40B4-BE49-F238E27FC236}">
-                <a16:creationId xmlns:a16="http://schemas.microsoft.com/office/drawing/2014/main" id="{80FEEFAF-0D6B-464C-7360-370FF23083CC}"/>
-              </a:ext>
-            </a:extLst>
-          </p:cNvPr>
-          <p:cNvSpPr>
-            <a:spLocks noGrp="1"/>
-          </p:cNvSpPr>
-          <p:nvPr>
-            <p:ph type="sldNum" sz="quarter" idx="12"/>
-          </p:nvPr>
-        </p:nvSpPr>
-        <p:spPr/>
-        <p:txBody>
-          <a:bodyPr/>
-          <a:lstStyle/>
-          <a:p>
-            <a:fld id="{E83D2FD5-BBDA-43D0-B172-791327EA2B6A}" type="slidenum">
-              <a:rPr lang="ru-RU" smtClean="0"/>
-              <a:t>8</a:t>
-            </a:fld>
-            <a:endParaRPr lang="ru-RU" dirty="0"/>
-          </a:p>
-        </p:txBody>
-      </p:sp>
     </p:spTree>
     <p:extLst>
       <p:ext uri="{BB962C8B-B14F-4D97-AF65-F5344CB8AC3E}">
-        <p14:creationId xmlns:p14="http://schemas.microsoft.com/office/powerpoint/2010/main" val="95372301"/>
+        <p14:creationId xmlns:p14="http://schemas.microsoft.com/office/powerpoint/2010/main" val="2834239968"/>
       </p:ext>
     </p:extLst>
   </p:cSld>
@@ -6281,7 +6333,7 @@
           <a:p>
             <a:r>
               <a:rPr lang="ru-RU" sz="4000" b="1" dirty="0"/>
-              <a:t>Классификация</a:t>
+              <a:t>Метод оценки эффективности интерфейса GOMS</a:t>
             </a:r>
           </a:p>
         </p:txBody>
@@ -6314,86 +6366,209 @@
           </a:bodyPr>
           <a:lstStyle/>
           <a:p>
-            <a:pPr indent="0" algn="just">
-              <a:lnSpc>
-                <a:spcPct val="100000"/>
-              </a:lnSpc>
+            <a:pPr marL="0" indent="0">
               <a:buNone/>
             </a:pPr>
             <a:r>
               <a:rPr lang="ru-RU" sz="2200" dirty="0">
                 <a:latin typeface="Times New Roman" panose="02020603050405020304" pitchFamily="18" charset="0"/>
-                <a:ea typeface="Times New Roman" panose="02020603050405020304" pitchFamily="18" charset="0"/>
-              </a:rPr>
-              <a:t>Рассмотрев вышеописанные методы анализа пользовательской активности, можно их разделить на следующие категории:</a:t>
-            </a:r>
-          </a:p>
-          <a:p>
-            <a:pPr marL="571500" indent="-342900" algn="just">
-              <a:lnSpc>
-                <a:spcPct val="100000"/>
-              </a:lnSpc>
+                <a:cs typeface="Times New Roman" panose="02020603050405020304" pitchFamily="18" charset="0"/>
+              </a:rPr>
+              <a:t>Метод GOMS (сокращение от </a:t>
+            </a:r>
+            <a:r>
+              <a:rPr lang="ru-RU" sz="2200" dirty="0" err="1">
+                <a:latin typeface="Times New Roman" panose="02020603050405020304" pitchFamily="18" charset="0"/>
+                <a:cs typeface="Times New Roman" panose="02020603050405020304" pitchFamily="18" charset="0"/>
+              </a:rPr>
+              <a:t>Goals</a:t>
+            </a:r>
+            <a:r>
+              <a:rPr lang="ru-RU" sz="2200" dirty="0">
+                <a:latin typeface="Times New Roman" panose="02020603050405020304" pitchFamily="18" charset="0"/>
+                <a:cs typeface="Times New Roman" panose="02020603050405020304" pitchFamily="18" charset="0"/>
+              </a:rPr>
+              <a:t>, </a:t>
+            </a:r>
+            <a:r>
+              <a:rPr lang="ru-RU" sz="2200" dirty="0" err="1">
+                <a:latin typeface="Times New Roman" panose="02020603050405020304" pitchFamily="18" charset="0"/>
+                <a:cs typeface="Times New Roman" panose="02020603050405020304" pitchFamily="18" charset="0"/>
+              </a:rPr>
+              <a:t>Operators</a:t>
+            </a:r>
+            <a:r>
+              <a:rPr lang="ru-RU" sz="2200" dirty="0">
+                <a:latin typeface="Times New Roman" panose="02020603050405020304" pitchFamily="18" charset="0"/>
+                <a:cs typeface="Times New Roman" panose="02020603050405020304" pitchFamily="18" charset="0"/>
+              </a:rPr>
+              <a:t>, </a:t>
+            </a:r>
+            <a:r>
+              <a:rPr lang="ru-RU" sz="2200" dirty="0" err="1">
+                <a:latin typeface="Times New Roman" panose="02020603050405020304" pitchFamily="18" charset="0"/>
+                <a:cs typeface="Times New Roman" panose="02020603050405020304" pitchFamily="18" charset="0"/>
+              </a:rPr>
+              <a:t>Methods</a:t>
+            </a:r>
+            <a:r>
+              <a:rPr lang="ru-RU" sz="2200" dirty="0">
+                <a:latin typeface="Times New Roman" panose="02020603050405020304" pitchFamily="18" charset="0"/>
+                <a:cs typeface="Times New Roman" panose="02020603050405020304" pitchFamily="18" charset="0"/>
+              </a:rPr>
+              <a:t> </a:t>
+            </a:r>
+            <a:r>
+              <a:rPr lang="ru-RU" sz="2200" dirty="0" err="1">
+                <a:latin typeface="Times New Roman" panose="02020603050405020304" pitchFamily="18" charset="0"/>
+                <a:cs typeface="Times New Roman" panose="02020603050405020304" pitchFamily="18" charset="0"/>
+              </a:rPr>
+              <a:t>and</a:t>
+            </a:r>
+            <a:r>
+              <a:rPr lang="ru-RU" sz="2200" dirty="0">
+                <a:latin typeface="Times New Roman" panose="02020603050405020304" pitchFamily="18" charset="0"/>
+                <a:cs typeface="Times New Roman" panose="02020603050405020304" pitchFamily="18" charset="0"/>
+              </a:rPr>
+              <a:t> </a:t>
+            </a:r>
+            <a:r>
+              <a:rPr lang="ru-RU" sz="2200" dirty="0" err="1">
+                <a:latin typeface="Times New Roman" panose="02020603050405020304" pitchFamily="18" charset="0"/>
+                <a:cs typeface="Times New Roman" panose="02020603050405020304" pitchFamily="18" charset="0"/>
+              </a:rPr>
+              <a:t>Selection</a:t>
+            </a:r>
+            <a:r>
+              <a:rPr lang="ru-RU" sz="2200" dirty="0">
+                <a:latin typeface="Times New Roman" panose="02020603050405020304" pitchFamily="18" charset="0"/>
+                <a:cs typeface="Times New Roman" panose="02020603050405020304" pitchFamily="18" charset="0"/>
+              </a:rPr>
+              <a:t> </a:t>
+            </a:r>
+            <a:r>
+              <a:rPr lang="ru-RU" sz="2200" dirty="0" err="1">
+                <a:latin typeface="Times New Roman" panose="02020603050405020304" pitchFamily="18" charset="0"/>
+                <a:cs typeface="Times New Roman" panose="02020603050405020304" pitchFamily="18" charset="0"/>
+              </a:rPr>
+              <a:t>Rules</a:t>
+            </a:r>
+            <a:r>
+              <a:rPr lang="ru-RU" sz="2200" dirty="0">
+                <a:latin typeface="Times New Roman" panose="02020603050405020304" pitchFamily="18" charset="0"/>
+                <a:cs typeface="Times New Roman" panose="02020603050405020304" pitchFamily="18" charset="0"/>
+              </a:rPr>
+              <a:t>) – это семейство методов, позволяющих провести моделирование выполнения той или иной задачи пользователем и на основе такой модели оценить качество интерфейса.</a:t>
+            </a:r>
+          </a:p>
+          <a:p>
+            <a:pPr marL="0" indent="0">
+              <a:buNone/>
             </a:pPr>
             <a:r>
               <a:rPr lang="ru-RU" sz="2200" dirty="0">
                 <a:latin typeface="Times New Roman" panose="02020603050405020304" pitchFamily="18" charset="0"/>
-                <a:ea typeface="Times New Roman" panose="02020603050405020304" pitchFamily="18" charset="0"/>
-              </a:rPr>
-              <a:t>поиск ассоциативных правил;</a:t>
-            </a:r>
-          </a:p>
-          <a:p>
-            <a:pPr marL="571500" indent="-342900" algn="just">
-              <a:lnSpc>
-                <a:spcPct val="100000"/>
-              </a:lnSpc>
-            </a:pPr>
+                <a:cs typeface="Times New Roman" panose="02020603050405020304" pitchFamily="18" charset="0"/>
+              </a:rPr>
+              <a:t>Метод </a:t>
+            </a:r>
+            <a:r>
+              <a:rPr lang="en-US" sz="2200" dirty="0">
+                <a:latin typeface="Times New Roman" panose="02020603050405020304" pitchFamily="18" charset="0"/>
+                <a:cs typeface="Times New Roman" panose="02020603050405020304" pitchFamily="18" charset="0"/>
+              </a:rPr>
+              <a:t>GOMS </a:t>
+            </a:r>
             <a:r>
               <a:rPr lang="ru-RU" sz="2200" dirty="0">
                 <a:latin typeface="Times New Roman" panose="02020603050405020304" pitchFamily="18" charset="0"/>
-                <a:ea typeface="Times New Roman" panose="02020603050405020304" pitchFamily="18" charset="0"/>
-              </a:rPr>
-              <a:t>поиск последовательных шаблонов;</a:t>
-            </a:r>
-          </a:p>
-          <a:p>
-            <a:pPr marL="571500" indent="-342900" algn="just">
-              <a:lnSpc>
-                <a:spcPct val="100000"/>
-              </a:lnSpc>
-            </a:pPr>
+                <a:cs typeface="Times New Roman" panose="02020603050405020304" pitchFamily="18" charset="0"/>
+              </a:rPr>
+              <a:t>включает в себя модель </a:t>
+            </a:r>
+            <a:r>
+              <a:rPr lang="en-US" sz="2200" dirty="0">
+                <a:latin typeface="Times New Roman" panose="02020603050405020304" pitchFamily="18" charset="0"/>
+                <a:cs typeface="Times New Roman" panose="02020603050405020304" pitchFamily="18" charset="0"/>
+              </a:rPr>
+              <a:t>Keystroke-level Model (KLM)</a:t>
+            </a:r>
             <a:r>
               <a:rPr lang="ru-RU" sz="2200" dirty="0">
                 <a:latin typeface="Times New Roman" panose="02020603050405020304" pitchFamily="18" charset="0"/>
-                <a:ea typeface="Times New Roman" panose="02020603050405020304" pitchFamily="18" charset="0"/>
-              </a:rPr>
-              <a:t>сбор и анализ временных характеристик выполнения пользователем действий и промежутков между ними;</a:t>
-            </a:r>
-          </a:p>
-          <a:p>
-            <a:pPr marL="571500" indent="-342900" algn="just">
-              <a:lnSpc>
-                <a:spcPct val="100000"/>
-              </a:lnSpc>
-            </a:pPr>
+                <a:cs typeface="Times New Roman" panose="02020603050405020304" pitchFamily="18" charset="0"/>
+              </a:rPr>
+              <a:t>, которая выделяет следующие элементарные задачи:</a:t>
+            </a:r>
+          </a:p>
+          <a:p>
             <a:r>
               <a:rPr lang="ru-RU" sz="2200" dirty="0">
                 <a:latin typeface="Times New Roman" panose="02020603050405020304" pitchFamily="18" charset="0"/>
-                <a:ea typeface="Times New Roman" panose="02020603050405020304" pitchFamily="18" charset="0"/>
-              </a:rPr>
-              <a:t>вычисление уровней поддержки шаблонов поведения пользователя.</a:t>
-            </a:r>
-          </a:p>
-          <a:p>
-            <a:pPr indent="0" algn="just">
-              <a:lnSpc>
-                <a:spcPct val="100000"/>
-              </a:lnSpc>
-              <a:buNone/>
-            </a:pPr>
+                <a:cs typeface="Times New Roman" panose="02020603050405020304" pitchFamily="18" charset="0"/>
+              </a:rPr>
+              <a:t>K – нажатие на клавишу;</a:t>
+            </a:r>
+          </a:p>
+          <a:p>
+            <a:r>
+              <a:rPr lang="ru-RU" sz="2200" dirty="0">
+                <a:latin typeface="Times New Roman" panose="02020603050405020304" pitchFamily="18" charset="0"/>
+                <a:cs typeface="Times New Roman" panose="02020603050405020304" pitchFamily="18" charset="0"/>
+              </a:rPr>
+              <a:t>P – указание курсором мыши на объект;</a:t>
+            </a:r>
+          </a:p>
+          <a:p>
+            <a:r>
+              <a:rPr lang="ru-RU" sz="2200" dirty="0">
+                <a:latin typeface="Times New Roman" panose="02020603050405020304" pitchFamily="18" charset="0"/>
+                <a:cs typeface="Times New Roman" panose="02020603050405020304" pitchFamily="18" charset="0"/>
+              </a:rPr>
+              <a:t>B – нажатие или отпускание мыши;</a:t>
+            </a:r>
+          </a:p>
+          <a:p>
+            <a:r>
+              <a:rPr lang="ru-RU" sz="2200" dirty="0">
+                <a:latin typeface="Times New Roman" panose="02020603050405020304" pitchFamily="18" charset="0"/>
+                <a:cs typeface="Times New Roman" panose="02020603050405020304" pitchFamily="18" charset="0"/>
+              </a:rPr>
+              <a:t>M – умственная подготовка, выбор действия;</a:t>
+            </a:r>
+            <a:endParaRPr lang="en-US" sz="2200" dirty="0">
+              <a:latin typeface="Times New Roman" panose="02020603050405020304" pitchFamily="18" charset="0"/>
+              <a:cs typeface="Times New Roman" panose="02020603050405020304" pitchFamily="18" charset="0"/>
+            </a:endParaRPr>
+          </a:p>
+          <a:p>
+            <a:r>
+              <a:rPr lang="en-US" sz="2200" dirty="0">
+                <a:latin typeface="Times New Roman" panose="02020603050405020304" pitchFamily="18" charset="0"/>
+                <a:cs typeface="Times New Roman" panose="02020603050405020304" pitchFamily="18" charset="0"/>
+              </a:rPr>
+              <a:t>H </a:t>
+            </a:r>
+            <a:r>
+              <a:rPr lang="ru-RU" sz="2200" dirty="0">
+                <a:latin typeface="Times New Roman" panose="02020603050405020304" pitchFamily="18" charset="0"/>
+                <a:cs typeface="Times New Roman" panose="02020603050405020304" pitchFamily="18" charset="0"/>
+              </a:rPr>
+              <a:t>– перемещение руки в исходное положение на клавиатуре;</a:t>
+            </a:r>
+          </a:p>
+          <a:p>
+            <a:r>
+              <a:rPr lang="ru-RU" sz="2200" dirty="0">
+                <a:latin typeface="Times New Roman" panose="02020603050405020304" pitchFamily="18" charset="0"/>
+                <a:cs typeface="Times New Roman" panose="02020603050405020304" pitchFamily="18" charset="0"/>
+              </a:rPr>
+              <a:t>R – ожидание ответа системы.</a:t>
+            </a:r>
             <a:endParaRPr lang="ru-RU" sz="2200" dirty="0">
               <a:latin typeface="Times New Roman" panose="02020603050405020304" pitchFamily="18" charset="0"/>
               <a:ea typeface="Times New Roman" panose="02020603050405020304" pitchFamily="18" charset="0"/>
+              <a:cs typeface="Times New Roman" panose="02020603050405020304" pitchFamily="18" charset="0"/>
             </a:endParaRPr>
           </a:p>
         </p:txBody>
@@ -6430,7 +6605,7 @@
     </p:spTree>
     <p:extLst>
       <p:ext uri="{BB962C8B-B14F-4D97-AF65-F5344CB8AC3E}">
-        <p14:creationId xmlns:p14="http://schemas.microsoft.com/office/powerpoint/2010/main" val="2176375297"/>
+        <p14:creationId xmlns:p14="http://schemas.microsoft.com/office/powerpoint/2010/main" val="95372301"/>
       </p:ext>
     </p:extLst>
   </p:cSld>

--- a/НИР и ВКР/Презентация/ПронинАС_НИР_презентация.pptx
+++ b/НИР и ВКР/Презентация/ПронинАС_НИР_презентация.pptx
@@ -5640,76 +5640,12 @@
           <a:chExt cx="0" cy="0"/>
         </a:xfrm>
       </p:grpSpPr>
-      <p:sp>
-        <p:nvSpPr>
-          <p:cNvPr id="2" name="Заголовок 1">
-            <a:extLst>
-              <a:ext uri="{FF2B5EF4-FFF2-40B4-BE49-F238E27FC236}">
-                <a16:creationId xmlns:a16="http://schemas.microsoft.com/office/drawing/2014/main" id="{1802D59D-6A83-151A-EEA2-678960399BE4}"/>
-              </a:ext>
-            </a:extLst>
-          </p:cNvPr>
-          <p:cNvSpPr>
-            <a:spLocks noGrp="1"/>
-          </p:cNvSpPr>
-          <p:nvPr>
-            <p:ph type="title"/>
-          </p:nvPr>
-        </p:nvSpPr>
-        <p:spPr>
-          <a:xfrm>
-            <a:off x="428016" y="-72232"/>
-            <a:ext cx="11763983" cy="1325563"/>
-          </a:xfrm>
-        </p:spPr>
-        <p:txBody>
-          <a:bodyPr>
-            <a:normAutofit/>
-          </a:bodyPr>
-          <a:lstStyle/>
-          <a:p>
-            <a:r>
-              <a:rPr lang="ru-RU" sz="4000" b="1" dirty="0"/>
-              <a:t>Алгоритм получения ассоциативных правил Apriori</a:t>
-            </a:r>
-          </a:p>
-        </p:txBody>
-      </p:sp>
-      <p:sp>
-        <p:nvSpPr>
-          <p:cNvPr id="4" name="Номер слайда 3">
-            <a:extLst>
-              <a:ext uri="{FF2B5EF4-FFF2-40B4-BE49-F238E27FC236}">
-                <a16:creationId xmlns:a16="http://schemas.microsoft.com/office/drawing/2014/main" id="{80FEEFAF-0D6B-464C-7360-370FF23083CC}"/>
-              </a:ext>
-            </a:extLst>
-          </p:cNvPr>
-          <p:cNvSpPr>
-            <a:spLocks noGrp="1"/>
-          </p:cNvSpPr>
-          <p:nvPr>
-            <p:ph type="sldNum" sz="quarter" idx="12"/>
-          </p:nvPr>
-        </p:nvSpPr>
-        <p:spPr/>
-        <p:txBody>
-          <a:bodyPr/>
-          <a:lstStyle/>
-          <a:p>
-            <a:fld id="{E83D2FD5-BBDA-43D0-B172-791327EA2B6A}" type="slidenum">
-              <a:rPr lang="ru-RU" smtClean="0"/>
-              <a:t>6</a:t>
-            </a:fld>
-            <a:endParaRPr lang="ru-RU" dirty="0"/>
-          </a:p>
-        </p:txBody>
-      </p:sp>
       <p:pic>
         <p:nvPicPr>
-          <p:cNvPr id="14" name="Рисунок 13">
-            <a:extLst>
-              <a:ext uri="{FF2B5EF4-FFF2-40B4-BE49-F238E27FC236}">
-                <a16:creationId xmlns:a16="http://schemas.microsoft.com/office/drawing/2014/main" id="{CDABA089-439E-4C81-AE26-64F26D679FFA}"/>
+          <p:cNvPr id="24" name="Рисунок 23">
+            <a:extLst>
+              <a:ext uri="{FF2B5EF4-FFF2-40B4-BE49-F238E27FC236}">
+                <a16:creationId xmlns:a16="http://schemas.microsoft.com/office/drawing/2014/main" id="{95825B38-A1E9-479F-BBE2-537F66F3CF44}"/>
               </a:ext>
             </a:extLst>
           </p:cNvPr>
@@ -5732,20 +5668,84 @@
         </p:blipFill>
         <p:spPr>
           <a:xfrm>
-            <a:off x="0" y="1364853"/>
-            <a:ext cx="6522077" cy="4128294"/>
+            <a:off x="6314075" y="3484072"/>
+            <a:ext cx="5548039" cy="2798460"/>
           </a:xfrm>
           <a:prstGeom prst="rect">
             <a:avLst/>
           </a:prstGeom>
         </p:spPr>
       </p:pic>
+      <p:sp>
+        <p:nvSpPr>
+          <p:cNvPr id="2" name="Заголовок 1">
+            <a:extLst>
+              <a:ext uri="{FF2B5EF4-FFF2-40B4-BE49-F238E27FC236}">
+                <a16:creationId xmlns:a16="http://schemas.microsoft.com/office/drawing/2014/main" id="{1802D59D-6A83-151A-EEA2-678960399BE4}"/>
+              </a:ext>
+            </a:extLst>
+          </p:cNvPr>
+          <p:cNvSpPr>
+            <a:spLocks noGrp="1"/>
+          </p:cNvSpPr>
+          <p:nvPr>
+            <p:ph type="title"/>
+          </p:nvPr>
+        </p:nvSpPr>
+        <p:spPr>
+          <a:xfrm>
+            <a:off x="428016" y="-72232"/>
+            <a:ext cx="11763983" cy="1325563"/>
+          </a:xfrm>
+        </p:spPr>
+        <p:txBody>
+          <a:bodyPr>
+            <a:normAutofit/>
+          </a:bodyPr>
+          <a:lstStyle/>
+          <a:p>
+            <a:r>
+              <a:rPr lang="ru-RU" sz="4000" b="1" dirty="0"/>
+              <a:t>Алгоритм получения ассоциативных правил Apriori</a:t>
+            </a:r>
+          </a:p>
+        </p:txBody>
+      </p:sp>
+      <p:sp>
+        <p:nvSpPr>
+          <p:cNvPr id="4" name="Номер слайда 3">
+            <a:extLst>
+              <a:ext uri="{FF2B5EF4-FFF2-40B4-BE49-F238E27FC236}">
+                <a16:creationId xmlns:a16="http://schemas.microsoft.com/office/drawing/2014/main" id="{80FEEFAF-0D6B-464C-7360-370FF23083CC}"/>
+              </a:ext>
+            </a:extLst>
+          </p:cNvPr>
+          <p:cNvSpPr>
+            <a:spLocks noGrp="1"/>
+          </p:cNvSpPr>
+          <p:nvPr>
+            <p:ph type="sldNum" sz="quarter" idx="12"/>
+          </p:nvPr>
+        </p:nvSpPr>
+        <p:spPr/>
+        <p:txBody>
+          <a:bodyPr/>
+          <a:lstStyle/>
+          <a:p>
+            <a:fld id="{E83D2FD5-BBDA-43D0-B172-791327EA2B6A}" type="slidenum">
+              <a:rPr lang="ru-RU" smtClean="0"/>
+              <a:t>6</a:t>
+            </a:fld>
+            <a:endParaRPr lang="ru-RU" dirty="0"/>
+          </a:p>
+        </p:txBody>
+      </p:sp>
       <p:pic>
         <p:nvPicPr>
-          <p:cNvPr id="24" name="Рисунок 23">
-            <a:extLst>
-              <a:ext uri="{FF2B5EF4-FFF2-40B4-BE49-F238E27FC236}">
-                <a16:creationId xmlns:a16="http://schemas.microsoft.com/office/drawing/2014/main" id="{95825B38-A1E9-479F-BBE2-537F66F3CF44}"/>
+          <p:cNvPr id="14" name="Рисунок 13">
+            <a:extLst>
+              <a:ext uri="{FF2B5EF4-FFF2-40B4-BE49-F238E27FC236}">
+                <a16:creationId xmlns:a16="http://schemas.microsoft.com/office/drawing/2014/main" id="{CDABA089-439E-4C81-AE26-64F26D679FFA}"/>
               </a:ext>
             </a:extLst>
           </p:cNvPr>
@@ -5768,8 +5768,8 @@
         </p:blipFill>
         <p:spPr>
           <a:xfrm>
-            <a:off x="6522077" y="2029770"/>
-            <a:ext cx="5548039" cy="2798460"/>
+            <a:off x="329886" y="1041003"/>
+            <a:ext cx="6522077" cy="4128294"/>
           </a:xfrm>
           <a:prstGeom prst="rect">
             <a:avLst/>

--- a/НИР и ВКР/Презентация/ПронинАС_НИР_презентация.pptx
+++ b/НИР и ВКР/Презентация/ПронинАС_НИР_презентация.pptx
@@ -5,21 +5,22 @@
     <p:sldMasterId id="2147483648" r:id="rId1"/>
   </p:sldMasterIdLst>
   <p:notesMasterIdLst>
-    <p:notesMasterId r:id="rId14"/>
+    <p:notesMasterId r:id="rId15"/>
   </p:notesMasterIdLst>
   <p:sldIdLst>
     <p:sldId id="256" r:id="rId2"/>
     <p:sldId id="257" r:id="rId3"/>
-    <p:sldId id="279" r:id="rId4"/>
-    <p:sldId id="280" r:id="rId5"/>
+    <p:sldId id="288" r:id="rId4"/>
+    <p:sldId id="279" r:id="rId5"/>
     <p:sldId id="285" r:id="rId6"/>
-    <p:sldId id="283" r:id="rId7"/>
-    <p:sldId id="287" r:id="rId8"/>
+    <p:sldId id="289" r:id="rId7"/>
+    <p:sldId id="283" r:id="rId8"/>
     <p:sldId id="286" r:id="rId9"/>
-    <p:sldId id="284" r:id="rId10"/>
-    <p:sldId id="281" r:id="rId11"/>
-    <p:sldId id="282" r:id="rId12"/>
-    <p:sldId id="266" r:id="rId13"/>
+    <p:sldId id="290" r:id="rId10"/>
+    <p:sldId id="284" r:id="rId11"/>
+    <p:sldId id="281" r:id="rId12"/>
+    <p:sldId id="282" r:id="rId13"/>
+    <p:sldId id="266" r:id="rId14"/>
   </p:sldIdLst>
   <p:sldSz cx="12192000" cy="6858000"/>
   <p:notesSz cx="6858000" cy="9144000"/>
@@ -540,7 +541,7 @@
           <a:p>
             <a:fld id="{E3BF92F7-6176-4844-94CE-FF1FD83770F1}" type="slidenum">
               <a:rPr lang="ru-RU" smtClean="0"/>
-              <a:t>9</a:t>
+              <a:t>10</a:t>
             </a:fld>
             <a:endParaRPr lang="ru-RU"/>
           </a:p>
@@ -624,7 +625,7 @@
           <a:p>
             <a:fld id="{E3BF92F7-6176-4844-94CE-FF1FD83770F1}" type="slidenum">
               <a:rPr lang="ru-RU" smtClean="0"/>
-              <a:t>12</a:t>
+              <a:t>13</a:t>
             </a:fld>
             <a:endParaRPr lang="ru-RU"/>
           </a:p>
@@ -3873,7 +3874,7 @@
         <p:spPr>
           <a:xfrm>
             <a:off x="768953" y="2828835"/>
-            <a:ext cx="10654094" cy="1200329"/>
+            <a:ext cx="10654094" cy="1754326"/>
           </a:xfrm>
           <a:prstGeom prst="rect">
             <a:avLst/>
@@ -3887,6 +3888,19 @@
           <a:lstStyle/>
           <a:p>
             <a:pPr algn="ctr"/>
+            <a:r>
+              <a:rPr lang="ru-RU" sz="3600" b="1" dirty="0">
+                <a:latin typeface="Times New Roman" panose="02020603050405020304" pitchFamily="18" charset="0"/>
+                <a:cs typeface="Times New Roman" panose="02020603050405020304" pitchFamily="18" charset="0"/>
+              </a:rPr>
+              <a:t>Научно-исследовательская работа по теме:</a:t>
+            </a:r>
+            <a:br>
+              <a:rPr lang="en-US" sz="3600" b="1" dirty="0">
+                <a:latin typeface="Times New Roman" panose="02020603050405020304" pitchFamily="18" charset="0"/>
+                <a:cs typeface="Times New Roman" panose="02020603050405020304" pitchFamily="18" charset="0"/>
+              </a:rPr>
+            </a:br>
             <a:r>
               <a:rPr lang="ru-RU" sz="3600" b="1" dirty="0">
                 <a:latin typeface="Times New Roman" panose="02020603050405020304" pitchFamily="18" charset="0"/>
@@ -4157,6 +4171,44 @@
           </a:p>
         </p:txBody>
       </p:sp>
+      <p:sp>
+        <p:nvSpPr>
+          <p:cNvPr id="9" name="TextBox 8">
+            <a:extLst>
+              <a:ext uri="{FF2B5EF4-FFF2-40B4-BE49-F238E27FC236}">
+                <a16:creationId xmlns:a16="http://schemas.microsoft.com/office/drawing/2014/main" id="{20911B9F-135B-4EE9-A784-1C0FA859A21C}"/>
+              </a:ext>
+            </a:extLst>
+          </p:cNvPr>
+          <p:cNvSpPr txBox="1"/>
+          <p:nvPr/>
+        </p:nvSpPr>
+        <p:spPr>
+          <a:xfrm flipH="1">
+            <a:off x="11178808" y="6396335"/>
+            <a:ext cx="1125856" cy="461665"/>
+          </a:xfrm>
+          <a:prstGeom prst="rect">
+            <a:avLst/>
+          </a:prstGeom>
+          <a:noFill/>
+        </p:spPr>
+        <p:txBody>
+          <a:bodyPr wrap="square" rtlCol="0">
+            <a:spAutoFit/>
+          </a:bodyPr>
+          <a:lstStyle/>
+          <a:p>
+            <a:r>
+              <a:rPr lang="ru-RU" sz="2400" dirty="0">
+                <a:latin typeface="Times New Roman" panose="02020603050405020304" pitchFamily="18" charset="0"/>
+                <a:cs typeface="Times New Roman" panose="02020603050405020304" pitchFamily="18" charset="0"/>
+              </a:rPr>
+              <a:t>2023 г.</a:t>
+            </a:r>
+          </a:p>
+        </p:txBody>
+      </p:sp>
     </p:spTree>
     <p:extLst>
       <p:ext uri="{BB962C8B-B14F-4D97-AF65-F5344CB8AC3E}">
@@ -4217,7 +4269,7 @@
           <a:p>
             <a:r>
               <a:rPr lang="ru-RU" sz="4000" b="1" dirty="0"/>
-              <a:t>Классификация</a:t>
+              <a:t>Метод оценки эффективности интерфейса GOMS</a:t>
             </a:r>
           </a:p>
         </p:txBody>
@@ -4250,86 +4302,288 @@
           </a:bodyPr>
           <a:lstStyle/>
           <a:p>
-            <a:pPr indent="0" algn="just">
-              <a:lnSpc>
-                <a:spcPct val="100000"/>
-              </a:lnSpc>
+            <a:pPr marL="0" indent="0">
               <a:buNone/>
             </a:pPr>
             <a:r>
               <a:rPr lang="ru-RU" sz="2200" dirty="0">
                 <a:latin typeface="Times New Roman" panose="02020603050405020304" pitchFamily="18" charset="0"/>
-                <a:ea typeface="Times New Roman" panose="02020603050405020304" pitchFamily="18" charset="0"/>
-              </a:rPr>
-              <a:t>Рассмотрев вышеописанные методы анализа пользовательской активности, можно их разделить на следующие категории:</a:t>
-            </a:r>
-          </a:p>
-          <a:p>
-            <a:pPr marL="571500" indent="-342900" algn="just">
-              <a:lnSpc>
-                <a:spcPct val="100000"/>
-              </a:lnSpc>
+                <a:cs typeface="Times New Roman" panose="02020603050405020304" pitchFamily="18" charset="0"/>
+              </a:rPr>
+              <a:t>Метод GOMS (сокращение от </a:t>
+            </a:r>
+            <a:r>
+              <a:rPr lang="ru-RU" sz="2200" dirty="0" err="1">
+                <a:latin typeface="Times New Roman" panose="02020603050405020304" pitchFamily="18" charset="0"/>
+                <a:cs typeface="Times New Roman" panose="02020603050405020304" pitchFamily="18" charset="0"/>
+              </a:rPr>
+              <a:t>Goals</a:t>
+            </a:r>
+            <a:r>
+              <a:rPr lang="ru-RU" sz="2200" dirty="0">
+                <a:latin typeface="Times New Roman" panose="02020603050405020304" pitchFamily="18" charset="0"/>
+                <a:cs typeface="Times New Roman" panose="02020603050405020304" pitchFamily="18" charset="0"/>
+              </a:rPr>
+              <a:t>, </a:t>
+            </a:r>
+            <a:r>
+              <a:rPr lang="ru-RU" sz="2200" dirty="0" err="1">
+                <a:latin typeface="Times New Roman" panose="02020603050405020304" pitchFamily="18" charset="0"/>
+                <a:cs typeface="Times New Roman" panose="02020603050405020304" pitchFamily="18" charset="0"/>
+              </a:rPr>
+              <a:t>Operators</a:t>
+            </a:r>
+            <a:r>
+              <a:rPr lang="ru-RU" sz="2200" dirty="0">
+                <a:latin typeface="Times New Roman" panose="02020603050405020304" pitchFamily="18" charset="0"/>
+                <a:cs typeface="Times New Roman" panose="02020603050405020304" pitchFamily="18" charset="0"/>
+              </a:rPr>
+              <a:t>, </a:t>
+            </a:r>
+            <a:r>
+              <a:rPr lang="ru-RU" sz="2200" dirty="0" err="1">
+                <a:latin typeface="Times New Roman" panose="02020603050405020304" pitchFamily="18" charset="0"/>
+                <a:cs typeface="Times New Roman" panose="02020603050405020304" pitchFamily="18" charset="0"/>
+              </a:rPr>
+              <a:t>Methods</a:t>
+            </a:r>
+            <a:r>
+              <a:rPr lang="ru-RU" sz="2200" dirty="0">
+                <a:latin typeface="Times New Roman" panose="02020603050405020304" pitchFamily="18" charset="0"/>
+                <a:cs typeface="Times New Roman" panose="02020603050405020304" pitchFamily="18" charset="0"/>
+              </a:rPr>
+              <a:t> </a:t>
+            </a:r>
+            <a:r>
+              <a:rPr lang="ru-RU" sz="2200" dirty="0" err="1">
+                <a:latin typeface="Times New Roman" panose="02020603050405020304" pitchFamily="18" charset="0"/>
+                <a:cs typeface="Times New Roman" panose="02020603050405020304" pitchFamily="18" charset="0"/>
+              </a:rPr>
+              <a:t>and</a:t>
+            </a:r>
+            <a:r>
+              <a:rPr lang="ru-RU" sz="2200" dirty="0">
+                <a:latin typeface="Times New Roman" panose="02020603050405020304" pitchFamily="18" charset="0"/>
+                <a:cs typeface="Times New Roman" panose="02020603050405020304" pitchFamily="18" charset="0"/>
+              </a:rPr>
+              <a:t> </a:t>
+            </a:r>
+            <a:r>
+              <a:rPr lang="ru-RU" sz="2200" dirty="0" err="1">
+                <a:latin typeface="Times New Roman" panose="02020603050405020304" pitchFamily="18" charset="0"/>
+                <a:cs typeface="Times New Roman" panose="02020603050405020304" pitchFamily="18" charset="0"/>
+              </a:rPr>
+              <a:t>Selection</a:t>
+            </a:r>
+            <a:r>
+              <a:rPr lang="ru-RU" sz="2200" dirty="0">
+                <a:latin typeface="Times New Roman" panose="02020603050405020304" pitchFamily="18" charset="0"/>
+                <a:cs typeface="Times New Roman" panose="02020603050405020304" pitchFamily="18" charset="0"/>
+              </a:rPr>
+              <a:t> </a:t>
+            </a:r>
+            <a:r>
+              <a:rPr lang="ru-RU" sz="2200" dirty="0" err="1">
+                <a:latin typeface="Times New Roman" panose="02020603050405020304" pitchFamily="18" charset="0"/>
+                <a:cs typeface="Times New Roman" panose="02020603050405020304" pitchFamily="18" charset="0"/>
+              </a:rPr>
+              <a:t>Rules</a:t>
+            </a:r>
+            <a:r>
+              <a:rPr lang="ru-RU" sz="2200" dirty="0">
+                <a:latin typeface="Times New Roman" panose="02020603050405020304" pitchFamily="18" charset="0"/>
+                <a:cs typeface="Times New Roman" panose="02020603050405020304" pitchFamily="18" charset="0"/>
+              </a:rPr>
+              <a:t>) – это семейство методов, позволяющих провести моделирование выполнения той или иной задачи пользователем и на основе такой модели оценить качество интерфейса.</a:t>
+            </a:r>
+          </a:p>
+          <a:p>
+            <a:r>
+              <a:rPr lang="ru-RU" sz="2200" dirty="0">
+                <a:latin typeface="Times New Roman" panose="02020603050405020304" pitchFamily="18" charset="0"/>
+                <a:cs typeface="Times New Roman" panose="02020603050405020304" pitchFamily="18" charset="0"/>
+              </a:rPr>
+              <a:t>в</a:t>
+            </a:r>
+          </a:p>
+          <a:p>
+            <a:pPr marL="0" indent="0">
+              <a:buNone/>
             </a:pPr>
             <a:r>
               <a:rPr lang="ru-RU" sz="2200" dirty="0">
-                <a:latin typeface="Times New Roman" panose="02020603050405020304" pitchFamily="18" charset="0"/>
-                <a:ea typeface="Times New Roman" panose="02020603050405020304" pitchFamily="18" charset="0"/>
-              </a:rPr>
-              <a:t>поиск ассоциативных правил;</a:t>
-            </a:r>
-          </a:p>
-          <a:p>
-            <a:pPr marL="571500" indent="-342900" algn="just">
-              <a:lnSpc>
-                <a:spcPct val="100000"/>
-              </a:lnSpc>
-            </a:pPr>
+                <a:solidFill>
+                  <a:schemeClr val="bg1">
+                    <a:lumMod val="50000"/>
+                  </a:schemeClr>
+                </a:solidFill>
+                <a:latin typeface="Times New Roman" panose="02020603050405020304" pitchFamily="18" charset="0"/>
+                <a:cs typeface="Times New Roman" panose="02020603050405020304" pitchFamily="18" charset="0"/>
+              </a:rPr>
+              <a:t>Метод </a:t>
+            </a:r>
+            <a:r>
+              <a:rPr lang="en-US" sz="2200" dirty="0">
+                <a:solidFill>
+                  <a:schemeClr val="bg1">
+                    <a:lumMod val="50000"/>
+                  </a:schemeClr>
+                </a:solidFill>
+                <a:latin typeface="Times New Roman" panose="02020603050405020304" pitchFamily="18" charset="0"/>
+                <a:cs typeface="Times New Roman" panose="02020603050405020304" pitchFamily="18" charset="0"/>
+              </a:rPr>
+              <a:t>GOMS </a:t>
+            </a:r>
             <a:r>
               <a:rPr lang="ru-RU" sz="2200" dirty="0">
-                <a:latin typeface="Times New Roman" panose="02020603050405020304" pitchFamily="18" charset="0"/>
-                <a:ea typeface="Times New Roman" panose="02020603050405020304" pitchFamily="18" charset="0"/>
-              </a:rPr>
-              <a:t>поиск последовательных шаблонов;</a:t>
-            </a:r>
-          </a:p>
-          <a:p>
-            <a:pPr marL="571500" indent="-342900" algn="just">
-              <a:lnSpc>
-                <a:spcPct val="100000"/>
-              </a:lnSpc>
-            </a:pPr>
+                <a:solidFill>
+                  <a:schemeClr val="bg1">
+                    <a:lumMod val="50000"/>
+                  </a:schemeClr>
+                </a:solidFill>
+                <a:latin typeface="Times New Roman" panose="02020603050405020304" pitchFamily="18" charset="0"/>
+                <a:cs typeface="Times New Roman" panose="02020603050405020304" pitchFamily="18" charset="0"/>
+              </a:rPr>
+              <a:t>включает в себя модель </a:t>
+            </a:r>
+            <a:r>
+              <a:rPr lang="en-US" sz="2200" dirty="0">
+                <a:solidFill>
+                  <a:schemeClr val="bg1">
+                    <a:lumMod val="50000"/>
+                  </a:schemeClr>
+                </a:solidFill>
+                <a:latin typeface="Times New Roman" panose="02020603050405020304" pitchFamily="18" charset="0"/>
+                <a:cs typeface="Times New Roman" panose="02020603050405020304" pitchFamily="18" charset="0"/>
+              </a:rPr>
+              <a:t>Keystroke-level Model (KLM)</a:t>
+            </a:r>
             <a:r>
               <a:rPr lang="ru-RU" sz="2200" dirty="0">
-                <a:latin typeface="Times New Roman" panose="02020603050405020304" pitchFamily="18" charset="0"/>
-                <a:ea typeface="Times New Roman" panose="02020603050405020304" pitchFamily="18" charset="0"/>
-              </a:rPr>
-              <a:t>сбор и анализ временных характеристик выполнения пользователем действий и промежутков между ними;</a:t>
-            </a:r>
-          </a:p>
-          <a:p>
-            <a:pPr marL="571500" indent="-342900" algn="just">
-              <a:lnSpc>
-                <a:spcPct val="100000"/>
-              </a:lnSpc>
-            </a:pPr>
+                <a:solidFill>
+                  <a:schemeClr val="bg1">
+                    <a:lumMod val="50000"/>
+                  </a:schemeClr>
+                </a:solidFill>
+                <a:latin typeface="Times New Roman" panose="02020603050405020304" pitchFamily="18" charset="0"/>
+                <a:cs typeface="Times New Roman" panose="02020603050405020304" pitchFamily="18" charset="0"/>
+              </a:rPr>
+              <a:t>, которая выделяет следующие элементарные задачи:</a:t>
+            </a:r>
+          </a:p>
+          <a:p>
             <a:r>
               <a:rPr lang="ru-RU" sz="2200" dirty="0">
-                <a:latin typeface="Times New Roman" panose="02020603050405020304" pitchFamily="18" charset="0"/>
-                <a:ea typeface="Times New Roman" panose="02020603050405020304" pitchFamily="18" charset="0"/>
-              </a:rPr>
-              <a:t>вычисление уровней поддержки шаблонов поведения пользователя.</a:t>
-            </a:r>
-          </a:p>
-          <a:p>
-            <a:pPr indent="0" algn="just">
-              <a:lnSpc>
-                <a:spcPct val="100000"/>
-              </a:lnSpc>
-              <a:buNone/>
-            </a:pPr>
+                <a:solidFill>
+                  <a:schemeClr val="bg1">
+                    <a:lumMod val="50000"/>
+                  </a:schemeClr>
+                </a:solidFill>
+                <a:latin typeface="Times New Roman" panose="02020603050405020304" pitchFamily="18" charset="0"/>
+                <a:cs typeface="Times New Roman" panose="02020603050405020304" pitchFamily="18" charset="0"/>
+              </a:rPr>
+              <a:t>K – нажатие на клавишу;</a:t>
+            </a:r>
+          </a:p>
+          <a:p>
+            <a:r>
+              <a:rPr lang="ru-RU" sz="2200" dirty="0">
+                <a:solidFill>
+                  <a:schemeClr val="bg1">
+                    <a:lumMod val="50000"/>
+                  </a:schemeClr>
+                </a:solidFill>
+                <a:latin typeface="Times New Roman" panose="02020603050405020304" pitchFamily="18" charset="0"/>
+                <a:cs typeface="Times New Roman" panose="02020603050405020304" pitchFamily="18" charset="0"/>
+              </a:rPr>
+              <a:t>P – указание курсором мыши на объект;</a:t>
+            </a:r>
+          </a:p>
+          <a:p>
+            <a:r>
+              <a:rPr lang="ru-RU" sz="2200" dirty="0">
+                <a:solidFill>
+                  <a:schemeClr val="bg1">
+                    <a:lumMod val="50000"/>
+                  </a:schemeClr>
+                </a:solidFill>
+                <a:latin typeface="Times New Roman" panose="02020603050405020304" pitchFamily="18" charset="0"/>
+                <a:cs typeface="Times New Roman" panose="02020603050405020304" pitchFamily="18" charset="0"/>
+              </a:rPr>
+              <a:t>B – нажатие или отпускание мыши;</a:t>
+            </a:r>
+          </a:p>
+          <a:p>
+            <a:r>
+              <a:rPr lang="ru-RU" sz="2200" dirty="0">
+                <a:solidFill>
+                  <a:schemeClr val="bg1">
+                    <a:lumMod val="50000"/>
+                  </a:schemeClr>
+                </a:solidFill>
+                <a:latin typeface="Times New Roman" panose="02020603050405020304" pitchFamily="18" charset="0"/>
+                <a:cs typeface="Times New Roman" panose="02020603050405020304" pitchFamily="18" charset="0"/>
+              </a:rPr>
+              <a:t>M – умственная подготовка, выбор действия;</a:t>
+            </a:r>
+            <a:endParaRPr lang="en-US" sz="2200" dirty="0">
+              <a:solidFill>
+                <a:schemeClr val="bg1">
+                  <a:lumMod val="50000"/>
+                </a:schemeClr>
+              </a:solidFill>
+              <a:latin typeface="Times New Roman" panose="02020603050405020304" pitchFamily="18" charset="0"/>
+              <a:cs typeface="Times New Roman" panose="02020603050405020304" pitchFamily="18" charset="0"/>
+            </a:endParaRPr>
+          </a:p>
+          <a:p>
+            <a:r>
+              <a:rPr lang="en-US" sz="2200" dirty="0">
+                <a:solidFill>
+                  <a:schemeClr val="bg1">
+                    <a:lumMod val="50000"/>
+                  </a:schemeClr>
+                </a:solidFill>
+                <a:latin typeface="Times New Roman" panose="02020603050405020304" pitchFamily="18" charset="0"/>
+                <a:cs typeface="Times New Roman" panose="02020603050405020304" pitchFamily="18" charset="0"/>
+              </a:rPr>
+              <a:t>H </a:t>
+            </a:r>
+            <a:r>
+              <a:rPr lang="ru-RU" sz="2200" dirty="0">
+                <a:solidFill>
+                  <a:schemeClr val="bg1">
+                    <a:lumMod val="50000"/>
+                  </a:schemeClr>
+                </a:solidFill>
+                <a:latin typeface="Times New Roman" panose="02020603050405020304" pitchFamily="18" charset="0"/>
+                <a:cs typeface="Times New Roman" panose="02020603050405020304" pitchFamily="18" charset="0"/>
+              </a:rPr>
+              <a:t>– перемещение руки в исходное положение на клавиатуре;</a:t>
+            </a:r>
+          </a:p>
+          <a:p>
+            <a:r>
+              <a:rPr lang="ru-RU" sz="2200" dirty="0">
+                <a:solidFill>
+                  <a:schemeClr val="bg1">
+                    <a:lumMod val="50000"/>
+                  </a:schemeClr>
+                </a:solidFill>
+                <a:latin typeface="Times New Roman" panose="02020603050405020304" pitchFamily="18" charset="0"/>
+                <a:cs typeface="Times New Roman" panose="02020603050405020304" pitchFamily="18" charset="0"/>
+              </a:rPr>
+              <a:t>R – ожидание ответа системы.</a:t>
+            </a:r>
             <a:endParaRPr lang="ru-RU" sz="2200" dirty="0">
+              <a:solidFill>
+                <a:schemeClr val="bg1">
+                  <a:lumMod val="50000"/>
+                </a:schemeClr>
+              </a:solidFill>
               <a:latin typeface="Times New Roman" panose="02020603050405020304" pitchFamily="18" charset="0"/>
               <a:ea typeface="Times New Roman" panose="02020603050405020304" pitchFamily="18" charset="0"/>
+              <a:cs typeface="Times New Roman" panose="02020603050405020304" pitchFamily="18" charset="0"/>
             </a:endParaRPr>
           </a:p>
         </p:txBody>
@@ -4366,7 +4620,7 @@
     </p:spTree>
     <p:extLst>
       <p:ext uri="{BB962C8B-B14F-4D97-AF65-F5344CB8AC3E}">
-        <p14:creationId xmlns:p14="http://schemas.microsoft.com/office/powerpoint/2010/main" val="2176375297"/>
+        <p14:creationId xmlns:p14="http://schemas.microsoft.com/office/powerpoint/2010/main" val="95372301"/>
       </p:ext>
     </p:extLst>
   </p:cSld>
@@ -4423,8 +4677,125 @@
           <a:p>
             <a:r>
               <a:rPr lang="ru-RU" sz="4000" b="1" dirty="0"/>
-              <a:t>Сравнение методов</a:t>
-            </a:r>
+              <a:t>Классификация</a:t>
+            </a:r>
+          </a:p>
+        </p:txBody>
+      </p:sp>
+      <p:sp>
+        <p:nvSpPr>
+          <p:cNvPr id="3" name="Объект 2">
+            <a:extLst>
+              <a:ext uri="{FF2B5EF4-FFF2-40B4-BE49-F238E27FC236}">
+                <a16:creationId xmlns:a16="http://schemas.microsoft.com/office/drawing/2014/main" id="{68541323-2632-074C-E69F-FC80AB230174}"/>
+              </a:ext>
+            </a:extLst>
+          </p:cNvPr>
+          <p:cNvSpPr>
+            <a:spLocks noGrp="1"/>
+          </p:cNvSpPr>
+          <p:nvPr>
+            <p:ph idx="1"/>
+          </p:nvPr>
+        </p:nvSpPr>
+        <p:spPr>
+          <a:xfrm>
+            <a:off x="428017" y="1253331"/>
+            <a:ext cx="11182378" cy="5168894"/>
+          </a:xfrm>
+        </p:spPr>
+        <p:txBody>
+          <a:bodyPr>
+            <a:noAutofit/>
+          </a:bodyPr>
+          <a:lstStyle/>
+          <a:p>
+            <a:pPr indent="0" algn="just">
+              <a:lnSpc>
+                <a:spcPct val="100000"/>
+              </a:lnSpc>
+              <a:buNone/>
+            </a:pPr>
+            <a:r>
+              <a:rPr lang="ru-RU" sz="2200" dirty="0">
+                <a:solidFill>
+                  <a:schemeClr val="bg1">
+                    <a:lumMod val="50000"/>
+                  </a:schemeClr>
+                </a:solidFill>
+                <a:latin typeface="Times New Roman" panose="02020603050405020304" pitchFamily="18" charset="0"/>
+                <a:ea typeface="Times New Roman" panose="02020603050405020304" pitchFamily="18" charset="0"/>
+              </a:rPr>
+              <a:t>Рассмотрев вышеописанные методы анализа пользовательской активности, можно их разделить на следующие категории:</a:t>
+            </a:r>
+          </a:p>
+          <a:p>
+            <a:pPr marL="571500" indent="-342900" algn="just">
+              <a:lnSpc>
+                <a:spcPct val="100000"/>
+              </a:lnSpc>
+            </a:pPr>
+            <a:r>
+              <a:rPr lang="ru-RU" sz="2200" dirty="0">
+                <a:latin typeface="Times New Roman" panose="02020603050405020304" pitchFamily="18" charset="0"/>
+                <a:ea typeface="Times New Roman" panose="02020603050405020304" pitchFamily="18" charset="0"/>
+              </a:rPr>
+              <a:t>поиск ассоциативных правил;</a:t>
+            </a:r>
+          </a:p>
+          <a:p>
+            <a:pPr marL="571500" indent="-342900" algn="just">
+              <a:lnSpc>
+                <a:spcPct val="100000"/>
+              </a:lnSpc>
+            </a:pPr>
+            <a:r>
+              <a:rPr lang="ru-RU" sz="2200" dirty="0">
+                <a:latin typeface="Times New Roman" panose="02020603050405020304" pitchFamily="18" charset="0"/>
+                <a:ea typeface="Times New Roman" panose="02020603050405020304" pitchFamily="18" charset="0"/>
+              </a:rPr>
+              <a:t>поиск последовательных шаблонов;</a:t>
+            </a:r>
+          </a:p>
+          <a:p>
+            <a:pPr marL="571500" indent="-342900" algn="just">
+              <a:lnSpc>
+                <a:spcPct val="100000"/>
+              </a:lnSpc>
+            </a:pPr>
+            <a:r>
+              <a:rPr lang="ru-RU" sz="2200" dirty="0">
+                <a:latin typeface="Times New Roman" panose="02020603050405020304" pitchFamily="18" charset="0"/>
+                <a:ea typeface="Times New Roman" panose="02020603050405020304" pitchFamily="18" charset="0"/>
+              </a:rPr>
+              <a:t>сбор и анализ временных характеристик выполнения пользователем действий и промежутков между ними;</a:t>
+            </a:r>
+          </a:p>
+          <a:p>
+            <a:pPr marL="571500" indent="-342900" algn="just">
+              <a:lnSpc>
+                <a:spcPct val="100000"/>
+              </a:lnSpc>
+            </a:pPr>
+            <a:r>
+              <a:rPr lang="ru-RU" sz="2200" dirty="0">
+                <a:latin typeface="Times New Roman" panose="02020603050405020304" pitchFamily="18" charset="0"/>
+                <a:ea typeface="Times New Roman" panose="02020603050405020304" pitchFamily="18" charset="0"/>
+              </a:rPr>
+              <a:t>вычисление уровней поддержки шаблонов поведения пользователя.</a:t>
+            </a:r>
+          </a:p>
+          <a:p>
+            <a:pPr indent="0" algn="just">
+              <a:lnSpc>
+                <a:spcPct val="100000"/>
+              </a:lnSpc>
+              <a:buNone/>
+            </a:pPr>
+            <a:endParaRPr lang="ru-RU" sz="2200" dirty="0">
+              <a:latin typeface="Times New Roman" panose="02020603050405020304" pitchFamily="18" charset="0"/>
+              <a:ea typeface="Times New Roman" panose="02020603050405020304" pitchFamily="18" charset="0"/>
+            </a:endParaRPr>
           </a:p>
         </p:txBody>
       </p:sp>
@@ -4452,6 +4823,100 @@
             <a:fld id="{E83D2FD5-BBDA-43D0-B172-791327EA2B6A}" type="slidenum">
               <a:rPr lang="ru-RU" smtClean="0"/>
               <a:t>11</a:t>
+            </a:fld>
+            <a:endParaRPr lang="ru-RU" dirty="0"/>
+          </a:p>
+        </p:txBody>
+      </p:sp>
+    </p:spTree>
+    <p:extLst>
+      <p:ext uri="{BB962C8B-B14F-4D97-AF65-F5344CB8AC3E}">
+        <p14:creationId xmlns:p14="http://schemas.microsoft.com/office/powerpoint/2010/main" val="2176375297"/>
+      </p:ext>
+    </p:extLst>
+  </p:cSld>
+  <p:clrMapOvr>
+    <a:masterClrMapping/>
+  </p:clrMapOvr>
+</p:sld>
+</file>
+
+<file path=ppt/slides/slide12.xml><?xml version="1.0" encoding="utf-8"?>
+<p:sld xmlns:a="http://schemas.openxmlformats.org/drawingml/2006/main" xmlns:r="http://schemas.openxmlformats.org/officeDocument/2006/relationships" xmlns:p="http://schemas.openxmlformats.org/presentationml/2006/main">
+  <p:cSld>
+    <p:spTree>
+      <p:nvGrpSpPr>
+        <p:cNvPr id="1" name=""/>
+        <p:cNvGrpSpPr/>
+        <p:nvPr/>
+      </p:nvGrpSpPr>
+      <p:grpSpPr>
+        <a:xfrm>
+          <a:off x="0" y="0"/>
+          <a:ext cx="0" cy="0"/>
+          <a:chOff x="0" y="0"/>
+          <a:chExt cx="0" cy="0"/>
+        </a:xfrm>
+      </p:grpSpPr>
+      <p:sp>
+        <p:nvSpPr>
+          <p:cNvPr id="2" name="Заголовок 1">
+            <a:extLst>
+              <a:ext uri="{FF2B5EF4-FFF2-40B4-BE49-F238E27FC236}">
+                <a16:creationId xmlns:a16="http://schemas.microsoft.com/office/drawing/2014/main" id="{1802D59D-6A83-151A-EEA2-678960399BE4}"/>
+              </a:ext>
+            </a:extLst>
+          </p:cNvPr>
+          <p:cNvSpPr>
+            <a:spLocks noGrp="1"/>
+          </p:cNvSpPr>
+          <p:nvPr>
+            <p:ph type="title"/>
+          </p:nvPr>
+        </p:nvSpPr>
+        <p:spPr>
+          <a:xfrm>
+            <a:off x="428017" y="-72232"/>
+            <a:ext cx="10515600" cy="1325563"/>
+          </a:xfrm>
+        </p:spPr>
+        <p:txBody>
+          <a:bodyPr>
+            <a:normAutofit/>
+          </a:bodyPr>
+          <a:lstStyle/>
+          <a:p>
+            <a:r>
+              <a:rPr lang="ru-RU" sz="4000" b="1" dirty="0"/>
+              <a:t>Сравнение методов</a:t>
+            </a:r>
+          </a:p>
+        </p:txBody>
+      </p:sp>
+      <p:sp>
+        <p:nvSpPr>
+          <p:cNvPr id="4" name="Номер слайда 3">
+            <a:extLst>
+              <a:ext uri="{FF2B5EF4-FFF2-40B4-BE49-F238E27FC236}">
+                <a16:creationId xmlns:a16="http://schemas.microsoft.com/office/drawing/2014/main" id="{80FEEFAF-0D6B-464C-7360-370FF23083CC}"/>
+              </a:ext>
+            </a:extLst>
+          </p:cNvPr>
+          <p:cNvSpPr>
+            <a:spLocks noGrp="1"/>
+          </p:cNvSpPr>
+          <p:nvPr>
+            <p:ph type="sldNum" sz="quarter" idx="12"/>
+          </p:nvPr>
+        </p:nvSpPr>
+        <p:spPr/>
+        <p:txBody>
+          <a:bodyPr/>
+          <a:lstStyle/>
+          <a:p>
+            <a:fld id="{E83D2FD5-BBDA-43D0-B172-791327EA2B6A}" type="slidenum">
+              <a:rPr lang="ru-RU" smtClean="0"/>
+              <a:t>12</a:t>
             </a:fld>
             <a:endParaRPr lang="ru-RU" dirty="0"/>
           </a:p>
@@ -4500,7 +4965,7 @@
 </p:sld>
 </file>
 
-<file path=ppt/slides/slide12.xml><?xml version="1.0" encoding="utf-8"?>
+<file path=ppt/slides/slide13.xml><?xml version="1.0" encoding="utf-8"?>
 <p:sld xmlns:a="http://schemas.openxmlformats.org/drawingml/2006/main" xmlns:r="http://schemas.openxmlformats.org/officeDocument/2006/relationships" xmlns:p="http://schemas.openxmlformats.org/presentationml/2006/main">
   <p:cSld>
     <p:spTree>
@@ -4575,7 +5040,7 @@
           <a:p>
             <a:fld id="{E83D2FD5-BBDA-43D0-B172-791327EA2B6A}" type="slidenum">
               <a:rPr lang="ru-RU" smtClean="0"/>
-              <a:t>12</a:t>
+              <a:t>13</a:t>
             </a:fld>
             <a:endParaRPr lang="ru-RU" dirty="0"/>
           </a:p>
@@ -4952,7 +5417,7 @@
           <p:cNvPr id="2" name="Заголовок 1">
             <a:extLst>
               <a:ext uri="{FF2B5EF4-FFF2-40B4-BE49-F238E27FC236}">
-                <a16:creationId xmlns:a16="http://schemas.microsoft.com/office/drawing/2014/main" id="{1802D59D-6A83-151A-EEA2-678960399BE4}"/>
+                <a16:creationId xmlns:a16="http://schemas.microsoft.com/office/drawing/2014/main" id="{DBA9DDC8-F9DD-4149-A242-0667C77B72FA}"/>
               </a:ext>
             </a:extLst>
           </p:cNvPr>
@@ -4963,21 +5428,14 @@
             <p:ph type="title"/>
           </p:nvPr>
         </p:nvSpPr>
-        <p:spPr>
-          <a:xfrm>
-            <a:off x="428017" y="-72232"/>
-            <a:ext cx="10515600" cy="1325563"/>
-          </a:xfrm>
-        </p:spPr>
-        <p:txBody>
-          <a:bodyPr>
-            <a:normAutofit/>
-          </a:bodyPr>
-          <a:lstStyle/>
-          <a:p>
-            <a:r>
-              <a:rPr lang="ru-RU" sz="4000" b="1" dirty="0"/>
-              <a:t>Шаблоны поведения пользователя</a:t>
+        <p:spPr/>
+        <p:txBody>
+          <a:bodyPr/>
+          <a:lstStyle/>
+          <a:p>
+            <a:r>
+              <a:rPr lang="ru-RU" dirty="0"/>
+              <a:t>Введение в предметную область</a:t>
             </a:r>
           </a:p>
         </p:txBody>
@@ -4987,7 +5445,7 @@
           <p:cNvPr id="3" name="Объект 2">
             <a:extLst>
               <a:ext uri="{FF2B5EF4-FFF2-40B4-BE49-F238E27FC236}">
-                <a16:creationId xmlns:a16="http://schemas.microsoft.com/office/drawing/2014/main" id="{68541323-2632-074C-E69F-FC80AB230174}"/>
+                <a16:creationId xmlns:a16="http://schemas.microsoft.com/office/drawing/2014/main" id="{14420F3E-2E4C-4110-92C0-4BCA7BA6CE70}"/>
               </a:ext>
             </a:extLst>
           </p:cNvPr>
@@ -4998,145 +5456,21 @@
             <p:ph idx="1"/>
           </p:nvPr>
         </p:nvSpPr>
-        <p:spPr>
-          <a:xfrm>
-            <a:off x="428017" y="1253331"/>
-            <a:ext cx="11182378" cy="5168894"/>
-          </a:xfrm>
-        </p:spPr>
-        <p:txBody>
-          <a:bodyPr>
-            <a:noAutofit/>
-          </a:bodyPr>
-          <a:lstStyle/>
-          <a:p>
-            <a:pPr marL="685800" indent="-457200" algn="just">
-              <a:lnSpc>
-                <a:spcPct val="100000"/>
-              </a:lnSpc>
-            </a:pPr>
-            <a:r>
-              <a:rPr lang="ru-RU" sz="2200" dirty="0">
-                <a:latin typeface="Times New Roman" panose="02020603050405020304" pitchFamily="18" charset="0"/>
-                <a:ea typeface="Times New Roman" panose="02020603050405020304" pitchFamily="18" charset="0"/>
-              </a:rPr>
-              <a:t>часто повторяемые одинаковые последовательности действий;</a:t>
-            </a:r>
-          </a:p>
-          <a:p>
-            <a:pPr marL="685800" indent="-457200" algn="just">
-              <a:lnSpc>
-                <a:spcPct val="100000"/>
-              </a:lnSpc>
-            </a:pPr>
-            <a:r>
-              <a:rPr lang="ru-RU" sz="2200" dirty="0">
-                <a:latin typeface="Times New Roman" panose="02020603050405020304" pitchFamily="18" charset="0"/>
-                <a:ea typeface="Times New Roman" panose="02020603050405020304" pitchFamily="18" charset="0"/>
-              </a:rPr>
-              <a:t>отмена действия сразу после его выполнения;</a:t>
-            </a:r>
-          </a:p>
-          <a:p>
-            <a:pPr marL="685800" indent="-457200" algn="just">
-              <a:lnSpc>
-                <a:spcPct val="100000"/>
-              </a:lnSpc>
-            </a:pPr>
-            <a:r>
-              <a:rPr lang="ru-RU" sz="2200" dirty="0">
-                <a:latin typeface="Times New Roman" panose="02020603050405020304" pitchFamily="18" charset="0"/>
-                <a:ea typeface="Times New Roman" panose="02020603050405020304" pitchFamily="18" charset="0"/>
-              </a:rPr>
-              <a:t>частое повторение простых действий.</a:t>
-            </a:r>
-          </a:p>
-          <a:p>
-            <a:pPr indent="0" algn="just">
-              <a:lnSpc>
-                <a:spcPct val="100000"/>
-              </a:lnSpc>
-              <a:buNone/>
-            </a:pPr>
-            <a:endParaRPr lang="ru-RU" sz="2200" dirty="0">
-              <a:latin typeface="Times New Roman" panose="02020603050405020304" pitchFamily="18" charset="0"/>
-              <a:ea typeface="Times New Roman" panose="02020603050405020304" pitchFamily="18" charset="0"/>
-            </a:endParaRPr>
-          </a:p>
-          <a:p>
-            <a:pPr indent="0" algn="just">
-              <a:lnSpc>
-                <a:spcPct val="100000"/>
-              </a:lnSpc>
-              <a:buNone/>
-            </a:pPr>
-            <a:r>
-              <a:rPr lang="ru-RU" sz="2200" dirty="0">
-                <a:latin typeface="Times New Roman" panose="02020603050405020304" pitchFamily="18" charset="0"/>
-                <a:ea typeface="Times New Roman" panose="02020603050405020304" pitchFamily="18" charset="0"/>
-              </a:rPr>
-              <a:t>Можно отслеживать более простые индикаторы:</a:t>
-            </a:r>
-            <a:endParaRPr lang="ru-RU" sz="2200" dirty="0">
-              <a:effectLst/>
-              <a:latin typeface="Times New Roman" panose="02020603050405020304" pitchFamily="18" charset="0"/>
-              <a:ea typeface="Times New Roman" panose="02020603050405020304" pitchFamily="18" charset="0"/>
-            </a:endParaRPr>
-          </a:p>
-          <a:p>
-            <a:pPr marL="685800" indent="-457200" algn="just">
-              <a:lnSpc>
-                <a:spcPct val="100000"/>
-              </a:lnSpc>
-            </a:pPr>
-            <a:r>
-              <a:rPr lang="ru-RU" sz="2200" dirty="0">
-                <a:latin typeface="Times New Roman" panose="02020603050405020304" pitchFamily="18" charset="0"/>
-                <a:ea typeface="Times New Roman" panose="02020603050405020304" pitchFamily="18" charset="0"/>
-              </a:rPr>
-              <a:t>количество вызовов онлайн-справки;</a:t>
-            </a:r>
-          </a:p>
-          <a:p>
-            <a:pPr marL="685800" indent="-457200" algn="just">
-              <a:lnSpc>
-                <a:spcPct val="100000"/>
-              </a:lnSpc>
-            </a:pPr>
-            <a:r>
-              <a:rPr lang="ru-RU" sz="2200" dirty="0">
-                <a:latin typeface="Times New Roman" panose="02020603050405020304" pitchFamily="18" charset="0"/>
-                <a:ea typeface="Times New Roman" panose="02020603050405020304" pitchFamily="18" charset="0"/>
-              </a:rPr>
-              <a:t>количество действий отмены;</a:t>
-            </a:r>
-          </a:p>
-          <a:p>
-            <a:pPr marL="685800" indent="-457200" algn="just">
-              <a:lnSpc>
-                <a:spcPct val="100000"/>
-              </a:lnSpc>
-            </a:pPr>
-            <a:r>
-              <a:rPr lang="ru-RU" sz="2200" dirty="0">
-                <a:latin typeface="Times New Roman" panose="02020603050405020304" pitchFamily="18" charset="0"/>
-                <a:ea typeface="Times New Roman" panose="02020603050405020304" pitchFamily="18" charset="0"/>
-              </a:rPr>
-              <a:t>частое открытие-закрытие выпадающих списков;</a:t>
-            </a:r>
-          </a:p>
-          <a:p>
-            <a:pPr marL="685800" indent="-457200" algn="just">
-              <a:lnSpc>
-                <a:spcPct val="100000"/>
-              </a:lnSpc>
-            </a:pPr>
-            <a:r>
-              <a:rPr lang="ru-RU" sz="2200" dirty="0">
-                <a:latin typeface="Times New Roman" panose="02020603050405020304" pitchFamily="18" charset="0"/>
-                <a:ea typeface="Times New Roman" panose="02020603050405020304" pitchFamily="18" charset="0"/>
-              </a:rPr>
-              <a:t>нажатие одной и той же кнопки более одного раза.</a:t>
+        <p:spPr/>
+        <p:txBody>
+          <a:bodyPr/>
+          <a:lstStyle/>
+          <a:p>
+            <a:r>
+              <a:rPr lang="ru-RU" dirty="0"/>
+              <a:t>Что такое пользовательская активность, последовательный шаблон…</a:t>
+            </a:r>
+            <a:br>
+              <a:rPr lang="ru-RU" dirty="0"/>
+            </a:br>
+            <a:r>
+              <a:rPr lang="ru-RU" dirty="0"/>
+              <a:t>(поддержка?)</a:t>
             </a:r>
           </a:p>
         </p:txBody>
@@ -5146,7 +5480,7 @@
           <p:cNvPr id="4" name="Номер слайда 3">
             <a:extLst>
               <a:ext uri="{FF2B5EF4-FFF2-40B4-BE49-F238E27FC236}">
-                <a16:creationId xmlns:a16="http://schemas.microsoft.com/office/drawing/2014/main" id="{80FEEFAF-0D6B-464C-7360-370FF23083CC}"/>
+                <a16:creationId xmlns:a16="http://schemas.microsoft.com/office/drawing/2014/main" id="{7040559D-6D74-4BB0-BE9A-0FBCC36F3AB1}"/>
               </a:ext>
             </a:extLst>
           </p:cNvPr>
@@ -5166,14 +5500,14 @@
               <a:rPr lang="ru-RU" smtClean="0"/>
               <a:t>3</a:t>
             </a:fld>
-            <a:endParaRPr lang="ru-RU" dirty="0"/>
+            <a:endParaRPr lang="ru-RU"/>
           </a:p>
         </p:txBody>
       </p:sp>
     </p:spTree>
     <p:extLst>
       <p:ext uri="{BB962C8B-B14F-4D97-AF65-F5344CB8AC3E}">
-        <p14:creationId xmlns:p14="http://schemas.microsoft.com/office/powerpoint/2010/main" val="27859665"/>
+        <p14:creationId xmlns:p14="http://schemas.microsoft.com/office/powerpoint/2010/main" val="2090615384"/>
       </p:ext>
     </p:extLst>
   </p:cSld>
@@ -5230,7 +5564,7 @@
           <a:p>
             <a:r>
               <a:rPr lang="ru-RU" sz="4000" b="1" dirty="0"/>
-              <a:t>Существующие решения</a:t>
+              <a:t>Шаблоны поведения пользователя</a:t>
             </a:r>
           </a:p>
         </p:txBody>
@@ -5273,7 +5607,7 @@
                 <a:latin typeface="Times New Roman" panose="02020603050405020304" pitchFamily="18" charset="0"/>
                 <a:ea typeface="Times New Roman" panose="02020603050405020304" pitchFamily="18" charset="0"/>
               </a:rPr>
-              <a:t>математическая модель пользовательской активности ПО;</a:t>
+              <a:t>часто повторяемые одинаковые последовательности действий;</a:t>
             </a:r>
           </a:p>
           <a:p>
@@ -5287,7 +5621,7 @@
                 <a:latin typeface="Times New Roman" panose="02020603050405020304" pitchFamily="18" charset="0"/>
                 <a:ea typeface="Times New Roman" panose="02020603050405020304" pitchFamily="18" charset="0"/>
               </a:rPr>
-              <a:t>алгоритм получения ассоциативных правил Apriori;</a:t>
+              <a:t>отмена действия сразу после его выполнения;</a:t>
             </a:r>
           </a:p>
           <a:p>
@@ -5301,16 +5635,37 @@
                 <a:latin typeface="Times New Roman" panose="02020603050405020304" pitchFamily="18" charset="0"/>
                 <a:ea typeface="Times New Roman" panose="02020603050405020304" pitchFamily="18" charset="0"/>
               </a:rPr>
-              <a:t>алгоритм </a:t>
-            </a:r>
-            <a:r>
-              <a:rPr lang="en-US" sz="2200" dirty="0">
+              <a:t>частое повторение простых действий (например, клики мыши или нажатие клавиш).</a:t>
+            </a:r>
+          </a:p>
+          <a:p>
+            <a:pPr indent="0" algn="just">
+              <a:lnSpc>
+                <a:spcPct val="100000"/>
+              </a:lnSpc>
+              <a:buNone/>
+            </a:pPr>
+            <a:endParaRPr lang="ru-RU" sz="2200" dirty="0">
+              <a:latin typeface="Times New Roman" panose="02020603050405020304" pitchFamily="18" charset="0"/>
+              <a:ea typeface="Times New Roman" panose="02020603050405020304" pitchFamily="18" charset="0"/>
+            </a:endParaRPr>
+          </a:p>
+          <a:p>
+            <a:pPr indent="0" algn="just">
+              <a:lnSpc>
+                <a:spcPct val="100000"/>
+              </a:lnSpc>
+              <a:buNone/>
+            </a:pPr>
+            <a:r>
+              <a:rPr lang="ru-RU" sz="2200" dirty="0">
                 <a:latin typeface="Times New Roman" panose="02020603050405020304" pitchFamily="18" charset="0"/>
                 <a:ea typeface="Times New Roman" panose="02020603050405020304" pitchFamily="18" charset="0"/>
               </a:rPr>
-              <a:t>GSP;</a:t>
+              <a:t>Более простые индикаторы:</a:t>
             </a:r>
             <a:endParaRPr lang="ru-RU" sz="2200" dirty="0">
+              <a:effectLst/>
               <a:latin typeface="Times New Roman" panose="02020603050405020304" pitchFamily="18" charset="0"/>
               <a:ea typeface="Times New Roman" panose="02020603050405020304" pitchFamily="18" charset="0"/>
             </a:endParaRPr>
@@ -5326,7 +5681,49 @@
                 <a:latin typeface="Times New Roman" panose="02020603050405020304" pitchFamily="18" charset="0"/>
                 <a:ea typeface="Times New Roman" panose="02020603050405020304" pitchFamily="18" charset="0"/>
               </a:rPr>
-              <a:t>метод оценки эффективности интерфейса GOMS.</a:t>
+              <a:t>количество вызовов онлайн-справки;</a:t>
+            </a:r>
+          </a:p>
+          <a:p>
+            <a:pPr marL="685800" indent="-457200" algn="just">
+              <a:lnSpc>
+                <a:spcPct val="100000"/>
+              </a:lnSpc>
+            </a:pPr>
+            <a:r>
+              <a:rPr lang="ru-RU" sz="2200" dirty="0">
+                <a:latin typeface="Times New Roman" panose="02020603050405020304" pitchFamily="18" charset="0"/>
+                <a:ea typeface="Times New Roman" panose="02020603050405020304" pitchFamily="18" charset="0"/>
+              </a:rPr>
+              <a:t>количество действий отмены;</a:t>
+            </a:r>
+          </a:p>
+          <a:p>
+            <a:pPr marL="685800" indent="-457200" algn="just">
+              <a:lnSpc>
+                <a:spcPct val="100000"/>
+              </a:lnSpc>
+            </a:pPr>
+            <a:r>
+              <a:rPr lang="ru-RU" sz="2200" dirty="0">
+                <a:latin typeface="Times New Roman" panose="02020603050405020304" pitchFamily="18" charset="0"/>
+                <a:ea typeface="Times New Roman" panose="02020603050405020304" pitchFamily="18" charset="0"/>
+              </a:rPr>
+              <a:t>частое открытие-закрытие выпадающих списков;</a:t>
+            </a:r>
+          </a:p>
+          <a:p>
+            <a:pPr marL="685800" indent="-457200" algn="just">
+              <a:lnSpc>
+                <a:spcPct val="100000"/>
+              </a:lnSpc>
+            </a:pPr>
+            <a:r>
+              <a:rPr lang="ru-RU" sz="2200" dirty="0">
+                <a:latin typeface="Times New Roman" panose="02020603050405020304" pitchFamily="18" charset="0"/>
+                <a:ea typeface="Times New Roman" panose="02020603050405020304" pitchFamily="18" charset="0"/>
+              </a:rPr>
+              <a:t>нажатие одной и той же кнопки более одного раза.</a:t>
             </a:r>
           </a:p>
         </p:txBody>
@@ -5363,7 +5760,7 @@
     </p:spTree>
     <p:extLst>
       <p:ext uri="{BB962C8B-B14F-4D97-AF65-F5344CB8AC3E}">
-        <p14:creationId xmlns:p14="http://schemas.microsoft.com/office/powerpoint/2010/main" val="1185610418"/>
+        <p14:creationId xmlns:p14="http://schemas.microsoft.com/office/powerpoint/2010/main" val="27859665"/>
       </p:ext>
     </p:extLst>
   </p:cSld>
@@ -5461,6 +5858,11 @@
             </a:pPr>
             <a:r>
               <a:rPr lang="ru-RU" sz="2200" dirty="0">
+                <a:solidFill>
+                  <a:schemeClr val="bg1">
+                    <a:lumMod val="50000"/>
+                  </a:schemeClr>
+                </a:solidFill>
                 <a:latin typeface="Times New Roman" panose="02020603050405020304" pitchFamily="18" charset="0"/>
                 <a:ea typeface="Times New Roman" panose="02020603050405020304" pitchFamily="18" charset="0"/>
               </a:rPr>
@@ -5475,10 +5877,15 @@
             </a:pPr>
             <a:r>
               <a:rPr lang="ru-RU" sz="2200" dirty="0">
+                <a:solidFill>
+                  <a:schemeClr val="bg1">
+                    <a:lumMod val="50000"/>
+                  </a:schemeClr>
+                </a:solidFill>
                 <a:latin typeface="Times New Roman" panose="02020603050405020304" pitchFamily="18" charset="0"/>
                 <a:ea typeface="Times New Roman" panose="02020603050405020304" pitchFamily="18" charset="0"/>
               </a:rPr>
-              <a:t>множество событий с атрибутами;</a:t>
+              <a:t>множество событий;</a:t>
             </a:r>
           </a:p>
           <a:p>
@@ -5489,10 +5896,15 @@
             </a:pPr>
             <a:r>
               <a:rPr lang="ru-RU" sz="2200" dirty="0">
+                <a:solidFill>
+                  <a:schemeClr val="bg1">
+                    <a:lumMod val="50000"/>
+                  </a:schemeClr>
+                </a:solidFill>
                 <a:latin typeface="Times New Roman" panose="02020603050405020304" pitchFamily="18" charset="0"/>
                 <a:ea typeface="Times New Roman" panose="02020603050405020304" pitchFamily="18" charset="0"/>
               </a:rPr>
-              <a:t>множество классов событий;</a:t>
+              <a:t>множество классов событий и функция классификации;</a:t>
             </a:r>
           </a:p>
           <a:p>
@@ -5503,10 +5915,15 @@
             </a:pPr>
             <a:r>
               <a:rPr lang="ru-RU" sz="2200" dirty="0">
+                <a:solidFill>
+                  <a:schemeClr val="bg1">
+                    <a:lumMod val="50000"/>
+                  </a:schemeClr>
+                </a:solidFill>
                 <a:latin typeface="Times New Roman" panose="02020603050405020304" pitchFamily="18" charset="0"/>
                 <a:ea typeface="Times New Roman" panose="02020603050405020304" pitchFamily="18" charset="0"/>
               </a:rPr>
-              <a:t>функция классификации событий;</a:t>
+              <a:t>множество сессий до и после классификации;</a:t>
             </a:r>
           </a:p>
           <a:p>
@@ -5517,10 +5934,15 @@
             </a:pPr>
             <a:r>
               <a:rPr lang="ru-RU" sz="2200" dirty="0">
+                <a:solidFill>
+                  <a:schemeClr val="bg1">
+                    <a:lumMod val="50000"/>
+                  </a:schemeClr>
+                </a:solidFill>
                 <a:latin typeface="Times New Roman" panose="02020603050405020304" pitchFamily="18" charset="0"/>
                 <a:ea typeface="Times New Roman" panose="02020603050405020304" pitchFamily="18" charset="0"/>
               </a:rPr>
-              <a:t>множество сессий до классификации;</a:t>
+              <a:t>множество последовательных шаблонов и значений их поддержки;</a:t>
             </a:r>
           </a:p>
           <a:p>
@@ -5531,52 +5953,30 @@
             </a:pPr>
             <a:r>
               <a:rPr lang="ru-RU" sz="2200" dirty="0">
+                <a:solidFill>
+                  <a:schemeClr val="bg1">
+                    <a:lumMod val="50000"/>
+                  </a:schemeClr>
+                </a:solidFill>
                 <a:latin typeface="Times New Roman" panose="02020603050405020304" pitchFamily="18" charset="0"/>
                 <a:ea typeface="Times New Roman" panose="02020603050405020304" pitchFamily="18" charset="0"/>
               </a:rPr>
-              <a:t>множество сессий после классификации и фильтрации;</a:t>
-            </a:r>
-          </a:p>
-          <a:p>
-            <a:pPr marL="571500" indent="-342900" algn="just">
+              <a:t>функция преобразования класса событий в затрачиваемое время.</a:t>
+            </a:r>
+          </a:p>
+          <a:p>
+            <a:pPr indent="0" algn="just">
               <a:lnSpc>
                 <a:spcPct val="100000"/>
               </a:lnSpc>
+              <a:buNone/>
             </a:pPr>
             <a:r>
               <a:rPr lang="ru-RU" sz="2200" dirty="0">
                 <a:latin typeface="Times New Roman" panose="02020603050405020304" pitchFamily="18" charset="0"/>
                 <a:ea typeface="Times New Roman" panose="02020603050405020304" pitchFamily="18" charset="0"/>
               </a:rPr>
-              <a:t>множество последовательных шаблонов;</a:t>
-            </a:r>
-          </a:p>
-          <a:p>
-            <a:pPr marL="571500" indent="-342900" algn="just">
-              <a:lnSpc>
-                <a:spcPct val="100000"/>
-              </a:lnSpc>
-            </a:pPr>
-            <a:r>
-              <a:rPr lang="ru-RU" sz="2200" dirty="0">
-                <a:latin typeface="Times New Roman" panose="02020603050405020304" pitchFamily="18" charset="0"/>
-                <a:ea typeface="Times New Roman" panose="02020603050405020304" pitchFamily="18" charset="0"/>
-              </a:rPr>
-              <a:t>множество значений поддержки последовательных шаблонов;</a:t>
-            </a:r>
-          </a:p>
-          <a:p>
-            <a:pPr marL="571500" indent="-342900" algn="just">
-              <a:lnSpc>
-                <a:spcPct val="100000"/>
-              </a:lnSpc>
-            </a:pPr>
-            <a:r>
-              <a:rPr lang="ru-RU" sz="2200" dirty="0">
-                <a:latin typeface="Times New Roman" panose="02020603050405020304" pitchFamily="18" charset="0"/>
-                <a:ea typeface="Times New Roman" panose="02020603050405020304" pitchFamily="18" charset="0"/>
-              </a:rPr>
-              <a:t>функция преобразования класса событий в затрачиваемое время.</a:t>
+              <a:t>Просто привести пример</a:t>
             </a:r>
           </a:p>
         </p:txBody>
@@ -5640,12 +6040,146 @@
           <a:chExt cx="0" cy="0"/>
         </a:xfrm>
       </p:grpSpPr>
+      <p:sp>
+        <p:nvSpPr>
+          <p:cNvPr id="2" name="Заголовок 1">
+            <a:extLst>
+              <a:ext uri="{FF2B5EF4-FFF2-40B4-BE49-F238E27FC236}">
+                <a16:creationId xmlns:a16="http://schemas.microsoft.com/office/drawing/2014/main" id="{1802D59D-6A83-151A-EEA2-678960399BE4}"/>
+              </a:ext>
+            </a:extLst>
+          </p:cNvPr>
+          <p:cNvSpPr>
+            <a:spLocks noGrp="1"/>
+          </p:cNvSpPr>
+          <p:nvPr>
+            <p:ph type="title"/>
+          </p:nvPr>
+        </p:nvSpPr>
+        <p:spPr>
+          <a:xfrm>
+            <a:off x="428017" y="-72232"/>
+            <a:ext cx="7366577" cy="1325563"/>
+          </a:xfrm>
+        </p:spPr>
+        <p:txBody>
+          <a:bodyPr>
+            <a:normAutofit/>
+          </a:bodyPr>
+          <a:lstStyle/>
+          <a:p>
+            <a:r>
+              <a:rPr lang="ru-RU" sz="4000" b="1" dirty="0"/>
+              <a:t>Математическая модель пользовательской активности ПО</a:t>
+            </a:r>
+          </a:p>
+        </p:txBody>
+      </p:sp>
+      <p:sp>
+        <p:nvSpPr>
+          <p:cNvPr id="3" name="Объект 2">
+            <a:extLst>
+              <a:ext uri="{FF2B5EF4-FFF2-40B4-BE49-F238E27FC236}">
+                <a16:creationId xmlns:a16="http://schemas.microsoft.com/office/drawing/2014/main" id="{68541323-2632-074C-E69F-FC80AB230174}"/>
+              </a:ext>
+            </a:extLst>
+          </p:cNvPr>
+          <p:cNvSpPr>
+            <a:spLocks noGrp="1"/>
+          </p:cNvSpPr>
+          <p:nvPr>
+            <p:ph idx="1"/>
+          </p:nvPr>
+        </p:nvSpPr>
+        <p:spPr>
+          <a:xfrm>
+            <a:off x="428017" y="1253331"/>
+            <a:ext cx="11182378" cy="5168894"/>
+          </a:xfrm>
+        </p:spPr>
+        <p:txBody>
+          <a:bodyPr>
+            <a:noAutofit/>
+          </a:bodyPr>
+          <a:lstStyle/>
+          <a:p>
+            <a:pPr indent="0" algn="just">
+              <a:lnSpc>
+                <a:spcPct val="100000"/>
+              </a:lnSpc>
+              <a:buNone/>
+            </a:pPr>
+            <a:r>
+              <a:rPr lang="ru-RU" sz="2200" dirty="0">
+                <a:latin typeface="Times New Roman" panose="02020603050405020304" pitchFamily="18" charset="0"/>
+                <a:ea typeface="Times New Roman" panose="02020603050405020304" pitchFamily="18" charset="0"/>
+              </a:rPr>
+              <a:t>Пример: (</a:t>
+            </a:r>
+            <a:r>
+              <a:rPr lang="en-US" sz="2200" dirty="0" err="1">
+                <a:latin typeface="Times New Roman" panose="02020603050405020304" pitchFamily="18" charset="0"/>
+                <a:ea typeface="Times New Roman" panose="02020603050405020304" pitchFamily="18" charset="0"/>
+              </a:rPr>
+              <a:t>ToDo</a:t>
+            </a:r>
+            <a:r>
+              <a:rPr lang="ru-RU" sz="2200" dirty="0">
+                <a:latin typeface="Times New Roman" panose="02020603050405020304" pitchFamily="18" charset="0"/>
+                <a:ea typeface="Times New Roman" panose="02020603050405020304" pitchFamily="18" charset="0"/>
+              </a:rPr>
+              <a:t>) </a:t>
+            </a:r>
+          </a:p>
+          <a:p>
+            <a:pPr indent="0" algn="just">
+              <a:lnSpc>
+                <a:spcPct val="100000"/>
+              </a:lnSpc>
+              <a:buNone/>
+            </a:pPr>
+            <a:endParaRPr lang="ru-RU" sz="2200" dirty="0">
+              <a:latin typeface="Times New Roman" panose="02020603050405020304" pitchFamily="18" charset="0"/>
+              <a:ea typeface="Times New Roman" panose="02020603050405020304" pitchFamily="18" charset="0"/>
+            </a:endParaRPr>
+          </a:p>
+        </p:txBody>
+      </p:sp>
+      <p:sp>
+        <p:nvSpPr>
+          <p:cNvPr id="4" name="Номер слайда 3">
+            <a:extLst>
+              <a:ext uri="{FF2B5EF4-FFF2-40B4-BE49-F238E27FC236}">
+                <a16:creationId xmlns:a16="http://schemas.microsoft.com/office/drawing/2014/main" id="{80FEEFAF-0D6B-464C-7360-370FF23083CC}"/>
+              </a:ext>
+            </a:extLst>
+          </p:cNvPr>
+          <p:cNvSpPr>
+            <a:spLocks noGrp="1"/>
+          </p:cNvSpPr>
+          <p:nvPr>
+            <p:ph type="sldNum" sz="quarter" idx="12"/>
+          </p:nvPr>
+        </p:nvSpPr>
+        <p:spPr/>
+        <p:txBody>
+          <a:bodyPr/>
+          <a:lstStyle/>
+          <a:p>
+            <a:fld id="{E83D2FD5-BBDA-43D0-B172-791327EA2B6A}" type="slidenum">
+              <a:rPr lang="ru-RU" smtClean="0"/>
+              <a:t>6</a:t>
+            </a:fld>
+            <a:endParaRPr lang="ru-RU" dirty="0"/>
+          </a:p>
+        </p:txBody>
+      </p:sp>
       <p:pic>
         <p:nvPicPr>
-          <p:cNvPr id="24" name="Рисунок 23">
-            <a:extLst>
-              <a:ext uri="{FF2B5EF4-FFF2-40B4-BE49-F238E27FC236}">
-                <a16:creationId xmlns:a16="http://schemas.microsoft.com/office/drawing/2014/main" id="{95825B38-A1E9-479F-BBE2-537F66F3CF44}"/>
+          <p:cNvPr id="7" name="Рисунок 6">
+            <a:extLst>
+              <a:ext uri="{FF2B5EF4-FFF2-40B4-BE49-F238E27FC236}">
+                <a16:creationId xmlns:a16="http://schemas.microsoft.com/office/drawing/2014/main" id="{97C0A9FF-8A3B-4E08-AF3D-38C156913F10}"/>
               </a:ext>
             </a:extLst>
           </p:cNvPr>
@@ -5655,121 +6189,15 @@
           <p:nvPr/>
         </p:nvPicPr>
         <p:blipFill>
-          <a:blip r:embed="rId2">
-            <a:extLst>
-              <a:ext uri="{28A0092B-C50C-407E-A947-70E740481C1C}">
-                <a14:useLocalDpi xmlns:a14="http://schemas.microsoft.com/office/drawing/2010/main" val="0"/>
-              </a:ext>
-            </a:extLst>
-          </a:blip>
+          <a:blip r:embed="rId2"/>
           <a:stretch>
             <a:fillRect/>
           </a:stretch>
         </p:blipFill>
         <p:spPr>
           <a:xfrm>
-            <a:off x="6314075" y="3484072"/>
-            <a:ext cx="5548039" cy="2798460"/>
-          </a:xfrm>
-          <a:prstGeom prst="rect">
-            <a:avLst/>
-          </a:prstGeom>
-        </p:spPr>
-      </p:pic>
-      <p:sp>
-        <p:nvSpPr>
-          <p:cNvPr id="2" name="Заголовок 1">
-            <a:extLst>
-              <a:ext uri="{FF2B5EF4-FFF2-40B4-BE49-F238E27FC236}">
-                <a16:creationId xmlns:a16="http://schemas.microsoft.com/office/drawing/2014/main" id="{1802D59D-6A83-151A-EEA2-678960399BE4}"/>
-              </a:ext>
-            </a:extLst>
-          </p:cNvPr>
-          <p:cNvSpPr>
-            <a:spLocks noGrp="1"/>
-          </p:cNvSpPr>
-          <p:nvPr>
-            <p:ph type="title"/>
-          </p:nvPr>
-        </p:nvSpPr>
-        <p:spPr>
-          <a:xfrm>
-            <a:off x="428016" y="-72232"/>
-            <a:ext cx="11763983" cy="1325563"/>
-          </a:xfrm>
-        </p:spPr>
-        <p:txBody>
-          <a:bodyPr>
-            <a:normAutofit/>
-          </a:bodyPr>
-          <a:lstStyle/>
-          <a:p>
-            <a:r>
-              <a:rPr lang="ru-RU" sz="4000" b="1" dirty="0"/>
-              <a:t>Алгоритм получения ассоциативных правил Apriori</a:t>
-            </a:r>
-          </a:p>
-        </p:txBody>
-      </p:sp>
-      <p:sp>
-        <p:nvSpPr>
-          <p:cNvPr id="4" name="Номер слайда 3">
-            <a:extLst>
-              <a:ext uri="{FF2B5EF4-FFF2-40B4-BE49-F238E27FC236}">
-                <a16:creationId xmlns:a16="http://schemas.microsoft.com/office/drawing/2014/main" id="{80FEEFAF-0D6B-464C-7360-370FF23083CC}"/>
-              </a:ext>
-            </a:extLst>
-          </p:cNvPr>
-          <p:cNvSpPr>
-            <a:spLocks noGrp="1"/>
-          </p:cNvSpPr>
-          <p:nvPr>
-            <p:ph type="sldNum" sz="quarter" idx="12"/>
-          </p:nvPr>
-        </p:nvSpPr>
-        <p:spPr/>
-        <p:txBody>
-          <a:bodyPr/>
-          <a:lstStyle/>
-          <a:p>
-            <a:fld id="{E83D2FD5-BBDA-43D0-B172-791327EA2B6A}" type="slidenum">
-              <a:rPr lang="ru-RU" smtClean="0"/>
-              <a:t>6</a:t>
-            </a:fld>
-            <a:endParaRPr lang="ru-RU" dirty="0"/>
-          </a:p>
-        </p:txBody>
-      </p:sp>
-      <p:pic>
-        <p:nvPicPr>
-          <p:cNvPr id="14" name="Рисунок 13">
-            <a:extLst>
-              <a:ext uri="{FF2B5EF4-FFF2-40B4-BE49-F238E27FC236}">
-                <a16:creationId xmlns:a16="http://schemas.microsoft.com/office/drawing/2014/main" id="{CDABA089-439E-4C81-AE26-64F26D679FFA}"/>
-              </a:ext>
-            </a:extLst>
-          </p:cNvPr>
-          <p:cNvPicPr>
-            <a:picLocks noChangeAspect="1"/>
-          </p:cNvPicPr>
-          <p:nvPr/>
-        </p:nvPicPr>
-        <p:blipFill>
-          <a:blip r:embed="rId3">
-            <a:extLst>
-              <a:ext uri="{28A0092B-C50C-407E-A947-70E740481C1C}">
-                <a14:useLocalDpi xmlns:a14="http://schemas.microsoft.com/office/drawing/2010/main" val="0"/>
-              </a:ext>
-            </a:extLst>
-          </a:blip>
-          <a:stretch>
-            <a:fillRect/>
-          </a:stretch>
-        </p:blipFill>
-        <p:spPr>
-          <a:xfrm>
-            <a:off x="329886" y="1041003"/>
-            <a:ext cx="6522077" cy="4128294"/>
+            <a:off x="809469" y="1889627"/>
+            <a:ext cx="6041707" cy="2596648"/>
           </a:xfrm>
           <a:prstGeom prst="rect">
             <a:avLst/>
@@ -5779,7 +6207,7 @@
     </p:spTree>
     <p:extLst>
       <p:ext uri="{BB962C8B-B14F-4D97-AF65-F5344CB8AC3E}">
-        <p14:creationId xmlns:p14="http://schemas.microsoft.com/office/powerpoint/2010/main" val="1348821935"/>
+        <p14:creationId xmlns:p14="http://schemas.microsoft.com/office/powerpoint/2010/main" val="3938674021"/>
       </p:ext>
     </p:extLst>
   </p:cSld>
@@ -5806,6 +6234,42 @@
           <a:chExt cx="0" cy="0"/>
         </a:xfrm>
       </p:grpSpPr>
+      <p:pic>
+        <p:nvPicPr>
+          <p:cNvPr id="24" name="Рисунок 23">
+            <a:extLst>
+              <a:ext uri="{FF2B5EF4-FFF2-40B4-BE49-F238E27FC236}">
+                <a16:creationId xmlns:a16="http://schemas.microsoft.com/office/drawing/2014/main" id="{95825B38-A1E9-479F-BBE2-537F66F3CF44}"/>
+              </a:ext>
+            </a:extLst>
+          </p:cNvPr>
+          <p:cNvPicPr>
+            <a:picLocks noChangeAspect="1"/>
+          </p:cNvPicPr>
+          <p:nvPr/>
+        </p:nvPicPr>
+        <p:blipFill>
+          <a:blip r:embed="rId2">
+            <a:extLst>
+              <a:ext uri="{28A0092B-C50C-407E-A947-70E740481C1C}">
+                <a14:useLocalDpi xmlns:a14="http://schemas.microsoft.com/office/drawing/2010/main" val="0"/>
+              </a:ext>
+            </a:extLst>
+          </a:blip>
+          <a:stretch>
+            <a:fillRect/>
+          </a:stretch>
+        </p:blipFill>
+        <p:spPr>
+          <a:xfrm>
+            <a:off x="6440144" y="1487667"/>
+            <a:ext cx="5548039" cy="2798460"/>
+          </a:xfrm>
+          <a:prstGeom prst="rect">
+            <a:avLst/>
+          </a:prstGeom>
+        </p:spPr>
+      </p:pic>
       <p:sp>
         <p:nvSpPr>
           <p:cNvPr id="2" name="Заголовок 1">
@@ -5836,8 +6300,17 @@
           <a:p>
             <a:r>
               <a:rPr lang="ru-RU" sz="4000" b="1" dirty="0"/>
-              <a:t>Алгоритм получения ассоциативных правил Apriori</a:t>
-            </a:r>
+              <a:t>Пример работы алгоритма </a:t>
+            </a:r>
+            <a:r>
+              <a:rPr lang="ru-RU" sz="4000" b="1" dirty="0" err="1"/>
+              <a:t>Aprior</a:t>
+            </a:r>
+            <a:r>
+              <a:rPr lang="en-US" sz="4000" b="1" dirty="0" err="1"/>
+              <a:t>i</a:t>
+            </a:r>
+            <a:endParaRPr lang="ru-RU" sz="4000" b="1" dirty="0"/>
           </a:p>
         </p:txBody>
       </p:sp>
@@ -5872,10 +6345,10 @@
       </p:sp>
       <p:pic>
         <p:nvPicPr>
-          <p:cNvPr id="5" name="Рисунок 4">
-            <a:extLst>
-              <a:ext uri="{FF2B5EF4-FFF2-40B4-BE49-F238E27FC236}">
-                <a16:creationId xmlns:a16="http://schemas.microsoft.com/office/drawing/2014/main" id="{3DAEC5D1-F156-424A-9FE1-6F7A66C879DB}"/>
+          <p:cNvPr id="14" name="Рисунок 13">
+            <a:extLst>
+              <a:ext uri="{FF2B5EF4-FFF2-40B4-BE49-F238E27FC236}">
+                <a16:creationId xmlns:a16="http://schemas.microsoft.com/office/drawing/2014/main" id="{CDABA089-439E-4C81-AE26-64F26D679FFA}"/>
               </a:ext>
             </a:extLst>
           </p:cNvPr>
@@ -5884,21 +6357,22 @@
           </p:cNvPicPr>
           <p:nvPr/>
         </p:nvPicPr>
-        <p:blipFill rotWithShape="1">
-          <a:blip r:embed="rId2">
+        <p:blipFill>
+          <a:blip r:embed="rId3">
             <a:extLst>
               <a:ext uri="{28A0092B-C50C-407E-A947-70E740481C1C}">
                 <a14:useLocalDpi xmlns:a14="http://schemas.microsoft.com/office/drawing/2010/main" val="0"/>
               </a:ext>
             </a:extLst>
           </a:blip>
-          <a:srcRect r="15224"/>
-          <a:stretch/>
+          <a:stretch>
+            <a:fillRect/>
+          </a:stretch>
         </p:blipFill>
         <p:spPr>
           <a:xfrm>
-            <a:off x="1858393" y="1253331"/>
-            <a:ext cx="8475214" cy="1905434"/>
+            <a:off x="329886" y="1041003"/>
+            <a:ext cx="6522077" cy="4128294"/>
           </a:xfrm>
           <a:prstGeom prst="rect">
             <a:avLst/>
@@ -5907,10 +6381,10 @@
       </p:pic>
       <p:pic>
         <p:nvPicPr>
-          <p:cNvPr id="11" name="Рисунок 10">
-            <a:extLst>
-              <a:ext uri="{FF2B5EF4-FFF2-40B4-BE49-F238E27FC236}">
-                <a16:creationId xmlns:a16="http://schemas.microsoft.com/office/drawing/2014/main" id="{23E56FEB-BFB4-4A77-A0EA-84774C1B4F2D}"/>
+          <p:cNvPr id="6" name="Рисунок 5">
+            <a:extLst>
+              <a:ext uri="{FF2B5EF4-FFF2-40B4-BE49-F238E27FC236}">
+                <a16:creationId xmlns:a16="http://schemas.microsoft.com/office/drawing/2014/main" id="{77F412C1-F89D-4CC6-BFDD-83DBC9CD4042}"/>
               </a:ext>
             </a:extLst>
           </p:cNvPr>
@@ -5920,7 +6394,42 @@
           <p:nvPr/>
         </p:nvPicPr>
         <p:blipFill rotWithShape="1">
-          <a:blip r:embed="rId3">
+          <a:blip r:embed="rId4">
+            <a:extLst>
+              <a:ext uri="{28A0092B-C50C-407E-A947-70E740481C1C}">
+                <a14:useLocalDpi xmlns:a14="http://schemas.microsoft.com/office/drawing/2010/main" val="0"/>
+              </a:ext>
+            </a:extLst>
+          </a:blip>
+          <a:srcRect r="15224"/>
+          <a:stretch/>
+        </p:blipFill>
+        <p:spPr>
+          <a:xfrm>
+            <a:off x="547961" y="4892855"/>
+            <a:ext cx="5548039" cy="1247334"/>
+          </a:xfrm>
+          <a:prstGeom prst="rect">
+            <a:avLst/>
+          </a:prstGeom>
+        </p:spPr>
+      </p:pic>
+      <p:pic>
+        <p:nvPicPr>
+          <p:cNvPr id="7" name="Рисунок 6">
+            <a:extLst>
+              <a:ext uri="{FF2B5EF4-FFF2-40B4-BE49-F238E27FC236}">
+                <a16:creationId xmlns:a16="http://schemas.microsoft.com/office/drawing/2014/main" id="{85A31C70-EB35-439C-9576-BFE788AA69F5}"/>
+              </a:ext>
+            </a:extLst>
+          </p:cNvPr>
+          <p:cNvPicPr>
+            <a:picLocks noChangeAspect="1"/>
+          </p:cNvPicPr>
+          <p:nvPr/>
+        </p:nvPicPr>
+        <p:blipFill rotWithShape="1">
+          <a:blip r:embed="rId5">
             <a:extLst>
               <a:ext uri="{28A0092B-C50C-407E-A947-70E740481C1C}">
                 <a14:useLocalDpi xmlns:a14="http://schemas.microsoft.com/office/drawing/2010/main" val="0"/>
@@ -5932,18 +6441,82 @@
         </p:blipFill>
         <p:spPr>
           <a:xfrm>
-            <a:off x="1858393" y="3699236"/>
-            <a:ext cx="8475214" cy="2072914"/>
+            <a:off x="6768257" y="4947644"/>
+            <a:ext cx="4875782" cy="1192545"/>
           </a:xfrm>
           <a:prstGeom prst="rect">
             <a:avLst/>
           </a:prstGeom>
         </p:spPr>
       </p:pic>
+      <p:sp>
+        <p:nvSpPr>
+          <p:cNvPr id="12" name="TextBox 11">
+            <a:extLst>
+              <a:ext uri="{FF2B5EF4-FFF2-40B4-BE49-F238E27FC236}">
+                <a16:creationId xmlns:a16="http://schemas.microsoft.com/office/drawing/2014/main" id="{81C7E6CD-7CF0-47D1-8BB8-28BB77B12547}"/>
+              </a:ext>
+            </a:extLst>
+          </p:cNvPr>
+          <p:cNvSpPr txBox="1"/>
+          <p:nvPr/>
+        </p:nvSpPr>
+        <p:spPr>
+          <a:xfrm>
+            <a:off x="5428007" y="841336"/>
+            <a:ext cx="6096000" cy="646331"/>
+          </a:xfrm>
+          <a:prstGeom prst="rect">
+            <a:avLst/>
+          </a:prstGeom>
+          <a:noFill/>
+        </p:spPr>
+        <p:txBody>
+          <a:bodyPr wrap="square">
+            <a:spAutoFit/>
+          </a:bodyPr>
+          <a:lstStyle/>
+          <a:p>
+            <a:r>
+              <a:rPr lang="en-US" sz="1800" b="1" dirty="0" err="1"/>
+              <a:t>Todo</a:t>
+            </a:r>
+            <a:r>
+              <a:rPr lang="en-US" sz="1800" b="1" dirty="0"/>
+              <a:t> </a:t>
+            </a:r>
+            <a:r>
+              <a:rPr lang="ru-RU" sz="1800" b="1" dirty="0"/>
+              <a:t>в </a:t>
+            </a:r>
+            <a:r>
+              <a:rPr lang="en-US" sz="1800" b="1" dirty="0" err="1"/>
+              <a:t>excele</a:t>
+            </a:r>
+            <a:r>
+              <a:rPr lang="en-US" sz="1800" b="1" dirty="0"/>
+              <a:t>: </a:t>
+            </a:r>
+            <a:r>
+              <a:rPr lang="ru-RU" sz="1800" b="1" dirty="0"/>
+              <a:t>без стрелок, поменьше входных данных (5),  считаем </a:t>
+            </a:r>
+            <a:r>
+              <a:rPr lang="en-US" sz="1800" b="1" dirty="0"/>
+              <a:t>conf </a:t>
+            </a:r>
+            <a:r>
+              <a:rPr lang="ru-RU" sz="1800" b="1" dirty="0"/>
+              <a:t>только для одного примера</a:t>
+            </a:r>
+            <a:endParaRPr lang="ru-RU" dirty="0"/>
+          </a:p>
+        </p:txBody>
+      </p:sp>
     </p:spTree>
     <p:extLst>
       <p:ext uri="{BB962C8B-B14F-4D97-AF65-F5344CB8AC3E}">
-        <p14:creationId xmlns:p14="http://schemas.microsoft.com/office/powerpoint/2010/main" val="3862488474"/>
+        <p14:creationId xmlns:p14="http://schemas.microsoft.com/office/powerpoint/2010/main" val="1348821935"/>
       </p:ext>
     </p:extLst>
   </p:cSld>
@@ -6067,6 +6640,122 @@
           </a:bodyPr>
           <a:lstStyle/>
           <a:p>
+            <a:pPr marL="571500" indent="-342900" algn="just">
+              <a:lnSpc>
+                <a:spcPct val="100000"/>
+              </a:lnSpc>
+            </a:pPr>
+            <a:r>
+              <a:rPr lang="ru-RU" sz="2200" dirty="0">
+                <a:solidFill>
+                  <a:schemeClr val="bg1">
+                    <a:lumMod val="50000"/>
+                  </a:schemeClr>
+                </a:solidFill>
+                <a:latin typeface="Times New Roman" panose="02020603050405020304" pitchFamily="18" charset="0"/>
+                <a:ea typeface="Times New Roman" panose="02020603050405020304" pitchFamily="18" charset="0"/>
+              </a:rPr>
+              <a:t>англ. </a:t>
+            </a:r>
+            <a:r>
+              <a:rPr lang="en-US" sz="2200" dirty="0">
+                <a:solidFill>
+                  <a:schemeClr val="bg1">
+                    <a:lumMod val="50000"/>
+                  </a:schemeClr>
+                </a:solidFill>
+                <a:latin typeface="Times New Roman" panose="02020603050405020304" pitchFamily="18" charset="0"/>
+                <a:ea typeface="Times New Roman" panose="02020603050405020304" pitchFamily="18" charset="0"/>
+              </a:rPr>
+              <a:t>Generalized Sequential Pattern,</a:t>
+            </a:r>
+            <a:r>
+              <a:rPr lang="ru-RU" sz="2200" dirty="0">
+                <a:solidFill>
+                  <a:schemeClr val="bg1">
+                    <a:lumMod val="50000"/>
+                  </a:schemeClr>
+                </a:solidFill>
+                <a:latin typeface="Times New Roman" panose="02020603050405020304" pitchFamily="18" charset="0"/>
+                <a:ea typeface="Times New Roman" panose="02020603050405020304" pitchFamily="18" charset="0"/>
+              </a:rPr>
+              <a:t> обобщенный </a:t>
+            </a:r>
+            <a:r>
+              <a:rPr lang="ru-RU" sz="2200" dirty="0" err="1">
+                <a:solidFill>
+                  <a:schemeClr val="bg1">
+                    <a:lumMod val="50000"/>
+                  </a:schemeClr>
+                </a:solidFill>
+                <a:latin typeface="Times New Roman" panose="02020603050405020304" pitchFamily="18" charset="0"/>
+                <a:ea typeface="Times New Roman" panose="02020603050405020304" pitchFamily="18" charset="0"/>
+              </a:rPr>
+              <a:t>секвенциальный</a:t>
+            </a:r>
+            <a:r>
+              <a:rPr lang="ru-RU" sz="2200" dirty="0">
+                <a:solidFill>
+                  <a:schemeClr val="bg1">
+                    <a:lumMod val="50000"/>
+                  </a:schemeClr>
+                </a:solidFill>
+                <a:latin typeface="Times New Roman" panose="02020603050405020304" pitchFamily="18" charset="0"/>
+                <a:ea typeface="Times New Roman" panose="02020603050405020304" pitchFamily="18" charset="0"/>
+              </a:rPr>
+              <a:t> паттерн</a:t>
+            </a:r>
+          </a:p>
+          <a:p>
+            <a:pPr marL="571500" indent="-342900" algn="just">
+              <a:lnSpc>
+                <a:spcPct val="100000"/>
+              </a:lnSpc>
+            </a:pPr>
+            <a:r>
+              <a:rPr lang="ru-RU" sz="2200" dirty="0">
+                <a:latin typeface="Times New Roman" panose="02020603050405020304" pitchFamily="18" charset="0"/>
+                <a:ea typeface="Times New Roman" panose="02020603050405020304" pitchFamily="18" charset="0"/>
+              </a:rPr>
+              <a:t>является модификацией алгоритма </a:t>
+            </a:r>
+            <a:r>
+              <a:rPr lang="ru-RU" sz="2200" dirty="0" err="1">
+                <a:latin typeface="Times New Roman" panose="02020603050405020304" pitchFamily="18" charset="0"/>
+                <a:ea typeface="Times New Roman" panose="02020603050405020304" pitchFamily="18" charset="0"/>
+              </a:rPr>
+              <a:t>Apriori</a:t>
+            </a:r>
+            <a:r>
+              <a:rPr lang="en-US" sz="2200" dirty="0">
+                <a:latin typeface="Times New Roman" panose="02020603050405020304" pitchFamily="18" charset="0"/>
+                <a:ea typeface="Times New Roman" panose="02020603050405020304" pitchFamily="18" charset="0"/>
+              </a:rPr>
+              <a:t>All;</a:t>
+            </a:r>
+          </a:p>
+          <a:p>
+            <a:pPr marL="571500" indent="-342900" algn="just">
+              <a:lnSpc>
+                <a:spcPct val="100000"/>
+              </a:lnSpc>
+            </a:pPr>
+            <a:r>
+              <a:rPr lang="ru-RU" sz="2200" dirty="0">
+                <a:latin typeface="Times New Roman" panose="02020603050405020304" pitchFamily="18" charset="0"/>
+                <a:ea typeface="Times New Roman" panose="02020603050405020304" pitchFamily="18" charset="0"/>
+              </a:rPr>
+              <a:t>учитывает ограничения по времени между соседними транзакциями</a:t>
+            </a:r>
+            <a:r>
+              <a:rPr lang="en-US" sz="2200" dirty="0">
+                <a:latin typeface="Times New Roman" panose="02020603050405020304" pitchFamily="18" charset="0"/>
+                <a:ea typeface="Times New Roman" panose="02020603050405020304" pitchFamily="18" charset="0"/>
+              </a:rPr>
+              <a:t>.</a:t>
+            </a:r>
+          </a:p>
+          <a:p>
             <a:pPr indent="0" algn="just">
               <a:lnSpc>
                 <a:spcPct val="100000"/>
@@ -6075,111 +6764,22 @@
             </a:pPr>
             <a:r>
               <a:rPr lang="ru-RU" sz="2200" dirty="0">
+                <a:solidFill>
+                  <a:schemeClr val="bg1">
+                    <a:lumMod val="50000"/>
+                  </a:schemeClr>
+                </a:solidFill>
                 <a:latin typeface="Times New Roman" panose="02020603050405020304" pitchFamily="18" charset="0"/>
                 <a:ea typeface="Times New Roman" panose="02020603050405020304" pitchFamily="18" charset="0"/>
               </a:rPr>
-              <a:t>Алгоритм GSP (англ. </a:t>
-            </a:r>
-            <a:r>
-              <a:rPr lang="ru-RU" sz="2200" dirty="0" err="1">
-                <a:latin typeface="Times New Roman" panose="02020603050405020304" pitchFamily="18" charset="0"/>
-                <a:ea typeface="Times New Roman" panose="02020603050405020304" pitchFamily="18" charset="0"/>
-              </a:rPr>
-              <a:t>Generalized</a:t>
-            </a:r>
-            <a:r>
-              <a:rPr lang="ru-RU" sz="2200" dirty="0">
-                <a:latin typeface="Times New Roman" panose="02020603050405020304" pitchFamily="18" charset="0"/>
-                <a:ea typeface="Times New Roman" panose="02020603050405020304" pitchFamily="18" charset="0"/>
-              </a:rPr>
-              <a:t> </a:t>
-            </a:r>
-            <a:r>
-              <a:rPr lang="ru-RU" sz="2200" dirty="0" err="1">
-                <a:latin typeface="Times New Roman" panose="02020603050405020304" pitchFamily="18" charset="0"/>
-                <a:ea typeface="Times New Roman" panose="02020603050405020304" pitchFamily="18" charset="0"/>
-              </a:rPr>
-              <a:t>Sequential</a:t>
-            </a:r>
-            <a:r>
-              <a:rPr lang="ru-RU" sz="2200" dirty="0">
-                <a:latin typeface="Times New Roman" panose="02020603050405020304" pitchFamily="18" charset="0"/>
-                <a:ea typeface="Times New Roman" panose="02020603050405020304" pitchFamily="18" charset="0"/>
-              </a:rPr>
-              <a:t> </a:t>
-            </a:r>
-            <a:r>
-              <a:rPr lang="ru-RU" sz="2200" dirty="0" err="1">
-                <a:latin typeface="Times New Roman" panose="02020603050405020304" pitchFamily="18" charset="0"/>
-                <a:ea typeface="Times New Roman" panose="02020603050405020304" pitchFamily="18" charset="0"/>
-              </a:rPr>
-              <a:t>Pattern</a:t>
-            </a:r>
-            <a:r>
-              <a:rPr lang="ru-RU" sz="2200" dirty="0">
-                <a:latin typeface="Times New Roman" panose="02020603050405020304" pitchFamily="18" charset="0"/>
-                <a:ea typeface="Times New Roman" panose="02020603050405020304" pitchFamily="18" charset="0"/>
-              </a:rPr>
-              <a:t>, обобщенный </a:t>
-            </a:r>
-            <a:r>
-              <a:rPr lang="ru-RU" sz="2200" dirty="0" err="1">
-                <a:latin typeface="Times New Roman" panose="02020603050405020304" pitchFamily="18" charset="0"/>
-                <a:ea typeface="Times New Roman" panose="02020603050405020304" pitchFamily="18" charset="0"/>
-              </a:rPr>
-              <a:t>секвенциальный</a:t>
-            </a:r>
-            <a:r>
-              <a:rPr lang="ru-RU" sz="2200" dirty="0">
-                <a:latin typeface="Times New Roman" panose="02020603050405020304" pitchFamily="18" charset="0"/>
-                <a:ea typeface="Times New Roman" panose="02020603050405020304" pitchFamily="18" charset="0"/>
-              </a:rPr>
-              <a:t> паттерн) является модификацией алгоритма </a:t>
-            </a:r>
-            <a:r>
-              <a:rPr lang="ru-RU" sz="2200" dirty="0" err="1">
-                <a:latin typeface="Times New Roman" panose="02020603050405020304" pitchFamily="18" charset="0"/>
-                <a:ea typeface="Times New Roman" panose="02020603050405020304" pitchFamily="18" charset="0"/>
-              </a:rPr>
-              <a:t>Apriori</a:t>
-            </a:r>
-            <a:r>
-              <a:rPr lang="en-US" sz="2200" dirty="0">
-                <a:latin typeface="Times New Roman" panose="02020603050405020304" pitchFamily="18" charset="0"/>
-                <a:ea typeface="Times New Roman" panose="02020603050405020304" pitchFamily="18" charset="0"/>
-              </a:rPr>
-              <a:t>All</a:t>
-            </a:r>
-            <a:r>
-              <a:rPr lang="ru-RU" sz="2200" dirty="0">
-                <a:latin typeface="Times New Roman" panose="02020603050405020304" pitchFamily="18" charset="0"/>
-                <a:ea typeface="Times New Roman" panose="02020603050405020304" pitchFamily="18" charset="0"/>
-              </a:rPr>
-              <a:t>, учитывающей ограничения по времени между соседними транзакциями</a:t>
-            </a:r>
-            <a:r>
-              <a:rPr lang="en-US" sz="2200" dirty="0">
-                <a:latin typeface="Times New Roman" panose="02020603050405020304" pitchFamily="18" charset="0"/>
-                <a:ea typeface="Times New Roman" panose="02020603050405020304" pitchFamily="18" charset="0"/>
-              </a:rPr>
-              <a:t>.</a:t>
-            </a:r>
-          </a:p>
-          <a:p>
-            <a:pPr indent="0" algn="just">
-              <a:lnSpc>
-                <a:spcPct val="100000"/>
-              </a:lnSpc>
-              <a:buNone/>
-            </a:pPr>
-            <a:r>
-              <a:rPr lang="ru-RU" sz="2200" dirty="0">
-                <a:latin typeface="Times New Roman" panose="02020603050405020304" pitchFamily="18" charset="0"/>
-                <a:ea typeface="Times New Roman" panose="02020603050405020304" pitchFamily="18" charset="0"/>
-              </a:rPr>
               <a:t>В работе алгоритма можно выделить следующие основные этапы:</a:t>
             </a:r>
             <a:endParaRPr lang="en-US" sz="2200" dirty="0">
+              <a:solidFill>
+                <a:schemeClr val="bg1">
+                  <a:lumMod val="50000"/>
+                </a:schemeClr>
+              </a:solidFill>
               <a:latin typeface="Times New Roman" panose="02020603050405020304" pitchFamily="18" charset="0"/>
               <a:ea typeface="Times New Roman" panose="02020603050405020304" pitchFamily="18" charset="0"/>
             </a:endParaRPr>
@@ -6193,6 +6793,11 @@
             </a:pPr>
             <a:r>
               <a:rPr lang="en-US" sz="2200" dirty="0">
+                <a:solidFill>
+                  <a:schemeClr val="bg1">
+                    <a:lumMod val="50000"/>
+                  </a:schemeClr>
+                </a:solidFill>
                 <a:latin typeface="Times New Roman" panose="02020603050405020304" pitchFamily="18" charset="0"/>
                 <a:cs typeface="Times New Roman" panose="02020603050405020304" pitchFamily="18" charset="0"/>
               </a:rPr>
@@ -6200,6 +6805,11 @@
             </a:r>
             <a:r>
               <a:rPr lang="ru-RU" sz="2200" dirty="0">
+                <a:solidFill>
+                  <a:schemeClr val="bg1">
+                    <a:lumMod val="50000"/>
+                  </a:schemeClr>
+                </a:solidFill>
                 <a:latin typeface="Times New Roman" panose="02020603050405020304" pitchFamily="18" charset="0"/>
                 <a:cs typeface="Times New Roman" panose="02020603050405020304" pitchFamily="18" charset="0"/>
               </a:rPr>
@@ -6207,12 +6817,22 @@
             </a:r>
             <a:br>
               <a:rPr lang="en-US" sz="2200" dirty="0">
+                <a:solidFill>
+                  <a:schemeClr val="bg1">
+                    <a:lumMod val="50000"/>
+                  </a:schemeClr>
+                </a:solidFill>
                 <a:latin typeface="Times New Roman" panose="02020603050405020304" pitchFamily="18" charset="0"/>
                 <a:cs typeface="Times New Roman" panose="02020603050405020304" pitchFamily="18" charset="0"/>
               </a:rPr>
             </a:br>
             <a:r>
               <a:rPr lang="en-US" sz="2200" dirty="0">
+                <a:solidFill>
+                  <a:schemeClr val="bg1">
+                    <a:lumMod val="50000"/>
+                  </a:schemeClr>
+                </a:solidFill>
                 <a:latin typeface="Times New Roman" panose="02020603050405020304" pitchFamily="18" charset="0"/>
                 <a:cs typeface="Times New Roman" panose="02020603050405020304" pitchFamily="18" charset="0"/>
               </a:rPr>
@@ -6220,6 +6840,11 @@
             </a:r>
             <a:r>
               <a:rPr lang="ru-RU" sz="2200" dirty="0">
+                <a:solidFill>
+                  <a:schemeClr val="bg1">
+                    <a:lumMod val="50000"/>
+                  </a:schemeClr>
+                </a:solidFill>
                 <a:latin typeface="Times New Roman" panose="02020603050405020304" pitchFamily="18" charset="0"/>
                 <a:cs typeface="Times New Roman" panose="02020603050405020304" pitchFamily="18" charset="0"/>
               </a:rPr>
@@ -6227,12 +6852,22 @@
             </a:r>
             <a:br>
               <a:rPr lang="en-US" sz="2200" dirty="0">
+                <a:solidFill>
+                  <a:schemeClr val="bg1">
+                    <a:lumMod val="50000"/>
+                  </a:schemeClr>
+                </a:solidFill>
                 <a:latin typeface="Times New Roman" panose="02020603050405020304" pitchFamily="18" charset="0"/>
                 <a:cs typeface="Times New Roman" panose="02020603050405020304" pitchFamily="18" charset="0"/>
               </a:rPr>
             </a:br>
             <a:r>
               <a:rPr lang="en-US" sz="2200" dirty="0">
+                <a:solidFill>
+                  <a:schemeClr val="bg1">
+                    <a:lumMod val="50000"/>
+                  </a:schemeClr>
+                </a:solidFill>
                 <a:latin typeface="Times New Roman" panose="02020603050405020304" pitchFamily="18" charset="0"/>
                 <a:cs typeface="Times New Roman" panose="02020603050405020304" pitchFamily="18" charset="0"/>
               </a:rPr>
@@ -6240,6 +6875,11 @@
             </a:r>
             <a:r>
               <a:rPr lang="ru-RU" sz="2200" dirty="0">
+                <a:solidFill>
+                  <a:schemeClr val="bg1">
+                    <a:lumMod val="50000"/>
+                  </a:schemeClr>
+                </a:solidFill>
                 <a:latin typeface="Times New Roman" panose="02020603050405020304" pitchFamily="18" charset="0"/>
                 <a:cs typeface="Times New Roman" panose="02020603050405020304" pitchFamily="18" charset="0"/>
               </a:rPr>
@@ -6247,12 +6887,22 @@
             </a:r>
             <a:br>
               <a:rPr lang="en-US" sz="2200" dirty="0">
+                <a:solidFill>
+                  <a:schemeClr val="bg1">
+                    <a:lumMod val="50000"/>
+                  </a:schemeClr>
+                </a:solidFill>
                 <a:latin typeface="Times New Roman" panose="02020603050405020304" pitchFamily="18" charset="0"/>
                 <a:cs typeface="Times New Roman" panose="02020603050405020304" pitchFamily="18" charset="0"/>
               </a:rPr>
             </a:br>
             <a:r>
               <a:rPr lang="en-US" sz="2200" dirty="0">
+                <a:solidFill>
+                  <a:schemeClr val="bg1">
+                    <a:lumMod val="50000"/>
+                  </a:schemeClr>
+                </a:solidFill>
                 <a:latin typeface="Times New Roman" panose="02020603050405020304" pitchFamily="18" charset="0"/>
                 <a:cs typeface="Times New Roman" panose="02020603050405020304" pitchFamily="18" charset="0"/>
               </a:rPr>
@@ -6260,10 +6910,52 @@
             </a:r>
             <a:r>
               <a:rPr lang="ru-RU" sz="2200" dirty="0">
+                <a:solidFill>
+                  <a:schemeClr val="bg1">
+                    <a:lumMod val="50000"/>
+                  </a:schemeClr>
+                </a:solidFill>
                 <a:latin typeface="Times New Roman" panose="02020603050405020304" pitchFamily="18" charset="0"/>
                 <a:cs typeface="Times New Roman" panose="02020603050405020304" pitchFamily="18" charset="0"/>
               </a:rPr>
               <a:t>Подсчет поддержки кандидатов.</a:t>
+            </a:r>
+          </a:p>
+          <a:p>
+            <a:pPr indent="0">
+              <a:lnSpc>
+                <a:spcPct val="100000"/>
+              </a:lnSpc>
+              <a:buNone/>
+            </a:pPr>
+            <a:r>
+              <a:rPr lang="ru-RU" sz="2200" dirty="0">
+                <a:solidFill>
+                  <a:schemeClr val="bg1">
+                    <a:lumMod val="50000"/>
+                  </a:schemeClr>
+                </a:solidFill>
+                <a:latin typeface="Times New Roman" panose="02020603050405020304" pitchFamily="18" charset="0"/>
+                <a:ea typeface="Times New Roman" panose="02020603050405020304" pitchFamily="18" charset="0"/>
+                <a:cs typeface="Times New Roman" panose="02020603050405020304" pitchFamily="18" charset="0"/>
+              </a:rPr>
+              <a:t>(Добавить буквы?)</a:t>
+            </a:r>
+          </a:p>
+          <a:p>
+            <a:pPr indent="0">
+              <a:lnSpc>
+                <a:spcPct val="100000"/>
+              </a:lnSpc>
+              <a:buNone/>
+            </a:pPr>
+            <a:r>
+              <a:rPr lang="ru-RU" sz="2200" dirty="0">
+                <a:latin typeface="Times New Roman" panose="02020603050405020304" pitchFamily="18" charset="0"/>
+                <a:ea typeface="Times New Roman" panose="02020603050405020304" pitchFamily="18" charset="0"/>
+                <a:cs typeface="Times New Roman" panose="02020603050405020304" pitchFamily="18" charset="0"/>
+              </a:rPr>
+              <a:t>Просто привести пример</a:t>
             </a:r>
             <a:endParaRPr lang="en-US" sz="2200" dirty="0">
               <a:latin typeface="Times New Roman" panose="02020603050405020304" pitchFamily="18" charset="0"/>
@@ -6321,8 +7013,8 @@
         </p:nvSpPr>
         <p:spPr>
           <a:xfrm>
-            <a:off x="428017" y="-72232"/>
-            <a:ext cx="10515600" cy="1325563"/>
+            <a:off x="428016" y="-72232"/>
+            <a:ext cx="11763983" cy="1325563"/>
           </a:xfrm>
         </p:spPr>
         <p:txBody>
@@ -6333,17 +7025,51 @@
           <a:p>
             <a:r>
               <a:rPr lang="ru-RU" sz="4000" b="1" dirty="0"/>
-              <a:t>Метод оценки эффективности интерфейса GOMS</a:t>
-            </a:r>
-          </a:p>
-        </p:txBody>
-      </p:sp>
-      <p:sp>
-        <p:nvSpPr>
-          <p:cNvPr id="3" name="Объект 2">
-            <a:extLst>
-              <a:ext uri="{FF2B5EF4-FFF2-40B4-BE49-F238E27FC236}">
-                <a16:creationId xmlns:a16="http://schemas.microsoft.com/office/drawing/2014/main" id="{68541323-2632-074C-E69F-FC80AB230174}"/>
+              <a:t>Пример работы алгоритма </a:t>
+            </a:r>
+            <a:r>
+              <a:rPr lang="en-US" sz="4000" b="1" dirty="0"/>
+              <a:t>GSP</a:t>
+            </a:r>
+            <a:endParaRPr lang="ru-RU" sz="4000" b="1" dirty="0"/>
+          </a:p>
+        </p:txBody>
+      </p:sp>
+      <p:sp>
+        <p:nvSpPr>
+          <p:cNvPr id="4" name="Номер слайда 3">
+            <a:extLst>
+              <a:ext uri="{FF2B5EF4-FFF2-40B4-BE49-F238E27FC236}">
+                <a16:creationId xmlns:a16="http://schemas.microsoft.com/office/drawing/2014/main" id="{80FEEFAF-0D6B-464C-7360-370FF23083CC}"/>
+              </a:ext>
+            </a:extLst>
+          </p:cNvPr>
+          <p:cNvSpPr>
+            <a:spLocks noGrp="1"/>
+          </p:cNvSpPr>
+          <p:nvPr>
+            <p:ph type="sldNum" sz="quarter" idx="12"/>
+          </p:nvPr>
+        </p:nvSpPr>
+        <p:spPr/>
+        <p:txBody>
+          <a:bodyPr/>
+          <a:lstStyle/>
+          <a:p>
+            <a:fld id="{E83D2FD5-BBDA-43D0-B172-791327EA2B6A}" type="slidenum">
+              <a:rPr lang="ru-RU" smtClean="0"/>
+              <a:t>9</a:t>
+            </a:fld>
+            <a:endParaRPr lang="ru-RU" dirty="0"/>
+          </a:p>
+        </p:txBody>
+      </p:sp>
+      <p:sp>
+        <p:nvSpPr>
+          <p:cNvPr id="7" name="Объект 2">
+            <a:extLst>
+              <a:ext uri="{FF2B5EF4-FFF2-40B4-BE49-F238E27FC236}">
+                <a16:creationId xmlns:a16="http://schemas.microsoft.com/office/drawing/2014/main" id="{6CF8E559-CCDE-49E5-93F5-28EC1006FB11}"/>
               </a:ext>
             </a:extLst>
           </p:cNvPr>
@@ -6366,206 +7092,21 @@
           </a:bodyPr>
           <a:lstStyle/>
           <a:p>
-            <a:pPr marL="0" indent="0">
+            <a:pPr indent="0">
+              <a:lnSpc>
+                <a:spcPct val="100000"/>
+              </a:lnSpc>
               <a:buNone/>
             </a:pPr>
             <a:r>
               <a:rPr lang="ru-RU" sz="2200" dirty="0">
                 <a:latin typeface="Times New Roman" panose="02020603050405020304" pitchFamily="18" charset="0"/>
+                <a:ea typeface="Times New Roman" panose="02020603050405020304" pitchFamily="18" charset="0"/>
                 <a:cs typeface="Times New Roman" panose="02020603050405020304" pitchFamily="18" charset="0"/>
               </a:rPr>
-              <a:t>Метод GOMS (сокращение от </a:t>
-            </a:r>
-            <a:r>
-              <a:rPr lang="ru-RU" sz="2200" dirty="0" err="1">
-                <a:latin typeface="Times New Roman" panose="02020603050405020304" pitchFamily="18" charset="0"/>
-                <a:cs typeface="Times New Roman" panose="02020603050405020304" pitchFamily="18" charset="0"/>
-              </a:rPr>
-              <a:t>Goals</a:t>
-            </a:r>
-            <a:r>
-              <a:rPr lang="ru-RU" sz="2200" dirty="0">
-                <a:latin typeface="Times New Roman" panose="02020603050405020304" pitchFamily="18" charset="0"/>
-                <a:cs typeface="Times New Roman" panose="02020603050405020304" pitchFamily="18" charset="0"/>
-              </a:rPr>
-              <a:t>, </a:t>
-            </a:r>
-            <a:r>
-              <a:rPr lang="ru-RU" sz="2200" dirty="0" err="1">
-                <a:latin typeface="Times New Roman" panose="02020603050405020304" pitchFamily="18" charset="0"/>
-                <a:cs typeface="Times New Roman" panose="02020603050405020304" pitchFamily="18" charset="0"/>
-              </a:rPr>
-              <a:t>Operators</a:t>
-            </a:r>
-            <a:r>
-              <a:rPr lang="ru-RU" sz="2200" dirty="0">
-                <a:latin typeface="Times New Roman" panose="02020603050405020304" pitchFamily="18" charset="0"/>
-                <a:cs typeface="Times New Roman" panose="02020603050405020304" pitchFamily="18" charset="0"/>
-              </a:rPr>
-              <a:t>, </a:t>
-            </a:r>
-            <a:r>
-              <a:rPr lang="ru-RU" sz="2200" dirty="0" err="1">
-                <a:latin typeface="Times New Roman" panose="02020603050405020304" pitchFamily="18" charset="0"/>
-                <a:cs typeface="Times New Roman" panose="02020603050405020304" pitchFamily="18" charset="0"/>
-              </a:rPr>
-              <a:t>Methods</a:t>
-            </a:r>
-            <a:r>
-              <a:rPr lang="ru-RU" sz="2200" dirty="0">
-                <a:latin typeface="Times New Roman" panose="02020603050405020304" pitchFamily="18" charset="0"/>
-                <a:cs typeface="Times New Roman" panose="02020603050405020304" pitchFamily="18" charset="0"/>
-              </a:rPr>
-              <a:t> </a:t>
-            </a:r>
-            <a:r>
-              <a:rPr lang="ru-RU" sz="2200" dirty="0" err="1">
-                <a:latin typeface="Times New Roman" panose="02020603050405020304" pitchFamily="18" charset="0"/>
-                <a:cs typeface="Times New Roman" panose="02020603050405020304" pitchFamily="18" charset="0"/>
-              </a:rPr>
-              <a:t>and</a:t>
-            </a:r>
-            <a:r>
-              <a:rPr lang="ru-RU" sz="2200" dirty="0">
-                <a:latin typeface="Times New Roman" panose="02020603050405020304" pitchFamily="18" charset="0"/>
-                <a:cs typeface="Times New Roman" panose="02020603050405020304" pitchFamily="18" charset="0"/>
-              </a:rPr>
-              <a:t> </a:t>
-            </a:r>
-            <a:r>
-              <a:rPr lang="ru-RU" sz="2200" dirty="0" err="1">
-                <a:latin typeface="Times New Roman" panose="02020603050405020304" pitchFamily="18" charset="0"/>
-                <a:cs typeface="Times New Roman" panose="02020603050405020304" pitchFamily="18" charset="0"/>
-              </a:rPr>
-              <a:t>Selection</a:t>
-            </a:r>
-            <a:r>
-              <a:rPr lang="ru-RU" sz="2200" dirty="0">
-                <a:latin typeface="Times New Roman" panose="02020603050405020304" pitchFamily="18" charset="0"/>
-                <a:cs typeface="Times New Roman" panose="02020603050405020304" pitchFamily="18" charset="0"/>
-              </a:rPr>
-              <a:t> </a:t>
-            </a:r>
-            <a:r>
-              <a:rPr lang="ru-RU" sz="2200" dirty="0" err="1">
-                <a:latin typeface="Times New Roman" panose="02020603050405020304" pitchFamily="18" charset="0"/>
-                <a:cs typeface="Times New Roman" panose="02020603050405020304" pitchFamily="18" charset="0"/>
-              </a:rPr>
-              <a:t>Rules</a:t>
-            </a:r>
-            <a:r>
-              <a:rPr lang="ru-RU" sz="2200" dirty="0">
-                <a:latin typeface="Times New Roman" panose="02020603050405020304" pitchFamily="18" charset="0"/>
-                <a:cs typeface="Times New Roman" panose="02020603050405020304" pitchFamily="18" charset="0"/>
-              </a:rPr>
-              <a:t>) – это семейство методов, позволяющих провести моделирование выполнения той или иной задачи пользователем и на основе такой модели оценить качество интерфейса.</a:t>
-            </a:r>
-          </a:p>
-          <a:p>
-            <a:pPr marL="0" indent="0">
-              <a:buNone/>
-            </a:pPr>
-            <a:r>
-              <a:rPr lang="ru-RU" sz="2200" dirty="0">
-                <a:latin typeface="Times New Roman" panose="02020603050405020304" pitchFamily="18" charset="0"/>
-                <a:cs typeface="Times New Roman" panose="02020603050405020304" pitchFamily="18" charset="0"/>
-              </a:rPr>
-              <a:t>Метод </a:t>
-            </a:r>
-            <a:r>
-              <a:rPr lang="en-US" sz="2200" dirty="0">
-                <a:latin typeface="Times New Roman" panose="02020603050405020304" pitchFamily="18" charset="0"/>
-                <a:cs typeface="Times New Roman" panose="02020603050405020304" pitchFamily="18" charset="0"/>
-              </a:rPr>
-              <a:t>GOMS </a:t>
-            </a:r>
-            <a:r>
-              <a:rPr lang="ru-RU" sz="2200" dirty="0">
-                <a:latin typeface="Times New Roman" panose="02020603050405020304" pitchFamily="18" charset="0"/>
-                <a:cs typeface="Times New Roman" panose="02020603050405020304" pitchFamily="18" charset="0"/>
-              </a:rPr>
-              <a:t>включает в себя модель </a:t>
-            </a:r>
-            <a:r>
-              <a:rPr lang="en-US" sz="2200" dirty="0">
-                <a:latin typeface="Times New Roman" panose="02020603050405020304" pitchFamily="18" charset="0"/>
-                <a:cs typeface="Times New Roman" panose="02020603050405020304" pitchFamily="18" charset="0"/>
-              </a:rPr>
-              <a:t>Keystroke-level Model (KLM)</a:t>
-            </a:r>
-            <a:r>
-              <a:rPr lang="ru-RU" sz="2200" dirty="0">
-                <a:latin typeface="Times New Roman" panose="02020603050405020304" pitchFamily="18" charset="0"/>
-                <a:cs typeface="Times New Roman" panose="02020603050405020304" pitchFamily="18" charset="0"/>
-              </a:rPr>
-              <a:t>, которая выделяет следующие элементарные задачи:</a:t>
-            </a:r>
-          </a:p>
-          <a:p>
-            <a:r>
-              <a:rPr lang="ru-RU" sz="2200" dirty="0">
-                <a:latin typeface="Times New Roman" panose="02020603050405020304" pitchFamily="18" charset="0"/>
-                <a:cs typeface="Times New Roman" panose="02020603050405020304" pitchFamily="18" charset="0"/>
-              </a:rPr>
-              <a:t>K – нажатие на клавишу;</a:t>
-            </a:r>
-          </a:p>
-          <a:p>
-            <a:r>
-              <a:rPr lang="ru-RU" sz="2200" dirty="0">
-                <a:latin typeface="Times New Roman" panose="02020603050405020304" pitchFamily="18" charset="0"/>
-                <a:cs typeface="Times New Roman" panose="02020603050405020304" pitchFamily="18" charset="0"/>
-              </a:rPr>
-              <a:t>P – указание курсором мыши на объект;</a:t>
-            </a:r>
-          </a:p>
-          <a:p>
-            <a:r>
-              <a:rPr lang="ru-RU" sz="2200" dirty="0">
-                <a:latin typeface="Times New Roman" panose="02020603050405020304" pitchFamily="18" charset="0"/>
-                <a:cs typeface="Times New Roman" panose="02020603050405020304" pitchFamily="18" charset="0"/>
-              </a:rPr>
-              <a:t>B – нажатие или отпускание мыши;</a:t>
-            </a:r>
-          </a:p>
-          <a:p>
-            <a:r>
-              <a:rPr lang="ru-RU" sz="2200" dirty="0">
-                <a:latin typeface="Times New Roman" panose="02020603050405020304" pitchFamily="18" charset="0"/>
-                <a:cs typeface="Times New Roman" panose="02020603050405020304" pitchFamily="18" charset="0"/>
-              </a:rPr>
-              <a:t>M – умственная подготовка, выбор действия;</a:t>
+              <a:t>Вар1 из пособия </a:t>
             </a:r>
             <a:endParaRPr lang="en-US" sz="2200" dirty="0">
-              <a:latin typeface="Times New Roman" panose="02020603050405020304" pitchFamily="18" charset="0"/>
-              <a:cs typeface="Times New Roman" panose="02020603050405020304" pitchFamily="18" charset="0"/>
-            </a:endParaRPr>
-          </a:p>
-          <a:p>
-            <a:r>
-              <a:rPr lang="en-US" sz="2200" dirty="0">
-                <a:latin typeface="Times New Roman" panose="02020603050405020304" pitchFamily="18" charset="0"/>
-                <a:cs typeface="Times New Roman" panose="02020603050405020304" pitchFamily="18" charset="0"/>
-              </a:rPr>
-              <a:t>H </a:t>
-            </a:r>
-            <a:r>
-              <a:rPr lang="ru-RU" sz="2200" dirty="0">
-                <a:latin typeface="Times New Roman" panose="02020603050405020304" pitchFamily="18" charset="0"/>
-                <a:cs typeface="Times New Roman" panose="02020603050405020304" pitchFamily="18" charset="0"/>
-              </a:rPr>
-              <a:t>– перемещение руки в исходное положение на клавиатуре;</a:t>
-            </a:r>
-          </a:p>
-          <a:p>
-            <a:r>
-              <a:rPr lang="ru-RU" sz="2200" dirty="0">
-                <a:latin typeface="Times New Roman" panose="02020603050405020304" pitchFamily="18" charset="0"/>
-                <a:cs typeface="Times New Roman" panose="02020603050405020304" pitchFamily="18" charset="0"/>
-              </a:rPr>
-              <a:t>R – ожидание ответа системы.</a:t>
-            </a:r>
-            <a:endParaRPr lang="ru-RU" sz="2200" dirty="0">
               <a:latin typeface="Times New Roman" panose="02020603050405020304" pitchFamily="18" charset="0"/>
               <a:ea typeface="Times New Roman" panose="02020603050405020304" pitchFamily="18" charset="0"/>
               <a:cs typeface="Times New Roman" panose="02020603050405020304" pitchFamily="18" charset="0"/>
@@ -6573,31 +7114,68 @@
           </a:p>
         </p:txBody>
       </p:sp>
-      <p:sp>
-        <p:nvSpPr>
-          <p:cNvPr id="4" name="Номер слайда 3">
-            <a:extLst>
-              <a:ext uri="{FF2B5EF4-FFF2-40B4-BE49-F238E27FC236}">
-                <a16:creationId xmlns:a16="http://schemas.microsoft.com/office/drawing/2014/main" id="{80FEEFAF-0D6B-464C-7360-370FF23083CC}"/>
-              </a:ext>
-            </a:extLst>
-          </p:cNvPr>
-          <p:cNvSpPr>
-            <a:spLocks noGrp="1"/>
-          </p:cNvSpPr>
-          <p:nvPr>
-            <p:ph type="sldNum" sz="quarter" idx="12"/>
-          </p:nvPr>
-        </p:nvSpPr>
-        <p:spPr/>
-        <p:txBody>
-          <a:bodyPr/>
-          <a:lstStyle/>
-          <a:p>
-            <a:fld id="{E83D2FD5-BBDA-43D0-B172-791327EA2B6A}" type="slidenum">
-              <a:rPr lang="ru-RU" smtClean="0"/>
-              <a:t>9</a:t>
-            </a:fld>
+      <p:pic>
+        <p:nvPicPr>
+          <p:cNvPr id="5" name="Рисунок 4">
+            <a:extLst>
+              <a:ext uri="{FF2B5EF4-FFF2-40B4-BE49-F238E27FC236}">
+                <a16:creationId xmlns:a16="http://schemas.microsoft.com/office/drawing/2014/main" id="{6B9E1FD7-DE06-46CA-9C84-7966C3F3C839}"/>
+              </a:ext>
+            </a:extLst>
+          </p:cNvPr>
+          <p:cNvPicPr>
+            <a:picLocks noChangeAspect="1"/>
+          </p:cNvPicPr>
+          <p:nvPr/>
+        </p:nvPicPr>
+        <p:blipFill>
+          <a:blip r:embed="rId2"/>
+          <a:stretch>
+            <a:fillRect/>
+          </a:stretch>
+        </p:blipFill>
+        <p:spPr>
+          <a:xfrm>
+            <a:off x="3123725" y="1061382"/>
+            <a:ext cx="5486875" cy="1981372"/>
+          </a:xfrm>
+          <a:prstGeom prst="rect">
+            <a:avLst/>
+          </a:prstGeom>
+        </p:spPr>
+      </p:pic>
+      <p:sp>
+        <p:nvSpPr>
+          <p:cNvPr id="8" name="TextBox 7">
+            <a:extLst>
+              <a:ext uri="{FF2B5EF4-FFF2-40B4-BE49-F238E27FC236}">
+                <a16:creationId xmlns:a16="http://schemas.microsoft.com/office/drawing/2014/main" id="{3A6B21C3-1A86-4767-83A5-DABDB3C40905}"/>
+              </a:ext>
+            </a:extLst>
+          </p:cNvPr>
+          <p:cNvSpPr txBox="1"/>
+          <p:nvPr/>
+        </p:nvSpPr>
+        <p:spPr>
+          <a:xfrm>
+            <a:off x="3048000" y="3206234"/>
+            <a:ext cx="6096000" cy="369332"/>
+          </a:xfrm>
+          <a:prstGeom prst="rect">
+            <a:avLst/>
+          </a:prstGeom>
+          <a:noFill/>
+        </p:spPr>
+        <p:txBody>
+          <a:bodyPr wrap="square">
+            <a:spAutoFit/>
+          </a:bodyPr>
+          <a:lstStyle/>
+          <a:p>
+            <a:r>
+              <a:rPr lang="en-US" dirty="0"/>
+              <a:t>http://www.bourabai.ru/tpoi/analysis5.htm</a:t>
+            </a:r>
             <a:endParaRPr lang="ru-RU" dirty="0"/>
           </a:p>
         </p:txBody>
@@ -6605,7 +7183,7 @@
     </p:spTree>
     <p:extLst>
       <p:ext uri="{BB962C8B-B14F-4D97-AF65-F5344CB8AC3E}">
-        <p14:creationId xmlns:p14="http://schemas.microsoft.com/office/powerpoint/2010/main" val="95372301"/>
+        <p14:creationId xmlns:p14="http://schemas.microsoft.com/office/powerpoint/2010/main" val="1392975261"/>
       </p:ext>
     </p:extLst>
   </p:cSld>

--- a/НИР и ВКР/Презентация/ПронинАС_НИР_презентация.pptx
+++ b/НИР и ВКР/Презентация/ПронинАС_НИР_презентация.pptx
@@ -14,7 +14,7 @@
     <p:sldId id="279" r:id="rId5"/>
     <p:sldId id="285" r:id="rId6"/>
     <p:sldId id="289" r:id="rId7"/>
-    <p:sldId id="283" r:id="rId8"/>
+    <p:sldId id="291" r:id="rId8"/>
     <p:sldId id="286" r:id="rId9"/>
     <p:sldId id="290" r:id="rId10"/>
     <p:sldId id="284" r:id="rId11"/>
@@ -209,7 +209,7 @@
           <a:p>
             <a:fld id="{A1FA72BB-6139-4A02-8082-35B9C9D89E0C}" type="datetimeFigureOut">
               <a:rPr lang="ru-RU" smtClean="0"/>
-              <a:t>16.01.2023</a:t>
+              <a:t>17.01.2023</a:t>
             </a:fld>
             <a:endParaRPr lang="ru-RU"/>
           </a:p>
@@ -791,7 +791,7 @@
           <a:p>
             <a:fld id="{D006F585-C031-4F3D-8109-2C1271EAF95C}" type="datetime1">
               <a:rPr lang="ru-RU" smtClean="0"/>
-              <a:t>16.01.2023</a:t>
+              <a:t>17.01.2023</a:t>
             </a:fld>
             <a:endParaRPr lang="ru-RU"/>
           </a:p>
@@ -989,7 +989,7 @@
           <a:p>
             <a:fld id="{863B978C-907D-410C-AC33-C70FB0065AB1}" type="datetime1">
               <a:rPr lang="ru-RU" smtClean="0"/>
-              <a:t>16.01.2023</a:t>
+              <a:t>17.01.2023</a:t>
             </a:fld>
             <a:endParaRPr lang="ru-RU"/>
           </a:p>
@@ -1197,7 +1197,7 @@
           <a:p>
             <a:fld id="{7370F86F-261F-4C2A-B7CA-06D91EEBB15B}" type="datetime1">
               <a:rPr lang="ru-RU" smtClean="0"/>
-              <a:t>16.01.2023</a:t>
+              <a:t>17.01.2023</a:t>
             </a:fld>
             <a:endParaRPr lang="ru-RU"/>
           </a:p>
@@ -1395,7 +1395,7 @@
           <a:p>
             <a:fld id="{AFEE3786-D129-4BD2-B6F3-55FC5BC12532}" type="datetime1">
               <a:rPr lang="ru-RU" smtClean="0"/>
-              <a:t>16.01.2023</a:t>
+              <a:t>17.01.2023</a:t>
             </a:fld>
             <a:endParaRPr lang="ru-RU"/>
           </a:p>
@@ -1670,7 +1670,7 @@
           <a:p>
             <a:fld id="{C9466CFB-2389-4A9C-AD12-8B6FB05D3E41}" type="datetime1">
               <a:rPr lang="ru-RU" smtClean="0"/>
-              <a:t>16.01.2023</a:t>
+              <a:t>17.01.2023</a:t>
             </a:fld>
             <a:endParaRPr lang="ru-RU"/>
           </a:p>
@@ -1935,7 +1935,7 @@
           <a:p>
             <a:fld id="{6E930FF5-4E67-4BB3-A0D6-D5DBBB9A8A64}" type="datetime1">
               <a:rPr lang="ru-RU" smtClean="0"/>
-              <a:t>16.01.2023</a:t>
+              <a:t>17.01.2023</a:t>
             </a:fld>
             <a:endParaRPr lang="ru-RU"/>
           </a:p>
@@ -2347,7 +2347,7 @@
           <a:p>
             <a:fld id="{1F915F62-A180-4781-87B2-C363CCD39E80}" type="datetime1">
               <a:rPr lang="ru-RU" smtClean="0"/>
-              <a:t>16.01.2023</a:t>
+              <a:t>17.01.2023</a:t>
             </a:fld>
             <a:endParaRPr lang="ru-RU"/>
           </a:p>
@@ -2488,7 +2488,7 @@
           <a:p>
             <a:fld id="{67FD249C-BC1A-4A70-A502-0DCD1E4E82B3}" type="datetime1">
               <a:rPr lang="ru-RU" smtClean="0"/>
-              <a:t>16.01.2023</a:t>
+              <a:t>17.01.2023</a:t>
             </a:fld>
             <a:endParaRPr lang="ru-RU"/>
           </a:p>
@@ -2601,7 +2601,7 @@
           <a:p>
             <a:fld id="{45D5B91C-A2D9-4813-A97B-31FA3A6207FE}" type="datetime1">
               <a:rPr lang="ru-RU" smtClean="0"/>
-              <a:t>16.01.2023</a:t>
+              <a:t>17.01.2023</a:t>
             </a:fld>
             <a:endParaRPr lang="ru-RU"/>
           </a:p>
@@ -2912,7 +2912,7 @@
           <a:p>
             <a:fld id="{BD9E5343-4C2F-4429-B1C5-87457F54369C}" type="datetime1">
               <a:rPr lang="ru-RU" smtClean="0"/>
-              <a:t>16.01.2023</a:t>
+              <a:t>17.01.2023</a:t>
             </a:fld>
             <a:endParaRPr lang="ru-RU"/>
           </a:p>
@@ -3200,7 +3200,7 @@
           <a:p>
             <a:fld id="{802D0396-A548-40ED-918D-A78893C27574}" type="datetime1">
               <a:rPr lang="ru-RU" smtClean="0"/>
-              <a:t>16.01.2023</a:t>
+              <a:t>17.01.2023</a:t>
             </a:fld>
             <a:endParaRPr lang="ru-RU"/>
           </a:p>
@@ -3441,7 +3441,7 @@
           <a:p>
             <a:fld id="{3ECCE158-C433-4D4B-A18E-F373B1318AC3}" type="datetime1">
               <a:rPr lang="ru-RU" smtClean="0"/>
-              <a:t>16.01.2023</a:t>
+              <a:t>17.01.2023</a:t>
             </a:fld>
             <a:endParaRPr lang="ru-RU"/>
           </a:p>
@@ -4302,289 +4302,92 @@
           </a:bodyPr>
           <a:lstStyle/>
           <a:p>
-            <a:pPr marL="0" indent="0">
-              <a:buNone/>
-            </a:pPr>
             <a:r>
               <a:rPr lang="ru-RU" sz="2200" dirty="0">
                 <a:latin typeface="Times New Roman" panose="02020603050405020304" pitchFamily="18" charset="0"/>
                 <a:cs typeface="Times New Roman" panose="02020603050405020304" pitchFamily="18" charset="0"/>
               </a:rPr>
-              <a:t>Метод GOMS (сокращение от </a:t>
-            </a:r>
-            <a:r>
-              <a:rPr lang="ru-RU" sz="2200" dirty="0" err="1">
+              <a:t>включает в себя модель </a:t>
+            </a:r>
+            <a:r>
+              <a:rPr lang="en-US" sz="2200" dirty="0">
                 <a:latin typeface="Times New Roman" panose="02020603050405020304" pitchFamily="18" charset="0"/>
                 <a:cs typeface="Times New Roman" panose="02020603050405020304" pitchFamily="18" charset="0"/>
               </a:rPr>
-              <a:t>Goals</a:t>
+              <a:t>Keystroke-level Model (KLM)</a:t>
+            </a:r>
+            <a:endParaRPr lang="ru-RU" sz="2200" dirty="0">
+              <a:latin typeface="Times New Roman" panose="02020603050405020304" pitchFamily="18" charset="0"/>
+              <a:cs typeface="Times New Roman" panose="02020603050405020304" pitchFamily="18" charset="0"/>
+            </a:endParaRPr>
+          </a:p>
+          <a:p>
+            <a:r>
+              <a:rPr lang="en-US" sz="2200" dirty="0">
+                <a:latin typeface="Times New Roman" panose="02020603050405020304" pitchFamily="18" charset="0"/>
+                <a:cs typeface="Times New Roman" panose="02020603050405020304" pitchFamily="18" charset="0"/>
+              </a:rPr>
+              <a:t>KLM </a:t>
             </a:r>
             <a:r>
               <a:rPr lang="ru-RU" sz="2200" dirty="0">
                 <a:latin typeface="Times New Roman" panose="02020603050405020304" pitchFamily="18" charset="0"/>
                 <a:cs typeface="Times New Roman" panose="02020603050405020304" pitchFamily="18" charset="0"/>
               </a:rPr>
-              <a:t>, </a:t>
-            </a:r>
-            <a:r>
-              <a:rPr lang="ru-RU" sz="2200" dirty="0" err="1">
+              <a:t>выделяет элементарные задачи и длительность каждой из них (рассчитанные на основе усредненных данных лабораторных испытаний). Например</a:t>
+            </a:r>
+            <a:r>
+              <a:rPr lang="en-US" sz="2200" dirty="0">
                 <a:latin typeface="Times New Roman" panose="02020603050405020304" pitchFamily="18" charset="0"/>
                 <a:cs typeface="Times New Roman" panose="02020603050405020304" pitchFamily="18" charset="0"/>
               </a:rPr>
-              <a:t>Operators</a:t>
+              <a:t>,</a:t>
             </a:r>
             <a:r>
               <a:rPr lang="ru-RU" sz="2200" dirty="0">
                 <a:latin typeface="Times New Roman" panose="02020603050405020304" pitchFamily="18" charset="0"/>
                 <a:cs typeface="Times New Roman" panose="02020603050405020304" pitchFamily="18" charset="0"/>
               </a:rPr>
-              <a:t>, </a:t>
-            </a:r>
-            <a:r>
-              <a:rPr lang="ru-RU" sz="2200" dirty="0" err="1">
+              <a:t> P – указание курсором мыши на объект</a:t>
+            </a:r>
+            <a:r>
+              <a:rPr lang="en-US" sz="2200" dirty="0">
                 <a:latin typeface="Times New Roman" panose="02020603050405020304" pitchFamily="18" charset="0"/>
                 <a:cs typeface="Times New Roman" panose="02020603050405020304" pitchFamily="18" charset="0"/>
               </a:rPr>
-              <a:t>Methods</a:t>
+              <a:t> </a:t>
             </a:r>
             <a:r>
               <a:rPr lang="ru-RU" sz="2200" dirty="0">
                 <a:latin typeface="Times New Roman" panose="02020603050405020304" pitchFamily="18" charset="0"/>
                 <a:cs typeface="Times New Roman" panose="02020603050405020304" pitchFamily="18" charset="0"/>
               </a:rPr>
-              <a:t> </a:t>
-            </a:r>
-            <a:r>
-              <a:rPr lang="ru-RU" sz="2200" dirty="0" err="1">
+              <a:t>–</a:t>
+            </a:r>
+            <a:r>
+              <a:rPr lang="en-US" sz="2200" dirty="0">
                 <a:latin typeface="Times New Roman" panose="02020603050405020304" pitchFamily="18" charset="0"/>
                 <a:cs typeface="Times New Roman" panose="02020603050405020304" pitchFamily="18" charset="0"/>
               </a:rPr>
-              <a:t>and</a:t>
+              <a:t> </a:t>
             </a:r>
             <a:r>
               <a:rPr lang="ru-RU" sz="2200" dirty="0">
                 <a:latin typeface="Times New Roman" panose="02020603050405020304" pitchFamily="18" charset="0"/>
                 <a:cs typeface="Times New Roman" panose="02020603050405020304" pitchFamily="18" charset="0"/>
               </a:rPr>
-              <a:t> </a:t>
-            </a:r>
-            <a:r>
-              <a:rPr lang="ru-RU" sz="2200" dirty="0" err="1">
+              <a:t>1.1 сек. или B – нажатие или отпускание мыши – 0.1 сек.</a:t>
+            </a:r>
+          </a:p>
+          <a:p>
+            <a:r>
+              <a:rPr lang="ru-RU" sz="2200" dirty="0">
                 <a:latin typeface="Times New Roman" panose="02020603050405020304" pitchFamily="18" charset="0"/>
+                <a:ea typeface="Times New Roman" panose="02020603050405020304" pitchFamily="18" charset="0"/>
                 <a:cs typeface="Times New Roman" panose="02020603050405020304" pitchFamily="18" charset="0"/>
               </a:rPr>
-              <a:t>Selection</a:t>
-            </a:r>
-            <a:r>
-              <a:rPr lang="ru-RU" sz="2200" dirty="0">
-                <a:latin typeface="Times New Roman" panose="02020603050405020304" pitchFamily="18" charset="0"/>
-                <a:cs typeface="Times New Roman" panose="02020603050405020304" pitchFamily="18" charset="0"/>
-              </a:rPr>
-              <a:t> </a:t>
-            </a:r>
-            <a:r>
-              <a:rPr lang="ru-RU" sz="2200" dirty="0" err="1">
-                <a:latin typeface="Times New Roman" panose="02020603050405020304" pitchFamily="18" charset="0"/>
-                <a:cs typeface="Times New Roman" panose="02020603050405020304" pitchFamily="18" charset="0"/>
-              </a:rPr>
-              <a:t>Rules</a:t>
-            </a:r>
-            <a:r>
-              <a:rPr lang="ru-RU" sz="2200" dirty="0">
-                <a:latin typeface="Times New Roman" panose="02020603050405020304" pitchFamily="18" charset="0"/>
-                <a:cs typeface="Times New Roman" panose="02020603050405020304" pitchFamily="18" charset="0"/>
-              </a:rPr>
-              <a:t>) – это семейство методов, позволяющих провести моделирование выполнения той или иной задачи пользователем и на основе такой модели оценить качество интерфейса.</a:t>
-            </a:r>
-          </a:p>
-          <a:p>
-            <a:r>
-              <a:rPr lang="ru-RU" sz="2200" dirty="0">
-                <a:latin typeface="Times New Roman" panose="02020603050405020304" pitchFamily="18" charset="0"/>
-                <a:cs typeface="Times New Roman" panose="02020603050405020304" pitchFamily="18" charset="0"/>
-              </a:rPr>
-              <a:t>в</a:t>
-            </a:r>
-          </a:p>
-          <a:p>
-            <a:pPr marL="0" indent="0">
-              <a:buNone/>
-            </a:pPr>
-            <a:r>
-              <a:rPr lang="ru-RU" sz="2200" dirty="0">
-                <a:solidFill>
-                  <a:schemeClr val="bg1">
-                    <a:lumMod val="50000"/>
-                  </a:schemeClr>
-                </a:solidFill>
-                <a:latin typeface="Times New Roman" panose="02020603050405020304" pitchFamily="18" charset="0"/>
-                <a:cs typeface="Times New Roman" panose="02020603050405020304" pitchFamily="18" charset="0"/>
-              </a:rPr>
-              <a:t>Метод </a:t>
-            </a:r>
-            <a:r>
-              <a:rPr lang="en-US" sz="2200" dirty="0">
-                <a:solidFill>
-                  <a:schemeClr val="bg1">
-                    <a:lumMod val="50000"/>
-                  </a:schemeClr>
-                </a:solidFill>
-                <a:latin typeface="Times New Roman" panose="02020603050405020304" pitchFamily="18" charset="0"/>
-                <a:cs typeface="Times New Roman" panose="02020603050405020304" pitchFamily="18" charset="0"/>
-              </a:rPr>
-              <a:t>GOMS </a:t>
-            </a:r>
-            <a:r>
-              <a:rPr lang="ru-RU" sz="2200" dirty="0">
-                <a:solidFill>
-                  <a:schemeClr val="bg1">
-                    <a:lumMod val="50000"/>
-                  </a:schemeClr>
-                </a:solidFill>
-                <a:latin typeface="Times New Roman" panose="02020603050405020304" pitchFamily="18" charset="0"/>
-                <a:cs typeface="Times New Roman" panose="02020603050405020304" pitchFamily="18" charset="0"/>
-              </a:rPr>
-              <a:t>включает в себя модель </a:t>
-            </a:r>
-            <a:r>
-              <a:rPr lang="en-US" sz="2200" dirty="0">
-                <a:solidFill>
-                  <a:schemeClr val="bg1">
-                    <a:lumMod val="50000"/>
-                  </a:schemeClr>
-                </a:solidFill>
-                <a:latin typeface="Times New Roman" panose="02020603050405020304" pitchFamily="18" charset="0"/>
-                <a:cs typeface="Times New Roman" panose="02020603050405020304" pitchFamily="18" charset="0"/>
-              </a:rPr>
-              <a:t>Keystroke-level Model (KLM)</a:t>
-            </a:r>
-            <a:r>
-              <a:rPr lang="ru-RU" sz="2200" dirty="0">
-                <a:solidFill>
-                  <a:schemeClr val="bg1">
-                    <a:lumMod val="50000"/>
-                  </a:schemeClr>
-                </a:solidFill>
-                <a:latin typeface="Times New Roman" panose="02020603050405020304" pitchFamily="18" charset="0"/>
-                <a:cs typeface="Times New Roman" panose="02020603050405020304" pitchFamily="18" charset="0"/>
-              </a:rPr>
-              <a:t>, которая выделяет следующие элементарные задачи:</a:t>
-            </a:r>
-          </a:p>
-          <a:p>
-            <a:r>
-              <a:rPr lang="ru-RU" sz="2200" dirty="0">
-                <a:solidFill>
-                  <a:schemeClr val="bg1">
-                    <a:lumMod val="50000"/>
-                  </a:schemeClr>
-                </a:solidFill>
-                <a:latin typeface="Times New Roman" panose="02020603050405020304" pitchFamily="18" charset="0"/>
-                <a:cs typeface="Times New Roman" panose="02020603050405020304" pitchFamily="18" charset="0"/>
-              </a:rPr>
-              <a:t>K – нажатие на клавишу;</a:t>
-            </a:r>
-          </a:p>
-          <a:p>
-            <a:r>
-              <a:rPr lang="ru-RU" sz="2200" dirty="0">
-                <a:solidFill>
-                  <a:schemeClr val="bg1">
-                    <a:lumMod val="50000"/>
-                  </a:schemeClr>
-                </a:solidFill>
-                <a:latin typeface="Times New Roman" panose="02020603050405020304" pitchFamily="18" charset="0"/>
-                <a:cs typeface="Times New Roman" panose="02020603050405020304" pitchFamily="18" charset="0"/>
-              </a:rPr>
-              <a:t>P – указание курсором мыши на объект;</a:t>
-            </a:r>
-          </a:p>
-          <a:p>
-            <a:r>
-              <a:rPr lang="ru-RU" sz="2200" dirty="0">
-                <a:solidFill>
-                  <a:schemeClr val="bg1">
-                    <a:lumMod val="50000"/>
-                  </a:schemeClr>
-                </a:solidFill>
-                <a:latin typeface="Times New Roman" panose="02020603050405020304" pitchFamily="18" charset="0"/>
-                <a:cs typeface="Times New Roman" panose="02020603050405020304" pitchFamily="18" charset="0"/>
-              </a:rPr>
-              <a:t>B – нажатие или отпускание мыши;</a:t>
-            </a:r>
-          </a:p>
-          <a:p>
-            <a:r>
-              <a:rPr lang="ru-RU" sz="2200" dirty="0">
-                <a:solidFill>
-                  <a:schemeClr val="bg1">
-                    <a:lumMod val="50000"/>
-                  </a:schemeClr>
-                </a:solidFill>
-                <a:latin typeface="Times New Roman" panose="02020603050405020304" pitchFamily="18" charset="0"/>
-                <a:cs typeface="Times New Roman" panose="02020603050405020304" pitchFamily="18" charset="0"/>
-              </a:rPr>
-              <a:t>M – умственная подготовка, выбор действия;</a:t>
-            </a:r>
-            <a:endParaRPr lang="en-US" sz="2200" dirty="0">
-              <a:solidFill>
-                <a:schemeClr val="bg1">
-                  <a:lumMod val="50000"/>
-                </a:schemeClr>
-              </a:solidFill>
-              <a:latin typeface="Times New Roman" panose="02020603050405020304" pitchFamily="18" charset="0"/>
-              <a:cs typeface="Times New Roman" panose="02020603050405020304" pitchFamily="18" charset="0"/>
-            </a:endParaRPr>
-          </a:p>
-          <a:p>
-            <a:r>
-              <a:rPr lang="en-US" sz="2200" dirty="0">
-                <a:solidFill>
-                  <a:schemeClr val="bg1">
-                    <a:lumMod val="50000"/>
-                  </a:schemeClr>
-                </a:solidFill>
-                <a:latin typeface="Times New Roman" panose="02020603050405020304" pitchFamily="18" charset="0"/>
-                <a:cs typeface="Times New Roman" panose="02020603050405020304" pitchFamily="18" charset="0"/>
-              </a:rPr>
-              <a:t>H </a:t>
-            </a:r>
-            <a:r>
-              <a:rPr lang="ru-RU" sz="2200" dirty="0">
-                <a:solidFill>
-                  <a:schemeClr val="bg1">
-                    <a:lumMod val="50000"/>
-                  </a:schemeClr>
-                </a:solidFill>
-                <a:latin typeface="Times New Roman" panose="02020603050405020304" pitchFamily="18" charset="0"/>
-                <a:cs typeface="Times New Roman" panose="02020603050405020304" pitchFamily="18" charset="0"/>
-              </a:rPr>
-              <a:t>– перемещение руки в исходное положение на клавиатуре;</a:t>
-            </a:r>
-          </a:p>
-          <a:p>
-            <a:r>
-              <a:rPr lang="ru-RU" sz="2200" dirty="0">
-                <a:solidFill>
-                  <a:schemeClr val="bg1">
-                    <a:lumMod val="50000"/>
-                  </a:schemeClr>
-                </a:solidFill>
-                <a:latin typeface="Times New Roman" panose="02020603050405020304" pitchFamily="18" charset="0"/>
-                <a:cs typeface="Times New Roman" panose="02020603050405020304" pitchFamily="18" charset="0"/>
-              </a:rPr>
-              <a:t>R – ожидание ответа системы.</a:t>
-            </a:r>
-            <a:endParaRPr lang="ru-RU" sz="2200" dirty="0">
-              <a:solidFill>
-                <a:schemeClr val="bg1">
-                  <a:lumMod val="50000"/>
-                </a:schemeClr>
-              </a:solidFill>
-              <a:latin typeface="Times New Roman" panose="02020603050405020304" pitchFamily="18" charset="0"/>
-              <a:ea typeface="Times New Roman" panose="02020603050405020304" pitchFamily="18" charset="0"/>
-              <a:cs typeface="Times New Roman" panose="02020603050405020304" pitchFamily="18" charset="0"/>
-            </a:endParaRPr>
+              <a:t>оценка времени на решение задачи сводится к сложению продолжительностей каждой из простейших составляющих. Например, задача, состоящая из классов 〈P, P, B〉, потребует для завершения 2.3 сек. (1.1 сек. + 1.1 сек. + 0.1 сек.).</a:t>
+            </a:r>
           </a:p>
         </p:txBody>
       </p:sp>
@@ -4710,26 +4513,6 @@
           </a:bodyPr>
           <a:lstStyle/>
           <a:p>
-            <a:pPr indent="0" algn="just">
-              <a:lnSpc>
-                <a:spcPct val="100000"/>
-              </a:lnSpc>
-              <a:buNone/>
-            </a:pPr>
-            <a:r>
-              <a:rPr lang="ru-RU" sz="2200" dirty="0">
-                <a:solidFill>
-                  <a:schemeClr val="bg1">
-                    <a:lumMod val="50000"/>
-                  </a:schemeClr>
-                </a:solidFill>
-                <a:latin typeface="Times New Roman" panose="02020603050405020304" pitchFamily="18" charset="0"/>
-                <a:ea typeface="Times New Roman" panose="02020603050405020304" pitchFamily="18" charset="0"/>
-              </a:rPr>
-              <a:t>Рассмотрев вышеописанные методы анализа пользовательской активности, можно их разделить на следующие категории:</a:t>
-            </a:r>
-          </a:p>
-          <a:p>
             <a:pPr marL="571500" indent="-342900" algn="just">
               <a:lnSpc>
                 <a:spcPct val="100000"/>
@@ -4784,18 +4567,6 @@
               </a:rPr>
               <a:t>вычисление уровней поддержки шаблонов поведения пользователя.</a:t>
             </a:r>
-          </a:p>
-          <a:p>
-            <a:pPr indent="0" algn="just">
-              <a:lnSpc>
-                <a:spcPct val="100000"/>
-              </a:lnSpc>
-              <a:buNone/>
-            </a:pPr>
-            <a:endParaRPr lang="ru-RU" sz="2200" dirty="0">
-              <a:latin typeface="Times New Roman" panose="02020603050405020304" pitchFamily="18" charset="0"/>
-              <a:ea typeface="Times New Roman" panose="02020603050405020304" pitchFamily="18" charset="0"/>
-            </a:endParaRPr>
           </a:p>
         </p:txBody>
       </p:sp>
@@ -5473,6 +5244,36 @@
               <a:t>(поддержка?)</a:t>
             </a:r>
           </a:p>
+          <a:p>
+            <a:pPr marL="0" indent="0">
+              <a:buNone/>
+            </a:pPr>
+            <a:r>
+              <a:rPr lang="ru-RU" dirty="0"/>
+              <a:t>Пользовательская активность это любые действия совершаемые пользователем при взаимодействии с программой.</a:t>
+            </a:r>
+          </a:p>
+          <a:p>
+            <a:pPr marL="0" indent="0">
+              <a:buNone/>
+            </a:pPr>
+            <a:r>
+              <a:rPr lang="ru-RU" dirty="0"/>
+              <a:t>Последовательный шаблон это несколько событий связанных друг с другом во времени.</a:t>
+            </a:r>
+          </a:p>
+          <a:p>
+            <a:pPr marL="0" indent="0">
+              <a:buNone/>
+            </a:pPr>
+            <a:endParaRPr lang="ru-RU" dirty="0"/>
+          </a:p>
+          <a:p>
+            <a:pPr marL="0" indent="0">
+              <a:buNone/>
+            </a:pPr>
+            <a:endParaRPr lang="ru-RU" dirty="0"/>
+          </a:p>
         </p:txBody>
       </p:sp>
       <p:sp>
@@ -6075,76 +5876,846 @@
           </a:p>
         </p:txBody>
       </p:sp>
-      <p:sp>
-        <p:nvSpPr>
-          <p:cNvPr id="3" name="Объект 2">
-            <a:extLst>
-              <a:ext uri="{FF2B5EF4-FFF2-40B4-BE49-F238E27FC236}">
-                <a16:creationId xmlns:a16="http://schemas.microsoft.com/office/drawing/2014/main" id="{68541323-2632-074C-E69F-FC80AB230174}"/>
-              </a:ext>
-            </a:extLst>
-          </p:cNvPr>
-          <p:cNvSpPr>
-            <a:spLocks noGrp="1"/>
-          </p:cNvSpPr>
-          <p:nvPr>
-            <p:ph idx="1"/>
-          </p:nvPr>
-        </p:nvSpPr>
-        <p:spPr>
-          <a:xfrm>
-            <a:off x="428017" y="1253331"/>
-            <a:ext cx="11182378" cy="5168894"/>
-          </a:xfrm>
-        </p:spPr>
-        <p:txBody>
-          <a:bodyPr>
-            <a:noAutofit/>
-          </a:bodyPr>
-          <a:lstStyle/>
-          <a:p>
-            <a:pPr indent="0" algn="just">
-              <a:lnSpc>
-                <a:spcPct val="100000"/>
-              </a:lnSpc>
-              <a:buNone/>
-            </a:pPr>
-            <a:r>
-              <a:rPr lang="ru-RU" sz="2200" dirty="0">
-                <a:latin typeface="Times New Roman" panose="02020603050405020304" pitchFamily="18" charset="0"/>
-                <a:ea typeface="Times New Roman" panose="02020603050405020304" pitchFamily="18" charset="0"/>
-              </a:rPr>
-              <a:t>Пример: (</a:t>
-            </a:r>
-            <a:r>
-              <a:rPr lang="en-US" sz="2200" dirty="0" err="1">
-                <a:latin typeface="Times New Roman" panose="02020603050405020304" pitchFamily="18" charset="0"/>
-                <a:ea typeface="Times New Roman" panose="02020603050405020304" pitchFamily="18" charset="0"/>
-              </a:rPr>
-              <a:t>ToDo</a:t>
-            </a:r>
-            <a:r>
-              <a:rPr lang="ru-RU" sz="2200" dirty="0">
-                <a:latin typeface="Times New Roman" panose="02020603050405020304" pitchFamily="18" charset="0"/>
-                <a:ea typeface="Times New Roman" panose="02020603050405020304" pitchFamily="18" charset="0"/>
-              </a:rPr>
-              <a:t>) </a:t>
-            </a:r>
-          </a:p>
-          <a:p>
-            <a:pPr indent="0" algn="just">
-              <a:lnSpc>
-                <a:spcPct val="100000"/>
-              </a:lnSpc>
-              <a:buNone/>
-            </a:pPr>
-            <a:endParaRPr lang="ru-RU" sz="2200" dirty="0">
-              <a:latin typeface="Times New Roman" panose="02020603050405020304" pitchFamily="18" charset="0"/>
-              <a:ea typeface="Times New Roman" panose="02020603050405020304" pitchFamily="18" charset="0"/>
-            </a:endParaRPr>
-          </a:p>
-        </p:txBody>
-      </p:sp>
+      <mc:AlternateContent xmlns:mc="http://schemas.openxmlformats.org/markup-compatibility/2006">
+        <mc:Choice xmlns:a14="http://schemas.microsoft.com/office/drawing/2010/main" Requires="a14">
+          <p:sp>
+            <p:nvSpPr>
+              <p:cNvPr id="3" name="Объект 2">
+                <a:extLst>
+                  <a:ext uri="{FF2B5EF4-FFF2-40B4-BE49-F238E27FC236}">
+                    <a16:creationId xmlns:a16="http://schemas.microsoft.com/office/drawing/2014/main" id="{68541323-2632-074C-E69F-FC80AB230174}"/>
+                  </a:ext>
+                </a:extLst>
+              </p:cNvPr>
+              <p:cNvSpPr>
+                <a:spLocks noGrp="1"/>
+              </p:cNvSpPr>
+              <p:nvPr>
+                <p:ph idx="1"/>
+              </p:nvPr>
+            </p:nvSpPr>
+            <p:spPr>
+              <a:xfrm>
+                <a:off x="428017" y="1253331"/>
+                <a:ext cx="11182378" cy="5168894"/>
+              </a:xfrm>
+            </p:spPr>
+            <p:txBody>
+              <a:bodyPr>
+                <a:noAutofit/>
+              </a:bodyPr>
+              <a:lstStyle/>
+              <a:p>
+                <a:pPr indent="0">
+                  <a:lnSpc>
+                    <a:spcPct val="100000"/>
+                  </a:lnSpc>
+                  <a:buNone/>
+                </a:pPr>
+                <a:r>
+                  <a:rPr lang="ru-RU" sz="2200" dirty="0">
+                    <a:latin typeface="Times New Roman" panose="02020603050405020304" pitchFamily="18" charset="0"/>
+                    <a:ea typeface="Times New Roman" panose="02020603050405020304" pitchFamily="18" charset="0"/>
+                    <a:cs typeface="Times New Roman" panose="02020603050405020304" pitchFamily="18" charset="0"/>
+                  </a:rPr>
+                  <a:t>Сессия – зафиксированный временной промежуток, в течение которого пользователь взаимодействовал с программной системой.</a:t>
+                </a:r>
+                <a:endParaRPr lang="en-US" sz="2200" dirty="0">
+                  <a:latin typeface="Times New Roman" panose="02020603050405020304" pitchFamily="18" charset="0"/>
+                  <a:ea typeface="Times New Roman" panose="02020603050405020304" pitchFamily="18" charset="0"/>
+                  <a:cs typeface="Times New Roman" panose="02020603050405020304" pitchFamily="18" charset="0"/>
+                </a:endParaRPr>
+              </a:p>
+              <a:p>
+                <a:pPr indent="0">
+                  <a:lnSpc>
+                    <a:spcPct val="100000"/>
+                  </a:lnSpc>
+                  <a:buNone/>
+                </a:pPr>
+                <a:r>
+                  <a:rPr lang="ru-RU" sz="2200" dirty="0">
+                    <a:latin typeface="Times New Roman" panose="02020603050405020304" pitchFamily="18" charset="0"/>
+                    <a:ea typeface="Times New Roman" panose="02020603050405020304" pitchFamily="18" charset="0"/>
+                    <a:cs typeface="Times New Roman" panose="02020603050405020304" pitchFamily="18" charset="0"/>
+                  </a:rPr>
+                  <a:t>Шаблон – последовательность событий.</a:t>
+                </a:r>
+              </a:p>
+              <a:p>
+                <a:pPr indent="0">
+                  <a:lnSpc>
+                    <a:spcPct val="100000"/>
+                  </a:lnSpc>
+                  <a:buNone/>
+                </a:pPr>
+                <a:r>
+                  <a:rPr lang="ru-RU" sz="2200" dirty="0">
+                    <a:latin typeface="Times New Roman" panose="02020603050405020304" pitchFamily="18" charset="0"/>
+                    <a:ea typeface="Times New Roman" panose="02020603050405020304" pitchFamily="18" charset="0"/>
+                    <a:cs typeface="Times New Roman" panose="02020603050405020304" pitchFamily="18" charset="0"/>
+                  </a:rPr>
+                  <a:t>Поддержка шаблона сессией – процент содержания этого шаблона в данной сессии.</a:t>
+                </a:r>
+              </a:p>
+              <a:p>
+                <a:pPr indent="0">
+                  <a:lnSpc>
+                    <a:spcPct val="100000"/>
+                  </a:lnSpc>
+                  <a:buNone/>
+                </a:pPr>
+                <a:r>
+                  <a:rPr lang="ru-RU" sz="2200" dirty="0">
+                    <a:latin typeface="Times New Roman" panose="02020603050405020304" pitchFamily="18" charset="0"/>
+                    <a:ea typeface="Times New Roman" panose="02020603050405020304" pitchFamily="18" charset="0"/>
+                    <a:cs typeface="Times New Roman" panose="02020603050405020304" pitchFamily="18" charset="0"/>
+                  </a:rPr>
+                  <a:t>Например, пусть имеется сессия </a:t>
+                </a:r>
+                <a:r>
+                  <a:rPr lang="ru-RU" sz="2200" b="0" i="0" u="none" strike="noStrike" baseline="0" dirty="0">
+                    <a:latin typeface="Times New Roman" panose="02020603050405020304" pitchFamily="18" charset="0"/>
+                    <a:cs typeface="Times New Roman" panose="02020603050405020304" pitchFamily="18" charset="0"/>
+                  </a:rPr>
+                  <a:t>⟨2, 1, 2, 1, 3, 2, 1, 2, 1, 3⟩.</a:t>
+                </a:r>
+                <a:br>
+                  <a:rPr lang="en-US" sz="2200" b="0" i="0" u="none" strike="noStrike" baseline="0" dirty="0">
+                    <a:latin typeface="Times New Roman" panose="02020603050405020304" pitchFamily="18" charset="0"/>
+                    <a:cs typeface="Times New Roman" panose="02020603050405020304" pitchFamily="18" charset="0"/>
+                  </a:rPr>
+                </a:br>
+                <a:r>
+                  <a:rPr lang="ru-RU" sz="2200" dirty="0">
+                    <a:latin typeface="Times New Roman" panose="02020603050405020304" pitchFamily="18" charset="0"/>
+                    <a:cs typeface="Times New Roman" panose="02020603050405020304" pitchFamily="18" charset="0"/>
+                  </a:rPr>
+                  <a:t>Рассчитаем кол-во вхождений (</a:t>
+                </a:r>
+                <a:r>
+                  <a:rPr lang="el-GR" sz="2200" dirty="0">
+                    <a:latin typeface="Times New Roman" panose="02020603050405020304" pitchFamily="18" charset="0"/>
+                    <a:cs typeface="Times New Roman" panose="02020603050405020304" pitchFamily="18" charset="0"/>
+                  </a:rPr>
+                  <a:t>μ</a:t>
+                </a:r>
+                <a:r>
+                  <a:rPr lang="ru-RU" sz="2200" dirty="0">
+                    <a:latin typeface="Times New Roman" panose="02020603050405020304" pitchFamily="18" charset="0"/>
+                    <a:cs typeface="Times New Roman" panose="02020603050405020304" pitchFamily="18" charset="0"/>
+                  </a:rPr>
+                  <a:t>) и поддержку (</a:t>
+                </a:r>
+                <a:r>
+                  <a:rPr lang="el-GR" sz="2200" dirty="0">
+                    <a:latin typeface="Times New Roman" panose="02020603050405020304" pitchFamily="18" charset="0"/>
+                    <a:cs typeface="Times New Roman" panose="02020603050405020304" pitchFamily="18" charset="0"/>
+                  </a:rPr>
+                  <a:t>λ</a:t>
+                </a:r>
+                <a:r>
+                  <a:rPr lang="ru-RU" sz="2200" dirty="0">
+                    <a:latin typeface="Times New Roman" panose="02020603050405020304" pitchFamily="18" charset="0"/>
+                    <a:cs typeface="Times New Roman" panose="02020603050405020304" pitchFamily="18" charset="0"/>
+                  </a:rPr>
+                  <a:t>) для следующих шаблонов:</a:t>
+                </a:r>
+              </a:p>
+              <a:p>
+                <a:pPr indent="0">
+                  <a:lnSpc>
+                    <a:spcPct val="100000"/>
+                  </a:lnSpc>
+                  <a:buNone/>
+                </a:pPr>
+                <a:r>
+                  <a:rPr lang="en-US" sz="2200" dirty="0">
+                    <a:latin typeface="Times New Roman" panose="02020603050405020304" pitchFamily="18" charset="0"/>
+                    <a:cs typeface="Times New Roman" panose="02020603050405020304" pitchFamily="18" charset="0"/>
+                  </a:rPr>
+                  <a:t>p1 = 〈2, 1〉, </a:t>
+                </a:r>
+                <a:r>
+                  <a:rPr lang="el-GR" sz="2200" dirty="0">
+                    <a:latin typeface="Times New Roman" panose="02020603050405020304" pitchFamily="18" charset="0"/>
+                    <a:cs typeface="Times New Roman" panose="02020603050405020304" pitchFamily="18" charset="0"/>
+                  </a:rPr>
+                  <a:t>μ</a:t>
+                </a:r>
+                <a:r>
+                  <a:rPr lang="en-US" sz="2200" dirty="0">
+                    <a:latin typeface="Times New Roman" panose="02020603050405020304" pitchFamily="18" charset="0"/>
+                    <a:cs typeface="Times New Roman" panose="02020603050405020304" pitchFamily="18" charset="0"/>
+                  </a:rPr>
+                  <a:t> = 4, </a:t>
+                </a:r>
+                <a:r>
+                  <a:rPr lang="el-GR" sz="2200" dirty="0">
+                    <a:latin typeface="Times New Roman" panose="02020603050405020304" pitchFamily="18" charset="0"/>
+                    <a:cs typeface="Times New Roman" panose="02020603050405020304" pitchFamily="18" charset="0"/>
+                  </a:rPr>
+                  <a:t>λ</a:t>
+                </a:r>
+                <a:r>
+                  <a:rPr lang="en-US" sz="2200" dirty="0">
+                    <a:latin typeface="Times New Roman" panose="02020603050405020304" pitchFamily="18" charset="0"/>
+                    <a:cs typeface="Times New Roman" panose="02020603050405020304" pitchFamily="18" charset="0"/>
+                  </a:rPr>
+                  <a:t> = 0.8;</a:t>
+                </a:r>
+                <a:br>
+                  <a:rPr lang="ru-RU" sz="2200" dirty="0">
+                    <a:latin typeface="Times New Roman" panose="02020603050405020304" pitchFamily="18" charset="0"/>
+                    <a:cs typeface="Times New Roman" panose="02020603050405020304" pitchFamily="18" charset="0"/>
+                  </a:rPr>
+                </a:br>
+                <a:r>
+                  <a:rPr lang="en-US" sz="2200" dirty="0">
+                    <a:latin typeface="Times New Roman" panose="02020603050405020304" pitchFamily="18" charset="0"/>
+                    <a:cs typeface="Times New Roman" panose="02020603050405020304" pitchFamily="18" charset="0"/>
+                  </a:rPr>
+                  <a:t>p2 = 〈2, 1, 2, 1〉, </a:t>
+                </a:r>
+                <a:r>
+                  <a:rPr lang="el-GR" sz="2200" dirty="0">
+                    <a:latin typeface="Times New Roman" panose="02020603050405020304" pitchFamily="18" charset="0"/>
+                    <a:cs typeface="Times New Roman" panose="02020603050405020304" pitchFamily="18" charset="0"/>
+                  </a:rPr>
+                  <a:t>μ</a:t>
+                </a:r>
+                <a:r>
+                  <a:rPr lang="en-US" sz="2200" dirty="0">
+                    <a:latin typeface="Times New Roman" panose="02020603050405020304" pitchFamily="18" charset="0"/>
+                    <a:cs typeface="Times New Roman" panose="02020603050405020304" pitchFamily="18" charset="0"/>
+                  </a:rPr>
+                  <a:t> = 2, </a:t>
+                </a:r>
+                <a:r>
+                  <a:rPr lang="el-GR" sz="2200" dirty="0">
+                    <a:latin typeface="Times New Roman" panose="02020603050405020304" pitchFamily="18" charset="0"/>
+                    <a:cs typeface="Times New Roman" panose="02020603050405020304" pitchFamily="18" charset="0"/>
+                  </a:rPr>
+                  <a:t>λ</a:t>
+                </a:r>
+                <a:r>
+                  <a:rPr lang="en-US" sz="2200" dirty="0">
+                    <a:latin typeface="Times New Roman" panose="02020603050405020304" pitchFamily="18" charset="0"/>
+                    <a:cs typeface="Times New Roman" panose="02020603050405020304" pitchFamily="18" charset="0"/>
+                  </a:rPr>
+                  <a:t> = 0.8;</a:t>
+                </a:r>
+                <a:br>
+                  <a:rPr lang="ru-RU" sz="2200" dirty="0">
+                    <a:latin typeface="Times New Roman" panose="02020603050405020304" pitchFamily="18" charset="0"/>
+                    <a:cs typeface="Times New Roman" panose="02020603050405020304" pitchFamily="18" charset="0"/>
+                  </a:rPr>
+                </a:br>
+                <a:r>
+                  <a:rPr lang="en-US" sz="2200" dirty="0">
+                    <a:latin typeface="Times New Roman" panose="02020603050405020304" pitchFamily="18" charset="0"/>
+                    <a:cs typeface="Times New Roman" panose="02020603050405020304" pitchFamily="18" charset="0"/>
+                  </a:rPr>
+                  <a:t>p3 = 〈2, 1, 2, 1, 3〉, </a:t>
+                </a:r>
+                <a:r>
+                  <a:rPr lang="el-GR" sz="2200" dirty="0">
+                    <a:latin typeface="Times New Roman" panose="02020603050405020304" pitchFamily="18" charset="0"/>
+                    <a:cs typeface="Times New Roman" panose="02020603050405020304" pitchFamily="18" charset="0"/>
+                  </a:rPr>
+                  <a:t>μ</a:t>
+                </a:r>
+                <a:r>
+                  <a:rPr lang="en-US" sz="2200" dirty="0">
+                    <a:latin typeface="Times New Roman" panose="02020603050405020304" pitchFamily="18" charset="0"/>
+                    <a:cs typeface="Times New Roman" panose="02020603050405020304" pitchFamily="18" charset="0"/>
+                  </a:rPr>
+                  <a:t> = 2, </a:t>
+                </a:r>
+                <a:r>
+                  <a:rPr lang="el-GR" sz="2200" dirty="0">
+                    <a:latin typeface="Times New Roman" panose="02020603050405020304" pitchFamily="18" charset="0"/>
+                    <a:cs typeface="Times New Roman" panose="02020603050405020304" pitchFamily="18" charset="0"/>
+                  </a:rPr>
+                  <a:t>λ</a:t>
+                </a:r>
+                <a:r>
+                  <a:rPr lang="en-US" sz="2200" dirty="0">
+                    <a:latin typeface="Times New Roman" panose="02020603050405020304" pitchFamily="18" charset="0"/>
+                    <a:cs typeface="Times New Roman" panose="02020603050405020304" pitchFamily="18" charset="0"/>
+                  </a:rPr>
+                  <a:t> = 1;</a:t>
+                </a:r>
+                <a:br>
+                  <a:rPr lang="ru-RU" sz="2200" dirty="0">
+                    <a:latin typeface="Times New Roman" panose="02020603050405020304" pitchFamily="18" charset="0"/>
+                    <a:cs typeface="Times New Roman" panose="02020603050405020304" pitchFamily="18" charset="0"/>
+                  </a:rPr>
+                </a:br>
+                <a:r>
+                  <a:rPr lang="en-US" sz="2200" dirty="0">
+                    <a:latin typeface="Times New Roman" panose="02020603050405020304" pitchFamily="18" charset="0"/>
+                    <a:cs typeface="Times New Roman" panose="02020603050405020304" pitchFamily="18" charset="0"/>
+                  </a:rPr>
+                  <a:t>p4 = 〈3, 2, 1, 2, 1〉, </a:t>
+                </a:r>
+                <a:r>
+                  <a:rPr lang="el-GR" sz="2200" dirty="0">
+                    <a:latin typeface="Times New Roman" panose="02020603050405020304" pitchFamily="18" charset="0"/>
+                    <a:cs typeface="Times New Roman" panose="02020603050405020304" pitchFamily="18" charset="0"/>
+                  </a:rPr>
+                  <a:t>μ</a:t>
+                </a:r>
+                <a:r>
+                  <a:rPr lang="en-US" sz="2200" dirty="0">
+                    <a:latin typeface="Times New Roman" panose="02020603050405020304" pitchFamily="18" charset="0"/>
+                    <a:cs typeface="Times New Roman" panose="02020603050405020304" pitchFamily="18" charset="0"/>
+                  </a:rPr>
+                  <a:t> = 1, </a:t>
+                </a:r>
+                <a:r>
+                  <a:rPr lang="el-GR" sz="2200" dirty="0">
+                    <a:latin typeface="Times New Roman" panose="02020603050405020304" pitchFamily="18" charset="0"/>
+                    <a:cs typeface="Times New Roman" panose="02020603050405020304" pitchFamily="18" charset="0"/>
+                  </a:rPr>
+                  <a:t>λ</a:t>
+                </a:r>
+                <a:r>
+                  <a:rPr lang="en-US" sz="2200" dirty="0">
+                    <a:latin typeface="Times New Roman" panose="02020603050405020304" pitchFamily="18" charset="0"/>
+                    <a:cs typeface="Times New Roman" panose="02020603050405020304" pitchFamily="18" charset="0"/>
+                  </a:rPr>
+                  <a:t> = 0.5.</a:t>
+                </a:r>
+                <a:endParaRPr lang="ru-RU" sz="2200" b="0" i="1" dirty="0">
+                  <a:latin typeface="Cambria Math" panose="02040503050406030204" pitchFamily="18" charset="0"/>
+                  <a:ea typeface="Cambria Math" panose="02040503050406030204" pitchFamily="18" charset="0"/>
+                  <a:cs typeface="Times New Roman" panose="02020603050405020304" pitchFamily="18" charset="0"/>
+                </a:endParaRPr>
+              </a:p>
+              <a:p>
+                <a:pPr indent="0">
+                  <a:lnSpc>
+                    <a:spcPct val="100000"/>
+                  </a:lnSpc>
+                  <a:buNone/>
+                </a:pPr>
+                <a14:m>
+                  <m:oMath xmlns:m="http://schemas.openxmlformats.org/officeDocument/2006/math">
+                    <m:sSubSup>
+                      <m:sSubSupPr>
+                        <m:ctrlPr>
+                          <a:rPr lang="ru-RU" sz="2200" b="0" i="1" smtClean="0">
+                            <a:latin typeface="Cambria Math" panose="02040503050406030204" pitchFamily="18" charset="0"/>
+                            <a:ea typeface="Cambria Math" panose="02040503050406030204" pitchFamily="18" charset="0"/>
+                            <a:cs typeface="Times New Roman" panose="02020603050405020304" pitchFamily="18" charset="0"/>
+                          </a:rPr>
+                        </m:ctrlPr>
+                      </m:sSubSupPr>
+                      <m:e>
+                        <m:r>
+                          <a:rPr lang="ru-RU" sz="2200" b="0" i="1" smtClean="0">
+                            <a:latin typeface="Cambria Math" panose="02040503050406030204" pitchFamily="18" charset="0"/>
+                            <a:ea typeface="Cambria Math" panose="02040503050406030204" pitchFamily="18" charset="0"/>
+                            <a:cs typeface="Times New Roman" panose="02020603050405020304" pitchFamily="18" charset="0"/>
+                          </a:rPr>
+                          <m:t>𝜆</m:t>
+                        </m:r>
+                      </m:e>
+                      <m:sub>
+                        <m:r>
+                          <a:rPr lang="en-US" sz="2200" b="0" i="1" smtClean="0">
+                            <a:latin typeface="Cambria Math" panose="02040503050406030204" pitchFamily="18" charset="0"/>
+                            <a:ea typeface="Cambria Math" panose="02040503050406030204" pitchFamily="18" charset="0"/>
+                            <a:cs typeface="Times New Roman" panose="02020603050405020304" pitchFamily="18" charset="0"/>
+                          </a:rPr>
+                          <m:t>𝑝</m:t>
+                        </m:r>
+                      </m:sub>
+                      <m:sup>
+                        <m:r>
+                          <a:rPr lang="en-US" sz="2200" b="0" i="1" smtClean="0">
+                            <a:latin typeface="Cambria Math" panose="02040503050406030204" pitchFamily="18" charset="0"/>
+                            <a:ea typeface="Cambria Math" panose="02040503050406030204" pitchFamily="18" charset="0"/>
+                            <a:cs typeface="Times New Roman" panose="02020603050405020304" pitchFamily="18" charset="0"/>
+                          </a:rPr>
+                          <m:t>𝑠</m:t>
+                        </m:r>
+                        <m:r>
+                          <a:rPr lang="en-US" sz="2200" b="0" i="1" smtClean="0">
+                            <a:latin typeface="Cambria Math" panose="02040503050406030204" pitchFamily="18" charset="0"/>
+                            <a:ea typeface="Cambria Math" panose="02040503050406030204" pitchFamily="18" charset="0"/>
+                            <a:cs typeface="Times New Roman" panose="02020603050405020304" pitchFamily="18" charset="0"/>
+                          </a:rPr>
+                          <m:t>′</m:t>
+                        </m:r>
+                      </m:sup>
+                    </m:sSubSup>
+                    <m:r>
+                      <a:rPr lang="ru-RU" sz="2200" b="0" i="1" smtClean="0">
+                        <a:latin typeface="Cambria Math" panose="02040503050406030204" pitchFamily="18" charset="0"/>
+                        <a:ea typeface="Cambria Math" panose="02040503050406030204" pitchFamily="18" charset="0"/>
+                        <a:cs typeface="Times New Roman" panose="02020603050405020304" pitchFamily="18" charset="0"/>
+                      </a:rPr>
+                      <m:t>=</m:t>
+                    </m:r>
+                    <m:f>
+                      <m:fPr>
+                        <m:ctrlPr>
+                          <a:rPr lang="ru-RU" sz="2200" b="0" i="1" smtClean="0">
+                            <a:latin typeface="Cambria Math" panose="02040503050406030204" pitchFamily="18" charset="0"/>
+                            <a:ea typeface="Cambria Math" panose="02040503050406030204" pitchFamily="18" charset="0"/>
+                            <a:cs typeface="Times New Roman" panose="02020603050405020304" pitchFamily="18" charset="0"/>
+                          </a:rPr>
+                        </m:ctrlPr>
+                      </m:fPr>
+                      <m:num>
+                        <m:sSubSup>
+                          <m:sSubSupPr>
+                            <m:ctrlPr>
+                              <a:rPr lang="ru-RU" sz="2200" b="0" i="1" smtClean="0">
+                                <a:latin typeface="Cambria Math" panose="02040503050406030204" pitchFamily="18" charset="0"/>
+                                <a:ea typeface="Cambria Math" panose="02040503050406030204" pitchFamily="18" charset="0"/>
+                                <a:cs typeface="Times New Roman" panose="02020603050405020304" pitchFamily="18" charset="0"/>
+                              </a:rPr>
+                            </m:ctrlPr>
+                          </m:sSubSupPr>
+                          <m:e>
+                            <m:r>
+                              <a:rPr lang="ru-RU" sz="2200" i="1">
+                                <a:latin typeface="Cambria Math" panose="02040503050406030204" pitchFamily="18" charset="0"/>
+                                <a:ea typeface="Cambria Math" panose="02040503050406030204" pitchFamily="18" charset="0"/>
+                                <a:cs typeface="Times New Roman" panose="02020603050405020304" pitchFamily="18" charset="0"/>
+                              </a:rPr>
+                              <m:t>𝜇</m:t>
+                            </m:r>
+                          </m:e>
+                          <m:sub>
+                            <m:r>
+                              <a:rPr lang="en-US" sz="2200" b="0" i="1" smtClean="0">
+                                <a:latin typeface="Cambria Math" panose="02040503050406030204" pitchFamily="18" charset="0"/>
+                                <a:ea typeface="Cambria Math" panose="02040503050406030204" pitchFamily="18" charset="0"/>
+                                <a:cs typeface="Times New Roman" panose="02020603050405020304" pitchFamily="18" charset="0"/>
+                              </a:rPr>
+                              <m:t>𝑝</m:t>
+                            </m:r>
+                          </m:sub>
+                          <m:sup>
+                            <m:r>
+                              <a:rPr lang="en-US" sz="2200" b="0" i="1" smtClean="0">
+                                <a:latin typeface="Cambria Math" panose="02040503050406030204" pitchFamily="18" charset="0"/>
+                                <a:ea typeface="Cambria Math" panose="02040503050406030204" pitchFamily="18" charset="0"/>
+                                <a:cs typeface="Times New Roman" panose="02020603050405020304" pitchFamily="18" charset="0"/>
+                              </a:rPr>
+                              <m:t>𝑠</m:t>
+                            </m:r>
+                            <m:r>
+                              <a:rPr lang="en-US" sz="2200" b="0" i="1" smtClean="0">
+                                <a:latin typeface="Cambria Math" panose="02040503050406030204" pitchFamily="18" charset="0"/>
+                                <a:ea typeface="Cambria Math" panose="02040503050406030204" pitchFamily="18" charset="0"/>
+                                <a:cs typeface="Times New Roman" panose="02020603050405020304" pitchFamily="18" charset="0"/>
+                              </a:rPr>
+                              <m:t>′</m:t>
+                            </m:r>
+                          </m:sup>
+                        </m:sSubSup>
+                        <m:r>
+                          <a:rPr lang="ru-RU" sz="2200" b="0" i="1" smtClean="0">
+                            <a:latin typeface="Cambria Math" panose="02040503050406030204" pitchFamily="18" charset="0"/>
+                            <a:ea typeface="Cambria Math" panose="02040503050406030204" pitchFamily="18" charset="0"/>
+                            <a:cs typeface="Times New Roman" panose="02020603050405020304" pitchFamily="18" charset="0"/>
+                          </a:rPr>
+                          <m:t>∗</m:t>
+                        </m:r>
+                        <m:r>
+                          <a:rPr lang="en-US" sz="2200" b="0" i="1" smtClean="0">
+                            <a:latin typeface="Cambria Math" panose="02040503050406030204" pitchFamily="18" charset="0"/>
+                            <a:ea typeface="Cambria Math" panose="02040503050406030204" pitchFamily="18" charset="0"/>
+                            <a:cs typeface="Times New Roman" panose="02020603050405020304" pitchFamily="18" charset="0"/>
+                          </a:rPr>
+                          <m:t>𝑞</m:t>
+                        </m:r>
+                      </m:num>
+                      <m:den>
+                        <m:r>
+                          <a:rPr lang="en-US" sz="2200" b="0" i="1" smtClean="0">
+                            <a:latin typeface="Cambria Math" panose="02040503050406030204" pitchFamily="18" charset="0"/>
+                            <a:ea typeface="Cambria Math" panose="02040503050406030204" pitchFamily="18" charset="0"/>
+                            <a:cs typeface="Times New Roman" panose="02020603050405020304" pitchFamily="18" charset="0"/>
+                          </a:rPr>
+                          <m:t>𝑙</m:t>
+                        </m:r>
+                      </m:den>
+                    </m:f>
+                    <m:r>
+                      <a:rPr lang="en-US" sz="2200" b="0" i="1" smtClean="0">
+                        <a:latin typeface="Cambria Math" panose="02040503050406030204" pitchFamily="18" charset="0"/>
+                        <a:ea typeface="Cambria Math" panose="02040503050406030204" pitchFamily="18" charset="0"/>
+                        <a:cs typeface="Times New Roman" panose="02020603050405020304" pitchFamily="18" charset="0"/>
+                      </a:rPr>
+                      <m:t>,0≤</m:t>
+                    </m:r>
+                    <m:sSubSup>
+                      <m:sSubSupPr>
+                        <m:ctrlPr>
+                          <a:rPr lang="ru-RU" sz="2200" i="1">
+                            <a:latin typeface="Cambria Math" panose="02040503050406030204" pitchFamily="18" charset="0"/>
+                            <a:ea typeface="Cambria Math" panose="02040503050406030204" pitchFamily="18" charset="0"/>
+                            <a:cs typeface="Times New Roman" panose="02020603050405020304" pitchFamily="18" charset="0"/>
+                          </a:rPr>
+                        </m:ctrlPr>
+                      </m:sSubSupPr>
+                      <m:e>
+                        <m:r>
+                          <a:rPr lang="ru-RU" sz="2200" i="1">
+                            <a:latin typeface="Cambria Math" panose="02040503050406030204" pitchFamily="18" charset="0"/>
+                            <a:ea typeface="Cambria Math" panose="02040503050406030204" pitchFamily="18" charset="0"/>
+                            <a:cs typeface="Times New Roman" panose="02020603050405020304" pitchFamily="18" charset="0"/>
+                          </a:rPr>
+                          <m:t>𝜆</m:t>
+                        </m:r>
+                      </m:e>
+                      <m:sub>
+                        <m:r>
+                          <a:rPr lang="en-US" sz="2200" i="1">
+                            <a:latin typeface="Cambria Math" panose="02040503050406030204" pitchFamily="18" charset="0"/>
+                            <a:ea typeface="Cambria Math" panose="02040503050406030204" pitchFamily="18" charset="0"/>
+                            <a:cs typeface="Times New Roman" panose="02020603050405020304" pitchFamily="18" charset="0"/>
+                          </a:rPr>
+                          <m:t>𝑝</m:t>
+                        </m:r>
+                      </m:sub>
+                      <m:sup>
+                        <m:sSup>
+                          <m:sSupPr>
+                            <m:ctrlPr>
+                              <a:rPr lang="en-US" sz="2200" i="1">
+                                <a:latin typeface="Cambria Math" panose="02040503050406030204" pitchFamily="18" charset="0"/>
+                                <a:ea typeface="Cambria Math" panose="02040503050406030204" pitchFamily="18" charset="0"/>
+                                <a:cs typeface="Times New Roman" panose="02020603050405020304" pitchFamily="18" charset="0"/>
+                              </a:rPr>
+                            </m:ctrlPr>
+                          </m:sSupPr>
+                          <m:e>
+                            <m:r>
+                              <a:rPr lang="en-US" sz="2200" i="1">
+                                <a:latin typeface="Cambria Math" panose="02040503050406030204" pitchFamily="18" charset="0"/>
+                                <a:ea typeface="Cambria Math" panose="02040503050406030204" pitchFamily="18" charset="0"/>
+                                <a:cs typeface="Times New Roman" panose="02020603050405020304" pitchFamily="18" charset="0"/>
+                              </a:rPr>
+                              <m:t>𝑠</m:t>
+                            </m:r>
+                          </m:e>
+                          <m:sup>
+                            <m:r>
+                              <a:rPr lang="en-US" sz="2200" i="1">
+                                <a:latin typeface="Cambria Math" panose="02040503050406030204" pitchFamily="18" charset="0"/>
+                                <a:ea typeface="Cambria Math" panose="02040503050406030204" pitchFamily="18" charset="0"/>
+                                <a:cs typeface="Times New Roman" panose="02020603050405020304" pitchFamily="18" charset="0"/>
+                              </a:rPr>
+                              <m:t>′</m:t>
+                            </m:r>
+                          </m:sup>
+                        </m:sSup>
+                      </m:sup>
+                    </m:sSubSup>
+                    <m:r>
+                      <a:rPr lang="en-US" sz="2200" b="0" i="1" smtClean="0">
+                        <a:latin typeface="Cambria Math" panose="02040503050406030204" pitchFamily="18" charset="0"/>
+                        <a:ea typeface="Cambria Math" panose="02040503050406030204" pitchFamily="18" charset="0"/>
+                        <a:cs typeface="Times New Roman" panose="02020603050405020304" pitchFamily="18" charset="0"/>
+                      </a:rPr>
+                      <m:t>, </m:t>
+                    </m:r>
+                  </m:oMath>
+                </a14:m>
+                <a:r>
+                  <a:rPr lang="ru-RU" sz="2200" dirty="0">
+                    <a:latin typeface="Times New Roman" panose="02020603050405020304" pitchFamily="18" charset="0"/>
+                    <a:cs typeface="Times New Roman" panose="02020603050405020304" pitchFamily="18" charset="0"/>
+                  </a:rPr>
+                  <a:t>где</a:t>
+                </a:r>
+                <a:r>
+                  <a:rPr lang="en-US" sz="2200" dirty="0">
+                    <a:latin typeface="Times New Roman" panose="02020603050405020304" pitchFamily="18" charset="0"/>
+                    <a:cs typeface="Times New Roman" panose="02020603050405020304" pitchFamily="18" charset="0"/>
+                  </a:rPr>
+                  <a:t> </a:t>
+                </a:r>
+                <a14:m>
+                  <m:oMath xmlns:m="http://schemas.openxmlformats.org/officeDocument/2006/math">
+                    <m:sSubSup>
+                      <m:sSubSupPr>
+                        <m:ctrlPr>
+                          <a:rPr lang="ru-RU" sz="2200" i="1">
+                            <a:latin typeface="Cambria Math" panose="02040503050406030204" pitchFamily="18" charset="0"/>
+                            <a:ea typeface="Cambria Math" panose="02040503050406030204" pitchFamily="18" charset="0"/>
+                            <a:cs typeface="Times New Roman" panose="02020603050405020304" pitchFamily="18" charset="0"/>
+                          </a:rPr>
+                        </m:ctrlPr>
+                      </m:sSubSupPr>
+                      <m:e>
+                        <m:r>
+                          <a:rPr lang="ru-RU" sz="2200" i="1">
+                            <a:latin typeface="Cambria Math" panose="02040503050406030204" pitchFamily="18" charset="0"/>
+                            <a:ea typeface="Cambria Math" panose="02040503050406030204" pitchFamily="18" charset="0"/>
+                            <a:cs typeface="Times New Roman" panose="02020603050405020304" pitchFamily="18" charset="0"/>
+                          </a:rPr>
+                          <m:t>𝜆</m:t>
+                        </m:r>
+                      </m:e>
+                      <m:sub>
+                        <m:r>
+                          <a:rPr lang="en-US" sz="2200" i="1">
+                            <a:latin typeface="Cambria Math" panose="02040503050406030204" pitchFamily="18" charset="0"/>
+                            <a:ea typeface="Cambria Math" panose="02040503050406030204" pitchFamily="18" charset="0"/>
+                            <a:cs typeface="Times New Roman" panose="02020603050405020304" pitchFamily="18" charset="0"/>
+                          </a:rPr>
+                          <m:t>𝑝</m:t>
+                        </m:r>
+                      </m:sub>
+                      <m:sup>
+                        <m:r>
+                          <a:rPr lang="en-US" sz="2200" i="1">
+                            <a:latin typeface="Cambria Math" panose="02040503050406030204" pitchFamily="18" charset="0"/>
+                            <a:ea typeface="Cambria Math" panose="02040503050406030204" pitchFamily="18" charset="0"/>
+                            <a:cs typeface="Times New Roman" panose="02020603050405020304" pitchFamily="18" charset="0"/>
+                          </a:rPr>
+                          <m:t>𝑠</m:t>
+                        </m:r>
+                        <m:r>
+                          <a:rPr lang="en-US" sz="2200" i="1">
+                            <a:latin typeface="Cambria Math" panose="02040503050406030204" pitchFamily="18" charset="0"/>
+                            <a:ea typeface="Cambria Math" panose="02040503050406030204" pitchFamily="18" charset="0"/>
+                            <a:cs typeface="Times New Roman" panose="02020603050405020304" pitchFamily="18" charset="0"/>
+                          </a:rPr>
+                          <m:t>′</m:t>
+                        </m:r>
+                      </m:sup>
+                    </m:sSubSup>
+                  </m:oMath>
+                </a14:m>
+                <a:r>
+                  <a:rPr lang="ru-RU" sz="2200" dirty="0">
+                    <a:latin typeface="Times New Roman" panose="02020603050405020304" pitchFamily="18" charset="0"/>
+                    <a:cs typeface="Times New Roman" panose="02020603050405020304" pitchFamily="18" charset="0"/>
+                  </a:rPr>
+                  <a:t> – количество</a:t>
+                </a:r>
+                <a:r>
+                  <a:rPr lang="en-US" sz="2200" dirty="0">
+                    <a:latin typeface="Times New Roman" panose="02020603050405020304" pitchFamily="18" charset="0"/>
+                    <a:cs typeface="Times New Roman" panose="02020603050405020304" pitchFamily="18" charset="0"/>
+                  </a:rPr>
+                  <a:t> </a:t>
+                </a:r>
+                <a:r>
+                  <a:rPr lang="ru-RU" sz="2200" dirty="0">
+                    <a:latin typeface="Times New Roman" panose="02020603050405020304" pitchFamily="18" charset="0"/>
+                    <a:cs typeface="Times New Roman" panose="02020603050405020304" pitchFamily="18" charset="0"/>
+                  </a:rPr>
+                  <a:t>вхождений шаблона </a:t>
+                </a:r>
+                <a14:m>
+                  <m:oMath xmlns:m="http://schemas.openxmlformats.org/officeDocument/2006/math">
+                    <m:r>
+                      <a:rPr lang="en-US" sz="2200" i="1">
+                        <a:latin typeface="Cambria Math" panose="02040503050406030204" pitchFamily="18" charset="0"/>
+                        <a:ea typeface="Cambria Math" panose="02040503050406030204" pitchFamily="18" charset="0"/>
+                        <a:cs typeface="Times New Roman" panose="02020603050405020304" pitchFamily="18" charset="0"/>
+                      </a:rPr>
+                      <m:t>𝑝</m:t>
+                    </m:r>
+                  </m:oMath>
+                </a14:m>
+                <a:r>
+                  <a:rPr lang="ru-RU" sz="2200" dirty="0">
+                    <a:latin typeface="Times New Roman" panose="02020603050405020304" pitchFamily="18" charset="0"/>
+                    <a:cs typeface="Times New Roman" panose="02020603050405020304" pitchFamily="18" charset="0"/>
+                  </a:rPr>
+                  <a:t> в сессию </a:t>
+                </a:r>
+                <a14:m>
+                  <m:oMath xmlns:m="http://schemas.openxmlformats.org/officeDocument/2006/math">
+                    <m:r>
+                      <a:rPr lang="en-US" sz="2200" i="1">
+                        <a:latin typeface="Cambria Math" panose="02040503050406030204" pitchFamily="18" charset="0"/>
+                        <a:ea typeface="Cambria Math" panose="02040503050406030204" pitchFamily="18" charset="0"/>
+                        <a:cs typeface="Times New Roman" panose="02020603050405020304" pitchFamily="18" charset="0"/>
+                      </a:rPr>
+                      <m:t>𝑠</m:t>
+                    </m:r>
+                    <m:r>
+                      <a:rPr lang="en-US" sz="2200" i="1">
+                        <a:latin typeface="Cambria Math" panose="02040503050406030204" pitchFamily="18" charset="0"/>
+                        <a:ea typeface="Cambria Math" panose="02040503050406030204" pitchFamily="18" charset="0"/>
+                        <a:cs typeface="Times New Roman" panose="02020603050405020304" pitchFamily="18" charset="0"/>
+                      </a:rPr>
+                      <m:t>′</m:t>
+                    </m:r>
+                  </m:oMath>
+                </a14:m>
+                <a:r>
+                  <a:rPr lang="ru-RU" sz="2200" dirty="0">
+                    <a:latin typeface="Times New Roman" panose="02020603050405020304" pitchFamily="18" charset="0"/>
+                    <a:cs typeface="Times New Roman" panose="02020603050405020304" pitchFamily="18" charset="0"/>
+                  </a:rPr>
+                  <a:t>; </a:t>
+                </a:r>
+                <a14:m>
+                  <m:oMath xmlns:m="http://schemas.openxmlformats.org/officeDocument/2006/math">
+                    <m:r>
+                      <a:rPr lang="en-US" sz="2200" i="1">
+                        <a:latin typeface="Cambria Math" panose="02040503050406030204" pitchFamily="18" charset="0"/>
+                        <a:ea typeface="Cambria Math" panose="02040503050406030204" pitchFamily="18" charset="0"/>
+                        <a:cs typeface="Times New Roman" panose="02020603050405020304" pitchFamily="18" charset="0"/>
+                      </a:rPr>
+                      <m:t>𝑞</m:t>
+                    </m:r>
+                  </m:oMath>
+                </a14:m>
+                <a:r>
+                  <a:rPr lang="ru-RU" sz="2200" dirty="0">
+                    <a:latin typeface="Times New Roman" panose="02020603050405020304" pitchFamily="18" charset="0"/>
+                    <a:cs typeface="Times New Roman" panose="02020603050405020304" pitchFamily="18" charset="0"/>
+                  </a:rPr>
+                  <a:t> – длина шаблона </a:t>
+                </a:r>
+                <a14:m>
+                  <m:oMath xmlns:m="http://schemas.openxmlformats.org/officeDocument/2006/math">
+                    <m:r>
+                      <a:rPr lang="en-US" sz="2200" i="1">
+                        <a:latin typeface="Cambria Math" panose="02040503050406030204" pitchFamily="18" charset="0"/>
+                        <a:ea typeface="Cambria Math" panose="02040503050406030204" pitchFamily="18" charset="0"/>
+                        <a:cs typeface="Times New Roman" panose="02020603050405020304" pitchFamily="18" charset="0"/>
+                      </a:rPr>
+                      <m:t>𝑝</m:t>
+                    </m:r>
+                  </m:oMath>
+                </a14:m>
+                <a:r>
+                  <a:rPr lang="ru-RU" sz="2200" dirty="0">
+                    <a:latin typeface="Times New Roman" panose="02020603050405020304" pitchFamily="18" charset="0"/>
+                    <a:cs typeface="Times New Roman" panose="02020603050405020304" pitchFamily="18" charset="0"/>
+                  </a:rPr>
+                  <a:t>; </a:t>
+                </a:r>
+                <a14:m>
+                  <m:oMath xmlns:m="http://schemas.openxmlformats.org/officeDocument/2006/math">
+                    <m:r>
+                      <a:rPr lang="en-US" sz="2200" i="1">
+                        <a:latin typeface="Cambria Math" panose="02040503050406030204" pitchFamily="18" charset="0"/>
+                        <a:ea typeface="Cambria Math" panose="02040503050406030204" pitchFamily="18" charset="0"/>
+                        <a:cs typeface="Times New Roman" panose="02020603050405020304" pitchFamily="18" charset="0"/>
+                      </a:rPr>
+                      <m:t>𝑙</m:t>
+                    </m:r>
+                  </m:oMath>
+                </a14:m>
+                <a:r>
+                  <a:rPr lang="ru-RU" sz="2200" dirty="0">
+                    <a:latin typeface="Times New Roman" panose="02020603050405020304" pitchFamily="18" charset="0"/>
+                    <a:cs typeface="Times New Roman" panose="02020603050405020304" pitchFamily="18" charset="0"/>
+                  </a:rPr>
+                  <a:t> – длина сессии </a:t>
+                </a:r>
+                <a14:m>
+                  <m:oMath xmlns:m="http://schemas.openxmlformats.org/officeDocument/2006/math">
+                    <m:sSup>
+                      <m:sSupPr>
+                        <m:ctrlPr>
+                          <a:rPr lang="en-US" sz="2200" i="1">
+                            <a:latin typeface="Cambria Math" panose="02040503050406030204" pitchFamily="18" charset="0"/>
+                            <a:ea typeface="Cambria Math" panose="02040503050406030204" pitchFamily="18" charset="0"/>
+                            <a:cs typeface="Times New Roman" panose="02020603050405020304" pitchFamily="18" charset="0"/>
+                          </a:rPr>
+                        </m:ctrlPr>
+                      </m:sSupPr>
+                      <m:e>
+                        <m:r>
+                          <a:rPr lang="en-US" sz="2200" i="1">
+                            <a:latin typeface="Cambria Math" panose="02040503050406030204" pitchFamily="18" charset="0"/>
+                            <a:ea typeface="Cambria Math" panose="02040503050406030204" pitchFamily="18" charset="0"/>
+                            <a:cs typeface="Times New Roman" panose="02020603050405020304" pitchFamily="18" charset="0"/>
+                          </a:rPr>
+                          <m:t>𝑠</m:t>
+                        </m:r>
+                      </m:e>
+                      <m:sup>
+                        <m:r>
+                          <a:rPr lang="en-US" sz="2200" i="1">
+                            <a:latin typeface="Cambria Math" panose="02040503050406030204" pitchFamily="18" charset="0"/>
+                            <a:ea typeface="Cambria Math" panose="02040503050406030204" pitchFamily="18" charset="0"/>
+                            <a:cs typeface="Times New Roman" panose="02020603050405020304" pitchFamily="18" charset="0"/>
+                          </a:rPr>
+                          <m:t>′</m:t>
+                        </m:r>
+                      </m:sup>
+                    </m:sSup>
+                  </m:oMath>
+                </a14:m>
+                <a:r>
+                  <a:rPr lang="en-US" sz="2200" dirty="0">
+                    <a:latin typeface="Times New Roman" panose="02020603050405020304" pitchFamily="18" charset="0"/>
+                    <a:ea typeface="Times New Roman" panose="02020603050405020304" pitchFamily="18" charset="0"/>
+                    <a:cs typeface="Times New Roman" panose="02020603050405020304" pitchFamily="18" charset="0"/>
+                  </a:rPr>
+                  <a:t>.</a:t>
+                </a:r>
+                <a:endParaRPr lang="ru-RU" sz="2200" dirty="0">
+                  <a:latin typeface="Times New Roman" panose="02020603050405020304" pitchFamily="18" charset="0"/>
+                  <a:ea typeface="Times New Roman" panose="02020603050405020304" pitchFamily="18" charset="0"/>
+                  <a:cs typeface="Times New Roman" panose="02020603050405020304" pitchFamily="18" charset="0"/>
+                </a:endParaRPr>
+              </a:p>
+            </p:txBody>
+          </p:sp>
+        </mc:Choice>
+        <mc:Fallback>
+          <p:sp>
+            <p:nvSpPr>
+              <p:cNvPr id="3" name="Объект 2">
+                <a:extLst>
+                  <a:ext uri="{FF2B5EF4-FFF2-40B4-BE49-F238E27FC236}">
+                    <a16:creationId xmlns:a16="http://schemas.microsoft.com/office/drawing/2014/main" id="{68541323-2632-074C-E69F-FC80AB230174}"/>
+                  </a:ext>
+                </a:extLst>
+              </p:cNvPr>
+              <p:cNvSpPr>
+                <a:spLocks noGrp="1" noRot="1" noChangeAspect="1" noMove="1" noResize="1" noEditPoints="1" noAdjustHandles="1" noChangeArrowheads="1" noChangeShapeType="1" noTextEdit="1"/>
+              </p:cNvSpPr>
+              <p:nvPr>
+                <p:ph idx="1"/>
+              </p:nvPr>
+            </p:nvSpPr>
+            <p:spPr>
+              <a:xfrm>
+                <a:off x="428017" y="1253331"/>
+                <a:ext cx="11182378" cy="5168894"/>
+              </a:xfrm>
+              <a:blipFill>
+                <a:blip r:embed="rId2"/>
+                <a:stretch>
+                  <a:fillRect t="-825"/>
+                </a:stretch>
+              </a:blipFill>
+            </p:spPr>
+            <p:txBody>
+              <a:bodyPr/>
+              <a:lstStyle/>
+              <a:p>
+                <a:r>
+                  <a:rPr lang="ru-RU">
+                    <a:noFill/>
+                  </a:rPr>
+                  <a:t> </a:t>
+                </a:r>
+              </a:p>
+            </p:txBody>
+          </p:sp>
+        </mc:Fallback>
+      </mc:AlternateContent>
       <p:sp>
         <p:nvSpPr>
           <p:cNvPr id="4" name="Номер слайда 3">
@@ -6174,36 +6745,6 @@
           </a:p>
         </p:txBody>
       </p:sp>
-      <p:pic>
-        <p:nvPicPr>
-          <p:cNvPr id="7" name="Рисунок 6">
-            <a:extLst>
-              <a:ext uri="{FF2B5EF4-FFF2-40B4-BE49-F238E27FC236}">
-                <a16:creationId xmlns:a16="http://schemas.microsoft.com/office/drawing/2014/main" id="{97C0A9FF-8A3B-4E08-AF3D-38C156913F10}"/>
-              </a:ext>
-            </a:extLst>
-          </p:cNvPr>
-          <p:cNvPicPr>
-            <a:picLocks noChangeAspect="1"/>
-          </p:cNvPicPr>
-          <p:nvPr/>
-        </p:nvPicPr>
-        <p:blipFill>
-          <a:blip r:embed="rId2"/>
-          <a:stretch>
-            <a:fillRect/>
-          </a:stretch>
-        </p:blipFill>
-        <p:spPr>
-          <a:xfrm>
-            <a:off x="809469" y="1889627"/>
-            <a:ext cx="6041707" cy="2596648"/>
-          </a:xfrm>
-          <a:prstGeom prst="rect">
-            <a:avLst/>
-          </a:prstGeom>
-        </p:spPr>
-      </p:pic>
     </p:spTree>
     <p:extLst>
       <p:ext uri="{BB962C8B-B14F-4D97-AF65-F5344CB8AC3E}">
@@ -6234,12 +6775,56 @@
           <a:chExt cx="0" cy="0"/>
         </a:xfrm>
       </p:grpSpPr>
+      <p:sp>
+        <p:nvSpPr>
+          <p:cNvPr id="2" name="Заголовок 1">
+            <a:extLst>
+              <a:ext uri="{FF2B5EF4-FFF2-40B4-BE49-F238E27FC236}">
+                <a16:creationId xmlns:a16="http://schemas.microsoft.com/office/drawing/2014/main" id="{1802D59D-6A83-151A-EEA2-678960399BE4}"/>
+              </a:ext>
+            </a:extLst>
+          </p:cNvPr>
+          <p:cNvSpPr>
+            <a:spLocks noGrp="1"/>
+          </p:cNvSpPr>
+          <p:nvPr>
+            <p:ph type="title"/>
+          </p:nvPr>
+        </p:nvSpPr>
+        <p:spPr>
+          <a:xfrm>
+            <a:off x="428016" y="-72232"/>
+            <a:ext cx="11763983" cy="1325563"/>
+          </a:xfrm>
+        </p:spPr>
+        <p:txBody>
+          <a:bodyPr>
+            <a:normAutofit/>
+          </a:bodyPr>
+          <a:lstStyle/>
+          <a:p>
+            <a:r>
+              <a:rPr lang="ru-RU" sz="4000" b="1" dirty="0"/>
+              <a:t>Пример работы алгоритма </a:t>
+            </a:r>
+            <a:r>
+              <a:rPr lang="ru-RU" sz="4000" b="1" dirty="0" err="1"/>
+              <a:t>Aprior</a:t>
+            </a:r>
+            <a:r>
+              <a:rPr lang="en-US" sz="4000" b="1" dirty="0" err="1"/>
+              <a:t>i</a:t>
+            </a:r>
+            <a:endParaRPr lang="ru-RU" sz="4000" b="1" dirty="0"/>
+          </a:p>
+        </p:txBody>
+      </p:sp>
       <p:pic>
         <p:nvPicPr>
-          <p:cNvPr id="24" name="Рисунок 23">
-            <a:extLst>
-              <a:ext uri="{FF2B5EF4-FFF2-40B4-BE49-F238E27FC236}">
-                <a16:creationId xmlns:a16="http://schemas.microsoft.com/office/drawing/2014/main" id="{95825B38-A1E9-479F-BBE2-537F66F3CF44}"/>
+          <p:cNvPr id="9" name="Рисунок 8">
+            <a:extLst>
+              <a:ext uri="{FF2B5EF4-FFF2-40B4-BE49-F238E27FC236}">
+                <a16:creationId xmlns:a16="http://schemas.microsoft.com/office/drawing/2014/main" id="{92621B66-73B5-42E3-BF93-2B819F0CF002}"/>
               </a:ext>
             </a:extLst>
           </p:cNvPr>
@@ -6249,130 +6834,15 @@
           <p:nvPr/>
         </p:nvPicPr>
         <p:blipFill>
-          <a:blip r:embed="rId2">
-            <a:extLst>
-              <a:ext uri="{28A0092B-C50C-407E-A947-70E740481C1C}">
-                <a14:useLocalDpi xmlns:a14="http://schemas.microsoft.com/office/drawing/2010/main" val="0"/>
-              </a:ext>
-            </a:extLst>
-          </a:blip>
+          <a:blip r:embed="rId2"/>
           <a:stretch>
             <a:fillRect/>
           </a:stretch>
         </p:blipFill>
         <p:spPr>
           <a:xfrm>
-            <a:off x="6440144" y="1487667"/>
-            <a:ext cx="5548039" cy="2798460"/>
-          </a:xfrm>
-          <a:prstGeom prst="rect">
-            <a:avLst/>
-          </a:prstGeom>
-        </p:spPr>
-      </p:pic>
-      <p:sp>
-        <p:nvSpPr>
-          <p:cNvPr id="2" name="Заголовок 1">
-            <a:extLst>
-              <a:ext uri="{FF2B5EF4-FFF2-40B4-BE49-F238E27FC236}">
-                <a16:creationId xmlns:a16="http://schemas.microsoft.com/office/drawing/2014/main" id="{1802D59D-6A83-151A-EEA2-678960399BE4}"/>
-              </a:ext>
-            </a:extLst>
-          </p:cNvPr>
-          <p:cNvSpPr>
-            <a:spLocks noGrp="1"/>
-          </p:cNvSpPr>
-          <p:nvPr>
-            <p:ph type="title"/>
-          </p:nvPr>
-        </p:nvSpPr>
-        <p:spPr>
-          <a:xfrm>
-            <a:off x="428016" y="-72232"/>
-            <a:ext cx="11763983" cy="1325563"/>
-          </a:xfrm>
-        </p:spPr>
-        <p:txBody>
-          <a:bodyPr>
-            <a:normAutofit/>
-          </a:bodyPr>
-          <a:lstStyle/>
-          <a:p>
-            <a:r>
-              <a:rPr lang="ru-RU" sz="4000" b="1" dirty="0"/>
-              <a:t>Пример работы алгоритма </a:t>
-            </a:r>
-            <a:r>
-              <a:rPr lang="ru-RU" sz="4000" b="1" dirty="0" err="1"/>
-              <a:t>Aprior</a:t>
-            </a:r>
-            <a:r>
-              <a:rPr lang="en-US" sz="4000" b="1" dirty="0" err="1"/>
-              <a:t>i</a:t>
-            </a:r>
-            <a:endParaRPr lang="ru-RU" sz="4000" b="1" dirty="0"/>
-          </a:p>
-        </p:txBody>
-      </p:sp>
-      <p:sp>
-        <p:nvSpPr>
-          <p:cNvPr id="4" name="Номер слайда 3">
-            <a:extLst>
-              <a:ext uri="{FF2B5EF4-FFF2-40B4-BE49-F238E27FC236}">
-                <a16:creationId xmlns:a16="http://schemas.microsoft.com/office/drawing/2014/main" id="{80FEEFAF-0D6B-464C-7360-370FF23083CC}"/>
-              </a:ext>
-            </a:extLst>
-          </p:cNvPr>
-          <p:cNvSpPr>
-            <a:spLocks noGrp="1"/>
-          </p:cNvSpPr>
-          <p:nvPr>
-            <p:ph type="sldNum" sz="quarter" idx="12"/>
-          </p:nvPr>
-        </p:nvSpPr>
-        <p:spPr/>
-        <p:txBody>
-          <a:bodyPr/>
-          <a:lstStyle/>
-          <a:p>
-            <a:fld id="{E83D2FD5-BBDA-43D0-B172-791327EA2B6A}" type="slidenum">
-              <a:rPr lang="ru-RU" smtClean="0"/>
-              <a:t>7</a:t>
-            </a:fld>
-            <a:endParaRPr lang="ru-RU" dirty="0"/>
-          </a:p>
-        </p:txBody>
-      </p:sp>
-      <p:pic>
-        <p:nvPicPr>
-          <p:cNvPr id="14" name="Рисунок 13">
-            <a:extLst>
-              <a:ext uri="{FF2B5EF4-FFF2-40B4-BE49-F238E27FC236}">
-                <a16:creationId xmlns:a16="http://schemas.microsoft.com/office/drawing/2014/main" id="{CDABA089-439E-4C81-AE26-64F26D679FFA}"/>
-              </a:ext>
-            </a:extLst>
-          </p:cNvPr>
-          <p:cNvPicPr>
-            <a:picLocks noChangeAspect="1"/>
-          </p:cNvPicPr>
-          <p:nvPr/>
-        </p:nvPicPr>
-        <p:blipFill>
-          <a:blip r:embed="rId3">
-            <a:extLst>
-              <a:ext uri="{28A0092B-C50C-407E-A947-70E740481C1C}">
-                <a14:useLocalDpi xmlns:a14="http://schemas.microsoft.com/office/drawing/2010/main" val="0"/>
-              </a:ext>
-            </a:extLst>
-          </a:blip>
-          <a:stretch>
-            <a:fillRect/>
-          </a:stretch>
-        </p:blipFill>
-        <p:spPr>
-          <a:xfrm>
-            <a:off x="329886" y="1041003"/>
-            <a:ext cx="6522077" cy="4128294"/>
+            <a:off x="5622278" y="1397445"/>
+            <a:ext cx="1251623" cy="1538011"/>
           </a:xfrm>
           <a:prstGeom prst="rect">
             <a:avLst/>
@@ -6381,10 +6851,10 @@
       </p:pic>
       <p:pic>
         <p:nvPicPr>
-          <p:cNvPr id="6" name="Рисунок 5">
-            <a:extLst>
-              <a:ext uri="{FF2B5EF4-FFF2-40B4-BE49-F238E27FC236}">
-                <a16:creationId xmlns:a16="http://schemas.microsoft.com/office/drawing/2014/main" id="{77F412C1-F89D-4CC6-BFDD-83DBC9CD4042}"/>
+          <p:cNvPr id="11" name="Рисунок 10">
+            <a:extLst>
+              <a:ext uri="{FF2B5EF4-FFF2-40B4-BE49-F238E27FC236}">
+                <a16:creationId xmlns:a16="http://schemas.microsoft.com/office/drawing/2014/main" id="{6241B40D-9A7D-4BFF-B792-21A3A86BA78F}"/>
               </a:ext>
             </a:extLst>
           </p:cNvPr>
@@ -6393,21 +6863,16 @@
           </p:cNvPicPr>
           <p:nvPr/>
         </p:nvPicPr>
-        <p:blipFill rotWithShape="1">
-          <a:blip r:embed="rId4">
-            <a:extLst>
-              <a:ext uri="{28A0092B-C50C-407E-A947-70E740481C1C}">
-                <a14:useLocalDpi xmlns:a14="http://schemas.microsoft.com/office/drawing/2010/main" val="0"/>
-              </a:ext>
-            </a:extLst>
-          </a:blip>
-          <a:srcRect r="15224"/>
-          <a:stretch/>
+        <p:blipFill>
+          <a:blip r:embed="rId3"/>
+          <a:stretch>
+            <a:fillRect/>
+          </a:stretch>
         </p:blipFill>
         <p:spPr>
           <a:xfrm>
-            <a:off x="547961" y="4892855"/>
-            <a:ext cx="5548039" cy="1247334"/>
+            <a:off x="432786" y="3262897"/>
+            <a:ext cx="2598707" cy="1557077"/>
           </a:xfrm>
           <a:prstGeom prst="rect">
             <a:avLst/>
@@ -6416,10 +6881,10 @@
       </p:pic>
       <p:pic>
         <p:nvPicPr>
-          <p:cNvPr id="7" name="Рисунок 6">
-            <a:extLst>
-              <a:ext uri="{FF2B5EF4-FFF2-40B4-BE49-F238E27FC236}">
-                <a16:creationId xmlns:a16="http://schemas.microsoft.com/office/drawing/2014/main" id="{85A31C70-EB35-439C-9576-BFE788AA69F5}"/>
+          <p:cNvPr id="13" name="Рисунок 12">
+            <a:extLst>
+              <a:ext uri="{FF2B5EF4-FFF2-40B4-BE49-F238E27FC236}">
+                <a16:creationId xmlns:a16="http://schemas.microsoft.com/office/drawing/2014/main" id="{867F6E27-DB4C-45F6-A48E-4C9C2985C5C1}"/>
               </a:ext>
             </a:extLst>
           </p:cNvPr>
@@ -6428,95 +6893,653 @@
           </p:cNvPicPr>
           <p:nvPr/>
         </p:nvPicPr>
-        <p:blipFill rotWithShape="1">
-          <a:blip r:embed="rId5">
-            <a:extLst>
-              <a:ext uri="{28A0092B-C50C-407E-A947-70E740481C1C}">
-                <a14:useLocalDpi xmlns:a14="http://schemas.microsoft.com/office/drawing/2010/main" val="0"/>
-              </a:ext>
-            </a:extLst>
-          </a:blip>
-          <a:srcRect r="15224" b="20398"/>
-          <a:stretch/>
+        <p:blipFill>
+          <a:blip r:embed="rId4"/>
+          <a:stretch>
+            <a:fillRect/>
+          </a:stretch>
         </p:blipFill>
         <p:spPr>
           <a:xfrm>
-            <a:off x="6768257" y="4947644"/>
-            <a:ext cx="4875782" cy="1192545"/>
+            <a:off x="3290120" y="3266353"/>
+            <a:ext cx="2598707" cy="2845690"/>
           </a:xfrm>
           <a:prstGeom prst="rect">
             <a:avLst/>
           </a:prstGeom>
         </p:spPr>
       </p:pic>
-      <p:sp>
-        <p:nvSpPr>
-          <p:cNvPr id="12" name="TextBox 11">
-            <a:extLst>
-              <a:ext uri="{FF2B5EF4-FFF2-40B4-BE49-F238E27FC236}">
-                <a16:creationId xmlns:a16="http://schemas.microsoft.com/office/drawing/2014/main" id="{81C7E6CD-7CF0-47D1-8BB8-28BB77B12547}"/>
-              </a:ext>
-            </a:extLst>
-          </p:cNvPr>
-          <p:cNvSpPr txBox="1"/>
+      <p:pic>
+        <p:nvPicPr>
+          <p:cNvPr id="18" name="Рисунок 17">
+            <a:extLst>
+              <a:ext uri="{FF2B5EF4-FFF2-40B4-BE49-F238E27FC236}">
+                <a16:creationId xmlns:a16="http://schemas.microsoft.com/office/drawing/2014/main" id="{79022805-9D40-4803-969A-82055FAB2DFB}"/>
+              </a:ext>
+            </a:extLst>
+          </p:cNvPr>
+          <p:cNvPicPr>
+            <a:picLocks noChangeAspect="1"/>
+          </p:cNvPicPr>
           <p:nvPr/>
-        </p:nvSpPr>
+        </p:nvPicPr>
+        <p:blipFill>
+          <a:blip r:embed="rId5"/>
+          <a:stretch>
+            <a:fillRect/>
+          </a:stretch>
+        </p:blipFill>
         <p:spPr>
           <a:xfrm>
-            <a:off x="5428007" y="841336"/>
-            <a:ext cx="6096000" cy="646331"/>
+            <a:off x="9004788" y="3262898"/>
+            <a:ext cx="2598868" cy="526217"/>
           </a:xfrm>
           <a:prstGeom prst="rect">
             <a:avLst/>
           </a:prstGeom>
-          <a:noFill/>
         </p:spPr>
-        <p:txBody>
-          <a:bodyPr wrap="square">
-            <a:spAutoFit/>
+      </p:pic>
+      <p:pic>
+        <p:nvPicPr>
+          <p:cNvPr id="22" name="Рисунок 21">
+            <a:extLst>
+              <a:ext uri="{FF2B5EF4-FFF2-40B4-BE49-F238E27FC236}">
+                <a16:creationId xmlns:a16="http://schemas.microsoft.com/office/drawing/2014/main" id="{BA1E75BD-79D7-4828-B243-71FB08533182}"/>
+              </a:ext>
+            </a:extLst>
+          </p:cNvPr>
+          <p:cNvPicPr>
+            <a:picLocks noChangeAspect="1"/>
+          </p:cNvPicPr>
+          <p:nvPr/>
+        </p:nvPicPr>
+        <p:blipFill>
+          <a:blip r:embed="rId6"/>
+          <a:stretch>
+            <a:fillRect/>
+          </a:stretch>
+        </p:blipFill>
+        <p:spPr>
+          <a:xfrm>
+            <a:off x="3460566" y="1397445"/>
+            <a:ext cx="1718329" cy="1538011"/>
+          </a:xfrm>
+          <a:prstGeom prst="rect">
+            <a:avLst/>
+          </a:prstGeom>
+        </p:spPr>
+      </p:pic>
+      <mc:AlternateContent xmlns:mc="http://schemas.openxmlformats.org/markup-compatibility/2006">
+        <mc:Choice xmlns:a14="http://schemas.microsoft.com/office/drawing/2010/main" Requires="a14">
+          <p:sp>
+            <p:nvSpPr>
+              <p:cNvPr id="28" name="TextBox 27">
+                <a:extLst>
+                  <a:ext uri="{FF2B5EF4-FFF2-40B4-BE49-F238E27FC236}">
+                    <a16:creationId xmlns:a16="http://schemas.microsoft.com/office/drawing/2014/main" id="{C5AA8E8B-8F6D-4F10-BEB9-55A5BC15E1CF}"/>
+                  </a:ext>
+                </a:extLst>
+              </p:cNvPr>
+              <p:cNvSpPr txBox="1"/>
+              <p:nvPr/>
+            </p:nvSpPr>
+            <p:spPr>
+              <a:xfrm>
+                <a:off x="6147376" y="5263939"/>
+                <a:ext cx="2700676" cy="577850"/>
+              </a:xfrm>
+              <a:prstGeom prst="rect">
+                <a:avLst/>
+              </a:prstGeom>
+              <a:noFill/>
+            </p:spPr>
+            <p:txBody>
+              <a:bodyPr wrap="none" lIns="0" tIns="0" rIns="0" bIns="0" rtlCol="0">
+                <a:spAutoFit/>
+              </a:bodyPr>
+              <a:lstStyle/>
+              <a:p>
+                <a14:m>
+                  <m:oMathPara xmlns:m="http://schemas.openxmlformats.org/officeDocument/2006/math">
+                    <m:oMathParaPr>
+                      <m:jc m:val="centerGroup"/>
+                    </m:oMathParaPr>
+                    <m:oMath xmlns:m="http://schemas.openxmlformats.org/officeDocument/2006/math">
+                      <m:f>
+                        <m:fPr>
+                          <m:ctrlPr>
+                            <a:rPr lang="en-US" b="0" i="1" smtClean="0">
+                              <a:latin typeface="Cambria Math" panose="02040503050406030204" pitchFamily="18" charset="0"/>
+                            </a:rPr>
+                          </m:ctrlPr>
+                        </m:fPr>
+                        <m:num>
+                          <m:r>
+                            <a:rPr lang="en-US" i="1">
+                              <a:latin typeface="Cambria Math" panose="02040503050406030204" pitchFamily="18" charset="0"/>
+                            </a:rPr>
+                            <m:t>𝑠𝑢𝑝𝑝</m:t>
+                          </m:r>
+                          <m:r>
+                            <a:rPr lang="en-US" i="1">
+                              <a:latin typeface="Cambria Math" panose="02040503050406030204" pitchFamily="18" charset="0"/>
+                            </a:rPr>
+                            <m:t>({1,2,3}</m:t>
+                          </m:r>
+                          <m:r>
+                            <m:rPr>
+                              <m:nor/>
+                            </m:rPr>
+                            <a:rPr lang="en-US" dirty="0"/>
+                            <m:t>)</m:t>
+                          </m:r>
+                        </m:num>
+                        <m:den>
+                          <m:r>
+                            <a:rPr lang="en-US" i="1">
+                              <a:latin typeface="Cambria Math" panose="02040503050406030204" pitchFamily="18" charset="0"/>
+                            </a:rPr>
+                            <m:t>𝑠𝑢𝑝𝑝</m:t>
+                          </m:r>
+                          <m:r>
+                            <a:rPr lang="en-US" i="1">
+                              <a:latin typeface="Cambria Math" panose="02040503050406030204" pitchFamily="18" charset="0"/>
+                            </a:rPr>
+                            <m:t>({2}</m:t>
+                          </m:r>
+                          <m:r>
+                            <m:rPr>
+                              <m:nor/>
+                            </m:rPr>
+                            <a:rPr lang="en-US" dirty="0"/>
+                            <m:t>)</m:t>
+                          </m:r>
+                        </m:den>
+                      </m:f>
+                      <m:r>
+                        <a:rPr lang="en-US" b="0" i="1" smtClean="0">
+                          <a:latin typeface="Cambria Math" panose="02040503050406030204" pitchFamily="18" charset="0"/>
+                        </a:rPr>
+                        <m:t>=</m:t>
+                      </m:r>
+                      <m:f>
+                        <m:fPr>
+                          <m:ctrlPr>
+                            <a:rPr lang="en-US" b="0" i="1" smtClean="0">
+                              <a:latin typeface="Cambria Math" panose="02040503050406030204" pitchFamily="18" charset="0"/>
+                            </a:rPr>
+                          </m:ctrlPr>
+                        </m:fPr>
+                        <m:num>
+                          <m:r>
+                            <a:rPr lang="en-US" b="0" i="1" smtClean="0">
+                              <a:latin typeface="Cambria Math" panose="02040503050406030204" pitchFamily="18" charset="0"/>
+                            </a:rPr>
+                            <m:t>2</m:t>
+                          </m:r>
+                        </m:num>
+                        <m:den>
+                          <m:r>
+                            <a:rPr lang="en-US" b="0" i="1" smtClean="0">
+                              <a:latin typeface="Cambria Math" panose="02040503050406030204" pitchFamily="18" charset="0"/>
+                            </a:rPr>
+                            <m:t>2</m:t>
+                          </m:r>
+                        </m:den>
+                      </m:f>
+                      <m:r>
+                        <a:rPr lang="en-US" b="0" i="1" smtClean="0">
+                          <a:latin typeface="Cambria Math" panose="02040503050406030204" pitchFamily="18" charset="0"/>
+                        </a:rPr>
+                        <m:t>=100%</m:t>
+                      </m:r>
+                    </m:oMath>
+                  </m:oMathPara>
+                </a14:m>
+                <a:endParaRPr lang="ru-RU" dirty="0"/>
+              </a:p>
+            </p:txBody>
+          </p:sp>
+        </mc:Choice>
+        <mc:Fallback>
+          <p:sp>
+            <p:nvSpPr>
+              <p:cNvPr id="28" name="TextBox 27">
+                <a:extLst>
+                  <a:ext uri="{FF2B5EF4-FFF2-40B4-BE49-F238E27FC236}">
+                    <a16:creationId xmlns:a16="http://schemas.microsoft.com/office/drawing/2014/main" id="{C5AA8E8B-8F6D-4F10-BEB9-55A5BC15E1CF}"/>
+                  </a:ext>
+                </a:extLst>
+              </p:cNvPr>
+              <p:cNvSpPr txBox="1">
+                <a:spLocks noRot="1" noChangeAspect="1" noMove="1" noResize="1" noEditPoints="1" noAdjustHandles="1" noChangeArrowheads="1" noChangeShapeType="1" noTextEdit="1"/>
+              </p:cNvSpPr>
+              <p:nvPr/>
+            </p:nvSpPr>
+            <p:spPr>
+              <a:xfrm>
+                <a:off x="6147376" y="5263939"/>
+                <a:ext cx="2700676" cy="577850"/>
+              </a:xfrm>
+              <a:prstGeom prst="rect">
+                <a:avLst/>
+              </a:prstGeom>
+              <a:blipFill>
+                <a:blip r:embed="rId7"/>
+                <a:stretch>
+                  <a:fillRect/>
+                </a:stretch>
+              </a:blipFill>
+            </p:spPr>
+            <p:txBody>
+              <a:bodyPr/>
+              <a:lstStyle/>
+              <a:p>
+                <a:r>
+                  <a:rPr lang="ru-RU">
+                    <a:noFill/>
+                  </a:rPr>
+                  <a:t> </a:t>
+                </a:r>
+              </a:p>
+            </p:txBody>
+          </p:sp>
+        </mc:Fallback>
+      </mc:AlternateContent>
+      <p:pic>
+        <p:nvPicPr>
+          <p:cNvPr id="30" name="Рисунок 29">
+            <a:extLst>
+              <a:ext uri="{FF2B5EF4-FFF2-40B4-BE49-F238E27FC236}">
+                <a16:creationId xmlns:a16="http://schemas.microsoft.com/office/drawing/2014/main" id="{D620C0AA-C6EE-42FC-A801-8CFFDC81DDD1}"/>
+              </a:ext>
+            </a:extLst>
+          </p:cNvPr>
+          <p:cNvPicPr>
+            <a:picLocks noChangeAspect="1"/>
+          </p:cNvPicPr>
+          <p:nvPr/>
+        </p:nvPicPr>
+        <p:blipFill>
+          <a:blip r:embed="rId8"/>
+          <a:stretch>
+            <a:fillRect/>
+          </a:stretch>
+        </p:blipFill>
+        <p:spPr>
+          <a:xfrm>
+            <a:off x="6147376" y="3262897"/>
+            <a:ext cx="2598863" cy="526216"/>
+          </a:xfrm>
+          <a:prstGeom prst="rect">
+            <a:avLst/>
+          </a:prstGeom>
+        </p:spPr>
+      </p:pic>
+      <p:sp>
+        <p:nvSpPr>
+          <p:cNvPr id="31" name="Объект 2">
+            <a:extLst>
+              <a:ext uri="{FF2B5EF4-FFF2-40B4-BE49-F238E27FC236}">
+                <a16:creationId xmlns:a16="http://schemas.microsoft.com/office/drawing/2014/main" id="{8B559F2F-87D5-4C20-849D-F96C914A7BD3}"/>
+              </a:ext>
+            </a:extLst>
+          </p:cNvPr>
+          <p:cNvSpPr>
+            <a:spLocks noGrp="1"/>
+          </p:cNvSpPr>
+          <p:nvPr>
+            <p:ph idx="1"/>
+          </p:nvPr>
+        </p:nvSpPr>
+        <p:spPr>
+          <a:xfrm>
+            <a:off x="5888827" y="3921237"/>
+            <a:ext cx="6298404" cy="1538010"/>
+          </a:xfrm>
+        </p:spPr>
+        <p:txBody>
+          <a:bodyPr>
+            <a:noAutofit/>
           </a:bodyPr>
           <a:lstStyle/>
           <a:p>
-            <a:r>
-              <a:rPr lang="en-US" sz="1800" b="1" dirty="0" err="1"/>
-              <a:t>Todo</a:t>
-            </a:r>
-            <a:r>
-              <a:rPr lang="en-US" sz="1800" b="1" dirty="0"/>
-              <a:t> </a:t>
-            </a:r>
-            <a:r>
-              <a:rPr lang="ru-RU" sz="1800" b="1" dirty="0"/>
-              <a:t>в </a:t>
-            </a:r>
-            <a:r>
-              <a:rPr lang="en-US" sz="1800" b="1" dirty="0" err="1"/>
-              <a:t>excele</a:t>
-            </a:r>
-            <a:r>
-              <a:rPr lang="en-US" sz="1800" b="1" dirty="0"/>
-              <a:t>: </a:t>
-            </a:r>
-            <a:r>
-              <a:rPr lang="ru-RU" sz="1800" b="1" dirty="0"/>
-              <a:t>без стрелок, поменьше входных данных (5),  считаем </a:t>
-            </a:r>
-            <a:r>
-              <a:rPr lang="en-US" sz="1800" b="1" dirty="0"/>
-              <a:t>conf </a:t>
-            </a:r>
-            <a:r>
-              <a:rPr lang="ru-RU" sz="1800" b="1" dirty="0"/>
-              <a:t>только для одного примера</a:t>
-            </a:r>
-            <a:endParaRPr lang="ru-RU" dirty="0"/>
-          </a:p>
-        </p:txBody>
-      </p:sp>
+            <a:pPr indent="0">
+              <a:lnSpc>
+                <a:spcPct val="100000"/>
+              </a:lnSpc>
+              <a:buNone/>
+            </a:pPr>
+            <a:r>
+              <a:rPr lang="ru-RU" sz="2200" dirty="0">
+                <a:latin typeface="Times New Roman" panose="02020603050405020304" pitchFamily="18" charset="0"/>
+                <a:ea typeface="Times New Roman" panose="02020603050405020304" pitchFamily="18" charset="0"/>
+                <a:cs typeface="Times New Roman" panose="02020603050405020304" pitchFamily="18" charset="0"/>
+              </a:rPr>
+              <a:t>Уровень уверенности (</a:t>
+            </a:r>
+            <a:r>
+              <a:rPr lang="en-US" sz="2200" dirty="0">
+                <a:latin typeface="Times New Roman" panose="02020603050405020304" pitchFamily="18" charset="0"/>
+                <a:ea typeface="Times New Roman" panose="02020603050405020304" pitchFamily="18" charset="0"/>
+                <a:cs typeface="Times New Roman" panose="02020603050405020304" pitchFamily="18" charset="0"/>
+              </a:rPr>
+              <a:t>confidence</a:t>
+            </a:r>
+            <a:r>
+              <a:rPr lang="ru-RU" sz="2200" dirty="0">
+                <a:latin typeface="Times New Roman" panose="02020603050405020304" pitchFamily="18" charset="0"/>
+                <a:ea typeface="Times New Roman" panose="02020603050405020304" pitchFamily="18" charset="0"/>
+                <a:cs typeface="Times New Roman" panose="02020603050405020304" pitchFamily="18" charset="0"/>
+              </a:rPr>
+              <a:t>) показывает на сколько вероятно срабатывает полученное правило.</a:t>
+            </a:r>
+          </a:p>
+        </p:txBody>
+      </p:sp>
+      <p:pic>
+        <p:nvPicPr>
+          <p:cNvPr id="33" name="Рисунок 32">
+            <a:extLst>
+              <a:ext uri="{FF2B5EF4-FFF2-40B4-BE49-F238E27FC236}">
+                <a16:creationId xmlns:a16="http://schemas.microsoft.com/office/drawing/2014/main" id="{636A2443-ED40-4BD3-A694-D679A88DB3C4}"/>
+              </a:ext>
+            </a:extLst>
+          </p:cNvPr>
+          <p:cNvPicPr>
+            <a:picLocks noChangeAspect="1"/>
+          </p:cNvPicPr>
+          <p:nvPr/>
+        </p:nvPicPr>
+        <p:blipFill>
+          <a:blip r:embed="rId9"/>
+          <a:stretch>
+            <a:fillRect/>
+          </a:stretch>
+        </p:blipFill>
+        <p:spPr>
+          <a:xfrm>
+            <a:off x="9004788" y="5289756"/>
+            <a:ext cx="2963992" cy="526216"/>
+          </a:xfrm>
+          <a:prstGeom prst="rect">
+            <a:avLst/>
+          </a:prstGeom>
+        </p:spPr>
+      </p:pic>
+      <p:sp>
+        <p:nvSpPr>
+          <p:cNvPr id="34" name="Объект 2">
+            <a:extLst>
+              <a:ext uri="{FF2B5EF4-FFF2-40B4-BE49-F238E27FC236}">
+                <a16:creationId xmlns:a16="http://schemas.microsoft.com/office/drawing/2014/main" id="{AF0FF036-CD82-472D-9610-DB14FF591AA6}"/>
+              </a:ext>
+            </a:extLst>
+          </p:cNvPr>
+          <p:cNvSpPr txBox="1">
+            <a:spLocks/>
+          </p:cNvSpPr>
+          <p:nvPr/>
+        </p:nvSpPr>
+        <p:spPr>
+          <a:xfrm>
+            <a:off x="6873901" y="1386681"/>
+            <a:ext cx="5163210" cy="1538010"/>
+          </a:xfrm>
+          <a:prstGeom prst="rect">
+            <a:avLst/>
+          </a:prstGeom>
+        </p:spPr>
+        <p:txBody>
+          <a:bodyPr vert="horz" lIns="91440" tIns="45720" rIns="91440" bIns="45720" rtlCol="0">
+            <a:noAutofit/>
+          </a:bodyPr>
+          <a:lstStyle>
+            <a:lvl1pPr marL="228600" indent="-228600" algn="l" defTabSz="914400" rtl="0" eaLnBrk="1" latinLnBrk="0" hangingPunct="1">
+              <a:lnSpc>
+                <a:spcPct val="90000"/>
+              </a:lnSpc>
+              <a:spcBef>
+                <a:spcPts val="1000"/>
+              </a:spcBef>
+              <a:buFont typeface="Arial" panose="020B0604020202020204" pitchFamily="34" charset="0"/>
+              <a:buChar char="•"/>
+              <a:defRPr sz="2800" kern="1200">
+                <a:solidFill>
+                  <a:schemeClr val="tx1"/>
+                </a:solidFill>
+                <a:latin typeface="+mn-lt"/>
+                <a:ea typeface="+mn-ea"/>
+                <a:cs typeface="+mn-cs"/>
+              </a:defRPr>
+            </a:lvl1pPr>
+            <a:lvl2pPr marL="685800" indent="-228600" algn="l" defTabSz="914400" rtl="0" eaLnBrk="1" latinLnBrk="0" hangingPunct="1">
+              <a:lnSpc>
+                <a:spcPct val="90000"/>
+              </a:lnSpc>
+              <a:spcBef>
+                <a:spcPts val="500"/>
+              </a:spcBef>
+              <a:buFont typeface="Arial" panose="020B0604020202020204" pitchFamily="34" charset="0"/>
+              <a:buChar char="•"/>
+              <a:defRPr sz="2400" kern="1200">
+                <a:solidFill>
+                  <a:schemeClr val="tx1"/>
+                </a:solidFill>
+                <a:latin typeface="+mn-lt"/>
+                <a:ea typeface="+mn-ea"/>
+                <a:cs typeface="+mn-cs"/>
+              </a:defRPr>
+            </a:lvl2pPr>
+            <a:lvl3pPr marL="1143000" indent="-228600" algn="l" defTabSz="914400" rtl="0" eaLnBrk="1" latinLnBrk="0" hangingPunct="1">
+              <a:lnSpc>
+                <a:spcPct val="90000"/>
+              </a:lnSpc>
+              <a:spcBef>
+                <a:spcPts val="500"/>
+              </a:spcBef>
+              <a:buFont typeface="Arial" panose="020B0604020202020204" pitchFamily="34" charset="0"/>
+              <a:buChar char="•"/>
+              <a:defRPr sz="2000" kern="1200">
+                <a:solidFill>
+                  <a:schemeClr val="tx1"/>
+                </a:solidFill>
+                <a:latin typeface="+mn-lt"/>
+                <a:ea typeface="+mn-ea"/>
+                <a:cs typeface="+mn-cs"/>
+              </a:defRPr>
+            </a:lvl3pPr>
+            <a:lvl4pPr marL="1600200" indent="-228600" algn="l" defTabSz="914400" rtl="0" eaLnBrk="1" latinLnBrk="0" hangingPunct="1">
+              <a:lnSpc>
+                <a:spcPct val="90000"/>
+              </a:lnSpc>
+              <a:spcBef>
+                <a:spcPts val="500"/>
+              </a:spcBef>
+              <a:buFont typeface="Arial" panose="020B0604020202020204" pitchFamily="34" charset="0"/>
+              <a:buChar char="•"/>
+              <a:defRPr sz="1800" kern="1200">
+                <a:solidFill>
+                  <a:schemeClr val="tx1"/>
+                </a:solidFill>
+                <a:latin typeface="+mn-lt"/>
+                <a:ea typeface="+mn-ea"/>
+                <a:cs typeface="+mn-cs"/>
+              </a:defRPr>
+            </a:lvl4pPr>
+            <a:lvl5pPr marL="2057400" indent="-228600" algn="l" defTabSz="914400" rtl="0" eaLnBrk="1" latinLnBrk="0" hangingPunct="1">
+              <a:lnSpc>
+                <a:spcPct val="90000"/>
+              </a:lnSpc>
+              <a:spcBef>
+                <a:spcPts val="500"/>
+              </a:spcBef>
+              <a:buFont typeface="Arial" panose="020B0604020202020204" pitchFamily="34" charset="0"/>
+              <a:buChar char="•"/>
+              <a:defRPr sz="1800" kern="1200">
+                <a:solidFill>
+                  <a:schemeClr val="tx1"/>
+                </a:solidFill>
+                <a:latin typeface="+mn-lt"/>
+                <a:ea typeface="+mn-ea"/>
+                <a:cs typeface="+mn-cs"/>
+              </a:defRPr>
+            </a:lvl5pPr>
+            <a:lvl6pPr marL="2514600" indent="-228600" algn="l" defTabSz="914400" rtl="0" eaLnBrk="1" latinLnBrk="0" hangingPunct="1">
+              <a:lnSpc>
+                <a:spcPct val="90000"/>
+              </a:lnSpc>
+              <a:spcBef>
+                <a:spcPts val="500"/>
+              </a:spcBef>
+              <a:buFont typeface="Arial" panose="020B0604020202020204" pitchFamily="34" charset="0"/>
+              <a:buChar char="•"/>
+              <a:defRPr sz="1800" kern="1200">
+                <a:solidFill>
+                  <a:schemeClr val="tx1"/>
+                </a:solidFill>
+                <a:latin typeface="+mn-lt"/>
+                <a:ea typeface="+mn-ea"/>
+                <a:cs typeface="+mn-cs"/>
+              </a:defRPr>
+            </a:lvl6pPr>
+            <a:lvl7pPr marL="2971800" indent="-228600" algn="l" defTabSz="914400" rtl="0" eaLnBrk="1" latinLnBrk="0" hangingPunct="1">
+              <a:lnSpc>
+                <a:spcPct val="90000"/>
+              </a:lnSpc>
+              <a:spcBef>
+                <a:spcPts val="500"/>
+              </a:spcBef>
+              <a:buFont typeface="Arial" panose="020B0604020202020204" pitchFamily="34" charset="0"/>
+              <a:buChar char="•"/>
+              <a:defRPr sz="1800" kern="1200">
+                <a:solidFill>
+                  <a:schemeClr val="tx1"/>
+                </a:solidFill>
+                <a:latin typeface="+mn-lt"/>
+                <a:ea typeface="+mn-ea"/>
+                <a:cs typeface="+mn-cs"/>
+              </a:defRPr>
+            </a:lvl7pPr>
+            <a:lvl8pPr marL="3429000" indent="-228600" algn="l" defTabSz="914400" rtl="0" eaLnBrk="1" latinLnBrk="0" hangingPunct="1">
+              <a:lnSpc>
+                <a:spcPct val="90000"/>
+              </a:lnSpc>
+              <a:spcBef>
+                <a:spcPts val="500"/>
+              </a:spcBef>
+              <a:buFont typeface="Arial" panose="020B0604020202020204" pitchFamily="34" charset="0"/>
+              <a:buChar char="•"/>
+              <a:defRPr sz="1800" kern="1200">
+                <a:solidFill>
+                  <a:schemeClr val="tx1"/>
+                </a:solidFill>
+                <a:latin typeface="+mn-lt"/>
+                <a:ea typeface="+mn-ea"/>
+                <a:cs typeface="+mn-cs"/>
+              </a:defRPr>
+            </a:lvl8pPr>
+            <a:lvl9pPr marL="3886200" indent="-228600" algn="l" defTabSz="914400" rtl="0" eaLnBrk="1" latinLnBrk="0" hangingPunct="1">
+              <a:lnSpc>
+                <a:spcPct val="90000"/>
+              </a:lnSpc>
+              <a:spcBef>
+                <a:spcPts val="500"/>
+              </a:spcBef>
+              <a:buFont typeface="Arial" panose="020B0604020202020204" pitchFamily="34" charset="0"/>
+              <a:buChar char="•"/>
+              <a:defRPr sz="1800" kern="1200">
+                <a:solidFill>
+                  <a:schemeClr val="tx1"/>
+                </a:solidFill>
+                <a:latin typeface="+mn-lt"/>
+                <a:ea typeface="+mn-ea"/>
+                <a:cs typeface="+mn-cs"/>
+              </a:defRPr>
+            </a:lvl9pPr>
+          </a:lstStyle>
+          <a:p>
+            <a:pPr indent="0">
+              <a:lnSpc>
+                <a:spcPct val="100000"/>
+              </a:lnSpc>
+              <a:buNone/>
+            </a:pPr>
+            <a:r>
+              <a:rPr lang="ru-RU" sz="2200" dirty="0">
+                <a:latin typeface="Times New Roman" panose="02020603050405020304" pitchFamily="18" charset="0"/>
+                <a:ea typeface="Times New Roman" panose="02020603050405020304" pitchFamily="18" charset="0"/>
+                <a:cs typeface="Times New Roman" panose="02020603050405020304" pitchFamily="18" charset="0"/>
+              </a:rPr>
+              <a:t>Уровень поддержки </a:t>
+            </a:r>
+            <a:r>
+              <a:rPr lang="en-US" sz="2200" dirty="0">
+                <a:latin typeface="Times New Roman" panose="02020603050405020304" pitchFamily="18" charset="0"/>
+                <a:ea typeface="Times New Roman" panose="02020603050405020304" pitchFamily="18" charset="0"/>
+                <a:cs typeface="Times New Roman" panose="02020603050405020304" pitchFamily="18" charset="0"/>
+              </a:rPr>
+              <a:t>(support</a:t>
+            </a:r>
+            <a:r>
+              <a:rPr lang="ru-RU" sz="2200" dirty="0">
+                <a:latin typeface="Times New Roman" panose="02020603050405020304" pitchFamily="18" charset="0"/>
+                <a:ea typeface="Times New Roman" panose="02020603050405020304" pitchFamily="18" charset="0"/>
+                <a:cs typeface="Times New Roman" panose="02020603050405020304" pitchFamily="18" charset="0"/>
+              </a:rPr>
+              <a:t>) показывает процент транзакций содержащих продукт. Зададим минимальный уровень поддержки 25%.</a:t>
+            </a:r>
+          </a:p>
+          <a:p>
+            <a:pPr indent="0">
+              <a:lnSpc>
+                <a:spcPct val="100000"/>
+              </a:lnSpc>
+              <a:buFont typeface="Arial" panose="020B0604020202020204" pitchFamily="34" charset="0"/>
+              <a:buNone/>
+            </a:pPr>
+            <a:endParaRPr lang="ru-RU" sz="2200" dirty="0">
+              <a:latin typeface="Times New Roman" panose="02020603050405020304" pitchFamily="18" charset="0"/>
+              <a:ea typeface="Times New Roman" panose="02020603050405020304" pitchFamily="18" charset="0"/>
+              <a:cs typeface="Times New Roman" panose="02020603050405020304" pitchFamily="18" charset="0"/>
+            </a:endParaRPr>
+          </a:p>
+        </p:txBody>
+      </p:sp>
+      <p:pic>
+        <p:nvPicPr>
+          <p:cNvPr id="36" name="Рисунок 35">
+            <a:extLst>
+              <a:ext uri="{FF2B5EF4-FFF2-40B4-BE49-F238E27FC236}">
+                <a16:creationId xmlns:a16="http://schemas.microsoft.com/office/drawing/2014/main" id="{4ED58EDD-A6CE-49B4-8CC0-9BB5EB2D1C90}"/>
+              </a:ext>
+            </a:extLst>
+          </p:cNvPr>
+          <p:cNvPicPr>
+            <a:picLocks noChangeAspect="1"/>
+          </p:cNvPicPr>
+          <p:nvPr/>
+        </p:nvPicPr>
+        <p:blipFill>
+          <a:blip r:embed="rId10"/>
+          <a:stretch>
+            <a:fillRect/>
+          </a:stretch>
+        </p:blipFill>
+        <p:spPr>
+          <a:xfrm>
+            <a:off x="428016" y="1389504"/>
+            <a:ext cx="2589167" cy="1532364"/>
+          </a:xfrm>
+          <a:prstGeom prst="rect">
+            <a:avLst/>
+          </a:prstGeom>
+        </p:spPr>
+      </p:pic>
     </p:spTree>
     <p:extLst>
       <p:ext uri="{BB962C8B-B14F-4D97-AF65-F5344CB8AC3E}">
-        <p14:creationId xmlns:p14="http://schemas.microsoft.com/office/powerpoint/2010/main" val="1348821935"/>
+        <p14:creationId xmlns:p14="http://schemas.microsoft.com/office/powerpoint/2010/main" val="1745841103"/>
       </p:ext>
     </p:extLst>
   </p:cSld>

--- a/НИР и ВКР/Презентация/ПронинАС_НИР_презентация.pptx
+++ b/НИР и ВКР/Презентация/ПронинАС_НИР_презентация.pptx
@@ -10,7 +10,7 @@
   <p:sldIdLst>
     <p:sldId id="256" r:id="rId2"/>
     <p:sldId id="257" r:id="rId3"/>
-    <p:sldId id="288" r:id="rId4"/>
+    <p:sldId id="292" r:id="rId4"/>
     <p:sldId id="279" r:id="rId5"/>
     <p:sldId id="285" r:id="rId6"/>
     <p:sldId id="289" r:id="rId7"/>
@@ -4376,7 +4376,7 @@
                 <a:latin typeface="Times New Roman" panose="02020603050405020304" pitchFamily="18" charset="0"/>
                 <a:cs typeface="Times New Roman" panose="02020603050405020304" pitchFamily="18" charset="0"/>
               </a:rPr>
-              <a:t>1.1 сек. или B – нажатие или отпускание мыши – 0.1 сек.</a:t>
+              <a:t>1.1 сек. и B – нажатие или отпускание мыши – 0.1 сек.</a:t>
             </a:r>
           </a:p>
           <a:p>
@@ -5188,7 +5188,7 @@
           <p:cNvPr id="2" name="Заголовок 1">
             <a:extLst>
               <a:ext uri="{FF2B5EF4-FFF2-40B4-BE49-F238E27FC236}">
-                <a16:creationId xmlns:a16="http://schemas.microsoft.com/office/drawing/2014/main" id="{DBA9DDC8-F9DD-4149-A242-0667C77B72FA}"/>
+                <a16:creationId xmlns:a16="http://schemas.microsoft.com/office/drawing/2014/main" id="{1802D59D-6A83-151A-EEA2-678960399BE4}"/>
               </a:ext>
             </a:extLst>
           </p:cNvPr>
@@ -5199,15 +5199,29 @@
             <p:ph type="title"/>
           </p:nvPr>
         </p:nvSpPr>
-        <p:spPr/>
+        <p:spPr>
+          <a:xfrm>
+            <a:off x="428017" y="-72232"/>
+            <a:ext cx="10515600" cy="1325563"/>
+          </a:xfrm>
+        </p:spPr>
         <p:txBody>
-          <a:bodyPr/>
+          <a:bodyPr>
+            <a:normAutofit/>
+          </a:bodyPr>
           <a:lstStyle/>
           <a:p>
             <a:r>
-              <a:rPr lang="ru-RU" dirty="0"/>
+              <a:rPr lang="ru-RU" sz="4000" b="1" dirty="0"/>
               <a:t>Введение в предметную область</a:t>
             </a:r>
+            <a:endParaRPr lang="ru-RU" sz="4000" b="1" dirty="0">
+              <a:solidFill>
+                <a:schemeClr val="bg1">
+                  <a:lumMod val="50000"/>
+                </a:schemeClr>
+              </a:solidFill>
+            </a:endParaRPr>
           </a:p>
         </p:txBody>
       </p:sp>
@@ -5216,7 +5230,7 @@
           <p:cNvPr id="3" name="Объект 2">
             <a:extLst>
               <a:ext uri="{FF2B5EF4-FFF2-40B4-BE49-F238E27FC236}">
-                <a16:creationId xmlns:a16="http://schemas.microsoft.com/office/drawing/2014/main" id="{14420F3E-2E4C-4110-92C0-4BCA7BA6CE70}"/>
+                <a16:creationId xmlns:a16="http://schemas.microsoft.com/office/drawing/2014/main" id="{68541323-2632-074C-E69F-FC80AB230174}"/>
               </a:ext>
             </a:extLst>
           </p:cNvPr>
@@ -5227,20 +5241,36 @@
             <p:ph idx="1"/>
           </p:nvPr>
         </p:nvSpPr>
-        <p:spPr/>
+        <p:spPr>
+          <a:xfrm>
+            <a:off x="428017" y="1253331"/>
+            <a:ext cx="11182378" cy="5168894"/>
+          </a:xfrm>
+        </p:spPr>
         <p:txBody>
-          <a:bodyPr/>
+          <a:bodyPr>
+            <a:noAutofit/>
+          </a:bodyPr>
           <a:lstStyle/>
           <a:p>
             <a:r>
-              <a:rPr lang="ru-RU" dirty="0"/>
+              <a:rPr lang="ru-RU" sz="2200" dirty="0">
+                <a:latin typeface="Times New Roman" panose="02020603050405020304" pitchFamily="18" charset="0"/>
+                <a:cs typeface="Times New Roman" panose="02020603050405020304" pitchFamily="18" charset="0"/>
+              </a:rPr>
               <a:t>Что такое пользовательская активность, последовательный шаблон…</a:t>
             </a:r>
             <a:br>
-              <a:rPr lang="ru-RU" dirty="0"/>
+              <a:rPr lang="ru-RU" sz="2200" dirty="0">
+                <a:latin typeface="Times New Roman" panose="02020603050405020304" pitchFamily="18" charset="0"/>
+                <a:cs typeface="Times New Roman" panose="02020603050405020304" pitchFamily="18" charset="0"/>
+              </a:rPr>
             </a:br>
             <a:r>
-              <a:rPr lang="ru-RU" dirty="0"/>
+              <a:rPr lang="ru-RU" sz="2200" dirty="0">
+                <a:latin typeface="Times New Roman" panose="02020603050405020304" pitchFamily="18" charset="0"/>
+                <a:cs typeface="Times New Roman" panose="02020603050405020304" pitchFamily="18" charset="0"/>
+              </a:rPr>
               <a:t>(поддержка?)</a:t>
             </a:r>
           </a:p>
@@ -5249,7 +5279,10 @@
               <a:buNone/>
             </a:pPr>
             <a:r>
-              <a:rPr lang="ru-RU" dirty="0"/>
+              <a:rPr lang="ru-RU" sz="2200" dirty="0">
+                <a:latin typeface="Times New Roman" panose="02020603050405020304" pitchFamily="18" charset="0"/>
+                <a:cs typeface="Times New Roman" panose="02020603050405020304" pitchFamily="18" charset="0"/>
+              </a:rPr>
               <a:t>Пользовательская активность это любые действия совершаемые пользователем при взаимодействии с программой.</a:t>
             </a:r>
           </a:p>
@@ -5258,21 +5291,12 @@
               <a:buNone/>
             </a:pPr>
             <a:r>
-              <a:rPr lang="ru-RU" dirty="0"/>
+              <a:rPr lang="ru-RU" sz="2200" dirty="0">
+                <a:latin typeface="Times New Roman" panose="02020603050405020304" pitchFamily="18" charset="0"/>
+                <a:cs typeface="Times New Roman" panose="02020603050405020304" pitchFamily="18" charset="0"/>
+              </a:rPr>
               <a:t>Последовательный шаблон это несколько событий связанных друг с другом во времени.</a:t>
             </a:r>
-          </a:p>
-          <a:p>
-            <a:pPr marL="0" indent="0">
-              <a:buNone/>
-            </a:pPr>
-            <a:endParaRPr lang="ru-RU" dirty="0"/>
-          </a:p>
-          <a:p>
-            <a:pPr marL="0" indent="0">
-              <a:buNone/>
-            </a:pPr>
-            <a:endParaRPr lang="ru-RU" dirty="0"/>
           </a:p>
         </p:txBody>
       </p:sp>
@@ -5281,7 +5305,7 @@
           <p:cNvPr id="4" name="Номер слайда 3">
             <a:extLst>
               <a:ext uri="{FF2B5EF4-FFF2-40B4-BE49-F238E27FC236}">
-                <a16:creationId xmlns:a16="http://schemas.microsoft.com/office/drawing/2014/main" id="{7040559D-6D74-4BB0-BE9A-0FBCC36F3AB1}"/>
+                <a16:creationId xmlns:a16="http://schemas.microsoft.com/office/drawing/2014/main" id="{80FEEFAF-0D6B-464C-7360-370FF23083CC}"/>
               </a:ext>
             </a:extLst>
           </p:cNvPr>
@@ -5301,14 +5325,14 @@
               <a:rPr lang="ru-RU" smtClean="0"/>
               <a:t>3</a:t>
             </a:fld>
-            <a:endParaRPr lang="ru-RU"/>
+            <a:endParaRPr lang="ru-RU" dirty="0"/>
           </a:p>
         </p:txBody>
       </p:sp>
     </p:spTree>
     <p:extLst>
       <p:ext uri="{BB962C8B-B14F-4D97-AF65-F5344CB8AC3E}">
-        <p14:creationId xmlns:p14="http://schemas.microsoft.com/office/powerpoint/2010/main" val="2090615384"/>
+        <p14:creationId xmlns:p14="http://schemas.microsoft.com/office/powerpoint/2010/main" val="637531082"/>
       </p:ext>
     </p:extLst>
   </p:cSld>
@@ -5364,7 +5388,13 @@
           <a:lstStyle/>
           <a:p>
             <a:r>
-              <a:rPr lang="ru-RU" sz="4000" b="1" dirty="0"/>
+              <a:rPr lang="ru-RU" sz="4000" b="1" dirty="0">
+                <a:solidFill>
+                  <a:schemeClr val="bg1">
+                    <a:lumMod val="50000"/>
+                  </a:schemeClr>
+                </a:solidFill>
+              </a:rPr>
               <a:t>Шаблоны поведения пользователя</a:t>
             </a:r>
           </a:p>
@@ -5405,6 +5435,11 @@
             </a:pPr>
             <a:r>
               <a:rPr lang="ru-RU" sz="2200" dirty="0">
+                <a:solidFill>
+                  <a:schemeClr val="bg1">
+                    <a:lumMod val="50000"/>
+                  </a:schemeClr>
+                </a:solidFill>
                 <a:latin typeface="Times New Roman" panose="02020603050405020304" pitchFamily="18" charset="0"/>
                 <a:ea typeface="Times New Roman" panose="02020603050405020304" pitchFamily="18" charset="0"/>
               </a:rPr>
@@ -5419,6 +5454,11 @@
             </a:pPr>
             <a:r>
               <a:rPr lang="ru-RU" sz="2200" dirty="0">
+                <a:solidFill>
+                  <a:schemeClr val="bg1">
+                    <a:lumMod val="50000"/>
+                  </a:schemeClr>
+                </a:solidFill>
                 <a:latin typeface="Times New Roman" panose="02020603050405020304" pitchFamily="18" charset="0"/>
                 <a:ea typeface="Times New Roman" panose="02020603050405020304" pitchFamily="18" charset="0"/>
               </a:rPr>
@@ -5433,6 +5473,11 @@
             </a:pPr>
             <a:r>
               <a:rPr lang="ru-RU" sz="2200" dirty="0">
+                <a:solidFill>
+                  <a:schemeClr val="bg1">
+                    <a:lumMod val="50000"/>
+                  </a:schemeClr>
+                </a:solidFill>
                 <a:latin typeface="Times New Roman" panose="02020603050405020304" pitchFamily="18" charset="0"/>
                 <a:ea typeface="Times New Roman" panose="02020603050405020304" pitchFamily="18" charset="0"/>
               </a:rPr>
@@ -5447,6 +5492,11 @@
               <a:buNone/>
             </a:pPr>
             <a:endParaRPr lang="ru-RU" sz="2200" dirty="0">
+              <a:solidFill>
+                <a:schemeClr val="bg1">
+                  <a:lumMod val="50000"/>
+                </a:schemeClr>
+              </a:solidFill>
               <a:latin typeface="Times New Roman" panose="02020603050405020304" pitchFamily="18" charset="0"/>
               <a:ea typeface="Times New Roman" panose="02020603050405020304" pitchFamily="18" charset="0"/>
             </a:endParaRPr>
@@ -5460,12 +5510,22 @@
             </a:pPr>
             <a:r>
               <a:rPr lang="ru-RU" sz="2200" dirty="0">
+                <a:solidFill>
+                  <a:schemeClr val="bg1">
+                    <a:lumMod val="50000"/>
+                  </a:schemeClr>
+                </a:solidFill>
                 <a:latin typeface="Times New Roman" panose="02020603050405020304" pitchFamily="18" charset="0"/>
                 <a:ea typeface="Times New Roman" panose="02020603050405020304" pitchFamily="18" charset="0"/>
               </a:rPr>
               <a:t>Более простые индикаторы:</a:t>
             </a:r>
             <a:endParaRPr lang="ru-RU" sz="2200" dirty="0">
+              <a:solidFill>
+                <a:schemeClr val="bg1">
+                  <a:lumMod val="50000"/>
+                </a:schemeClr>
+              </a:solidFill>
               <a:effectLst/>
               <a:latin typeface="Times New Roman" panose="02020603050405020304" pitchFamily="18" charset="0"/>
               <a:ea typeface="Times New Roman" panose="02020603050405020304" pitchFamily="18" charset="0"/>
@@ -5479,6 +5539,11 @@
             </a:pPr>
             <a:r>
               <a:rPr lang="ru-RU" sz="2200" dirty="0">
+                <a:solidFill>
+                  <a:schemeClr val="bg1">
+                    <a:lumMod val="50000"/>
+                  </a:schemeClr>
+                </a:solidFill>
                 <a:latin typeface="Times New Roman" panose="02020603050405020304" pitchFamily="18" charset="0"/>
                 <a:ea typeface="Times New Roman" panose="02020603050405020304" pitchFamily="18" charset="0"/>
               </a:rPr>
@@ -5493,6 +5558,11 @@
             </a:pPr>
             <a:r>
               <a:rPr lang="ru-RU" sz="2200" dirty="0">
+                <a:solidFill>
+                  <a:schemeClr val="bg1">
+                    <a:lumMod val="50000"/>
+                  </a:schemeClr>
+                </a:solidFill>
                 <a:latin typeface="Times New Roman" panose="02020603050405020304" pitchFamily="18" charset="0"/>
                 <a:ea typeface="Times New Roman" panose="02020603050405020304" pitchFamily="18" charset="0"/>
               </a:rPr>
@@ -5507,6 +5577,11 @@
             </a:pPr>
             <a:r>
               <a:rPr lang="ru-RU" sz="2200" dirty="0">
+                <a:solidFill>
+                  <a:schemeClr val="bg1">
+                    <a:lumMod val="50000"/>
+                  </a:schemeClr>
+                </a:solidFill>
                 <a:latin typeface="Times New Roman" panose="02020603050405020304" pitchFamily="18" charset="0"/>
                 <a:ea typeface="Times New Roman" panose="02020603050405020304" pitchFamily="18" charset="0"/>
               </a:rPr>
@@ -5521,6 +5596,11 @@
             </a:pPr>
             <a:r>
               <a:rPr lang="ru-RU" sz="2200" dirty="0">
+                <a:solidFill>
+                  <a:schemeClr val="bg1">
+                    <a:lumMod val="50000"/>
+                  </a:schemeClr>
+                </a:solidFill>
                 <a:latin typeface="Times New Roman" panose="02020603050405020304" pitchFamily="18" charset="0"/>
                 <a:ea typeface="Times New Roman" panose="02020603050405020304" pitchFamily="18" charset="0"/>
               </a:rPr>
@@ -5876,8 +5956,8 @@
           </a:p>
         </p:txBody>
       </p:sp>
-      <mc:AlternateContent xmlns:mc="http://schemas.openxmlformats.org/markup-compatibility/2006">
-        <mc:Choice xmlns:a14="http://schemas.microsoft.com/office/drawing/2010/main" Requires="a14">
+      <mc:AlternateContent xmlns:mc="http://schemas.openxmlformats.org/markup-compatibility/2006" xmlns:a14="http://schemas.microsoft.com/office/drawing/2010/main">
+        <mc:Choice Requires="a14">
           <p:sp>
             <p:nvSpPr>
               <p:cNvPr id="3" name="Объект 2">
@@ -5955,257 +6035,100 @@
                     <a:ea typeface="Times New Roman" panose="02020603050405020304" pitchFamily="18" charset="0"/>
                     <a:cs typeface="Times New Roman" panose="02020603050405020304" pitchFamily="18" charset="0"/>
                   </a:rPr>
-                  <a:t>Поддержка шаблона сессией – процент содержания этого шаблона в данной сессии.</a:t>
+                  <a:t>Поддержка шаблона</a:t>
                 </a:r>
-              </a:p>
-              <a:p>
-                <a:pPr indent="0">
-                  <a:lnSpc>
-                    <a:spcPct val="100000"/>
-                  </a:lnSpc>
-                  <a:buNone/>
-                </a:pPr>
+                <a:r>
+                  <a:rPr lang="en-US" sz="2200" dirty="0">
+                    <a:latin typeface="Times New Roman" panose="02020603050405020304" pitchFamily="18" charset="0"/>
+                    <a:ea typeface="Times New Roman" panose="02020603050405020304" pitchFamily="18" charset="0"/>
+                    <a:cs typeface="Times New Roman" panose="02020603050405020304" pitchFamily="18" charset="0"/>
+                  </a:rPr>
+                  <a:t> </a:t>
+                </a:r>
+                <a14:m>
+                  <m:oMath xmlns:m="http://schemas.openxmlformats.org/officeDocument/2006/math">
+                    <m:r>
+                      <a:rPr lang="en-US" sz="2200" i="1">
+                        <a:latin typeface="Cambria Math" panose="02040503050406030204" pitchFamily="18" charset="0"/>
+                        <a:ea typeface="Cambria Math" panose="02040503050406030204" pitchFamily="18" charset="0"/>
+                        <a:cs typeface="Times New Roman" panose="02020603050405020304" pitchFamily="18" charset="0"/>
+                      </a:rPr>
+                      <m:t>𝑝</m:t>
+                    </m:r>
+                  </m:oMath>
+                </a14:m>
                 <a:r>
                   <a:rPr lang="ru-RU" sz="2200" dirty="0">
                     <a:latin typeface="Times New Roman" panose="02020603050405020304" pitchFamily="18" charset="0"/>
                     <a:ea typeface="Times New Roman" panose="02020603050405020304" pitchFamily="18" charset="0"/>
                     <a:cs typeface="Times New Roman" panose="02020603050405020304" pitchFamily="18" charset="0"/>
                   </a:rPr>
-                  <a:t>Например, пусть имеется сессия </a:t>
-                </a:r>
-                <a:r>
-                  <a:rPr lang="ru-RU" sz="2200" b="0" i="0" u="none" strike="noStrike" baseline="0" dirty="0">
-                    <a:latin typeface="Times New Roman" panose="02020603050405020304" pitchFamily="18" charset="0"/>
-                    <a:cs typeface="Times New Roman" panose="02020603050405020304" pitchFamily="18" charset="0"/>
-                  </a:rPr>
-                  <a:t>⟨2, 1, 2, 1, 3, 2, 1, 2, 1, 3⟩.</a:t>
-                </a:r>
-                <a:br>
-                  <a:rPr lang="en-US" sz="2200" b="0" i="0" u="none" strike="noStrike" baseline="0" dirty="0">
-                    <a:latin typeface="Times New Roman" panose="02020603050405020304" pitchFamily="18" charset="0"/>
-                    <a:cs typeface="Times New Roman" panose="02020603050405020304" pitchFamily="18" charset="0"/>
-                  </a:rPr>
-                </a:br>
-                <a:r>
-                  <a:rPr lang="ru-RU" sz="2200" dirty="0">
-                    <a:latin typeface="Times New Roman" panose="02020603050405020304" pitchFamily="18" charset="0"/>
-                    <a:cs typeface="Times New Roman" panose="02020603050405020304" pitchFamily="18" charset="0"/>
-                  </a:rPr>
-                  <a:t>Рассчитаем кол-во вхождений (</a:t>
-                </a:r>
-                <a:r>
-                  <a:rPr lang="el-GR" sz="2200" dirty="0">
-                    <a:latin typeface="Times New Roman" panose="02020603050405020304" pitchFamily="18" charset="0"/>
-                    <a:cs typeface="Times New Roman" panose="02020603050405020304" pitchFamily="18" charset="0"/>
-                  </a:rPr>
-                  <a:t>μ</a:t>
-                </a:r>
-                <a:r>
-                  <a:rPr lang="ru-RU" sz="2200" dirty="0">
-                    <a:latin typeface="Times New Roman" panose="02020603050405020304" pitchFamily="18" charset="0"/>
-                    <a:cs typeface="Times New Roman" panose="02020603050405020304" pitchFamily="18" charset="0"/>
-                  </a:rPr>
-                  <a:t>) и поддержку (</a:t>
-                </a:r>
-                <a:r>
-                  <a:rPr lang="el-GR" sz="2200" dirty="0">
-                    <a:latin typeface="Times New Roman" panose="02020603050405020304" pitchFamily="18" charset="0"/>
-                    <a:cs typeface="Times New Roman" panose="02020603050405020304" pitchFamily="18" charset="0"/>
-                  </a:rPr>
-                  <a:t>λ</a:t>
-                </a:r>
-                <a:r>
-                  <a:rPr lang="ru-RU" sz="2200" dirty="0">
-                    <a:latin typeface="Times New Roman" panose="02020603050405020304" pitchFamily="18" charset="0"/>
-                    <a:cs typeface="Times New Roman" panose="02020603050405020304" pitchFamily="18" charset="0"/>
-                  </a:rPr>
-                  <a:t>) для следующих шаблонов:</a:t>
-                </a:r>
-              </a:p>
-              <a:p>
-                <a:pPr indent="0">
-                  <a:lnSpc>
-                    <a:spcPct val="100000"/>
-                  </a:lnSpc>
-                  <a:buNone/>
-                </a:pPr>
-                <a:r>
-                  <a:rPr lang="en-US" sz="2200" dirty="0">
-                    <a:latin typeface="Times New Roman" panose="02020603050405020304" pitchFamily="18" charset="0"/>
-                    <a:cs typeface="Times New Roman" panose="02020603050405020304" pitchFamily="18" charset="0"/>
-                  </a:rPr>
-                  <a:t>p1 = 〈2, 1〉, </a:t>
-                </a:r>
-                <a:r>
-                  <a:rPr lang="el-GR" sz="2200" dirty="0">
-                    <a:latin typeface="Times New Roman" panose="02020603050405020304" pitchFamily="18" charset="0"/>
-                    <a:cs typeface="Times New Roman" panose="02020603050405020304" pitchFamily="18" charset="0"/>
-                  </a:rPr>
-                  <a:t>μ</a:t>
+                  <a:t> сессией</a:t>
                 </a:r>
                 <a:r>
                   <a:rPr lang="en-US" sz="2200" dirty="0">
                     <a:latin typeface="Times New Roman" panose="02020603050405020304" pitchFamily="18" charset="0"/>
+                    <a:ea typeface="Times New Roman" panose="02020603050405020304" pitchFamily="18" charset="0"/>
                     <a:cs typeface="Times New Roman" panose="02020603050405020304" pitchFamily="18" charset="0"/>
                   </a:rPr>
-                  <a:t> = 4, </a:t>
+                  <a:t> </a:t>
                 </a:r>
+                <a14:m>
+                  <m:oMath xmlns:m="http://schemas.openxmlformats.org/officeDocument/2006/math">
+                    <m:sSup>
+                      <m:sSupPr>
+                        <m:ctrlPr>
+                          <a:rPr lang="en-US" sz="2200" i="1">
+                            <a:latin typeface="Cambria Math" panose="02040503050406030204" pitchFamily="18" charset="0"/>
+                            <a:ea typeface="Cambria Math" panose="02040503050406030204" pitchFamily="18" charset="0"/>
+                            <a:cs typeface="Times New Roman" panose="02020603050405020304" pitchFamily="18" charset="0"/>
+                          </a:rPr>
+                        </m:ctrlPr>
+                      </m:sSupPr>
+                      <m:e>
+                        <m:r>
+                          <a:rPr lang="en-US" sz="2200" i="1">
+                            <a:latin typeface="Cambria Math" panose="02040503050406030204" pitchFamily="18" charset="0"/>
+                            <a:ea typeface="Cambria Math" panose="02040503050406030204" pitchFamily="18" charset="0"/>
+                            <a:cs typeface="Times New Roman" panose="02020603050405020304" pitchFamily="18" charset="0"/>
+                          </a:rPr>
+                          <m:t>𝑠</m:t>
+                        </m:r>
+                      </m:e>
+                      <m:sup>
+                        <m:r>
+                          <a:rPr lang="en-US" sz="2200" i="1">
+                            <a:latin typeface="Cambria Math" panose="02040503050406030204" pitchFamily="18" charset="0"/>
+                            <a:ea typeface="Cambria Math" panose="02040503050406030204" pitchFamily="18" charset="0"/>
+                            <a:cs typeface="Times New Roman" panose="02020603050405020304" pitchFamily="18" charset="0"/>
+                          </a:rPr>
+                          <m:t>′</m:t>
+                        </m:r>
+                      </m:sup>
+                    </m:sSup>
+                  </m:oMath>
+                </a14:m>
                 <a:r>
-                  <a:rPr lang="el-GR" sz="2200" dirty="0">
+                  <a:rPr lang="ru-RU" sz="2200" dirty="0">
                     <a:latin typeface="Times New Roman" panose="02020603050405020304" pitchFamily="18" charset="0"/>
+                    <a:ea typeface="Times New Roman" panose="02020603050405020304" pitchFamily="18" charset="0"/>
                     <a:cs typeface="Times New Roman" panose="02020603050405020304" pitchFamily="18" charset="0"/>
                   </a:rPr>
-                  <a:t>λ</a:t>
+                  <a:t> – процент содержания этого шаблона в данной сессии.</a:t>
                 </a:r>
-                <a:r>
+                <a:br>
                   <a:rPr lang="en-US" sz="2200" dirty="0">
                     <a:latin typeface="Times New Roman" panose="02020603050405020304" pitchFamily="18" charset="0"/>
-                    <a:cs typeface="Times New Roman" panose="02020603050405020304" pitchFamily="18" charset="0"/>
-                  </a:rPr>
-                  <a:t> = 0.8;</a:t>
-                </a:r>
-                <a:br>
-                  <a:rPr lang="ru-RU" sz="2200" dirty="0">
-                    <a:latin typeface="Times New Roman" panose="02020603050405020304" pitchFamily="18" charset="0"/>
+                    <a:ea typeface="Times New Roman" panose="02020603050405020304" pitchFamily="18" charset="0"/>
                     <a:cs typeface="Times New Roman" panose="02020603050405020304" pitchFamily="18" charset="0"/>
                   </a:rPr>
                 </a:br>
-                <a:r>
-                  <a:rPr lang="en-US" sz="2200" dirty="0">
-                    <a:latin typeface="Times New Roman" panose="02020603050405020304" pitchFamily="18" charset="0"/>
-                    <a:cs typeface="Times New Roman" panose="02020603050405020304" pitchFamily="18" charset="0"/>
-                  </a:rPr>
-                  <a:t>p2 = 〈2, 1, 2, 1〉, </a:t>
-                </a:r>
-                <a:r>
-                  <a:rPr lang="el-GR" sz="2200" dirty="0">
-                    <a:latin typeface="Times New Roman" panose="02020603050405020304" pitchFamily="18" charset="0"/>
-                    <a:cs typeface="Times New Roman" panose="02020603050405020304" pitchFamily="18" charset="0"/>
-                  </a:rPr>
-                  <a:t>μ</a:t>
-                </a:r>
-                <a:r>
-                  <a:rPr lang="en-US" sz="2200" dirty="0">
-                    <a:latin typeface="Times New Roman" panose="02020603050405020304" pitchFamily="18" charset="0"/>
-                    <a:cs typeface="Times New Roman" panose="02020603050405020304" pitchFamily="18" charset="0"/>
-                  </a:rPr>
-                  <a:t> = 2, </a:t>
-                </a:r>
-                <a:r>
-                  <a:rPr lang="el-GR" sz="2200" dirty="0">
-                    <a:latin typeface="Times New Roman" panose="02020603050405020304" pitchFamily="18" charset="0"/>
-                    <a:cs typeface="Times New Roman" panose="02020603050405020304" pitchFamily="18" charset="0"/>
-                  </a:rPr>
-                  <a:t>λ</a:t>
-                </a:r>
-                <a:r>
-                  <a:rPr lang="en-US" sz="2200" dirty="0">
-                    <a:latin typeface="Times New Roman" panose="02020603050405020304" pitchFamily="18" charset="0"/>
-                    <a:cs typeface="Times New Roman" panose="02020603050405020304" pitchFamily="18" charset="0"/>
-                  </a:rPr>
-                  <a:t> = 0.8;</a:t>
-                </a:r>
-                <a:br>
-                  <a:rPr lang="ru-RU" sz="2200" dirty="0">
-                    <a:latin typeface="Times New Roman" panose="02020603050405020304" pitchFamily="18" charset="0"/>
-                    <a:cs typeface="Times New Roman" panose="02020603050405020304" pitchFamily="18" charset="0"/>
-                  </a:rPr>
-                </a:br>
-                <a:r>
-                  <a:rPr lang="en-US" sz="2200" dirty="0">
-                    <a:latin typeface="Times New Roman" panose="02020603050405020304" pitchFamily="18" charset="0"/>
-                    <a:cs typeface="Times New Roman" panose="02020603050405020304" pitchFamily="18" charset="0"/>
-                  </a:rPr>
-                  <a:t>p3 = 〈2, 1, 2, 1, 3〉, </a:t>
-                </a:r>
-                <a:r>
-                  <a:rPr lang="el-GR" sz="2200" dirty="0">
-                    <a:latin typeface="Times New Roman" panose="02020603050405020304" pitchFamily="18" charset="0"/>
-                    <a:cs typeface="Times New Roman" panose="02020603050405020304" pitchFamily="18" charset="0"/>
-                  </a:rPr>
-                  <a:t>μ</a:t>
-                </a:r>
-                <a:r>
-                  <a:rPr lang="en-US" sz="2200" dirty="0">
-                    <a:latin typeface="Times New Roman" panose="02020603050405020304" pitchFamily="18" charset="0"/>
-                    <a:cs typeface="Times New Roman" panose="02020603050405020304" pitchFamily="18" charset="0"/>
-                  </a:rPr>
-                  <a:t> = 2, </a:t>
-                </a:r>
-                <a:r>
-                  <a:rPr lang="el-GR" sz="2200" dirty="0">
-                    <a:latin typeface="Times New Roman" panose="02020603050405020304" pitchFamily="18" charset="0"/>
-                    <a:cs typeface="Times New Roman" panose="02020603050405020304" pitchFamily="18" charset="0"/>
-                  </a:rPr>
-                  <a:t>λ</a:t>
-                </a:r>
-                <a:r>
-                  <a:rPr lang="en-US" sz="2200" dirty="0">
-                    <a:latin typeface="Times New Roman" panose="02020603050405020304" pitchFamily="18" charset="0"/>
-                    <a:cs typeface="Times New Roman" panose="02020603050405020304" pitchFamily="18" charset="0"/>
-                  </a:rPr>
-                  <a:t> = 1;</a:t>
-                </a:r>
-                <a:br>
-                  <a:rPr lang="ru-RU" sz="2200" dirty="0">
-                    <a:latin typeface="Times New Roman" panose="02020603050405020304" pitchFamily="18" charset="0"/>
-                    <a:cs typeface="Times New Roman" panose="02020603050405020304" pitchFamily="18" charset="0"/>
-                  </a:rPr>
-                </a:br>
-                <a:r>
-                  <a:rPr lang="en-US" sz="2200" dirty="0">
-                    <a:latin typeface="Times New Roman" panose="02020603050405020304" pitchFamily="18" charset="0"/>
-                    <a:cs typeface="Times New Roman" panose="02020603050405020304" pitchFamily="18" charset="0"/>
-                  </a:rPr>
-                  <a:t>p4 = 〈3, 2, 1, 2, 1〉, </a:t>
-                </a:r>
-                <a:r>
-                  <a:rPr lang="el-GR" sz="2200" dirty="0">
-                    <a:latin typeface="Times New Roman" panose="02020603050405020304" pitchFamily="18" charset="0"/>
-                    <a:cs typeface="Times New Roman" panose="02020603050405020304" pitchFamily="18" charset="0"/>
-                  </a:rPr>
-                  <a:t>μ</a:t>
-                </a:r>
-                <a:r>
-                  <a:rPr lang="en-US" sz="2200" dirty="0">
-                    <a:latin typeface="Times New Roman" panose="02020603050405020304" pitchFamily="18" charset="0"/>
-                    <a:cs typeface="Times New Roman" panose="02020603050405020304" pitchFamily="18" charset="0"/>
-                  </a:rPr>
-                  <a:t> = 1, </a:t>
-                </a:r>
-                <a:r>
-                  <a:rPr lang="el-GR" sz="2200" dirty="0">
-                    <a:latin typeface="Times New Roman" panose="02020603050405020304" pitchFamily="18" charset="0"/>
-                    <a:cs typeface="Times New Roman" panose="02020603050405020304" pitchFamily="18" charset="0"/>
-                  </a:rPr>
-                  <a:t>λ</a:t>
-                </a:r>
-                <a:r>
-                  <a:rPr lang="en-US" sz="2200" dirty="0">
-                    <a:latin typeface="Times New Roman" panose="02020603050405020304" pitchFamily="18" charset="0"/>
-                    <a:cs typeface="Times New Roman" panose="02020603050405020304" pitchFamily="18" charset="0"/>
-                  </a:rPr>
-                  <a:t> = 0.5.</a:t>
-                </a:r>
-                <a:endParaRPr lang="ru-RU" sz="2200" b="0" i="1" dirty="0">
-                  <a:latin typeface="Cambria Math" panose="02040503050406030204" pitchFamily="18" charset="0"/>
-                  <a:ea typeface="Cambria Math" panose="02040503050406030204" pitchFamily="18" charset="0"/>
-                  <a:cs typeface="Times New Roman" panose="02020603050405020304" pitchFamily="18" charset="0"/>
-                </a:endParaRPr>
-              </a:p>
-              <a:p>
-                <a:pPr indent="0">
-                  <a:lnSpc>
-                    <a:spcPct val="100000"/>
-                  </a:lnSpc>
-                  <a:buNone/>
-                </a:pPr>
                 <a14:m>
                   <m:oMath xmlns:m="http://schemas.openxmlformats.org/officeDocument/2006/math">
                     <m:sSubSup>
                       <m:sSubSupPr>
                         <m:ctrlPr>
-                          <a:rPr lang="ru-RU" sz="2200" b="0" i="1" smtClean="0">
+                          <a:rPr lang="ru-RU" sz="2200" i="1">
                             <a:latin typeface="Cambria Math" panose="02040503050406030204" pitchFamily="18" charset="0"/>
                             <a:ea typeface="Cambria Math" panose="02040503050406030204" pitchFamily="18" charset="0"/>
                             <a:cs typeface="Times New Roman" panose="02020603050405020304" pitchFamily="18" charset="0"/>
@@ -6214,7 +6137,7 @@
                       </m:sSubSupPr>
                       <m:e>
                         <m:r>
-                          <a:rPr lang="ru-RU" sz="2200" b="0" i="1" smtClean="0">
+                          <a:rPr lang="ru-RU" sz="2200" i="1">
                             <a:latin typeface="Cambria Math" panose="02040503050406030204" pitchFamily="18" charset="0"/>
                             <a:ea typeface="Cambria Math" panose="02040503050406030204" pitchFamily="18" charset="0"/>
                             <a:cs typeface="Times New Roman" panose="02020603050405020304" pitchFamily="18" charset="0"/>
@@ -6224,7 +6147,7 @@
                       </m:e>
                       <m:sub>
                         <m:r>
-                          <a:rPr lang="en-US" sz="2200" b="0" i="1" smtClean="0">
+                          <a:rPr lang="en-US" sz="2200" i="1">
                             <a:latin typeface="Cambria Math" panose="02040503050406030204" pitchFamily="18" charset="0"/>
                             <a:ea typeface="Cambria Math" panose="02040503050406030204" pitchFamily="18" charset="0"/>
                             <a:cs typeface="Times New Roman" panose="02020603050405020304" pitchFamily="18" charset="0"/>
@@ -6234,7 +6157,7 @@
                       </m:sub>
                       <m:sup>
                         <m:r>
-                          <a:rPr lang="en-US" sz="2200" b="0" i="1" smtClean="0">
+                          <a:rPr lang="en-US" sz="2200" i="1">
                             <a:latin typeface="Cambria Math" panose="02040503050406030204" pitchFamily="18" charset="0"/>
                             <a:ea typeface="Cambria Math" panose="02040503050406030204" pitchFamily="18" charset="0"/>
                             <a:cs typeface="Times New Roman" panose="02020603050405020304" pitchFamily="18" charset="0"/>
@@ -6242,7 +6165,7 @@
                           <m:t>𝑠</m:t>
                         </m:r>
                         <m:r>
-                          <a:rPr lang="en-US" sz="2200" b="0" i="1" smtClean="0">
+                          <a:rPr lang="en-US" sz="2200" i="1">
                             <a:latin typeface="Cambria Math" panose="02040503050406030204" pitchFamily="18" charset="0"/>
                             <a:ea typeface="Cambria Math" panose="02040503050406030204" pitchFamily="18" charset="0"/>
                             <a:cs typeface="Times New Roman" panose="02020603050405020304" pitchFamily="18" charset="0"/>
@@ -6252,7 +6175,7 @@
                       </m:sup>
                     </m:sSubSup>
                     <m:r>
-                      <a:rPr lang="ru-RU" sz="2200" b="0" i="1" smtClean="0">
+                      <a:rPr lang="ru-RU" sz="2200" i="1">
                         <a:latin typeface="Cambria Math" panose="02040503050406030204" pitchFamily="18" charset="0"/>
                         <a:ea typeface="Cambria Math" panose="02040503050406030204" pitchFamily="18" charset="0"/>
                         <a:cs typeface="Times New Roman" panose="02020603050405020304" pitchFamily="18" charset="0"/>
@@ -6262,7 +6185,7 @@
                     <m:f>
                       <m:fPr>
                         <m:ctrlPr>
-                          <a:rPr lang="ru-RU" sz="2200" b="0" i="1" smtClean="0">
+                          <a:rPr lang="ru-RU" sz="2200" i="1">
                             <a:latin typeface="Cambria Math" panose="02040503050406030204" pitchFamily="18" charset="0"/>
                             <a:ea typeface="Cambria Math" panose="02040503050406030204" pitchFamily="18" charset="0"/>
                             <a:cs typeface="Times New Roman" panose="02020603050405020304" pitchFamily="18" charset="0"/>
@@ -6273,7 +6196,7 @@
                         <m:sSubSup>
                           <m:sSubSupPr>
                             <m:ctrlPr>
-                              <a:rPr lang="ru-RU" sz="2200" b="0" i="1" smtClean="0">
+                              <a:rPr lang="ru-RU" sz="2200" i="1">
                                 <a:latin typeface="Cambria Math" panose="02040503050406030204" pitchFamily="18" charset="0"/>
                                 <a:ea typeface="Cambria Math" panose="02040503050406030204" pitchFamily="18" charset="0"/>
                                 <a:cs typeface="Times New Roman" panose="02020603050405020304" pitchFamily="18" charset="0"/>
@@ -6292,7 +6215,7 @@
                           </m:e>
                           <m:sub>
                             <m:r>
-                              <a:rPr lang="en-US" sz="2200" b="0" i="1" smtClean="0">
+                              <a:rPr lang="en-US" sz="2200" i="1">
                                 <a:latin typeface="Cambria Math" panose="02040503050406030204" pitchFamily="18" charset="0"/>
                                 <a:ea typeface="Cambria Math" panose="02040503050406030204" pitchFamily="18" charset="0"/>
                                 <a:cs typeface="Times New Roman" panose="02020603050405020304" pitchFamily="18" charset="0"/>
@@ -6302,7 +6225,7 @@
                           </m:sub>
                           <m:sup>
                             <m:r>
-                              <a:rPr lang="en-US" sz="2200" b="0" i="1" smtClean="0">
+                              <a:rPr lang="en-US" sz="2200" i="1">
                                 <a:latin typeface="Cambria Math" panose="02040503050406030204" pitchFamily="18" charset="0"/>
                                 <a:ea typeface="Cambria Math" panose="02040503050406030204" pitchFamily="18" charset="0"/>
                                 <a:cs typeface="Times New Roman" panose="02020603050405020304" pitchFamily="18" charset="0"/>
@@ -6310,7 +6233,7 @@
                               <m:t>𝑠</m:t>
                             </m:r>
                             <m:r>
-                              <a:rPr lang="en-US" sz="2200" b="0" i="1" smtClean="0">
+                              <a:rPr lang="en-US" sz="2200" i="1">
                                 <a:latin typeface="Cambria Math" panose="02040503050406030204" pitchFamily="18" charset="0"/>
                                 <a:ea typeface="Cambria Math" panose="02040503050406030204" pitchFamily="18" charset="0"/>
                                 <a:cs typeface="Times New Roman" panose="02020603050405020304" pitchFamily="18" charset="0"/>
@@ -6320,7 +6243,7 @@
                           </m:sup>
                         </m:sSubSup>
                         <m:r>
-                          <a:rPr lang="ru-RU" sz="2200" b="0" i="1" smtClean="0">
+                          <a:rPr lang="ru-RU" sz="2200" i="1">
                             <a:latin typeface="Cambria Math" panose="02040503050406030204" pitchFamily="18" charset="0"/>
                             <a:ea typeface="Cambria Math" panose="02040503050406030204" pitchFamily="18" charset="0"/>
                             <a:cs typeface="Times New Roman" panose="02020603050405020304" pitchFamily="18" charset="0"/>
@@ -6328,7 +6251,7 @@
                           <m:t>∗</m:t>
                         </m:r>
                         <m:r>
-                          <a:rPr lang="en-US" sz="2200" b="0" i="1" smtClean="0">
+                          <a:rPr lang="en-US" sz="2200" i="1">
                             <a:latin typeface="Cambria Math" panose="02040503050406030204" pitchFamily="18" charset="0"/>
                             <a:ea typeface="Cambria Math" panose="02040503050406030204" pitchFamily="18" charset="0"/>
                             <a:cs typeface="Times New Roman" panose="02020603050405020304" pitchFamily="18" charset="0"/>
@@ -6338,7 +6261,7 @@
                       </m:num>
                       <m:den>
                         <m:r>
-                          <a:rPr lang="en-US" sz="2200" b="0" i="1" smtClean="0">
+                          <a:rPr lang="en-US" sz="2200" i="1">
                             <a:latin typeface="Cambria Math" panose="02040503050406030204" pitchFamily="18" charset="0"/>
                             <a:ea typeface="Cambria Math" panose="02040503050406030204" pitchFamily="18" charset="0"/>
                             <a:cs typeface="Times New Roman" panose="02020603050405020304" pitchFamily="18" charset="0"/>
@@ -6348,7 +6271,7 @@
                       </m:den>
                     </m:f>
                     <m:r>
-                      <a:rPr lang="en-US" sz="2200" b="0" i="1" smtClean="0">
+                      <a:rPr lang="en-US" sz="2200" i="1">
                         <a:latin typeface="Cambria Math" panose="02040503050406030204" pitchFamily="18" charset="0"/>
                         <a:ea typeface="Cambria Math" panose="02040503050406030204" pitchFamily="18" charset="0"/>
                         <a:cs typeface="Times New Roman" panose="02020603050405020304" pitchFamily="18" charset="0"/>
@@ -6420,7 +6343,7 @@
                       </m:sup>
                     </m:sSubSup>
                     <m:r>
-                      <a:rPr lang="en-US" sz="2200" b="0" i="1" smtClean="0">
+                      <a:rPr lang="en-US" sz="2200" i="1">
                         <a:latin typeface="Cambria Math" panose="02040503050406030204" pitchFamily="18" charset="0"/>
                         <a:ea typeface="Cambria Math" panose="02040503050406030204" pitchFamily="18" charset="0"/>
                         <a:cs typeface="Times New Roman" panose="02020603050405020304" pitchFamily="18" charset="0"/>
@@ -6669,10 +6592,245 @@
                   <a:cs typeface="Times New Roman" panose="02020603050405020304" pitchFamily="18" charset="0"/>
                 </a:endParaRPr>
               </a:p>
+              <a:p>
+                <a:pPr indent="0">
+                  <a:lnSpc>
+                    <a:spcPct val="100000"/>
+                  </a:lnSpc>
+                  <a:buNone/>
+                </a:pPr>
+                <a:r>
+                  <a:rPr lang="ru-RU" sz="2200" dirty="0">
+                    <a:latin typeface="Times New Roman" panose="02020603050405020304" pitchFamily="18" charset="0"/>
+                    <a:ea typeface="Times New Roman" panose="02020603050405020304" pitchFamily="18" charset="0"/>
+                    <a:cs typeface="Times New Roman" panose="02020603050405020304" pitchFamily="18" charset="0"/>
+                  </a:rPr>
+                  <a:t>Например, пусть имеется сессия </a:t>
+                </a:r>
+                <a:r>
+                  <a:rPr lang="ru-RU" sz="2200" b="0" i="0" u="none" strike="noStrike" baseline="0" dirty="0">
+                    <a:latin typeface="Times New Roman" panose="02020603050405020304" pitchFamily="18" charset="0"/>
+                    <a:cs typeface="Times New Roman" panose="02020603050405020304" pitchFamily="18" charset="0"/>
+                  </a:rPr>
+                  <a:t>⟨2, 1, 2, 1, 3, 2, 1, 2, 1, 3⟩.</a:t>
+                </a:r>
+                <a:br>
+                  <a:rPr lang="en-US" sz="2200" b="0" i="0" u="none" strike="noStrike" baseline="0" dirty="0">
+                    <a:latin typeface="Times New Roman" panose="02020603050405020304" pitchFamily="18" charset="0"/>
+                    <a:cs typeface="Times New Roman" panose="02020603050405020304" pitchFamily="18" charset="0"/>
+                  </a:rPr>
+                </a:br>
+                <a:r>
+                  <a:rPr lang="ru-RU" sz="2200" dirty="0">
+                    <a:latin typeface="Times New Roman" panose="02020603050405020304" pitchFamily="18" charset="0"/>
+                    <a:cs typeface="Times New Roman" panose="02020603050405020304" pitchFamily="18" charset="0"/>
+                  </a:rPr>
+                  <a:t>Рассчитаем кол-во вхождений (</a:t>
+                </a:r>
+                <a:r>
+                  <a:rPr lang="el-GR" sz="2200" dirty="0">
+                    <a:latin typeface="Times New Roman" panose="02020603050405020304" pitchFamily="18" charset="0"/>
+                    <a:cs typeface="Times New Roman" panose="02020603050405020304" pitchFamily="18" charset="0"/>
+                  </a:rPr>
+                  <a:t>μ</a:t>
+                </a:r>
+                <a:r>
+                  <a:rPr lang="ru-RU" sz="2200" dirty="0">
+                    <a:latin typeface="Times New Roman" panose="02020603050405020304" pitchFamily="18" charset="0"/>
+                    <a:cs typeface="Times New Roman" panose="02020603050405020304" pitchFamily="18" charset="0"/>
+                  </a:rPr>
+                  <a:t>) и поддержку (</a:t>
+                </a:r>
+                <a:r>
+                  <a:rPr lang="el-GR" sz="2200" dirty="0">
+                    <a:latin typeface="Times New Roman" panose="02020603050405020304" pitchFamily="18" charset="0"/>
+                    <a:cs typeface="Times New Roman" panose="02020603050405020304" pitchFamily="18" charset="0"/>
+                  </a:rPr>
+                  <a:t>λ</a:t>
+                </a:r>
+                <a:r>
+                  <a:rPr lang="ru-RU" sz="2200" dirty="0">
+                    <a:latin typeface="Times New Roman" panose="02020603050405020304" pitchFamily="18" charset="0"/>
+                    <a:cs typeface="Times New Roman" panose="02020603050405020304" pitchFamily="18" charset="0"/>
+                  </a:rPr>
+                  <a:t>) для следующих шаблонов:</a:t>
+                </a:r>
+              </a:p>
+              <a:p>
+                <a:pPr indent="0">
+                  <a:lnSpc>
+                    <a:spcPct val="100000"/>
+                  </a:lnSpc>
+                  <a:buNone/>
+                </a:pPr>
+                <a:r>
+                  <a:rPr lang="en-US" sz="2200" dirty="0">
+                    <a:latin typeface="Times New Roman" panose="02020603050405020304" pitchFamily="18" charset="0"/>
+                    <a:cs typeface="Times New Roman" panose="02020603050405020304" pitchFamily="18" charset="0"/>
+                  </a:rPr>
+                  <a:t>p1 = 〈2, 1〉, </a:t>
+                </a:r>
+                <a:r>
+                  <a:rPr lang="el-GR" sz="2200" dirty="0">
+                    <a:latin typeface="Times New Roman" panose="02020603050405020304" pitchFamily="18" charset="0"/>
+                    <a:cs typeface="Times New Roman" panose="02020603050405020304" pitchFamily="18" charset="0"/>
+                  </a:rPr>
+                  <a:t>μ</a:t>
+                </a:r>
+                <a:r>
+                  <a:rPr lang="en-US" sz="2200" dirty="0">
+                    <a:latin typeface="Times New Roman" panose="02020603050405020304" pitchFamily="18" charset="0"/>
+                    <a:cs typeface="Times New Roman" panose="02020603050405020304" pitchFamily="18" charset="0"/>
+                  </a:rPr>
+                  <a:t> = 4, </a:t>
+                </a:r>
+                <a:r>
+                  <a:rPr lang="el-GR" sz="2200" dirty="0">
+                    <a:latin typeface="Times New Roman" panose="02020603050405020304" pitchFamily="18" charset="0"/>
+                    <a:cs typeface="Times New Roman" panose="02020603050405020304" pitchFamily="18" charset="0"/>
+                  </a:rPr>
+                  <a:t>λ</a:t>
+                </a:r>
+                <a:r>
+                  <a:rPr lang="en-US" sz="2200" dirty="0">
+                    <a:latin typeface="Times New Roman" panose="02020603050405020304" pitchFamily="18" charset="0"/>
+                    <a:cs typeface="Times New Roman" panose="02020603050405020304" pitchFamily="18" charset="0"/>
+                  </a:rPr>
+                  <a:t> = 0.8;</a:t>
+                </a:r>
+                <a:br>
+                  <a:rPr lang="ru-RU" sz="2200" dirty="0">
+                    <a:latin typeface="Times New Roman" panose="02020603050405020304" pitchFamily="18" charset="0"/>
+                    <a:cs typeface="Times New Roman" panose="02020603050405020304" pitchFamily="18" charset="0"/>
+                  </a:rPr>
+                </a:br>
+                <a:r>
+                  <a:rPr lang="en-US" sz="2200" dirty="0">
+                    <a:latin typeface="Times New Roman" panose="02020603050405020304" pitchFamily="18" charset="0"/>
+                    <a:cs typeface="Times New Roman" panose="02020603050405020304" pitchFamily="18" charset="0"/>
+                  </a:rPr>
+                  <a:t>p2 = 〈2, 1, 2, 1〉, </a:t>
+                </a:r>
+                <a:r>
+                  <a:rPr lang="el-GR" sz="2200" dirty="0">
+                    <a:latin typeface="Times New Roman" panose="02020603050405020304" pitchFamily="18" charset="0"/>
+                    <a:cs typeface="Times New Roman" panose="02020603050405020304" pitchFamily="18" charset="0"/>
+                  </a:rPr>
+                  <a:t>μ</a:t>
+                </a:r>
+                <a:r>
+                  <a:rPr lang="en-US" sz="2200" dirty="0">
+                    <a:latin typeface="Times New Roman" panose="02020603050405020304" pitchFamily="18" charset="0"/>
+                    <a:cs typeface="Times New Roman" panose="02020603050405020304" pitchFamily="18" charset="0"/>
+                  </a:rPr>
+                  <a:t> = 2, </a:t>
+                </a:r>
+                <a:r>
+                  <a:rPr lang="el-GR" sz="2200" dirty="0">
+                    <a:latin typeface="Times New Roman" panose="02020603050405020304" pitchFamily="18" charset="0"/>
+                    <a:cs typeface="Times New Roman" panose="02020603050405020304" pitchFamily="18" charset="0"/>
+                  </a:rPr>
+                  <a:t>λ</a:t>
+                </a:r>
+                <a:r>
+                  <a:rPr lang="en-US" sz="2200" dirty="0">
+                    <a:latin typeface="Times New Roman" panose="02020603050405020304" pitchFamily="18" charset="0"/>
+                    <a:cs typeface="Times New Roman" panose="02020603050405020304" pitchFamily="18" charset="0"/>
+                  </a:rPr>
+                  <a:t> = 0.8;</a:t>
+                </a:r>
+                <a:br>
+                  <a:rPr lang="ru-RU" sz="2200" dirty="0">
+                    <a:latin typeface="Times New Roman" panose="02020603050405020304" pitchFamily="18" charset="0"/>
+                    <a:cs typeface="Times New Roman" panose="02020603050405020304" pitchFamily="18" charset="0"/>
+                  </a:rPr>
+                </a:br>
+                <a:r>
+                  <a:rPr lang="en-US" sz="2200" dirty="0">
+                    <a:latin typeface="Times New Roman" panose="02020603050405020304" pitchFamily="18" charset="0"/>
+                    <a:cs typeface="Times New Roman" panose="02020603050405020304" pitchFamily="18" charset="0"/>
+                  </a:rPr>
+                  <a:t>p3 = 〈2, 1, 2, 1, 3〉, </a:t>
+                </a:r>
+                <a:r>
+                  <a:rPr lang="el-GR" sz="2200" dirty="0">
+                    <a:latin typeface="Times New Roman" panose="02020603050405020304" pitchFamily="18" charset="0"/>
+                    <a:cs typeface="Times New Roman" panose="02020603050405020304" pitchFamily="18" charset="0"/>
+                  </a:rPr>
+                  <a:t>μ</a:t>
+                </a:r>
+                <a:r>
+                  <a:rPr lang="en-US" sz="2200" dirty="0">
+                    <a:latin typeface="Times New Roman" panose="02020603050405020304" pitchFamily="18" charset="0"/>
+                    <a:cs typeface="Times New Roman" panose="02020603050405020304" pitchFamily="18" charset="0"/>
+                  </a:rPr>
+                  <a:t> = 2, </a:t>
+                </a:r>
+                <a:r>
+                  <a:rPr lang="el-GR" sz="2200" dirty="0">
+                    <a:latin typeface="Times New Roman" panose="02020603050405020304" pitchFamily="18" charset="0"/>
+                    <a:cs typeface="Times New Roman" panose="02020603050405020304" pitchFamily="18" charset="0"/>
+                  </a:rPr>
+                  <a:t>λ</a:t>
+                </a:r>
+                <a:r>
+                  <a:rPr lang="en-US" sz="2200" dirty="0">
+                    <a:latin typeface="Times New Roman" panose="02020603050405020304" pitchFamily="18" charset="0"/>
+                    <a:cs typeface="Times New Roman" panose="02020603050405020304" pitchFamily="18" charset="0"/>
+                  </a:rPr>
+                  <a:t> = 1;</a:t>
+                </a:r>
+                <a:br>
+                  <a:rPr lang="ru-RU" sz="2200" dirty="0">
+                    <a:latin typeface="Times New Roman" panose="02020603050405020304" pitchFamily="18" charset="0"/>
+                    <a:cs typeface="Times New Roman" panose="02020603050405020304" pitchFamily="18" charset="0"/>
+                  </a:rPr>
+                </a:br>
+                <a:r>
+                  <a:rPr lang="en-US" sz="2200" dirty="0">
+                    <a:latin typeface="Times New Roman" panose="02020603050405020304" pitchFamily="18" charset="0"/>
+                    <a:cs typeface="Times New Roman" panose="02020603050405020304" pitchFamily="18" charset="0"/>
+                  </a:rPr>
+                  <a:t>p4 = 〈3, 2, 1, 2, 1〉, </a:t>
+                </a:r>
+                <a:r>
+                  <a:rPr lang="el-GR" sz="2200" dirty="0">
+                    <a:latin typeface="Times New Roman" panose="02020603050405020304" pitchFamily="18" charset="0"/>
+                    <a:cs typeface="Times New Roman" panose="02020603050405020304" pitchFamily="18" charset="0"/>
+                  </a:rPr>
+                  <a:t>μ</a:t>
+                </a:r>
+                <a:r>
+                  <a:rPr lang="en-US" sz="2200" dirty="0">
+                    <a:latin typeface="Times New Roman" panose="02020603050405020304" pitchFamily="18" charset="0"/>
+                    <a:cs typeface="Times New Roman" panose="02020603050405020304" pitchFamily="18" charset="0"/>
+                  </a:rPr>
+                  <a:t> = 1, </a:t>
+                </a:r>
+                <a:r>
+                  <a:rPr lang="el-GR" sz="2200" dirty="0">
+                    <a:latin typeface="Times New Roman" panose="02020603050405020304" pitchFamily="18" charset="0"/>
+                    <a:cs typeface="Times New Roman" panose="02020603050405020304" pitchFamily="18" charset="0"/>
+                  </a:rPr>
+                  <a:t>λ</a:t>
+                </a:r>
+                <a:r>
+                  <a:rPr lang="en-US" sz="2200" dirty="0">
+                    <a:latin typeface="Times New Roman" panose="02020603050405020304" pitchFamily="18" charset="0"/>
+                    <a:cs typeface="Times New Roman" panose="02020603050405020304" pitchFamily="18" charset="0"/>
+                  </a:rPr>
+                  <a:t> = 0.5.</a:t>
+                </a:r>
+                <a:endParaRPr lang="ru-RU" sz="2200" b="0" i="1" dirty="0">
+                  <a:latin typeface="Cambria Math" panose="02040503050406030204" pitchFamily="18" charset="0"/>
+                  <a:ea typeface="Cambria Math" panose="02040503050406030204" pitchFamily="18" charset="0"/>
+                  <a:cs typeface="Times New Roman" panose="02020603050405020304" pitchFamily="18" charset="0"/>
+                </a:endParaRPr>
+              </a:p>
             </p:txBody>
           </p:sp>
         </mc:Choice>
-        <mc:Fallback>
+        <mc:Fallback xmlns="">
           <p:sp>
             <p:nvSpPr>
               <p:cNvPr id="3" name="Объект 2">
@@ -6969,8 +7127,8 @@
           </a:prstGeom>
         </p:spPr>
       </p:pic>
-      <mc:AlternateContent xmlns:mc="http://schemas.openxmlformats.org/markup-compatibility/2006">
-        <mc:Choice xmlns:a14="http://schemas.microsoft.com/office/drawing/2010/main" Requires="a14">
+      <mc:AlternateContent xmlns:mc="http://schemas.openxmlformats.org/markup-compatibility/2006" xmlns:a14="http://schemas.microsoft.com/office/drawing/2010/main">
+        <mc:Choice Requires="a14">
           <p:sp>
             <p:nvSpPr>
               <p:cNvPr id="28" name="TextBox 27">
@@ -6999,6 +7157,7 @@
               </a:bodyPr>
               <a:lstStyle/>
               <a:p>
+                <a:pPr/>
                 <a14:m>
                   <m:oMathPara xmlns:m="http://schemas.openxmlformats.org/officeDocument/2006/math">
                     <m:oMathParaPr>
@@ -7101,7 +7260,7 @@
             </p:txBody>
           </p:sp>
         </mc:Choice>
-        <mc:Fallback>
+        <mc:Fallback xmlns="">
           <p:sp>
             <p:nvSpPr>
               <p:cNvPr id="28" name="TextBox 27">
@@ -7195,7 +7354,7 @@
         <p:spPr>
           <a:xfrm>
             <a:off x="5888827" y="3921237"/>
-            <a:ext cx="6298404" cy="1538010"/>
+            <a:ext cx="6079953" cy="1538010"/>
           </a:xfrm>
         </p:spPr>
         <p:txBody>
@@ -7283,7 +7442,7 @@
         </p:nvSpPr>
         <p:spPr>
           <a:xfrm>
-            <a:off x="6873901" y="1386681"/>
+            <a:off x="6873901" y="1286780"/>
             <a:ext cx="5163210" cy="1538010"/>
           </a:xfrm>
           <a:prstGeom prst="rect">
@@ -7471,7 +7630,7 @@
                 <a:ea typeface="Times New Roman" panose="02020603050405020304" pitchFamily="18" charset="0"/>
                 <a:cs typeface="Times New Roman" panose="02020603050405020304" pitchFamily="18" charset="0"/>
               </a:rPr>
-              <a:t>Уровень поддержки </a:t>
+              <a:t>Уровень поддержки набора продуктов </a:t>
             </a:r>
             <a:r>
               <a:rPr lang="en-US" sz="2200" dirty="0">
@@ -7487,7 +7646,7 @@
                 <a:ea typeface="Times New Roman" panose="02020603050405020304" pitchFamily="18" charset="0"/>
                 <a:cs typeface="Times New Roman" panose="02020603050405020304" pitchFamily="18" charset="0"/>
               </a:rPr>
-              <a:t>) показывает процент транзакций содержащих продукт. Зададим минимальный уровень поддержки 25%.</a:t>
+              <a:t>) показывает процент транзакций содержащих набор. Зададим минимальный уровень поддержки 25%.</a:t>
             </a:r>
           </a:p>
           <a:p>
@@ -7670,63 +7829,24 @@
             </a:pPr>
             <a:r>
               <a:rPr lang="ru-RU" sz="2200" dirty="0">
-                <a:solidFill>
-                  <a:schemeClr val="bg1">
-                    <a:lumMod val="50000"/>
-                  </a:schemeClr>
-                </a:solidFill>
                 <a:latin typeface="Times New Roman" panose="02020603050405020304" pitchFamily="18" charset="0"/>
                 <a:ea typeface="Times New Roman" panose="02020603050405020304" pitchFamily="18" charset="0"/>
               </a:rPr>
-              <a:t>англ. </a:t>
-            </a:r>
-            <a:r>
-              <a:rPr lang="en-US" sz="2200" dirty="0">
-                <a:solidFill>
-                  <a:schemeClr val="bg1">
-                    <a:lumMod val="50000"/>
-                  </a:schemeClr>
-                </a:solidFill>
+              <a:t>является модификацией алгоритма </a:t>
+            </a:r>
+            <a:r>
+              <a:rPr lang="ru-RU" sz="2200" dirty="0" err="1">
                 <a:latin typeface="Times New Roman" panose="02020603050405020304" pitchFamily="18" charset="0"/>
                 <a:ea typeface="Times New Roman" panose="02020603050405020304" pitchFamily="18" charset="0"/>
               </a:rPr>
-              <a:t>Generalized Sequential Pattern,</a:t>
-            </a:r>
-            <a:r>
-              <a:rPr lang="ru-RU" sz="2200" dirty="0">
-                <a:solidFill>
-                  <a:schemeClr val="bg1">
-                    <a:lumMod val="50000"/>
-                  </a:schemeClr>
-                </a:solidFill>
+              <a:t>Apriori</a:t>
+            </a:r>
+            <a:r>
+              <a:rPr lang="en-US" sz="2200" dirty="0">
                 <a:latin typeface="Times New Roman" panose="02020603050405020304" pitchFamily="18" charset="0"/>
                 <a:ea typeface="Times New Roman" panose="02020603050405020304" pitchFamily="18" charset="0"/>
               </a:rPr>
-              <a:t> обобщенный </a:t>
-            </a:r>
-            <a:r>
-              <a:rPr lang="ru-RU" sz="2200" dirty="0" err="1">
-                <a:solidFill>
-                  <a:schemeClr val="bg1">
-                    <a:lumMod val="50000"/>
-                  </a:schemeClr>
-                </a:solidFill>
-                <a:latin typeface="Times New Roman" panose="02020603050405020304" pitchFamily="18" charset="0"/>
-                <a:ea typeface="Times New Roman" panose="02020603050405020304" pitchFamily="18" charset="0"/>
-              </a:rPr>
-              <a:t>секвенциальный</a:t>
-            </a:r>
-            <a:r>
-              <a:rPr lang="ru-RU" sz="2200" dirty="0">
-                <a:solidFill>
-                  <a:schemeClr val="bg1">
-                    <a:lumMod val="50000"/>
-                  </a:schemeClr>
-                </a:solidFill>
-                <a:latin typeface="Times New Roman" panose="02020603050405020304" pitchFamily="18" charset="0"/>
-                <a:ea typeface="Times New Roman" panose="02020603050405020304" pitchFamily="18" charset="0"/>
-              </a:rPr>
-              <a:t> паттерн</a:t>
+              <a:t>All;</a:t>
             </a:r>
           </a:p>
           <a:p>
@@ -7740,25 +7860,36 @@
                 <a:latin typeface="Times New Roman" panose="02020603050405020304" pitchFamily="18" charset="0"/>
                 <a:ea typeface="Times New Roman" panose="02020603050405020304" pitchFamily="18" charset="0"/>
               </a:rPr>
-              <a:t>является модификацией алгоритма </a:t>
-            </a:r>
-            <a:r>
-              <a:rPr lang="ru-RU" sz="2200" dirty="0" err="1">
-                <a:latin typeface="Times New Roman" panose="02020603050405020304" pitchFamily="18" charset="0"/>
-                <a:ea typeface="Times New Roman" panose="02020603050405020304" pitchFamily="18" charset="0"/>
-              </a:rPr>
-              <a:t>Apriori</a:t>
+              <a:t>учитывает ограничения по времени между соседними транзакциями и </a:t>
             </a:r>
             <a:r>
               <a:rPr lang="en-US" sz="2200" dirty="0">
                 <a:latin typeface="Times New Roman" panose="02020603050405020304" pitchFamily="18" charset="0"/>
                 <a:ea typeface="Times New Roman" panose="02020603050405020304" pitchFamily="18" charset="0"/>
               </a:rPr>
-              <a:t>All;</a:t>
-            </a:r>
-          </a:p>
-          <a:p>
-            <a:pPr marL="571500" indent="-342900" algn="just">
+              <a:t>id </a:t>
+            </a:r>
+            <a:r>
+              <a:rPr lang="ru-RU" sz="2200" dirty="0">
+                <a:latin typeface="Times New Roman" panose="02020603050405020304" pitchFamily="18" charset="0"/>
+                <a:ea typeface="Times New Roman" panose="02020603050405020304" pitchFamily="18" charset="0"/>
+              </a:rPr>
+              <a:t>клиента совершившего ее</a:t>
+            </a:r>
+            <a:r>
+              <a:rPr lang="en-US" sz="2200" dirty="0">
+                <a:latin typeface="Times New Roman" panose="02020603050405020304" pitchFamily="18" charset="0"/>
+                <a:ea typeface="Times New Roman" panose="02020603050405020304" pitchFamily="18" charset="0"/>
+              </a:rPr>
+              <a:t>;</a:t>
+            </a:r>
+            <a:endParaRPr lang="ru-RU" sz="2200" dirty="0">
+              <a:latin typeface="Times New Roman" panose="02020603050405020304" pitchFamily="18" charset="0"/>
+              <a:ea typeface="Times New Roman" panose="02020603050405020304" pitchFamily="18" charset="0"/>
+            </a:endParaRPr>
+          </a:p>
+          <a:p>
+            <a:pPr marL="571500" indent="-342900">
               <a:lnSpc>
                 <a:spcPct val="100000"/>
               </a:lnSpc>
@@ -7768,14 +7899,7 @@
                 <a:latin typeface="Times New Roman" panose="02020603050405020304" pitchFamily="18" charset="0"/>
                 <a:ea typeface="Times New Roman" panose="02020603050405020304" pitchFamily="18" charset="0"/>
               </a:rPr>
-              <a:t>учитывает ограничения по времени между соседними транзакциями</a:t>
-            </a:r>
-            <a:r>
-              <a:rPr lang="en-US" sz="2200" dirty="0">
-                <a:latin typeface="Times New Roman" panose="02020603050405020304" pitchFamily="18" charset="0"/>
-                <a:ea typeface="Times New Roman" panose="02020603050405020304" pitchFamily="18" charset="0"/>
-              </a:rPr>
-              <a:t>.</a:t>
+              <a:t>поддержка последовательности - это отношение числа покупателей, в чьих транзакциях присутствует указанная последовательность к общему числу покупателей.</a:t>
             </a:r>
           </a:p>
           <a:p>
@@ -7788,8 +7912,9 @@
             <a:r>
               <a:rPr lang="ru-RU" sz="2200" dirty="0">
                 <a:solidFill>
-                  <a:schemeClr val="bg1">
-                    <a:lumMod val="50000"/>
+                  <a:schemeClr val="tx1">
+                    <a:lumMod val="95000"/>
+                    <a:lumOff val="5000"/>
                   </a:schemeClr>
                 </a:solidFill>
                 <a:latin typeface="Times New Roman" panose="02020603050405020304" pitchFamily="18" charset="0"/>
@@ -7799,8 +7924,9 @@
             </a:r>
             <a:endParaRPr lang="en-US" sz="2200" dirty="0">
               <a:solidFill>
-                <a:schemeClr val="bg1">
-                  <a:lumMod val="50000"/>
+                <a:schemeClr val="tx1">
+                  <a:lumMod val="95000"/>
+                  <a:lumOff val="5000"/>
                 </a:schemeClr>
               </a:solidFill>
               <a:latin typeface="Times New Roman" panose="02020603050405020304" pitchFamily="18" charset="0"/>
@@ -7817,8 +7943,9 @@
             <a:r>
               <a:rPr lang="en-US" sz="2200" dirty="0">
                 <a:solidFill>
-                  <a:schemeClr val="bg1">
-                    <a:lumMod val="50000"/>
+                  <a:schemeClr val="tx1">
+                    <a:lumMod val="95000"/>
+                    <a:lumOff val="5000"/>
                   </a:schemeClr>
                 </a:solidFill>
                 <a:latin typeface="Times New Roman" panose="02020603050405020304" pitchFamily="18" charset="0"/>
@@ -7829,8 +7956,9 @@
             <a:r>
               <a:rPr lang="ru-RU" sz="2200" dirty="0">
                 <a:solidFill>
-                  <a:schemeClr val="bg1">
-                    <a:lumMod val="50000"/>
+                  <a:schemeClr val="tx1">
+                    <a:lumMod val="95000"/>
+                    <a:lumOff val="5000"/>
                   </a:schemeClr>
                 </a:solidFill>
                 <a:latin typeface="Times New Roman" panose="02020603050405020304" pitchFamily="18" charset="0"/>
@@ -7841,8 +7969,9 @@
             <a:br>
               <a:rPr lang="en-US" sz="2200" dirty="0">
                 <a:solidFill>
-                  <a:schemeClr val="bg1">
-                    <a:lumMod val="50000"/>
+                  <a:schemeClr val="tx1">
+                    <a:lumMod val="95000"/>
+                    <a:lumOff val="5000"/>
                   </a:schemeClr>
                 </a:solidFill>
                 <a:latin typeface="Times New Roman" panose="02020603050405020304" pitchFamily="18" charset="0"/>
@@ -7852,20 +7981,22 @@
             <a:r>
               <a:rPr lang="en-US" sz="2200" dirty="0">
                 <a:solidFill>
-                  <a:schemeClr val="bg1">
-                    <a:lumMod val="50000"/>
+                  <a:schemeClr val="tx1">
+                    <a:lumMod val="95000"/>
+                    <a:lumOff val="5000"/>
                   </a:schemeClr>
                 </a:solidFill>
                 <a:latin typeface="Times New Roman" panose="02020603050405020304" pitchFamily="18" charset="0"/>
                 <a:cs typeface="Times New Roman" panose="02020603050405020304" pitchFamily="18" charset="0"/>
               </a:rPr>
-              <a:t>	1.1 </a:t>
+              <a:t>	    1.1. </a:t>
             </a:r>
             <a:r>
               <a:rPr lang="ru-RU" sz="2200" dirty="0">
                 <a:solidFill>
-                  <a:schemeClr val="bg1">
-                    <a:lumMod val="50000"/>
+                  <a:schemeClr val="tx1">
+                    <a:lumMod val="95000"/>
+                    <a:lumOff val="5000"/>
                   </a:schemeClr>
                 </a:solidFill>
                 <a:latin typeface="Times New Roman" panose="02020603050405020304" pitchFamily="18" charset="0"/>
@@ -7876,8 +8007,9 @@
             <a:br>
               <a:rPr lang="en-US" sz="2200" dirty="0">
                 <a:solidFill>
-                  <a:schemeClr val="bg1">
-                    <a:lumMod val="50000"/>
+                  <a:schemeClr val="tx1">
+                    <a:lumMod val="95000"/>
+                    <a:lumOff val="5000"/>
                   </a:schemeClr>
                 </a:solidFill>
                 <a:latin typeface="Times New Roman" panose="02020603050405020304" pitchFamily="18" charset="0"/>
@@ -7887,20 +8019,22 @@
             <a:r>
               <a:rPr lang="en-US" sz="2200" dirty="0">
                 <a:solidFill>
-                  <a:schemeClr val="bg1">
-                    <a:lumMod val="50000"/>
+                  <a:schemeClr val="tx1">
+                    <a:lumMod val="95000"/>
+                    <a:lumOff val="5000"/>
                   </a:schemeClr>
                 </a:solidFill>
                 <a:latin typeface="Times New Roman" panose="02020603050405020304" pitchFamily="18" charset="0"/>
                 <a:cs typeface="Times New Roman" panose="02020603050405020304" pitchFamily="18" charset="0"/>
               </a:rPr>
-              <a:t>	1.2 </a:t>
+              <a:t>	    1.2. </a:t>
             </a:r>
             <a:r>
               <a:rPr lang="ru-RU" sz="2200" dirty="0">
                 <a:solidFill>
-                  <a:schemeClr val="bg1">
-                    <a:lumMod val="50000"/>
+                  <a:schemeClr val="tx1">
+                    <a:lumMod val="95000"/>
+                    <a:lumOff val="5000"/>
                   </a:schemeClr>
                 </a:solidFill>
                 <a:latin typeface="Times New Roman" panose="02020603050405020304" pitchFamily="18" charset="0"/>
@@ -7911,8 +8045,9 @@
             <a:br>
               <a:rPr lang="en-US" sz="2200" dirty="0">
                 <a:solidFill>
-                  <a:schemeClr val="bg1">
-                    <a:lumMod val="50000"/>
+                  <a:schemeClr val="tx1">
+                    <a:lumMod val="95000"/>
+                    <a:lumOff val="5000"/>
                   </a:schemeClr>
                 </a:solidFill>
                 <a:latin typeface="Times New Roman" panose="02020603050405020304" pitchFamily="18" charset="0"/>
@@ -7922,8 +8057,9 @@
             <a:r>
               <a:rPr lang="en-US" sz="2200" dirty="0">
                 <a:solidFill>
-                  <a:schemeClr val="bg1">
-                    <a:lumMod val="50000"/>
+                  <a:schemeClr val="tx1">
+                    <a:lumMod val="95000"/>
+                    <a:lumOff val="5000"/>
                   </a:schemeClr>
                 </a:solidFill>
                 <a:latin typeface="Times New Roman" panose="02020603050405020304" pitchFamily="18" charset="0"/>
@@ -7934,8 +8070,9 @@
             <a:r>
               <a:rPr lang="ru-RU" sz="2200" dirty="0">
                 <a:solidFill>
-                  <a:schemeClr val="bg1">
-                    <a:lumMod val="50000"/>
+                  <a:schemeClr val="tx1">
+                    <a:lumMod val="95000"/>
+                    <a:lumOff val="5000"/>
                   </a:schemeClr>
                 </a:solidFill>
                 <a:latin typeface="Times New Roman" panose="02020603050405020304" pitchFamily="18" charset="0"/>
@@ -7943,44 +8080,13 @@
               </a:rPr>
               <a:t>Подсчет поддержки кандидатов.</a:t>
             </a:r>
-          </a:p>
-          <a:p>
-            <a:pPr indent="0">
-              <a:lnSpc>
-                <a:spcPct val="100000"/>
-              </a:lnSpc>
-              <a:buNone/>
-            </a:pPr>
-            <a:r>
-              <a:rPr lang="ru-RU" sz="2200" dirty="0">
-                <a:solidFill>
-                  <a:schemeClr val="bg1">
-                    <a:lumMod val="50000"/>
-                  </a:schemeClr>
-                </a:solidFill>
-                <a:latin typeface="Times New Roman" panose="02020603050405020304" pitchFamily="18" charset="0"/>
-                <a:ea typeface="Times New Roman" panose="02020603050405020304" pitchFamily="18" charset="0"/>
-                <a:cs typeface="Times New Roman" panose="02020603050405020304" pitchFamily="18" charset="0"/>
-              </a:rPr>
-              <a:t>(Добавить буквы?)</a:t>
-            </a:r>
-          </a:p>
-          <a:p>
-            <a:pPr indent="0">
-              <a:lnSpc>
-                <a:spcPct val="100000"/>
-              </a:lnSpc>
-              <a:buNone/>
-            </a:pPr>
-            <a:r>
-              <a:rPr lang="ru-RU" sz="2200" dirty="0">
-                <a:latin typeface="Times New Roman" panose="02020603050405020304" pitchFamily="18" charset="0"/>
-                <a:ea typeface="Times New Roman" panose="02020603050405020304" pitchFamily="18" charset="0"/>
-                <a:cs typeface="Times New Roman" panose="02020603050405020304" pitchFamily="18" charset="0"/>
-              </a:rPr>
-              <a:t>Просто привести пример</a:t>
-            </a:r>
             <a:endParaRPr lang="en-US" sz="2200" dirty="0">
+              <a:solidFill>
+                <a:schemeClr val="tx1">
+                  <a:lumMod val="95000"/>
+                  <a:lumOff val="5000"/>
+                </a:schemeClr>
+              </a:solidFill>
               <a:latin typeface="Times New Roman" panose="02020603050405020304" pitchFamily="18" charset="0"/>
               <a:ea typeface="Times New Roman" panose="02020603050405020304" pitchFamily="18" charset="0"/>
               <a:cs typeface="Times New Roman" panose="02020603050405020304" pitchFamily="18" charset="0"/>
@@ -8089,31 +8195,4260 @@
       </p:sp>
       <p:sp>
         <p:nvSpPr>
-          <p:cNvPr id="7" name="Объект 2">
+          <p:cNvPr id="14" name="Объект 2">
             <a:extLst>
               <a:ext uri="{FF2B5EF4-FFF2-40B4-BE49-F238E27FC236}">
-                <a16:creationId xmlns:a16="http://schemas.microsoft.com/office/drawing/2014/main" id="{6CF8E559-CCDE-49E5-93F5-28EC1006FB11}"/>
+                <a16:creationId xmlns:a16="http://schemas.microsoft.com/office/drawing/2014/main" id="{19DA1723-1B7D-4FA2-9BA5-EF654380321B}"/>
               </a:ext>
             </a:extLst>
           </p:cNvPr>
-          <p:cNvSpPr>
-            <a:spLocks noGrp="1"/>
+          <p:cNvSpPr txBox="1">
+            <a:spLocks/>
           </p:cNvSpPr>
-          <p:nvPr>
-            <p:ph idx="1"/>
-          </p:nvPr>
+          <p:nvPr/>
         </p:nvSpPr>
         <p:spPr>
           <a:xfrm>
-            <a:off x="428017" y="1253331"/>
-            <a:ext cx="11182378" cy="5168894"/>
+            <a:off x="5108331" y="1438429"/>
+            <a:ext cx="5163210" cy="1538010"/>
           </a:xfrm>
+          <a:prstGeom prst="rect">
+            <a:avLst/>
+          </a:prstGeom>
         </p:spPr>
         <p:txBody>
-          <a:bodyPr>
+          <a:bodyPr vert="horz" lIns="91440" tIns="45720" rIns="91440" bIns="45720" rtlCol="0">
             <a:noAutofit/>
           </a:bodyPr>
-          <a:lstStyle/>
+          <a:lstStyle>
+            <a:lvl1pPr marL="228600" indent="-228600" algn="l" defTabSz="914400" rtl="0" eaLnBrk="1" latinLnBrk="0" hangingPunct="1">
+              <a:lnSpc>
+                <a:spcPct val="90000"/>
+              </a:lnSpc>
+              <a:spcBef>
+                <a:spcPts val="1000"/>
+              </a:spcBef>
+              <a:buFont typeface="Arial" panose="020B0604020202020204" pitchFamily="34" charset="0"/>
+              <a:buChar char="•"/>
+              <a:defRPr sz="2800" kern="1200">
+                <a:solidFill>
+                  <a:schemeClr val="tx1"/>
+                </a:solidFill>
+                <a:latin typeface="+mn-lt"/>
+                <a:ea typeface="+mn-ea"/>
+                <a:cs typeface="+mn-cs"/>
+              </a:defRPr>
+            </a:lvl1pPr>
+            <a:lvl2pPr marL="685800" indent="-228600" algn="l" defTabSz="914400" rtl="0" eaLnBrk="1" latinLnBrk="0" hangingPunct="1">
+              <a:lnSpc>
+                <a:spcPct val="90000"/>
+              </a:lnSpc>
+              <a:spcBef>
+                <a:spcPts val="500"/>
+              </a:spcBef>
+              <a:buFont typeface="Arial" panose="020B0604020202020204" pitchFamily="34" charset="0"/>
+              <a:buChar char="•"/>
+              <a:defRPr sz="2400" kern="1200">
+                <a:solidFill>
+                  <a:schemeClr val="tx1"/>
+                </a:solidFill>
+                <a:latin typeface="+mn-lt"/>
+                <a:ea typeface="+mn-ea"/>
+                <a:cs typeface="+mn-cs"/>
+              </a:defRPr>
+            </a:lvl2pPr>
+            <a:lvl3pPr marL="1143000" indent="-228600" algn="l" defTabSz="914400" rtl="0" eaLnBrk="1" latinLnBrk="0" hangingPunct="1">
+              <a:lnSpc>
+                <a:spcPct val="90000"/>
+              </a:lnSpc>
+              <a:spcBef>
+                <a:spcPts val="500"/>
+              </a:spcBef>
+              <a:buFont typeface="Arial" panose="020B0604020202020204" pitchFamily="34" charset="0"/>
+              <a:buChar char="•"/>
+              <a:defRPr sz="2000" kern="1200">
+                <a:solidFill>
+                  <a:schemeClr val="tx1"/>
+                </a:solidFill>
+                <a:latin typeface="+mn-lt"/>
+                <a:ea typeface="+mn-ea"/>
+                <a:cs typeface="+mn-cs"/>
+              </a:defRPr>
+            </a:lvl3pPr>
+            <a:lvl4pPr marL="1600200" indent="-228600" algn="l" defTabSz="914400" rtl="0" eaLnBrk="1" latinLnBrk="0" hangingPunct="1">
+              <a:lnSpc>
+                <a:spcPct val="90000"/>
+              </a:lnSpc>
+              <a:spcBef>
+                <a:spcPts val="500"/>
+              </a:spcBef>
+              <a:buFont typeface="Arial" panose="020B0604020202020204" pitchFamily="34" charset="0"/>
+              <a:buChar char="•"/>
+              <a:defRPr sz="1800" kern="1200">
+                <a:solidFill>
+                  <a:schemeClr val="tx1"/>
+                </a:solidFill>
+                <a:latin typeface="+mn-lt"/>
+                <a:ea typeface="+mn-ea"/>
+                <a:cs typeface="+mn-cs"/>
+              </a:defRPr>
+            </a:lvl4pPr>
+            <a:lvl5pPr marL="2057400" indent="-228600" algn="l" defTabSz="914400" rtl="0" eaLnBrk="1" latinLnBrk="0" hangingPunct="1">
+              <a:lnSpc>
+                <a:spcPct val="90000"/>
+              </a:lnSpc>
+              <a:spcBef>
+                <a:spcPts val="500"/>
+              </a:spcBef>
+              <a:buFont typeface="Arial" panose="020B0604020202020204" pitchFamily="34" charset="0"/>
+              <a:buChar char="•"/>
+              <a:defRPr sz="1800" kern="1200">
+                <a:solidFill>
+                  <a:schemeClr val="tx1"/>
+                </a:solidFill>
+                <a:latin typeface="+mn-lt"/>
+                <a:ea typeface="+mn-ea"/>
+                <a:cs typeface="+mn-cs"/>
+              </a:defRPr>
+            </a:lvl5pPr>
+            <a:lvl6pPr marL="2514600" indent="-228600" algn="l" defTabSz="914400" rtl="0" eaLnBrk="1" latinLnBrk="0" hangingPunct="1">
+              <a:lnSpc>
+                <a:spcPct val="90000"/>
+              </a:lnSpc>
+              <a:spcBef>
+                <a:spcPts val="500"/>
+              </a:spcBef>
+              <a:buFont typeface="Arial" panose="020B0604020202020204" pitchFamily="34" charset="0"/>
+              <a:buChar char="•"/>
+              <a:defRPr sz="1800" kern="1200">
+                <a:solidFill>
+                  <a:schemeClr val="tx1"/>
+                </a:solidFill>
+                <a:latin typeface="+mn-lt"/>
+                <a:ea typeface="+mn-ea"/>
+                <a:cs typeface="+mn-cs"/>
+              </a:defRPr>
+            </a:lvl6pPr>
+            <a:lvl7pPr marL="2971800" indent="-228600" algn="l" defTabSz="914400" rtl="0" eaLnBrk="1" latinLnBrk="0" hangingPunct="1">
+              <a:lnSpc>
+                <a:spcPct val="90000"/>
+              </a:lnSpc>
+              <a:spcBef>
+                <a:spcPts val="500"/>
+              </a:spcBef>
+              <a:buFont typeface="Arial" panose="020B0604020202020204" pitchFamily="34" charset="0"/>
+              <a:buChar char="•"/>
+              <a:defRPr sz="1800" kern="1200">
+                <a:solidFill>
+                  <a:schemeClr val="tx1"/>
+                </a:solidFill>
+                <a:latin typeface="+mn-lt"/>
+                <a:ea typeface="+mn-ea"/>
+                <a:cs typeface="+mn-cs"/>
+              </a:defRPr>
+            </a:lvl7pPr>
+            <a:lvl8pPr marL="3429000" indent="-228600" algn="l" defTabSz="914400" rtl="0" eaLnBrk="1" latinLnBrk="0" hangingPunct="1">
+              <a:lnSpc>
+                <a:spcPct val="90000"/>
+              </a:lnSpc>
+              <a:spcBef>
+                <a:spcPts val="500"/>
+              </a:spcBef>
+              <a:buFont typeface="Arial" panose="020B0604020202020204" pitchFamily="34" charset="0"/>
+              <a:buChar char="•"/>
+              <a:defRPr sz="1800" kern="1200">
+                <a:solidFill>
+                  <a:schemeClr val="tx1"/>
+                </a:solidFill>
+                <a:latin typeface="+mn-lt"/>
+                <a:ea typeface="+mn-ea"/>
+                <a:cs typeface="+mn-cs"/>
+              </a:defRPr>
+            </a:lvl8pPr>
+            <a:lvl9pPr marL="3886200" indent="-228600" algn="l" defTabSz="914400" rtl="0" eaLnBrk="1" latinLnBrk="0" hangingPunct="1">
+              <a:lnSpc>
+                <a:spcPct val="90000"/>
+              </a:lnSpc>
+              <a:spcBef>
+                <a:spcPts val="500"/>
+              </a:spcBef>
+              <a:buFont typeface="Arial" panose="020B0604020202020204" pitchFamily="34" charset="0"/>
+              <a:buChar char="•"/>
+              <a:defRPr sz="1800" kern="1200">
+                <a:solidFill>
+                  <a:schemeClr val="tx1"/>
+                </a:solidFill>
+                <a:latin typeface="+mn-lt"/>
+                <a:ea typeface="+mn-ea"/>
+                <a:cs typeface="+mn-cs"/>
+              </a:defRPr>
+            </a:lvl9pPr>
+          </a:lstStyle>
+          <a:p>
+            <a:pPr indent="0">
+              <a:lnSpc>
+                <a:spcPct val="100000"/>
+              </a:lnSpc>
+              <a:buFont typeface="Arial" panose="020B0604020202020204" pitchFamily="34" charset="0"/>
+              <a:buNone/>
+            </a:pPr>
+            <a:endParaRPr lang="ru-RU" sz="2200" dirty="0">
+              <a:latin typeface="Times New Roman" panose="02020603050405020304" pitchFamily="18" charset="0"/>
+              <a:ea typeface="Times New Roman" panose="02020603050405020304" pitchFamily="18" charset="0"/>
+              <a:cs typeface="Times New Roman" panose="02020603050405020304" pitchFamily="18" charset="0"/>
+            </a:endParaRPr>
+          </a:p>
+        </p:txBody>
+      </p:sp>
+      <mc:AlternateContent xmlns:mc="http://schemas.openxmlformats.org/markup-compatibility/2006" xmlns:a14="http://schemas.microsoft.com/office/drawing/2010/main">
+        <mc:Choice Requires="a14">
+          <p:sp>
+            <p:nvSpPr>
+              <p:cNvPr id="17" name="Объект 2">
+                <a:extLst>
+                  <a:ext uri="{FF2B5EF4-FFF2-40B4-BE49-F238E27FC236}">
+                    <a16:creationId xmlns:a16="http://schemas.microsoft.com/office/drawing/2014/main" id="{8AC1E118-B2EC-4467-9CD9-81C44AFB37E4}"/>
+                  </a:ext>
+                </a:extLst>
+              </p:cNvPr>
+              <p:cNvSpPr txBox="1">
+                <a:spLocks/>
+              </p:cNvSpPr>
+              <p:nvPr/>
+            </p:nvSpPr>
+            <p:spPr>
+              <a:xfrm>
+                <a:off x="5977915" y="1438429"/>
+                <a:ext cx="6277314" cy="1905000"/>
+              </a:xfrm>
+              <a:prstGeom prst="rect">
+                <a:avLst/>
+              </a:prstGeom>
+            </p:spPr>
+            <p:txBody>
+              <a:bodyPr vert="horz" lIns="91440" tIns="45720" rIns="91440" bIns="45720" rtlCol="0">
+                <a:noAutofit/>
+              </a:bodyPr>
+              <a:lstStyle>
+                <a:lvl1pPr marL="228600" indent="-228600" algn="l" defTabSz="914400" rtl="0" eaLnBrk="1" latinLnBrk="0" hangingPunct="1">
+                  <a:lnSpc>
+                    <a:spcPct val="90000"/>
+                  </a:lnSpc>
+                  <a:spcBef>
+                    <a:spcPts val="1000"/>
+                  </a:spcBef>
+                  <a:buFont typeface="Arial" panose="020B0604020202020204" pitchFamily="34" charset="0"/>
+                  <a:buChar char="•"/>
+                  <a:defRPr sz="2800" kern="1200">
+                    <a:solidFill>
+                      <a:schemeClr val="tx1"/>
+                    </a:solidFill>
+                    <a:latin typeface="+mn-lt"/>
+                    <a:ea typeface="+mn-ea"/>
+                    <a:cs typeface="+mn-cs"/>
+                  </a:defRPr>
+                </a:lvl1pPr>
+                <a:lvl2pPr marL="685800" indent="-228600" algn="l" defTabSz="914400" rtl="0" eaLnBrk="1" latinLnBrk="0" hangingPunct="1">
+                  <a:lnSpc>
+                    <a:spcPct val="90000"/>
+                  </a:lnSpc>
+                  <a:spcBef>
+                    <a:spcPts val="500"/>
+                  </a:spcBef>
+                  <a:buFont typeface="Arial" panose="020B0604020202020204" pitchFamily="34" charset="0"/>
+                  <a:buChar char="•"/>
+                  <a:defRPr sz="2400" kern="1200">
+                    <a:solidFill>
+                      <a:schemeClr val="tx1"/>
+                    </a:solidFill>
+                    <a:latin typeface="+mn-lt"/>
+                    <a:ea typeface="+mn-ea"/>
+                    <a:cs typeface="+mn-cs"/>
+                  </a:defRPr>
+                </a:lvl2pPr>
+                <a:lvl3pPr marL="1143000" indent="-228600" algn="l" defTabSz="914400" rtl="0" eaLnBrk="1" latinLnBrk="0" hangingPunct="1">
+                  <a:lnSpc>
+                    <a:spcPct val="90000"/>
+                  </a:lnSpc>
+                  <a:spcBef>
+                    <a:spcPts val="500"/>
+                  </a:spcBef>
+                  <a:buFont typeface="Arial" panose="020B0604020202020204" pitchFamily="34" charset="0"/>
+                  <a:buChar char="•"/>
+                  <a:defRPr sz="2000" kern="1200">
+                    <a:solidFill>
+                      <a:schemeClr val="tx1"/>
+                    </a:solidFill>
+                    <a:latin typeface="+mn-lt"/>
+                    <a:ea typeface="+mn-ea"/>
+                    <a:cs typeface="+mn-cs"/>
+                  </a:defRPr>
+                </a:lvl3pPr>
+                <a:lvl4pPr marL="1600200" indent="-228600" algn="l" defTabSz="914400" rtl="0" eaLnBrk="1" latinLnBrk="0" hangingPunct="1">
+                  <a:lnSpc>
+                    <a:spcPct val="90000"/>
+                  </a:lnSpc>
+                  <a:spcBef>
+                    <a:spcPts val="500"/>
+                  </a:spcBef>
+                  <a:buFont typeface="Arial" panose="020B0604020202020204" pitchFamily="34" charset="0"/>
+                  <a:buChar char="•"/>
+                  <a:defRPr sz="1800" kern="1200">
+                    <a:solidFill>
+                      <a:schemeClr val="tx1"/>
+                    </a:solidFill>
+                    <a:latin typeface="+mn-lt"/>
+                    <a:ea typeface="+mn-ea"/>
+                    <a:cs typeface="+mn-cs"/>
+                  </a:defRPr>
+                </a:lvl4pPr>
+                <a:lvl5pPr marL="2057400" indent="-228600" algn="l" defTabSz="914400" rtl="0" eaLnBrk="1" latinLnBrk="0" hangingPunct="1">
+                  <a:lnSpc>
+                    <a:spcPct val="90000"/>
+                  </a:lnSpc>
+                  <a:spcBef>
+                    <a:spcPts val="500"/>
+                  </a:spcBef>
+                  <a:buFont typeface="Arial" panose="020B0604020202020204" pitchFamily="34" charset="0"/>
+                  <a:buChar char="•"/>
+                  <a:defRPr sz="1800" kern="1200">
+                    <a:solidFill>
+                      <a:schemeClr val="tx1"/>
+                    </a:solidFill>
+                    <a:latin typeface="+mn-lt"/>
+                    <a:ea typeface="+mn-ea"/>
+                    <a:cs typeface="+mn-cs"/>
+                  </a:defRPr>
+                </a:lvl5pPr>
+                <a:lvl6pPr marL="2514600" indent="-228600" algn="l" defTabSz="914400" rtl="0" eaLnBrk="1" latinLnBrk="0" hangingPunct="1">
+                  <a:lnSpc>
+                    <a:spcPct val="90000"/>
+                  </a:lnSpc>
+                  <a:spcBef>
+                    <a:spcPts val="500"/>
+                  </a:spcBef>
+                  <a:buFont typeface="Arial" panose="020B0604020202020204" pitchFamily="34" charset="0"/>
+                  <a:buChar char="•"/>
+                  <a:defRPr sz="1800" kern="1200">
+                    <a:solidFill>
+                      <a:schemeClr val="tx1"/>
+                    </a:solidFill>
+                    <a:latin typeface="+mn-lt"/>
+                    <a:ea typeface="+mn-ea"/>
+                    <a:cs typeface="+mn-cs"/>
+                  </a:defRPr>
+                </a:lvl6pPr>
+                <a:lvl7pPr marL="2971800" indent="-228600" algn="l" defTabSz="914400" rtl="0" eaLnBrk="1" latinLnBrk="0" hangingPunct="1">
+                  <a:lnSpc>
+                    <a:spcPct val="90000"/>
+                  </a:lnSpc>
+                  <a:spcBef>
+                    <a:spcPts val="500"/>
+                  </a:spcBef>
+                  <a:buFont typeface="Arial" panose="020B0604020202020204" pitchFamily="34" charset="0"/>
+                  <a:buChar char="•"/>
+                  <a:defRPr sz="1800" kern="1200">
+                    <a:solidFill>
+                      <a:schemeClr val="tx1"/>
+                    </a:solidFill>
+                    <a:latin typeface="+mn-lt"/>
+                    <a:ea typeface="+mn-ea"/>
+                    <a:cs typeface="+mn-cs"/>
+                  </a:defRPr>
+                </a:lvl7pPr>
+                <a:lvl8pPr marL="3429000" indent="-228600" algn="l" defTabSz="914400" rtl="0" eaLnBrk="1" latinLnBrk="0" hangingPunct="1">
+                  <a:lnSpc>
+                    <a:spcPct val="90000"/>
+                  </a:lnSpc>
+                  <a:spcBef>
+                    <a:spcPts val="500"/>
+                  </a:spcBef>
+                  <a:buFont typeface="Arial" panose="020B0604020202020204" pitchFamily="34" charset="0"/>
+                  <a:buChar char="•"/>
+                  <a:defRPr sz="1800" kern="1200">
+                    <a:solidFill>
+                      <a:schemeClr val="tx1"/>
+                    </a:solidFill>
+                    <a:latin typeface="+mn-lt"/>
+                    <a:ea typeface="+mn-ea"/>
+                    <a:cs typeface="+mn-cs"/>
+                  </a:defRPr>
+                </a:lvl8pPr>
+                <a:lvl9pPr marL="3886200" indent="-228600" algn="l" defTabSz="914400" rtl="0" eaLnBrk="1" latinLnBrk="0" hangingPunct="1">
+                  <a:lnSpc>
+                    <a:spcPct val="90000"/>
+                  </a:lnSpc>
+                  <a:spcBef>
+                    <a:spcPts val="500"/>
+                  </a:spcBef>
+                  <a:buFont typeface="Arial" panose="020B0604020202020204" pitchFamily="34" charset="0"/>
+                  <a:buChar char="•"/>
+                  <a:defRPr sz="1800" kern="1200">
+                    <a:solidFill>
+                      <a:schemeClr val="tx1"/>
+                    </a:solidFill>
+                    <a:latin typeface="+mn-lt"/>
+                    <a:ea typeface="+mn-ea"/>
+                    <a:cs typeface="+mn-cs"/>
+                  </a:defRPr>
+                </a:lvl9pPr>
+              </a:lstStyle>
+              <a:p>
+                <a:pPr indent="0">
+                  <a:lnSpc>
+                    <a:spcPct val="100000"/>
+                  </a:lnSpc>
+                  <a:buNone/>
+                </a:pPr>
+                <a:r>
+                  <a:rPr lang="ru-RU" sz="2200" dirty="0">
+                    <a:latin typeface="Times New Roman" panose="02020603050405020304" pitchFamily="18" charset="0"/>
+                    <a:ea typeface="Times New Roman" panose="02020603050405020304" pitchFamily="18" charset="0"/>
+                    <a:cs typeface="Times New Roman" panose="02020603050405020304" pitchFamily="18" charset="0"/>
+                  </a:rPr>
+                  <a:t>Объединение:</a:t>
+                </a:r>
+                <a:br>
+                  <a:rPr lang="ru-RU" sz="2200" dirty="0">
+                    <a:latin typeface="Times New Roman" panose="02020603050405020304" pitchFamily="18" charset="0"/>
+                    <a:ea typeface="Times New Roman" panose="02020603050405020304" pitchFamily="18" charset="0"/>
+                    <a:cs typeface="Times New Roman" panose="02020603050405020304" pitchFamily="18" charset="0"/>
+                  </a:rPr>
+                </a:br>
+                <a:r>
+                  <a:rPr lang="ru-RU" sz="2200" dirty="0">
+                    <a:latin typeface="Times New Roman" panose="02020603050405020304" pitchFamily="18" charset="0"/>
+                    <a:ea typeface="Times New Roman" panose="02020603050405020304" pitchFamily="18" charset="0"/>
+                    <a:cs typeface="Times New Roman" panose="02020603050405020304" pitchFamily="18" charset="0"/>
+                  </a:rPr>
+                  <a:t>⟨{1, 2} {3}⟩ + </a:t>
+                </a:r>
+                <a:r>
+                  <a:rPr lang="ru-RU" sz="2200" dirty="0">
+                    <a:solidFill>
+                      <a:srgbClr val="000000"/>
+                    </a:solidFill>
+                    <a:latin typeface="Times New Roman" panose="02020603050405020304" pitchFamily="18" charset="0"/>
+                  </a:rPr>
+                  <a:t>⟨{2} {3, 4}⟩ = ⟨{1, 2} {3, 4}⟩</a:t>
+                </a:r>
+                <a:br>
+                  <a:rPr lang="ru-RU" sz="2200" dirty="0">
+                    <a:solidFill>
+                      <a:srgbClr val="000000"/>
+                    </a:solidFill>
+                    <a:latin typeface="Times New Roman" panose="02020603050405020304" pitchFamily="18" charset="0"/>
+                  </a:rPr>
+                </a:br>
+                <a:r>
+                  <a:rPr lang="ru-RU" sz="2200" dirty="0">
+                    <a:latin typeface="Times New Roman" panose="02020603050405020304" pitchFamily="18" charset="0"/>
+                    <a:ea typeface="Times New Roman" panose="02020603050405020304" pitchFamily="18" charset="0"/>
+                    <a:cs typeface="Times New Roman" panose="02020603050405020304" pitchFamily="18" charset="0"/>
+                  </a:rPr>
+                  <a:t>⟨{1, 2} {3}⟩ + </a:t>
+                </a:r>
+                <a:r>
+                  <a:rPr lang="ru-RU" sz="2200" dirty="0">
+                    <a:solidFill>
+                      <a:srgbClr val="000000"/>
+                    </a:solidFill>
+                    <a:latin typeface="Times New Roman" panose="02020603050405020304" pitchFamily="18" charset="0"/>
+                  </a:rPr>
+                  <a:t>⟨{2} {3} {5}⟩ = ⟨{1, 2} {3} {5}⟩</a:t>
+                </a:r>
+              </a:p>
+              <a:p>
+                <a:pPr indent="0">
+                  <a:lnSpc>
+                    <a:spcPct val="100000"/>
+                  </a:lnSpc>
+                  <a:buNone/>
+                </a:pPr>
+                <a:r>
+                  <a:rPr lang="ru-RU" sz="2200" dirty="0">
+                    <a:solidFill>
+                      <a:srgbClr val="000000"/>
+                    </a:solidFill>
+                    <a:latin typeface="Times New Roman" panose="02020603050405020304" pitchFamily="18" charset="0"/>
+                  </a:rPr>
+                  <a:t>Упрощение:</a:t>
+                </a:r>
+                <a:br>
+                  <a:rPr lang="ru-RU" sz="2200" dirty="0">
+                    <a:solidFill>
+                      <a:srgbClr val="000000"/>
+                    </a:solidFill>
+                    <a:latin typeface="Times New Roman" panose="02020603050405020304" pitchFamily="18" charset="0"/>
+                  </a:rPr>
+                </a:br>
+                <a:r>
+                  <a:rPr lang="ru-RU" sz="2200" dirty="0">
+                    <a:solidFill>
+                      <a:srgbClr val="000000"/>
+                    </a:solidFill>
+                    <a:latin typeface="Times New Roman" panose="02020603050405020304" pitchFamily="18" charset="0"/>
+                  </a:rPr>
+                  <a:t>⟨{1} {3} {5}⟩ </a:t>
+                </a:r>
+                <a14:m>
+                  <m:oMath xmlns:m="http://schemas.openxmlformats.org/officeDocument/2006/math">
+                    <m:r>
+                      <a:rPr lang="ru-RU" sz="2200" b="0" i="1" smtClean="0">
+                        <a:solidFill>
+                          <a:srgbClr val="000000"/>
+                        </a:solidFill>
+                        <a:latin typeface="Cambria Math" panose="02040503050406030204" pitchFamily="18" charset="0"/>
+                      </a:rPr>
+                      <m:t>∉</m:t>
+                    </m:r>
+                    <m:sSub>
+                      <m:sSubPr>
+                        <m:ctrlPr>
+                          <a:rPr lang="en-US" sz="2200" b="0" i="1" smtClean="0">
+                            <a:solidFill>
+                              <a:srgbClr val="000000"/>
+                            </a:solidFill>
+                            <a:latin typeface="Cambria Math" panose="02040503050406030204" pitchFamily="18" charset="0"/>
+                          </a:rPr>
+                        </m:ctrlPr>
+                      </m:sSubPr>
+                      <m:e>
+                        <m:r>
+                          <a:rPr lang="en-US" sz="2200" b="0" i="1" smtClean="0">
+                            <a:solidFill>
+                              <a:srgbClr val="000000"/>
+                            </a:solidFill>
+                            <a:latin typeface="Cambria Math" panose="02040503050406030204" pitchFamily="18" charset="0"/>
+                          </a:rPr>
+                          <m:t>𝐿</m:t>
+                        </m:r>
+                      </m:e>
+                      <m:sub>
+                        <m:r>
+                          <a:rPr lang="en-US" sz="2200" b="0" i="1" smtClean="0">
+                            <a:solidFill>
+                              <a:srgbClr val="000000"/>
+                            </a:solidFill>
+                            <a:latin typeface="Cambria Math" panose="02040503050406030204" pitchFamily="18" charset="0"/>
+                          </a:rPr>
+                          <m:t>3</m:t>
+                        </m:r>
+                      </m:sub>
+                    </m:sSub>
+                    <m:r>
+                      <a:rPr lang="en-US" sz="2200" b="0" i="1" smtClean="0">
+                        <a:solidFill>
+                          <a:srgbClr val="000000"/>
+                        </a:solidFill>
+                        <a:latin typeface="Cambria Math" panose="02040503050406030204" pitchFamily="18" charset="0"/>
+                      </a:rPr>
+                      <m:t>⇒ </m:t>
+                    </m:r>
+                  </m:oMath>
+                </a14:m>
+                <a:r>
+                  <a:rPr lang="ru-RU" sz="2200" dirty="0">
+                    <a:solidFill>
+                      <a:srgbClr val="000000"/>
+                    </a:solidFill>
+                    <a:latin typeface="Times New Roman" panose="02020603050405020304" pitchFamily="18" charset="0"/>
+                  </a:rPr>
+                  <a:t>удаляем ⟨{1, 2} {3} {5}⟩</a:t>
+                </a:r>
+              </a:p>
+              <a:p>
+                <a:pPr indent="0">
+                  <a:lnSpc>
+                    <a:spcPct val="100000"/>
+                  </a:lnSpc>
+                  <a:buNone/>
+                </a:pPr>
+                <a:endParaRPr lang="ru-RU" sz="2200" dirty="0">
+                  <a:latin typeface="Times New Roman" panose="02020603050405020304" pitchFamily="18" charset="0"/>
+                  <a:ea typeface="Times New Roman" panose="02020603050405020304" pitchFamily="18" charset="0"/>
+                  <a:cs typeface="Times New Roman" panose="02020603050405020304" pitchFamily="18" charset="0"/>
+                </a:endParaRPr>
+              </a:p>
+            </p:txBody>
+          </p:sp>
+        </mc:Choice>
+        <mc:Fallback xmlns="">
+          <p:sp>
+            <p:nvSpPr>
+              <p:cNvPr id="17" name="Объект 2">
+                <a:extLst>
+                  <a:ext uri="{FF2B5EF4-FFF2-40B4-BE49-F238E27FC236}">
+                    <a16:creationId xmlns:a16="http://schemas.microsoft.com/office/drawing/2014/main" id="{8AC1E118-B2EC-4467-9CD9-81C44AFB37E4}"/>
+                  </a:ext>
+                </a:extLst>
+              </p:cNvPr>
+              <p:cNvSpPr txBox="1">
+                <a:spLocks noRot="1" noChangeAspect="1" noMove="1" noResize="1" noEditPoints="1" noAdjustHandles="1" noChangeArrowheads="1" noChangeShapeType="1" noTextEdit="1"/>
+              </p:cNvSpPr>
+              <p:nvPr/>
+            </p:nvSpPr>
+            <p:spPr>
+              <a:xfrm>
+                <a:off x="5977915" y="1438429"/>
+                <a:ext cx="6277314" cy="1905000"/>
+              </a:xfrm>
+              <a:prstGeom prst="rect">
+                <a:avLst/>
+              </a:prstGeom>
+              <a:blipFill>
+                <a:blip r:embed="rId2"/>
+                <a:stretch>
+                  <a:fillRect t="-2244" b="-6090"/>
+                </a:stretch>
+              </a:blipFill>
+            </p:spPr>
+            <p:txBody>
+              <a:bodyPr/>
+              <a:lstStyle/>
+              <a:p>
+                <a:r>
+                  <a:rPr lang="ru-RU">
+                    <a:noFill/>
+                  </a:rPr>
+                  <a:t> </a:t>
+                </a:r>
+              </a:p>
+            </p:txBody>
+          </p:sp>
+        </mc:Fallback>
+      </mc:AlternateContent>
+      <mc:AlternateContent xmlns:mc="http://schemas.openxmlformats.org/markup-compatibility/2006" xmlns:a14="http://schemas.microsoft.com/office/drawing/2010/main">
+        <mc:Choice Requires="a14">
+          <p:graphicFrame>
+            <p:nvGraphicFramePr>
+              <p:cNvPr id="21" name="Таблица 20">
+                <a:extLst>
+                  <a:ext uri="{FF2B5EF4-FFF2-40B4-BE49-F238E27FC236}">
+                    <a16:creationId xmlns:a16="http://schemas.microsoft.com/office/drawing/2014/main" id="{A6080CF2-EF6E-455B-AEAE-FB2BA79A380A}"/>
+                  </a:ext>
+                </a:extLst>
+              </p:cNvPr>
+              <p:cNvGraphicFramePr>
+                <a:graphicFrameLocks noGrp="1"/>
+              </p:cNvGraphicFramePr>
+              <p:nvPr>
+                <p:extLst>
+                  <p:ext uri="{D42A27DB-BD31-4B8C-83A1-F6EECF244321}">
+                    <p14:modId xmlns:p14="http://schemas.microsoft.com/office/powerpoint/2010/main" val="199419907"/>
+                  </p:ext>
+                </p:extLst>
+              </p:nvPr>
+            </p:nvGraphicFramePr>
+            <p:xfrm>
+              <a:off x="428016" y="1438429"/>
+              <a:ext cx="5658670" cy="1905000"/>
+            </p:xfrm>
+            <a:graphic>
+              <a:graphicData uri="http://schemas.openxmlformats.org/drawingml/2006/table">
+                <a:tbl>
+                  <a:tblPr/>
+                  <a:tblGrid>
+                    <a:gridCol w="2561273">
+                      <a:extLst>
+                        <a:ext uri="{9D8B030D-6E8A-4147-A177-3AD203B41FA5}">
+                          <a16:colId xmlns:a16="http://schemas.microsoft.com/office/drawing/2014/main" val="643785401"/>
+                        </a:ext>
+                      </a:extLst>
+                    </a:gridCol>
+                    <a:gridCol w="1610646">
+                      <a:extLst>
+                        <a:ext uri="{9D8B030D-6E8A-4147-A177-3AD203B41FA5}">
+                          <a16:colId xmlns:a16="http://schemas.microsoft.com/office/drawing/2014/main" val="236240366"/>
+                        </a:ext>
+                      </a:extLst>
+                    </a:gridCol>
+                    <a:gridCol w="1486751">
+                      <a:extLst>
+                        <a:ext uri="{9D8B030D-6E8A-4147-A177-3AD203B41FA5}">
+                          <a16:colId xmlns:a16="http://schemas.microsoft.com/office/drawing/2014/main" val="1882686481"/>
+                        </a:ext>
+                      </a:extLst>
+                    </a:gridCol>
+                  </a:tblGrid>
+                  <a:tr h="238125">
+                    <a:tc rowSpan="2">
+                      <a:txBody>
+                        <a:bodyPr/>
+                        <a:lstStyle/>
+                        <a:p>
+                          <a:pPr algn="ctr" fontAlgn="ctr"/>
+                          <a:r>
+                            <a:rPr lang="ru-RU" sz="1400" b="0" i="0" u="none" strike="noStrike" dirty="0">
+                              <a:solidFill>
+                                <a:srgbClr val="000000"/>
+                              </a:solidFill>
+                              <a:effectLst/>
+                              <a:latin typeface="Times New Roman" panose="02020603050405020304" pitchFamily="18" charset="0"/>
+                            </a:rPr>
+                            <a:t>Частые 3-последовательности</a:t>
+                          </a:r>
+                          <a14:m>
+                            <m:oMath xmlns:m="http://schemas.openxmlformats.org/officeDocument/2006/math">
+                              <m:sSub>
+                                <m:sSubPr>
+                                  <m:ctrlPr>
+                                    <a:rPr lang="en-US" sz="1400" b="0" i="1" smtClean="0">
+                                      <a:solidFill>
+                                        <a:srgbClr val="000000"/>
+                                      </a:solidFill>
+                                      <a:latin typeface="Cambria Math" panose="02040503050406030204" pitchFamily="18" charset="0"/>
+                                    </a:rPr>
+                                  </m:ctrlPr>
+                                </m:sSubPr>
+                                <m:e>
+                                  <m:r>
+                                    <a:rPr lang="en-US" sz="1400" b="0" i="1" smtClean="0">
+                                      <a:solidFill>
+                                        <a:srgbClr val="000000"/>
+                                      </a:solidFill>
+                                      <a:latin typeface="Cambria Math" panose="02040503050406030204" pitchFamily="18" charset="0"/>
+                                    </a:rPr>
+                                    <m:t> </m:t>
+                                  </m:r>
+                                  <m:r>
+                                    <a:rPr lang="en-US" sz="1400" b="0" i="1" smtClean="0">
+                                      <a:solidFill>
+                                        <a:srgbClr val="000000"/>
+                                      </a:solidFill>
+                                      <a:latin typeface="Cambria Math" panose="02040503050406030204" pitchFamily="18" charset="0"/>
+                                    </a:rPr>
+                                    <m:t>𝐿</m:t>
+                                  </m:r>
+                                </m:e>
+                                <m:sub>
+                                  <m:r>
+                                    <a:rPr lang="en-US" sz="1400" b="0" i="1" smtClean="0">
+                                      <a:solidFill>
+                                        <a:srgbClr val="000000"/>
+                                      </a:solidFill>
+                                      <a:latin typeface="Cambria Math" panose="02040503050406030204" pitchFamily="18" charset="0"/>
+                                    </a:rPr>
+                                    <m:t>3</m:t>
+                                  </m:r>
+                                </m:sub>
+                              </m:sSub>
+                            </m:oMath>
+                          </a14:m>
+                          <a:endParaRPr lang="ru-RU" sz="1400" b="0" i="0" u="none" strike="noStrike" dirty="0">
+                            <a:solidFill>
+                              <a:srgbClr val="000000"/>
+                            </a:solidFill>
+                            <a:effectLst/>
+                            <a:latin typeface="Times New Roman" panose="02020603050405020304" pitchFamily="18" charset="0"/>
+                          </a:endParaRPr>
+                        </a:p>
+                      </a:txBody>
+                      <a:tcPr marL="9525" marR="9525" marT="9525" marB="0" anchor="ctr">
+                        <a:lnL w="6350" cap="flat" cmpd="sng" algn="ctr">
+                          <a:solidFill>
+                            <a:srgbClr val="000000"/>
+                          </a:solidFill>
+                          <a:prstDash val="solid"/>
+                          <a:round/>
+                          <a:headEnd type="none" w="med" len="med"/>
+                          <a:tailEnd type="none" w="med" len="med"/>
+                        </a:lnL>
+                        <a:lnR w="6350" cap="flat" cmpd="sng" algn="ctr">
+                          <a:solidFill>
+                            <a:srgbClr val="000000"/>
+                          </a:solidFill>
+                          <a:prstDash val="solid"/>
+                          <a:round/>
+                          <a:headEnd type="none" w="med" len="med"/>
+                          <a:tailEnd type="none" w="med" len="med"/>
+                        </a:lnR>
+                        <a:lnT w="6350" cap="flat" cmpd="sng" algn="ctr">
+                          <a:solidFill>
+                            <a:srgbClr val="000000"/>
+                          </a:solidFill>
+                          <a:prstDash val="solid"/>
+                          <a:round/>
+                          <a:headEnd type="none" w="med" len="med"/>
+                          <a:tailEnd type="none" w="med" len="med"/>
+                        </a:lnT>
+                        <a:lnB w="6350" cap="flat" cmpd="sng" algn="ctr">
+                          <a:solidFill>
+                            <a:srgbClr val="000000"/>
+                          </a:solidFill>
+                          <a:prstDash val="solid"/>
+                          <a:round/>
+                          <a:headEnd type="none" w="med" len="med"/>
+                          <a:tailEnd type="none" w="med" len="med"/>
+                        </a:lnB>
+                        <a:solidFill>
+                          <a:srgbClr val="BFBFBF"/>
+                        </a:solidFill>
+                      </a:tcPr>
+                    </a:tc>
+                    <a:tc gridSpan="2">
+                      <a:txBody>
+                        <a:bodyPr/>
+                        <a:lstStyle/>
+                        <a:p>
+                          <a:pPr algn="ctr" fontAlgn="ctr"/>
+                          <a:r>
+                            <a:rPr lang="ru-RU" sz="1400" b="0" i="0" u="none" strike="noStrike" dirty="0">
+                              <a:solidFill>
+                                <a:srgbClr val="000000"/>
+                              </a:solidFill>
+                              <a:effectLst/>
+                              <a:latin typeface="Times New Roman" panose="02020603050405020304" pitchFamily="18" charset="0"/>
+                            </a:rPr>
+                            <a:t>Кандидаты 4-последовательности</a:t>
+                          </a:r>
+                          <a:r>
+                            <a:rPr lang="en-US" sz="1400" b="0" i="0" u="none" strike="noStrike" dirty="0">
+                              <a:solidFill>
+                                <a:srgbClr val="000000"/>
+                              </a:solidFill>
+                              <a:effectLst/>
+                              <a:latin typeface="Times New Roman" panose="02020603050405020304" pitchFamily="18" charset="0"/>
+                            </a:rPr>
+                            <a:t> </a:t>
+                          </a:r>
+                          <a14:m>
+                            <m:oMath xmlns:m="http://schemas.openxmlformats.org/officeDocument/2006/math">
+                              <m:sSub>
+                                <m:sSubPr>
+                                  <m:ctrlPr>
+                                    <a:rPr lang="en-US" sz="1400" b="0" i="1" smtClean="0">
+                                      <a:solidFill>
+                                        <a:srgbClr val="000000"/>
+                                      </a:solidFill>
+                                      <a:latin typeface="Cambria Math" panose="02040503050406030204" pitchFamily="18" charset="0"/>
+                                    </a:rPr>
+                                  </m:ctrlPr>
+                                </m:sSubPr>
+                                <m:e>
+                                  <m:r>
+                                    <a:rPr lang="en-US" sz="1400" b="0" i="1" smtClean="0">
+                                      <a:solidFill>
+                                        <a:srgbClr val="000000"/>
+                                      </a:solidFill>
+                                      <a:latin typeface="Cambria Math" panose="02040503050406030204" pitchFamily="18" charset="0"/>
+                                    </a:rPr>
+                                    <m:t>𝐶</m:t>
+                                  </m:r>
+                                </m:e>
+                                <m:sub>
+                                  <m:r>
+                                    <a:rPr lang="en-US" sz="1400" b="0" i="1" smtClean="0">
+                                      <a:solidFill>
+                                        <a:srgbClr val="000000"/>
+                                      </a:solidFill>
+                                      <a:latin typeface="Cambria Math" panose="02040503050406030204" pitchFamily="18" charset="0"/>
+                                    </a:rPr>
+                                    <m:t>4</m:t>
+                                  </m:r>
+                                </m:sub>
+                              </m:sSub>
+                            </m:oMath>
+                          </a14:m>
+                          <a:endParaRPr lang="ru-RU" sz="1400" b="0" i="0" u="none" strike="noStrike" dirty="0">
+                            <a:solidFill>
+                              <a:srgbClr val="000000"/>
+                            </a:solidFill>
+                            <a:effectLst/>
+                            <a:latin typeface="Times New Roman" panose="02020603050405020304" pitchFamily="18" charset="0"/>
+                          </a:endParaRPr>
+                        </a:p>
+                      </a:txBody>
+                      <a:tcPr marL="9525" marR="9525" marT="9525" marB="0" anchor="ctr">
+                        <a:lnL w="6350" cap="flat" cmpd="sng" algn="ctr">
+                          <a:solidFill>
+                            <a:srgbClr val="000000"/>
+                          </a:solidFill>
+                          <a:prstDash val="solid"/>
+                          <a:round/>
+                          <a:headEnd type="none" w="med" len="med"/>
+                          <a:tailEnd type="none" w="med" len="med"/>
+                        </a:lnL>
+                        <a:lnR w="6350" cap="flat" cmpd="sng" algn="ctr">
+                          <a:solidFill>
+                            <a:srgbClr val="000000"/>
+                          </a:solidFill>
+                          <a:prstDash val="solid"/>
+                          <a:round/>
+                          <a:headEnd type="none" w="med" len="med"/>
+                          <a:tailEnd type="none" w="med" len="med"/>
+                        </a:lnR>
+                        <a:lnT w="6350" cap="flat" cmpd="sng" algn="ctr">
+                          <a:solidFill>
+                            <a:srgbClr val="000000"/>
+                          </a:solidFill>
+                          <a:prstDash val="solid"/>
+                          <a:round/>
+                          <a:headEnd type="none" w="med" len="med"/>
+                          <a:tailEnd type="none" w="med" len="med"/>
+                        </a:lnT>
+                        <a:lnB w="6350" cap="flat" cmpd="sng" algn="ctr">
+                          <a:solidFill>
+                            <a:srgbClr val="000000"/>
+                          </a:solidFill>
+                          <a:prstDash val="solid"/>
+                          <a:round/>
+                          <a:headEnd type="none" w="med" len="med"/>
+                          <a:tailEnd type="none" w="med" len="med"/>
+                        </a:lnB>
+                        <a:solidFill>
+                          <a:srgbClr val="BFBFBF"/>
+                        </a:solidFill>
+                      </a:tcPr>
+                    </a:tc>
+                    <a:tc hMerge="1">
+                      <a:txBody>
+                        <a:bodyPr/>
+                        <a:lstStyle/>
+                        <a:p>
+                          <a:endParaRPr lang="ru-RU"/>
+                        </a:p>
+                      </a:txBody>
+                      <a:tcPr/>
+                    </a:tc>
+                    <a:extLst>
+                      <a:ext uri="{0D108BD9-81ED-4DB2-BD59-A6C34878D82A}">
+                        <a16:rowId xmlns:a16="http://schemas.microsoft.com/office/drawing/2014/main" val="2465502811"/>
+                      </a:ext>
+                    </a:extLst>
+                  </a:tr>
+                  <a:tr h="238125">
+                    <a:tc vMerge="1">
+                      <a:txBody>
+                        <a:bodyPr/>
+                        <a:lstStyle/>
+                        <a:p>
+                          <a:endParaRPr lang="ru-RU"/>
+                        </a:p>
+                      </a:txBody>
+                      <a:tcPr/>
+                    </a:tc>
+                    <a:tc>
+                      <a:txBody>
+                        <a:bodyPr/>
+                        <a:lstStyle/>
+                        <a:p>
+                          <a:pPr algn="ctr" fontAlgn="ctr"/>
+                          <a:r>
+                            <a:rPr lang="ru-RU" sz="1400" b="0" i="0" u="none" strike="noStrike" dirty="0">
+                              <a:solidFill>
+                                <a:srgbClr val="000000"/>
+                              </a:solidFill>
+                              <a:effectLst/>
+                              <a:latin typeface="Times New Roman" panose="02020603050405020304" pitchFamily="18" charset="0"/>
+                            </a:rPr>
+                            <a:t>После объединения</a:t>
+                          </a:r>
+                        </a:p>
+                      </a:txBody>
+                      <a:tcPr marL="9525" marR="9525" marT="9525" marB="0" anchor="ctr">
+                        <a:lnL w="6350" cap="flat" cmpd="sng" algn="ctr">
+                          <a:solidFill>
+                            <a:srgbClr val="000000"/>
+                          </a:solidFill>
+                          <a:prstDash val="solid"/>
+                          <a:round/>
+                          <a:headEnd type="none" w="med" len="med"/>
+                          <a:tailEnd type="none" w="med" len="med"/>
+                        </a:lnL>
+                        <a:lnR w="6350" cap="flat" cmpd="sng" algn="ctr">
+                          <a:solidFill>
+                            <a:srgbClr val="000000"/>
+                          </a:solidFill>
+                          <a:prstDash val="solid"/>
+                          <a:round/>
+                          <a:headEnd type="none" w="med" len="med"/>
+                          <a:tailEnd type="none" w="med" len="med"/>
+                        </a:lnR>
+                        <a:lnT w="6350" cap="flat" cmpd="sng" algn="ctr">
+                          <a:solidFill>
+                            <a:srgbClr val="000000"/>
+                          </a:solidFill>
+                          <a:prstDash val="solid"/>
+                          <a:round/>
+                          <a:headEnd type="none" w="med" len="med"/>
+                          <a:tailEnd type="none" w="med" len="med"/>
+                        </a:lnT>
+                        <a:lnB w="6350" cap="flat" cmpd="sng" algn="ctr">
+                          <a:solidFill>
+                            <a:srgbClr val="000000"/>
+                          </a:solidFill>
+                          <a:prstDash val="solid"/>
+                          <a:round/>
+                          <a:headEnd type="none" w="med" len="med"/>
+                          <a:tailEnd type="none" w="med" len="med"/>
+                        </a:lnB>
+                        <a:solidFill>
+                          <a:srgbClr val="BFBFBF"/>
+                        </a:solidFill>
+                      </a:tcPr>
+                    </a:tc>
+                    <a:tc>
+                      <a:txBody>
+                        <a:bodyPr/>
+                        <a:lstStyle/>
+                        <a:p>
+                          <a:pPr algn="ctr" fontAlgn="ctr"/>
+                          <a:r>
+                            <a:rPr lang="ru-RU" sz="1400" b="0" i="0" u="none" strike="noStrike">
+                              <a:solidFill>
+                                <a:srgbClr val="000000"/>
+                              </a:solidFill>
+                              <a:effectLst/>
+                              <a:latin typeface="Times New Roman" panose="02020603050405020304" pitchFamily="18" charset="0"/>
+                            </a:rPr>
+                            <a:t>После упрощения</a:t>
+                          </a:r>
+                        </a:p>
+                      </a:txBody>
+                      <a:tcPr marL="9525" marR="9525" marT="9525" marB="0" anchor="ctr">
+                        <a:lnL w="6350" cap="flat" cmpd="sng" algn="ctr">
+                          <a:solidFill>
+                            <a:srgbClr val="000000"/>
+                          </a:solidFill>
+                          <a:prstDash val="solid"/>
+                          <a:round/>
+                          <a:headEnd type="none" w="med" len="med"/>
+                          <a:tailEnd type="none" w="med" len="med"/>
+                        </a:lnL>
+                        <a:lnR w="6350" cap="flat" cmpd="sng" algn="ctr">
+                          <a:solidFill>
+                            <a:srgbClr val="000000"/>
+                          </a:solidFill>
+                          <a:prstDash val="solid"/>
+                          <a:round/>
+                          <a:headEnd type="none" w="med" len="med"/>
+                          <a:tailEnd type="none" w="med" len="med"/>
+                        </a:lnR>
+                        <a:lnT w="6350" cap="flat" cmpd="sng" algn="ctr">
+                          <a:solidFill>
+                            <a:srgbClr val="000000"/>
+                          </a:solidFill>
+                          <a:prstDash val="solid"/>
+                          <a:round/>
+                          <a:headEnd type="none" w="med" len="med"/>
+                          <a:tailEnd type="none" w="med" len="med"/>
+                        </a:lnT>
+                        <a:lnB w="6350" cap="flat" cmpd="sng" algn="ctr">
+                          <a:solidFill>
+                            <a:srgbClr val="000000"/>
+                          </a:solidFill>
+                          <a:prstDash val="solid"/>
+                          <a:round/>
+                          <a:headEnd type="none" w="med" len="med"/>
+                          <a:tailEnd type="none" w="med" len="med"/>
+                        </a:lnB>
+                        <a:solidFill>
+                          <a:srgbClr val="BFBFBF"/>
+                        </a:solidFill>
+                      </a:tcPr>
+                    </a:tc>
+                    <a:extLst>
+                      <a:ext uri="{0D108BD9-81ED-4DB2-BD59-A6C34878D82A}">
+                        <a16:rowId xmlns:a16="http://schemas.microsoft.com/office/drawing/2014/main" val="586372373"/>
+                      </a:ext>
+                    </a:extLst>
+                  </a:tr>
+                  <a:tr h="238125">
+                    <a:tc>
+                      <a:txBody>
+                        <a:bodyPr/>
+                        <a:lstStyle/>
+                        <a:p>
+                          <a:pPr algn="ctr" fontAlgn="ctr"/>
+                          <a:r>
+                            <a:rPr lang="ru-RU" sz="1400" b="0" i="0" u="none" strike="noStrike">
+                              <a:solidFill>
+                                <a:srgbClr val="000000"/>
+                              </a:solidFill>
+                              <a:effectLst/>
+                              <a:latin typeface="Times New Roman" panose="02020603050405020304" pitchFamily="18" charset="0"/>
+                            </a:rPr>
+                            <a:t>⟨{1, 2} {3}⟩</a:t>
+                          </a:r>
+                        </a:p>
+                      </a:txBody>
+                      <a:tcPr marL="9525" marR="9525" marT="9525" marB="0" anchor="ctr">
+                        <a:lnL w="6350" cap="flat" cmpd="sng" algn="ctr">
+                          <a:solidFill>
+                            <a:srgbClr val="000000"/>
+                          </a:solidFill>
+                          <a:prstDash val="solid"/>
+                          <a:round/>
+                          <a:headEnd type="none" w="med" len="med"/>
+                          <a:tailEnd type="none" w="med" len="med"/>
+                        </a:lnL>
+                        <a:lnR w="6350" cap="flat" cmpd="sng" algn="ctr">
+                          <a:solidFill>
+                            <a:srgbClr val="000000"/>
+                          </a:solidFill>
+                          <a:prstDash val="solid"/>
+                          <a:round/>
+                          <a:headEnd type="none" w="med" len="med"/>
+                          <a:tailEnd type="none" w="med" len="med"/>
+                        </a:lnR>
+                        <a:lnT w="6350" cap="flat" cmpd="sng" algn="ctr">
+                          <a:solidFill>
+                            <a:srgbClr val="000000"/>
+                          </a:solidFill>
+                          <a:prstDash val="solid"/>
+                          <a:round/>
+                          <a:headEnd type="none" w="med" len="med"/>
+                          <a:tailEnd type="none" w="med" len="med"/>
+                        </a:lnT>
+                        <a:lnB w="6350" cap="flat" cmpd="sng" algn="ctr">
+                          <a:solidFill>
+                            <a:srgbClr val="000000"/>
+                          </a:solidFill>
+                          <a:prstDash val="solid"/>
+                          <a:round/>
+                          <a:headEnd type="none" w="med" len="med"/>
+                          <a:tailEnd type="none" w="med" len="med"/>
+                        </a:lnB>
+                      </a:tcPr>
+                    </a:tc>
+                    <a:tc>
+                      <a:txBody>
+                        <a:bodyPr/>
+                        <a:lstStyle/>
+                        <a:p>
+                          <a:pPr algn="ctr" fontAlgn="ctr"/>
+                          <a:r>
+                            <a:rPr lang="ru-RU" sz="1400" b="0" i="0" u="none" strike="noStrike">
+                              <a:solidFill>
+                                <a:srgbClr val="000000"/>
+                              </a:solidFill>
+                              <a:effectLst/>
+                              <a:latin typeface="Times New Roman" panose="02020603050405020304" pitchFamily="18" charset="0"/>
+                            </a:rPr>
+                            <a:t>⟨{1, 2} {3, 4}⟩</a:t>
+                          </a:r>
+                        </a:p>
+                      </a:txBody>
+                      <a:tcPr marL="9525" marR="9525" marT="9525" marB="0" anchor="ctr">
+                        <a:lnL w="6350" cap="flat" cmpd="sng" algn="ctr">
+                          <a:solidFill>
+                            <a:srgbClr val="000000"/>
+                          </a:solidFill>
+                          <a:prstDash val="solid"/>
+                          <a:round/>
+                          <a:headEnd type="none" w="med" len="med"/>
+                          <a:tailEnd type="none" w="med" len="med"/>
+                        </a:lnL>
+                        <a:lnR w="6350" cap="flat" cmpd="sng" algn="ctr">
+                          <a:solidFill>
+                            <a:srgbClr val="000000"/>
+                          </a:solidFill>
+                          <a:prstDash val="solid"/>
+                          <a:round/>
+                          <a:headEnd type="none" w="med" len="med"/>
+                          <a:tailEnd type="none" w="med" len="med"/>
+                        </a:lnR>
+                        <a:lnT w="6350" cap="flat" cmpd="sng" algn="ctr">
+                          <a:solidFill>
+                            <a:srgbClr val="000000"/>
+                          </a:solidFill>
+                          <a:prstDash val="solid"/>
+                          <a:round/>
+                          <a:headEnd type="none" w="med" len="med"/>
+                          <a:tailEnd type="none" w="med" len="med"/>
+                        </a:lnT>
+                        <a:lnB w="6350" cap="flat" cmpd="sng" algn="ctr">
+                          <a:solidFill>
+                            <a:srgbClr val="000000"/>
+                          </a:solidFill>
+                          <a:prstDash val="solid"/>
+                          <a:round/>
+                          <a:headEnd type="none" w="med" len="med"/>
+                          <a:tailEnd type="none" w="med" len="med"/>
+                        </a:lnB>
+                      </a:tcPr>
+                    </a:tc>
+                    <a:tc>
+                      <a:txBody>
+                        <a:bodyPr/>
+                        <a:lstStyle/>
+                        <a:p>
+                          <a:pPr algn="ctr" fontAlgn="ctr"/>
+                          <a:r>
+                            <a:rPr lang="ru-RU" sz="1400" b="0" i="0" u="none" strike="noStrike">
+                              <a:solidFill>
+                                <a:srgbClr val="000000"/>
+                              </a:solidFill>
+                              <a:effectLst/>
+                              <a:latin typeface="Times New Roman" panose="02020603050405020304" pitchFamily="18" charset="0"/>
+                            </a:rPr>
+                            <a:t>⟨{1, 2} {3, 4}⟩</a:t>
+                          </a:r>
+                        </a:p>
+                      </a:txBody>
+                      <a:tcPr marL="9525" marR="9525" marT="9525" marB="0" anchor="ctr">
+                        <a:lnL w="6350" cap="flat" cmpd="sng" algn="ctr">
+                          <a:solidFill>
+                            <a:srgbClr val="000000"/>
+                          </a:solidFill>
+                          <a:prstDash val="solid"/>
+                          <a:round/>
+                          <a:headEnd type="none" w="med" len="med"/>
+                          <a:tailEnd type="none" w="med" len="med"/>
+                        </a:lnL>
+                        <a:lnR w="6350" cap="flat" cmpd="sng" algn="ctr">
+                          <a:solidFill>
+                            <a:srgbClr val="000000"/>
+                          </a:solidFill>
+                          <a:prstDash val="solid"/>
+                          <a:round/>
+                          <a:headEnd type="none" w="med" len="med"/>
+                          <a:tailEnd type="none" w="med" len="med"/>
+                        </a:lnR>
+                        <a:lnT w="6350" cap="flat" cmpd="sng" algn="ctr">
+                          <a:solidFill>
+                            <a:srgbClr val="000000"/>
+                          </a:solidFill>
+                          <a:prstDash val="solid"/>
+                          <a:round/>
+                          <a:headEnd type="none" w="med" len="med"/>
+                          <a:tailEnd type="none" w="med" len="med"/>
+                        </a:lnT>
+                        <a:lnB w="6350" cap="flat" cmpd="sng" algn="ctr">
+                          <a:solidFill>
+                            <a:srgbClr val="000000"/>
+                          </a:solidFill>
+                          <a:prstDash val="solid"/>
+                          <a:round/>
+                          <a:headEnd type="none" w="med" len="med"/>
+                          <a:tailEnd type="none" w="med" len="med"/>
+                        </a:lnB>
+                      </a:tcPr>
+                    </a:tc>
+                    <a:extLst>
+                      <a:ext uri="{0D108BD9-81ED-4DB2-BD59-A6C34878D82A}">
+                        <a16:rowId xmlns:a16="http://schemas.microsoft.com/office/drawing/2014/main" val="305561408"/>
+                      </a:ext>
+                    </a:extLst>
+                  </a:tr>
+                  <a:tr h="238125">
+                    <a:tc>
+                      <a:txBody>
+                        <a:bodyPr/>
+                        <a:lstStyle/>
+                        <a:p>
+                          <a:pPr algn="ctr" fontAlgn="ctr"/>
+                          <a:r>
+                            <a:rPr lang="ru-RU" sz="1400" b="0" i="0" u="none" strike="noStrike">
+                              <a:solidFill>
+                                <a:srgbClr val="000000"/>
+                              </a:solidFill>
+                              <a:effectLst/>
+                              <a:latin typeface="Times New Roman" panose="02020603050405020304" pitchFamily="18" charset="0"/>
+                            </a:rPr>
+                            <a:t>⟨{1, 2} {4}⟩</a:t>
+                          </a:r>
+                        </a:p>
+                      </a:txBody>
+                      <a:tcPr marL="9525" marR="9525" marT="9525" marB="0" anchor="ctr">
+                        <a:lnL w="6350" cap="flat" cmpd="sng" algn="ctr">
+                          <a:solidFill>
+                            <a:srgbClr val="000000"/>
+                          </a:solidFill>
+                          <a:prstDash val="solid"/>
+                          <a:round/>
+                          <a:headEnd type="none" w="med" len="med"/>
+                          <a:tailEnd type="none" w="med" len="med"/>
+                        </a:lnL>
+                        <a:lnR w="6350" cap="flat" cmpd="sng" algn="ctr">
+                          <a:solidFill>
+                            <a:srgbClr val="000000"/>
+                          </a:solidFill>
+                          <a:prstDash val="solid"/>
+                          <a:round/>
+                          <a:headEnd type="none" w="med" len="med"/>
+                          <a:tailEnd type="none" w="med" len="med"/>
+                        </a:lnR>
+                        <a:lnT w="6350" cap="flat" cmpd="sng" algn="ctr">
+                          <a:solidFill>
+                            <a:srgbClr val="000000"/>
+                          </a:solidFill>
+                          <a:prstDash val="solid"/>
+                          <a:round/>
+                          <a:headEnd type="none" w="med" len="med"/>
+                          <a:tailEnd type="none" w="med" len="med"/>
+                        </a:lnT>
+                        <a:lnB w="6350" cap="flat" cmpd="sng" algn="ctr">
+                          <a:solidFill>
+                            <a:srgbClr val="000000"/>
+                          </a:solidFill>
+                          <a:prstDash val="solid"/>
+                          <a:round/>
+                          <a:headEnd type="none" w="med" len="med"/>
+                          <a:tailEnd type="none" w="med" len="med"/>
+                        </a:lnB>
+                      </a:tcPr>
+                    </a:tc>
+                    <a:tc>
+                      <a:txBody>
+                        <a:bodyPr/>
+                        <a:lstStyle/>
+                        <a:p>
+                          <a:pPr algn="ctr" fontAlgn="ctr"/>
+                          <a:r>
+                            <a:rPr lang="ru-RU" sz="1400" b="0" i="0" u="none" strike="noStrike">
+                              <a:solidFill>
+                                <a:srgbClr val="000000"/>
+                              </a:solidFill>
+                              <a:effectLst/>
+                              <a:latin typeface="Times New Roman" panose="02020603050405020304" pitchFamily="18" charset="0"/>
+                            </a:rPr>
+                            <a:t>⟨{1, 2} {3} {5}⟩</a:t>
+                          </a:r>
+                        </a:p>
+                      </a:txBody>
+                      <a:tcPr marL="9525" marR="9525" marT="9525" marB="0" anchor="ctr">
+                        <a:lnL w="6350" cap="flat" cmpd="sng" algn="ctr">
+                          <a:solidFill>
+                            <a:srgbClr val="000000"/>
+                          </a:solidFill>
+                          <a:prstDash val="solid"/>
+                          <a:round/>
+                          <a:headEnd type="none" w="med" len="med"/>
+                          <a:tailEnd type="none" w="med" len="med"/>
+                        </a:lnL>
+                        <a:lnR w="6350" cap="flat" cmpd="sng" algn="ctr">
+                          <a:solidFill>
+                            <a:srgbClr val="000000"/>
+                          </a:solidFill>
+                          <a:prstDash val="solid"/>
+                          <a:round/>
+                          <a:headEnd type="none" w="med" len="med"/>
+                          <a:tailEnd type="none" w="med" len="med"/>
+                        </a:lnR>
+                        <a:lnT w="6350" cap="flat" cmpd="sng" algn="ctr">
+                          <a:solidFill>
+                            <a:srgbClr val="000000"/>
+                          </a:solidFill>
+                          <a:prstDash val="solid"/>
+                          <a:round/>
+                          <a:headEnd type="none" w="med" len="med"/>
+                          <a:tailEnd type="none" w="med" len="med"/>
+                        </a:lnT>
+                        <a:lnB w="6350" cap="flat" cmpd="sng" algn="ctr">
+                          <a:solidFill>
+                            <a:srgbClr val="000000"/>
+                          </a:solidFill>
+                          <a:prstDash val="solid"/>
+                          <a:round/>
+                          <a:headEnd type="none" w="med" len="med"/>
+                          <a:tailEnd type="none" w="med" len="med"/>
+                        </a:lnB>
+                      </a:tcPr>
+                    </a:tc>
+                    <a:tc>
+                      <a:txBody>
+                        <a:bodyPr/>
+                        <a:lstStyle/>
+                        <a:p>
+                          <a:pPr algn="ctr" fontAlgn="ctr"/>
+                          <a:r>
+                            <a:rPr lang="ru-RU" sz="1400" b="0" i="0" u="none" strike="noStrike">
+                              <a:solidFill>
+                                <a:srgbClr val="000000"/>
+                              </a:solidFill>
+                              <a:effectLst/>
+                              <a:latin typeface="Times New Roman" panose="02020603050405020304" pitchFamily="18" charset="0"/>
+                            </a:rPr>
+                            <a:t> </a:t>
+                          </a:r>
+                        </a:p>
+                      </a:txBody>
+                      <a:tcPr marL="9525" marR="9525" marT="9525" marB="0" anchor="ctr">
+                        <a:lnL w="6350" cap="flat" cmpd="sng" algn="ctr">
+                          <a:solidFill>
+                            <a:srgbClr val="000000"/>
+                          </a:solidFill>
+                          <a:prstDash val="solid"/>
+                          <a:round/>
+                          <a:headEnd type="none" w="med" len="med"/>
+                          <a:tailEnd type="none" w="med" len="med"/>
+                        </a:lnL>
+                        <a:lnR w="6350" cap="flat" cmpd="sng" algn="ctr">
+                          <a:solidFill>
+                            <a:srgbClr val="000000"/>
+                          </a:solidFill>
+                          <a:prstDash val="solid"/>
+                          <a:round/>
+                          <a:headEnd type="none" w="med" len="med"/>
+                          <a:tailEnd type="none" w="med" len="med"/>
+                        </a:lnR>
+                        <a:lnT w="6350" cap="flat" cmpd="sng" algn="ctr">
+                          <a:solidFill>
+                            <a:srgbClr val="000000"/>
+                          </a:solidFill>
+                          <a:prstDash val="solid"/>
+                          <a:round/>
+                          <a:headEnd type="none" w="med" len="med"/>
+                          <a:tailEnd type="none" w="med" len="med"/>
+                        </a:lnT>
+                        <a:lnB w="6350" cap="flat" cmpd="sng" algn="ctr">
+                          <a:solidFill>
+                            <a:srgbClr val="000000"/>
+                          </a:solidFill>
+                          <a:prstDash val="solid"/>
+                          <a:round/>
+                          <a:headEnd type="none" w="med" len="med"/>
+                          <a:tailEnd type="none" w="med" len="med"/>
+                        </a:lnB>
+                      </a:tcPr>
+                    </a:tc>
+                    <a:extLst>
+                      <a:ext uri="{0D108BD9-81ED-4DB2-BD59-A6C34878D82A}">
+                        <a16:rowId xmlns:a16="http://schemas.microsoft.com/office/drawing/2014/main" val="2688486860"/>
+                      </a:ext>
+                    </a:extLst>
+                  </a:tr>
+                  <a:tr h="238125">
+                    <a:tc>
+                      <a:txBody>
+                        <a:bodyPr/>
+                        <a:lstStyle/>
+                        <a:p>
+                          <a:pPr algn="ctr" fontAlgn="ctr"/>
+                          <a:r>
+                            <a:rPr lang="ru-RU" sz="1400" b="0" i="0" u="none" strike="noStrike">
+                              <a:solidFill>
+                                <a:srgbClr val="000000"/>
+                              </a:solidFill>
+                              <a:effectLst/>
+                              <a:latin typeface="Times New Roman" panose="02020603050405020304" pitchFamily="18" charset="0"/>
+                            </a:rPr>
+                            <a:t>⟨{1} {3, 4}⟩</a:t>
+                          </a:r>
+                        </a:p>
+                      </a:txBody>
+                      <a:tcPr marL="9525" marR="9525" marT="9525" marB="0" anchor="ctr">
+                        <a:lnL w="6350" cap="flat" cmpd="sng" algn="ctr">
+                          <a:solidFill>
+                            <a:srgbClr val="000000"/>
+                          </a:solidFill>
+                          <a:prstDash val="solid"/>
+                          <a:round/>
+                          <a:headEnd type="none" w="med" len="med"/>
+                          <a:tailEnd type="none" w="med" len="med"/>
+                        </a:lnL>
+                        <a:lnR w="6350" cap="flat" cmpd="sng" algn="ctr">
+                          <a:solidFill>
+                            <a:srgbClr val="000000"/>
+                          </a:solidFill>
+                          <a:prstDash val="solid"/>
+                          <a:round/>
+                          <a:headEnd type="none" w="med" len="med"/>
+                          <a:tailEnd type="none" w="med" len="med"/>
+                        </a:lnR>
+                        <a:lnT w="6350" cap="flat" cmpd="sng" algn="ctr">
+                          <a:solidFill>
+                            <a:srgbClr val="000000"/>
+                          </a:solidFill>
+                          <a:prstDash val="solid"/>
+                          <a:round/>
+                          <a:headEnd type="none" w="med" len="med"/>
+                          <a:tailEnd type="none" w="med" len="med"/>
+                        </a:lnT>
+                        <a:lnB w="6350" cap="flat" cmpd="sng" algn="ctr">
+                          <a:solidFill>
+                            <a:srgbClr val="000000"/>
+                          </a:solidFill>
+                          <a:prstDash val="solid"/>
+                          <a:round/>
+                          <a:headEnd type="none" w="med" len="med"/>
+                          <a:tailEnd type="none" w="med" len="med"/>
+                        </a:lnB>
+                      </a:tcPr>
+                    </a:tc>
+                    <a:tc>
+                      <a:txBody>
+                        <a:bodyPr/>
+                        <a:lstStyle/>
+                        <a:p>
+                          <a:pPr algn="ctr" fontAlgn="ctr"/>
+                          <a:r>
+                            <a:rPr lang="ru-RU" sz="1400" b="0" i="0" u="none" strike="noStrike">
+                              <a:solidFill>
+                                <a:srgbClr val="000000"/>
+                              </a:solidFill>
+                              <a:effectLst/>
+                              <a:latin typeface="Times New Roman" panose="02020603050405020304" pitchFamily="18" charset="0"/>
+                            </a:rPr>
+                            <a:t> </a:t>
+                          </a:r>
+                        </a:p>
+                      </a:txBody>
+                      <a:tcPr marL="9525" marR="9525" marT="9525" marB="0" anchor="ctr">
+                        <a:lnL w="6350" cap="flat" cmpd="sng" algn="ctr">
+                          <a:solidFill>
+                            <a:srgbClr val="000000"/>
+                          </a:solidFill>
+                          <a:prstDash val="solid"/>
+                          <a:round/>
+                          <a:headEnd type="none" w="med" len="med"/>
+                          <a:tailEnd type="none" w="med" len="med"/>
+                        </a:lnL>
+                        <a:lnR w="6350" cap="flat" cmpd="sng" algn="ctr">
+                          <a:solidFill>
+                            <a:srgbClr val="000000"/>
+                          </a:solidFill>
+                          <a:prstDash val="solid"/>
+                          <a:round/>
+                          <a:headEnd type="none" w="med" len="med"/>
+                          <a:tailEnd type="none" w="med" len="med"/>
+                        </a:lnR>
+                        <a:lnT w="6350" cap="flat" cmpd="sng" algn="ctr">
+                          <a:solidFill>
+                            <a:srgbClr val="000000"/>
+                          </a:solidFill>
+                          <a:prstDash val="solid"/>
+                          <a:round/>
+                          <a:headEnd type="none" w="med" len="med"/>
+                          <a:tailEnd type="none" w="med" len="med"/>
+                        </a:lnT>
+                        <a:lnB w="6350" cap="flat" cmpd="sng" algn="ctr">
+                          <a:solidFill>
+                            <a:srgbClr val="000000"/>
+                          </a:solidFill>
+                          <a:prstDash val="solid"/>
+                          <a:round/>
+                          <a:headEnd type="none" w="med" len="med"/>
+                          <a:tailEnd type="none" w="med" len="med"/>
+                        </a:lnB>
+                      </a:tcPr>
+                    </a:tc>
+                    <a:tc>
+                      <a:txBody>
+                        <a:bodyPr/>
+                        <a:lstStyle/>
+                        <a:p>
+                          <a:pPr algn="ctr" fontAlgn="ctr"/>
+                          <a:r>
+                            <a:rPr lang="ru-RU" sz="1400" b="0" i="0" u="none" strike="noStrike">
+                              <a:solidFill>
+                                <a:srgbClr val="000000"/>
+                              </a:solidFill>
+                              <a:effectLst/>
+                              <a:latin typeface="Times New Roman" panose="02020603050405020304" pitchFamily="18" charset="0"/>
+                            </a:rPr>
+                            <a:t> </a:t>
+                          </a:r>
+                        </a:p>
+                      </a:txBody>
+                      <a:tcPr marL="9525" marR="9525" marT="9525" marB="0" anchor="ctr">
+                        <a:lnL w="6350" cap="flat" cmpd="sng" algn="ctr">
+                          <a:solidFill>
+                            <a:srgbClr val="000000"/>
+                          </a:solidFill>
+                          <a:prstDash val="solid"/>
+                          <a:round/>
+                          <a:headEnd type="none" w="med" len="med"/>
+                          <a:tailEnd type="none" w="med" len="med"/>
+                        </a:lnL>
+                        <a:lnR w="6350" cap="flat" cmpd="sng" algn="ctr">
+                          <a:solidFill>
+                            <a:srgbClr val="000000"/>
+                          </a:solidFill>
+                          <a:prstDash val="solid"/>
+                          <a:round/>
+                          <a:headEnd type="none" w="med" len="med"/>
+                          <a:tailEnd type="none" w="med" len="med"/>
+                        </a:lnR>
+                        <a:lnT w="6350" cap="flat" cmpd="sng" algn="ctr">
+                          <a:solidFill>
+                            <a:srgbClr val="000000"/>
+                          </a:solidFill>
+                          <a:prstDash val="solid"/>
+                          <a:round/>
+                          <a:headEnd type="none" w="med" len="med"/>
+                          <a:tailEnd type="none" w="med" len="med"/>
+                        </a:lnT>
+                        <a:lnB w="6350" cap="flat" cmpd="sng" algn="ctr">
+                          <a:solidFill>
+                            <a:srgbClr val="000000"/>
+                          </a:solidFill>
+                          <a:prstDash val="solid"/>
+                          <a:round/>
+                          <a:headEnd type="none" w="med" len="med"/>
+                          <a:tailEnd type="none" w="med" len="med"/>
+                        </a:lnB>
+                      </a:tcPr>
+                    </a:tc>
+                    <a:extLst>
+                      <a:ext uri="{0D108BD9-81ED-4DB2-BD59-A6C34878D82A}">
+                        <a16:rowId xmlns:a16="http://schemas.microsoft.com/office/drawing/2014/main" val="3132930567"/>
+                      </a:ext>
+                    </a:extLst>
+                  </a:tr>
+                  <a:tr h="238125">
+                    <a:tc>
+                      <a:txBody>
+                        <a:bodyPr/>
+                        <a:lstStyle/>
+                        <a:p>
+                          <a:pPr algn="ctr" fontAlgn="ctr"/>
+                          <a:r>
+                            <a:rPr lang="ru-RU" sz="1400" b="0" i="0" u="none" strike="noStrike">
+                              <a:solidFill>
+                                <a:srgbClr val="000000"/>
+                              </a:solidFill>
+                              <a:effectLst/>
+                              <a:latin typeface="Times New Roman" panose="02020603050405020304" pitchFamily="18" charset="0"/>
+                            </a:rPr>
+                            <a:t>⟨{1, 3} {5}⟩</a:t>
+                          </a:r>
+                        </a:p>
+                      </a:txBody>
+                      <a:tcPr marL="9525" marR="9525" marT="9525" marB="0" anchor="ctr">
+                        <a:lnL w="6350" cap="flat" cmpd="sng" algn="ctr">
+                          <a:solidFill>
+                            <a:srgbClr val="000000"/>
+                          </a:solidFill>
+                          <a:prstDash val="solid"/>
+                          <a:round/>
+                          <a:headEnd type="none" w="med" len="med"/>
+                          <a:tailEnd type="none" w="med" len="med"/>
+                        </a:lnL>
+                        <a:lnR w="6350" cap="flat" cmpd="sng" algn="ctr">
+                          <a:solidFill>
+                            <a:srgbClr val="000000"/>
+                          </a:solidFill>
+                          <a:prstDash val="solid"/>
+                          <a:round/>
+                          <a:headEnd type="none" w="med" len="med"/>
+                          <a:tailEnd type="none" w="med" len="med"/>
+                        </a:lnR>
+                        <a:lnT w="6350" cap="flat" cmpd="sng" algn="ctr">
+                          <a:solidFill>
+                            <a:srgbClr val="000000"/>
+                          </a:solidFill>
+                          <a:prstDash val="solid"/>
+                          <a:round/>
+                          <a:headEnd type="none" w="med" len="med"/>
+                          <a:tailEnd type="none" w="med" len="med"/>
+                        </a:lnT>
+                        <a:lnB w="6350" cap="flat" cmpd="sng" algn="ctr">
+                          <a:solidFill>
+                            <a:srgbClr val="000000"/>
+                          </a:solidFill>
+                          <a:prstDash val="solid"/>
+                          <a:round/>
+                          <a:headEnd type="none" w="med" len="med"/>
+                          <a:tailEnd type="none" w="med" len="med"/>
+                        </a:lnB>
+                      </a:tcPr>
+                    </a:tc>
+                    <a:tc>
+                      <a:txBody>
+                        <a:bodyPr/>
+                        <a:lstStyle/>
+                        <a:p>
+                          <a:pPr algn="ctr" fontAlgn="ctr"/>
+                          <a:r>
+                            <a:rPr lang="ru-RU" sz="1400" b="0" i="0" u="none" strike="noStrike">
+                              <a:solidFill>
+                                <a:srgbClr val="000000"/>
+                              </a:solidFill>
+                              <a:effectLst/>
+                              <a:latin typeface="Times New Roman" panose="02020603050405020304" pitchFamily="18" charset="0"/>
+                            </a:rPr>
+                            <a:t> </a:t>
+                          </a:r>
+                        </a:p>
+                      </a:txBody>
+                      <a:tcPr marL="9525" marR="9525" marT="9525" marB="0" anchor="ctr">
+                        <a:lnL w="6350" cap="flat" cmpd="sng" algn="ctr">
+                          <a:solidFill>
+                            <a:srgbClr val="000000"/>
+                          </a:solidFill>
+                          <a:prstDash val="solid"/>
+                          <a:round/>
+                          <a:headEnd type="none" w="med" len="med"/>
+                          <a:tailEnd type="none" w="med" len="med"/>
+                        </a:lnL>
+                        <a:lnR w="6350" cap="flat" cmpd="sng" algn="ctr">
+                          <a:solidFill>
+                            <a:srgbClr val="000000"/>
+                          </a:solidFill>
+                          <a:prstDash val="solid"/>
+                          <a:round/>
+                          <a:headEnd type="none" w="med" len="med"/>
+                          <a:tailEnd type="none" w="med" len="med"/>
+                        </a:lnR>
+                        <a:lnT w="6350" cap="flat" cmpd="sng" algn="ctr">
+                          <a:solidFill>
+                            <a:srgbClr val="000000"/>
+                          </a:solidFill>
+                          <a:prstDash val="solid"/>
+                          <a:round/>
+                          <a:headEnd type="none" w="med" len="med"/>
+                          <a:tailEnd type="none" w="med" len="med"/>
+                        </a:lnT>
+                        <a:lnB w="6350" cap="flat" cmpd="sng" algn="ctr">
+                          <a:solidFill>
+                            <a:srgbClr val="000000"/>
+                          </a:solidFill>
+                          <a:prstDash val="solid"/>
+                          <a:round/>
+                          <a:headEnd type="none" w="med" len="med"/>
+                          <a:tailEnd type="none" w="med" len="med"/>
+                        </a:lnB>
+                      </a:tcPr>
+                    </a:tc>
+                    <a:tc>
+                      <a:txBody>
+                        <a:bodyPr/>
+                        <a:lstStyle/>
+                        <a:p>
+                          <a:pPr algn="ctr" fontAlgn="ctr"/>
+                          <a:r>
+                            <a:rPr lang="ru-RU" sz="1400" b="0" i="0" u="none" strike="noStrike">
+                              <a:solidFill>
+                                <a:srgbClr val="000000"/>
+                              </a:solidFill>
+                              <a:effectLst/>
+                              <a:latin typeface="Times New Roman" panose="02020603050405020304" pitchFamily="18" charset="0"/>
+                            </a:rPr>
+                            <a:t> </a:t>
+                          </a:r>
+                        </a:p>
+                      </a:txBody>
+                      <a:tcPr marL="9525" marR="9525" marT="9525" marB="0" anchor="ctr">
+                        <a:lnL w="6350" cap="flat" cmpd="sng" algn="ctr">
+                          <a:solidFill>
+                            <a:srgbClr val="000000"/>
+                          </a:solidFill>
+                          <a:prstDash val="solid"/>
+                          <a:round/>
+                          <a:headEnd type="none" w="med" len="med"/>
+                          <a:tailEnd type="none" w="med" len="med"/>
+                        </a:lnL>
+                        <a:lnR w="6350" cap="flat" cmpd="sng" algn="ctr">
+                          <a:solidFill>
+                            <a:srgbClr val="000000"/>
+                          </a:solidFill>
+                          <a:prstDash val="solid"/>
+                          <a:round/>
+                          <a:headEnd type="none" w="med" len="med"/>
+                          <a:tailEnd type="none" w="med" len="med"/>
+                        </a:lnR>
+                        <a:lnT w="6350" cap="flat" cmpd="sng" algn="ctr">
+                          <a:solidFill>
+                            <a:srgbClr val="000000"/>
+                          </a:solidFill>
+                          <a:prstDash val="solid"/>
+                          <a:round/>
+                          <a:headEnd type="none" w="med" len="med"/>
+                          <a:tailEnd type="none" w="med" len="med"/>
+                        </a:lnT>
+                        <a:lnB w="6350" cap="flat" cmpd="sng" algn="ctr">
+                          <a:solidFill>
+                            <a:srgbClr val="000000"/>
+                          </a:solidFill>
+                          <a:prstDash val="solid"/>
+                          <a:round/>
+                          <a:headEnd type="none" w="med" len="med"/>
+                          <a:tailEnd type="none" w="med" len="med"/>
+                        </a:lnB>
+                      </a:tcPr>
+                    </a:tc>
+                    <a:extLst>
+                      <a:ext uri="{0D108BD9-81ED-4DB2-BD59-A6C34878D82A}">
+                        <a16:rowId xmlns:a16="http://schemas.microsoft.com/office/drawing/2014/main" val="657970"/>
+                      </a:ext>
+                    </a:extLst>
+                  </a:tr>
+                  <a:tr h="238125">
+                    <a:tc>
+                      <a:txBody>
+                        <a:bodyPr/>
+                        <a:lstStyle/>
+                        <a:p>
+                          <a:pPr algn="ctr" fontAlgn="ctr"/>
+                          <a:r>
+                            <a:rPr lang="ru-RU" sz="1400" b="0" i="0" u="none" strike="noStrike">
+                              <a:solidFill>
+                                <a:srgbClr val="000000"/>
+                              </a:solidFill>
+                              <a:effectLst/>
+                              <a:latin typeface="Times New Roman" panose="02020603050405020304" pitchFamily="18" charset="0"/>
+                            </a:rPr>
+                            <a:t>⟨{2} {3, 4}⟩</a:t>
+                          </a:r>
+                        </a:p>
+                      </a:txBody>
+                      <a:tcPr marL="9525" marR="9525" marT="9525" marB="0" anchor="ctr">
+                        <a:lnL w="6350" cap="flat" cmpd="sng" algn="ctr">
+                          <a:solidFill>
+                            <a:srgbClr val="000000"/>
+                          </a:solidFill>
+                          <a:prstDash val="solid"/>
+                          <a:round/>
+                          <a:headEnd type="none" w="med" len="med"/>
+                          <a:tailEnd type="none" w="med" len="med"/>
+                        </a:lnL>
+                        <a:lnR w="6350" cap="flat" cmpd="sng" algn="ctr">
+                          <a:solidFill>
+                            <a:srgbClr val="000000"/>
+                          </a:solidFill>
+                          <a:prstDash val="solid"/>
+                          <a:round/>
+                          <a:headEnd type="none" w="med" len="med"/>
+                          <a:tailEnd type="none" w="med" len="med"/>
+                        </a:lnR>
+                        <a:lnT w="6350" cap="flat" cmpd="sng" algn="ctr">
+                          <a:solidFill>
+                            <a:srgbClr val="000000"/>
+                          </a:solidFill>
+                          <a:prstDash val="solid"/>
+                          <a:round/>
+                          <a:headEnd type="none" w="med" len="med"/>
+                          <a:tailEnd type="none" w="med" len="med"/>
+                        </a:lnT>
+                        <a:lnB w="6350" cap="flat" cmpd="sng" algn="ctr">
+                          <a:solidFill>
+                            <a:srgbClr val="000000"/>
+                          </a:solidFill>
+                          <a:prstDash val="solid"/>
+                          <a:round/>
+                          <a:headEnd type="none" w="med" len="med"/>
+                          <a:tailEnd type="none" w="med" len="med"/>
+                        </a:lnB>
+                      </a:tcPr>
+                    </a:tc>
+                    <a:tc>
+                      <a:txBody>
+                        <a:bodyPr/>
+                        <a:lstStyle/>
+                        <a:p>
+                          <a:pPr algn="ctr" fontAlgn="ctr"/>
+                          <a:r>
+                            <a:rPr lang="ru-RU" sz="1400" b="0" i="0" u="none" strike="noStrike">
+                              <a:solidFill>
+                                <a:srgbClr val="000000"/>
+                              </a:solidFill>
+                              <a:effectLst/>
+                              <a:latin typeface="Times New Roman" panose="02020603050405020304" pitchFamily="18" charset="0"/>
+                            </a:rPr>
+                            <a:t> </a:t>
+                          </a:r>
+                        </a:p>
+                      </a:txBody>
+                      <a:tcPr marL="9525" marR="9525" marT="9525" marB="0" anchor="ctr">
+                        <a:lnL w="6350" cap="flat" cmpd="sng" algn="ctr">
+                          <a:solidFill>
+                            <a:srgbClr val="000000"/>
+                          </a:solidFill>
+                          <a:prstDash val="solid"/>
+                          <a:round/>
+                          <a:headEnd type="none" w="med" len="med"/>
+                          <a:tailEnd type="none" w="med" len="med"/>
+                        </a:lnL>
+                        <a:lnR w="6350" cap="flat" cmpd="sng" algn="ctr">
+                          <a:solidFill>
+                            <a:srgbClr val="000000"/>
+                          </a:solidFill>
+                          <a:prstDash val="solid"/>
+                          <a:round/>
+                          <a:headEnd type="none" w="med" len="med"/>
+                          <a:tailEnd type="none" w="med" len="med"/>
+                        </a:lnR>
+                        <a:lnT w="6350" cap="flat" cmpd="sng" algn="ctr">
+                          <a:solidFill>
+                            <a:srgbClr val="000000"/>
+                          </a:solidFill>
+                          <a:prstDash val="solid"/>
+                          <a:round/>
+                          <a:headEnd type="none" w="med" len="med"/>
+                          <a:tailEnd type="none" w="med" len="med"/>
+                        </a:lnT>
+                        <a:lnB w="6350" cap="flat" cmpd="sng" algn="ctr">
+                          <a:solidFill>
+                            <a:srgbClr val="000000"/>
+                          </a:solidFill>
+                          <a:prstDash val="solid"/>
+                          <a:round/>
+                          <a:headEnd type="none" w="med" len="med"/>
+                          <a:tailEnd type="none" w="med" len="med"/>
+                        </a:lnB>
+                      </a:tcPr>
+                    </a:tc>
+                    <a:tc>
+                      <a:txBody>
+                        <a:bodyPr/>
+                        <a:lstStyle/>
+                        <a:p>
+                          <a:pPr algn="ctr" fontAlgn="ctr"/>
+                          <a:r>
+                            <a:rPr lang="ru-RU" sz="1400" b="0" i="0" u="none" strike="noStrike">
+                              <a:solidFill>
+                                <a:srgbClr val="000000"/>
+                              </a:solidFill>
+                              <a:effectLst/>
+                              <a:latin typeface="Times New Roman" panose="02020603050405020304" pitchFamily="18" charset="0"/>
+                            </a:rPr>
+                            <a:t> </a:t>
+                          </a:r>
+                        </a:p>
+                      </a:txBody>
+                      <a:tcPr marL="9525" marR="9525" marT="9525" marB="0" anchor="ctr">
+                        <a:lnL w="6350" cap="flat" cmpd="sng" algn="ctr">
+                          <a:solidFill>
+                            <a:srgbClr val="000000"/>
+                          </a:solidFill>
+                          <a:prstDash val="solid"/>
+                          <a:round/>
+                          <a:headEnd type="none" w="med" len="med"/>
+                          <a:tailEnd type="none" w="med" len="med"/>
+                        </a:lnL>
+                        <a:lnR w="6350" cap="flat" cmpd="sng" algn="ctr">
+                          <a:solidFill>
+                            <a:srgbClr val="000000"/>
+                          </a:solidFill>
+                          <a:prstDash val="solid"/>
+                          <a:round/>
+                          <a:headEnd type="none" w="med" len="med"/>
+                          <a:tailEnd type="none" w="med" len="med"/>
+                        </a:lnR>
+                        <a:lnT w="6350" cap="flat" cmpd="sng" algn="ctr">
+                          <a:solidFill>
+                            <a:srgbClr val="000000"/>
+                          </a:solidFill>
+                          <a:prstDash val="solid"/>
+                          <a:round/>
+                          <a:headEnd type="none" w="med" len="med"/>
+                          <a:tailEnd type="none" w="med" len="med"/>
+                        </a:lnT>
+                        <a:lnB w="6350" cap="flat" cmpd="sng" algn="ctr">
+                          <a:solidFill>
+                            <a:srgbClr val="000000"/>
+                          </a:solidFill>
+                          <a:prstDash val="solid"/>
+                          <a:round/>
+                          <a:headEnd type="none" w="med" len="med"/>
+                          <a:tailEnd type="none" w="med" len="med"/>
+                        </a:lnB>
+                      </a:tcPr>
+                    </a:tc>
+                    <a:extLst>
+                      <a:ext uri="{0D108BD9-81ED-4DB2-BD59-A6C34878D82A}">
+                        <a16:rowId xmlns:a16="http://schemas.microsoft.com/office/drawing/2014/main" val="4181941727"/>
+                      </a:ext>
+                    </a:extLst>
+                  </a:tr>
+                  <a:tr h="238125">
+                    <a:tc>
+                      <a:txBody>
+                        <a:bodyPr/>
+                        <a:lstStyle/>
+                        <a:p>
+                          <a:pPr algn="ctr" fontAlgn="ctr"/>
+                          <a:r>
+                            <a:rPr lang="ru-RU" sz="1400" b="0" i="0" u="none" strike="noStrike">
+                              <a:solidFill>
+                                <a:srgbClr val="000000"/>
+                              </a:solidFill>
+                              <a:effectLst/>
+                              <a:latin typeface="Times New Roman" panose="02020603050405020304" pitchFamily="18" charset="0"/>
+                            </a:rPr>
+                            <a:t>⟨{2} {3} {5}⟩</a:t>
+                          </a:r>
+                        </a:p>
+                      </a:txBody>
+                      <a:tcPr marL="9525" marR="9525" marT="9525" marB="0" anchor="ctr">
+                        <a:lnL w="6350" cap="flat" cmpd="sng" algn="ctr">
+                          <a:solidFill>
+                            <a:srgbClr val="000000"/>
+                          </a:solidFill>
+                          <a:prstDash val="solid"/>
+                          <a:round/>
+                          <a:headEnd type="none" w="med" len="med"/>
+                          <a:tailEnd type="none" w="med" len="med"/>
+                        </a:lnL>
+                        <a:lnR w="6350" cap="flat" cmpd="sng" algn="ctr">
+                          <a:solidFill>
+                            <a:srgbClr val="000000"/>
+                          </a:solidFill>
+                          <a:prstDash val="solid"/>
+                          <a:round/>
+                          <a:headEnd type="none" w="med" len="med"/>
+                          <a:tailEnd type="none" w="med" len="med"/>
+                        </a:lnR>
+                        <a:lnT w="6350" cap="flat" cmpd="sng" algn="ctr">
+                          <a:solidFill>
+                            <a:srgbClr val="000000"/>
+                          </a:solidFill>
+                          <a:prstDash val="solid"/>
+                          <a:round/>
+                          <a:headEnd type="none" w="med" len="med"/>
+                          <a:tailEnd type="none" w="med" len="med"/>
+                        </a:lnT>
+                        <a:lnB w="6350" cap="flat" cmpd="sng" algn="ctr">
+                          <a:solidFill>
+                            <a:srgbClr val="000000"/>
+                          </a:solidFill>
+                          <a:prstDash val="solid"/>
+                          <a:round/>
+                          <a:headEnd type="none" w="med" len="med"/>
+                          <a:tailEnd type="none" w="med" len="med"/>
+                        </a:lnB>
+                      </a:tcPr>
+                    </a:tc>
+                    <a:tc>
+                      <a:txBody>
+                        <a:bodyPr/>
+                        <a:lstStyle/>
+                        <a:p>
+                          <a:pPr algn="ctr" fontAlgn="ctr"/>
+                          <a:r>
+                            <a:rPr lang="ru-RU" sz="1400" b="0" i="0" u="none" strike="noStrike">
+                              <a:solidFill>
+                                <a:srgbClr val="000000"/>
+                              </a:solidFill>
+                              <a:effectLst/>
+                              <a:latin typeface="Times New Roman" panose="02020603050405020304" pitchFamily="18" charset="0"/>
+                            </a:rPr>
+                            <a:t> </a:t>
+                          </a:r>
+                        </a:p>
+                      </a:txBody>
+                      <a:tcPr marL="9525" marR="9525" marT="9525" marB="0" anchor="ctr">
+                        <a:lnL w="6350" cap="flat" cmpd="sng" algn="ctr">
+                          <a:solidFill>
+                            <a:srgbClr val="000000"/>
+                          </a:solidFill>
+                          <a:prstDash val="solid"/>
+                          <a:round/>
+                          <a:headEnd type="none" w="med" len="med"/>
+                          <a:tailEnd type="none" w="med" len="med"/>
+                        </a:lnL>
+                        <a:lnR w="6350" cap="flat" cmpd="sng" algn="ctr">
+                          <a:solidFill>
+                            <a:srgbClr val="000000"/>
+                          </a:solidFill>
+                          <a:prstDash val="solid"/>
+                          <a:round/>
+                          <a:headEnd type="none" w="med" len="med"/>
+                          <a:tailEnd type="none" w="med" len="med"/>
+                        </a:lnR>
+                        <a:lnT w="6350" cap="flat" cmpd="sng" algn="ctr">
+                          <a:solidFill>
+                            <a:srgbClr val="000000"/>
+                          </a:solidFill>
+                          <a:prstDash val="solid"/>
+                          <a:round/>
+                          <a:headEnd type="none" w="med" len="med"/>
+                          <a:tailEnd type="none" w="med" len="med"/>
+                        </a:lnT>
+                        <a:lnB w="6350" cap="flat" cmpd="sng" algn="ctr">
+                          <a:solidFill>
+                            <a:srgbClr val="000000"/>
+                          </a:solidFill>
+                          <a:prstDash val="solid"/>
+                          <a:round/>
+                          <a:headEnd type="none" w="med" len="med"/>
+                          <a:tailEnd type="none" w="med" len="med"/>
+                        </a:lnB>
+                      </a:tcPr>
+                    </a:tc>
+                    <a:tc>
+                      <a:txBody>
+                        <a:bodyPr/>
+                        <a:lstStyle/>
+                        <a:p>
+                          <a:pPr algn="ctr" fontAlgn="ctr"/>
+                          <a:r>
+                            <a:rPr lang="ru-RU" sz="1400" b="0" i="0" u="none" strike="noStrike" dirty="0">
+                              <a:solidFill>
+                                <a:srgbClr val="000000"/>
+                              </a:solidFill>
+                              <a:effectLst/>
+                              <a:latin typeface="Times New Roman" panose="02020603050405020304" pitchFamily="18" charset="0"/>
+                            </a:rPr>
+                            <a:t> </a:t>
+                          </a:r>
+                        </a:p>
+                      </a:txBody>
+                      <a:tcPr marL="9525" marR="9525" marT="9525" marB="0" anchor="ctr">
+                        <a:lnL w="6350" cap="flat" cmpd="sng" algn="ctr">
+                          <a:solidFill>
+                            <a:srgbClr val="000000"/>
+                          </a:solidFill>
+                          <a:prstDash val="solid"/>
+                          <a:round/>
+                          <a:headEnd type="none" w="med" len="med"/>
+                          <a:tailEnd type="none" w="med" len="med"/>
+                        </a:lnL>
+                        <a:lnR w="6350" cap="flat" cmpd="sng" algn="ctr">
+                          <a:solidFill>
+                            <a:srgbClr val="000000"/>
+                          </a:solidFill>
+                          <a:prstDash val="solid"/>
+                          <a:round/>
+                          <a:headEnd type="none" w="med" len="med"/>
+                          <a:tailEnd type="none" w="med" len="med"/>
+                        </a:lnR>
+                        <a:lnT w="6350" cap="flat" cmpd="sng" algn="ctr">
+                          <a:solidFill>
+                            <a:srgbClr val="000000"/>
+                          </a:solidFill>
+                          <a:prstDash val="solid"/>
+                          <a:round/>
+                          <a:headEnd type="none" w="med" len="med"/>
+                          <a:tailEnd type="none" w="med" len="med"/>
+                        </a:lnT>
+                        <a:lnB w="6350" cap="flat" cmpd="sng" algn="ctr">
+                          <a:solidFill>
+                            <a:srgbClr val="000000"/>
+                          </a:solidFill>
+                          <a:prstDash val="solid"/>
+                          <a:round/>
+                          <a:headEnd type="none" w="med" len="med"/>
+                          <a:tailEnd type="none" w="med" len="med"/>
+                        </a:lnB>
+                      </a:tcPr>
+                    </a:tc>
+                    <a:extLst>
+                      <a:ext uri="{0D108BD9-81ED-4DB2-BD59-A6C34878D82A}">
+                        <a16:rowId xmlns:a16="http://schemas.microsoft.com/office/drawing/2014/main" val="869037856"/>
+                      </a:ext>
+                    </a:extLst>
+                  </a:tr>
+                </a:tbl>
+              </a:graphicData>
+            </a:graphic>
+          </p:graphicFrame>
+        </mc:Choice>
+        <mc:Fallback xmlns="">
+          <p:graphicFrame>
+            <p:nvGraphicFramePr>
+              <p:cNvPr id="21" name="Таблица 20">
+                <a:extLst>
+                  <a:ext uri="{FF2B5EF4-FFF2-40B4-BE49-F238E27FC236}">
+                    <a16:creationId xmlns:a16="http://schemas.microsoft.com/office/drawing/2014/main" id="{A6080CF2-EF6E-455B-AEAE-FB2BA79A380A}"/>
+                  </a:ext>
+                </a:extLst>
+              </p:cNvPr>
+              <p:cNvGraphicFramePr>
+                <a:graphicFrameLocks noGrp="1"/>
+              </p:cNvGraphicFramePr>
+              <p:nvPr>
+                <p:extLst>
+                  <p:ext uri="{D42A27DB-BD31-4B8C-83A1-F6EECF244321}">
+                    <p14:modId xmlns:p14="http://schemas.microsoft.com/office/powerpoint/2010/main" val="199419907"/>
+                  </p:ext>
+                </p:extLst>
+              </p:nvPr>
+            </p:nvGraphicFramePr>
+            <p:xfrm>
+              <a:off x="428016" y="1438429"/>
+              <a:ext cx="5658670" cy="1905000"/>
+            </p:xfrm>
+            <a:graphic>
+              <a:graphicData uri="http://schemas.openxmlformats.org/drawingml/2006/table">
+                <a:tbl>
+                  <a:tblPr/>
+                  <a:tblGrid>
+                    <a:gridCol w="2561273">
+                      <a:extLst>
+                        <a:ext uri="{9D8B030D-6E8A-4147-A177-3AD203B41FA5}">
+                          <a16:colId xmlns:a16="http://schemas.microsoft.com/office/drawing/2014/main" val="643785401"/>
+                        </a:ext>
+                      </a:extLst>
+                    </a:gridCol>
+                    <a:gridCol w="1610646">
+                      <a:extLst>
+                        <a:ext uri="{9D8B030D-6E8A-4147-A177-3AD203B41FA5}">
+                          <a16:colId xmlns:a16="http://schemas.microsoft.com/office/drawing/2014/main" val="236240366"/>
+                        </a:ext>
+                      </a:extLst>
+                    </a:gridCol>
+                    <a:gridCol w="1486751">
+                      <a:extLst>
+                        <a:ext uri="{9D8B030D-6E8A-4147-A177-3AD203B41FA5}">
+                          <a16:colId xmlns:a16="http://schemas.microsoft.com/office/drawing/2014/main" val="1882686481"/>
+                        </a:ext>
+                      </a:extLst>
+                    </a:gridCol>
+                  </a:tblGrid>
+                  <a:tr h="238125">
+                    <a:tc rowSpan="2">
+                      <a:txBody>
+                        <a:bodyPr/>
+                        <a:lstStyle/>
+                        <a:p>
+                          <a:endParaRPr lang="ru-RU"/>
+                        </a:p>
+                      </a:txBody>
+                      <a:tcPr marL="9525" marR="9525" marT="9525" marB="0" anchor="ctr">
+                        <a:lnL w="6350" cap="flat" cmpd="sng" algn="ctr">
+                          <a:solidFill>
+                            <a:srgbClr val="000000"/>
+                          </a:solidFill>
+                          <a:prstDash val="solid"/>
+                          <a:round/>
+                          <a:headEnd type="none" w="med" len="med"/>
+                          <a:tailEnd type="none" w="med" len="med"/>
+                        </a:lnL>
+                        <a:lnR w="6350" cap="flat" cmpd="sng" algn="ctr">
+                          <a:solidFill>
+                            <a:srgbClr val="000000"/>
+                          </a:solidFill>
+                          <a:prstDash val="solid"/>
+                          <a:round/>
+                          <a:headEnd type="none" w="med" len="med"/>
+                          <a:tailEnd type="none" w="med" len="med"/>
+                        </a:lnR>
+                        <a:lnT w="6350" cap="flat" cmpd="sng" algn="ctr">
+                          <a:solidFill>
+                            <a:srgbClr val="000000"/>
+                          </a:solidFill>
+                          <a:prstDash val="solid"/>
+                          <a:round/>
+                          <a:headEnd type="none" w="med" len="med"/>
+                          <a:tailEnd type="none" w="med" len="med"/>
+                        </a:lnT>
+                        <a:lnB w="6350" cap="flat" cmpd="sng" algn="ctr">
+                          <a:solidFill>
+                            <a:srgbClr val="000000"/>
+                          </a:solidFill>
+                          <a:prstDash val="solid"/>
+                          <a:round/>
+                          <a:headEnd type="none" w="med" len="med"/>
+                          <a:tailEnd type="none" w="med" len="med"/>
+                        </a:lnB>
+                        <a:blipFill>
+                          <a:blip r:embed="rId3"/>
+                          <a:stretch>
+                            <a:fillRect l="-238" t="-6329" r="-121429" b="-317722"/>
+                          </a:stretch>
+                        </a:blipFill>
+                      </a:tcPr>
+                    </a:tc>
+                    <a:tc gridSpan="2">
+                      <a:txBody>
+                        <a:bodyPr/>
+                        <a:lstStyle/>
+                        <a:p>
+                          <a:endParaRPr lang="ru-RU"/>
+                        </a:p>
+                      </a:txBody>
+                      <a:tcPr marL="9525" marR="9525" marT="9525" marB="0" anchor="ctr">
+                        <a:lnL w="6350" cap="flat" cmpd="sng" algn="ctr">
+                          <a:solidFill>
+                            <a:srgbClr val="000000"/>
+                          </a:solidFill>
+                          <a:prstDash val="solid"/>
+                          <a:round/>
+                          <a:headEnd type="none" w="med" len="med"/>
+                          <a:tailEnd type="none" w="med" len="med"/>
+                        </a:lnL>
+                        <a:lnR w="6350" cap="flat" cmpd="sng" algn="ctr">
+                          <a:solidFill>
+                            <a:srgbClr val="000000"/>
+                          </a:solidFill>
+                          <a:prstDash val="solid"/>
+                          <a:round/>
+                          <a:headEnd type="none" w="med" len="med"/>
+                          <a:tailEnd type="none" w="med" len="med"/>
+                        </a:lnR>
+                        <a:lnT w="6350" cap="flat" cmpd="sng" algn="ctr">
+                          <a:solidFill>
+                            <a:srgbClr val="000000"/>
+                          </a:solidFill>
+                          <a:prstDash val="solid"/>
+                          <a:round/>
+                          <a:headEnd type="none" w="med" len="med"/>
+                          <a:tailEnd type="none" w="med" len="med"/>
+                        </a:lnT>
+                        <a:lnB w="6350" cap="flat" cmpd="sng" algn="ctr">
+                          <a:solidFill>
+                            <a:srgbClr val="000000"/>
+                          </a:solidFill>
+                          <a:prstDash val="solid"/>
+                          <a:round/>
+                          <a:headEnd type="none" w="med" len="med"/>
+                          <a:tailEnd type="none" w="med" len="med"/>
+                        </a:lnB>
+                        <a:blipFill>
+                          <a:blip r:embed="rId3"/>
+                          <a:stretch>
+                            <a:fillRect l="-82711" t="-12821" r="-196" b="-746154"/>
+                          </a:stretch>
+                        </a:blipFill>
+                      </a:tcPr>
+                    </a:tc>
+                    <a:tc hMerge="1">
+                      <a:txBody>
+                        <a:bodyPr/>
+                        <a:lstStyle/>
+                        <a:p>
+                          <a:endParaRPr lang="ru-RU"/>
+                        </a:p>
+                      </a:txBody>
+                      <a:tcPr/>
+                    </a:tc>
+                    <a:extLst>
+                      <a:ext uri="{0D108BD9-81ED-4DB2-BD59-A6C34878D82A}">
+                        <a16:rowId xmlns:a16="http://schemas.microsoft.com/office/drawing/2014/main" val="2465502811"/>
+                      </a:ext>
+                    </a:extLst>
+                  </a:tr>
+                  <a:tr h="238125">
+                    <a:tc vMerge="1">
+                      <a:txBody>
+                        <a:bodyPr/>
+                        <a:lstStyle/>
+                        <a:p>
+                          <a:endParaRPr lang="ru-RU"/>
+                        </a:p>
+                      </a:txBody>
+                      <a:tcPr/>
+                    </a:tc>
+                    <a:tc>
+                      <a:txBody>
+                        <a:bodyPr/>
+                        <a:lstStyle/>
+                        <a:p>
+                          <a:pPr algn="ctr" fontAlgn="ctr"/>
+                          <a:r>
+                            <a:rPr lang="ru-RU" sz="1400" b="0" i="0" u="none" strike="noStrike" dirty="0">
+                              <a:solidFill>
+                                <a:srgbClr val="000000"/>
+                              </a:solidFill>
+                              <a:effectLst/>
+                              <a:latin typeface="Times New Roman" panose="02020603050405020304" pitchFamily="18" charset="0"/>
+                            </a:rPr>
+                            <a:t>После объединения</a:t>
+                          </a:r>
+                        </a:p>
+                      </a:txBody>
+                      <a:tcPr marL="9525" marR="9525" marT="9525" marB="0" anchor="ctr">
+                        <a:lnL w="6350" cap="flat" cmpd="sng" algn="ctr">
+                          <a:solidFill>
+                            <a:srgbClr val="000000"/>
+                          </a:solidFill>
+                          <a:prstDash val="solid"/>
+                          <a:round/>
+                          <a:headEnd type="none" w="med" len="med"/>
+                          <a:tailEnd type="none" w="med" len="med"/>
+                        </a:lnL>
+                        <a:lnR w="6350" cap="flat" cmpd="sng" algn="ctr">
+                          <a:solidFill>
+                            <a:srgbClr val="000000"/>
+                          </a:solidFill>
+                          <a:prstDash val="solid"/>
+                          <a:round/>
+                          <a:headEnd type="none" w="med" len="med"/>
+                          <a:tailEnd type="none" w="med" len="med"/>
+                        </a:lnR>
+                        <a:lnT w="6350" cap="flat" cmpd="sng" algn="ctr">
+                          <a:solidFill>
+                            <a:srgbClr val="000000"/>
+                          </a:solidFill>
+                          <a:prstDash val="solid"/>
+                          <a:round/>
+                          <a:headEnd type="none" w="med" len="med"/>
+                          <a:tailEnd type="none" w="med" len="med"/>
+                        </a:lnT>
+                        <a:lnB w="6350" cap="flat" cmpd="sng" algn="ctr">
+                          <a:solidFill>
+                            <a:srgbClr val="000000"/>
+                          </a:solidFill>
+                          <a:prstDash val="solid"/>
+                          <a:round/>
+                          <a:headEnd type="none" w="med" len="med"/>
+                          <a:tailEnd type="none" w="med" len="med"/>
+                        </a:lnB>
+                        <a:solidFill>
+                          <a:srgbClr val="BFBFBF"/>
+                        </a:solidFill>
+                      </a:tcPr>
+                    </a:tc>
+                    <a:tc>
+                      <a:txBody>
+                        <a:bodyPr/>
+                        <a:lstStyle/>
+                        <a:p>
+                          <a:pPr algn="ctr" fontAlgn="ctr"/>
+                          <a:r>
+                            <a:rPr lang="ru-RU" sz="1400" b="0" i="0" u="none" strike="noStrike">
+                              <a:solidFill>
+                                <a:srgbClr val="000000"/>
+                              </a:solidFill>
+                              <a:effectLst/>
+                              <a:latin typeface="Times New Roman" panose="02020603050405020304" pitchFamily="18" charset="0"/>
+                            </a:rPr>
+                            <a:t>После упрощения</a:t>
+                          </a:r>
+                        </a:p>
+                      </a:txBody>
+                      <a:tcPr marL="9525" marR="9525" marT="9525" marB="0" anchor="ctr">
+                        <a:lnL w="6350" cap="flat" cmpd="sng" algn="ctr">
+                          <a:solidFill>
+                            <a:srgbClr val="000000"/>
+                          </a:solidFill>
+                          <a:prstDash val="solid"/>
+                          <a:round/>
+                          <a:headEnd type="none" w="med" len="med"/>
+                          <a:tailEnd type="none" w="med" len="med"/>
+                        </a:lnL>
+                        <a:lnR w="6350" cap="flat" cmpd="sng" algn="ctr">
+                          <a:solidFill>
+                            <a:srgbClr val="000000"/>
+                          </a:solidFill>
+                          <a:prstDash val="solid"/>
+                          <a:round/>
+                          <a:headEnd type="none" w="med" len="med"/>
+                          <a:tailEnd type="none" w="med" len="med"/>
+                        </a:lnR>
+                        <a:lnT w="6350" cap="flat" cmpd="sng" algn="ctr">
+                          <a:solidFill>
+                            <a:srgbClr val="000000"/>
+                          </a:solidFill>
+                          <a:prstDash val="solid"/>
+                          <a:round/>
+                          <a:headEnd type="none" w="med" len="med"/>
+                          <a:tailEnd type="none" w="med" len="med"/>
+                        </a:lnT>
+                        <a:lnB w="6350" cap="flat" cmpd="sng" algn="ctr">
+                          <a:solidFill>
+                            <a:srgbClr val="000000"/>
+                          </a:solidFill>
+                          <a:prstDash val="solid"/>
+                          <a:round/>
+                          <a:headEnd type="none" w="med" len="med"/>
+                          <a:tailEnd type="none" w="med" len="med"/>
+                        </a:lnB>
+                        <a:solidFill>
+                          <a:srgbClr val="BFBFBF"/>
+                        </a:solidFill>
+                      </a:tcPr>
+                    </a:tc>
+                    <a:extLst>
+                      <a:ext uri="{0D108BD9-81ED-4DB2-BD59-A6C34878D82A}">
+                        <a16:rowId xmlns:a16="http://schemas.microsoft.com/office/drawing/2014/main" val="586372373"/>
+                      </a:ext>
+                    </a:extLst>
+                  </a:tr>
+                  <a:tr h="238125">
+                    <a:tc>
+                      <a:txBody>
+                        <a:bodyPr/>
+                        <a:lstStyle/>
+                        <a:p>
+                          <a:pPr algn="ctr" fontAlgn="ctr"/>
+                          <a:r>
+                            <a:rPr lang="ru-RU" sz="1400" b="0" i="0" u="none" strike="noStrike">
+                              <a:solidFill>
+                                <a:srgbClr val="000000"/>
+                              </a:solidFill>
+                              <a:effectLst/>
+                              <a:latin typeface="Times New Roman" panose="02020603050405020304" pitchFamily="18" charset="0"/>
+                            </a:rPr>
+                            <a:t>⟨{1, 2} {3}⟩</a:t>
+                          </a:r>
+                        </a:p>
+                      </a:txBody>
+                      <a:tcPr marL="9525" marR="9525" marT="9525" marB="0" anchor="ctr">
+                        <a:lnL w="6350" cap="flat" cmpd="sng" algn="ctr">
+                          <a:solidFill>
+                            <a:srgbClr val="000000"/>
+                          </a:solidFill>
+                          <a:prstDash val="solid"/>
+                          <a:round/>
+                          <a:headEnd type="none" w="med" len="med"/>
+                          <a:tailEnd type="none" w="med" len="med"/>
+                        </a:lnL>
+                        <a:lnR w="6350" cap="flat" cmpd="sng" algn="ctr">
+                          <a:solidFill>
+                            <a:srgbClr val="000000"/>
+                          </a:solidFill>
+                          <a:prstDash val="solid"/>
+                          <a:round/>
+                          <a:headEnd type="none" w="med" len="med"/>
+                          <a:tailEnd type="none" w="med" len="med"/>
+                        </a:lnR>
+                        <a:lnT w="6350" cap="flat" cmpd="sng" algn="ctr">
+                          <a:solidFill>
+                            <a:srgbClr val="000000"/>
+                          </a:solidFill>
+                          <a:prstDash val="solid"/>
+                          <a:round/>
+                          <a:headEnd type="none" w="med" len="med"/>
+                          <a:tailEnd type="none" w="med" len="med"/>
+                        </a:lnT>
+                        <a:lnB w="6350" cap="flat" cmpd="sng" algn="ctr">
+                          <a:solidFill>
+                            <a:srgbClr val="000000"/>
+                          </a:solidFill>
+                          <a:prstDash val="solid"/>
+                          <a:round/>
+                          <a:headEnd type="none" w="med" len="med"/>
+                          <a:tailEnd type="none" w="med" len="med"/>
+                        </a:lnB>
+                      </a:tcPr>
+                    </a:tc>
+                    <a:tc>
+                      <a:txBody>
+                        <a:bodyPr/>
+                        <a:lstStyle/>
+                        <a:p>
+                          <a:pPr algn="ctr" fontAlgn="ctr"/>
+                          <a:r>
+                            <a:rPr lang="ru-RU" sz="1400" b="0" i="0" u="none" strike="noStrike">
+                              <a:solidFill>
+                                <a:srgbClr val="000000"/>
+                              </a:solidFill>
+                              <a:effectLst/>
+                              <a:latin typeface="Times New Roman" panose="02020603050405020304" pitchFamily="18" charset="0"/>
+                            </a:rPr>
+                            <a:t>⟨{1, 2} {3, 4}⟩</a:t>
+                          </a:r>
+                        </a:p>
+                      </a:txBody>
+                      <a:tcPr marL="9525" marR="9525" marT="9525" marB="0" anchor="ctr">
+                        <a:lnL w="6350" cap="flat" cmpd="sng" algn="ctr">
+                          <a:solidFill>
+                            <a:srgbClr val="000000"/>
+                          </a:solidFill>
+                          <a:prstDash val="solid"/>
+                          <a:round/>
+                          <a:headEnd type="none" w="med" len="med"/>
+                          <a:tailEnd type="none" w="med" len="med"/>
+                        </a:lnL>
+                        <a:lnR w="6350" cap="flat" cmpd="sng" algn="ctr">
+                          <a:solidFill>
+                            <a:srgbClr val="000000"/>
+                          </a:solidFill>
+                          <a:prstDash val="solid"/>
+                          <a:round/>
+                          <a:headEnd type="none" w="med" len="med"/>
+                          <a:tailEnd type="none" w="med" len="med"/>
+                        </a:lnR>
+                        <a:lnT w="6350" cap="flat" cmpd="sng" algn="ctr">
+                          <a:solidFill>
+                            <a:srgbClr val="000000"/>
+                          </a:solidFill>
+                          <a:prstDash val="solid"/>
+                          <a:round/>
+                          <a:headEnd type="none" w="med" len="med"/>
+                          <a:tailEnd type="none" w="med" len="med"/>
+                        </a:lnT>
+                        <a:lnB w="6350" cap="flat" cmpd="sng" algn="ctr">
+                          <a:solidFill>
+                            <a:srgbClr val="000000"/>
+                          </a:solidFill>
+                          <a:prstDash val="solid"/>
+                          <a:round/>
+                          <a:headEnd type="none" w="med" len="med"/>
+                          <a:tailEnd type="none" w="med" len="med"/>
+                        </a:lnB>
+                      </a:tcPr>
+                    </a:tc>
+                    <a:tc>
+                      <a:txBody>
+                        <a:bodyPr/>
+                        <a:lstStyle/>
+                        <a:p>
+                          <a:pPr algn="ctr" fontAlgn="ctr"/>
+                          <a:r>
+                            <a:rPr lang="ru-RU" sz="1400" b="0" i="0" u="none" strike="noStrike">
+                              <a:solidFill>
+                                <a:srgbClr val="000000"/>
+                              </a:solidFill>
+                              <a:effectLst/>
+                              <a:latin typeface="Times New Roman" panose="02020603050405020304" pitchFamily="18" charset="0"/>
+                            </a:rPr>
+                            <a:t>⟨{1, 2} {3, 4}⟩</a:t>
+                          </a:r>
+                        </a:p>
+                      </a:txBody>
+                      <a:tcPr marL="9525" marR="9525" marT="9525" marB="0" anchor="ctr">
+                        <a:lnL w="6350" cap="flat" cmpd="sng" algn="ctr">
+                          <a:solidFill>
+                            <a:srgbClr val="000000"/>
+                          </a:solidFill>
+                          <a:prstDash val="solid"/>
+                          <a:round/>
+                          <a:headEnd type="none" w="med" len="med"/>
+                          <a:tailEnd type="none" w="med" len="med"/>
+                        </a:lnL>
+                        <a:lnR w="6350" cap="flat" cmpd="sng" algn="ctr">
+                          <a:solidFill>
+                            <a:srgbClr val="000000"/>
+                          </a:solidFill>
+                          <a:prstDash val="solid"/>
+                          <a:round/>
+                          <a:headEnd type="none" w="med" len="med"/>
+                          <a:tailEnd type="none" w="med" len="med"/>
+                        </a:lnR>
+                        <a:lnT w="6350" cap="flat" cmpd="sng" algn="ctr">
+                          <a:solidFill>
+                            <a:srgbClr val="000000"/>
+                          </a:solidFill>
+                          <a:prstDash val="solid"/>
+                          <a:round/>
+                          <a:headEnd type="none" w="med" len="med"/>
+                          <a:tailEnd type="none" w="med" len="med"/>
+                        </a:lnT>
+                        <a:lnB w="6350" cap="flat" cmpd="sng" algn="ctr">
+                          <a:solidFill>
+                            <a:srgbClr val="000000"/>
+                          </a:solidFill>
+                          <a:prstDash val="solid"/>
+                          <a:round/>
+                          <a:headEnd type="none" w="med" len="med"/>
+                          <a:tailEnd type="none" w="med" len="med"/>
+                        </a:lnB>
+                      </a:tcPr>
+                    </a:tc>
+                    <a:extLst>
+                      <a:ext uri="{0D108BD9-81ED-4DB2-BD59-A6C34878D82A}">
+                        <a16:rowId xmlns:a16="http://schemas.microsoft.com/office/drawing/2014/main" val="305561408"/>
+                      </a:ext>
+                    </a:extLst>
+                  </a:tr>
+                  <a:tr h="238125">
+                    <a:tc>
+                      <a:txBody>
+                        <a:bodyPr/>
+                        <a:lstStyle/>
+                        <a:p>
+                          <a:pPr algn="ctr" fontAlgn="ctr"/>
+                          <a:r>
+                            <a:rPr lang="ru-RU" sz="1400" b="0" i="0" u="none" strike="noStrike">
+                              <a:solidFill>
+                                <a:srgbClr val="000000"/>
+                              </a:solidFill>
+                              <a:effectLst/>
+                              <a:latin typeface="Times New Roman" panose="02020603050405020304" pitchFamily="18" charset="0"/>
+                            </a:rPr>
+                            <a:t>⟨{1, 2} {4}⟩</a:t>
+                          </a:r>
+                        </a:p>
+                      </a:txBody>
+                      <a:tcPr marL="9525" marR="9525" marT="9525" marB="0" anchor="ctr">
+                        <a:lnL w="6350" cap="flat" cmpd="sng" algn="ctr">
+                          <a:solidFill>
+                            <a:srgbClr val="000000"/>
+                          </a:solidFill>
+                          <a:prstDash val="solid"/>
+                          <a:round/>
+                          <a:headEnd type="none" w="med" len="med"/>
+                          <a:tailEnd type="none" w="med" len="med"/>
+                        </a:lnL>
+                        <a:lnR w="6350" cap="flat" cmpd="sng" algn="ctr">
+                          <a:solidFill>
+                            <a:srgbClr val="000000"/>
+                          </a:solidFill>
+                          <a:prstDash val="solid"/>
+                          <a:round/>
+                          <a:headEnd type="none" w="med" len="med"/>
+                          <a:tailEnd type="none" w="med" len="med"/>
+                        </a:lnR>
+                        <a:lnT w="6350" cap="flat" cmpd="sng" algn="ctr">
+                          <a:solidFill>
+                            <a:srgbClr val="000000"/>
+                          </a:solidFill>
+                          <a:prstDash val="solid"/>
+                          <a:round/>
+                          <a:headEnd type="none" w="med" len="med"/>
+                          <a:tailEnd type="none" w="med" len="med"/>
+                        </a:lnT>
+                        <a:lnB w="6350" cap="flat" cmpd="sng" algn="ctr">
+                          <a:solidFill>
+                            <a:srgbClr val="000000"/>
+                          </a:solidFill>
+                          <a:prstDash val="solid"/>
+                          <a:round/>
+                          <a:headEnd type="none" w="med" len="med"/>
+                          <a:tailEnd type="none" w="med" len="med"/>
+                        </a:lnB>
+                      </a:tcPr>
+                    </a:tc>
+                    <a:tc>
+                      <a:txBody>
+                        <a:bodyPr/>
+                        <a:lstStyle/>
+                        <a:p>
+                          <a:pPr algn="ctr" fontAlgn="ctr"/>
+                          <a:r>
+                            <a:rPr lang="ru-RU" sz="1400" b="0" i="0" u="none" strike="noStrike">
+                              <a:solidFill>
+                                <a:srgbClr val="000000"/>
+                              </a:solidFill>
+                              <a:effectLst/>
+                              <a:latin typeface="Times New Roman" panose="02020603050405020304" pitchFamily="18" charset="0"/>
+                            </a:rPr>
+                            <a:t>⟨{1, 2} {3} {5}⟩</a:t>
+                          </a:r>
+                        </a:p>
+                      </a:txBody>
+                      <a:tcPr marL="9525" marR="9525" marT="9525" marB="0" anchor="ctr">
+                        <a:lnL w="6350" cap="flat" cmpd="sng" algn="ctr">
+                          <a:solidFill>
+                            <a:srgbClr val="000000"/>
+                          </a:solidFill>
+                          <a:prstDash val="solid"/>
+                          <a:round/>
+                          <a:headEnd type="none" w="med" len="med"/>
+                          <a:tailEnd type="none" w="med" len="med"/>
+                        </a:lnL>
+                        <a:lnR w="6350" cap="flat" cmpd="sng" algn="ctr">
+                          <a:solidFill>
+                            <a:srgbClr val="000000"/>
+                          </a:solidFill>
+                          <a:prstDash val="solid"/>
+                          <a:round/>
+                          <a:headEnd type="none" w="med" len="med"/>
+                          <a:tailEnd type="none" w="med" len="med"/>
+                        </a:lnR>
+                        <a:lnT w="6350" cap="flat" cmpd="sng" algn="ctr">
+                          <a:solidFill>
+                            <a:srgbClr val="000000"/>
+                          </a:solidFill>
+                          <a:prstDash val="solid"/>
+                          <a:round/>
+                          <a:headEnd type="none" w="med" len="med"/>
+                          <a:tailEnd type="none" w="med" len="med"/>
+                        </a:lnT>
+                        <a:lnB w="6350" cap="flat" cmpd="sng" algn="ctr">
+                          <a:solidFill>
+                            <a:srgbClr val="000000"/>
+                          </a:solidFill>
+                          <a:prstDash val="solid"/>
+                          <a:round/>
+                          <a:headEnd type="none" w="med" len="med"/>
+                          <a:tailEnd type="none" w="med" len="med"/>
+                        </a:lnB>
+                      </a:tcPr>
+                    </a:tc>
+                    <a:tc>
+                      <a:txBody>
+                        <a:bodyPr/>
+                        <a:lstStyle/>
+                        <a:p>
+                          <a:pPr algn="ctr" fontAlgn="ctr"/>
+                          <a:r>
+                            <a:rPr lang="ru-RU" sz="1400" b="0" i="0" u="none" strike="noStrike">
+                              <a:solidFill>
+                                <a:srgbClr val="000000"/>
+                              </a:solidFill>
+                              <a:effectLst/>
+                              <a:latin typeface="Times New Roman" panose="02020603050405020304" pitchFamily="18" charset="0"/>
+                            </a:rPr>
+                            <a:t> </a:t>
+                          </a:r>
+                        </a:p>
+                      </a:txBody>
+                      <a:tcPr marL="9525" marR="9525" marT="9525" marB="0" anchor="ctr">
+                        <a:lnL w="6350" cap="flat" cmpd="sng" algn="ctr">
+                          <a:solidFill>
+                            <a:srgbClr val="000000"/>
+                          </a:solidFill>
+                          <a:prstDash val="solid"/>
+                          <a:round/>
+                          <a:headEnd type="none" w="med" len="med"/>
+                          <a:tailEnd type="none" w="med" len="med"/>
+                        </a:lnL>
+                        <a:lnR w="6350" cap="flat" cmpd="sng" algn="ctr">
+                          <a:solidFill>
+                            <a:srgbClr val="000000"/>
+                          </a:solidFill>
+                          <a:prstDash val="solid"/>
+                          <a:round/>
+                          <a:headEnd type="none" w="med" len="med"/>
+                          <a:tailEnd type="none" w="med" len="med"/>
+                        </a:lnR>
+                        <a:lnT w="6350" cap="flat" cmpd="sng" algn="ctr">
+                          <a:solidFill>
+                            <a:srgbClr val="000000"/>
+                          </a:solidFill>
+                          <a:prstDash val="solid"/>
+                          <a:round/>
+                          <a:headEnd type="none" w="med" len="med"/>
+                          <a:tailEnd type="none" w="med" len="med"/>
+                        </a:lnT>
+                        <a:lnB w="6350" cap="flat" cmpd="sng" algn="ctr">
+                          <a:solidFill>
+                            <a:srgbClr val="000000"/>
+                          </a:solidFill>
+                          <a:prstDash val="solid"/>
+                          <a:round/>
+                          <a:headEnd type="none" w="med" len="med"/>
+                          <a:tailEnd type="none" w="med" len="med"/>
+                        </a:lnB>
+                      </a:tcPr>
+                    </a:tc>
+                    <a:extLst>
+                      <a:ext uri="{0D108BD9-81ED-4DB2-BD59-A6C34878D82A}">
+                        <a16:rowId xmlns:a16="http://schemas.microsoft.com/office/drawing/2014/main" val="2688486860"/>
+                      </a:ext>
+                    </a:extLst>
+                  </a:tr>
+                  <a:tr h="238125">
+                    <a:tc>
+                      <a:txBody>
+                        <a:bodyPr/>
+                        <a:lstStyle/>
+                        <a:p>
+                          <a:pPr algn="ctr" fontAlgn="ctr"/>
+                          <a:r>
+                            <a:rPr lang="ru-RU" sz="1400" b="0" i="0" u="none" strike="noStrike">
+                              <a:solidFill>
+                                <a:srgbClr val="000000"/>
+                              </a:solidFill>
+                              <a:effectLst/>
+                              <a:latin typeface="Times New Roman" panose="02020603050405020304" pitchFamily="18" charset="0"/>
+                            </a:rPr>
+                            <a:t>⟨{1} {3, 4}⟩</a:t>
+                          </a:r>
+                        </a:p>
+                      </a:txBody>
+                      <a:tcPr marL="9525" marR="9525" marT="9525" marB="0" anchor="ctr">
+                        <a:lnL w="6350" cap="flat" cmpd="sng" algn="ctr">
+                          <a:solidFill>
+                            <a:srgbClr val="000000"/>
+                          </a:solidFill>
+                          <a:prstDash val="solid"/>
+                          <a:round/>
+                          <a:headEnd type="none" w="med" len="med"/>
+                          <a:tailEnd type="none" w="med" len="med"/>
+                        </a:lnL>
+                        <a:lnR w="6350" cap="flat" cmpd="sng" algn="ctr">
+                          <a:solidFill>
+                            <a:srgbClr val="000000"/>
+                          </a:solidFill>
+                          <a:prstDash val="solid"/>
+                          <a:round/>
+                          <a:headEnd type="none" w="med" len="med"/>
+                          <a:tailEnd type="none" w="med" len="med"/>
+                        </a:lnR>
+                        <a:lnT w="6350" cap="flat" cmpd="sng" algn="ctr">
+                          <a:solidFill>
+                            <a:srgbClr val="000000"/>
+                          </a:solidFill>
+                          <a:prstDash val="solid"/>
+                          <a:round/>
+                          <a:headEnd type="none" w="med" len="med"/>
+                          <a:tailEnd type="none" w="med" len="med"/>
+                        </a:lnT>
+                        <a:lnB w="6350" cap="flat" cmpd="sng" algn="ctr">
+                          <a:solidFill>
+                            <a:srgbClr val="000000"/>
+                          </a:solidFill>
+                          <a:prstDash val="solid"/>
+                          <a:round/>
+                          <a:headEnd type="none" w="med" len="med"/>
+                          <a:tailEnd type="none" w="med" len="med"/>
+                        </a:lnB>
+                      </a:tcPr>
+                    </a:tc>
+                    <a:tc>
+                      <a:txBody>
+                        <a:bodyPr/>
+                        <a:lstStyle/>
+                        <a:p>
+                          <a:pPr algn="ctr" fontAlgn="ctr"/>
+                          <a:r>
+                            <a:rPr lang="ru-RU" sz="1400" b="0" i="0" u="none" strike="noStrike">
+                              <a:solidFill>
+                                <a:srgbClr val="000000"/>
+                              </a:solidFill>
+                              <a:effectLst/>
+                              <a:latin typeface="Times New Roman" panose="02020603050405020304" pitchFamily="18" charset="0"/>
+                            </a:rPr>
+                            <a:t> </a:t>
+                          </a:r>
+                        </a:p>
+                      </a:txBody>
+                      <a:tcPr marL="9525" marR="9525" marT="9525" marB="0" anchor="ctr">
+                        <a:lnL w="6350" cap="flat" cmpd="sng" algn="ctr">
+                          <a:solidFill>
+                            <a:srgbClr val="000000"/>
+                          </a:solidFill>
+                          <a:prstDash val="solid"/>
+                          <a:round/>
+                          <a:headEnd type="none" w="med" len="med"/>
+                          <a:tailEnd type="none" w="med" len="med"/>
+                        </a:lnL>
+                        <a:lnR w="6350" cap="flat" cmpd="sng" algn="ctr">
+                          <a:solidFill>
+                            <a:srgbClr val="000000"/>
+                          </a:solidFill>
+                          <a:prstDash val="solid"/>
+                          <a:round/>
+                          <a:headEnd type="none" w="med" len="med"/>
+                          <a:tailEnd type="none" w="med" len="med"/>
+                        </a:lnR>
+                        <a:lnT w="6350" cap="flat" cmpd="sng" algn="ctr">
+                          <a:solidFill>
+                            <a:srgbClr val="000000"/>
+                          </a:solidFill>
+                          <a:prstDash val="solid"/>
+                          <a:round/>
+                          <a:headEnd type="none" w="med" len="med"/>
+                          <a:tailEnd type="none" w="med" len="med"/>
+                        </a:lnT>
+                        <a:lnB w="6350" cap="flat" cmpd="sng" algn="ctr">
+                          <a:solidFill>
+                            <a:srgbClr val="000000"/>
+                          </a:solidFill>
+                          <a:prstDash val="solid"/>
+                          <a:round/>
+                          <a:headEnd type="none" w="med" len="med"/>
+                          <a:tailEnd type="none" w="med" len="med"/>
+                        </a:lnB>
+                      </a:tcPr>
+                    </a:tc>
+                    <a:tc>
+                      <a:txBody>
+                        <a:bodyPr/>
+                        <a:lstStyle/>
+                        <a:p>
+                          <a:pPr algn="ctr" fontAlgn="ctr"/>
+                          <a:r>
+                            <a:rPr lang="ru-RU" sz="1400" b="0" i="0" u="none" strike="noStrike">
+                              <a:solidFill>
+                                <a:srgbClr val="000000"/>
+                              </a:solidFill>
+                              <a:effectLst/>
+                              <a:latin typeface="Times New Roman" panose="02020603050405020304" pitchFamily="18" charset="0"/>
+                            </a:rPr>
+                            <a:t> </a:t>
+                          </a:r>
+                        </a:p>
+                      </a:txBody>
+                      <a:tcPr marL="9525" marR="9525" marT="9525" marB="0" anchor="ctr">
+                        <a:lnL w="6350" cap="flat" cmpd="sng" algn="ctr">
+                          <a:solidFill>
+                            <a:srgbClr val="000000"/>
+                          </a:solidFill>
+                          <a:prstDash val="solid"/>
+                          <a:round/>
+                          <a:headEnd type="none" w="med" len="med"/>
+                          <a:tailEnd type="none" w="med" len="med"/>
+                        </a:lnL>
+                        <a:lnR w="6350" cap="flat" cmpd="sng" algn="ctr">
+                          <a:solidFill>
+                            <a:srgbClr val="000000"/>
+                          </a:solidFill>
+                          <a:prstDash val="solid"/>
+                          <a:round/>
+                          <a:headEnd type="none" w="med" len="med"/>
+                          <a:tailEnd type="none" w="med" len="med"/>
+                        </a:lnR>
+                        <a:lnT w="6350" cap="flat" cmpd="sng" algn="ctr">
+                          <a:solidFill>
+                            <a:srgbClr val="000000"/>
+                          </a:solidFill>
+                          <a:prstDash val="solid"/>
+                          <a:round/>
+                          <a:headEnd type="none" w="med" len="med"/>
+                          <a:tailEnd type="none" w="med" len="med"/>
+                        </a:lnT>
+                        <a:lnB w="6350" cap="flat" cmpd="sng" algn="ctr">
+                          <a:solidFill>
+                            <a:srgbClr val="000000"/>
+                          </a:solidFill>
+                          <a:prstDash val="solid"/>
+                          <a:round/>
+                          <a:headEnd type="none" w="med" len="med"/>
+                          <a:tailEnd type="none" w="med" len="med"/>
+                        </a:lnB>
+                      </a:tcPr>
+                    </a:tc>
+                    <a:extLst>
+                      <a:ext uri="{0D108BD9-81ED-4DB2-BD59-A6C34878D82A}">
+                        <a16:rowId xmlns:a16="http://schemas.microsoft.com/office/drawing/2014/main" val="3132930567"/>
+                      </a:ext>
+                    </a:extLst>
+                  </a:tr>
+                  <a:tr h="238125">
+                    <a:tc>
+                      <a:txBody>
+                        <a:bodyPr/>
+                        <a:lstStyle/>
+                        <a:p>
+                          <a:pPr algn="ctr" fontAlgn="ctr"/>
+                          <a:r>
+                            <a:rPr lang="ru-RU" sz="1400" b="0" i="0" u="none" strike="noStrike">
+                              <a:solidFill>
+                                <a:srgbClr val="000000"/>
+                              </a:solidFill>
+                              <a:effectLst/>
+                              <a:latin typeface="Times New Roman" panose="02020603050405020304" pitchFamily="18" charset="0"/>
+                            </a:rPr>
+                            <a:t>⟨{1, 3} {5}⟩</a:t>
+                          </a:r>
+                        </a:p>
+                      </a:txBody>
+                      <a:tcPr marL="9525" marR="9525" marT="9525" marB="0" anchor="ctr">
+                        <a:lnL w="6350" cap="flat" cmpd="sng" algn="ctr">
+                          <a:solidFill>
+                            <a:srgbClr val="000000"/>
+                          </a:solidFill>
+                          <a:prstDash val="solid"/>
+                          <a:round/>
+                          <a:headEnd type="none" w="med" len="med"/>
+                          <a:tailEnd type="none" w="med" len="med"/>
+                        </a:lnL>
+                        <a:lnR w="6350" cap="flat" cmpd="sng" algn="ctr">
+                          <a:solidFill>
+                            <a:srgbClr val="000000"/>
+                          </a:solidFill>
+                          <a:prstDash val="solid"/>
+                          <a:round/>
+                          <a:headEnd type="none" w="med" len="med"/>
+                          <a:tailEnd type="none" w="med" len="med"/>
+                        </a:lnR>
+                        <a:lnT w="6350" cap="flat" cmpd="sng" algn="ctr">
+                          <a:solidFill>
+                            <a:srgbClr val="000000"/>
+                          </a:solidFill>
+                          <a:prstDash val="solid"/>
+                          <a:round/>
+                          <a:headEnd type="none" w="med" len="med"/>
+                          <a:tailEnd type="none" w="med" len="med"/>
+                        </a:lnT>
+                        <a:lnB w="6350" cap="flat" cmpd="sng" algn="ctr">
+                          <a:solidFill>
+                            <a:srgbClr val="000000"/>
+                          </a:solidFill>
+                          <a:prstDash val="solid"/>
+                          <a:round/>
+                          <a:headEnd type="none" w="med" len="med"/>
+                          <a:tailEnd type="none" w="med" len="med"/>
+                        </a:lnB>
+                      </a:tcPr>
+                    </a:tc>
+                    <a:tc>
+                      <a:txBody>
+                        <a:bodyPr/>
+                        <a:lstStyle/>
+                        <a:p>
+                          <a:pPr algn="ctr" fontAlgn="ctr"/>
+                          <a:r>
+                            <a:rPr lang="ru-RU" sz="1400" b="0" i="0" u="none" strike="noStrike">
+                              <a:solidFill>
+                                <a:srgbClr val="000000"/>
+                              </a:solidFill>
+                              <a:effectLst/>
+                              <a:latin typeface="Times New Roman" panose="02020603050405020304" pitchFamily="18" charset="0"/>
+                            </a:rPr>
+                            <a:t> </a:t>
+                          </a:r>
+                        </a:p>
+                      </a:txBody>
+                      <a:tcPr marL="9525" marR="9525" marT="9525" marB="0" anchor="ctr">
+                        <a:lnL w="6350" cap="flat" cmpd="sng" algn="ctr">
+                          <a:solidFill>
+                            <a:srgbClr val="000000"/>
+                          </a:solidFill>
+                          <a:prstDash val="solid"/>
+                          <a:round/>
+                          <a:headEnd type="none" w="med" len="med"/>
+                          <a:tailEnd type="none" w="med" len="med"/>
+                        </a:lnL>
+                        <a:lnR w="6350" cap="flat" cmpd="sng" algn="ctr">
+                          <a:solidFill>
+                            <a:srgbClr val="000000"/>
+                          </a:solidFill>
+                          <a:prstDash val="solid"/>
+                          <a:round/>
+                          <a:headEnd type="none" w="med" len="med"/>
+                          <a:tailEnd type="none" w="med" len="med"/>
+                        </a:lnR>
+                        <a:lnT w="6350" cap="flat" cmpd="sng" algn="ctr">
+                          <a:solidFill>
+                            <a:srgbClr val="000000"/>
+                          </a:solidFill>
+                          <a:prstDash val="solid"/>
+                          <a:round/>
+                          <a:headEnd type="none" w="med" len="med"/>
+                          <a:tailEnd type="none" w="med" len="med"/>
+                        </a:lnT>
+                        <a:lnB w="6350" cap="flat" cmpd="sng" algn="ctr">
+                          <a:solidFill>
+                            <a:srgbClr val="000000"/>
+                          </a:solidFill>
+                          <a:prstDash val="solid"/>
+                          <a:round/>
+                          <a:headEnd type="none" w="med" len="med"/>
+                          <a:tailEnd type="none" w="med" len="med"/>
+                        </a:lnB>
+                      </a:tcPr>
+                    </a:tc>
+                    <a:tc>
+                      <a:txBody>
+                        <a:bodyPr/>
+                        <a:lstStyle/>
+                        <a:p>
+                          <a:pPr algn="ctr" fontAlgn="ctr"/>
+                          <a:r>
+                            <a:rPr lang="ru-RU" sz="1400" b="0" i="0" u="none" strike="noStrike">
+                              <a:solidFill>
+                                <a:srgbClr val="000000"/>
+                              </a:solidFill>
+                              <a:effectLst/>
+                              <a:latin typeface="Times New Roman" panose="02020603050405020304" pitchFamily="18" charset="0"/>
+                            </a:rPr>
+                            <a:t> </a:t>
+                          </a:r>
+                        </a:p>
+                      </a:txBody>
+                      <a:tcPr marL="9525" marR="9525" marT="9525" marB="0" anchor="ctr">
+                        <a:lnL w="6350" cap="flat" cmpd="sng" algn="ctr">
+                          <a:solidFill>
+                            <a:srgbClr val="000000"/>
+                          </a:solidFill>
+                          <a:prstDash val="solid"/>
+                          <a:round/>
+                          <a:headEnd type="none" w="med" len="med"/>
+                          <a:tailEnd type="none" w="med" len="med"/>
+                        </a:lnL>
+                        <a:lnR w="6350" cap="flat" cmpd="sng" algn="ctr">
+                          <a:solidFill>
+                            <a:srgbClr val="000000"/>
+                          </a:solidFill>
+                          <a:prstDash val="solid"/>
+                          <a:round/>
+                          <a:headEnd type="none" w="med" len="med"/>
+                          <a:tailEnd type="none" w="med" len="med"/>
+                        </a:lnR>
+                        <a:lnT w="6350" cap="flat" cmpd="sng" algn="ctr">
+                          <a:solidFill>
+                            <a:srgbClr val="000000"/>
+                          </a:solidFill>
+                          <a:prstDash val="solid"/>
+                          <a:round/>
+                          <a:headEnd type="none" w="med" len="med"/>
+                          <a:tailEnd type="none" w="med" len="med"/>
+                        </a:lnT>
+                        <a:lnB w="6350" cap="flat" cmpd="sng" algn="ctr">
+                          <a:solidFill>
+                            <a:srgbClr val="000000"/>
+                          </a:solidFill>
+                          <a:prstDash val="solid"/>
+                          <a:round/>
+                          <a:headEnd type="none" w="med" len="med"/>
+                          <a:tailEnd type="none" w="med" len="med"/>
+                        </a:lnB>
+                      </a:tcPr>
+                    </a:tc>
+                    <a:extLst>
+                      <a:ext uri="{0D108BD9-81ED-4DB2-BD59-A6C34878D82A}">
+                        <a16:rowId xmlns:a16="http://schemas.microsoft.com/office/drawing/2014/main" val="657970"/>
+                      </a:ext>
+                    </a:extLst>
+                  </a:tr>
+                  <a:tr h="238125">
+                    <a:tc>
+                      <a:txBody>
+                        <a:bodyPr/>
+                        <a:lstStyle/>
+                        <a:p>
+                          <a:pPr algn="ctr" fontAlgn="ctr"/>
+                          <a:r>
+                            <a:rPr lang="ru-RU" sz="1400" b="0" i="0" u="none" strike="noStrike">
+                              <a:solidFill>
+                                <a:srgbClr val="000000"/>
+                              </a:solidFill>
+                              <a:effectLst/>
+                              <a:latin typeface="Times New Roman" panose="02020603050405020304" pitchFamily="18" charset="0"/>
+                            </a:rPr>
+                            <a:t>⟨{2} {3, 4}⟩</a:t>
+                          </a:r>
+                        </a:p>
+                      </a:txBody>
+                      <a:tcPr marL="9525" marR="9525" marT="9525" marB="0" anchor="ctr">
+                        <a:lnL w="6350" cap="flat" cmpd="sng" algn="ctr">
+                          <a:solidFill>
+                            <a:srgbClr val="000000"/>
+                          </a:solidFill>
+                          <a:prstDash val="solid"/>
+                          <a:round/>
+                          <a:headEnd type="none" w="med" len="med"/>
+                          <a:tailEnd type="none" w="med" len="med"/>
+                        </a:lnL>
+                        <a:lnR w="6350" cap="flat" cmpd="sng" algn="ctr">
+                          <a:solidFill>
+                            <a:srgbClr val="000000"/>
+                          </a:solidFill>
+                          <a:prstDash val="solid"/>
+                          <a:round/>
+                          <a:headEnd type="none" w="med" len="med"/>
+                          <a:tailEnd type="none" w="med" len="med"/>
+                        </a:lnR>
+                        <a:lnT w="6350" cap="flat" cmpd="sng" algn="ctr">
+                          <a:solidFill>
+                            <a:srgbClr val="000000"/>
+                          </a:solidFill>
+                          <a:prstDash val="solid"/>
+                          <a:round/>
+                          <a:headEnd type="none" w="med" len="med"/>
+                          <a:tailEnd type="none" w="med" len="med"/>
+                        </a:lnT>
+                        <a:lnB w="6350" cap="flat" cmpd="sng" algn="ctr">
+                          <a:solidFill>
+                            <a:srgbClr val="000000"/>
+                          </a:solidFill>
+                          <a:prstDash val="solid"/>
+                          <a:round/>
+                          <a:headEnd type="none" w="med" len="med"/>
+                          <a:tailEnd type="none" w="med" len="med"/>
+                        </a:lnB>
+                      </a:tcPr>
+                    </a:tc>
+                    <a:tc>
+                      <a:txBody>
+                        <a:bodyPr/>
+                        <a:lstStyle/>
+                        <a:p>
+                          <a:pPr algn="ctr" fontAlgn="ctr"/>
+                          <a:r>
+                            <a:rPr lang="ru-RU" sz="1400" b="0" i="0" u="none" strike="noStrike">
+                              <a:solidFill>
+                                <a:srgbClr val="000000"/>
+                              </a:solidFill>
+                              <a:effectLst/>
+                              <a:latin typeface="Times New Roman" panose="02020603050405020304" pitchFamily="18" charset="0"/>
+                            </a:rPr>
+                            <a:t> </a:t>
+                          </a:r>
+                        </a:p>
+                      </a:txBody>
+                      <a:tcPr marL="9525" marR="9525" marT="9525" marB="0" anchor="ctr">
+                        <a:lnL w="6350" cap="flat" cmpd="sng" algn="ctr">
+                          <a:solidFill>
+                            <a:srgbClr val="000000"/>
+                          </a:solidFill>
+                          <a:prstDash val="solid"/>
+                          <a:round/>
+                          <a:headEnd type="none" w="med" len="med"/>
+                          <a:tailEnd type="none" w="med" len="med"/>
+                        </a:lnL>
+                        <a:lnR w="6350" cap="flat" cmpd="sng" algn="ctr">
+                          <a:solidFill>
+                            <a:srgbClr val="000000"/>
+                          </a:solidFill>
+                          <a:prstDash val="solid"/>
+                          <a:round/>
+                          <a:headEnd type="none" w="med" len="med"/>
+                          <a:tailEnd type="none" w="med" len="med"/>
+                        </a:lnR>
+                        <a:lnT w="6350" cap="flat" cmpd="sng" algn="ctr">
+                          <a:solidFill>
+                            <a:srgbClr val="000000"/>
+                          </a:solidFill>
+                          <a:prstDash val="solid"/>
+                          <a:round/>
+                          <a:headEnd type="none" w="med" len="med"/>
+                          <a:tailEnd type="none" w="med" len="med"/>
+                        </a:lnT>
+                        <a:lnB w="6350" cap="flat" cmpd="sng" algn="ctr">
+                          <a:solidFill>
+                            <a:srgbClr val="000000"/>
+                          </a:solidFill>
+                          <a:prstDash val="solid"/>
+                          <a:round/>
+                          <a:headEnd type="none" w="med" len="med"/>
+                          <a:tailEnd type="none" w="med" len="med"/>
+                        </a:lnB>
+                      </a:tcPr>
+                    </a:tc>
+                    <a:tc>
+                      <a:txBody>
+                        <a:bodyPr/>
+                        <a:lstStyle/>
+                        <a:p>
+                          <a:pPr algn="ctr" fontAlgn="ctr"/>
+                          <a:r>
+                            <a:rPr lang="ru-RU" sz="1400" b="0" i="0" u="none" strike="noStrike">
+                              <a:solidFill>
+                                <a:srgbClr val="000000"/>
+                              </a:solidFill>
+                              <a:effectLst/>
+                              <a:latin typeface="Times New Roman" panose="02020603050405020304" pitchFamily="18" charset="0"/>
+                            </a:rPr>
+                            <a:t> </a:t>
+                          </a:r>
+                        </a:p>
+                      </a:txBody>
+                      <a:tcPr marL="9525" marR="9525" marT="9525" marB="0" anchor="ctr">
+                        <a:lnL w="6350" cap="flat" cmpd="sng" algn="ctr">
+                          <a:solidFill>
+                            <a:srgbClr val="000000"/>
+                          </a:solidFill>
+                          <a:prstDash val="solid"/>
+                          <a:round/>
+                          <a:headEnd type="none" w="med" len="med"/>
+                          <a:tailEnd type="none" w="med" len="med"/>
+                        </a:lnL>
+                        <a:lnR w="6350" cap="flat" cmpd="sng" algn="ctr">
+                          <a:solidFill>
+                            <a:srgbClr val="000000"/>
+                          </a:solidFill>
+                          <a:prstDash val="solid"/>
+                          <a:round/>
+                          <a:headEnd type="none" w="med" len="med"/>
+                          <a:tailEnd type="none" w="med" len="med"/>
+                        </a:lnR>
+                        <a:lnT w="6350" cap="flat" cmpd="sng" algn="ctr">
+                          <a:solidFill>
+                            <a:srgbClr val="000000"/>
+                          </a:solidFill>
+                          <a:prstDash val="solid"/>
+                          <a:round/>
+                          <a:headEnd type="none" w="med" len="med"/>
+                          <a:tailEnd type="none" w="med" len="med"/>
+                        </a:lnT>
+                        <a:lnB w="6350" cap="flat" cmpd="sng" algn="ctr">
+                          <a:solidFill>
+                            <a:srgbClr val="000000"/>
+                          </a:solidFill>
+                          <a:prstDash val="solid"/>
+                          <a:round/>
+                          <a:headEnd type="none" w="med" len="med"/>
+                          <a:tailEnd type="none" w="med" len="med"/>
+                        </a:lnB>
+                      </a:tcPr>
+                    </a:tc>
+                    <a:extLst>
+                      <a:ext uri="{0D108BD9-81ED-4DB2-BD59-A6C34878D82A}">
+                        <a16:rowId xmlns:a16="http://schemas.microsoft.com/office/drawing/2014/main" val="4181941727"/>
+                      </a:ext>
+                    </a:extLst>
+                  </a:tr>
+                  <a:tr h="238125">
+                    <a:tc>
+                      <a:txBody>
+                        <a:bodyPr/>
+                        <a:lstStyle/>
+                        <a:p>
+                          <a:pPr algn="ctr" fontAlgn="ctr"/>
+                          <a:r>
+                            <a:rPr lang="ru-RU" sz="1400" b="0" i="0" u="none" strike="noStrike">
+                              <a:solidFill>
+                                <a:srgbClr val="000000"/>
+                              </a:solidFill>
+                              <a:effectLst/>
+                              <a:latin typeface="Times New Roman" panose="02020603050405020304" pitchFamily="18" charset="0"/>
+                            </a:rPr>
+                            <a:t>⟨{2} {3} {5}⟩</a:t>
+                          </a:r>
+                        </a:p>
+                      </a:txBody>
+                      <a:tcPr marL="9525" marR="9525" marT="9525" marB="0" anchor="ctr">
+                        <a:lnL w="6350" cap="flat" cmpd="sng" algn="ctr">
+                          <a:solidFill>
+                            <a:srgbClr val="000000"/>
+                          </a:solidFill>
+                          <a:prstDash val="solid"/>
+                          <a:round/>
+                          <a:headEnd type="none" w="med" len="med"/>
+                          <a:tailEnd type="none" w="med" len="med"/>
+                        </a:lnL>
+                        <a:lnR w="6350" cap="flat" cmpd="sng" algn="ctr">
+                          <a:solidFill>
+                            <a:srgbClr val="000000"/>
+                          </a:solidFill>
+                          <a:prstDash val="solid"/>
+                          <a:round/>
+                          <a:headEnd type="none" w="med" len="med"/>
+                          <a:tailEnd type="none" w="med" len="med"/>
+                        </a:lnR>
+                        <a:lnT w="6350" cap="flat" cmpd="sng" algn="ctr">
+                          <a:solidFill>
+                            <a:srgbClr val="000000"/>
+                          </a:solidFill>
+                          <a:prstDash val="solid"/>
+                          <a:round/>
+                          <a:headEnd type="none" w="med" len="med"/>
+                          <a:tailEnd type="none" w="med" len="med"/>
+                        </a:lnT>
+                        <a:lnB w="6350" cap="flat" cmpd="sng" algn="ctr">
+                          <a:solidFill>
+                            <a:srgbClr val="000000"/>
+                          </a:solidFill>
+                          <a:prstDash val="solid"/>
+                          <a:round/>
+                          <a:headEnd type="none" w="med" len="med"/>
+                          <a:tailEnd type="none" w="med" len="med"/>
+                        </a:lnB>
+                      </a:tcPr>
+                    </a:tc>
+                    <a:tc>
+                      <a:txBody>
+                        <a:bodyPr/>
+                        <a:lstStyle/>
+                        <a:p>
+                          <a:pPr algn="ctr" fontAlgn="ctr"/>
+                          <a:r>
+                            <a:rPr lang="ru-RU" sz="1400" b="0" i="0" u="none" strike="noStrike">
+                              <a:solidFill>
+                                <a:srgbClr val="000000"/>
+                              </a:solidFill>
+                              <a:effectLst/>
+                              <a:latin typeface="Times New Roman" panose="02020603050405020304" pitchFamily="18" charset="0"/>
+                            </a:rPr>
+                            <a:t> </a:t>
+                          </a:r>
+                        </a:p>
+                      </a:txBody>
+                      <a:tcPr marL="9525" marR="9525" marT="9525" marB="0" anchor="ctr">
+                        <a:lnL w="6350" cap="flat" cmpd="sng" algn="ctr">
+                          <a:solidFill>
+                            <a:srgbClr val="000000"/>
+                          </a:solidFill>
+                          <a:prstDash val="solid"/>
+                          <a:round/>
+                          <a:headEnd type="none" w="med" len="med"/>
+                          <a:tailEnd type="none" w="med" len="med"/>
+                        </a:lnL>
+                        <a:lnR w="6350" cap="flat" cmpd="sng" algn="ctr">
+                          <a:solidFill>
+                            <a:srgbClr val="000000"/>
+                          </a:solidFill>
+                          <a:prstDash val="solid"/>
+                          <a:round/>
+                          <a:headEnd type="none" w="med" len="med"/>
+                          <a:tailEnd type="none" w="med" len="med"/>
+                        </a:lnR>
+                        <a:lnT w="6350" cap="flat" cmpd="sng" algn="ctr">
+                          <a:solidFill>
+                            <a:srgbClr val="000000"/>
+                          </a:solidFill>
+                          <a:prstDash val="solid"/>
+                          <a:round/>
+                          <a:headEnd type="none" w="med" len="med"/>
+                          <a:tailEnd type="none" w="med" len="med"/>
+                        </a:lnT>
+                        <a:lnB w="6350" cap="flat" cmpd="sng" algn="ctr">
+                          <a:solidFill>
+                            <a:srgbClr val="000000"/>
+                          </a:solidFill>
+                          <a:prstDash val="solid"/>
+                          <a:round/>
+                          <a:headEnd type="none" w="med" len="med"/>
+                          <a:tailEnd type="none" w="med" len="med"/>
+                        </a:lnB>
+                      </a:tcPr>
+                    </a:tc>
+                    <a:tc>
+                      <a:txBody>
+                        <a:bodyPr/>
+                        <a:lstStyle/>
+                        <a:p>
+                          <a:pPr algn="ctr" fontAlgn="ctr"/>
+                          <a:r>
+                            <a:rPr lang="ru-RU" sz="1400" b="0" i="0" u="none" strike="noStrike" dirty="0">
+                              <a:solidFill>
+                                <a:srgbClr val="000000"/>
+                              </a:solidFill>
+                              <a:effectLst/>
+                              <a:latin typeface="Times New Roman" panose="02020603050405020304" pitchFamily="18" charset="0"/>
+                            </a:rPr>
+                            <a:t> </a:t>
+                          </a:r>
+                        </a:p>
+                      </a:txBody>
+                      <a:tcPr marL="9525" marR="9525" marT="9525" marB="0" anchor="ctr">
+                        <a:lnL w="6350" cap="flat" cmpd="sng" algn="ctr">
+                          <a:solidFill>
+                            <a:srgbClr val="000000"/>
+                          </a:solidFill>
+                          <a:prstDash val="solid"/>
+                          <a:round/>
+                          <a:headEnd type="none" w="med" len="med"/>
+                          <a:tailEnd type="none" w="med" len="med"/>
+                        </a:lnL>
+                        <a:lnR w="6350" cap="flat" cmpd="sng" algn="ctr">
+                          <a:solidFill>
+                            <a:srgbClr val="000000"/>
+                          </a:solidFill>
+                          <a:prstDash val="solid"/>
+                          <a:round/>
+                          <a:headEnd type="none" w="med" len="med"/>
+                          <a:tailEnd type="none" w="med" len="med"/>
+                        </a:lnR>
+                        <a:lnT w="6350" cap="flat" cmpd="sng" algn="ctr">
+                          <a:solidFill>
+                            <a:srgbClr val="000000"/>
+                          </a:solidFill>
+                          <a:prstDash val="solid"/>
+                          <a:round/>
+                          <a:headEnd type="none" w="med" len="med"/>
+                          <a:tailEnd type="none" w="med" len="med"/>
+                        </a:lnT>
+                        <a:lnB w="6350" cap="flat" cmpd="sng" algn="ctr">
+                          <a:solidFill>
+                            <a:srgbClr val="000000"/>
+                          </a:solidFill>
+                          <a:prstDash val="solid"/>
+                          <a:round/>
+                          <a:headEnd type="none" w="med" len="med"/>
+                          <a:tailEnd type="none" w="med" len="med"/>
+                        </a:lnB>
+                      </a:tcPr>
+                    </a:tc>
+                    <a:extLst>
+                      <a:ext uri="{0D108BD9-81ED-4DB2-BD59-A6C34878D82A}">
+                        <a16:rowId xmlns:a16="http://schemas.microsoft.com/office/drawing/2014/main" val="869037856"/>
+                      </a:ext>
+                    </a:extLst>
+                  </a:tr>
+                </a:tbl>
+              </a:graphicData>
+            </a:graphic>
+          </p:graphicFrame>
+        </mc:Fallback>
+      </mc:AlternateContent>
+      <p:graphicFrame>
+        <p:nvGraphicFramePr>
+          <p:cNvPr id="23" name="Таблица 22">
+            <a:extLst>
+              <a:ext uri="{FF2B5EF4-FFF2-40B4-BE49-F238E27FC236}">
+                <a16:creationId xmlns:a16="http://schemas.microsoft.com/office/drawing/2014/main" id="{D829574C-0525-4355-8C42-EDB5BC4F5206}"/>
+              </a:ext>
+            </a:extLst>
+          </p:cNvPr>
+          <p:cNvGraphicFramePr>
+            <a:graphicFrameLocks noGrp="1"/>
+          </p:cNvGraphicFramePr>
+          <p:nvPr>
+            <p:extLst>
+              <p:ext uri="{D42A27DB-BD31-4B8C-83A1-F6EECF244321}">
+                <p14:modId xmlns:p14="http://schemas.microsoft.com/office/powerpoint/2010/main" val="313652135"/>
+              </p:ext>
+            </p:extLst>
+          </p:nvPr>
+        </p:nvGraphicFramePr>
+        <p:xfrm>
+          <a:off x="428016" y="4102760"/>
+          <a:ext cx="2286000" cy="952500"/>
+        </p:xfrm>
+        <a:graphic>
+          <a:graphicData uri="http://schemas.openxmlformats.org/drawingml/2006/table">
+            <a:tbl>
+              <a:tblPr/>
+              <a:tblGrid>
+                <a:gridCol w="1512374">
+                  <a:extLst>
+                    <a:ext uri="{9D8B030D-6E8A-4147-A177-3AD203B41FA5}">
+                      <a16:colId xmlns:a16="http://schemas.microsoft.com/office/drawing/2014/main" val="462469365"/>
+                    </a:ext>
+                  </a:extLst>
+                </a:gridCol>
+                <a:gridCol w="773626">
+                  <a:extLst>
+                    <a:ext uri="{9D8B030D-6E8A-4147-A177-3AD203B41FA5}">
+                      <a16:colId xmlns:a16="http://schemas.microsoft.com/office/drawing/2014/main" val="1686118786"/>
+                    </a:ext>
+                  </a:extLst>
+                </a:gridCol>
+              </a:tblGrid>
+              <a:tr h="238125">
+                <a:tc>
+                  <a:txBody>
+                    <a:bodyPr/>
+                    <a:lstStyle/>
+                    <a:p>
+                      <a:pPr algn="ctr" fontAlgn="ctr"/>
+                      <a:r>
+                        <a:rPr lang="ru-RU" sz="1400" b="0" i="0" u="none" strike="noStrike" dirty="0">
+                          <a:solidFill>
+                            <a:srgbClr val="000000"/>
+                          </a:solidFill>
+                          <a:effectLst/>
+                          <a:latin typeface="Times New Roman" panose="02020603050405020304" pitchFamily="18" charset="0"/>
+                        </a:rPr>
+                        <a:t>Время транзакции</a:t>
+                      </a:r>
+                    </a:p>
+                  </a:txBody>
+                  <a:tcPr marL="9525" marR="9525" marT="9525" marB="0" anchor="ctr">
+                    <a:lnL w="6350" cap="flat" cmpd="sng" algn="ctr">
+                      <a:solidFill>
+                        <a:srgbClr val="000000"/>
+                      </a:solidFill>
+                      <a:prstDash val="solid"/>
+                      <a:round/>
+                      <a:headEnd type="none" w="med" len="med"/>
+                      <a:tailEnd type="none" w="med" len="med"/>
+                    </a:lnL>
+                    <a:lnR w="6350" cap="flat" cmpd="sng" algn="ctr">
+                      <a:solidFill>
+                        <a:srgbClr val="000000"/>
+                      </a:solidFill>
+                      <a:prstDash val="solid"/>
+                      <a:round/>
+                      <a:headEnd type="none" w="med" len="med"/>
+                      <a:tailEnd type="none" w="med" len="med"/>
+                    </a:lnR>
+                    <a:lnT w="6350" cap="flat" cmpd="sng" algn="ctr">
+                      <a:solidFill>
+                        <a:srgbClr val="000000"/>
+                      </a:solidFill>
+                      <a:prstDash val="solid"/>
+                      <a:round/>
+                      <a:headEnd type="none" w="med" len="med"/>
+                      <a:tailEnd type="none" w="med" len="med"/>
+                    </a:lnT>
+                    <a:lnB w="6350" cap="flat" cmpd="sng" algn="ctr">
+                      <a:solidFill>
+                        <a:srgbClr val="000000"/>
+                      </a:solidFill>
+                      <a:prstDash val="solid"/>
+                      <a:round/>
+                      <a:headEnd type="none" w="med" len="med"/>
+                      <a:tailEnd type="none" w="med" len="med"/>
+                    </a:lnB>
+                    <a:solidFill>
+                      <a:srgbClr val="BFBFBF"/>
+                    </a:solidFill>
+                  </a:tcPr>
+                </a:tc>
+                <a:tc>
+                  <a:txBody>
+                    <a:bodyPr/>
+                    <a:lstStyle/>
+                    <a:p>
+                      <a:pPr algn="ctr" fontAlgn="ctr"/>
+                      <a:r>
+                        <a:rPr lang="ru-RU" sz="1400" b="0" i="0" u="none" strike="noStrike">
+                          <a:solidFill>
+                            <a:srgbClr val="000000"/>
+                          </a:solidFill>
+                          <a:effectLst/>
+                          <a:latin typeface="Times New Roman" panose="02020603050405020304" pitchFamily="18" charset="0"/>
+                        </a:rPr>
+                        <a:t>Объекты</a:t>
+                      </a:r>
+                    </a:p>
+                  </a:txBody>
+                  <a:tcPr marL="9525" marR="9525" marT="9525" marB="0" anchor="ctr">
+                    <a:lnL w="6350" cap="flat" cmpd="sng" algn="ctr">
+                      <a:solidFill>
+                        <a:srgbClr val="000000"/>
+                      </a:solidFill>
+                      <a:prstDash val="solid"/>
+                      <a:round/>
+                      <a:headEnd type="none" w="med" len="med"/>
+                      <a:tailEnd type="none" w="med" len="med"/>
+                    </a:lnL>
+                    <a:lnR w="6350" cap="flat" cmpd="sng" algn="ctr">
+                      <a:solidFill>
+                        <a:srgbClr val="000000"/>
+                      </a:solidFill>
+                      <a:prstDash val="solid"/>
+                      <a:round/>
+                      <a:headEnd type="none" w="med" len="med"/>
+                      <a:tailEnd type="none" w="med" len="med"/>
+                    </a:lnR>
+                    <a:lnT w="6350" cap="flat" cmpd="sng" algn="ctr">
+                      <a:solidFill>
+                        <a:srgbClr val="000000"/>
+                      </a:solidFill>
+                      <a:prstDash val="solid"/>
+                      <a:round/>
+                      <a:headEnd type="none" w="med" len="med"/>
+                      <a:tailEnd type="none" w="med" len="med"/>
+                    </a:lnT>
+                    <a:lnB w="6350" cap="flat" cmpd="sng" algn="ctr">
+                      <a:solidFill>
+                        <a:srgbClr val="000000"/>
+                      </a:solidFill>
+                      <a:prstDash val="solid"/>
+                      <a:round/>
+                      <a:headEnd type="none" w="med" len="med"/>
+                      <a:tailEnd type="none" w="med" len="med"/>
+                    </a:lnB>
+                    <a:solidFill>
+                      <a:srgbClr val="BFBFBF"/>
+                    </a:solidFill>
+                  </a:tcPr>
+                </a:tc>
+                <a:extLst>
+                  <a:ext uri="{0D108BD9-81ED-4DB2-BD59-A6C34878D82A}">
+                    <a16:rowId xmlns:a16="http://schemas.microsoft.com/office/drawing/2014/main" val="1022706617"/>
+                  </a:ext>
+                </a:extLst>
+              </a:tr>
+              <a:tr h="238125">
+                <a:tc>
+                  <a:txBody>
+                    <a:bodyPr/>
+                    <a:lstStyle/>
+                    <a:p>
+                      <a:pPr algn="ctr" fontAlgn="ctr"/>
+                      <a:r>
+                        <a:rPr lang="ru-RU" sz="1400" b="0" i="0" u="none" strike="noStrike">
+                          <a:solidFill>
+                            <a:srgbClr val="000000"/>
+                          </a:solidFill>
+                          <a:effectLst/>
+                          <a:latin typeface="Times New Roman" panose="02020603050405020304" pitchFamily="18" charset="0"/>
+                        </a:rPr>
+                        <a:t>10</a:t>
+                      </a:r>
+                    </a:p>
+                  </a:txBody>
+                  <a:tcPr marL="9525" marR="9525" marT="9525" marB="0" anchor="ctr">
+                    <a:lnL w="6350" cap="flat" cmpd="sng" algn="ctr">
+                      <a:solidFill>
+                        <a:srgbClr val="000000"/>
+                      </a:solidFill>
+                      <a:prstDash val="solid"/>
+                      <a:round/>
+                      <a:headEnd type="none" w="med" len="med"/>
+                      <a:tailEnd type="none" w="med" len="med"/>
+                    </a:lnL>
+                    <a:lnR w="6350" cap="flat" cmpd="sng" algn="ctr">
+                      <a:solidFill>
+                        <a:srgbClr val="000000"/>
+                      </a:solidFill>
+                      <a:prstDash val="solid"/>
+                      <a:round/>
+                      <a:headEnd type="none" w="med" len="med"/>
+                      <a:tailEnd type="none" w="med" len="med"/>
+                    </a:lnR>
+                    <a:lnT w="6350" cap="flat" cmpd="sng" algn="ctr">
+                      <a:solidFill>
+                        <a:srgbClr val="000000"/>
+                      </a:solidFill>
+                      <a:prstDash val="solid"/>
+                      <a:round/>
+                      <a:headEnd type="none" w="med" len="med"/>
+                      <a:tailEnd type="none" w="med" len="med"/>
+                    </a:lnT>
+                    <a:lnB w="6350" cap="flat" cmpd="sng" algn="ctr">
+                      <a:solidFill>
+                        <a:srgbClr val="000000"/>
+                      </a:solidFill>
+                      <a:prstDash val="solid"/>
+                      <a:round/>
+                      <a:headEnd type="none" w="med" len="med"/>
+                      <a:tailEnd type="none" w="med" len="med"/>
+                    </a:lnB>
+                  </a:tcPr>
+                </a:tc>
+                <a:tc>
+                  <a:txBody>
+                    <a:bodyPr/>
+                    <a:lstStyle/>
+                    <a:p>
+                      <a:pPr algn="ctr" fontAlgn="ctr"/>
+                      <a:r>
+                        <a:rPr lang="en-US" sz="1400" b="0" i="0" u="none" strike="noStrike" dirty="0">
+                          <a:solidFill>
+                            <a:srgbClr val="000000"/>
+                          </a:solidFill>
+                          <a:effectLst/>
+                          <a:latin typeface="Times New Roman" panose="02020603050405020304" pitchFamily="18" charset="0"/>
+                        </a:rPr>
+                        <a:t>1</a:t>
+                      </a:r>
+                      <a:endParaRPr lang="ru-RU" sz="1400" b="0" i="0" u="none" strike="noStrike" dirty="0">
+                        <a:solidFill>
+                          <a:srgbClr val="000000"/>
+                        </a:solidFill>
+                        <a:effectLst/>
+                        <a:latin typeface="Times New Roman" panose="02020603050405020304" pitchFamily="18" charset="0"/>
+                      </a:endParaRPr>
+                    </a:p>
+                  </a:txBody>
+                  <a:tcPr marL="9525" marR="9525" marT="9525" marB="0" anchor="ctr">
+                    <a:lnL w="6350" cap="flat" cmpd="sng" algn="ctr">
+                      <a:solidFill>
+                        <a:srgbClr val="000000"/>
+                      </a:solidFill>
+                      <a:prstDash val="solid"/>
+                      <a:round/>
+                      <a:headEnd type="none" w="med" len="med"/>
+                      <a:tailEnd type="none" w="med" len="med"/>
+                    </a:lnL>
+                    <a:lnR w="6350" cap="flat" cmpd="sng" algn="ctr">
+                      <a:solidFill>
+                        <a:srgbClr val="000000"/>
+                      </a:solidFill>
+                      <a:prstDash val="solid"/>
+                      <a:round/>
+                      <a:headEnd type="none" w="med" len="med"/>
+                      <a:tailEnd type="none" w="med" len="med"/>
+                    </a:lnR>
+                    <a:lnT w="6350" cap="flat" cmpd="sng" algn="ctr">
+                      <a:solidFill>
+                        <a:srgbClr val="000000"/>
+                      </a:solidFill>
+                      <a:prstDash val="solid"/>
+                      <a:round/>
+                      <a:headEnd type="none" w="med" len="med"/>
+                      <a:tailEnd type="none" w="med" len="med"/>
+                    </a:lnT>
+                    <a:lnB w="6350" cap="flat" cmpd="sng" algn="ctr">
+                      <a:solidFill>
+                        <a:srgbClr val="000000"/>
+                      </a:solidFill>
+                      <a:prstDash val="solid"/>
+                      <a:round/>
+                      <a:headEnd type="none" w="med" len="med"/>
+                      <a:tailEnd type="none" w="med" len="med"/>
+                    </a:lnB>
+                  </a:tcPr>
+                </a:tc>
+                <a:extLst>
+                  <a:ext uri="{0D108BD9-81ED-4DB2-BD59-A6C34878D82A}">
+                    <a16:rowId xmlns:a16="http://schemas.microsoft.com/office/drawing/2014/main" val="3861599002"/>
+                  </a:ext>
+                </a:extLst>
+              </a:tr>
+              <a:tr h="238125">
+                <a:tc>
+                  <a:txBody>
+                    <a:bodyPr/>
+                    <a:lstStyle/>
+                    <a:p>
+                      <a:pPr algn="ctr" fontAlgn="ctr"/>
+                      <a:r>
+                        <a:rPr lang="ru-RU" sz="1400" b="0" i="0" u="none" strike="noStrike" dirty="0">
+                          <a:solidFill>
+                            <a:srgbClr val="000000"/>
+                          </a:solidFill>
+                          <a:effectLst/>
+                          <a:latin typeface="Times New Roman" panose="02020603050405020304" pitchFamily="18" charset="0"/>
+                        </a:rPr>
+                        <a:t>20</a:t>
+                      </a:r>
+                    </a:p>
+                  </a:txBody>
+                  <a:tcPr marL="9525" marR="9525" marT="9525" marB="0" anchor="ctr">
+                    <a:lnL w="6350" cap="flat" cmpd="sng" algn="ctr">
+                      <a:solidFill>
+                        <a:srgbClr val="000000"/>
+                      </a:solidFill>
+                      <a:prstDash val="solid"/>
+                      <a:round/>
+                      <a:headEnd type="none" w="med" len="med"/>
+                      <a:tailEnd type="none" w="med" len="med"/>
+                    </a:lnL>
+                    <a:lnR w="6350" cap="flat" cmpd="sng" algn="ctr">
+                      <a:solidFill>
+                        <a:srgbClr val="000000"/>
+                      </a:solidFill>
+                      <a:prstDash val="solid"/>
+                      <a:round/>
+                      <a:headEnd type="none" w="med" len="med"/>
+                      <a:tailEnd type="none" w="med" len="med"/>
+                    </a:lnR>
+                    <a:lnT w="6350" cap="flat" cmpd="sng" algn="ctr">
+                      <a:solidFill>
+                        <a:srgbClr val="000000"/>
+                      </a:solidFill>
+                      <a:prstDash val="solid"/>
+                      <a:round/>
+                      <a:headEnd type="none" w="med" len="med"/>
+                      <a:tailEnd type="none" w="med" len="med"/>
+                    </a:lnT>
+                    <a:lnB w="6350" cap="flat" cmpd="sng" algn="ctr">
+                      <a:solidFill>
+                        <a:srgbClr val="000000"/>
+                      </a:solidFill>
+                      <a:prstDash val="solid"/>
+                      <a:round/>
+                      <a:headEnd type="none" w="med" len="med"/>
+                      <a:tailEnd type="none" w="med" len="med"/>
+                    </a:lnB>
+                  </a:tcPr>
+                </a:tc>
+                <a:tc>
+                  <a:txBody>
+                    <a:bodyPr/>
+                    <a:lstStyle/>
+                    <a:p>
+                      <a:pPr algn="ctr" fontAlgn="ctr"/>
+                      <a:r>
+                        <a:rPr lang="ru-RU" sz="1400" b="0" i="0" u="none" strike="noStrike">
+                          <a:solidFill>
+                            <a:srgbClr val="000000"/>
+                          </a:solidFill>
+                          <a:effectLst/>
+                          <a:latin typeface="Times New Roman" panose="02020603050405020304" pitchFamily="18" charset="0"/>
+                        </a:rPr>
+                        <a:t>3</a:t>
+                      </a:r>
+                    </a:p>
+                  </a:txBody>
+                  <a:tcPr marL="9525" marR="9525" marT="9525" marB="0" anchor="ctr">
+                    <a:lnL w="6350" cap="flat" cmpd="sng" algn="ctr">
+                      <a:solidFill>
+                        <a:srgbClr val="000000"/>
+                      </a:solidFill>
+                      <a:prstDash val="solid"/>
+                      <a:round/>
+                      <a:headEnd type="none" w="med" len="med"/>
+                      <a:tailEnd type="none" w="med" len="med"/>
+                    </a:lnL>
+                    <a:lnR w="6350" cap="flat" cmpd="sng" algn="ctr">
+                      <a:solidFill>
+                        <a:srgbClr val="000000"/>
+                      </a:solidFill>
+                      <a:prstDash val="solid"/>
+                      <a:round/>
+                      <a:headEnd type="none" w="med" len="med"/>
+                      <a:tailEnd type="none" w="med" len="med"/>
+                    </a:lnR>
+                    <a:lnT w="6350" cap="flat" cmpd="sng" algn="ctr">
+                      <a:solidFill>
+                        <a:srgbClr val="000000"/>
+                      </a:solidFill>
+                      <a:prstDash val="solid"/>
+                      <a:round/>
+                      <a:headEnd type="none" w="med" len="med"/>
+                      <a:tailEnd type="none" w="med" len="med"/>
+                    </a:lnT>
+                    <a:lnB w="6350" cap="flat" cmpd="sng" algn="ctr">
+                      <a:solidFill>
+                        <a:srgbClr val="000000"/>
+                      </a:solidFill>
+                      <a:prstDash val="solid"/>
+                      <a:round/>
+                      <a:headEnd type="none" w="med" len="med"/>
+                      <a:tailEnd type="none" w="med" len="med"/>
+                    </a:lnB>
+                  </a:tcPr>
+                </a:tc>
+                <a:extLst>
+                  <a:ext uri="{0D108BD9-81ED-4DB2-BD59-A6C34878D82A}">
+                    <a16:rowId xmlns:a16="http://schemas.microsoft.com/office/drawing/2014/main" val="2985794946"/>
+                  </a:ext>
+                </a:extLst>
+              </a:tr>
+              <a:tr h="238125">
+                <a:tc>
+                  <a:txBody>
+                    <a:bodyPr/>
+                    <a:lstStyle/>
+                    <a:p>
+                      <a:pPr algn="ctr" fontAlgn="ctr"/>
+                      <a:r>
+                        <a:rPr lang="ru-RU" sz="1400" b="0" i="0" u="none" strike="noStrike" dirty="0">
+                          <a:solidFill>
+                            <a:srgbClr val="000000"/>
+                          </a:solidFill>
+                          <a:effectLst/>
+                          <a:latin typeface="Times New Roman" panose="02020603050405020304" pitchFamily="18" charset="0"/>
+                        </a:rPr>
+                        <a:t>26</a:t>
+                      </a:r>
+                    </a:p>
+                  </a:txBody>
+                  <a:tcPr marL="9525" marR="9525" marT="9525" marB="0" anchor="ctr">
+                    <a:lnL w="6350" cap="flat" cmpd="sng" algn="ctr">
+                      <a:solidFill>
+                        <a:srgbClr val="000000"/>
+                      </a:solidFill>
+                      <a:prstDash val="solid"/>
+                      <a:round/>
+                      <a:headEnd type="none" w="med" len="med"/>
+                      <a:tailEnd type="none" w="med" len="med"/>
+                    </a:lnL>
+                    <a:lnR w="6350" cap="flat" cmpd="sng" algn="ctr">
+                      <a:solidFill>
+                        <a:srgbClr val="000000"/>
+                      </a:solidFill>
+                      <a:prstDash val="solid"/>
+                      <a:round/>
+                      <a:headEnd type="none" w="med" len="med"/>
+                      <a:tailEnd type="none" w="med" len="med"/>
+                    </a:lnR>
+                    <a:lnT w="6350" cap="flat" cmpd="sng" algn="ctr">
+                      <a:solidFill>
+                        <a:srgbClr val="000000"/>
+                      </a:solidFill>
+                      <a:prstDash val="solid"/>
+                      <a:round/>
+                      <a:headEnd type="none" w="med" len="med"/>
+                      <a:tailEnd type="none" w="med" len="med"/>
+                    </a:lnT>
+                    <a:lnB w="6350" cap="flat" cmpd="sng" algn="ctr">
+                      <a:solidFill>
+                        <a:srgbClr val="000000"/>
+                      </a:solidFill>
+                      <a:prstDash val="solid"/>
+                      <a:round/>
+                      <a:headEnd type="none" w="med" len="med"/>
+                      <a:tailEnd type="none" w="med" len="med"/>
+                    </a:lnB>
+                  </a:tcPr>
+                </a:tc>
+                <a:tc>
+                  <a:txBody>
+                    <a:bodyPr/>
+                    <a:lstStyle/>
+                    <a:p>
+                      <a:pPr algn="ctr" fontAlgn="ctr"/>
+                      <a:r>
+                        <a:rPr lang="ru-RU" sz="1400" b="0" i="0" u="none" strike="noStrike" dirty="0">
+                          <a:solidFill>
+                            <a:srgbClr val="000000"/>
+                          </a:solidFill>
+                          <a:effectLst/>
+                          <a:latin typeface="Times New Roman" panose="02020603050405020304" pitchFamily="18" charset="0"/>
+                        </a:rPr>
+                        <a:t>2</a:t>
+                      </a:r>
+                    </a:p>
+                  </a:txBody>
+                  <a:tcPr marL="9525" marR="9525" marT="9525" marB="0" anchor="ctr">
+                    <a:lnL w="6350" cap="flat" cmpd="sng" algn="ctr">
+                      <a:solidFill>
+                        <a:srgbClr val="000000"/>
+                      </a:solidFill>
+                      <a:prstDash val="solid"/>
+                      <a:round/>
+                      <a:headEnd type="none" w="med" len="med"/>
+                      <a:tailEnd type="none" w="med" len="med"/>
+                    </a:lnL>
+                    <a:lnR w="6350" cap="flat" cmpd="sng" algn="ctr">
+                      <a:solidFill>
+                        <a:srgbClr val="000000"/>
+                      </a:solidFill>
+                      <a:prstDash val="solid"/>
+                      <a:round/>
+                      <a:headEnd type="none" w="med" len="med"/>
+                      <a:tailEnd type="none" w="med" len="med"/>
+                    </a:lnR>
+                    <a:lnT w="6350" cap="flat" cmpd="sng" algn="ctr">
+                      <a:solidFill>
+                        <a:srgbClr val="000000"/>
+                      </a:solidFill>
+                      <a:prstDash val="solid"/>
+                      <a:round/>
+                      <a:headEnd type="none" w="med" len="med"/>
+                      <a:tailEnd type="none" w="med" len="med"/>
+                    </a:lnT>
+                    <a:lnB w="6350" cap="flat" cmpd="sng" algn="ctr">
+                      <a:solidFill>
+                        <a:srgbClr val="000000"/>
+                      </a:solidFill>
+                      <a:prstDash val="solid"/>
+                      <a:round/>
+                      <a:headEnd type="none" w="med" len="med"/>
+                      <a:tailEnd type="none" w="med" len="med"/>
+                    </a:lnB>
+                  </a:tcPr>
+                </a:tc>
+                <a:extLst>
+                  <a:ext uri="{0D108BD9-81ED-4DB2-BD59-A6C34878D82A}">
+                    <a16:rowId xmlns:a16="http://schemas.microsoft.com/office/drawing/2014/main" val="3602920525"/>
+                  </a:ext>
+                </a:extLst>
+              </a:tr>
+            </a:tbl>
+          </a:graphicData>
+        </a:graphic>
+      </p:graphicFrame>
+      <p:sp>
+        <p:nvSpPr>
+          <p:cNvPr id="24" name="Объект 2">
+            <a:extLst>
+              <a:ext uri="{FF2B5EF4-FFF2-40B4-BE49-F238E27FC236}">
+                <a16:creationId xmlns:a16="http://schemas.microsoft.com/office/drawing/2014/main" id="{9208D2FC-385F-4663-8DDF-E81E8DAB5B05}"/>
+              </a:ext>
+            </a:extLst>
+          </p:cNvPr>
+          <p:cNvSpPr txBox="1">
+            <a:spLocks/>
+          </p:cNvSpPr>
+          <p:nvPr/>
+        </p:nvSpPr>
+        <p:spPr>
+          <a:xfrm>
+            <a:off x="428016" y="947340"/>
+            <a:ext cx="11763983" cy="424017"/>
+          </a:xfrm>
+          <a:prstGeom prst="rect">
+            <a:avLst/>
+          </a:prstGeom>
+        </p:spPr>
+        <p:txBody>
+          <a:bodyPr vert="horz" lIns="91440" tIns="45720" rIns="91440" bIns="45720" rtlCol="0">
+            <a:noAutofit/>
+          </a:bodyPr>
+          <a:lstStyle>
+            <a:lvl1pPr marL="228600" indent="-228600" algn="l" defTabSz="914400" rtl="0" eaLnBrk="1" latinLnBrk="0" hangingPunct="1">
+              <a:lnSpc>
+                <a:spcPct val="90000"/>
+              </a:lnSpc>
+              <a:spcBef>
+                <a:spcPts val="1000"/>
+              </a:spcBef>
+              <a:buFont typeface="Arial" panose="020B0604020202020204" pitchFamily="34" charset="0"/>
+              <a:buChar char="•"/>
+              <a:defRPr sz="2800" kern="1200">
+                <a:solidFill>
+                  <a:schemeClr val="tx1"/>
+                </a:solidFill>
+                <a:latin typeface="+mn-lt"/>
+                <a:ea typeface="+mn-ea"/>
+                <a:cs typeface="+mn-cs"/>
+              </a:defRPr>
+            </a:lvl1pPr>
+            <a:lvl2pPr marL="685800" indent="-228600" algn="l" defTabSz="914400" rtl="0" eaLnBrk="1" latinLnBrk="0" hangingPunct="1">
+              <a:lnSpc>
+                <a:spcPct val="90000"/>
+              </a:lnSpc>
+              <a:spcBef>
+                <a:spcPts val="500"/>
+              </a:spcBef>
+              <a:buFont typeface="Arial" panose="020B0604020202020204" pitchFamily="34" charset="0"/>
+              <a:buChar char="•"/>
+              <a:defRPr sz="2400" kern="1200">
+                <a:solidFill>
+                  <a:schemeClr val="tx1"/>
+                </a:solidFill>
+                <a:latin typeface="+mn-lt"/>
+                <a:ea typeface="+mn-ea"/>
+                <a:cs typeface="+mn-cs"/>
+              </a:defRPr>
+            </a:lvl2pPr>
+            <a:lvl3pPr marL="1143000" indent="-228600" algn="l" defTabSz="914400" rtl="0" eaLnBrk="1" latinLnBrk="0" hangingPunct="1">
+              <a:lnSpc>
+                <a:spcPct val="90000"/>
+              </a:lnSpc>
+              <a:spcBef>
+                <a:spcPts val="500"/>
+              </a:spcBef>
+              <a:buFont typeface="Arial" panose="020B0604020202020204" pitchFamily="34" charset="0"/>
+              <a:buChar char="•"/>
+              <a:defRPr sz="2000" kern="1200">
+                <a:solidFill>
+                  <a:schemeClr val="tx1"/>
+                </a:solidFill>
+                <a:latin typeface="+mn-lt"/>
+                <a:ea typeface="+mn-ea"/>
+                <a:cs typeface="+mn-cs"/>
+              </a:defRPr>
+            </a:lvl3pPr>
+            <a:lvl4pPr marL="1600200" indent="-228600" algn="l" defTabSz="914400" rtl="0" eaLnBrk="1" latinLnBrk="0" hangingPunct="1">
+              <a:lnSpc>
+                <a:spcPct val="90000"/>
+              </a:lnSpc>
+              <a:spcBef>
+                <a:spcPts val="500"/>
+              </a:spcBef>
+              <a:buFont typeface="Arial" panose="020B0604020202020204" pitchFamily="34" charset="0"/>
+              <a:buChar char="•"/>
+              <a:defRPr sz="1800" kern="1200">
+                <a:solidFill>
+                  <a:schemeClr val="tx1"/>
+                </a:solidFill>
+                <a:latin typeface="+mn-lt"/>
+                <a:ea typeface="+mn-ea"/>
+                <a:cs typeface="+mn-cs"/>
+              </a:defRPr>
+            </a:lvl4pPr>
+            <a:lvl5pPr marL="2057400" indent="-228600" algn="l" defTabSz="914400" rtl="0" eaLnBrk="1" latinLnBrk="0" hangingPunct="1">
+              <a:lnSpc>
+                <a:spcPct val="90000"/>
+              </a:lnSpc>
+              <a:spcBef>
+                <a:spcPts val="500"/>
+              </a:spcBef>
+              <a:buFont typeface="Arial" panose="020B0604020202020204" pitchFamily="34" charset="0"/>
+              <a:buChar char="•"/>
+              <a:defRPr sz="1800" kern="1200">
+                <a:solidFill>
+                  <a:schemeClr val="tx1"/>
+                </a:solidFill>
+                <a:latin typeface="+mn-lt"/>
+                <a:ea typeface="+mn-ea"/>
+                <a:cs typeface="+mn-cs"/>
+              </a:defRPr>
+            </a:lvl5pPr>
+            <a:lvl6pPr marL="2514600" indent="-228600" algn="l" defTabSz="914400" rtl="0" eaLnBrk="1" latinLnBrk="0" hangingPunct="1">
+              <a:lnSpc>
+                <a:spcPct val="90000"/>
+              </a:lnSpc>
+              <a:spcBef>
+                <a:spcPts val="500"/>
+              </a:spcBef>
+              <a:buFont typeface="Arial" panose="020B0604020202020204" pitchFamily="34" charset="0"/>
+              <a:buChar char="•"/>
+              <a:defRPr sz="1800" kern="1200">
+                <a:solidFill>
+                  <a:schemeClr val="tx1"/>
+                </a:solidFill>
+                <a:latin typeface="+mn-lt"/>
+                <a:ea typeface="+mn-ea"/>
+                <a:cs typeface="+mn-cs"/>
+              </a:defRPr>
+            </a:lvl6pPr>
+            <a:lvl7pPr marL="2971800" indent="-228600" algn="l" defTabSz="914400" rtl="0" eaLnBrk="1" latinLnBrk="0" hangingPunct="1">
+              <a:lnSpc>
+                <a:spcPct val="90000"/>
+              </a:lnSpc>
+              <a:spcBef>
+                <a:spcPts val="500"/>
+              </a:spcBef>
+              <a:buFont typeface="Arial" panose="020B0604020202020204" pitchFamily="34" charset="0"/>
+              <a:buChar char="•"/>
+              <a:defRPr sz="1800" kern="1200">
+                <a:solidFill>
+                  <a:schemeClr val="tx1"/>
+                </a:solidFill>
+                <a:latin typeface="+mn-lt"/>
+                <a:ea typeface="+mn-ea"/>
+                <a:cs typeface="+mn-cs"/>
+              </a:defRPr>
+            </a:lvl7pPr>
+            <a:lvl8pPr marL="3429000" indent="-228600" algn="l" defTabSz="914400" rtl="0" eaLnBrk="1" latinLnBrk="0" hangingPunct="1">
+              <a:lnSpc>
+                <a:spcPct val="90000"/>
+              </a:lnSpc>
+              <a:spcBef>
+                <a:spcPts val="500"/>
+              </a:spcBef>
+              <a:buFont typeface="Arial" panose="020B0604020202020204" pitchFamily="34" charset="0"/>
+              <a:buChar char="•"/>
+              <a:defRPr sz="1800" kern="1200">
+                <a:solidFill>
+                  <a:schemeClr val="tx1"/>
+                </a:solidFill>
+                <a:latin typeface="+mn-lt"/>
+                <a:ea typeface="+mn-ea"/>
+                <a:cs typeface="+mn-cs"/>
+              </a:defRPr>
+            </a:lvl8pPr>
+            <a:lvl9pPr marL="3886200" indent="-228600" algn="l" defTabSz="914400" rtl="0" eaLnBrk="1" latinLnBrk="0" hangingPunct="1">
+              <a:lnSpc>
+                <a:spcPct val="90000"/>
+              </a:lnSpc>
+              <a:spcBef>
+                <a:spcPts val="500"/>
+              </a:spcBef>
+              <a:buFont typeface="Arial" panose="020B0604020202020204" pitchFamily="34" charset="0"/>
+              <a:buChar char="•"/>
+              <a:defRPr sz="1800" kern="1200">
+                <a:solidFill>
+                  <a:schemeClr val="tx1"/>
+                </a:solidFill>
+                <a:latin typeface="+mn-lt"/>
+                <a:ea typeface="+mn-ea"/>
+                <a:cs typeface="+mn-cs"/>
+              </a:defRPr>
+            </a:lvl9pPr>
+          </a:lstStyle>
           <a:p>
             <a:pPr indent="0">
               <a:lnSpc>
@@ -8127,7 +12462,483 @@
                 <a:ea typeface="Times New Roman" panose="02020603050405020304" pitchFamily="18" charset="0"/>
                 <a:cs typeface="Times New Roman" panose="02020603050405020304" pitchFamily="18" charset="0"/>
               </a:rPr>
-              <a:t>Вар1 из пособия </a:t>
+              <a:t>Генерация кандидатов:</a:t>
+            </a:r>
+          </a:p>
+        </p:txBody>
+      </p:sp>
+      <p:sp>
+        <p:nvSpPr>
+          <p:cNvPr id="25" name="Объект 2">
+            <a:extLst>
+              <a:ext uri="{FF2B5EF4-FFF2-40B4-BE49-F238E27FC236}">
+                <a16:creationId xmlns:a16="http://schemas.microsoft.com/office/drawing/2014/main" id="{BBC8719F-E3EE-457C-8D3A-6DFFCA1486B8}"/>
+              </a:ext>
+            </a:extLst>
+          </p:cNvPr>
+          <p:cNvSpPr txBox="1">
+            <a:spLocks/>
+          </p:cNvSpPr>
+          <p:nvPr/>
+        </p:nvSpPr>
+        <p:spPr>
+          <a:xfrm>
+            <a:off x="428017" y="3501885"/>
+            <a:ext cx="11763983" cy="424017"/>
+          </a:xfrm>
+          <a:prstGeom prst="rect">
+            <a:avLst/>
+          </a:prstGeom>
+        </p:spPr>
+        <p:txBody>
+          <a:bodyPr vert="horz" lIns="91440" tIns="45720" rIns="91440" bIns="45720" rtlCol="0">
+            <a:noAutofit/>
+          </a:bodyPr>
+          <a:lstStyle>
+            <a:lvl1pPr marL="228600" indent="-228600" algn="l" defTabSz="914400" rtl="0" eaLnBrk="1" latinLnBrk="0" hangingPunct="1">
+              <a:lnSpc>
+                <a:spcPct val="90000"/>
+              </a:lnSpc>
+              <a:spcBef>
+                <a:spcPts val="1000"/>
+              </a:spcBef>
+              <a:buFont typeface="Arial" panose="020B0604020202020204" pitchFamily="34" charset="0"/>
+              <a:buChar char="•"/>
+              <a:defRPr sz="2800" kern="1200">
+                <a:solidFill>
+                  <a:schemeClr val="tx1"/>
+                </a:solidFill>
+                <a:latin typeface="+mn-lt"/>
+                <a:ea typeface="+mn-ea"/>
+                <a:cs typeface="+mn-cs"/>
+              </a:defRPr>
+            </a:lvl1pPr>
+            <a:lvl2pPr marL="685800" indent="-228600" algn="l" defTabSz="914400" rtl="0" eaLnBrk="1" latinLnBrk="0" hangingPunct="1">
+              <a:lnSpc>
+                <a:spcPct val="90000"/>
+              </a:lnSpc>
+              <a:spcBef>
+                <a:spcPts val="500"/>
+              </a:spcBef>
+              <a:buFont typeface="Arial" panose="020B0604020202020204" pitchFamily="34" charset="0"/>
+              <a:buChar char="•"/>
+              <a:defRPr sz="2400" kern="1200">
+                <a:solidFill>
+                  <a:schemeClr val="tx1"/>
+                </a:solidFill>
+                <a:latin typeface="+mn-lt"/>
+                <a:ea typeface="+mn-ea"/>
+                <a:cs typeface="+mn-cs"/>
+              </a:defRPr>
+            </a:lvl2pPr>
+            <a:lvl3pPr marL="1143000" indent="-228600" algn="l" defTabSz="914400" rtl="0" eaLnBrk="1" latinLnBrk="0" hangingPunct="1">
+              <a:lnSpc>
+                <a:spcPct val="90000"/>
+              </a:lnSpc>
+              <a:spcBef>
+                <a:spcPts val="500"/>
+              </a:spcBef>
+              <a:buFont typeface="Arial" panose="020B0604020202020204" pitchFamily="34" charset="0"/>
+              <a:buChar char="•"/>
+              <a:defRPr sz="2000" kern="1200">
+                <a:solidFill>
+                  <a:schemeClr val="tx1"/>
+                </a:solidFill>
+                <a:latin typeface="+mn-lt"/>
+                <a:ea typeface="+mn-ea"/>
+                <a:cs typeface="+mn-cs"/>
+              </a:defRPr>
+            </a:lvl3pPr>
+            <a:lvl4pPr marL="1600200" indent="-228600" algn="l" defTabSz="914400" rtl="0" eaLnBrk="1" latinLnBrk="0" hangingPunct="1">
+              <a:lnSpc>
+                <a:spcPct val="90000"/>
+              </a:lnSpc>
+              <a:spcBef>
+                <a:spcPts val="500"/>
+              </a:spcBef>
+              <a:buFont typeface="Arial" panose="020B0604020202020204" pitchFamily="34" charset="0"/>
+              <a:buChar char="•"/>
+              <a:defRPr sz="1800" kern="1200">
+                <a:solidFill>
+                  <a:schemeClr val="tx1"/>
+                </a:solidFill>
+                <a:latin typeface="+mn-lt"/>
+                <a:ea typeface="+mn-ea"/>
+                <a:cs typeface="+mn-cs"/>
+              </a:defRPr>
+            </a:lvl4pPr>
+            <a:lvl5pPr marL="2057400" indent="-228600" algn="l" defTabSz="914400" rtl="0" eaLnBrk="1" latinLnBrk="0" hangingPunct="1">
+              <a:lnSpc>
+                <a:spcPct val="90000"/>
+              </a:lnSpc>
+              <a:spcBef>
+                <a:spcPts val="500"/>
+              </a:spcBef>
+              <a:buFont typeface="Arial" panose="020B0604020202020204" pitchFamily="34" charset="0"/>
+              <a:buChar char="•"/>
+              <a:defRPr sz="1800" kern="1200">
+                <a:solidFill>
+                  <a:schemeClr val="tx1"/>
+                </a:solidFill>
+                <a:latin typeface="+mn-lt"/>
+                <a:ea typeface="+mn-ea"/>
+                <a:cs typeface="+mn-cs"/>
+              </a:defRPr>
+            </a:lvl5pPr>
+            <a:lvl6pPr marL="2514600" indent="-228600" algn="l" defTabSz="914400" rtl="0" eaLnBrk="1" latinLnBrk="0" hangingPunct="1">
+              <a:lnSpc>
+                <a:spcPct val="90000"/>
+              </a:lnSpc>
+              <a:spcBef>
+                <a:spcPts val="500"/>
+              </a:spcBef>
+              <a:buFont typeface="Arial" panose="020B0604020202020204" pitchFamily="34" charset="0"/>
+              <a:buChar char="•"/>
+              <a:defRPr sz="1800" kern="1200">
+                <a:solidFill>
+                  <a:schemeClr val="tx1"/>
+                </a:solidFill>
+                <a:latin typeface="+mn-lt"/>
+                <a:ea typeface="+mn-ea"/>
+                <a:cs typeface="+mn-cs"/>
+              </a:defRPr>
+            </a:lvl6pPr>
+            <a:lvl7pPr marL="2971800" indent="-228600" algn="l" defTabSz="914400" rtl="0" eaLnBrk="1" latinLnBrk="0" hangingPunct="1">
+              <a:lnSpc>
+                <a:spcPct val="90000"/>
+              </a:lnSpc>
+              <a:spcBef>
+                <a:spcPts val="500"/>
+              </a:spcBef>
+              <a:buFont typeface="Arial" panose="020B0604020202020204" pitchFamily="34" charset="0"/>
+              <a:buChar char="•"/>
+              <a:defRPr sz="1800" kern="1200">
+                <a:solidFill>
+                  <a:schemeClr val="tx1"/>
+                </a:solidFill>
+                <a:latin typeface="+mn-lt"/>
+                <a:ea typeface="+mn-ea"/>
+                <a:cs typeface="+mn-cs"/>
+              </a:defRPr>
+            </a:lvl7pPr>
+            <a:lvl8pPr marL="3429000" indent="-228600" algn="l" defTabSz="914400" rtl="0" eaLnBrk="1" latinLnBrk="0" hangingPunct="1">
+              <a:lnSpc>
+                <a:spcPct val="90000"/>
+              </a:lnSpc>
+              <a:spcBef>
+                <a:spcPts val="500"/>
+              </a:spcBef>
+              <a:buFont typeface="Arial" panose="020B0604020202020204" pitchFamily="34" charset="0"/>
+              <a:buChar char="•"/>
+              <a:defRPr sz="1800" kern="1200">
+                <a:solidFill>
+                  <a:schemeClr val="tx1"/>
+                </a:solidFill>
+                <a:latin typeface="+mn-lt"/>
+                <a:ea typeface="+mn-ea"/>
+                <a:cs typeface="+mn-cs"/>
+              </a:defRPr>
+            </a:lvl8pPr>
+            <a:lvl9pPr marL="3886200" indent="-228600" algn="l" defTabSz="914400" rtl="0" eaLnBrk="1" latinLnBrk="0" hangingPunct="1">
+              <a:lnSpc>
+                <a:spcPct val="90000"/>
+              </a:lnSpc>
+              <a:spcBef>
+                <a:spcPts val="500"/>
+              </a:spcBef>
+              <a:buFont typeface="Arial" panose="020B0604020202020204" pitchFamily="34" charset="0"/>
+              <a:buChar char="•"/>
+              <a:defRPr sz="1800" kern="1200">
+                <a:solidFill>
+                  <a:schemeClr val="tx1"/>
+                </a:solidFill>
+                <a:latin typeface="+mn-lt"/>
+                <a:ea typeface="+mn-ea"/>
+                <a:cs typeface="+mn-cs"/>
+              </a:defRPr>
+            </a:lvl9pPr>
+          </a:lstStyle>
+          <a:p>
+            <a:pPr indent="0">
+              <a:lnSpc>
+                <a:spcPct val="100000"/>
+              </a:lnSpc>
+              <a:buNone/>
+            </a:pPr>
+            <a:r>
+              <a:rPr lang="ru-RU" sz="2200" dirty="0">
+                <a:solidFill>
+                  <a:schemeClr val="tx1">
+                    <a:lumMod val="95000"/>
+                    <a:lumOff val="5000"/>
+                  </a:schemeClr>
+                </a:solidFill>
+                <a:latin typeface="Times New Roman" panose="02020603050405020304" pitchFamily="18" charset="0"/>
+                <a:cs typeface="Times New Roman" panose="02020603050405020304" pitchFamily="18" charset="0"/>
+              </a:rPr>
+              <a:t>Подсчет поддержки кандидатов:</a:t>
+            </a:r>
+            <a:endParaRPr lang="ru-RU" sz="2200" dirty="0">
+              <a:latin typeface="Times New Roman" panose="02020603050405020304" pitchFamily="18" charset="0"/>
+              <a:ea typeface="Times New Roman" panose="02020603050405020304" pitchFamily="18" charset="0"/>
+              <a:cs typeface="Times New Roman" panose="02020603050405020304" pitchFamily="18" charset="0"/>
+            </a:endParaRPr>
+          </a:p>
+        </p:txBody>
+      </p:sp>
+      <p:sp>
+        <p:nvSpPr>
+          <p:cNvPr id="27" name="Объект 2">
+            <a:extLst>
+              <a:ext uri="{FF2B5EF4-FFF2-40B4-BE49-F238E27FC236}">
+                <a16:creationId xmlns:a16="http://schemas.microsoft.com/office/drawing/2014/main" id="{84EE4700-2803-459F-89DA-27AAB95EA999}"/>
+              </a:ext>
+            </a:extLst>
+          </p:cNvPr>
+          <p:cNvSpPr txBox="1">
+            <a:spLocks/>
+          </p:cNvSpPr>
+          <p:nvPr/>
+        </p:nvSpPr>
+        <p:spPr>
+          <a:xfrm>
+            <a:off x="2714016" y="4048864"/>
+            <a:ext cx="9270838" cy="2414080"/>
+          </a:xfrm>
+          <a:prstGeom prst="rect">
+            <a:avLst/>
+          </a:prstGeom>
+        </p:spPr>
+        <p:txBody>
+          <a:bodyPr vert="horz" lIns="91440" tIns="45720" rIns="91440" bIns="45720" rtlCol="0">
+            <a:noAutofit/>
+          </a:bodyPr>
+          <a:lstStyle>
+            <a:lvl1pPr marL="228600" indent="-228600" algn="l" defTabSz="914400" rtl="0" eaLnBrk="1" latinLnBrk="0" hangingPunct="1">
+              <a:lnSpc>
+                <a:spcPct val="90000"/>
+              </a:lnSpc>
+              <a:spcBef>
+                <a:spcPts val="1000"/>
+              </a:spcBef>
+              <a:buFont typeface="Arial" panose="020B0604020202020204" pitchFamily="34" charset="0"/>
+              <a:buChar char="•"/>
+              <a:defRPr sz="2800" kern="1200">
+                <a:solidFill>
+                  <a:schemeClr val="tx1"/>
+                </a:solidFill>
+                <a:latin typeface="+mn-lt"/>
+                <a:ea typeface="+mn-ea"/>
+                <a:cs typeface="+mn-cs"/>
+              </a:defRPr>
+            </a:lvl1pPr>
+            <a:lvl2pPr marL="685800" indent="-228600" algn="l" defTabSz="914400" rtl="0" eaLnBrk="1" latinLnBrk="0" hangingPunct="1">
+              <a:lnSpc>
+                <a:spcPct val="90000"/>
+              </a:lnSpc>
+              <a:spcBef>
+                <a:spcPts val="500"/>
+              </a:spcBef>
+              <a:buFont typeface="Arial" panose="020B0604020202020204" pitchFamily="34" charset="0"/>
+              <a:buChar char="•"/>
+              <a:defRPr sz="2400" kern="1200">
+                <a:solidFill>
+                  <a:schemeClr val="tx1"/>
+                </a:solidFill>
+                <a:latin typeface="+mn-lt"/>
+                <a:ea typeface="+mn-ea"/>
+                <a:cs typeface="+mn-cs"/>
+              </a:defRPr>
+            </a:lvl2pPr>
+            <a:lvl3pPr marL="1143000" indent="-228600" algn="l" defTabSz="914400" rtl="0" eaLnBrk="1" latinLnBrk="0" hangingPunct="1">
+              <a:lnSpc>
+                <a:spcPct val="90000"/>
+              </a:lnSpc>
+              <a:spcBef>
+                <a:spcPts val="500"/>
+              </a:spcBef>
+              <a:buFont typeface="Arial" panose="020B0604020202020204" pitchFamily="34" charset="0"/>
+              <a:buChar char="•"/>
+              <a:defRPr sz="2000" kern="1200">
+                <a:solidFill>
+                  <a:schemeClr val="tx1"/>
+                </a:solidFill>
+                <a:latin typeface="+mn-lt"/>
+                <a:ea typeface="+mn-ea"/>
+                <a:cs typeface="+mn-cs"/>
+              </a:defRPr>
+            </a:lvl3pPr>
+            <a:lvl4pPr marL="1600200" indent="-228600" algn="l" defTabSz="914400" rtl="0" eaLnBrk="1" latinLnBrk="0" hangingPunct="1">
+              <a:lnSpc>
+                <a:spcPct val="90000"/>
+              </a:lnSpc>
+              <a:spcBef>
+                <a:spcPts val="500"/>
+              </a:spcBef>
+              <a:buFont typeface="Arial" panose="020B0604020202020204" pitchFamily="34" charset="0"/>
+              <a:buChar char="•"/>
+              <a:defRPr sz="1800" kern="1200">
+                <a:solidFill>
+                  <a:schemeClr val="tx1"/>
+                </a:solidFill>
+                <a:latin typeface="+mn-lt"/>
+                <a:ea typeface="+mn-ea"/>
+                <a:cs typeface="+mn-cs"/>
+              </a:defRPr>
+            </a:lvl4pPr>
+            <a:lvl5pPr marL="2057400" indent="-228600" algn="l" defTabSz="914400" rtl="0" eaLnBrk="1" latinLnBrk="0" hangingPunct="1">
+              <a:lnSpc>
+                <a:spcPct val="90000"/>
+              </a:lnSpc>
+              <a:spcBef>
+                <a:spcPts val="500"/>
+              </a:spcBef>
+              <a:buFont typeface="Arial" panose="020B0604020202020204" pitchFamily="34" charset="0"/>
+              <a:buChar char="•"/>
+              <a:defRPr sz="1800" kern="1200">
+                <a:solidFill>
+                  <a:schemeClr val="tx1"/>
+                </a:solidFill>
+                <a:latin typeface="+mn-lt"/>
+                <a:ea typeface="+mn-ea"/>
+                <a:cs typeface="+mn-cs"/>
+              </a:defRPr>
+            </a:lvl5pPr>
+            <a:lvl6pPr marL="2514600" indent="-228600" algn="l" defTabSz="914400" rtl="0" eaLnBrk="1" latinLnBrk="0" hangingPunct="1">
+              <a:lnSpc>
+                <a:spcPct val="90000"/>
+              </a:lnSpc>
+              <a:spcBef>
+                <a:spcPts val="500"/>
+              </a:spcBef>
+              <a:buFont typeface="Arial" panose="020B0604020202020204" pitchFamily="34" charset="0"/>
+              <a:buChar char="•"/>
+              <a:defRPr sz="1800" kern="1200">
+                <a:solidFill>
+                  <a:schemeClr val="tx1"/>
+                </a:solidFill>
+                <a:latin typeface="+mn-lt"/>
+                <a:ea typeface="+mn-ea"/>
+                <a:cs typeface="+mn-cs"/>
+              </a:defRPr>
+            </a:lvl6pPr>
+            <a:lvl7pPr marL="2971800" indent="-228600" algn="l" defTabSz="914400" rtl="0" eaLnBrk="1" latinLnBrk="0" hangingPunct="1">
+              <a:lnSpc>
+                <a:spcPct val="90000"/>
+              </a:lnSpc>
+              <a:spcBef>
+                <a:spcPts val="500"/>
+              </a:spcBef>
+              <a:buFont typeface="Arial" panose="020B0604020202020204" pitchFamily="34" charset="0"/>
+              <a:buChar char="•"/>
+              <a:defRPr sz="1800" kern="1200">
+                <a:solidFill>
+                  <a:schemeClr val="tx1"/>
+                </a:solidFill>
+                <a:latin typeface="+mn-lt"/>
+                <a:ea typeface="+mn-ea"/>
+                <a:cs typeface="+mn-cs"/>
+              </a:defRPr>
+            </a:lvl7pPr>
+            <a:lvl8pPr marL="3429000" indent="-228600" algn="l" defTabSz="914400" rtl="0" eaLnBrk="1" latinLnBrk="0" hangingPunct="1">
+              <a:lnSpc>
+                <a:spcPct val="90000"/>
+              </a:lnSpc>
+              <a:spcBef>
+                <a:spcPts val="500"/>
+              </a:spcBef>
+              <a:buFont typeface="Arial" panose="020B0604020202020204" pitchFamily="34" charset="0"/>
+              <a:buChar char="•"/>
+              <a:defRPr sz="1800" kern="1200">
+                <a:solidFill>
+                  <a:schemeClr val="tx1"/>
+                </a:solidFill>
+                <a:latin typeface="+mn-lt"/>
+                <a:ea typeface="+mn-ea"/>
+                <a:cs typeface="+mn-cs"/>
+              </a:defRPr>
+            </a:lvl8pPr>
+            <a:lvl9pPr marL="3886200" indent="-228600" algn="l" defTabSz="914400" rtl="0" eaLnBrk="1" latinLnBrk="0" hangingPunct="1">
+              <a:lnSpc>
+                <a:spcPct val="90000"/>
+              </a:lnSpc>
+              <a:spcBef>
+                <a:spcPts val="500"/>
+              </a:spcBef>
+              <a:buFont typeface="Arial" panose="020B0604020202020204" pitchFamily="34" charset="0"/>
+              <a:buChar char="•"/>
+              <a:defRPr sz="1800" kern="1200">
+                <a:solidFill>
+                  <a:schemeClr val="tx1"/>
+                </a:solidFill>
+                <a:latin typeface="+mn-lt"/>
+                <a:ea typeface="+mn-ea"/>
+                <a:cs typeface="+mn-cs"/>
+              </a:defRPr>
+            </a:lvl9pPr>
+          </a:lstStyle>
+          <a:p>
+            <a:pPr indent="0">
+              <a:lnSpc>
+                <a:spcPct val="100000"/>
+              </a:lnSpc>
+              <a:buNone/>
+            </a:pPr>
+            <a:r>
+              <a:rPr lang="ru-RU" sz="2200" dirty="0">
+                <a:latin typeface="Times New Roman" panose="02020603050405020304" pitchFamily="18" charset="0"/>
+                <a:ea typeface="Times New Roman" panose="02020603050405020304" pitchFamily="18" charset="0"/>
+                <a:cs typeface="Times New Roman" panose="02020603050405020304" pitchFamily="18" charset="0"/>
+              </a:rPr>
+              <a:t>Зададим минимальное и максимальное допустимое время между транзакциями </a:t>
+            </a:r>
+            <a:r>
+              <a:rPr lang="en-US" sz="2200" dirty="0">
+                <a:latin typeface="Times New Roman" panose="02020603050405020304" pitchFamily="18" charset="0"/>
+                <a:ea typeface="Times New Roman" panose="02020603050405020304" pitchFamily="18" charset="0"/>
+                <a:cs typeface="Times New Roman" panose="02020603050405020304" pitchFamily="18" charset="0"/>
+              </a:rPr>
+              <a:t>min_gap = 5, max_gap</a:t>
+            </a:r>
+            <a:r>
+              <a:rPr lang="ru-RU" sz="2200" dirty="0">
+                <a:latin typeface="Times New Roman" panose="02020603050405020304" pitchFamily="18" charset="0"/>
+                <a:ea typeface="Times New Roman" panose="02020603050405020304" pitchFamily="18" charset="0"/>
+                <a:cs typeface="Times New Roman" panose="02020603050405020304" pitchFamily="18" charset="0"/>
+              </a:rPr>
+              <a:t> = </a:t>
+            </a:r>
+            <a:r>
+              <a:rPr lang="en-US" sz="2200" dirty="0">
+                <a:latin typeface="Times New Roman" panose="02020603050405020304" pitchFamily="18" charset="0"/>
+                <a:ea typeface="Times New Roman" panose="02020603050405020304" pitchFamily="18" charset="0"/>
+                <a:cs typeface="Times New Roman" panose="02020603050405020304" pitchFamily="18" charset="0"/>
+              </a:rPr>
+              <a:t>15</a:t>
+            </a:r>
+            <a:r>
+              <a:rPr lang="ru-RU" sz="2200" dirty="0">
+                <a:latin typeface="Times New Roman" panose="02020603050405020304" pitchFamily="18" charset="0"/>
+                <a:ea typeface="Times New Roman" panose="02020603050405020304" pitchFamily="18" charset="0"/>
+                <a:cs typeface="Times New Roman" panose="02020603050405020304" pitchFamily="18" charset="0"/>
+              </a:rPr>
+              <a:t> и размер окна</a:t>
+            </a:r>
+            <a:r>
+              <a:rPr lang="en-US" sz="2200" dirty="0">
+                <a:latin typeface="Times New Roman" panose="02020603050405020304" pitchFamily="18" charset="0"/>
+                <a:ea typeface="Times New Roman" panose="02020603050405020304" pitchFamily="18" charset="0"/>
+                <a:cs typeface="Times New Roman" panose="02020603050405020304" pitchFamily="18" charset="0"/>
+              </a:rPr>
+              <a:t> win_size = 0</a:t>
+            </a:r>
+            <a:r>
+              <a:rPr lang="ru-RU" sz="2200" dirty="0">
+                <a:latin typeface="Times New Roman" panose="02020603050405020304" pitchFamily="18" charset="0"/>
+                <a:ea typeface="Times New Roman" panose="02020603050405020304" pitchFamily="18" charset="0"/>
+                <a:cs typeface="Times New Roman" panose="02020603050405020304" pitchFamily="18" charset="0"/>
+              </a:rPr>
+              <a:t>.</a:t>
             </a:r>
             <a:endParaRPr lang="en-US" sz="2200" dirty="0">
               <a:latin typeface="Times New Roman" panose="02020603050405020304" pitchFamily="18" charset="0"/>
@@ -8135,71 +12946,138 @@
               <a:cs typeface="Times New Roman" panose="02020603050405020304" pitchFamily="18" charset="0"/>
             </a:endParaRPr>
           </a:p>
-        </p:txBody>
-      </p:sp>
-      <p:pic>
-        <p:nvPicPr>
-          <p:cNvPr id="5" name="Рисунок 4">
-            <a:extLst>
-              <a:ext uri="{FF2B5EF4-FFF2-40B4-BE49-F238E27FC236}">
-                <a16:creationId xmlns:a16="http://schemas.microsoft.com/office/drawing/2014/main" id="{6B9E1FD7-DE06-46CA-9C84-7966C3F3C839}"/>
-              </a:ext>
-            </a:extLst>
-          </p:cNvPr>
-          <p:cNvPicPr>
-            <a:picLocks noChangeAspect="1"/>
-          </p:cNvPicPr>
-          <p:nvPr/>
-        </p:nvPicPr>
-        <p:blipFill>
-          <a:blip r:embed="rId2"/>
-          <a:stretch>
-            <a:fillRect/>
-          </a:stretch>
-        </p:blipFill>
-        <p:spPr>
-          <a:xfrm>
-            <a:off x="3123725" y="1061382"/>
-            <a:ext cx="5486875" cy="1981372"/>
-          </a:xfrm>
-          <a:prstGeom prst="rect">
-            <a:avLst/>
-          </a:prstGeom>
-        </p:spPr>
-      </p:pic>
-      <p:sp>
-        <p:nvSpPr>
-          <p:cNvPr id="8" name="TextBox 7">
-            <a:extLst>
-              <a:ext uri="{FF2B5EF4-FFF2-40B4-BE49-F238E27FC236}">
-                <a16:creationId xmlns:a16="http://schemas.microsoft.com/office/drawing/2014/main" id="{3A6B21C3-1A86-4767-83A5-DABDB3C40905}"/>
-              </a:ext>
-            </a:extLst>
-          </p:cNvPr>
-          <p:cNvSpPr txBox="1"/>
-          <p:nvPr/>
-        </p:nvSpPr>
-        <p:spPr>
-          <a:xfrm>
-            <a:off x="3048000" y="3206234"/>
-            <a:ext cx="6096000" cy="369332"/>
-          </a:xfrm>
-          <a:prstGeom prst="rect">
-            <a:avLst/>
-          </a:prstGeom>
-          <a:noFill/>
-        </p:spPr>
-        <p:txBody>
-          <a:bodyPr wrap="square">
-            <a:spAutoFit/>
-          </a:bodyPr>
-          <a:lstStyle/>
-          <a:p>
-            <a:r>
-              <a:rPr lang="en-US" dirty="0"/>
-              <a:t>http://www.bourabai.ru/tpoi/analysis5.htm</a:t>
-            </a:r>
-            <a:endParaRPr lang="ru-RU" dirty="0"/>
+          <a:p>
+            <a:pPr indent="0">
+              <a:lnSpc>
+                <a:spcPct val="100000"/>
+              </a:lnSpc>
+              <a:buNone/>
+            </a:pPr>
+            <a:r>
+              <a:rPr lang="ru-RU" sz="2200" dirty="0">
+                <a:latin typeface="Times New Roman" panose="02020603050405020304" pitchFamily="18" charset="0"/>
+                <a:ea typeface="Times New Roman" panose="02020603050405020304" pitchFamily="18" charset="0"/>
+                <a:cs typeface="Times New Roman" panose="02020603050405020304" pitchFamily="18" charset="0"/>
+              </a:rPr>
+              <a:t>Последовательность ⟨{1</a:t>
+            </a:r>
+            <a:r>
+              <a:rPr lang="en-US" sz="2200" dirty="0">
+                <a:latin typeface="Times New Roman" panose="02020603050405020304" pitchFamily="18" charset="0"/>
+                <a:ea typeface="Times New Roman" panose="02020603050405020304" pitchFamily="18" charset="0"/>
+                <a:cs typeface="Times New Roman" panose="02020603050405020304" pitchFamily="18" charset="0"/>
+              </a:rPr>
+              <a:t>}</a:t>
+            </a:r>
+            <a:r>
+              <a:rPr lang="ru-RU" sz="2200" dirty="0">
+                <a:latin typeface="Times New Roman" panose="02020603050405020304" pitchFamily="18" charset="0"/>
+                <a:ea typeface="Times New Roman" panose="02020603050405020304" pitchFamily="18" charset="0"/>
+                <a:cs typeface="Times New Roman" panose="02020603050405020304" pitchFamily="18" charset="0"/>
+              </a:rPr>
+              <a:t> {3}⟩</a:t>
+            </a:r>
+            <a:r>
+              <a:rPr lang="en-US" sz="2200" dirty="0">
+                <a:latin typeface="Times New Roman" panose="02020603050405020304" pitchFamily="18" charset="0"/>
+                <a:ea typeface="Times New Roman" panose="02020603050405020304" pitchFamily="18" charset="0"/>
+                <a:cs typeface="Times New Roman" panose="02020603050405020304" pitchFamily="18" charset="0"/>
+              </a:rPr>
+              <a:t> </a:t>
+            </a:r>
+            <a:r>
+              <a:rPr lang="ru-RU" sz="2200" dirty="0">
+                <a:latin typeface="Times New Roman" panose="02020603050405020304" pitchFamily="18" charset="0"/>
+                <a:ea typeface="Times New Roman" panose="02020603050405020304" pitchFamily="18" charset="0"/>
+                <a:cs typeface="Times New Roman" panose="02020603050405020304" pitchFamily="18" charset="0"/>
+              </a:rPr>
+              <a:t>поддерживается клиентом, а ⟨{1</a:t>
+            </a:r>
+            <a:r>
+              <a:rPr lang="en-US" sz="2200" dirty="0">
+                <a:latin typeface="Times New Roman" panose="02020603050405020304" pitchFamily="18" charset="0"/>
+                <a:ea typeface="Times New Roman" panose="02020603050405020304" pitchFamily="18" charset="0"/>
+                <a:cs typeface="Times New Roman" panose="02020603050405020304" pitchFamily="18" charset="0"/>
+              </a:rPr>
+              <a:t>}</a:t>
+            </a:r>
+            <a:r>
+              <a:rPr lang="ru-RU" sz="2200" dirty="0">
+                <a:latin typeface="Times New Roman" panose="02020603050405020304" pitchFamily="18" charset="0"/>
+                <a:ea typeface="Times New Roman" panose="02020603050405020304" pitchFamily="18" charset="0"/>
+                <a:cs typeface="Times New Roman" panose="02020603050405020304" pitchFamily="18" charset="0"/>
+              </a:rPr>
+              <a:t> {2}⟩ нет.</a:t>
+            </a:r>
+          </a:p>
+          <a:p>
+            <a:pPr indent="0">
+              <a:lnSpc>
+                <a:spcPct val="100000"/>
+              </a:lnSpc>
+              <a:buNone/>
+            </a:pPr>
+            <a:r>
+              <a:rPr lang="ru-RU" sz="2200" dirty="0">
+                <a:latin typeface="Times New Roman" panose="02020603050405020304" pitchFamily="18" charset="0"/>
+                <a:ea typeface="Times New Roman" panose="02020603050405020304" pitchFamily="18" charset="0"/>
+                <a:cs typeface="Times New Roman" panose="02020603050405020304" pitchFamily="18" charset="0"/>
+              </a:rPr>
+              <a:t>При</a:t>
+            </a:r>
+            <a:r>
+              <a:rPr lang="en-US" sz="2200" dirty="0">
+                <a:latin typeface="Times New Roman" panose="02020603050405020304" pitchFamily="18" charset="0"/>
+                <a:ea typeface="Times New Roman" panose="02020603050405020304" pitchFamily="18" charset="0"/>
+                <a:cs typeface="Times New Roman" panose="02020603050405020304" pitchFamily="18" charset="0"/>
+              </a:rPr>
+              <a:t> win_size = </a:t>
+            </a:r>
+            <a:r>
+              <a:rPr lang="ru-RU" sz="2200" dirty="0">
+                <a:latin typeface="Times New Roman" panose="02020603050405020304" pitchFamily="18" charset="0"/>
+                <a:ea typeface="Times New Roman" panose="02020603050405020304" pitchFamily="18" charset="0"/>
+                <a:cs typeface="Times New Roman" panose="02020603050405020304" pitchFamily="18" charset="0"/>
+              </a:rPr>
+              <a:t>6 одно-элементная последовательность ⟨{3, 2}⟩</a:t>
+            </a:r>
+            <a:r>
+              <a:rPr lang="en-US" sz="2200" dirty="0">
+                <a:latin typeface="Times New Roman" panose="02020603050405020304" pitchFamily="18" charset="0"/>
+                <a:ea typeface="Times New Roman" panose="02020603050405020304" pitchFamily="18" charset="0"/>
+                <a:cs typeface="Times New Roman" panose="02020603050405020304" pitchFamily="18" charset="0"/>
+              </a:rPr>
+              <a:t> </a:t>
+            </a:r>
+            <a:r>
+              <a:rPr lang="ru-RU" sz="2200" dirty="0">
+                <a:latin typeface="Times New Roman" panose="02020603050405020304" pitchFamily="18" charset="0"/>
+                <a:ea typeface="Times New Roman" panose="02020603050405020304" pitchFamily="18" charset="0"/>
+                <a:cs typeface="Times New Roman" panose="02020603050405020304" pitchFamily="18" charset="0"/>
+              </a:rPr>
+              <a:t>поддерживается клиентом, а ⟨{1, 3}⟩</a:t>
+            </a:r>
+            <a:r>
+              <a:rPr lang="en-US" sz="2200" dirty="0">
+                <a:latin typeface="Times New Roman" panose="02020603050405020304" pitchFamily="18" charset="0"/>
+                <a:ea typeface="Times New Roman" panose="02020603050405020304" pitchFamily="18" charset="0"/>
+                <a:cs typeface="Times New Roman" panose="02020603050405020304" pitchFamily="18" charset="0"/>
+              </a:rPr>
+              <a:t> </a:t>
+            </a:r>
+            <a:r>
+              <a:rPr lang="ru-RU" sz="2200" dirty="0">
+                <a:latin typeface="Times New Roman" panose="02020603050405020304" pitchFamily="18" charset="0"/>
+                <a:ea typeface="Times New Roman" panose="02020603050405020304" pitchFamily="18" charset="0"/>
+                <a:cs typeface="Times New Roman" panose="02020603050405020304" pitchFamily="18" charset="0"/>
+              </a:rPr>
+              <a:t>нет.</a:t>
+            </a:r>
+            <a:endParaRPr lang="en-US" sz="2200" dirty="0">
+              <a:latin typeface="Times New Roman" panose="02020603050405020304" pitchFamily="18" charset="0"/>
+              <a:ea typeface="Times New Roman" panose="02020603050405020304" pitchFamily="18" charset="0"/>
+              <a:cs typeface="Times New Roman" panose="02020603050405020304" pitchFamily="18" charset="0"/>
+            </a:endParaRPr>
           </a:p>
         </p:txBody>
       </p:sp>

--- a/НИР и ВКР/Презентация/ПронинАС_НИР_презентация.pptx
+++ b/НИР и ВКР/Презентация/ПронинАС_НИР_презентация.pptx
@@ -5,22 +5,21 @@
     <p:sldMasterId id="2147483648" r:id="rId1"/>
   </p:sldMasterIdLst>
   <p:notesMasterIdLst>
-    <p:notesMasterId r:id="rId15"/>
+    <p:notesMasterId r:id="rId14"/>
   </p:notesMasterIdLst>
   <p:sldIdLst>
     <p:sldId id="256" r:id="rId2"/>
     <p:sldId id="257" r:id="rId3"/>
     <p:sldId id="292" r:id="rId4"/>
     <p:sldId id="279" r:id="rId5"/>
-    <p:sldId id="285" r:id="rId6"/>
-    <p:sldId id="289" r:id="rId7"/>
-    <p:sldId id="291" r:id="rId8"/>
-    <p:sldId id="286" r:id="rId9"/>
-    <p:sldId id="290" r:id="rId10"/>
-    <p:sldId id="284" r:id="rId11"/>
-    <p:sldId id="281" r:id="rId12"/>
-    <p:sldId id="282" r:id="rId13"/>
-    <p:sldId id="266" r:id="rId14"/>
+    <p:sldId id="289" r:id="rId6"/>
+    <p:sldId id="291" r:id="rId7"/>
+    <p:sldId id="286" r:id="rId8"/>
+    <p:sldId id="290" r:id="rId9"/>
+    <p:sldId id="284" r:id="rId10"/>
+    <p:sldId id="281" r:id="rId11"/>
+    <p:sldId id="282" r:id="rId12"/>
+    <p:sldId id="266" r:id="rId13"/>
   </p:sldIdLst>
   <p:sldSz cx="12192000" cy="6858000"/>
   <p:notesSz cx="6858000" cy="9144000"/>
@@ -541,7 +540,7 @@
           <a:p>
             <a:fld id="{E3BF92F7-6176-4844-94CE-FF1FD83770F1}" type="slidenum">
               <a:rPr lang="ru-RU" smtClean="0"/>
-              <a:t>10</a:t>
+              <a:t>9</a:t>
             </a:fld>
             <a:endParaRPr lang="ru-RU"/>
           </a:p>
@@ -625,7 +624,7 @@
           <a:p>
             <a:fld id="{E3BF92F7-6176-4844-94CE-FF1FD83770F1}" type="slidenum">
               <a:rPr lang="ru-RU" smtClean="0"/>
-              <a:t>13</a:t>
+              <a:t>12</a:t>
             </a:fld>
             <a:endParaRPr lang="ru-RU"/>
           </a:p>
@@ -4269,7 +4268,7 @@
           <a:p>
             <a:r>
               <a:rPr lang="ru-RU" sz="4000" b="1" dirty="0"/>
-              <a:t>Метод оценки эффективности интерфейса GOMS</a:t>
+              <a:t>Классификация</a:t>
             </a:r>
           </a:p>
         </p:txBody>
@@ -4302,91 +4301,59 @@
           </a:bodyPr>
           <a:lstStyle/>
           <a:p>
-            <a:r>
-              <a:rPr lang="ru-RU" sz="2200" dirty="0">
-                <a:latin typeface="Times New Roman" panose="02020603050405020304" pitchFamily="18" charset="0"/>
-                <a:cs typeface="Times New Roman" panose="02020603050405020304" pitchFamily="18" charset="0"/>
-              </a:rPr>
-              <a:t>включает в себя модель </a:t>
-            </a:r>
-            <a:r>
-              <a:rPr lang="en-US" sz="2200" dirty="0">
-                <a:latin typeface="Times New Roman" panose="02020603050405020304" pitchFamily="18" charset="0"/>
-                <a:cs typeface="Times New Roman" panose="02020603050405020304" pitchFamily="18" charset="0"/>
-              </a:rPr>
-              <a:t>Keystroke-level Model (KLM)</a:t>
-            </a:r>
-            <a:endParaRPr lang="ru-RU" sz="2200" dirty="0">
-              <a:latin typeface="Times New Roman" panose="02020603050405020304" pitchFamily="18" charset="0"/>
-              <a:cs typeface="Times New Roman" panose="02020603050405020304" pitchFamily="18" charset="0"/>
-            </a:endParaRPr>
-          </a:p>
-          <a:p>
-            <a:r>
-              <a:rPr lang="en-US" sz="2200" dirty="0">
-                <a:latin typeface="Times New Roman" panose="02020603050405020304" pitchFamily="18" charset="0"/>
-                <a:cs typeface="Times New Roman" panose="02020603050405020304" pitchFamily="18" charset="0"/>
-              </a:rPr>
-              <a:t>KLM </a:t>
-            </a:r>
-            <a:r>
-              <a:rPr lang="ru-RU" sz="2200" dirty="0">
-                <a:latin typeface="Times New Roman" panose="02020603050405020304" pitchFamily="18" charset="0"/>
-                <a:cs typeface="Times New Roman" panose="02020603050405020304" pitchFamily="18" charset="0"/>
-              </a:rPr>
-              <a:t>выделяет элементарные задачи и длительность каждой из них (рассчитанные на основе усредненных данных лабораторных испытаний). Например</a:t>
-            </a:r>
-            <a:r>
-              <a:rPr lang="en-US" sz="2200" dirty="0">
-                <a:latin typeface="Times New Roman" panose="02020603050405020304" pitchFamily="18" charset="0"/>
-                <a:cs typeface="Times New Roman" panose="02020603050405020304" pitchFamily="18" charset="0"/>
-              </a:rPr>
-              <a:t>,</a:t>
-            </a:r>
-            <a:r>
-              <a:rPr lang="ru-RU" sz="2200" dirty="0">
-                <a:latin typeface="Times New Roman" panose="02020603050405020304" pitchFamily="18" charset="0"/>
-                <a:cs typeface="Times New Roman" panose="02020603050405020304" pitchFamily="18" charset="0"/>
-              </a:rPr>
-              <a:t> P – указание курсором мыши на объект</a:t>
-            </a:r>
-            <a:r>
-              <a:rPr lang="en-US" sz="2200" dirty="0">
-                <a:latin typeface="Times New Roman" panose="02020603050405020304" pitchFamily="18" charset="0"/>
-                <a:cs typeface="Times New Roman" panose="02020603050405020304" pitchFamily="18" charset="0"/>
-              </a:rPr>
-              <a:t> </a:t>
-            </a:r>
-            <a:r>
-              <a:rPr lang="ru-RU" sz="2200" dirty="0">
-                <a:latin typeface="Times New Roman" panose="02020603050405020304" pitchFamily="18" charset="0"/>
-                <a:cs typeface="Times New Roman" panose="02020603050405020304" pitchFamily="18" charset="0"/>
-              </a:rPr>
-              <a:t>–</a:t>
-            </a:r>
-            <a:r>
-              <a:rPr lang="en-US" sz="2200" dirty="0">
-                <a:latin typeface="Times New Roman" panose="02020603050405020304" pitchFamily="18" charset="0"/>
-                <a:cs typeface="Times New Roman" panose="02020603050405020304" pitchFamily="18" charset="0"/>
-              </a:rPr>
-              <a:t> </a:t>
-            </a:r>
-            <a:r>
-              <a:rPr lang="ru-RU" sz="2200" dirty="0">
-                <a:latin typeface="Times New Roman" panose="02020603050405020304" pitchFamily="18" charset="0"/>
-                <a:cs typeface="Times New Roman" panose="02020603050405020304" pitchFamily="18" charset="0"/>
-              </a:rPr>
-              <a:t>1.1 сек. и B – нажатие или отпускание мыши – 0.1 сек.</a:t>
-            </a:r>
-          </a:p>
-          <a:p>
+            <a:pPr marL="571500" indent="-342900" algn="just">
+              <a:lnSpc>
+                <a:spcPct val="100000"/>
+              </a:lnSpc>
+            </a:pPr>
             <a:r>
               <a:rPr lang="ru-RU" sz="2200" dirty="0">
                 <a:latin typeface="Times New Roman" panose="02020603050405020304" pitchFamily="18" charset="0"/>
                 <a:ea typeface="Times New Roman" panose="02020603050405020304" pitchFamily="18" charset="0"/>
-                <a:cs typeface="Times New Roman" panose="02020603050405020304" pitchFamily="18" charset="0"/>
               </a:rPr>
-              <a:t>оценка времени на решение задачи сводится к сложению продолжительностей каждой из простейших составляющих. Например, задача, состоящая из классов 〈P, P, B〉, потребует для завершения 2.3 сек. (1.1 сек. + 1.1 сек. + 0.1 сек.).</a:t>
+              <a:t>поиск ассоциативных правил;</a:t>
+            </a:r>
+          </a:p>
+          <a:p>
+            <a:pPr marL="571500" indent="-342900" algn="just">
+              <a:lnSpc>
+                <a:spcPct val="100000"/>
+              </a:lnSpc>
+            </a:pPr>
+            <a:r>
+              <a:rPr lang="ru-RU" sz="2200" dirty="0">
+                <a:latin typeface="Times New Roman" panose="02020603050405020304" pitchFamily="18" charset="0"/>
+                <a:ea typeface="Times New Roman" panose="02020603050405020304" pitchFamily="18" charset="0"/>
+              </a:rPr>
+              <a:t>поиск последовательных шаблонов;</a:t>
+            </a:r>
+          </a:p>
+          <a:p>
+            <a:pPr marL="571500" indent="-342900" algn="just">
+              <a:lnSpc>
+                <a:spcPct val="100000"/>
+              </a:lnSpc>
+            </a:pPr>
+            <a:r>
+              <a:rPr lang="ru-RU" sz="2200" dirty="0">
+                <a:latin typeface="Times New Roman" panose="02020603050405020304" pitchFamily="18" charset="0"/>
+                <a:ea typeface="Times New Roman" panose="02020603050405020304" pitchFamily="18" charset="0"/>
+              </a:rPr>
+              <a:t>сбор и анализ временных характеристик выполнения пользователем действий и промежутков между ними;</a:t>
+            </a:r>
+          </a:p>
+          <a:p>
+            <a:pPr marL="571500" indent="-342900" algn="just">
+              <a:lnSpc>
+                <a:spcPct val="100000"/>
+              </a:lnSpc>
+            </a:pPr>
+            <a:r>
+              <a:rPr lang="ru-RU" sz="2200" dirty="0">
+                <a:latin typeface="Times New Roman" panose="02020603050405020304" pitchFamily="18" charset="0"/>
+                <a:ea typeface="Times New Roman" panose="02020603050405020304" pitchFamily="18" charset="0"/>
+              </a:rPr>
+              <a:t>вычисление уровней поддержки шаблонов поведения пользователя.</a:t>
             </a:r>
           </a:p>
         </p:txBody>
@@ -4423,7 +4390,7 @@
     </p:spTree>
     <p:extLst>
       <p:ext uri="{BB962C8B-B14F-4D97-AF65-F5344CB8AC3E}">
-        <p14:creationId xmlns:p14="http://schemas.microsoft.com/office/powerpoint/2010/main" val="95372301"/>
+        <p14:creationId xmlns:p14="http://schemas.microsoft.com/office/powerpoint/2010/main" val="2176375297"/>
       </p:ext>
     </p:extLst>
   </p:cSld>
@@ -4480,92 +4447,7 @@
           <a:p>
             <a:r>
               <a:rPr lang="ru-RU" sz="4000" b="1" dirty="0"/>
-              <a:t>Классификация</a:t>
-            </a:r>
-          </a:p>
-        </p:txBody>
-      </p:sp>
-      <p:sp>
-        <p:nvSpPr>
-          <p:cNvPr id="3" name="Объект 2">
-            <a:extLst>
-              <a:ext uri="{FF2B5EF4-FFF2-40B4-BE49-F238E27FC236}">
-                <a16:creationId xmlns:a16="http://schemas.microsoft.com/office/drawing/2014/main" id="{68541323-2632-074C-E69F-FC80AB230174}"/>
-              </a:ext>
-            </a:extLst>
-          </p:cNvPr>
-          <p:cNvSpPr>
-            <a:spLocks noGrp="1"/>
-          </p:cNvSpPr>
-          <p:nvPr>
-            <p:ph idx="1"/>
-          </p:nvPr>
-        </p:nvSpPr>
-        <p:spPr>
-          <a:xfrm>
-            <a:off x="428017" y="1253331"/>
-            <a:ext cx="11182378" cy="5168894"/>
-          </a:xfrm>
-        </p:spPr>
-        <p:txBody>
-          <a:bodyPr>
-            <a:noAutofit/>
-          </a:bodyPr>
-          <a:lstStyle/>
-          <a:p>
-            <a:pPr marL="571500" indent="-342900" algn="just">
-              <a:lnSpc>
-                <a:spcPct val="100000"/>
-              </a:lnSpc>
-            </a:pPr>
-            <a:r>
-              <a:rPr lang="ru-RU" sz="2200" dirty="0">
-                <a:latin typeface="Times New Roman" panose="02020603050405020304" pitchFamily="18" charset="0"/>
-                <a:ea typeface="Times New Roman" panose="02020603050405020304" pitchFamily="18" charset="0"/>
-              </a:rPr>
-              <a:t>поиск ассоциативных правил;</a:t>
-            </a:r>
-          </a:p>
-          <a:p>
-            <a:pPr marL="571500" indent="-342900" algn="just">
-              <a:lnSpc>
-                <a:spcPct val="100000"/>
-              </a:lnSpc>
-            </a:pPr>
-            <a:r>
-              <a:rPr lang="ru-RU" sz="2200" dirty="0">
-                <a:latin typeface="Times New Roman" panose="02020603050405020304" pitchFamily="18" charset="0"/>
-                <a:ea typeface="Times New Roman" panose="02020603050405020304" pitchFamily="18" charset="0"/>
-              </a:rPr>
-              <a:t>поиск последовательных шаблонов;</a:t>
-            </a:r>
-          </a:p>
-          <a:p>
-            <a:pPr marL="571500" indent="-342900" algn="just">
-              <a:lnSpc>
-                <a:spcPct val="100000"/>
-              </a:lnSpc>
-            </a:pPr>
-            <a:r>
-              <a:rPr lang="ru-RU" sz="2200" dirty="0">
-                <a:latin typeface="Times New Roman" panose="02020603050405020304" pitchFamily="18" charset="0"/>
-                <a:ea typeface="Times New Roman" panose="02020603050405020304" pitchFamily="18" charset="0"/>
-              </a:rPr>
-              <a:t>сбор и анализ временных характеристик выполнения пользователем действий и промежутков между ними;</a:t>
-            </a:r>
-          </a:p>
-          <a:p>
-            <a:pPr marL="571500" indent="-342900" algn="just">
-              <a:lnSpc>
-                <a:spcPct val="100000"/>
-              </a:lnSpc>
-            </a:pPr>
-            <a:r>
-              <a:rPr lang="ru-RU" sz="2200" dirty="0">
-                <a:latin typeface="Times New Roman" panose="02020603050405020304" pitchFamily="18" charset="0"/>
-                <a:ea typeface="Times New Roman" panose="02020603050405020304" pitchFamily="18" charset="0"/>
-              </a:rPr>
-              <a:t>вычисление уровней поддержки шаблонов поведения пользователя.</a:t>
+              <a:t>Сравнение методов</a:t>
             </a:r>
           </a:p>
         </p:txBody>
@@ -4599,10 +4481,40 @@
           </a:p>
         </p:txBody>
       </p:sp>
+      <p:pic>
+        <p:nvPicPr>
+          <p:cNvPr id="6" name="Рисунок 5">
+            <a:extLst>
+              <a:ext uri="{FF2B5EF4-FFF2-40B4-BE49-F238E27FC236}">
+                <a16:creationId xmlns:a16="http://schemas.microsoft.com/office/drawing/2014/main" id="{35A70FED-7A83-44C0-8483-844878DCC4DB}"/>
+              </a:ext>
+            </a:extLst>
+          </p:cNvPr>
+          <p:cNvPicPr>
+            <a:picLocks noChangeAspect="1"/>
+          </p:cNvPicPr>
+          <p:nvPr/>
+        </p:nvPicPr>
+        <p:blipFill>
+          <a:blip r:embed="rId2"/>
+          <a:stretch>
+            <a:fillRect/>
+          </a:stretch>
+        </p:blipFill>
+        <p:spPr>
+          <a:xfrm>
+            <a:off x="2464755" y="1119981"/>
+            <a:ext cx="7262489" cy="5090601"/>
+          </a:xfrm>
+          <a:prstGeom prst="rect">
+            <a:avLst/>
+          </a:prstGeom>
+        </p:spPr>
+      </p:pic>
     </p:spTree>
     <p:extLst>
       <p:ext uri="{BB962C8B-B14F-4D97-AF65-F5344CB8AC3E}">
-        <p14:creationId xmlns:p14="http://schemas.microsoft.com/office/powerpoint/2010/main" val="2176375297"/>
+        <p14:creationId xmlns:p14="http://schemas.microsoft.com/office/powerpoint/2010/main" val="649740196"/>
       </p:ext>
     </p:extLst>
   </p:cSld>
@@ -4659,130 +4571,6 @@
           <a:p>
             <a:r>
               <a:rPr lang="ru-RU" sz="4000" b="1" dirty="0"/>
-              <a:t>Сравнение методов</a:t>
-            </a:r>
-          </a:p>
-        </p:txBody>
-      </p:sp>
-      <p:sp>
-        <p:nvSpPr>
-          <p:cNvPr id="4" name="Номер слайда 3">
-            <a:extLst>
-              <a:ext uri="{FF2B5EF4-FFF2-40B4-BE49-F238E27FC236}">
-                <a16:creationId xmlns:a16="http://schemas.microsoft.com/office/drawing/2014/main" id="{80FEEFAF-0D6B-464C-7360-370FF23083CC}"/>
-              </a:ext>
-            </a:extLst>
-          </p:cNvPr>
-          <p:cNvSpPr>
-            <a:spLocks noGrp="1"/>
-          </p:cNvSpPr>
-          <p:nvPr>
-            <p:ph type="sldNum" sz="quarter" idx="12"/>
-          </p:nvPr>
-        </p:nvSpPr>
-        <p:spPr/>
-        <p:txBody>
-          <a:bodyPr/>
-          <a:lstStyle/>
-          <a:p>
-            <a:fld id="{E83D2FD5-BBDA-43D0-B172-791327EA2B6A}" type="slidenum">
-              <a:rPr lang="ru-RU" smtClean="0"/>
-              <a:t>12</a:t>
-            </a:fld>
-            <a:endParaRPr lang="ru-RU" dirty="0"/>
-          </a:p>
-        </p:txBody>
-      </p:sp>
-      <p:pic>
-        <p:nvPicPr>
-          <p:cNvPr id="6" name="Рисунок 5">
-            <a:extLst>
-              <a:ext uri="{FF2B5EF4-FFF2-40B4-BE49-F238E27FC236}">
-                <a16:creationId xmlns:a16="http://schemas.microsoft.com/office/drawing/2014/main" id="{35A70FED-7A83-44C0-8483-844878DCC4DB}"/>
-              </a:ext>
-            </a:extLst>
-          </p:cNvPr>
-          <p:cNvPicPr>
-            <a:picLocks noChangeAspect="1"/>
-          </p:cNvPicPr>
-          <p:nvPr/>
-        </p:nvPicPr>
-        <p:blipFill>
-          <a:blip r:embed="rId2"/>
-          <a:stretch>
-            <a:fillRect/>
-          </a:stretch>
-        </p:blipFill>
-        <p:spPr>
-          <a:xfrm>
-            <a:off x="2464755" y="1119981"/>
-            <a:ext cx="7262489" cy="5090601"/>
-          </a:xfrm>
-          <a:prstGeom prst="rect">
-            <a:avLst/>
-          </a:prstGeom>
-        </p:spPr>
-      </p:pic>
-    </p:spTree>
-    <p:extLst>
-      <p:ext uri="{BB962C8B-B14F-4D97-AF65-F5344CB8AC3E}">
-        <p14:creationId xmlns:p14="http://schemas.microsoft.com/office/powerpoint/2010/main" val="649740196"/>
-      </p:ext>
-    </p:extLst>
-  </p:cSld>
-  <p:clrMapOvr>
-    <a:masterClrMapping/>
-  </p:clrMapOvr>
-</p:sld>
-</file>
-
-<file path=ppt/slides/slide13.xml><?xml version="1.0" encoding="utf-8"?>
-<p:sld xmlns:a="http://schemas.openxmlformats.org/drawingml/2006/main" xmlns:r="http://schemas.openxmlformats.org/officeDocument/2006/relationships" xmlns:p="http://schemas.openxmlformats.org/presentationml/2006/main">
-  <p:cSld>
-    <p:spTree>
-      <p:nvGrpSpPr>
-        <p:cNvPr id="1" name=""/>
-        <p:cNvGrpSpPr/>
-        <p:nvPr/>
-      </p:nvGrpSpPr>
-      <p:grpSpPr>
-        <a:xfrm>
-          <a:off x="0" y="0"/>
-          <a:ext cx="0" cy="0"/>
-          <a:chOff x="0" y="0"/>
-          <a:chExt cx="0" cy="0"/>
-        </a:xfrm>
-      </p:grpSpPr>
-      <p:sp>
-        <p:nvSpPr>
-          <p:cNvPr id="2" name="Заголовок 1">
-            <a:extLst>
-              <a:ext uri="{FF2B5EF4-FFF2-40B4-BE49-F238E27FC236}">
-                <a16:creationId xmlns:a16="http://schemas.microsoft.com/office/drawing/2014/main" id="{1802D59D-6A83-151A-EEA2-678960399BE4}"/>
-              </a:ext>
-            </a:extLst>
-          </p:cNvPr>
-          <p:cNvSpPr>
-            <a:spLocks noGrp="1"/>
-          </p:cNvSpPr>
-          <p:nvPr>
-            <p:ph type="title"/>
-          </p:nvPr>
-        </p:nvSpPr>
-        <p:spPr>
-          <a:xfrm>
-            <a:off x="428017" y="-72232"/>
-            <a:ext cx="10515600" cy="1325563"/>
-          </a:xfrm>
-        </p:spPr>
-        <p:txBody>
-          <a:bodyPr>
-            <a:normAutofit/>
-          </a:bodyPr>
-          <a:lstStyle/>
-          <a:p>
-            <a:r>
-              <a:rPr lang="ru-RU" sz="4000" b="1" dirty="0"/>
               <a:t>Заключение</a:t>
             </a:r>
           </a:p>
@@ -4811,7 +4599,7 @@
           <a:p>
             <a:fld id="{E83D2FD5-BBDA-43D0-B172-791327EA2B6A}" type="slidenum">
               <a:rPr lang="ru-RU" smtClean="0"/>
-              <a:t>13</a:t>
+              <a:t>12</a:t>
             </a:fld>
             <a:endParaRPr lang="ru-RU" dirty="0"/>
           </a:p>
@@ -5213,7 +5001,7 @@
           <a:p>
             <a:r>
               <a:rPr lang="ru-RU" sz="4000" b="1" dirty="0"/>
-              <a:t>Введение в предметную область</a:t>
+              <a:t>Пользовательская активность</a:t>
             </a:r>
             <a:endParaRPr lang="ru-RU" sz="4000" b="1" dirty="0">
               <a:solidFill>
@@ -5253,49 +5041,81 @@
           </a:bodyPr>
           <a:lstStyle/>
           <a:p>
+            <a:pPr marL="0" indent="0">
+              <a:buNone/>
+            </a:pPr>
             <a:r>
               <a:rPr lang="ru-RU" sz="2200" dirty="0">
                 <a:latin typeface="Times New Roman" panose="02020603050405020304" pitchFamily="18" charset="0"/>
                 <a:cs typeface="Times New Roman" panose="02020603050405020304" pitchFamily="18" charset="0"/>
               </a:rPr>
-              <a:t>Что такое пользовательская активность, последовательный шаблон…</a:t>
-            </a:r>
-            <a:br>
+              <a:t>Пользовательская активность это любые действия совершаемые пользователем при взаимодействии с интерфейсом программы (движение курсора мыши, нажатие клавиш мыши, нажатие клавиш клавиатуры и т.д.), и их характеристики (координаты курсора, частота нажатия, используемые клавиши и т.д.).</a:t>
+            </a:r>
+          </a:p>
+          <a:p>
+            <a:pPr marL="0" indent="0">
+              <a:buNone/>
+            </a:pPr>
+            <a:r>
+              <a:rPr lang="ru-RU" sz="2200" dirty="0">
+                <a:solidFill>
+                  <a:schemeClr val="bg1">
+                    <a:lumMod val="50000"/>
+                  </a:schemeClr>
+                </a:solidFill>
+                <a:latin typeface="Times New Roman" panose="02020603050405020304" pitchFamily="18" charset="0"/>
+                <a:cs typeface="Times New Roman" panose="02020603050405020304" pitchFamily="18" charset="0"/>
+              </a:rPr>
+              <a:t>Пользовательская активность это действия совершаемые пользователем посредством взаимодействия с графическим интерфейсом программы.</a:t>
+            </a:r>
+          </a:p>
+          <a:p>
+            <a:pPr marL="0" indent="0">
+              <a:buNone/>
+            </a:pPr>
+            <a:r>
               <a:rPr lang="ru-RU" sz="2200" dirty="0">
                 <a:latin typeface="Times New Roman" panose="02020603050405020304" pitchFamily="18" charset="0"/>
                 <a:cs typeface="Times New Roman" panose="02020603050405020304" pitchFamily="18" charset="0"/>
               </a:rPr>
-            </a:br>
+              <a:t>Тестирование удобства использования программного обеспечения обычно состоит из двух этапов: </a:t>
+            </a:r>
+          </a:p>
+          <a:p>
+            <a:pPr marL="457200" indent="-457200">
+              <a:buFont typeface="+mj-lt"/>
+              <a:buAutoNum type="arabicParenR"/>
+            </a:pPr>
             <a:r>
               <a:rPr lang="ru-RU" sz="2200" dirty="0">
                 <a:latin typeface="Times New Roman" panose="02020603050405020304" pitchFamily="18" charset="0"/>
                 <a:cs typeface="Times New Roman" panose="02020603050405020304" pitchFamily="18" charset="0"/>
               </a:rPr>
-              <a:t>(поддержка?)</a:t>
-            </a:r>
-          </a:p>
-          <a:p>
-            <a:pPr marL="0" indent="0">
-              <a:buNone/>
+              <a:t>сбор данных о пользовательской активности</a:t>
+            </a:r>
+            <a:r>
+              <a:rPr lang="en-US" sz="2200" dirty="0">
+                <a:latin typeface="Times New Roman" panose="02020603050405020304" pitchFamily="18" charset="0"/>
+                <a:cs typeface="Times New Roman" panose="02020603050405020304" pitchFamily="18" charset="0"/>
+              </a:rPr>
+              <a:t>;</a:t>
+            </a:r>
+            <a:endParaRPr lang="ru-RU" sz="2200" dirty="0">
+              <a:latin typeface="Times New Roman" panose="02020603050405020304" pitchFamily="18" charset="0"/>
+              <a:cs typeface="Times New Roman" panose="02020603050405020304" pitchFamily="18" charset="0"/>
+            </a:endParaRPr>
+          </a:p>
+          <a:p>
+            <a:pPr marL="457200" indent="-457200">
+              <a:buFont typeface="+mj-lt"/>
+              <a:buAutoNum type="arabicParenR"/>
             </a:pPr>
             <a:r>
               <a:rPr lang="ru-RU" sz="2200" dirty="0">
                 <a:latin typeface="Times New Roman" panose="02020603050405020304" pitchFamily="18" charset="0"/>
                 <a:cs typeface="Times New Roman" panose="02020603050405020304" pitchFamily="18" charset="0"/>
               </a:rPr>
-              <a:t>Пользовательская активность это любые действия совершаемые пользователем при взаимодействии с программой.</a:t>
-            </a:r>
-          </a:p>
-          <a:p>
-            <a:pPr marL="0" indent="0">
-              <a:buNone/>
-            </a:pPr>
-            <a:r>
-              <a:rPr lang="ru-RU" sz="2200" dirty="0">
-                <a:latin typeface="Times New Roman" panose="02020603050405020304" pitchFamily="18" charset="0"/>
-                <a:cs typeface="Times New Roman" panose="02020603050405020304" pitchFamily="18" charset="0"/>
-              </a:rPr>
-              <a:t>Последовательный шаблон это несколько событий связанных друг с другом во времени.</a:t>
+              <a:t>анализ этих данных.</a:t>
             </a:r>
           </a:p>
         </p:txBody>
@@ -5483,18 +5303,31 @@
               </a:rPr>
               <a:t>частое повторение простых действий (например, клики мыши или нажатие клавиш).</a:t>
             </a:r>
-          </a:p>
-          <a:p>
-            <a:pPr indent="0" algn="just">
-              <a:lnSpc>
-                <a:spcPct val="100000"/>
-              </a:lnSpc>
+            <a:endParaRPr lang="ru-RU" sz="2200" dirty="0">
+              <a:latin typeface="Times New Roman" panose="02020603050405020304" pitchFamily="18" charset="0"/>
+              <a:cs typeface="Times New Roman" panose="02020603050405020304" pitchFamily="18" charset="0"/>
+            </a:endParaRPr>
+          </a:p>
+          <a:p>
+            <a:pPr marL="0" indent="0">
               <a:buNone/>
             </a:pPr>
+            <a:r>
+              <a:rPr lang="ru-RU" sz="2200" dirty="0">
+                <a:solidFill>
+                  <a:schemeClr val="bg1">
+                    <a:lumMod val="85000"/>
+                  </a:schemeClr>
+                </a:solidFill>
+                <a:latin typeface="Times New Roman" panose="02020603050405020304" pitchFamily="18" charset="0"/>
+                <a:cs typeface="Times New Roman" panose="02020603050405020304" pitchFamily="18" charset="0"/>
+              </a:rPr>
+              <a:t>Последовательный шаблон это несколько событий связанных друг с другом во времени.</a:t>
+            </a:r>
             <a:endParaRPr lang="ru-RU" sz="2200" dirty="0">
               <a:solidFill>
                 <a:schemeClr val="bg1">
-                  <a:lumMod val="50000"/>
+                  <a:lumMod val="85000"/>
                 </a:schemeClr>
               </a:solidFill>
               <a:latin typeface="Times New Roman" panose="02020603050405020304" pitchFamily="18" charset="0"/>
@@ -5652,259 +5485,6 @@
 </file>
 
 <file path=ppt/slides/slide5.xml><?xml version="1.0" encoding="utf-8"?>
-<p:sld xmlns:a="http://schemas.openxmlformats.org/drawingml/2006/main" xmlns:r="http://schemas.openxmlformats.org/officeDocument/2006/relationships" xmlns:p="http://schemas.openxmlformats.org/presentationml/2006/main">
-  <p:cSld>
-    <p:spTree>
-      <p:nvGrpSpPr>
-        <p:cNvPr id="1" name=""/>
-        <p:cNvGrpSpPr/>
-        <p:nvPr/>
-      </p:nvGrpSpPr>
-      <p:grpSpPr>
-        <a:xfrm>
-          <a:off x="0" y="0"/>
-          <a:ext cx="0" cy="0"/>
-          <a:chOff x="0" y="0"/>
-          <a:chExt cx="0" cy="0"/>
-        </a:xfrm>
-      </p:grpSpPr>
-      <p:sp>
-        <p:nvSpPr>
-          <p:cNvPr id="2" name="Заголовок 1">
-            <a:extLst>
-              <a:ext uri="{FF2B5EF4-FFF2-40B4-BE49-F238E27FC236}">
-                <a16:creationId xmlns:a16="http://schemas.microsoft.com/office/drawing/2014/main" id="{1802D59D-6A83-151A-EEA2-678960399BE4}"/>
-              </a:ext>
-            </a:extLst>
-          </p:cNvPr>
-          <p:cNvSpPr>
-            <a:spLocks noGrp="1"/>
-          </p:cNvSpPr>
-          <p:nvPr>
-            <p:ph type="title"/>
-          </p:nvPr>
-        </p:nvSpPr>
-        <p:spPr>
-          <a:xfrm>
-            <a:off x="428017" y="-72232"/>
-            <a:ext cx="7366577" cy="1325563"/>
-          </a:xfrm>
-        </p:spPr>
-        <p:txBody>
-          <a:bodyPr>
-            <a:normAutofit/>
-          </a:bodyPr>
-          <a:lstStyle/>
-          <a:p>
-            <a:r>
-              <a:rPr lang="ru-RU" sz="4000" b="1" dirty="0"/>
-              <a:t>Математическая модель пользовательской активности ПО</a:t>
-            </a:r>
-          </a:p>
-        </p:txBody>
-      </p:sp>
-      <p:sp>
-        <p:nvSpPr>
-          <p:cNvPr id="3" name="Объект 2">
-            <a:extLst>
-              <a:ext uri="{FF2B5EF4-FFF2-40B4-BE49-F238E27FC236}">
-                <a16:creationId xmlns:a16="http://schemas.microsoft.com/office/drawing/2014/main" id="{68541323-2632-074C-E69F-FC80AB230174}"/>
-              </a:ext>
-            </a:extLst>
-          </p:cNvPr>
-          <p:cNvSpPr>
-            <a:spLocks noGrp="1"/>
-          </p:cNvSpPr>
-          <p:nvPr>
-            <p:ph idx="1"/>
-          </p:nvPr>
-        </p:nvSpPr>
-        <p:spPr>
-          <a:xfrm>
-            <a:off x="428017" y="1253331"/>
-            <a:ext cx="11182378" cy="5168894"/>
-          </a:xfrm>
-        </p:spPr>
-        <p:txBody>
-          <a:bodyPr>
-            <a:noAutofit/>
-          </a:bodyPr>
-          <a:lstStyle/>
-          <a:p>
-            <a:pPr indent="0" algn="just">
-              <a:lnSpc>
-                <a:spcPct val="100000"/>
-              </a:lnSpc>
-              <a:buNone/>
-            </a:pPr>
-            <a:r>
-              <a:rPr lang="ru-RU" sz="2200" dirty="0">
-                <a:solidFill>
-                  <a:schemeClr val="bg1">
-                    <a:lumMod val="50000"/>
-                  </a:schemeClr>
-                </a:solidFill>
-                <a:latin typeface="Times New Roman" panose="02020603050405020304" pitchFamily="18" charset="0"/>
-                <a:ea typeface="Times New Roman" panose="02020603050405020304" pitchFamily="18" charset="0"/>
-              </a:rPr>
-              <a:t>Данная модель может найти применение при оценке удобства использования пользовательских интерфейсов и для решения задач повышения эффективности взаимодействия пользователей с ПО. Она состоит из следующих элементов:</a:t>
-            </a:r>
-          </a:p>
-          <a:p>
-            <a:pPr marL="571500" indent="-342900" algn="just">
-              <a:lnSpc>
-                <a:spcPct val="100000"/>
-              </a:lnSpc>
-            </a:pPr>
-            <a:r>
-              <a:rPr lang="ru-RU" sz="2200" dirty="0">
-                <a:solidFill>
-                  <a:schemeClr val="bg1">
-                    <a:lumMod val="50000"/>
-                  </a:schemeClr>
-                </a:solidFill>
-                <a:latin typeface="Times New Roman" panose="02020603050405020304" pitchFamily="18" charset="0"/>
-                <a:ea typeface="Times New Roman" panose="02020603050405020304" pitchFamily="18" charset="0"/>
-              </a:rPr>
-              <a:t>множество событий;</a:t>
-            </a:r>
-          </a:p>
-          <a:p>
-            <a:pPr marL="571500" indent="-342900" algn="just">
-              <a:lnSpc>
-                <a:spcPct val="100000"/>
-              </a:lnSpc>
-            </a:pPr>
-            <a:r>
-              <a:rPr lang="ru-RU" sz="2200" dirty="0">
-                <a:solidFill>
-                  <a:schemeClr val="bg1">
-                    <a:lumMod val="50000"/>
-                  </a:schemeClr>
-                </a:solidFill>
-                <a:latin typeface="Times New Roman" panose="02020603050405020304" pitchFamily="18" charset="0"/>
-                <a:ea typeface="Times New Roman" panose="02020603050405020304" pitchFamily="18" charset="0"/>
-              </a:rPr>
-              <a:t>множество классов событий и функция классификации;</a:t>
-            </a:r>
-          </a:p>
-          <a:p>
-            <a:pPr marL="571500" indent="-342900" algn="just">
-              <a:lnSpc>
-                <a:spcPct val="100000"/>
-              </a:lnSpc>
-            </a:pPr>
-            <a:r>
-              <a:rPr lang="ru-RU" sz="2200" dirty="0">
-                <a:solidFill>
-                  <a:schemeClr val="bg1">
-                    <a:lumMod val="50000"/>
-                  </a:schemeClr>
-                </a:solidFill>
-                <a:latin typeface="Times New Roman" panose="02020603050405020304" pitchFamily="18" charset="0"/>
-                <a:ea typeface="Times New Roman" panose="02020603050405020304" pitchFamily="18" charset="0"/>
-              </a:rPr>
-              <a:t>множество сессий до и после классификации;</a:t>
-            </a:r>
-          </a:p>
-          <a:p>
-            <a:pPr marL="571500" indent="-342900" algn="just">
-              <a:lnSpc>
-                <a:spcPct val="100000"/>
-              </a:lnSpc>
-            </a:pPr>
-            <a:r>
-              <a:rPr lang="ru-RU" sz="2200" dirty="0">
-                <a:solidFill>
-                  <a:schemeClr val="bg1">
-                    <a:lumMod val="50000"/>
-                  </a:schemeClr>
-                </a:solidFill>
-                <a:latin typeface="Times New Roman" panose="02020603050405020304" pitchFamily="18" charset="0"/>
-                <a:ea typeface="Times New Roman" panose="02020603050405020304" pitchFamily="18" charset="0"/>
-              </a:rPr>
-              <a:t>множество последовательных шаблонов и значений их поддержки;</a:t>
-            </a:r>
-          </a:p>
-          <a:p>
-            <a:pPr marL="571500" indent="-342900" algn="just">
-              <a:lnSpc>
-                <a:spcPct val="100000"/>
-              </a:lnSpc>
-            </a:pPr>
-            <a:r>
-              <a:rPr lang="ru-RU" sz="2200" dirty="0">
-                <a:solidFill>
-                  <a:schemeClr val="bg1">
-                    <a:lumMod val="50000"/>
-                  </a:schemeClr>
-                </a:solidFill>
-                <a:latin typeface="Times New Roman" panose="02020603050405020304" pitchFamily="18" charset="0"/>
-                <a:ea typeface="Times New Roman" panose="02020603050405020304" pitchFamily="18" charset="0"/>
-              </a:rPr>
-              <a:t>функция преобразования класса событий в затрачиваемое время.</a:t>
-            </a:r>
-          </a:p>
-          <a:p>
-            <a:pPr indent="0" algn="just">
-              <a:lnSpc>
-                <a:spcPct val="100000"/>
-              </a:lnSpc>
-              <a:buNone/>
-            </a:pPr>
-            <a:r>
-              <a:rPr lang="ru-RU" sz="2200" dirty="0">
-                <a:latin typeface="Times New Roman" panose="02020603050405020304" pitchFamily="18" charset="0"/>
-                <a:ea typeface="Times New Roman" panose="02020603050405020304" pitchFamily="18" charset="0"/>
-              </a:rPr>
-              <a:t>Просто привести пример</a:t>
-            </a:r>
-          </a:p>
-        </p:txBody>
-      </p:sp>
-      <p:sp>
-        <p:nvSpPr>
-          <p:cNvPr id="4" name="Номер слайда 3">
-            <a:extLst>
-              <a:ext uri="{FF2B5EF4-FFF2-40B4-BE49-F238E27FC236}">
-                <a16:creationId xmlns:a16="http://schemas.microsoft.com/office/drawing/2014/main" id="{80FEEFAF-0D6B-464C-7360-370FF23083CC}"/>
-              </a:ext>
-            </a:extLst>
-          </p:cNvPr>
-          <p:cNvSpPr>
-            <a:spLocks noGrp="1"/>
-          </p:cNvSpPr>
-          <p:nvPr>
-            <p:ph type="sldNum" sz="quarter" idx="12"/>
-          </p:nvPr>
-        </p:nvSpPr>
-        <p:spPr/>
-        <p:txBody>
-          <a:bodyPr/>
-          <a:lstStyle/>
-          <a:p>
-            <a:fld id="{E83D2FD5-BBDA-43D0-B172-791327EA2B6A}" type="slidenum">
-              <a:rPr lang="ru-RU" smtClean="0"/>
-              <a:t>5</a:t>
-            </a:fld>
-            <a:endParaRPr lang="ru-RU" dirty="0"/>
-          </a:p>
-        </p:txBody>
-      </p:sp>
-    </p:spTree>
-    <p:extLst>
-      <p:ext uri="{BB962C8B-B14F-4D97-AF65-F5344CB8AC3E}">
-        <p14:creationId xmlns:p14="http://schemas.microsoft.com/office/powerpoint/2010/main" val="3321315773"/>
-      </p:ext>
-    </p:extLst>
-  </p:cSld>
-  <p:clrMapOvr>
-    <a:masterClrMapping/>
-  </p:clrMapOvr>
-</p:sld>
-</file>
-
-<file path=ppt/slides/slide6.xml><?xml version="1.0" encoding="utf-8"?>
 <p:sld xmlns:a="http://schemas.openxmlformats.org/drawingml/2006/main" xmlns:r="http://schemas.openxmlformats.org/officeDocument/2006/relationships" xmlns:p="http://schemas.openxmlformats.org/presentationml/2006/main">
   <p:cSld>
     <p:spTree>
@@ -6897,7 +6477,7 @@
           <a:p>
             <a:fld id="{E83D2FD5-BBDA-43D0-B172-791327EA2B6A}" type="slidenum">
               <a:rPr lang="ru-RU" smtClean="0"/>
-              <a:t>6</a:t>
+              <a:t>5</a:t>
             </a:fld>
             <a:endParaRPr lang="ru-RU" dirty="0"/>
           </a:p>
@@ -6916,7 +6496,7 @@
 </p:sld>
 </file>
 
-<file path=ppt/slides/slide7.xml><?xml version="1.0" encoding="utf-8"?>
+<file path=ppt/slides/slide6.xml><?xml version="1.0" encoding="utf-8"?>
 <p:sld xmlns:a="http://schemas.openxmlformats.org/drawingml/2006/main" xmlns:r="http://schemas.openxmlformats.org/officeDocument/2006/relationships" xmlns:p="http://schemas.openxmlformats.org/presentationml/2006/main">
   <p:cSld>
     <p:spTree>
@@ -7708,6 +7288,405 @@
 </p:sld>
 </file>
 
+<file path=ppt/slides/slide7.xml><?xml version="1.0" encoding="utf-8"?>
+<p:sld xmlns:a="http://schemas.openxmlformats.org/drawingml/2006/main" xmlns:r="http://schemas.openxmlformats.org/officeDocument/2006/relationships" xmlns:p="http://schemas.openxmlformats.org/presentationml/2006/main">
+  <p:cSld>
+    <p:spTree>
+      <p:nvGrpSpPr>
+        <p:cNvPr id="1" name=""/>
+        <p:cNvGrpSpPr/>
+        <p:nvPr/>
+      </p:nvGrpSpPr>
+      <p:grpSpPr>
+        <a:xfrm>
+          <a:off x="0" y="0"/>
+          <a:ext cx="0" cy="0"/>
+          <a:chOff x="0" y="0"/>
+          <a:chExt cx="0" cy="0"/>
+        </a:xfrm>
+      </p:grpSpPr>
+      <p:sp>
+        <p:nvSpPr>
+          <p:cNvPr id="2" name="Заголовок 1">
+            <a:extLst>
+              <a:ext uri="{FF2B5EF4-FFF2-40B4-BE49-F238E27FC236}">
+                <a16:creationId xmlns:a16="http://schemas.microsoft.com/office/drawing/2014/main" id="{1802D59D-6A83-151A-EEA2-678960399BE4}"/>
+              </a:ext>
+            </a:extLst>
+          </p:cNvPr>
+          <p:cNvSpPr>
+            <a:spLocks noGrp="1"/>
+          </p:cNvSpPr>
+          <p:nvPr>
+            <p:ph type="title"/>
+          </p:nvPr>
+        </p:nvSpPr>
+        <p:spPr>
+          <a:xfrm>
+            <a:off x="428016" y="-72232"/>
+            <a:ext cx="11763983" cy="1325563"/>
+          </a:xfrm>
+        </p:spPr>
+        <p:txBody>
+          <a:bodyPr>
+            <a:normAutofit/>
+          </a:bodyPr>
+          <a:lstStyle/>
+          <a:p>
+            <a:r>
+              <a:rPr lang="ru-RU" sz="4000" b="1" dirty="0"/>
+              <a:t>Алгоритм </a:t>
+            </a:r>
+            <a:r>
+              <a:rPr lang="en-US" sz="4000" b="1" dirty="0"/>
+              <a:t>GSP</a:t>
+            </a:r>
+            <a:endParaRPr lang="ru-RU" sz="4000" b="1" dirty="0"/>
+          </a:p>
+        </p:txBody>
+      </p:sp>
+      <p:sp>
+        <p:nvSpPr>
+          <p:cNvPr id="4" name="Номер слайда 3">
+            <a:extLst>
+              <a:ext uri="{FF2B5EF4-FFF2-40B4-BE49-F238E27FC236}">
+                <a16:creationId xmlns:a16="http://schemas.microsoft.com/office/drawing/2014/main" id="{80FEEFAF-0D6B-464C-7360-370FF23083CC}"/>
+              </a:ext>
+            </a:extLst>
+          </p:cNvPr>
+          <p:cNvSpPr>
+            <a:spLocks noGrp="1"/>
+          </p:cNvSpPr>
+          <p:nvPr>
+            <p:ph type="sldNum" sz="quarter" idx="12"/>
+          </p:nvPr>
+        </p:nvSpPr>
+        <p:spPr/>
+        <p:txBody>
+          <a:bodyPr/>
+          <a:lstStyle/>
+          <a:p>
+            <a:fld id="{E83D2FD5-BBDA-43D0-B172-791327EA2B6A}" type="slidenum">
+              <a:rPr lang="ru-RU" smtClean="0"/>
+              <a:t>7</a:t>
+            </a:fld>
+            <a:endParaRPr lang="ru-RU" dirty="0"/>
+          </a:p>
+        </p:txBody>
+      </p:sp>
+      <p:sp>
+        <p:nvSpPr>
+          <p:cNvPr id="7" name="Объект 2">
+            <a:extLst>
+              <a:ext uri="{FF2B5EF4-FFF2-40B4-BE49-F238E27FC236}">
+                <a16:creationId xmlns:a16="http://schemas.microsoft.com/office/drawing/2014/main" id="{6CF8E559-CCDE-49E5-93F5-28EC1006FB11}"/>
+              </a:ext>
+            </a:extLst>
+          </p:cNvPr>
+          <p:cNvSpPr>
+            <a:spLocks noGrp="1"/>
+          </p:cNvSpPr>
+          <p:nvPr>
+            <p:ph idx="1"/>
+          </p:nvPr>
+        </p:nvSpPr>
+        <p:spPr>
+          <a:xfrm>
+            <a:off x="428017" y="1253331"/>
+            <a:ext cx="11182378" cy="5168894"/>
+          </a:xfrm>
+        </p:spPr>
+        <p:txBody>
+          <a:bodyPr>
+            <a:noAutofit/>
+          </a:bodyPr>
+          <a:lstStyle/>
+          <a:p>
+            <a:pPr marL="571500" indent="-342900" algn="just">
+              <a:lnSpc>
+                <a:spcPct val="100000"/>
+              </a:lnSpc>
+            </a:pPr>
+            <a:r>
+              <a:rPr lang="ru-RU" sz="2200" dirty="0">
+                <a:latin typeface="Times New Roman" panose="02020603050405020304" pitchFamily="18" charset="0"/>
+                <a:ea typeface="Times New Roman" panose="02020603050405020304" pitchFamily="18" charset="0"/>
+              </a:rPr>
+              <a:t>является модификацией алгоритма </a:t>
+            </a:r>
+            <a:r>
+              <a:rPr lang="ru-RU" sz="2200" dirty="0" err="1">
+                <a:latin typeface="Times New Roman" panose="02020603050405020304" pitchFamily="18" charset="0"/>
+                <a:ea typeface="Times New Roman" panose="02020603050405020304" pitchFamily="18" charset="0"/>
+              </a:rPr>
+              <a:t>Apriori</a:t>
+            </a:r>
+            <a:r>
+              <a:rPr lang="en-US" sz="2200" dirty="0">
+                <a:latin typeface="Times New Roman" panose="02020603050405020304" pitchFamily="18" charset="0"/>
+                <a:ea typeface="Times New Roman" panose="02020603050405020304" pitchFamily="18" charset="0"/>
+              </a:rPr>
+              <a:t>All;</a:t>
+            </a:r>
+          </a:p>
+          <a:p>
+            <a:pPr marL="571500" indent="-342900" algn="just">
+              <a:lnSpc>
+                <a:spcPct val="100000"/>
+              </a:lnSpc>
+            </a:pPr>
+            <a:r>
+              <a:rPr lang="ru-RU" sz="2200" dirty="0">
+                <a:latin typeface="Times New Roman" panose="02020603050405020304" pitchFamily="18" charset="0"/>
+                <a:ea typeface="Times New Roman" panose="02020603050405020304" pitchFamily="18" charset="0"/>
+              </a:rPr>
+              <a:t>учитывает ограничения по времени между соседними транзакциями и </a:t>
+            </a:r>
+            <a:r>
+              <a:rPr lang="en-US" sz="2200" dirty="0">
+                <a:latin typeface="Times New Roman" panose="02020603050405020304" pitchFamily="18" charset="0"/>
+                <a:ea typeface="Times New Roman" panose="02020603050405020304" pitchFamily="18" charset="0"/>
+              </a:rPr>
+              <a:t>id </a:t>
+            </a:r>
+            <a:r>
+              <a:rPr lang="ru-RU" sz="2200" dirty="0">
+                <a:latin typeface="Times New Roman" panose="02020603050405020304" pitchFamily="18" charset="0"/>
+                <a:ea typeface="Times New Roman" panose="02020603050405020304" pitchFamily="18" charset="0"/>
+              </a:rPr>
+              <a:t>клиента совершившего ее</a:t>
+            </a:r>
+            <a:r>
+              <a:rPr lang="en-US" sz="2200" dirty="0">
+                <a:latin typeface="Times New Roman" panose="02020603050405020304" pitchFamily="18" charset="0"/>
+                <a:ea typeface="Times New Roman" panose="02020603050405020304" pitchFamily="18" charset="0"/>
+              </a:rPr>
+              <a:t>;</a:t>
+            </a:r>
+            <a:endParaRPr lang="ru-RU" sz="2200" dirty="0">
+              <a:latin typeface="Times New Roman" panose="02020603050405020304" pitchFamily="18" charset="0"/>
+              <a:ea typeface="Times New Roman" panose="02020603050405020304" pitchFamily="18" charset="0"/>
+            </a:endParaRPr>
+          </a:p>
+          <a:p>
+            <a:pPr marL="571500" indent="-342900">
+              <a:lnSpc>
+                <a:spcPct val="100000"/>
+              </a:lnSpc>
+            </a:pPr>
+            <a:r>
+              <a:rPr lang="ru-RU" sz="2200" dirty="0">
+                <a:latin typeface="Times New Roman" panose="02020603050405020304" pitchFamily="18" charset="0"/>
+                <a:ea typeface="Times New Roman" panose="02020603050405020304" pitchFamily="18" charset="0"/>
+              </a:rPr>
+              <a:t>поддержка последовательности - это отношение числа покупателей, в чьих транзакциях присутствует указанная последовательность к общему числу покупателей.</a:t>
+            </a:r>
+          </a:p>
+          <a:p>
+            <a:pPr indent="0" algn="just">
+              <a:lnSpc>
+                <a:spcPct val="100000"/>
+              </a:lnSpc>
+              <a:buNone/>
+            </a:pPr>
+            <a:r>
+              <a:rPr lang="ru-RU" sz="2200" dirty="0">
+                <a:solidFill>
+                  <a:schemeClr val="tx1">
+                    <a:lumMod val="95000"/>
+                    <a:lumOff val="5000"/>
+                  </a:schemeClr>
+                </a:solidFill>
+                <a:latin typeface="Times New Roman" panose="02020603050405020304" pitchFamily="18" charset="0"/>
+                <a:ea typeface="Times New Roman" panose="02020603050405020304" pitchFamily="18" charset="0"/>
+              </a:rPr>
+              <a:t>В работе алгоритма можно выделить следующие основные этапы:</a:t>
+            </a:r>
+            <a:endParaRPr lang="en-US" sz="2200" dirty="0">
+              <a:solidFill>
+                <a:schemeClr val="tx1">
+                  <a:lumMod val="95000"/>
+                  <a:lumOff val="5000"/>
+                </a:schemeClr>
+              </a:solidFill>
+              <a:latin typeface="Times New Roman" panose="02020603050405020304" pitchFamily="18" charset="0"/>
+              <a:ea typeface="Times New Roman" panose="02020603050405020304" pitchFamily="18" charset="0"/>
+            </a:endParaRPr>
+          </a:p>
+          <a:p>
+            <a:pPr indent="0">
+              <a:lnSpc>
+                <a:spcPct val="100000"/>
+              </a:lnSpc>
+              <a:buNone/>
+            </a:pPr>
+            <a:r>
+              <a:rPr lang="en-US" sz="2200" dirty="0">
+                <a:solidFill>
+                  <a:schemeClr val="tx1">
+                    <a:lumMod val="95000"/>
+                    <a:lumOff val="5000"/>
+                  </a:schemeClr>
+                </a:solidFill>
+                <a:latin typeface="Times New Roman" panose="02020603050405020304" pitchFamily="18" charset="0"/>
+                <a:cs typeface="Times New Roman" panose="02020603050405020304" pitchFamily="18" charset="0"/>
+              </a:rPr>
+              <a:t>	1. </a:t>
+            </a:r>
+            <a:r>
+              <a:rPr lang="ru-RU" sz="2200" dirty="0">
+                <a:solidFill>
+                  <a:schemeClr val="tx1">
+                    <a:lumMod val="95000"/>
+                    <a:lumOff val="5000"/>
+                  </a:schemeClr>
+                </a:solidFill>
+                <a:latin typeface="Times New Roman" panose="02020603050405020304" pitchFamily="18" charset="0"/>
+                <a:cs typeface="Times New Roman" panose="02020603050405020304" pitchFamily="18" charset="0"/>
+              </a:rPr>
+              <a:t>Генерация кандидатов.</a:t>
+            </a:r>
+            <a:br>
+              <a:rPr lang="en-US" sz="2200" dirty="0">
+                <a:solidFill>
+                  <a:schemeClr val="tx1">
+                    <a:lumMod val="95000"/>
+                    <a:lumOff val="5000"/>
+                  </a:schemeClr>
+                </a:solidFill>
+                <a:latin typeface="Times New Roman" panose="02020603050405020304" pitchFamily="18" charset="0"/>
+                <a:cs typeface="Times New Roman" panose="02020603050405020304" pitchFamily="18" charset="0"/>
+              </a:rPr>
+            </a:br>
+            <a:r>
+              <a:rPr lang="en-US" sz="2200" dirty="0">
+                <a:solidFill>
+                  <a:schemeClr val="tx1">
+                    <a:lumMod val="95000"/>
+                    <a:lumOff val="5000"/>
+                  </a:schemeClr>
+                </a:solidFill>
+                <a:latin typeface="Times New Roman" panose="02020603050405020304" pitchFamily="18" charset="0"/>
+                <a:cs typeface="Times New Roman" panose="02020603050405020304" pitchFamily="18" charset="0"/>
+              </a:rPr>
+              <a:t>	    1.1. </a:t>
+            </a:r>
+            <a:r>
+              <a:rPr lang="ru-RU" sz="2200" dirty="0">
+                <a:solidFill>
+                  <a:schemeClr val="tx1">
+                    <a:lumMod val="95000"/>
+                    <a:lumOff val="5000"/>
+                  </a:schemeClr>
+                </a:solidFill>
+                <a:latin typeface="Times New Roman" panose="02020603050405020304" pitchFamily="18" charset="0"/>
+                <a:cs typeface="Times New Roman" panose="02020603050405020304" pitchFamily="18" charset="0"/>
+              </a:rPr>
+              <a:t>Объединение.</a:t>
+            </a:r>
+            <a:br>
+              <a:rPr lang="en-US" sz="2200" dirty="0">
+                <a:solidFill>
+                  <a:schemeClr val="tx1">
+                    <a:lumMod val="95000"/>
+                    <a:lumOff val="5000"/>
+                  </a:schemeClr>
+                </a:solidFill>
+                <a:latin typeface="Times New Roman" panose="02020603050405020304" pitchFamily="18" charset="0"/>
+                <a:cs typeface="Times New Roman" panose="02020603050405020304" pitchFamily="18" charset="0"/>
+              </a:rPr>
+            </a:br>
+            <a:r>
+              <a:rPr lang="en-US" sz="2200" dirty="0">
+                <a:solidFill>
+                  <a:schemeClr val="tx1">
+                    <a:lumMod val="95000"/>
+                    <a:lumOff val="5000"/>
+                  </a:schemeClr>
+                </a:solidFill>
+                <a:latin typeface="Times New Roman" panose="02020603050405020304" pitchFamily="18" charset="0"/>
+                <a:cs typeface="Times New Roman" panose="02020603050405020304" pitchFamily="18" charset="0"/>
+              </a:rPr>
+              <a:t>	    1.2. </a:t>
+            </a:r>
+            <a:r>
+              <a:rPr lang="ru-RU" sz="2200" dirty="0">
+                <a:solidFill>
+                  <a:schemeClr val="tx1">
+                    <a:lumMod val="95000"/>
+                    <a:lumOff val="5000"/>
+                  </a:schemeClr>
+                </a:solidFill>
+                <a:latin typeface="Times New Roman" panose="02020603050405020304" pitchFamily="18" charset="0"/>
+                <a:cs typeface="Times New Roman" panose="02020603050405020304" pitchFamily="18" charset="0"/>
+              </a:rPr>
+              <a:t>Упрощение.</a:t>
+            </a:r>
+            <a:br>
+              <a:rPr lang="en-US" sz="2200" dirty="0">
+                <a:solidFill>
+                  <a:schemeClr val="tx1">
+                    <a:lumMod val="95000"/>
+                    <a:lumOff val="5000"/>
+                  </a:schemeClr>
+                </a:solidFill>
+                <a:latin typeface="Times New Roman" panose="02020603050405020304" pitchFamily="18" charset="0"/>
+                <a:cs typeface="Times New Roman" panose="02020603050405020304" pitchFamily="18" charset="0"/>
+              </a:rPr>
+            </a:br>
+            <a:r>
+              <a:rPr lang="en-US" sz="2200" dirty="0">
+                <a:solidFill>
+                  <a:schemeClr val="tx1">
+                    <a:lumMod val="95000"/>
+                    <a:lumOff val="5000"/>
+                  </a:schemeClr>
+                </a:solidFill>
+                <a:latin typeface="Times New Roman" panose="02020603050405020304" pitchFamily="18" charset="0"/>
+                <a:cs typeface="Times New Roman" panose="02020603050405020304" pitchFamily="18" charset="0"/>
+              </a:rPr>
+              <a:t>	2. </a:t>
+            </a:r>
+            <a:r>
+              <a:rPr lang="ru-RU" sz="2200" dirty="0">
+                <a:solidFill>
+                  <a:schemeClr val="tx1">
+                    <a:lumMod val="95000"/>
+                    <a:lumOff val="5000"/>
+                  </a:schemeClr>
+                </a:solidFill>
+                <a:latin typeface="Times New Roman" panose="02020603050405020304" pitchFamily="18" charset="0"/>
+                <a:cs typeface="Times New Roman" panose="02020603050405020304" pitchFamily="18" charset="0"/>
+              </a:rPr>
+              <a:t>Подсчет поддержки кандидатов.</a:t>
+            </a:r>
+            <a:endParaRPr lang="en-US" sz="2200" dirty="0">
+              <a:solidFill>
+                <a:schemeClr val="tx1">
+                  <a:lumMod val="95000"/>
+                  <a:lumOff val="5000"/>
+                </a:schemeClr>
+              </a:solidFill>
+              <a:latin typeface="Times New Roman" panose="02020603050405020304" pitchFamily="18" charset="0"/>
+              <a:ea typeface="Times New Roman" panose="02020603050405020304" pitchFamily="18" charset="0"/>
+              <a:cs typeface="Times New Roman" panose="02020603050405020304" pitchFamily="18" charset="0"/>
+            </a:endParaRPr>
+          </a:p>
+        </p:txBody>
+      </p:sp>
+    </p:spTree>
+    <p:extLst>
+      <p:ext uri="{BB962C8B-B14F-4D97-AF65-F5344CB8AC3E}">
+        <p14:creationId xmlns:p14="http://schemas.microsoft.com/office/powerpoint/2010/main" val="2834239968"/>
+      </p:ext>
+    </p:extLst>
+  </p:cSld>
+  <p:clrMapOvr>
+    <a:masterClrMapping/>
+  </p:clrMapOvr>
+</p:sld>
+</file>
+
 <file path=ppt/slides/slide8.xml><?xml version="1.0" encoding="utf-8"?>
 <p:sld xmlns:a="http://schemas.openxmlformats.org/drawingml/2006/main" xmlns:r="http://schemas.openxmlformats.org/officeDocument/2006/relationships" xmlns:p="http://schemas.openxmlformats.org/presentationml/2006/main">
   <p:cSld>
@@ -7755,7 +7734,7 @@
           <a:p>
             <a:r>
               <a:rPr lang="ru-RU" sz="4000" b="1" dirty="0"/>
-              <a:t>Алгоритм </a:t>
+              <a:t>Пример работы алгоритма </a:t>
             </a:r>
             <a:r>
               <a:rPr lang="en-US" sz="4000" b="1" dirty="0"/>
@@ -7789,405 +7768,6 @@
             <a:fld id="{E83D2FD5-BBDA-43D0-B172-791327EA2B6A}" type="slidenum">
               <a:rPr lang="ru-RU" smtClean="0"/>
               <a:t>8</a:t>
-            </a:fld>
-            <a:endParaRPr lang="ru-RU" dirty="0"/>
-          </a:p>
-        </p:txBody>
-      </p:sp>
-      <p:sp>
-        <p:nvSpPr>
-          <p:cNvPr id="7" name="Объект 2">
-            <a:extLst>
-              <a:ext uri="{FF2B5EF4-FFF2-40B4-BE49-F238E27FC236}">
-                <a16:creationId xmlns:a16="http://schemas.microsoft.com/office/drawing/2014/main" id="{6CF8E559-CCDE-49E5-93F5-28EC1006FB11}"/>
-              </a:ext>
-            </a:extLst>
-          </p:cNvPr>
-          <p:cNvSpPr>
-            <a:spLocks noGrp="1"/>
-          </p:cNvSpPr>
-          <p:nvPr>
-            <p:ph idx="1"/>
-          </p:nvPr>
-        </p:nvSpPr>
-        <p:spPr>
-          <a:xfrm>
-            <a:off x="428017" y="1253331"/>
-            <a:ext cx="11182378" cy="5168894"/>
-          </a:xfrm>
-        </p:spPr>
-        <p:txBody>
-          <a:bodyPr>
-            <a:noAutofit/>
-          </a:bodyPr>
-          <a:lstStyle/>
-          <a:p>
-            <a:pPr marL="571500" indent="-342900" algn="just">
-              <a:lnSpc>
-                <a:spcPct val="100000"/>
-              </a:lnSpc>
-            </a:pPr>
-            <a:r>
-              <a:rPr lang="ru-RU" sz="2200" dirty="0">
-                <a:latin typeface="Times New Roman" panose="02020603050405020304" pitchFamily="18" charset="0"/>
-                <a:ea typeface="Times New Roman" panose="02020603050405020304" pitchFamily="18" charset="0"/>
-              </a:rPr>
-              <a:t>является модификацией алгоритма </a:t>
-            </a:r>
-            <a:r>
-              <a:rPr lang="ru-RU" sz="2200" dirty="0" err="1">
-                <a:latin typeface="Times New Roman" panose="02020603050405020304" pitchFamily="18" charset="0"/>
-                <a:ea typeface="Times New Roman" panose="02020603050405020304" pitchFamily="18" charset="0"/>
-              </a:rPr>
-              <a:t>Apriori</a:t>
-            </a:r>
-            <a:r>
-              <a:rPr lang="en-US" sz="2200" dirty="0">
-                <a:latin typeface="Times New Roman" panose="02020603050405020304" pitchFamily="18" charset="0"/>
-                <a:ea typeface="Times New Roman" panose="02020603050405020304" pitchFamily="18" charset="0"/>
-              </a:rPr>
-              <a:t>All;</a:t>
-            </a:r>
-          </a:p>
-          <a:p>
-            <a:pPr marL="571500" indent="-342900" algn="just">
-              <a:lnSpc>
-                <a:spcPct val="100000"/>
-              </a:lnSpc>
-            </a:pPr>
-            <a:r>
-              <a:rPr lang="ru-RU" sz="2200" dirty="0">
-                <a:latin typeface="Times New Roman" panose="02020603050405020304" pitchFamily="18" charset="0"/>
-                <a:ea typeface="Times New Roman" panose="02020603050405020304" pitchFamily="18" charset="0"/>
-              </a:rPr>
-              <a:t>учитывает ограничения по времени между соседними транзакциями и </a:t>
-            </a:r>
-            <a:r>
-              <a:rPr lang="en-US" sz="2200" dirty="0">
-                <a:latin typeface="Times New Roman" panose="02020603050405020304" pitchFamily="18" charset="0"/>
-                <a:ea typeface="Times New Roman" panose="02020603050405020304" pitchFamily="18" charset="0"/>
-              </a:rPr>
-              <a:t>id </a:t>
-            </a:r>
-            <a:r>
-              <a:rPr lang="ru-RU" sz="2200" dirty="0">
-                <a:latin typeface="Times New Roman" panose="02020603050405020304" pitchFamily="18" charset="0"/>
-                <a:ea typeface="Times New Roman" panose="02020603050405020304" pitchFamily="18" charset="0"/>
-              </a:rPr>
-              <a:t>клиента совершившего ее</a:t>
-            </a:r>
-            <a:r>
-              <a:rPr lang="en-US" sz="2200" dirty="0">
-                <a:latin typeface="Times New Roman" panose="02020603050405020304" pitchFamily="18" charset="0"/>
-                <a:ea typeface="Times New Roman" panose="02020603050405020304" pitchFamily="18" charset="0"/>
-              </a:rPr>
-              <a:t>;</a:t>
-            </a:r>
-            <a:endParaRPr lang="ru-RU" sz="2200" dirty="0">
-              <a:latin typeface="Times New Roman" panose="02020603050405020304" pitchFamily="18" charset="0"/>
-              <a:ea typeface="Times New Roman" panose="02020603050405020304" pitchFamily="18" charset="0"/>
-            </a:endParaRPr>
-          </a:p>
-          <a:p>
-            <a:pPr marL="571500" indent="-342900">
-              <a:lnSpc>
-                <a:spcPct val="100000"/>
-              </a:lnSpc>
-            </a:pPr>
-            <a:r>
-              <a:rPr lang="ru-RU" sz="2200" dirty="0">
-                <a:latin typeface="Times New Roman" panose="02020603050405020304" pitchFamily="18" charset="0"/>
-                <a:ea typeface="Times New Roman" panose="02020603050405020304" pitchFamily="18" charset="0"/>
-              </a:rPr>
-              <a:t>поддержка последовательности - это отношение числа покупателей, в чьих транзакциях присутствует указанная последовательность к общему числу покупателей.</a:t>
-            </a:r>
-          </a:p>
-          <a:p>
-            <a:pPr indent="0" algn="just">
-              <a:lnSpc>
-                <a:spcPct val="100000"/>
-              </a:lnSpc>
-              <a:buNone/>
-            </a:pPr>
-            <a:r>
-              <a:rPr lang="ru-RU" sz="2200" dirty="0">
-                <a:solidFill>
-                  <a:schemeClr val="tx1">
-                    <a:lumMod val="95000"/>
-                    <a:lumOff val="5000"/>
-                  </a:schemeClr>
-                </a:solidFill>
-                <a:latin typeface="Times New Roman" panose="02020603050405020304" pitchFamily="18" charset="0"/>
-                <a:ea typeface="Times New Roman" panose="02020603050405020304" pitchFamily="18" charset="0"/>
-              </a:rPr>
-              <a:t>В работе алгоритма можно выделить следующие основные этапы:</a:t>
-            </a:r>
-            <a:endParaRPr lang="en-US" sz="2200" dirty="0">
-              <a:solidFill>
-                <a:schemeClr val="tx1">
-                  <a:lumMod val="95000"/>
-                  <a:lumOff val="5000"/>
-                </a:schemeClr>
-              </a:solidFill>
-              <a:latin typeface="Times New Roman" panose="02020603050405020304" pitchFamily="18" charset="0"/>
-              <a:ea typeface="Times New Roman" panose="02020603050405020304" pitchFamily="18" charset="0"/>
-            </a:endParaRPr>
-          </a:p>
-          <a:p>
-            <a:pPr indent="0">
-              <a:lnSpc>
-                <a:spcPct val="100000"/>
-              </a:lnSpc>
-              <a:buNone/>
-            </a:pPr>
-            <a:r>
-              <a:rPr lang="en-US" sz="2200" dirty="0">
-                <a:solidFill>
-                  <a:schemeClr val="tx1">
-                    <a:lumMod val="95000"/>
-                    <a:lumOff val="5000"/>
-                  </a:schemeClr>
-                </a:solidFill>
-                <a:latin typeface="Times New Roman" panose="02020603050405020304" pitchFamily="18" charset="0"/>
-                <a:cs typeface="Times New Roman" panose="02020603050405020304" pitchFamily="18" charset="0"/>
-              </a:rPr>
-              <a:t>	1. </a:t>
-            </a:r>
-            <a:r>
-              <a:rPr lang="ru-RU" sz="2200" dirty="0">
-                <a:solidFill>
-                  <a:schemeClr val="tx1">
-                    <a:lumMod val="95000"/>
-                    <a:lumOff val="5000"/>
-                  </a:schemeClr>
-                </a:solidFill>
-                <a:latin typeface="Times New Roman" panose="02020603050405020304" pitchFamily="18" charset="0"/>
-                <a:cs typeface="Times New Roman" panose="02020603050405020304" pitchFamily="18" charset="0"/>
-              </a:rPr>
-              <a:t>Генерация кандидатов.</a:t>
-            </a:r>
-            <a:br>
-              <a:rPr lang="en-US" sz="2200" dirty="0">
-                <a:solidFill>
-                  <a:schemeClr val="tx1">
-                    <a:lumMod val="95000"/>
-                    <a:lumOff val="5000"/>
-                  </a:schemeClr>
-                </a:solidFill>
-                <a:latin typeface="Times New Roman" panose="02020603050405020304" pitchFamily="18" charset="0"/>
-                <a:cs typeface="Times New Roman" panose="02020603050405020304" pitchFamily="18" charset="0"/>
-              </a:rPr>
-            </a:br>
-            <a:r>
-              <a:rPr lang="en-US" sz="2200" dirty="0">
-                <a:solidFill>
-                  <a:schemeClr val="tx1">
-                    <a:lumMod val="95000"/>
-                    <a:lumOff val="5000"/>
-                  </a:schemeClr>
-                </a:solidFill>
-                <a:latin typeface="Times New Roman" panose="02020603050405020304" pitchFamily="18" charset="0"/>
-                <a:cs typeface="Times New Roman" panose="02020603050405020304" pitchFamily="18" charset="0"/>
-              </a:rPr>
-              <a:t>	    1.1. </a:t>
-            </a:r>
-            <a:r>
-              <a:rPr lang="ru-RU" sz="2200" dirty="0">
-                <a:solidFill>
-                  <a:schemeClr val="tx1">
-                    <a:lumMod val="95000"/>
-                    <a:lumOff val="5000"/>
-                  </a:schemeClr>
-                </a:solidFill>
-                <a:latin typeface="Times New Roman" panose="02020603050405020304" pitchFamily="18" charset="0"/>
-                <a:cs typeface="Times New Roman" panose="02020603050405020304" pitchFamily="18" charset="0"/>
-              </a:rPr>
-              <a:t>Объединение.</a:t>
-            </a:r>
-            <a:br>
-              <a:rPr lang="en-US" sz="2200" dirty="0">
-                <a:solidFill>
-                  <a:schemeClr val="tx1">
-                    <a:lumMod val="95000"/>
-                    <a:lumOff val="5000"/>
-                  </a:schemeClr>
-                </a:solidFill>
-                <a:latin typeface="Times New Roman" panose="02020603050405020304" pitchFamily="18" charset="0"/>
-                <a:cs typeface="Times New Roman" panose="02020603050405020304" pitchFamily="18" charset="0"/>
-              </a:rPr>
-            </a:br>
-            <a:r>
-              <a:rPr lang="en-US" sz="2200" dirty="0">
-                <a:solidFill>
-                  <a:schemeClr val="tx1">
-                    <a:lumMod val="95000"/>
-                    <a:lumOff val="5000"/>
-                  </a:schemeClr>
-                </a:solidFill>
-                <a:latin typeface="Times New Roman" panose="02020603050405020304" pitchFamily="18" charset="0"/>
-                <a:cs typeface="Times New Roman" panose="02020603050405020304" pitchFamily="18" charset="0"/>
-              </a:rPr>
-              <a:t>	    1.2. </a:t>
-            </a:r>
-            <a:r>
-              <a:rPr lang="ru-RU" sz="2200" dirty="0">
-                <a:solidFill>
-                  <a:schemeClr val="tx1">
-                    <a:lumMod val="95000"/>
-                    <a:lumOff val="5000"/>
-                  </a:schemeClr>
-                </a:solidFill>
-                <a:latin typeface="Times New Roman" panose="02020603050405020304" pitchFamily="18" charset="0"/>
-                <a:cs typeface="Times New Roman" panose="02020603050405020304" pitchFamily="18" charset="0"/>
-              </a:rPr>
-              <a:t>Упрощение.</a:t>
-            </a:r>
-            <a:br>
-              <a:rPr lang="en-US" sz="2200" dirty="0">
-                <a:solidFill>
-                  <a:schemeClr val="tx1">
-                    <a:lumMod val="95000"/>
-                    <a:lumOff val="5000"/>
-                  </a:schemeClr>
-                </a:solidFill>
-                <a:latin typeface="Times New Roman" panose="02020603050405020304" pitchFamily="18" charset="0"/>
-                <a:cs typeface="Times New Roman" panose="02020603050405020304" pitchFamily="18" charset="0"/>
-              </a:rPr>
-            </a:br>
-            <a:r>
-              <a:rPr lang="en-US" sz="2200" dirty="0">
-                <a:solidFill>
-                  <a:schemeClr val="tx1">
-                    <a:lumMod val="95000"/>
-                    <a:lumOff val="5000"/>
-                  </a:schemeClr>
-                </a:solidFill>
-                <a:latin typeface="Times New Roman" panose="02020603050405020304" pitchFamily="18" charset="0"/>
-                <a:cs typeface="Times New Roman" panose="02020603050405020304" pitchFamily="18" charset="0"/>
-              </a:rPr>
-              <a:t>	2. </a:t>
-            </a:r>
-            <a:r>
-              <a:rPr lang="ru-RU" sz="2200" dirty="0">
-                <a:solidFill>
-                  <a:schemeClr val="tx1">
-                    <a:lumMod val="95000"/>
-                    <a:lumOff val="5000"/>
-                  </a:schemeClr>
-                </a:solidFill>
-                <a:latin typeface="Times New Roman" panose="02020603050405020304" pitchFamily="18" charset="0"/>
-                <a:cs typeface="Times New Roman" panose="02020603050405020304" pitchFamily="18" charset="0"/>
-              </a:rPr>
-              <a:t>Подсчет поддержки кандидатов.</a:t>
-            </a:r>
-            <a:endParaRPr lang="en-US" sz="2200" dirty="0">
-              <a:solidFill>
-                <a:schemeClr val="tx1">
-                  <a:lumMod val="95000"/>
-                  <a:lumOff val="5000"/>
-                </a:schemeClr>
-              </a:solidFill>
-              <a:latin typeface="Times New Roman" panose="02020603050405020304" pitchFamily="18" charset="0"/>
-              <a:ea typeface="Times New Roman" panose="02020603050405020304" pitchFamily="18" charset="0"/>
-              <a:cs typeface="Times New Roman" panose="02020603050405020304" pitchFamily="18" charset="0"/>
-            </a:endParaRPr>
-          </a:p>
-        </p:txBody>
-      </p:sp>
-    </p:spTree>
-    <p:extLst>
-      <p:ext uri="{BB962C8B-B14F-4D97-AF65-F5344CB8AC3E}">
-        <p14:creationId xmlns:p14="http://schemas.microsoft.com/office/powerpoint/2010/main" val="2834239968"/>
-      </p:ext>
-    </p:extLst>
-  </p:cSld>
-  <p:clrMapOvr>
-    <a:masterClrMapping/>
-  </p:clrMapOvr>
-</p:sld>
-</file>
-
-<file path=ppt/slides/slide9.xml><?xml version="1.0" encoding="utf-8"?>
-<p:sld xmlns:a="http://schemas.openxmlformats.org/drawingml/2006/main" xmlns:r="http://schemas.openxmlformats.org/officeDocument/2006/relationships" xmlns:p="http://schemas.openxmlformats.org/presentationml/2006/main">
-  <p:cSld>
-    <p:spTree>
-      <p:nvGrpSpPr>
-        <p:cNvPr id="1" name=""/>
-        <p:cNvGrpSpPr/>
-        <p:nvPr/>
-      </p:nvGrpSpPr>
-      <p:grpSpPr>
-        <a:xfrm>
-          <a:off x="0" y="0"/>
-          <a:ext cx="0" cy="0"/>
-          <a:chOff x="0" y="0"/>
-          <a:chExt cx="0" cy="0"/>
-        </a:xfrm>
-      </p:grpSpPr>
-      <p:sp>
-        <p:nvSpPr>
-          <p:cNvPr id="2" name="Заголовок 1">
-            <a:extLst>
-              <a:ext uri="{FF2B5EF4-FFF2-40B4-BE49-F238E27FC236}">
-                <a16:creationId xmlns:a16="http://schemas.microsoft.com/office/drawing/2014/main" id="{1802D59D-6A83-151A-EEA2-678960399BE4}"/>
-              </a:ext>
-            </a:extLst>
-          </p:cNvPr>
-          <p:cNvSpPr>
-            <a:spLocks noGrp="1"/>
-          </p:cNvSpPr>
-          <p:nvPr>
-            <p:ph type="title"/>
-          </p:nvPr>
-        </p:nvSpPr>
-        <p:spPr>
-          <a:xfrm>
-            <a:off x="428016" y="-72232"/>
-            <a:ext cx="11763983" cy="1325563"/>
-          </a:xfrm>
-        </p:spPr>
-        <p:txBody>
-          <a:bodyPr>
-            <a:normAutofit/>
-          </a:bodyPr>
-          <a:lstStyle/>
-          <a:p>
-            <a:r>
-              <a:rPr lang="ru-RU" sz="4000" b="1" dirty="0"/>
-              <a:t>Пример работы алгоритма </a:t>
-            </a:r>
-            <a:r>
-              <a:rPr lang="en-US" sz="4000" b="1" dirty="0"/>
-              <a:t>GSP</a:t>
-            </a:r>
-            <a:endParaRPr lang="ru-RU" sz="4000" b="1" dirty="0"/>
-          </a:p>
-        </p:txBody>
-      </p:sp>
-      <p:sp>
-        <p:nvSpPr>
-          <p:cNvPr id="4" name="Номер слайда 3">
-            <a:extLst>
-              <a:ext uri="{FF2B5EF4-FFF2-40B4-BE49-F238E27FC236}">
-                <a16:creationId xmlns:a16="http://schemas.microsoft.com/office/drawing/2014/main" id="{80FEEFAF-0D6B-464C-7360-370FF23083CC}"/>
-              </a:ext>
-            </a:extLst>
-          </p:cNvPr>
-          <p:cNvSpPr>
-            <a:spLocks noGrp="1"/>
-          </p:cNvSpPr>
-          <p:nvPr>
-            <p:ph type="sldNum" sz="quarter" idx="12"/>
-          </p:nvPr>
-        </p:nvSpPr>
-        <p:spPr/>
-        <p:txBody>
-          <a:bodyPr/>
-          <a:lstStyle/>
-          <a:p>
-            <a:fld id="{E83D2FD5-BBDA-43D0-B172-791327EA2B6A}" type="slidenum">
-              <a:rPr lang="ru-RU" smtClean="0"/>
-              <a:t>9</a:t>
             </a:fld>
             <a:endParaRPr lang="ru-RU" dirty="0"/>
           </a:p>
@@ -13085,6 +12665,217 @@
     <p:extLst>
       <p:ext uri="{BB962C8B-B14F-4D97-AF65-F5344CB8AC3E}">
         <p14:creationId xmlns:p14="http://schemas.microsoft.com/office/powerpoint/2010/main" val="1392975261"/>
+      </p:ext>
+    </p:extLst>
+  </p:cSld>
+  <p:clrMapOvr>
+    <a:masterClrMapping/>
+  </p:clrMapOvr>
+</p:sld>
+</file>
+
+<file path=ppt/slides/slide9.xml><?xml version="1.0" encoding="utf-8"?>
+<p:sld xmlns:a="http://schemas.openxmlformats.org/drawingml/2006/main" xmlns:r="http://schemas.openxmlformats.org/officeDocument/2006/relationships" xmlns:p="http://schemas.openxmlformats.org/presentationml/2006/main">
+  <p:cSld>
+    <p:spTree>
+      <p:nvGrpSpPr>
+        <p:cNvPr id="1" name=""/>
+        <p:cNvGrpSpPr/>
+        <p:nvPr/>
+      </p:nvGrpSpPr>
+      <p:grpSpPr>
+        <a:xfrm>
+          <a:off x="0" y="0"/>
+          <a:ext cx="0" cy="0"/>
+          <a:chOff x="0" y="0"/>
+          <a:chExt cx="0" cy="0"/>
+        </a:xfrm>
+      </p:grpSpPr>
+      <p:sp>
+        <p:nvSpPr>
+          <p:cNvPr id="2" name="Заголовок 1">
+            <a:extLst>
+              <a:ext uri="{FF2B5EF4-FFF2-40B4-BE49-F238E27FC236}">
+                <a16:creationId xmlns:a16="http://schemas.microsoft.com/office/drawing/2014/main" id="{1802D59D-6A83-151A-EEA2-678960399BE4}"/>
+              </a:ext>
+            </a:extLst>
+          </p:cNvPr>
+          <p:cNvSpPr>
+            <a:spLocks noGrp="1"/>
+          </p:cNvSpPr>
+          <p:nvPr>
+            <p:ph type="title"/>
+          </p:nvPr>
+        </p:nvSpPr>
+        <p:spPr>
+          <a:xfrm>
+            <a:off x="428017" y="-72232"/>
+            <a:ext cx="10515600" cy="1325563"/>
+          </a:xfrm>
+        </p:spPr>
+        <p:txBody>
+          <a:bodyPr>
+            <a:normAutofit/>
+          </a:bodyPr>
+          <a:lstStyle/>
+          <a:p>
+            <a:r>
+              <a:rPr lang="ru-RU" sz="4000" b="1" dirty="0"/>
+              <a:t>Метод оценки эффективности интерфейса GOMS</a:t>
+            </a:r>
+          </a:p>
+        </p:txBody>
+      </p:sp>
+      <p:sp>
+        <p:nvSpPr>
+          <p:cNvPr id="3" name="Объект 2">
+            <a:extLst>
+              <a:ext uri="{FF2B5EF4-FFF2-40B4-BE49-F238E27FC236}">
+                <a16:creationId xmlns:a16="http://schemas.microsoft.com/office/drawing/2014/main" id="{68541323-2632-074C-E69F-FC80AB230174}"/>
+              </a:ext>
+            </a:extLst>
+          </p:cNvPr>
+          <p:cNvSpPr>
+            <a:spLocks noGrp="1"/>
+          </p:cNvSpPr>
+          <p:nvPr>
+            <p:ph idx="1"/>
+          </p:nvPr>
+        </p:nvSpPr>
+        <p:spPr>
+          <a:xfrm>
+            <a:off x="428017" y="1253331"/>
+            <a:ext cx="11182378" cy="5168894"/>
+          </a:xfrm>
+        </p:spPr>
+        <p:txBody>
+          <a:bodyPr>
+            <a:noAutofit/>
+          </a:bodyPr>
+          <a:lstStyle/>
+          <a:p>
+            <a:r>
+              <a:rPr lang="ru-RU" sz="2200" dirty="0">
+                <a:latin typeface="Times New Roman" panose="02020603050405020304" pitchFamily="18" charset="0"/>
+                <a:cs typeface="Times New Roman" panose="02020603050405020304" pitchFamily="18" charset="0"/>
+              </a:rPr>
+              <a:t>включает в себя модель </a:t>
+            </a:r>
+            <a:r>
+              <a:rPr lang="en-US" sz="2200" dirty="0">
+                <a:latin typeface="Times New Roman" panose="02020603050405020304" pitchFamily="18" charset="0"/>
+                <a:cs typeface="Times New Roman" panose="02020603050405020304" pitchFamily="18" charset="0"/>
+              </a:rPr>
+              <a:t>Keystroke-level Model (KLM)</a:t>
+            </a:r>
+            <a:endParaRPr lang="ru-RU" sz="2200" dirty="0">
+              <a:latin typeface="Times New Roman" panose="02020603050405020304" pitchFamily="18" charset="0"/>
+              <a:cs typeface="Times New Roman" panose="02020603050405020304" pitchFamily="18" charset="0"/>
+            </a:endParaRPr>
+          </a:p>
+          <a:p>
+            <a:r>
+              <a:rPr lang="en-US" sz="2200" dirty="0">
+                <a:latin typeface="Times New Roman" panose="02020603050405020304" pitchFamily="18" charset="0"/>
+                <a:cs typeface="Times New Roman" panose="02020603050405020304" pitchFamily="18" charset="0"/>
+              </a:rPr>
+              <a:t>KLM </a:t>
+            </a:r>
+            <a:r>
+              <a:rPr lang="ru-RU" sz="2200" dirty="0">
+                <a:latin typeface="Times New Roman" panose="02020603050405020304" pitchFamily="18" charset="0"/>
+                <a:cs typeface="Times New Roman" panose="02020603050405020304" pitchFamily="18" charset="0"/>
+              </a:rPr>
+              <a:t>выделяет элементарные задачи и длительность каждой из них (рассчитанные на основе усредненных данных лабораторных испытаний). Например</a:t>
+            </a:r>
+            <a:r>
+              <a:rPr lang="en-US" sz="2200" dirty="0">
+                <a:latin typeface="Times New Roman" panose="02020603050405020304" pitchFamily="18" charset="0"/>
+                <a:cs typeface="Times New Roman" panose="02020603050405020304" pitchFamily="18" charset="0"/>
+              </a:rPr>
+              <a:t>,</a:t>
+            </a:r>
+            <a:r>
+              <a:rPr lang="ru-RU" sz="2200" dirty="0">
+                <a:latin typeface="Times New Roman" panose="02020603050405020304" pitchFamily="18" charset="0"/>
+                <a:cs typeface="Times New Roman" panose="02020603050405020304" pitchFamily="18" charset="0"/>
+              </a:rPr>
+              <a:t> P – указание курсором мыши на объект</a:t>
+            </a:r>
+            <a:r>
+              <a:rPr lang="en-US" sz="2200" dirty="0">
+                <a:latin typeface="Times New Roman" panose="02020603050405020304" pitchFamily="18" charset="0"/>
+                <a:cs typeface="Times New Roman" panose="02020603050405020304" pitchFamily="18" charset="0"/>
+              </a:rPr>
+              <a:t> </a:t>
+            </a:r>
+            <a:r>
+              <a:rPr lang="ru-RU" sz="2200" dirty="0">
+                <a:latin typeface="Times New Roman" panose="02020603050405020304" pitchFamily="18" charset="0"/>
+                <a:cs typeface="Times New Roman" panose="02020603050405020304" pitchFamily="18" charset="0"/>
+              </a:rPr>
+              <a:t>–</a:t>
+            </a:r>
+            <a:r>
+              <a:rPr lang="en-US" sz="2200" dirty="0">
+                <a:latin typeface="Times New Roman" panose="02020603050405020304" pitchFamily="18" charset="0"/>
+                <a:cs typeface="Times New Roman" panose="02020603050405020304" pitchFamily="18" charset="0"/>
+              </a:rPr>
+              <a:t> </a:t>
+            </a:r>
+            <a:r>
+              <a:rPr lang="ru-RU" sz="2200" dirty="0">
+                <a:latin typeface="Times New Roman" panose="02020603050405020304" pitchFamily="18" charset="0"/>
+                <a:cs typeface="Times New Roman" panose="02020603050405020304" pitchFamily="18" charset="0"/>
+              </a:rPr>
+              <a:t>1.1 сек. и B – нажатие или отпускание мыши – 0.1 сек.</a:t>
+            </a:r>
+          </a:p>
+          <a:p>
+            <a:r>
+              <a:rPr lang="ru-RU" sz="2200" dirty="0">
+                <a:latin typeface="Times New Roman" panose="02020603050405020304" pitchFamily="18" charset="0"/>
+                <a:ea typeface="Times New Roman" panose="02020603050405020304" pitchFamily="18" charset="0"/>
+                <a:cs typeface="Times New Roman" panose="02020603050405020304" pitchFamily="18" charset="0"/>
+              </a:rPr>
+              <a:t>оценка времени на решение задачи сводится к сложению продолжительностей каждой из простейших составляющих. Например, задача, состоящая из классов 〈P, P, B〉, потребует для завершения 2.3 сек. (1.1 сек. + 1.1 сек. + 0.1 сек.).</a:t>
+            </a:r>
+          </a:p>
+        </p:txBody>
+      </p:sp>
+      <p:sp>
+        <p:nvSpPr>
+          <p:cNvPr id="4" name="Номер слайда 3">
+            <a:extLst>
+              <a:ext uri="{FF2B5EF4-FFF2-40B4-BE49-F238E27FC236}">
+                <a16:creationId xmlns:a16="http://schemas.microsoft.com/office/drawing/2014/main" id="{80FEEFAF-0D6B-464C-7360-370FF23083CC}"/>
+              </a:ext>
+            </a:extLst>
+          </p:cNvPr>
+          <p:cNvSpPr>
+            <a:spLocks noGrp="1"/>
+          </p:cNvSpPr>
+          <p:nvPr>
+            <p:ph type="sldNum" sz="quarter" idx="12"/>
+          </p:nvPr>
+        </p:nvSpPr>
+        <p:spPr/>
+        <p:txBody>
+          <a:bodyPr/>
+          <a:lstStyle/>
+          <a:p>
+            <a:fld id="{E83D2FD5-BBDA-43D0-B172-791327EA2B6A}" type="slidenum">
+              <a:rPr lang="ru-RU" smtClean="0"/>
+              <a:t>9</a:t>
+            </a:fld>
+            <a:endParaRPr lang="ru-RU" dirty="0"/>
+          </a:p>
+        </p:txBody>
+      </p:sp>
+    </p:spTree>
+    <p:extLst>
+      <p:ext uri="{BB962C8B-B14F-4D97-AF65-F5344CB8AC3E}">
+        <p14:creationId xmlns:p14="http://schemas.microsoft.com/office/powerpoint/2010/main" val="95372301"/>
       </p:ext>
     </p:extLst>
   </p:cSld>

--- a/НИР и ВКР/Презентация/ПронинАС_НИР_презентация.pptx
+++ b/НИР и ВКР/Презентация/ПронинАС_НИР_презентация.pptx
@@ -5,21 +5,20 @@
     <p:sldMasterId id="2147483648" r:id="rId1"/>
   </p:sldMasterIdLst>
   <p:notesMasterIdLst>
-    <p:notesMasterId r:id="rId14"/>
+    <p:notesMasterId r:id="rId13"/>
   </p:notesMasterIdLst>
   <p:sldIdLst>
     <p:sldId id="256" r:id="rId2"/>
     <p:sldId id="257" r:id="rId3"/>
     <p:sldId id="292" r:id="rId4"/>
-    <p:sldId id="279" r:id="rId5"/>
-    <p:sldId id="289" r:id="rId6"/>
-    <p:sldId id="291" r:id="rId7"/>
-    <p:sldId id="286" r:id="rId8"/>
-    <p:sldId id="290" r:id="rId9"/>
-    <p:sldId id="284" r:id="rId10"/>
-    <p:sldId id="281" r:id="rId11"/>
-    <p:sldId id="282" r:id="rId12"/>
-    <p:sldId id="266" r:id="rId13"/>
+    <p:sldId id="289" r:id="rId5"/>
+    <p:sldId id="291" r:id="rId6"/>
+    <p:sldId id="286" r:id="rId7"/>
+    <p:sldId id="290" r:id="rId8"/>
+    <p:sldId id="284" r:id="rId9"/>
+    <p:sldId id="281" r:id="rId10"/>
+    <p:sldId id="282" r:id="rId11"/>
+    <p:sldId id="266" r:id="rId12"/>
   </p:sldIdLst>
   <p:sldSz cx="12192000" cy="6858000"/>
   <p:notesSz cx="6858000" cy="9144000"/>
@@ -208,7 +207,7 @@
           <a:p>
             <a:fld id="{A1FA72BB-6139-4A02-8082-35B9C9D89E0C}" type="datetimeFigureOut">
               <a:rPr lang="ru-RU" smtClean="0"/>
-              <a:t>17.01.2023</a:t>
+              <a:t>18.01.2023</a:t>
             </a:fld>
             <a:endParaRPr lang="ru-RU"/>
           </a:p>
@@ -540,7 +539,7 @@
           <a:p>
             <a:fld id="{E3BF92F7-6176-4844-94CE-FF1FD83770F1}" type="slidenum">
               <a:rPr lang="ru-RU" smtClean="0"/>
-              <a:t>9</a:t>
+              <a:t>8</a:t>
             </a:fld>
             <a:endParaRPr lang="ru-RU"/>
           </a:p>
@@ -624,7 +623,7 @@
           <a:p>
             <a:fld id="{E3BF92F7-6176-4844-94CE-FF1FD83770F1}" type="slidenum">
               <a:rPr lang="ru-RU" smtClean="0"/>
-              <a:t>12</a:t>
+              <a:t>11</a:t>
             </a:fld>
             <a:endParaRPr lang="ru-RU"/>
           </a:p>
@@ -790,7 +789,7 @@
           <a:p>
             <a:fld id="{D006F585-C031-4F3D-8109-2C1271EAF95C}" type="datetime1">
               <a:rPr lang="ru-RU" smtClean="0"/>
-              <a:t>17.01.2023</a:t>
+              <a:t>18.01.2023</a:t>
             </a:fld>
             <a:endParaRPr lang="ru-RU"/>
           </a:p>
@@ -988,7 +987,7 @@
           <a:p>
             <a:fld id="{863B978C-907D-410C-AC33-C70FB0065AB1}" type="datetime1">
               <a:rPr lang="ru-RU" smtClean="0"/>
-              <a:t>17.01.2023</a:t>
+              <a:t>18.01.2023</a:t>
             </a:fld>
             <a:endParaRPr lang="ru-RU"/>
           </a:p>
@@ -1196,7 +1195,7 @@
           <a:p>
             <a:fld id="{7370F86F-261F-4C2A-B7CA-06D91EEBB15B}" type="datetime1">
               <a:rPr lang="ru-RU" smtClean="0"/>
-              <a:t>17.01.2023</a:t>
+              <a:t>18.01.2023</a:t>
             </a:fld>
             <a:endParaRPr lang="ru-RU"/>
           </a:p>
@@ -1394,7 +1393,7 @@
           <a:p>
             <a:fld id="{AFEE3786-D129-4BD2-B6F3-55FC5BC12532}" type="datetime1">
               <a:rPr lang="ru-RU" smtClean="0"/>
-              <a:t>17.01.2023</a:t>
+              <a:t>18.01.2023</a:t>
             </a:fld>
             <a:endParaRPr lang="ru-RU"/>
           </a:p>
@@ -1669,7 +1668,7 @@
           <a:p>
             <a:fld id="{C9466CFB-2389-4A9C-AD12-8B6FB05D3E41}" type="datetime1">
               <a:rPr lang="ru-RU" smtClean="0"/>
-              <a:t>17.01.2023</a:t>
+              <a:t>18.01.2023</a:t>
             </a:fld>
             <a:endParaRPr lang="ru-RU"/>
           </a:p>
@@ -1934,7 +1933,7 @@
           <a:p>
             <a:fld id="{6E930FF5-4E67-4BB3-A0D6-D5DBBB9A8A64}" type="datetime1">
               <a:rPr lang="ru-RU" smtClean="0"/>
-              <a:t>17.01.2023</a:t>
+              <a:t>18.01.2023</a:t>
             </a:fld>
             <a:endParaRPr lang="ru-RU"/>
           </a:p>
@@ -2346,7 +2345,7 @@
           <a:p>
             <a:fld id="{1F915F62-A180-4781-87B2-C363CCD39E80}" type="datetime1">
               <a:rPr lang="ru-RU" smtClean="0"/>
-              <a:t>17.01.2023</a:t>
+              <a:t>18.01.2023</a:t>
             </a:fld>
             <a:endParaRPr lang="ru-RU"/>
           </a:p>
@@ -2487,7 +2486,7 @@
           <a:p>
             <a:fld id="{67FD249C-BC1A-4A70-A502-0DCD1E4E82B3}" type="datetime1">
               <a:rPr lang="ru-RU" smtClean="0"/>
-              <a:t>17.01.2023</a:t>
+              <a:t>18.01.2023</a:t>
             </a:fld>
             <a:endParaRPr lang="ru-RU"/>
           </a:p>
@@ -2600,7 +2599,7 @@
           <a:p>
             <a:fld id="{45D5B91C-A2D9-4813-A97B-31FA3A6207FE}" type="datetime1">
               <a:rPr lang="ru-RU" smtClean="0"/>
-              <a:t>17.01.2023</a:t>
+              <a:t>18.01.2023</a:t>
             </a:fld>
             <a:endParaRPr lang="ru-RU"/>
           </a:p>
@@ -2911,7 +2910,7 @@
           <a:p>
             <a:fld id="{BD9E5343-4C2F-4429-B1C5-87457F54369C}" type="datetime1">
               <a:rPr lang="ru-RU" smtClean="0"/>
-              <a:t>17.01.2023</a:t>
+              <a:t>18.01.2023</a:t>
             </a:fld>
             <a:endParaRPr lang="ru-RU"/>
           </a:p>
@@ -3199,7 +3198,7 @@
           <a:p>
             <a:fld id="{802D0396-A548-40ED-918D-A78893C27574}" type="datetime1">
               <a:rPr lang="ru-RU" smtClean="0"/>
-              <a:t>17.01.2023</a:t>
+              <a:t>18.01.2023</a:t>
             </a:fld>
             <a:endParaRPr lang="ru-RU"/>
           </a:p>
@@ -3440,7 +3439,7 @@
           <a:p>
             <a:fld id="{3ECCE158-C433-4D4B-A18E-F373B1318AC3}" type="datetime1">
               <a:rPr lang="ru-RU" smtClean="0"/>
-              <a:t>17.01.2023</a:t>
+              <a:t>18.01.2023</a:t>
             </a:fld>
             <a:endParaRPr lang="ru-RU"/>
           </a:p>
@@ -4268,92 +4267,7 @@
           <a:p>
             <a:r>
               <a:rPr lang="ru-RU" sz="4000" b="1" dirty="0"/>
-              <a:t>Классификация</a:t>
-            </a:r>
-          </a:p>
-        </p:txBody>
-      </p:sp>
-      <p:sp>
-        <p:nvSpPr>
-          <p:cNvPr id="3" name="Объект 2">
-            <a:extLst>
-              <a:ext uri="{FF2B5EF4-FFF2-40B4-BE49-F238E27FC236}">
-                <a16:creationId xmlns:a16="http://schemas.microsoft.com/office/drawing/2014/main" id="{68541323-2632-074C-E69F-FC80AB230174}"/>
-              </a:ext>
-            </a:extLst>
-          </p:cNvPr>
-          <p:cNvSpPr>
-            <a:spLocks noGrp="1"/>
-          </p:cNvSpPr>
-          <p:nvPr>
-            <p:ph idx="1"/>
-          </p:nvPr>
-        </p:nvSpPr>
-        <p:spPr>
-          <a:xfrm>
-            <a:off x="428017" y="1253331"/>
-            <a:ext cx="11182378" cy="5168894"/>
-          </a:xfrm>
-        </p:spPr>
-        <p:txBody>
-          <a:bodyPr>
-            <a:noAutofit/>
-          </a:bodyPr>
-          <a:lstStyle/>
-          <a:p>
-            <a:pPr marL="571500" indent="-342900" algn="just">
-              <a:lnSpc>
-                <a:spcPct val="100000"/>
-              </a:lnSpc>
-            </a:pPr>
-            <a:r>
-              <a:rPr lang="ru-RU" sz="2200" dirty="0">
-                <a:latin typeface="Times New Roman" panose="02020603050405020304" pitchFamily="18" charset="0"/>
-                <a:ea typeface="Times New Roman" panose="02020603050405020304" pitchFamily="18" charset="0"/>
-              </a:rPr>
-              <a:t>поиск ассоциативных правил;</a:t>
-            </a:r>
-          </a:p>
-          <a:p>
-            <a:pPr marL="571500" indent="-342900" algn="just">
-              <a:lnSpc>
-                <a:spcPct val="100000"/>
-              </a:lnSpc>
-            </a:pPr>
-            <a:r>
-              <a:rPr lang="ru-RU" sz="2200" dirty="0">
-                <a:latin typeface="Times New Roman" panose="02020603050405020304" pitchFamily="18" charset="0"/>
-                <a:ea typeface="Times New Roman" panose="02020603050405020304" pitchFamily="18" charset="0"/>
-              </a:rPr>
-              <a:t>поиск последовательных шаблонов;</a:t>
-            </a:r>
-          </a:p>
-          <a:p>
-            <a:pPr marL="571500" indent="-342900" algn="just">
-              <a:lnSpc>
-                <a:spcPct val="100000"/>
-              </a:lnSpc>
-            </a:pPr>
-            <a:r>
-              <a:rPr lang="ru-RU" sz="2200" dirty="0">
-                <a:latin typeface="Times New Roman" panose="02020603050405020304" pitchFamily="18" charset="0"/>
-                <a:ea typeface="Times New Roman" panose="02020603050405020304" pitchFamily="18" charset="0"/>
-              </a:rPr>
-              <a:t>сбор и анализ временных характеристик выполнения пользователем действий и промежутков между ними;</a:t>
-            </a:r>
-          </a:p>
-          <a:p>
-            <a:pPr marL="571500" indent="-342900" algn="just">
-              <a:lnSpc>
-                <a:spcPct val="100000"/>
-              </a:lnSpc>
-            </a:pPr>
-            <a:r>
-              <a:rPr lang="ru-RU" sz="2200" dirty="0">
-                <a:latin typeface="Times New Roman" panose="02020603050405020304" pitchFamily="18" charset="0"/>
-                <a:ea typeface="Times New Roman" panose="02020603050405020304" pitchFamily="18" charset="0"/>
-              </a:rPr>
-              <a:t>вычисление уровней поддержки шаблонов поведения пользователя.</a:t>
+              <a:t>Сравнение методов</a:t>
             </a:r>
           </a:p>
         </p:txBody>
@@ -4387,10 +4301,40 @@
           </a:p>
         </p:txBody>
       </p:sp>
+      <p:pic>
+        <p:nvPicPr>
+          <p:cNvPr id="5" name="Рисунок 4">
+            <a:extLst>
+              <a:ext uri="{FF2B5EF4-FFF2-40B4-BE49-F238E27FC236}">
+                <a16:creationId xmlns:a16="http://schemas.microsoft.com/office/drawing/2014/main" id="{19C3551D-14D2-4A2C-A7C6-390C77ABE353}"/>
+              </a:ext>
+            </a:extLst>
+          </p:cNvPr>
+          <p:cNvPicPr>
+            <a:picLocks noChangeAspect="1"/>
+          </p:cNvPicPr>
+          <p:nvPr/>
+        </p:nvPicPr>
+        <p:blipFill>
+          <a:blip r:embed="rId2"/>
+          <a:stretch>
+            <a:fillRect/>
+          </a:stretch>
+        </p:blipFill>
+        <p:spPr>
+          <a:xfrm>
+            <a:off x="2300476" y="1011775"/>
+            <a:ext cx="6942131" cy="5586131"/>
+          </a:xfrm>
+          <a:prstGeom prst="rect">
+            <a:avLst/>
+          </a:prstGeom>
+        </p:spPr>
+      </p:pic>
     </p:spTree>
     <p:extLst>
       <p:ext uri="{BB962C8B-B14F-4D97-AF65-F5344CB8AC3E}">
-        <p14:creationId xmlns:p14="http://schemas.microsoft.com/office/powerpoint/2010/main" val="2176375297"/>
+        <p14:creationId xmlns:p14="http://schemas.microsoft.com/office/powerpoint/2010/main" val="649740196"/>
       </p:ext>
     </p:extLst>
   </p:cSld>
@@ -4447,130 +4391,6 @@
           <a:p>
             <a:r>
               <a:rPr lang="ru-RU" sz="4000" b="1" dirty="0"/>
-              <a:t>Сравнение методов</a:t>
-            </a:r>
-          </a:p>
-        </p:txBody>
-      </p:sp>
-      <p:sp>
-        <p:nvSpPr>
-          <p:cNvPr id="4" name="Номер слайда 3">
-            <a:extLst>
-              <a:ext uri="{FF2B5EF4-FFF2-40B4-BE49-F238E27FC236}">
-                <a16:creationId xmlns:a16="http://schemas.microsoft.com/office/drawing/2014/main" id="{80FEEFAF-0D6B-464C-7360-370FF23083CC}"/>
-              </a:ext>
-            </a:extLst>
-          </p:cNvPr>
-          <p:cNvSpPr>
-            <a:spLocks noGrp="1"/>
-          </p:cNvSpPr>
-          <p:nvPr>
-            <p:ph type="sldNum" sz="quarter" idx="12"/>
-          </p:nvPr>
-        </p:nvSpPr>
-        <p:spPr/>
-        <p:txBody>
-          <a:bodyPr/>
-          <a:lstStyle/>
-          <a:p>
-            <a:fld id="{E83D2FD5-BBDA-43D0-B172-791327EA2B6A}" type="slidenum">
-              <a:rPr lang="ru-RU" smtClean="0"/>
-              <a:t>11</a:t>
-            </a:fld>
-            <a:endParaRPr lang="ru-RU" dirty="0"/>
-          </a:p>
-        </p:txBody>
-      </p:sp>
-      <p:pic>
-        <p:nvPicPr>
-          <p:cNvPr id="6" name="Рисунок 5">
-            <a:extLst>
-              <a:ext uri="{FF2B5EF4-FFF2-40B4-BE49-F238E27FC236}">
-                <a16:creationId xmlns:a16="http://schemas.microsoft.com/office/drawing/2014/main" id="{35A70FED-7A83-44C0-8483-844878DCC4DB}"/>
-              </a:ext>
-            </a:extLst>
-          </p:cNvPr>
-          <p:cNvPicPr>
-            <a:picLocks noChangeAspect="1"/>
-          </p:cNvPicPr>
-          <p:nvPr/>
-        </p:nvPicPr>
-        <p:blipFill>
-          <a:blip r:embed="rId2"/>
-          <a:stretch>
-            <a:fillRect/>
-          </a:stretch>
-        </p:blipFill>
-        <p:spPr>
-          <a:xfrm>
-            <a:off x="2464755" y="1119981"/>
-            <a:ext cx="7262489" cy="5090601"/>
-          </a:xfrm>
-          <a:prstGeom prst="rect">
-            <a:avLst/>
-          </a:prstGeom>
-        </p:spPr>
-      </p:pic>
-    </p:spTree>
-    <p:extLst>
-      <p:ext uri="{BB962C8B-B14F-4D97-AF65-F5344CB8AC3E}">
-        <p14:creationId xmlns:p14="http://schemas.microsoft.com/office/powerpoint/2010/main" val="649740196"/>
-      </p:ext>
-    </p:extLst>
-  </p:cSld>
-  <p:clrMapOvr>
-    <a:masterClrMapping/>
-  </p:clrMapOvr>
-</p:sld>
-</file>
-
-<file path=ppt/slides/slide12.xml><?xml version="1.0" encoding="utf-8"?>
-<p:sld xmlns:a="http://schemas.openxmlformats.org/drawingml/2006/main" xmlns:r="http://schemas.openxmlformats.org/officeDocument/2006/relationships" xmlns:p="http://schemas.openxmlformats.org/presentationml/2006/main">
-  <p:cSld>
-    <p:spTree>
-      <p:nvGrpSpPr>
-        <p:cNvPr id="1" name=""/>
-        <p:cNvGrpSpPr/>
-        <p:nvPr/>
-      </p:nvGrpSpPr>
-      <p:grpSpPr>
-        <a:xfrm>
-          <a:off x="0" y="0"/>
-          <a:ext cx="0" cy="0"/>
-          <a:chOff x="0" y="0"/>
-          <a:chExt cx="0" cy="0"/>
-        </a:xfrm>
-      </p:grpSpPr>
-      <p:sp>
-        <p:nvSpPr>
-          <p:cNvPr id="2" name="Заголовок 1">
-            <a:extLst>
-              <a:ext uri="{FF2B5EF4-FFF2-40B4-BE49-F238E27FC236}">
-                <a16:creationId xmlns:a16="http://schemas.microsoft.com/office/drawing/2014/main" id="{1802D59D-6A83-151A-EEA2-678960399BE4}"/>
-              </a:ext>
-            </a:extLst>
-          </p:cNvPr>
-          <p:cNvSpPr>
-            <a:spLocks noGrp="1"/>
-          </p:cNvSpPr>
-          <p:nvPr>
-            <p:ph type="title"/>
-          </p:nvPr>
-        </p:nvSpPr>
-        <p:spPr>
-          <a:xfrm>
-            <a:off x="428017" y="-72232"/>
-            <a:ext cx="10515600" cy="1325563"/>
-          </a:xfrm>
-        </p:spPr>
-        <p:txBody>
-          <a:bodyPr>
-            <a:normAutofit/>
-          </a:bodyPr>
-          <a:lstStyle/>
-          <a:p>
-            <a:r>
-              <a:rPr lang="ru-RU" sz="4000" b="1" dirty="0"/>
               <a:t>Заключение</a:t>
             </a:r>
           </a:p>
@@ -4599,7 +4419,7 @@
           <a:p>
             <a:fld id="{E83D2FD5-BBDA-43D0-B172-791327EA2B6A}" type="slidenum">
               <a:rPr lang="ru-RU" smtClean="0"/>
-              <a:t>12</a:t>
+              <a:t>11</a:t>
             </a:fld>
             <a:endParaRPr lang="ru-RU" dirty="0"/>
           </a:p>
@@ -4607,69 +4427,106 @@
       </p:sp>
       <p:sp>
         <p:nvSpPr>
-          <p:cNvPr id="6" name="TextBox 5">
+          <p:cNvPr id="5" name="Объект 2">
             <a:extLst>
               <a:ext uri="{FF2B5EF4-FFF2-40B4-BE49-F238E27FC236}">
-                <a16:creationId xmlns:a16="http://schemas.microsoft.com/office/drawing/2014/main" id="{2D470598-F431-7236-E773-E52438A47E25}"/>
+                <a16:creationId xmlns:a16="http://schemas.microsoft.com/office/drawing/2014/main" id="{02C33000-B0B7-4509-AD8C-600B0EFAA229}"/>
               </a:ext>
             </a:extLst>
           </p:cNvPr>
-          <p:cNvSpPr txBox="1"/>
-          <p:nvPr/>
+          <p:cNvSpPr>
+            <a:spLocks noGrp="1"/>
+          </p:cNvSpPr>
+          <p:nvPr>
+            <p:ph idx="1"/>
+          </p:nvPr>
         </p:nvSpPr>
         <p:spPr>
           <a:xfrm>
             <a:off x="428017" y="1253331"/>
-            <a:ext cx="11342075" cy="3586366"/>
+            <a:ext cx="11182378" cy="5168894"/>
           </a:xfrm>
-          <a:prstGeom prst="rect">
-            <a:avLst/>
-          </a:prstGeom>
-          <a:noFill/>
         </p:spPr>
         <p:txBody>
-          <a:bodyPr wrap="square">
-            <a:spAutoFit/>
+          <a:bodyPr>
+            <a:noAutofit/>
           </a:bodyPr>
           <a:lstStyle/>
           <a:p>
-            <a:pPr indent="450215" algn="just">
+            <a:pPr indent="0">
               <a:lnSpc>
-                <a:spcPct val="150000"/>
+                <a:spcPct val="100000"/>
               </a:lnSpc>
+              <a:buNone/>
             </a:pPr>
             <a:r>
-              <a:rPr lang="ru-RU" sz="2200" dirty="0">
+              <a:rPr lang="ru-RU" sz="2600" dirty="0">
+                <a:effectLst/>
                 <a:latin typeface="Times New Roman" panose="02020603050405020304" pitchFamily="18" charset="0"/>
                 <a:ea typeface="Times New Roman" panose="02020603050405020304" pitchFamily="18" charset="0"/>
               </a:rPr>
-              <a:t>По итогу проделанной работы была достигнута цель - проведен обзор существующих методов анализа пользовательской активности, сформулированы критерии для их оценки и проведено сравнение рассмотренных методов.</a:t>
-            </a:r>
-          </a:p>
-          <a:p>
-            <a:pPr indent="450215" algn="just">
+              <a:t>По итогу проделанной работы была достигнута </a:t>
+            </a:r>
+            <a:r>
+              <a:rPr lang="ru-RU" sz="2600" b="1" dirty="0">
+                <a:effectLst/>
+                <a:latin typeface="Times New Roman" panose="02020603050405020304" pitchFamily="18" charset="0"/>
+                <a:ea typeface="Times New Roman" panose="02020603050405020304" pitchFamily="18" charset="0"/>
+              </a:rPr>
+              <a:t>цель</a:t>
+            </a:r>
+            <a:r>
+              <a:rPr lang="ru-RU" sz="2600" dirty="0">
+                <a:effectLst/>
+                <a:latin typeface="Times New Roman" panose="02020603050405020304" pitchFamily="18" charset="0"/>
+                <a:ea typeface="Times New Roman" panose="02020603050405020304" pitchFamily="18" charset="0"/>
+              </a:rPr>
+              <a:t> - проведен обзор существующих методов анализа пользовательской активности, сформулированы критерии для их оценки и проведено сравнение рассмотренных методов.</a:t>
+            </a:r>
+          </a:p>
+          <a:p>
+            <a:pPr indent="0">
               <a:lnSpc>
-                <a:spcPct val="150000"/>
+                <a:spcPct val="100000"/>
               </a:lnSpc>
+              <a:buNone/>
             </a:pPr>
             <a:r>
-              <a:rPr lang="ru-RU" sz="2200" dirty="0">
+              <a:rPr lang="ru-RU" sz="2600" dirty="0">
+                <a:effectLst/>
                 <a:latin typeface="Times New Roman" panose="02020603050405020304" pitchFamily="18" charset="0"/>
                 <a:ea typeface="Times New Roman" panose="02020603050405020304" pitchFamily="18" charset="0"/>
               </a:rPr>
-              <a:t>Также были решены все поставленные задачи, а именно:</a:t>
-            </a:r>
-          </a:p>
-          <a:p>
-            <a:pPr marL="457200" indent="-457200" algn="just">
+              <a:t>Также были решены все поставленные </a:t>
+            </a:r>
+            <a:r>
+              <a:rPr lang="ru-RU" sz="2600" b="1" dirty="0">
+                <a:effectLst/>
+                <a:latin typeface="Times New Roman" panose="02020603050405020304" pitchFamily="18" charset="0"/>
+                <a:ea typeface="Times New Roman" panose="02020603050405020304" pitchFamily="18" charset="0"/>
+              </a:rPr>
+              <a:t>задачи</a:t>
+            </a:r>
+            <a:r>
+              <a:rPr lang="ru-RU" sz="2600" dirty="0">
+                <a:effectLst/>
+                <a:latin typeface="Times New Roman" panose="02020603050405020304" pitchFamily="18" charset="0"/>
+                <a:ea typeface="Times New Roman" panose="02020603050405020304" pitchFamily="18" charset="0"/>
+              </a:rPr>
+              <a:t>, а именно:</a:t>
+            </a:r>
+          </a:p>
+          <a:p>
+            <a:pPr marL="742950" indent="-514350">
               <a:lnSpc>
-                <a:spcPct val="150000"/>
+                <a:spcPct val="100000"/>
               </a:lnSpc>
               <a:buFont typeface="+mj-lt"/>
               <a:buAutoNum type="arabicParenR"/>
             </a:pPr>
             <a:r>
-              <a:rPr lang="ru-RU" sz="2200" dirty="0">
+              <a:rPr lang="ru-RU" sz="2600" dirty="0">
+                <a:effectLst/>
                 <a:latin typeface="Times New Roman" panose="02020603050405020304" pitchFamily="18" charset="0"/>
                 <a:ea typeface="Times New Roman" panose="02020603050405020304" pitchFamily="18" charset="0"/>
               </a:rPr>
@@ -4677,15 +4534,16 @@
             </a:r>
           </a:p>
           <a:p>
-            <a:pPr marL="457200" indent="-457200" algn="just">
+            <a:pPr marL="742950" indent="-514350">
               <a:lnSpc>
-                <a:spcPct val="150000"/>
+                <a:spcPct val="100000"/>
               </a:lnSpc>
               <a:buFont typeface="+mj-lt"/>
               <a:buAutoNum type="arabicParenR"/>
             </a:pPr>
             <a:r>
-              <a:rPr lang="ru-RU" sz="2200" dirty="0">
+              <a:rPr lang="ru-RU" sz="2600" dirty="0">
+                <a:effectLst/>
                 <a:latin typeface="Times New Roman" panose="02020603050405020304" pitchFamily="18" charset="0"/>
                 <a:ea typeface="Times New Roman" panose="02020603050405020304" pitchFamily="18" charset="0"/>
               </a:rPr>
@@ -4693,21 +4551,30 @@
             </a:r>
           </a:p>
           <a:p>
-            <a:pPr marL="457200" indent="-457200" algn="just">
+            <a:pPr marL="742950" indent="-514350">
               <a:lnSpc>
-                <a:spcPct val="150000"/>
+                <a:spcPct val="100000"/>
               </a:lnSpc>
               <a:buFont typeface="+mj-lt"/>
               <a:buAutoNum type="arabicParenR"/>
             </a:pPr>
             <a:r>
-              <a:rPr lang="ru-RU" sz="2200" dirty="0">
+              <a:rPr lang="ru-RU" sz="2600" dirty="0">
+                <a:effectLst/>
                 <a:latin typeface="Times New Roman" panose="02020603050405020304" pitchFamily="18" charset="0"/>
                 <a:ea typeface="Times New Roman" panose="02020603050405020304" pitchFamily="18" charset="0"/>
               </a:rPr>
               <a:t>выбраны критерии для их оценки и проведено сравнение.</a:t>
             </a:r>
-            <a:endParaRPr lang="ru-RU" sz="2200" dirty="0">
+          </a:p>
+          <a:p>
+            <a:pPr indent="0">
+              <a:lnSpc>
+                <a:spcPct val="100000"/>
+              </a:lnSpc>
+              <a:buNone/>
+            </a:pPr>
+            <a:endParaRPr lang="ru-RU" sz="2600" dirty="0">
               <a:effectLst/>
               <a:latin typeface="Times New Roman" panose="02020603050405020304" pitchFamily="18" charset="0"/>
               <a:ea typeface="Times New Roman" panose="02020603050405020304" pitchFamily="18" charset="0"/>
@@ -4808,14 +4675,14 @@
           </a:bodyPr>
           <a:lstStyle/>
           <a:p>
-            <a:pPr indent="0" algn="just">
+            <a:pPr indent="0">
               <a:lnSpc>
                 <a:spcPct val="100000"/>
               </a:lnSpc>
               <a:buNone/>
             </a:pPr>
             <a:r>
-              <a:rPr lang="ru-RU" sz="2200" b="1" dirty="0">
+              <a:rPr lang="ru-RU" sz="2600" b="1" dirty="0">
                 <a:effectLst/>
                 <a:latin typeface="Times New Roman" panose="02020603050405020304" pitchFamily="18" charset="0"/>
                 <a:ea typeface="Times New Roman" panose="02020603050405020304" pitchFamily="18" charset="0"/>
@@ -4823,34 +4690,34 @@
               <a:t>Цель: </a:t>
             </a:r>
             <a:r>
-              <a:rPr lang="ru-RU" sz="2200" dirty="0">
+              <a:rPr lang="ru-RU" sz="2600" dirty="0">
                 <a:latin typeface="Times New Roman" panose="02020603050405020304" pitchFamily="18" charset="0"/>
                 <a:ea typeface="Times New Roman" panose="02020603050405020304" pitchFamily="18" charset="0"/>
               </a:rPr>
               <a:t>провести обзор существующих методов анализа пользовательской активности, сформулировать критерии для их оценки и провести сравнение рассмотренных методов.</a:t>
             </a:r>
-            <a:endParaRPr lang="ru-RU" sz="2200" dirty="0">
+            <a:endParaRPr lang="ru-RU" sz="2600" dirty="0">
               <a:effectLst/>
               <a:latin typeface="Times New Roman" panose="02020603050405020304" pitchFamily="18" charset="0"/>
               <a:ea typeface="Times New Roman" panose="02020603050405020304" pitchFamily="18" charset="0"/>
             </a:endParaRPr>
           </a:p>
           <a:p>
-            <a:pPr indent="0" algn="just">
+            <a:pPr indent="0">
               <a:lnSpc>
                 <a:spcPct val="100000"/>
               </a:lnSpc>
               <a:buNone/>
             </a:pPr>
             <a:r>
-              <a:rPr lang="ru-RU" sz="2200" b="1" dirty="0">
+              <a:rPr lang="ru-RU" sz="2600" b="1" dirty="0">
                 <a:latin typeface="Times New Roman" panose="02020603050405020304" pitchFamily="18" charset="0"/>
                 <a:ea typeface="Times New Roman" panose="02020603050405020304" pitchFamily="18" charset="0"/>
               </a:rPr>
               <a:t>Задачи</a:t>
             </a:r>
             <a:r>
-              <a:rPr lang="ru-RU" sz="2200" dirty="0">
+              <a:rPr lang="ru-RU" sz="2600" dirty="0">
                 <a:latin typeface="Times New Roman" panose="02020603050405020304" pitchFamily="18" charset="0"/>
                 <a:ea typeface="Times New Roman" panose="02020603050405020304" pitchFamily="18" charset="0"/>
               </a:rPr>
@@ -4858,7 +4725,7 @@
             </a:r>
           </a:p>
           <a:p>
-            <a:pPr marL="685800" indent="-457200" algn="just">
+            <a:pPr marL="685800" indent="-457200">
               <a:lnSpc>
                 <a:spcPct val="100000"/>
               </a:lnSpc>
@@ -4866,7 +4733,7 @@
               <a:buAutoNum type="arabicParenR"/>
             </a:pPr>
             <a:r>
-              <a:rPr lang="ru-RU" sz="2200" dirty="0">
+              <a:rPr lang="ru-RU" sz="2600" dirty="0">
                 <a:latin typeface="Times New Roman" panose="02020603050405020304" pitchFamily="18" charset="0"/>
                 <a:ea typeface="Times New Roman" panose="02020603050405020304" pitchFamily="18" charset="0"/>
               </a:rPr>
@@ -4874,7 +4741,7 @@
             </a:r>
           </a:p>
           <a:p>
-            <a:pPr marL="685800" indent="-457200" algn="just">
+            <a:pPr marL="685800" indent="-457200">
               <a:lnSpc>
                 <a:spcPct val="100000"/>
               </a:lnSpc>
@@ -4882,7 +4749,7 @@
               <a:buAutoNum type="arabicParenR"/>
             </a:pPr>
             <a:r>
-              <a:rPr lang="ru-RU" sz="2200" dirty="0">
+              <a:rPr lang="ru-RU" sz="2600" dirty="0">
                 <a:latin typeface="Times New Roman" panose="02020603050405020304" pitchFamily="18" charset="0"/>
                 <a:ea typeface="Times New Roman" panose="02020603050405020304" pitchFamily="18" charset="0"/>
               </a:rPr>
@@ -4890,7 +4757,7 @@
             </a:r>
           </a:p>
           <a:p>
-            <a:pPr marL="685800" indent="-457200" algn="just">
+            <a:pPr marL="685800" indent="-457200">
               <a:lnSpc>
                 <a:spcPct val="100000"/>
               </a:lnSpc>
@@ -4898,13 +4765,13 @@
               <a:buAutoNum type="arabicParenR"/>
             </a:pPr>
             <a:r>
-              <a:rPr lang="ru-RU" sz="2200" dirty="0">
+              <a:rPr lang="ru-RU" sz="2600" dirty="0">
                 <a:latin typeface="Times New Roman" panose="02020603050405020304" pitchFamily="18" charset="0"/>
                 <a:ea typeface="Times New Roman" panose="02020603050405020304" pitchFamily="18" charset="0"/>
               </a:rPr>
               <a:t>выбрать для них критерии оценки и сравнить.</a:t>
             </a:r>
-            <a:endParaRPr lang="ru-RU" sz="2200" dirty="0">
+            <a:endParaRPr lang="ru-RU" sz="2600" dirty="0">
               <a:effectLst/>
               <a:latin typeface="Times New Roman" panose="02020603050405020304" pitchFamily="18" charset="0"/>
               <a:ea typeface="Times New Roman" panose="02020603050405020304" pitchFamily="18" charset="0"/>
@@ -5045,11 +4912,11 @@
               <a:buNone/>
             </a:pPr>
             <a:r>
-              <a:rPr lang="ru-RU" sz="2200" dirty="0">
+              <a:rPr lang="ru-RU" sz="2600" dirty="0">
                 <a:latin typeface="Times New Roman" panose="02020603050405020304" pitchFamily="18" charset="0"/>
                 <a:cs typeface="Times New Roman" panose="02020603050405020304" pitchFamily="18" charset="0"/>
               </a:rPr>
-              <a:t>Пользовательская активность это любые действия совершаемые пользователем при взаимодействии с интерфейсом программы (движение курсора мыши, нажатие клавиш мыши, нажатие клавиш клавиатуры и т.д.), и их характеристики (координаты курсора, частота нажатия, используемые клавиши и т.д.).</a:t>
+              <a:t>Пользовательская активность это действия совершаемые пользователем при взаимодействии с интерфейсом программы (движение курсора мыши, нажатие клавиш мыши, нажатие клавиш клавиатуры и т.д.), и их характеристики (координаты курсора, частота нажатия, используемые клавиши и т.д.).</a:t>
             </a:r>
           </a:p>
           <a:p>
@@ -5057,24 +4924,7 @@
               <a:buNone/>
             </a:pPr>
             <a:r>
-              <a:rPr lang="ru-RU" sz="2200" dirty="0">
-                <a:solidFill>
-                  <a:schemeClr val="bg1">
-                    <a:lumMod val="50000"/>
-                  </a:schemeClr>
-                </a:solidFill>
-                <a:latin typeface="Times New Roman" panose="02020603050405020304" pitchFamily="18" charset="0"/>
-                <a:cs typeface="Times New Roman" panose="02020603050405020304" pitchFamily="18" charset="0"/>
-              </a:rPr>
-              <a:t>Пользовательская активность это действия совершаемые пользователем посредством взаимодействия с графическим интерфейсом программы.</a:t>
-            </a:r>
-          </a:p>
-          <a:p>
-            <a:pPr marL="0" indent="0">
-              <a:buNone/>
-            </a:pPr>
-            <a:r>
-              <a:rPr lang="ru-RU" sz="2200" dirty="0">
+              <a:rPr lang="ru-RU" sz="2600" dirty="0">
                 <a:latin typeface="Times New Roman" panose="02020603050405020304" pitchFamily="18" charset="0"/>
                 <a:cs typeface="Times New Roman" panose="02020603050405020304" pitchFamily="18" charset="0"/>
               </a:rPr>
@@ -5087,20 +4937,20 @@
               <a:buAutoNum type="arabicParenR"/>
             </a:pPr>
             <a:r>
-              <a:rPr lang="ru-RU" sz="2200" dirty="0">
+              <a:rPr lang="ru-RU" sz="2600" dirty="0">
                 <a:latin typeface="Times New Roman" panose="02020603050405020304" pitchFamily="18" charset="0"/>
                 <a:cs typeface="Times New Roman" panose="02020603050405020304" pitchFamily="18" charset="0"/>
               </a:rPr>
               <a:t>сбор данных о пользовательской активности</a:t>
             </a:r>
             <a:r>
-              <a:rPr lang="en-US" sz="2200" dirty="0">
+              <a:rPr lang="en-US" sz="2600" dirty="0">
                 <a:latin typeface="Times New Roman" panose="02020603050405020304" pitchFamily="18" charset="0"/>
                 <a:cs typeface="Times New Roman" panose="02020603050405020304" pitchFamily="18" charset="0"/>
               </a:rPr>
               <a:t>;</a:t>
             </a:r>
-            <a:endParaRPr lang="ru-RU" sz="2200" dirty="0">
+            <a:endParaRPr lang="ru-RU" sz="2600" dirty="0">
               <a:latin typeface="Times New Roman" panose="02020603050405020304" pitchFamily="18" charset="0"/>
               <a:cs typeface="Times New Roman" panose="02020603050405020304" pitchFamily="18" charset="0"/>
             </a:endParaRPr>
@@ -5111,7 +4961,7 @@
               <a:buAutoNum type="arabicParenR"/>
             </a:pPr>
             <a:r>
-              <a:rPr lang="ru-RU" sz="2200" dirty="0">
+              <a:rPr lang="ru-RU" sz="2600" dirty="0">
                 <a:latin typeface="Times New Roman" panose="02020603050405020304" pitchFamily="18" charset="0"/>
                 <a:cs typeface="Times New Roman" panose="02020603050405020304" pitchFamily="18" charset="0"/>
               </a:rPr>
@@ -5198,7 +5048,7 @@
         <p:spPr>
           <a:xfrm>
             <a:off x="428017" y="-72232"/>
-            <a:ext cx="10515600" cy="1325563"/>
+            <a:ext cx="7366577" cy="1325563"/>
           </a:xfrm>
         </p:spPr>
         <p:txBody>
@@ -5208,14 +5058,8 @@
           <a:lstStyle/>
           <a:p>
             <a:r>
-              <a:rPr lang="ru-RU" sz="4000" b="1" dirty="0">
-                <a:solidFill>
-                  <a:schemeClr val="bg1">
-                    <a:lumMod val="50000"/>
-                  </a:schemeClr>
-                </a:solidFill>
-              </a:rPr>
-              <a:t>Шаблоны поведения пользователя</a:t>
+              <a:rPr lang="ru-RU" sz="4000" b="1" dirty="0"/>
+              <a:t>Математическая модель пользовательской активности ПО</a:t>
             </a:r>
           </a:p>
         </p:txBody>
@@ -5239,7 +5083,7 @@
         <p:spPr>
           <a:xfrm>
             <a:off x="428017" y="1253331"/>
-            <a:ext cx="11182378" cy="5168894"/>
+            <a:ext cx="11182378" cy="5468144"/>
           </a:xfrm>
         </p:spPr>
         <p:txBody>
@@ -5248,197 +5092,324 @@
           </a:bodyPr>
           <a:lstStyle/>
           <a:p>
-            <a:pPr marL="685800" indent="-457200" algn="just">
-              <a:lnSpc>
-                <a:spcPct val="100000"/>
-              </a:lnSpc>
-            </a:pPr>
-            <a:r>
-              <a:rPr lang="ru-RU" sz="2200" dirty="0">
-                <a:solidFill>
-                  <a:schemeClr val="bg1">
-                    <a:lumMod val="50000"/>
-                  </a:schemeClr>
-                </a:solidFill>
-                <a:latin typeface="Times New Roman" panose="02020603050405020304" pitchFamily="18" charset="0"/>
-                <a:ea typeface="Times New Roman" panose="02020603050405020304" pitchFamily="18" charset="0"/>
-              </a:rPr>
-              <a:t>часто повторяемые одинаковые последовательности действий;</a:t>
-            </a:r>
-          </a:p>
-          <a:p>
-            <a:pPr marL="685800" indent="-457200" algn="just">
-              <a:lnSpc>
-                <a:spcPct val="100000"/>
-              </a:lnSpc>
-            </a:pPr>
-            <a:r>
-              <a:rPr lang="ru-RU" sz="2200" dirty="0">
-                <a:solidFill>
-                  <a:schemeClr val="bg1">
-                    <a:lumMod val="50000"/>
-                  </a:schemeClr>
-                </a:solidFill>
-                <a:latin typeface="Times New Roman" panose="02020603050405020304" pitchFamily="18" charset="0"/>
-                <a:ea typeface="Times New Roman" panose="02020603050405020304" pitchFamily="18" charset="0"/>
-              </a:rPr>
-              <a:t>отмена действия сразу после его выполнения;</a:t>
-            </a:r>
-          </a:p>
-          <a:p>
-            <a:pPr marL="685800" indent="-457200" algn="just">
-              <a:lnSpc>
-                <a:spcPct val="100000"/>
-              </a:lnSpc>
-            </a:pPr>
-            <a:r>
-              <a:rPr lang="ru-RU" sz="2200" dirty="0">
-                <a:solidFill>
-                  <a:schemeClr val="bg1">
-                    <a:lumMod val="50000"/>
-                  </a:schemeClr>
-                </a:solidFill>
-                <a:latin typeface="Times New Roman" panose="02020603050405020304" pitchFamily="18" charset="0"/>
-                <a:ea typeface="Times New Roman" panose="02020603050405020304" pitchFamily="18" charset="0"/>
-              </a:rPr>
-              <a:t>частое повторение простых действий (например, клики мыши или нажатие клавиш).</a:t>
-            </a:r>
-            <a:endParaRPr lang="ru-RU" sz="2200" dirty="0">
-              <a:latin typeface="Times New Roman" panose="02020603050405020304" pitchFamily="18" charset="0"/>
-              <a:cs typeface="Times New Roman" panose="02020603050405020304" pitchFamily="18" charset="0"/>
-            </a:endParaRPr>
-          </a:p>
-          <a:p>
-            <a:pPr marL="0" indent="0">
-              <a:buNone/>
-            </a:pPr>
-            <a:r>
-              <a:rPr lang="ru-RU" sz="2200" dirty="0">
-                <a:solidFill>
-                  <a:schemeClr val="bg1">
-                    <a:lumMod val="85000"/>
-                  </a:schemeClr>
-                </a:solidFill>
-                <a:latin typeface="Times New Roman" panose="02020603050405020304" pitchFamily="18" charset="0"/>
-                <a:cs typeface="Times New Roman" panose="02020603050405020304" pitchFamily="18" charset="0"/>
-              </a:rPr>
-              <a:t>Последовательный шаблон это несколько событий связанных друг с другом во времени.</a:t>
-            </a:r>
-            <a:endParaRPr lang="ru-RU" sz="2200" dirty="0">
-              <a:solidFill>
-                <a:schemeClr val="bg1">
-                  <a:lumMod val="85000"/>
-                </a:schemeClr>
-              </a:solidFill>
-              <a:latin typeface="Times New Roman" panose="02020603050405020304" pitchFamily="18" charset="0"/>
-              <a:ea typeface="Times New Roman" panose="02020603050405020304" pitchFamily="18" charset="0"/>
-            </a:endParaRPr>
-          </a:p>
-          <a:p>
-            <a:pPr indent="0" algn="just">
+            <a:pPr indent="0">
               <a:lnSpc>
                 <a:spcPct val="100000"/>
               </a:lnSpc>
               <a:buNone/>
             </a:pPr>
             <a:r>
-              <a:rPr lang="ru-RU" sz="2200" dirty="0">
-                <a:solidFill>
-                  <a:schemeClr val="bg1">
-                    <a:lumMod val="50000"/>
-                  </a:schemeClr>
-                </a:solidFill>
+              <a:rPr lang="ru-RU" sz="2600" dirty="0">
                 <a:latin typeface="Times New Roman" panose="02020603050405020304" pitchFamily="18" charset="0"/>
                 <a:ea typeface="Times New Roman" panose="02020603050405020304" pitchFamily="18" charset="0"/>
-              </a:rPr>
-              <a:t>Более простые индикаторы:</a:t>
-            </a:r>
-            <a:endParaRPr lang="ru-RU" sz="2200" dirty="0">
-              <a:solidFill>
-                <a:schemeClr val="bg1">
-                  <a:lumMod val="50000"/>
-                </a:schemeClr>
-              </a:solidFill>
-              <a:effectLst/>
+                <a:cs typeface="Times New Roman" panose="02020603050405020304" pitchFamily="18" charset="0"/>
+              </a:rPr>
+              <a:t>Сессия – последовательность действий пользователя за фиксированный временной промежуток.</a:t>
+            </a:r>
+            <a:endParaRPr lang="en-US" sz="2600" dirty="0">
               <a:latin typeface="Times New Roman" panose="02020603050405020304" pitchFamily="18" charset="0"/>
               <a:ea typeface="Times New Roman" panose="02020603050405020304" pitchFamily="18" charset="0"/>
+              <a:cs typeface="Times New Roman" panose="02020603050405020304" pitchFamily="18" charset="0"/>
             </a:endParaRPr>
           </a:p>
           <a:p>
-            <a:pPr marL="685800" indent="-457200" algn="just">
+            <a:pPr indent="0">
               <a:lnSpc>
                 <a:spcPct val="100000"/>
               </a:lnSpc>
+              <a:buNone/>
             </a:pPr>
             <a:r>
-              <a:rPr lang="ru-RU" sz="2200" dirty="0">
-                <a:solidFill>
-                  <a:schemeClr val="bg1">
-                    <a:lumMod val="50000"/>
-                  </a:schemeClr>
-                </a:solidFill>
+              <a:rPr lang="ru-RU" sz="2600" dirty="0">
                 <a:latin typeface="Times New Roman" panose="02020603050405020304" pitchFamily="18" charset="0"/>
                 <a:ea typeface="Times New Roman" panose="02020603050405020304" pitchFamily="18" charset="0"/>
-              </a:rPr>
-              <a:t>количество вызовов онлайн-справки;</a:t>
-            </a:r>
-          </a:p>
-          <a:p>
-            <a:pPr marL="685800" indent="-457200" algn="just">
+                <a:cs typeface="Times New Roman" panose="02020603050405020304" pitchFamily="18" charset="0"/>
+              </a:rPr>
+              <a:t>Шаблон – предопределенная последовательность событий.</a:t>
+            </a:r>
+          </a:p>
+          <a:p>
+            <a:pPr indent="0">
               <a:lnSpc>
                 <a:spcPct val="100000"/>
               </a:lnSpc>
+              <a:buNone/>
             </a:pPr>
             <a:r>
-              <a:rPr lang="ru-RU" sz="2200" dirty="0">
-                <a:solidFill>
-                  <a:schemeClr val="bg1">
-                    <a:lumMod val="50000"/>
-                  </a:schemeClr>
-                </a:solidFill>
+              <a:rPr lang="ru-RU" sz="2600" dirty="0">
                 <a:latin typeface="Times New Roman" panose="02020603050405020304" pitchFamily="18" charset="0"/>
                 <a:ea typeface="Times New Roman" panose="02020603050405020304" pitchFamily="18" charset="0"/>
-              </a:rPr>
-              <a:t>количество действий отмены;</a:t>
-            </a:r>
-          </a:p>
-          <a:p>
-            <a:pPr marL="685800" indent="-457200" algn="just">
+                <a:cs typeface="Times New Roman" panose="02020603050405020304" pitchFamily="18" charset="0"/>
+              </a:rPr>
+              <a:t>Поддержка шаблона</a:t>
+            </a:r>
+            <a:r>
+              <a:rPr lang="en-US" sz="2600" dirty="0">
+                <a:latin typeface="Times New Roman" panose="02020603050405020304" pitchFamily="18" charset="0"/>
+                <a:ea typeface="Times New Roman" panose="02020603050405020304" pitchFamily="18" charset="0"/>
+                <a:cs typeface="Times New Roman" panose="02020603050405020304" pitchFamily="18" charset="0"/>
+              </a:rPr>
+              <a:t> </a:t>
+            </a:r>
+            <a:r>
+              <a:rPr lang="ru-RU" sz="2600" dirty="0">
+                <a:latin typeface="Times New Roman" panose="02020603050405020304" pitchFamily="18" charset="0"/>
+                <a:ea typeface="Times New Roman" panose="02020603050405020304" pitchFamily="18" charset="0"/>
+                <a:cs typeface="Times New Roman" panose="02020603050405020304" pitchFamily="18" charset="0"/>
+              </a:rPr>
+              <a:t>сессией</a:t>
+            </a:r>
+            <a:r>
+              <a:rPr lang="en-US" sz="2600" dirty="0">
+                <a:latin typeface="Times New Roman" panose="02020603050405020304" pitchFamily="18" charset="0"/>
+                <a:ea typeface="Times New Roman" panose="02020603050405020304" pitchFamily="18" charset="0"/>
+                <a:cs typeface="Times New Roman" panose="02020603050405020304" pitchFamily="18" charset="0"/>
+              </a:rPr>
+              <a:t> </a:t>
+            </a:r>
+            <a:r>
+              <a:rPr lang="ru-RU" sz="2600" dirty="0">
+                <a:latin typeface="Times New Roman" panose="02020603050405020304" pitchFamily="18" charset="0"/>
+                <a:ea typeface="Times New Roman" panose="02020603050405020304" pitchFamily="18" charset="0"/>
+                <a:cs typeface="Times New Roman" panose="02020603050405020304" pitchFamily="18" charset="0"/>
+              </a:rPr>
+              <a:t>– процент содержания этого шаблона в данной сессии.</a:t>
+            </a:r>
+          </a:p>
+          <a:p>
+            <a:pPr indent="0">
               <a:lnSpc>
                 <a:spcPct val="100000"/>
               </a:lnSpc>
+              <a:buNone/>
             </a:pPr>
             <a:r>
-              <a:rPr lang="ru-RU" sz="2200" dirty="0">
-                <a:solidFill>
-                  <a:schemeClr val="bg1">
-                    <a:lumMod val="50000"/>
-                  </a:schemeClr>
-                </a:solidFill>
+              <a:rPr lang="ru-RU" sz="2600" dirty="0">
                 <a:latin typeface="Times New Roman" panose="02020603050405020304" pitchFamily="18" charset="0"/>
                 <a:ea typeface="Times New Roman" panose="02020603050405020304" pitchFamily="18" charset="0"/>
-              </a:rPr>
-              <a:t>частое открытие-закрытие выпадающих списков;</a:t>
-            </a:r>
-          </a:p>
-          <a:p>
-            <a:pPr marL="685800" indent="-457200" algn="just">
+                <a:cs typeface="Times New Roman" panose="02020603050405020304" pitchFamily="18" charset="0"/>
+              </a:rPr>
+              <a:t>Например, пусть имеется сессия </a:t>
+            </a:r>
+            <a:r>
+              <a:rPr lang="ru-RU" sz="2600" b="0" i="0" u="none" strike="noStrike" baseline="0" dirty="0">
+                <a:latin typeface="Times New Roman" panose="02020603050405020304" pitchFamily="18" charset="0"/>
+                <a:cs typeface="Times New Roman" panose="02020603050405020304" pitchFamily="18" charset="0"/>
+              </a:rPr>
+              <a:t>⟨2, 1, 2, 1, 3, 2, 1, 2, 1, 3⟩.</a:t>
+            </a:r>
+            <a:br>
+              <a:rPr lang="en-US" sz="2600" b="0" i="0" u="none" strike="noStrike" baseline="0" dirty="0">
+                <a:latin typeface="Times New Roman" panose="02020603050405020304" pitchFamily="18" charset="0"/>
+                <a:cs typeface="Times New Roman" panose="02020603050405020304" pitchFamily="18" charset="0"/>
+              </a:rPr>
+            </a:br>
+            <a:r>
+              <a:rPr lang="ru-RU" sz="2600" dirty="0">
+                <a:latin typeface="Times New Roman" panose="02020603050405020304" pitchFamily="18" charset="0"/>
+                <a:cs typeface="Times New Roman" panose="02020603050405020304" pitchFamily="18" charset="0"/>
+              </a:rPr>
+              <a:t>Рассчитаем кол-во вхождений (</a:t>
+            </a:r>
+            <a:r>
+              <a:rPr lang="el-GR" sz="2600" dirty="0">
+                <a:latin typeface="Times New Roman" panose="02020603050405020304" pitchFamily="18" charset="0"/>
+                <a:cs typeface="Times New Roman" panose="02020603050405020304" pitchFamily="18" charset="0"/>
+              </a:rPr>
+              <a:t>μ</a:t>
+            </a:r>
+            <a:r>
+              <a:rPr lang="ru-RU" sz="2600" dirty="0">
+                <a:latin typeface="Times New Roman" panose="02020603050405020304" pitchFamily="18" charset="0"/>
+                <a:cs typeface="Times New Roman" panose="02020603050405020304" pitchFamily="18" charset="0"/>
+              </a:rPr>
+              <a:t>) и поддержку (</a:t>
+            </a:r>
+            <a:r>
+              <a:rPr lang="el-GR" sz="2600" dirty="0">
+                <a:latin typeface="Times New Roman" panose="02020603050405020304" pitchFamily="18" charset="0"/>
+                <a:cs typeface="Times New Roman" panose="02020603050405020304" pitchFamily="18" charset="0"/>
+              </a:rPr>
+              <a:t>λ</a:t>
+            </a:r>
+            <a:r>
+              <a:rPr lang="ru-RU" sz="2600" dirty="0">
+                <a:latin typeface="Times New Roman" panose="02020603050405020304" pitchFamily="18" charset="0"/>
+                <a:cs typeface="Times New Roman" panose="02020603050405020304" pitchFamily="18" charset="0"/>
+              </a:rPr>
+              <a:t>) для следующих шаблонов:</a:t>
+            </a:r>
+          </a:p>
+          <a:p>
+            <a:pPr indent="0">
               <a:lnSpc>
                 <a:spcPct val="100000"/>
               </a:lnSpc>
+              <a:buNone/>
             </a:pPr>
             <a:r>
-              <a:rPr lang="ru-RU" sz="2200" dirty="0">
-                <a:solidFill>
-                  <a:schemeClr val="bg1">
-                    <a:lumMod val="50000"/>
-                  </a:schemeClr>
-                </a:solidFill>
-                <a:latin typeface="Times New Roman" panose="02020603050405020304" pitchFamily="18" charset="0"/>
-                <a:ea typeface="Times New Roman" panose="02020603050405020304" pitchFamily="18" charset="0"/>
-              </a:rPr>
-              <a:t>нажатие одной и той же кнопки более одного раза.</a:t>
-            </a:r>
+              <a:rPr lang="en-US" sz="2600" dirty="0">
+                <a:latin typeface="Times New Roman" panose="02020603050405020304" pitchFamily="18" charset="0"/>
+                <a:cs typeface="Times New Roman" panose="02020603050405020304" pitchFamily="18" charset="0"/>
+              </a:rPr>
+              <a:t>p1 = 〈2, 1〉, </a:t>
+            </a:r>
+            <a:r>
+              <a:rPr lang="el-GR" sz="2600" dirty="0">
+                <a:latin typeface="Times New Roman" panose="02020603050405020304" pitchFamily="18" charset="0"/>
+                <a:cs typeface="Times New Roman" panose="02020603050405020304" pitchFamily="18" charset="0"/>
+              </a:rPr>
+              <a:t>μ</a:t>
+            </a:r>
+            <a:r>
+              <a:rPr lang="en-US" sz="2600" dirty="0">
+                <a:latin typeface="Times New Roman" panose="02020603050405020304" pitchFamily="18" charset="0"/>
+                <a:cs typeface="Times New Roman" panose="02020603050405020304" pitchFamily="18" charset="0"/>
+              </a:rPr>
+              <a:t> = 4, </a:t>
+            </a:r>
+            <a:r>
+              <a:rPr lang="el-GR" sz="2600" dirty="0">
+                <a:latin typeface="Times New Roman" panose="02020603050405020304" pitchFamily="18" charset="0"/>
+                <a:cs typeface="Times New Roman" panose="02020603050405020304" pitchFamily="18" charset="0"/>
+              </a:rPr>
+              <a:t>λ</a:t>
+            </a:r>
+            <a:r>
+              <a:rPr lang="en-US" sz="2600" dirty="0">
+                <a:latin typeface="Times New Roman" panose="02020603050405020304" pitchFamily="18" charset="0"/>
+                <a:cs typeface="Times New Roman" panose="02020603050405020304" pitchFamily="18" charset="0"/>
+              </a:rPr>
+              <a:t> = 0.8;</a:t>
+            </a:r>
+            <a:br>
+              <a:rPr lang="ru-RU" sz="2600" dirty="0">
+                <a:latin typeface="Times New Roman" panose="02020603050405020304" pitchFamily="18" charset="0"/>
+                <a:cs typeface="Times New Roman" panose="02020603050405020304" pitchFamily="18" charset="0"/>
+              </a:rPr>
+            </a:br>
+            <a:r>
+              <a:rPr lang="en-US" sz="2600" dirty="0">
+                <a:latin typeface="Times New Roman" panose="02020603050405020304" pitchFamily="18" charset="0"/>
+                <a:cs typeface="Times New Roman" panose="02020603050405020304" pitchFamily="18" charset="0"/>
+              </a:rPr>
+              <a:t>p2 = 〈2, 1, 2, 1〉, </a:t>
+            </a:r>
+            <a:r>
+              <a:rPr lang="el-GR" sz="2600" dirty="0">
+                <a:latin typeface="Times New Roman" panose="02020603050405020304" pitchFamily="18" charset="0"/>
+                <a:cs typeface="Times New Roman" panose="02020603050405020304" pitchFamily="18" charset="0"/>
+              </a:rPr>
+              <a:t>μ</a:t>
+            </a:r>
+            <a:r>
+              <a:rPr lang="en-US" sz="2600" dirty="0">
+                <a:latin typeface="Times New Roman" panose="02020603050405020304" pitchFamily="18" charset="0"/>
+                <a:cs typeface="Times New Roman" panose="02020603050405020304" pitchFamily="18" charset="0"/>
+              </a:rPr>
+              <a:t> = 2, </a:t>
+            </a:r>
+            <a:r>
+              <a:rPr lang="el-GR" sz="2600" dirty="0">
+                <a:latin typeface="Times New Roman" panose="02020603050405020304" pitchFamily="18" charset="0"/>
+                <a:cs typeface="Times New Roman" panose="02020603050405020304" pitchFamily="18" charset="0"/>
+              </a:rPr>
+              <a:t>λ</a:t>
+            </a:r>
+            <a:r>
+              <a:rPr lang="en-US" sz="2600" dirty="0">
+                <a:latin typeface="Times New Roman" panose="02020603050405020304" pitchFamily="18" charset="0"/>
+                <a:cs typeface="Times New Roman" panose="02020603050405020304" pitchFamily="18" charset="0"/>
+              </a:rPr>
+              <a:t> = 0.8;</a:t>
+            </a:r>
+            <a:br>
+              <a:rPr lang="ru-RU" sz="2600" dirty="0">
+                <a:latin typeface="Times New Roman" panose="02020603050405020304" pitchFamily="18" charset="0"/>
+                <a:cs typeface="Times New Roman" panose="02020603050405020304" pitchFamily="18" charset="0"/>
+              </a:rPr>
+            </a:br>
+            <a:r>
+              <a:rPr lang="en-US" sz="2600" dirty="0">
+                <a:latin typeface="Times New Roman" panose="02020603050405020304" pitchFamily="18" charset="0"/>
+                <a:cs typeface="Times New Roman" panose="02020603050405020304" pitchFamily="18" charset="0"/>
+              </a:rPr>
+              <a:t>p3 = 〈2, 1, 2, 1, 3〉, </a:t>
+            </a:r>
+            <a:r>
+              <a:rPr lang="el-GR" sz="2600" dirty="0">
+                <a:latin typeface="Times New Roman" panose="02020603050405020304" pitchFamily="18" charset="0"/>
+                <a:cs typeface="Times New Roman" panose="02020603050405020304" pitchFamily="18" charset="0"/>
+              </a:rPr>
+              <a:t>μ</a:t>
+            </a:r>
+            <a:r>
+              <a:rPr lang="en-US" sz="2600" dirty="0">
+                <a:latin typeface="Times New Roman" panose="02020603050405020304" pitchFamily="18" charset="0"/>
+                <a:cs typeface="Times New Roman" panose="02020603050405020304" pitchFamily="18" charset="0"/>
+              </a:rPr>
+              <a:t> = 2, </a:t>
+            </a:r>
+            <a:r>
+              <a:rPr lang="el-GR" sz="2600" dirty="0">
+                <a:latin typeface="Times New Roman" panose="02020603050405020304" pitchFamily="18" charset="0"/>
+                <a:cs typeface="Times New Roman" panose="02020603050405020304" pitchFamily="18" charset="0"/>
+              </a:rPr>
+              <a:t>λ</a:t>
+            </a:r>
+            <a:r>
+              <a:rPr lang="en-US" sz="2600" dirty="0">
+                <a:latin typeface="Times New Roman" panose="02020603050405020304" pitchFamily="18" charset="0"/>
+                <a:cs typeface="Times New Roman" panose="02020603050405020304" pitchFamily="18" charset="0"/>
+              </a:rPr>
+              <a:t> = 1;</a:t>
+            </a:r>
+            <a:br>
+              <a:rPr lang="ru-RU" sz="2600" dirty="0">
+                <a:latin typeface="Times New Roman" panose="02020603050405020304" pitchFamily="18" charset="0"/>
+                <a:cs typeface="Times New Roman" panose="02020603050405020304" pitchFamily="18" charset="0"/>
+              </a:rPr>
+            </a:br>
+            <a:r>
+              <a:rPr lang="en-US" sz="2600" dirty="0">
+                <a:latin typeface="Times New Roman" panose="02020603050405020304" pitchFamily="18" charset="0"/>
+                <a:cs typeface="Times New Roman" panose="02020603050405020304" pitchFamily="18" charset="0"/>
+              </a:rPr>
+              <a:t>p4 = 〈3, 2, 1, 2, 1〉, </a:t>
+            </a:r>
+            <a:r>
+              <a:rPr lang="el-GR" sz="2600" dirty="0">
+                <a:latin typeface="Times New Roman" panose="02020603050405020304" pitchFamily="18" charset="0"/>
+                <a:cs typeface="Times New Roman" panose="02020603050405020304" pitchFamily="18" charset="0"/>
+              </a:rPr>
+              <a:t>μ</a:t>
+            </a:r>
+            <a:r>
+              <a:rPr lang="en-US" sz="2600" dirty="0">
+                <a:latin typeface="Times New Roman" panose="02020603050405020304" pitchFamily="18" charset="0"/>
+                <a:cs typeface="Times New Roman" panose="02020603050405020304" pitchFamily="18" charset="0"/>
+              </a:rPr>
+              <a:t> = 1, </a:t>
+            </a:r>
+            <a:r>
+              <a:rPr lang="el-GR" sz="2600" dirty="0">
+                <a:latin typeface="Times New Roman" panose="02020603050405020304" pitchFamily="18" charset="0"/>
+                <a:cs typeface="Times New Roman" panose="02020603050405020304" pitchFamily="18" charset="0"/>
+              </a:rPr>
+              <a:t>λ</a:t>
+            </a:r>
+            <a:r>
+              <a:rPr lang="en-US" sz="2600" dirty="0">
+                <a:latin typeface="Times New Roman" panose="02020603050405020304" pitchFamily="18" charset="0"/>
+                <a:cs typeface="Times New Roman" panose="02020603050405020304" pitchFamily="18" charset="0"/>
+              </a:rPr>
+              <a:t> = 0.5.</a:t>
+            </a:r>
+            <a:endParaRPr lang="ru-RU" sz="2600" b="0" i="1" dirty="0">
+              <a:latin typeface="Cambria Math" panose="02040503050406030204" pitchFamily="18" charset="0"/>
+              <a:ea typeface="Cambria Math" panose="02040503050406030204" pitchFamily="18" charset="0"/>
+              <a:cs typeface="Times New Roman" panose="02020603050405020304" pitchFamily="18" charset="0"/>
+            </a:endParaRPr>
           </a:p>
         </p:txBody>
       </p:sp>
@@ -5474,7 +5445,7 @@
     </p:spTree>
     <p:extLst>
       <p:ext uri="{BB962C8B-B14F-4D97-AF65-F5344CB8AC3E}">
-        <p14:creationId xmlns:p14="http://schemas.microsoft.com/office/powerpoint/2010/main" val="27859665"/>
+        <p14:creationId xmlns:p14="http://schemas.microsoft.com/office/powerpoint/2010/main" val="3938674021"/>
       </p:ext>
     </p:extLst>
   </p:cSld>
@@ -5485,1018 +5456,6 @@
 </file>
 
 <file path=ppt/slides/slide5.xml><?xml version="1.0" encoding="utf-8"?>
-<p:sld xmlns:a="http://schemas.openxmlformats.org/drawingml/2006/main" xmlns:r="http://schemas.openxmlformats.org/officeDocument/2006/relationships" xmlns:p="http://schemas.openxmlformats.org/presentationml/2006/main">
-  <p:cSld>
-    <p:spTree>
-      <p:nvGrpSpPr>
-        <p:cNvPr id="1" name=""/>
-        <p:cNvGrpSpPr/>
-        <p:nvPr/>
-      </p:nvGrpSpPr>
-      <p:grpSpPr>
-        <a:xfrm>
-          <a:off x="0" y="0"/>
-          <a:ext cx="0" cy="0"/>
-          <a:chOff x="0" y="0"/>
-          <a:chExt cx="0" cy="0"/>
-        </a:xfrm>
-      </p:grpSpPr>
-      <p:sp>
-        <p:nvSpPr>
-          <p:cNvPr id="2" name="Заголовок 1">
-            <a:extLst>
-              <a:ext uri="{FF2B5EF4-FFF2-40B4-BE49-F238E27FC236}">
-                <a16:creationId xmlns:a16="http://schemas.microsoft.com/office/drawing/2014/main" id="{1802D59D-6A83-151A-EEA2-678960399BE4}"/>
-              </a:ext>
-            </a:extLst>
-          </p:cNvPr>
-          <p:cNvSpPr>
-            <a:spLocks noGrp="1"/>
-          </p:cNvSpPr>
-          <p:nvPr>
-            <p:ph type="title"/>
-          </p:nvPr>
-        </p:nvSpPr>
-        <p:spPr>
-          <a:xfrm>
-            <a:off x="428017" y="-72232"/>
-            <a:ext cx="7366577" cy="1325563"/>
-          </a:xfrm>
-        </p:spPr>
-        <p:txBody>
-          <a:bodyPr>
-            <a:normAutofit/>
-          </a:bodyPr>
-          <a:lstStyle/>
-          <a:p>
-            <a:r>
-              <a:rPr lang="ru-RU" sz="4000" b="1" dirty="0"/>
-              <a:t>Математическая модель пользовательской активности ПО</a:t>
-            </a:r>
-          </a:p>
-        </p:txBody>
-      </p:sp>
-      <mc:AlternateContent xmlns:mc="http://schemas.openxmlformats.org/markup-compatibility/2006" xmlns:a14="http://schemas.microsoft.com/office/drawing/2010/main">
-        <mc:Choice Requires="a14">
-          <p:sp>
-            <p:nvSpPr>
-              <p:cNvPr id="3" name="Объект 2">
-                <a:extLst>
-                  <a:ext uri="{FF2B5EF4-FFF2-40B4-BE49-F238E27FC236}">
-                    <a16:creationId xmlns:a16="http://schemas.microsoft.com/office/drawing/2014/main" id="{68541323-2632-074C-E69F-FC80AB230174}"/>
-                  </a:ext>
-                </a:extLst>
-              </p:cNvPr>
-              <p:cNvSpPr>
-                <a:spLocks noGrp="1"/>
-              </p:cNvSpPr>
-              <p:nvPr>
-                <p:ph idx="1"/>
-              </p:nvPr>
-            </p:nvSpPr>
-            <p:spPr>
-              <a:xfrm>
-                <a:off x="428017" y="1253331"/>
-                <a:ext cx="11182378" cy="5168894"/>
-              </a:xfrm>
-            </p:spPr>
-            <p:txBody>
-              <a:bodyPr>
-                <a:noAutofit/>
-              </a:bodyPr>
-              <a:lstStyle/>
-              <a:p>
-                <a:pPr indent="0">
-                  <a:lnSpc>
-                    <a:spcPct val="100000"/>
-                  </a:lnSpc>
-                  <a:buNone/>
-                </a:pPr>
-                <a:r>
-                  <a:rPr lang="ru-RU" sz="2200" dirty="0">
-                    <a:latin typeface="Times New Roman" panose="02020603050405020304" pitchFamily="18" charset="0"/>
-                    <a:ea typeface="Times New Roman" panose="02020603050405020304" pitchFamily="18" charset="0"/>
-                    <a:cs typeface="Times New Roman" panose="02020603050405020304" pitchFamily="18" charset="0"/>
-                  </a:rPr>
-                  <a:t>Сессия – зафиксированный временной промежуток, в течение которого пользователь взаимодействовал с программной системой.</a:t>
-                </a:r>
-                <a:endParaRPr lang="en-US" sz="2200" dirty="0">
-                  <a:latin typeface="Times New Roman" panose="02020603050405020304" pitchFamily="18" charset="0"/>
-                  <a:ea typeface="Times New Roman" panose="02020603050405020304" pitchFamily="18" charset="0"/>
-                  <a:cs typeface="Times New Roman" panose="02020603050405020304" pitchFamily="18" charset="0"/>
-                </a:endParaRPr>
-              </a:p>
-              <a:p>
-                <a:pPr indent="0">
-                  <a:lnSpc>
-                    <a:spcPct val="100000"/>
-                  </a:lnSpc>
-                  <a:buNone/>
-                </a:pPr>
-                <a:r>
-                  <a:rPr lang="ru-RU" sz="2200" dirty="0">
-                    <a:latin typeface="Times New Roman" panose="02020603050405020304" pitchFamily="18" charset="0"/>
-                    <a:ea typeface="Times New Roman" panose="02020603050405020304" pitchFamily="18" charset="0"/>
-                    <a:cs typeface="Times New Roman" panose="02020603050405020304" pitchFamily="18" charset="0"/>
-                  </a:rPr>
-                  <a:t>Шаблон – последовательность событий.</a:t>
-                </a:r>
-              </a:p>
-              <a:p>
-                <a:pPr indent="0">
-                  <a:lnSpc>
-                    <a:spcPct val="100000"/>
-                  </a:lnSpc>
-                  <a:buNone/>
-                </a:pPr>
-                <a:r>
-                  <a:rPr lang="ru-RU" sz="2200" dirty="0">
-                    <a:latin typeface="Times New Roman" panose="02020603050405020304" pitchFamily="18" charset="0"/>
-                    <a:ea typeface="Times New Roman" panose="02020603050405020304" pitchFamily="18" charset="0"/>
-                    <a:cs typeface="Times New Roman" panose="02020603050405020304" pitchFamily="18" charset="0"/>
-                  </a:rPr>
-                  <a:t>Поддержка шаблона</a:t>
-                </a:r>
-                <a:r>
-                  <a:rPr lang="en-US" sz="2200" dirty="0">
-                    <a:latin typeface="Times New Roman" panose="02020603050405020304" pitchFamily="18" charset="0"/>
-                    <a:ea typeface="Times New Roman" panose="02020603050405020304" pitchFamily="18" charset="0"/>
-                    <a:cs typeface="Times New Roman" panose="02020603050405020304" pitchFamily="18" charset="0"/>
-                  </a:rPr>
-                  <a:t> </a:t>
-                </a:r>
-                <a14:m>
-                  <m:oMath xmlns:m="http://schemas.openxmlformats.org/officeDocument/2006/math">
-                    <m:r>
-                      <a:rPr lang="en-US" sz="2200" i="1">
-                        <a:latin typeface="Cambria Math" panose="02040503050406030204" pitchFamily="18" charset="0"/>
-                        <a:ea typeface="Cambria Math" panose="02040503050406030204" pitchFamily="18" charset="0"/>
-                        <a:cs typeface="Times New Roman" panose="02020603050405020304" pitchFamily="18" charset="0"/>
-                      </a:rPr>
-                      <m:t>𝑝</m:t>
-                    </m:r>
-                  </m:oMath>
-                </a14:m>
-                <a:r>
-                  <a:rPr lang="ru-RU" sz="2200" dirty="0">
-                    <a:latin typeface="Times New Roman" panose="02020603050405020304" pitchFamily="18" charset="0"/>
-                    <a:ea typeface="Times New Roman" panose="02020603050405020304" pitchFamily="18" charset="0"/>
-                    <a:cs typeface="Times New Roman" panose="02020603050405020304" pitchFamily="18" charset="0"/>
-                  </a:rPr>
-                  <a:t> сессией</a:t>
-                </a:r>
-                <a:r>
-                  <a:rPr lang="en-US" sz="2200" dirty="0">
-                    <a:latin typeface="Times New Roman" panose="02020603050405020304" pitchFamily="18" charset="0"/>
-                    <a:ea typeface="Times New Roman" panose="02020603050405020304" pitchFamily="18" charset="0"/>
-                    <a:cs typeface="Times New Roman" panose="02020603050405020304" pitchFamily="18" charset="0"/>
-                  </a:rPr>
-                  <a:t> </a:t>
-                </a:r>
-                <a14:m>
-                  <m:oMath xmlns:m="http://schemas.openxmlformats.org/officeDocument/2006/math">
-                    <m:sSup>
-                      <m:sSupPr>
-                        <m:ctrlPr>
-                          <a:rPr lang="en-US" sz="2200" i="1">
-                            <a:latin typeface="Cambria Math" panose="02040503050406030204" pitchFamily="18" charset="0"/>
-                            <a:ea typeface="Cambria Math" panose="02040503050406030204" pitchFamily="18" charset="0"/>
-                            <a:cs typeface="Times New Roman" panose="02020603050405020304" pitchFamily="18" charset="0"/>
-                          </a:rPr>
-                        </m:ctrlPr>
-                      </m:sSupPr>
-                      <m:e>
-                        <m:r>
-                          <a:rPr lang="en-US" sz="2200" i="1">
-                            <a:latin typeface="Cambria Math" panose="02040503050406030204" pitchFamily="18" charset="0"/>
-                            <a:ea typeface="Cambria Math" panose="02040503050406030204" pitchFamily="18" charset="0"/>
-                            <a:cs typeface="Times New Roman" panose="02020603050405020304" pitchFamily="18" charset="0"/>
-                          </a:rPr>
-                          <m:t>𝑠</m:t>
-                        </m:r>
-                      </m:e>
-                      <m:sup>
-                        <m:r>
-                          <a:rPr lang="en-US" sz="2200" i="1">
-                            <a:latin typeface="Cambria Math" panose="02040503050406030204" pitchFamily="18" charset="0"/>
-                            <a:ea typeface="Cambria Math" panose="02040503050406030204" pitchFamily="18" charset="0"/>
-                            <a:cs typeface="Times New Roman" panose="02020603050405020304" pitchFamily="18" charset="0"/>
-                          </a:rPr>
-                          <m:t>′</m:t>
-                        </m:r>
-                      </m:sup>
-                    </m:sSup>
-                  </m:oMath>
-                </a14:m>
-                <a:r>
-                  <a:rPr lang="ru-RU" sz="2200" dirty="0">
-                    <a:latin typeface="Times New Roman" panose="02020603050405020304" pitchFamily="18" charset="0"/>
-                    <a:ea typeface="Times New Roman" panose="02020603050405020304" pitchFamily="18" charset="0"/>
-                    <a:cs typeface="Times New Roman" panose="02020603050405020304" pitchFamily="18" charset="0"/>
-                  </a:rPr>
-                  <a:t> – процент содержания этого шаблона в данной сессии.</a:t>
-                </a:r>
-                <a:br>
-                  <a:rPr lang="en-US" sz="2200" dirty="0">
-                    <a:latin typeface="Times New Roman" panose="02020603050405020304" pitchFamily="18" charset="0"/>
-                    <a:ea typeface="Times New Roman" panose="02020603050405020304" pitchFamily="18" charset="0"/>
-                    <a:cs typeface="Times New Roman" panose="02020603050405020304" pitchFamily="18" charset="0"/>
-                  </a:rPr>
-                </a:br>
-                <a14:m>
-                  <m:oMath xmlns:m="http://schemas.openxmlformats.org/officeDocument/2006/math">
-                    <m:sSubSup>
-                      <m:sSubSupPr>
-                        <m:ctrlPr>
-                          <a:rPr lang="ru-RU" sz="2200" i="1">
-                            <a:latin typeface="Cambria Math" panose="02040503050406030204" pitchFamily="18" charset="0"/>
-                            <a:ea typeface="Cambria Math" panose="02040503050406030204" pitchFamily="18" charset="0"/>
-                            <a:cs typeface="Times New Roman" panose="02020603050405020304" pitchFamily="18" charset="0"/>
-                          </a:rPr>
-                        </m:ctrlPr>
-                      </m:sSubSupPr>
-                      <m:e>
-                        <m:r>
-                          <a:rPr lang="ru-RU" sz="2200" i="1">
-                            <a:latin typeface="Cambria Math" panose="02040503050406030204" pitchFamily="18" charset="0"/>
-                            <a:ea typeface="Cambria Math" panose="02040503050406030204" pitchFamily="18" charset="0"/>
-                            <a:cs typeface="Times New Roman" panose="02020603050405020304" pitchFamily="18" charset="0"/>
-                          </a:rPr>
-                          <m:t>𝜆</m:t>
-                        </m:r>
-                      </m:e>
-                      <m:sub>
-                        <m:r>
-                          <a:rPr lang="en-US" sz="2200" i="1">
-                            <a:latin typeface="Cambria Math" panose="02040503050406030204" pitchFamily="18" charset="0"/>
-                            <a:ea typeface="Cambria Math" panose="02040503050406030204" pitchFamily="18" charset="0"/>
-                            <a:cs typeface="Times New Roman" panose="02020603050405020304" pitchFamily="18" charset="0"/>
-                          </a:rPr>
-                          <m:t>𝑝</m:t>
-                        </m:r>
-                      </m:sub>
-                      <m:sup>
-                        <m:r>
-                          <a:rPr lang="en-US" sz="2200" i="1">
-                            <a:latin typeface="Cambria Math" panose="02040503050406030204" pitchFamily="18" charset="0"/>
-                            <a:ea typeface="Cambria Math" panose="02040503050406030204" pitchFamily="18" charset="0"/>
-                            <a:cs typeface="Times New Roman" panose="02020603050405020304" pitchFamily="18" charset="0"/>
-                          </a:rPr>
-                          <m:t>𝑠</m:t>
-                        </m:r>
-                        <m:r>
-                          <a:rPr lang="en-US" sz="2200" i="1">
-                            <a:latin typeface="Cambria Math" panose="02040503050406030204" pitchFamily="18" charset="0"/>
-                            <a:ea typeface="Cambria Math" panose="02040503050406030204" pitchFamily="18" charset="0"/>
-                            <a:cs typeface="Times New Roman" panose="02020603050405020304" pitchFamily="18" charset="0"/>
-                          </a:rPr>
-                          <m:t>′</m:t>
-                        </m:r>
-                      </m:sup>
-                    </m:sSubSup>
-                    <m:r>
-                      <a:rPr lang="ru-RU" sz="2200" i="1">
-                        <a:latin typeface="Cambria Math" panose="02040503050406030204" pitchFamily="18" charset="0"/>
-                        <a:ea typeface="Cambria Math" panose="02040503050406030204" pitchFamily="18" charset="0"/>
-                        <a:cs typeface="Times New Roman" panose="02020603050405020304" pitchFamily="18" charset="0"/>
-                      </a:rPr>
-                      <m:t>=</m:t>
-                    </m:r>
-                    <m:f>
-                      <m:fPr>
-                        <m:ctrlPr>
-                          <a:rPr lang="ru-RU" sz="2200" i="1">
-                            <a:latin typeface="Cambria Math" panose="02040503050406030204" pitchFamily="18" charset="0"/>
-                            <a:ea typeface="Cambria Math" panose="02040503050406030204" pitchFamily="18" charset="0"/>
-                            <a:cs typeface="Times New Roman" panose="02020603050405020304" pitchFamily="18" charset="0"/>
-                          </a:rPr>
-                        </m:ctrlPr>
-                      </m:fPr>
-                      <m:num>
-                        <m:sSubSup>
-                          <m:sSubSupPr>
-                            <m:ctrlPr>
-                              <a:rPr lang="ru-RU" sz="2200" i="1">
-                                <a:latin typeface="Cambria Math" panose="02040503050406030204" pitchFamily="18" charset="0"/>
-                                <a:ea typeface="Cambria Math" panose="02040503050406030204" pitchFamily="18" charset="0"/>
-                                <a:cs typeface="Times New Roman" panose="02020603050405020304" pitchFamily="18" charset="0"/>
-                              </a:rPr>
-                            </m:ctrlPr>
-                          </m:sSubSupPr>
-                          <m:e>
-                            <m:r>
-                              <a:rPr lang="ru-RU" sz="2200" i="1">
-                                <a:latin typeface="Cambria Math" panose="02040503050406030204" pitchFamily="18" charset="0"/>
-                                <a:ea typeface="Cambria Math" panose="02040503050406030204" pitchFamily="18" charset="0"/>
-                                <a:cs typeface="Times New Roman" panose="02020603050405020304" pitchFamily="18" charset="0"/>
-                              </a:rPr>
-                              <m:t>𝜇</m:t>
-                            </m:r>
-                          </m:e>
-                          <m:sub>
-                            <m:r>
-                              <a:rPr lang="en-US" sz="2200" i="1">
-                                <a:latin typeface="Cambria Math" panose="02040503050406030204" pitchFamily="18" charset="0"/>
-                                <a:ea typeface="Cambria Math" panose="02040503050406030204" pitchFamily="18" charset="0"/>
-                                <a:cs typeface="Times New Roman" panose="02020603050405020304" pitchFamily="18" charset="0"/>
-                              </a:rPr>
-                              <m:t>𝑝</m:t>
-                            </m:r>
-                          </m:sub>
-                          <m:sup>
-                            <m:r>
-                              <a:rPr lang="en-US" sz="2200" i="1">
-                                <a:latin typeface="Cambria Math" panose="02040503050406030204" pitchFamily="18" charset="0"/>
-                                <a:ea typeface="Cambria Math" panose="02040503050406030204" pitchFamily="18" charset="0"/>
-                                <a:cs typeface="Times New Roman" panose="02020603050405020304" pitchFamily="18" charset="0"/>
-                              </a:rPr>
-                              <m:t>𝑠</m:t>
-                            </m:r>
-                            <m:r>
-                              <a:rPr lang="en-US" sz="2200" i="1">
-                                <a:latin typeface="Cambria Math" panose="02040503050406030204" pitchFamily="18" charset="0"/>
-                                <a:ea typeface="Cambria Math" panose="02040503050406030204" pitchFamily="18" charset="0"/>
-                                <a:cs typeface="Times New Roman" panose="02020603050405020304" pitchFamily="18" charset="0"/>
-                              </a:rPr>
-                              <m:t>′</m:t>
-                            </m:r>
-                          </m:sup>
-                        </m:sSubSup>
-                        <m:r>
-                          <a:rPr lang="ru-RU" sz="2200" i="1">
-                            <a:latin typeface="Cambria Math" panose="02040503050406030204" pitchFamily="18" charset="0"/>
-                            <a:ea typeface="Cambria Math" panose="02040503050406030204" pitchFamily="18" charset="0"/>
-                            <a:cs typeface="Times New Roman" panose="02020603050405020304" pitchFamily="18" charset="0"/>
-                          </a:rPr>
-                          <m:t>∗</m:t>
-                        </m:r>
-                        <m:r>
-                          <a:rPr lang="en-US" sz="2200" i="1">
-                            <a:latin typeface="Cambria Math" panose="02040503050406030204" pitchFamily="18" charset="0"/>
-                            <a:ea typeface="Cambria Math" panose="02040503050406030204" pitchFamily="18" charset="0"/>
-                            <a:cs typeface="Times New Roman" panose="02020603050405020304" pitchFamily="18" charset="0"/>
-                          </a:rPr>
-                          <m:t>𝑞</m:t>
-                        </m:r>
-                      </m:num>
-                      <m:den>
-                        <m:r>
-                          <a:rPr lang="en-US" sz="2200" i="1">
-                            <a:latin typeface="Cambria Math" panose="02040503050406030204" pitchFamily="18" charset="0"/>
-                            <a:ea typeface="Cambria Math" panose="02040503050406030204" pitchFamily="18" charset="0"/>
-                            <a:cs typeface="Times New Roman" panose="02020603050405020304" pitchFamily="18" charset="0"/>
-                          </a:rPr>
-                          <m:t>𝑙</m:t>
-                        </m:r>
-                      </m:den>
-                    </m:f>
-                    <m:r>
-                      <a:rPr lang="en-US" sz="2200" i="1">
-                        <a:latin typeface="Cambria Math" panose="02040503050406030204" pitchFamily="18" charset="0"/>
-                        <a:ea typeface="Cambria Math" panose="02040503050406030204" pitchFamily="18" charset="0"/>
-                        <a:cs typeface="Times New Roman" panose="02020603050405020304" pitchFamily="18" charset="0"/>
-                      </a:rPr>
-                      <m:t>,0≤</m:t>
-                    </m:r>
-                    <m:sSubSup>
-                      <m:sSubSupPr>
-                        <m:ctrlPr>
-                          <a:rPr lang="ru-RU" sz="2200" i="1">
-                            <a:latin typeface="Cambria Math" panose="02040503050406030204" pitchFamily="18" charset="0"/>
-                            <a:ea typeface="Cambria Math" panose="02040503050406030204" pitchFamily="18" charset="0"/>
-                            <a:cs typeface="Times New Roman" panose="02020603050405020304" pitchFamily="18" charset="0"/>
-                          </a:rPr>
-                        </m:ctrlPr>
-                      </m:sSubSupPr>
-                      <m:e>
-                        <m:r>
-                          <a:rPr lang="ru-RU" sz="2200" i="1">
-                            <a:latin typeface="Cambria Math" panose="02040503050406030204" pitchFamily="18" charset="0"/>
-                            <a:ea typeface="Cambria Math" panose="02040503050406030204" pitchFamily="18" charset="0"/>
-                            <a:cs typeface="Times New Roman" panose="02020603050405020304" pitchFamily="18" charset="0"/>
-                          </a:rPr>
-                          <m:t>𝜆</m:t>
-                        </m:r>
-                      </m:e>
-                      <m:sub>
-                        <m:r>
-                          <a:rPr lang="en-US" sz="2200" i="1">
-                            <a:latin typeface="Cambria Math" panose="02040503050406030204" pitchFamily="18" charset="0"/>
-                            <a:ea typeface="Cambria Math" panose="02040503050406030204" pitchFamily="18" charset="0"/>
-                            <a:cs typeface="Times New Roman" panose="02020603050405020304" pitchFamily="18" charset="0"/>
-                          </a:rPr>
-                          <m:t>𝑝</m:t>
-                        </m:r>
-                      </m:sub>
-                      <m:sup>
-                        <m:sSup>
-                          <m:sSupPr>
-                            <m:ctrlPr>
-                              <a:rPr lang="en-US" sz="2200" i="1">
-                                <a:latin typeface="Cambria Math" panose="02040503050406030204" pitchFamily="18" charset="0"/>
-                                <a:ea typeface="Cambria Math" panose="02040503050406030204" pitchFamily="18" charset="0"/>
-                                <a:cs typeface="Times New Roman" panose="02020603050405020304" pitchFamily="18" charset="0"/>
-                              </a:rPr>
-                            </m:ctrlPr>
-                          </m:sSupPr>
-                          <m:e>
-                            <m:r>
-                              <a:rPr lang="en-US" sz="2200" i="1">
-                                <a:latin typeface="Cambria Math" panose="02040503050406030204" pitchFamily="18" charset="0"/>
-                                <a:ea typeface="Cambria Math" panose="02040503050406030204" pitchFamily="18" charset="0"/>
-                                <a:cs typeface="Times New Roman" panose="02020603050405020304" pitchFamily="18" charset="0"/>
-                              </a:rPr>
-                              <m:t>𝑠</m:t>
-                            </m:r>
-                          </m:e>
-                          <m:sup>
-                            <m:r>
-                              <a:rPr lang="en-US" sz="2200" i="1">
-                                <a:latin typeface="Cambria Math" panose="02040503050406030204" pitchFamily="18" charset="0"/>
-                                <a:ea typeface="Cambria Math" panose="02040503050406030204" pitchFamily="18" charset="0"/>
-                                <a:cs typeface="Times New Roman" panose="02020603050405020304" pitchFamily="18" charset="0"/>
-                              </a:rPr>
-                              <m:t>′</m:t>
-                            </m:r>
-                          </m:sup>
-                        </m:sSup>
-                      </m:sup>
-                    </m:sSubSup>
-                    <m:r>
-                      <a:rPr lang="en-US" sz="2200" i="1">
-                        <a:latin typeface="Cambria Math" panose="02040503050406030204" pitchFamily="18" charset="0"/>
-                        <a:ea typeface="Cambria Math" panose="02040503050406030204" pitchFamily="18" charset="0"/>
-                        <a:cs typeface="Times New Roman" panose="02020603050405020304" pitchFamily="18" charset="0"/>
-                      </a:rPr>
-                      <m:t>, </m:t>
-                    </m:r>
-                  </m:oMath>
-                </a14:m>
-                <a:r>
-                  <a:rPr lang="ru-RU" sz="2200" dirty="0">
-                    <a:latin typeface="Times New Roman" panose="02020603050405020304" pitchFamily="18" charset="0"/>
-                    <a:cs typeface="Times New Roman" panose="02020603050405020304" pitchFamily="18" charset="0"/>
-                  </a:rPr>
-                  <a:t>где</a:t>
-                </a:r>
-                <a:r>
-                  <a:rPr lang="en-US" sz="2200" dirty="0">
-                    <a:latin typeface="Times New Roman" panose="02020603050405020304" pitchFamily="18" charset="0"/>
-                    <a:cs typeface="Times New Roman" panose="02020603050405020304" pitchFamily="18" charset="0"/>
-                  </a:rPr>
-                  <a:t> </a:t>
-                </a:r>
-                <a14:m>
-                  <m:oMath xmlns:m="http://schemas.openxmlformats.org/officeDocument/2006/math">
-                    <m:sSubSup>
-                      <m:sSubSupPr>
-                        <m:ctrlPr>
-                          <a:rPr lang="ru-RU" sz="2200" i="1">
-                            <a:latin typeface="Cambria Math" panose="02040503050406030204" pitchFamily="18" charset="0"/>
-                            <a:ea typeface="Cambria Math" panose="02040503050406030204" pitchFamily="18" charset="0"/>
-                            <a:cs typeface="Times New Roman" panose="02020603050405020304" pitchFamily="18" charset="0"/>
-                          </a:rPr>
-                        </m:ctrlPr>
-                      </m:sSubSupPr>
-                      <m:e>
-                        <m:r>
-                          <a:rPr lang="ru-RU" sz="2200" i="1">
-                            <a:latin typeface="Cambria Math" panose="02040503050406030204" pitchFamily="18" charset="0"/>
-                            <a:ea typeface="Cambria Math" panose="02040503050406030204" pitchFamily="18" charset="0"/>
-                            <a:cs typeface="Times New Roman" panose="02020603050405020304" pitchFamily="18" charset="0"/>
-                          </a:rPr>
-                          <m:t>𝜆</m:t>
-                        </m:r>
-                      </m:e>
-                      <m:sub>
-                        <m:r>
-                          <a:rPr lang="en-US" sz="2200" i="1">
-                            <a:latin typeface="Cambria Math" panose="02040503050406030204" pitchFamily="18" charset="0"/>
-                            <a:ea typeface="Cambria Math" panose="02040503050406030204" pitchFamily="18" charset="0"/>
-                            <a:cs typeface="Times New Roman" panose="02020603050405020304" pitchFamily="18" charset="0"/>
-                          </a:rPr>
-                          <m:t>𝑝</m:t>
-                        </m:r>
-                      </m:sub>
-                      <m:sup>
-                        <m:r>
-                          <a:rPr lang="en-US" sz="2200" i="1">
-                            <a:latin typeface="Cambria Math" panose="02040503050406030204" pitchFamily="18" charset="0"/>
-                            <a:ea typeface="Cambria Math" panose="02040503050406030204" pitchFamily="18" charset="0"/>
-                            <a:cs typeface="Times New Roman" panose="02020603050405020304" pitchFamily="18" charset="0"/>
-                          </a:rPr>
-                          <m:t>𝑠</m:t>
-                        </m:r>
-                        <m:r>
-                          <a:rPr lang="en-US" sz="2200" i="1">
-                            <a:latin typeface="Cambria Math" panose="02040503050406030204" pitchFamily="18" charset="0"/>
-                            <a:ea typeface="Cambria Math" panose="02040503050406030204" pitchFamily="18" charset="0"/>
-                            <a:cs typeface="Times New Roman" panose="02020603050405020304" pitchFamily="18" charset="0"/>
-                          </a:rPr>
-                          <m:t>′</m:t>
-                        </m:r>
-                      </m:sup>
-                    </m:sSubSup>
-                  </m:oMath>
-                </a14:m>
-                <a:r>
-                  <a:rPr lang="ru-RU" sz="2200" dirty="0">
-                    <a:latin typeface="Times New Roman" panose="02020603050405020304" pitchFamily="18" charset="0"/>
-                    <a:cs typeface="Times New Roman" panose="02020603050405020304" pitchFamily="18" charset="0"/>
-                  </a:rPr>
-                  <a:t> – количество</a:t>
-                </a:r>
-                <a:r>
-                  <a:rPr lang="en-US" sz="2200" dirty="0">
-                    <a:latin typeface="Times New Roman" panose="02020603050405020304" pitchFamily="18" charset="0"/>
-                    <a:cs typeface="Times New Roman" panose="02020603050405020304" pitchFamily="18" charset="0"/>
-                  </a:rPr>
-                  <a:t> </a:t>
-                </a:r>
-                <a:r>
-                  <a:rPr lang="ru-RU" sz="2200" dirty="0">
-                    <a:latin typeface="Times New Roman" panose="02020603050405020304" pitchFamily="18" charset="0"/>
-                    <a:cs typeface="Times New Roman" panose="02020603050405020304" pitchFamily="18" charset="0"/>
-                  </a:rPr>
-                  <a:t>вхождений шаблона </a:t>
-                </a:r>
-                <a14:m>
-                  <m:oMath xmlns:m="http://schemas.openxmlformats.org/officeDocument/2006/math">
-                    <m:r>
-                      <a:rPr lang="en-US" sz="2200" i="1">
-                        <a:latin typeface="Cambria Math" panose="02040503050406030204" pitchFamily="18" charset="0"/>
-                        <a:ea typeface="Cambria Math" panose="02040503050406030204" pitchFamily="18" charset="0"/>
-                        <a:cs typeface="Times New Roman" panose="02020603050405020304" pitchFamily="18" charset="0"/>
-                      </a:rPr>
-                      <m:t>𝑝</m:t>
-                    </m:r>
-                  </m:oMath>
-                </a14:m>
-                <a:r>
-                  <a:rPr lang="ru-RU" sz="2200" dirty="0">
-                    <a:latin typeface="Times New Roman" panose="02020603050405020304" pitchFamily="18" charset="0"/>
-                    <a:cs typeface="Times New Roman" panose="02020603050405020304" pitchFamily="18" charset="0"/>
-                  </a:rPr>
-                  <a:t> в сессию </a:t>
-                </a:r>
-                <a14:m>
-                  <m:oMath xmlns:m="http://schemas.openxmlformats.org/officeDocument/2006/math">
-                    <m:r>
-                      <a:rPr lang="en-US" sz="2200" i="1">
-                        <a:latin typeface="Cambria Math" panose="02040503050406030204" pitchFamily="18" charset="0"/>
-                        <a:ea typeface="Cambria Math" panose="02040503050406030204" pitchFamily="18" charset="0"/>
-                        <a:cs typeface="Times New Roman" panose="02020603050405020304" pitchFamily="18" charset="0"/>
-                      </a:rPr>
-                      <m:t>𝑠</m:t>
-                    </m:r>
-                    <m:r>
-                      <a:rPr lang="en-US" sz="2200" i="1">
-                        <a:latin typeface="Cambria Math" panose="02040503050406030204" pitchFamily="18" charset="0"/>
-                        <a:ea typeface="Cambria Math" panose="02040503050406030204" pitchFamily="18" charset="0"/>
-                        <a:cs typeface="Times New Roman" panose="02020603050405020304" pitchFamily="18" charset="0"/>
-                      </a:rPr>
-                      <m:t>′</m:t>
-                    </m:r>
-                  </m:oMath>
-                </a14:m>
-                <a:r>
-                  <a:rPr lang="ru-RU" sz="2200" dirty="0">
-                    <a:latin typeface="Times New Roman" panose="02020603050405020304" pitchFamily="18" charset="0"/>
-                    <a:cs typeface="Times New Roman" panose="02020603050405020304" pitchFamily="18" charset="0"/>
-                  </a:rPr>
-                  <a:t>; </a:t>
-                </a:r>
-                <a14:m>
-                  <m:oMath xmlns:m="http://schemas.openxmlformats.org/officeDocument/2006/math">
-                    <m:r>
-                      <a:rPr lang="en-US" sz="2200" i="1">
-                        <a:latin typeface="Cambria Math" panose="02040503050406030204" pitchFamily="18" charset="0"/>
-                        <a:ea typeface="Cambria Math" panose="02040503050406030204" pitchFamily="18" charset="0"/>
-                        <a:cs typeface="Times New Roman" panose="02020603050405020304" pitchFamily="18" charset="0"/>
-                      </a:rPr>
-                      <m:t>𝑞</m:t>
-                    </m:r>
-                  </m:oMath>
-                </a14:m>
-                <a:r>
-                  <a:rPr lang="ru-RU" sz="2200" dirty="0">
-                    <a:latin typeface="Times New Roman" panose="02020603050405020304" pitchFamily="18" charset="0"/>
-                    <a:cs typeface="Times New Roman" panose="02020603050405020304" pitchFamily="18" charset="0"/>
-                  </a:rPr>
-                  <a:t> – длина шаблона </a:t>
-                </a:r>
-                <a14:m>
-                  <m:oMath xmlns:m="http://schemas.openxmlformats.org/officeDocument/2006/math">
-                    <m:r>
-                      <a:rPr lang="en-US" sz="2200" i="1">
-                        <a:latin typeface="Cambria Math" panose="02040503050406030204" pitchFamily="18" charset="0"/>
-                        <a:ea typeface="Cambria Math" panose="02040503050406030204" pitchFamily="18" charset="0"/>
-                        <a:cs typeface="Times New Roman" panose="02020603050405020304" pitchFamily="18" charset="0"/>
-                      </a:rPr>
-                      <m:t>𝑝</m:t>
-                    </m:r>
-                  </m:oMath>
-                </a14:m>
-                <a:r>
-                  <a:rPr lang="ru-RU" sz="2200" dirty="0">
-                    <a:latin typeface="Times New Roman" panose="02020603050405020304" pitchFamily="18" charset="0"/>
-                    <a:cs typeface="Times New Roman" panose="02020603050405020304" pitchFamily="18" charset="0"/>
-                  </a:rPr>
-                  <a:t>; </a:t>
-                </a:r>
-                <a14:m>
-                  <m:oMath xmlns:m="http://schemas.openxmlformats.org/officeDocument/2006/math">
-                    <m:r>
-                      <a:rPr lang="en-US" sz="2200" i="1">
-                        <a:latin typeface="Cambria Math" panose="02040503050406030204" pitchFamily="18" charset="0"/>
-                        <a:ea typeface="Cambria Math" panose="02040503050406030204" pitchFamily="18" charset="0"/>
-                        <a:cs typeface="Times New Roman" panose="02020603050405020304" pitchFamily="18" charset="0"/>
-                      </a:rPr>
-                      <m:t>𝑙</m:t>
-                    </m:r>
-                  </m:oMath>
-                </a14:m>
-                <a:r>
-                  <a:rPr lang="ru-RU" sz="2200" dirty="0">
-                    <a:latin typeface="Times New Roman" panose="02020603050405020304" pitchFamily="18" charset="0"/>
-                    <a:cs typeface="Times New Roman" panose="02020603050405020304" pitchFamily="18" charset="0"/>
-                  </a:rPr>
-                  <a:t> – длина сессии </a:t>
-                </a:r>
-                <a14:m>
-                  <m:oMath xmlns:m="http://schemas.openxmlformats.org/officeDocument/2006/math">
-                    <m:sSup>
-                      <m:sSupPr>
-                        <m:ctrlPr>
-                          <a:rPr lang="en-US" sz="2200" i="1">
-                            <a:latin typeface="Cambria Math" panose="02040503050406030204" pitchFamily="18" charset="0"/>
-                            <a:ea typeface="Cambria Math" panose="02040503050406030204" pitchFamily="18" charset="0"/>
-                            <a:cs typeface="Times New Roman" panose="02020603050405020304" pitchFamily="18" charset="0"/>
-                          </a:rPr>
-                        </m:ctrlPr>
-                      </m:sSupPr>
-                      <m:e>
-                        <m:r>
-                          <a:rPr lang="en-US" sz="2200" i="1">
-                            <a:latin typeface="Cambria Math" panose="02040503050406030204" pitchFamily="18" charset="0"/>
-                            <a:ea typeface="Cambria Math" panose="02040503050406030204" pitchFamily="18" charset="0"/>
-                            <a:cs typeface="Times New Roman" panose="02020603050405020304" pitchFamily="18" charset="0"/>
-                          </a:rPr>
-                          <m:t>𝑠</m:t>
-                        </m:r>
-                      </m:e>
-                      <m:sup>
-                        <m:r>
-                          <a:rPr lang="en-US" sz="2200" i="1">
-                            <a:latin typeface="Cambria Math" panose="02040503050406030204" pitchFamily="18" charset="0"/>
-                            <a:ea typeface="Cambria Math" panose="02040503050406030204" pitchFamily="18" charset="0"/>
-                            <a:cs typeface="Times New Roman" panose="02020603050405020304" pitchFamily="18" charset="0"/>
-                          </a:rPr>
-                          <m:t>′</m:t>
-                        </m:r>
-                      </m:sup>
-                    </m:sSup>
-                  </m:oMath>
-                </a14:m>
-                <a:r>
-                  <a:rPr lang="en-US" sz="2200" dirty="0">
-                    <a:latin typeface="Times New Roman" panose="02020603050405020304" pitchFamily="18" charset="0"/>
-                    <a:ea typeface="Times New Roman" panose="02020603050405020304" pitchFamily="18" charset="0"/>
-                    <a:cs typeface="Times New Roman" panose="02020603050405020304" pitchFamily="18" charset="0"/>
-                  </a:rPr>
-                  <a:t>.</a:t>
-                </a:r>
-                <a:endParaRPr lang="ru-RU" sz="2200" dirty="0">
-                  <a:latin typeface="Times New Roman" panose="02020603050405020304" pitchFamily="18" charset="0"/>
-                  <a:ea typeface="Times New Roman" panose="02020603050405020304" pitchFamily="18" charset="0"/>
-                  <a:cs typeface="Times New Roman" panose="02020603050405020304" pitchFamily="18" charset="0"/>
-                </a:endParaRPr>
-              </a:p>
-              <a:p>
-                <a:pPr indent="0">
-                  <a:lnSpc>
-                    <a:spcPct val="100000"/>
-                  </a:lnSpc>
-                  <a:buNone/>
-                </a:pPr>
-                <a:r>
-                  <a:rPr lang="ru-RU" sz="2200" dirty="0">
-                    <a:latin typeface="Times New Roman" panose="02020603050405020304" pitchFamily="18" charset="0"/>
-                    <a:ea typeface="Times New Roman" panose="02020603050405020304" pitchFamily="18" charset="0"/>
-                    <a:cs typeface="Times New Roman" panose="02020603050405020304" pitchFamily="18" charset="0"/>
-                  </a:rPr>
-                  <a:t>Например, пусть имеется сессия </a:t>
-                </a:r>
-                <a:r>
-                  <a:rPr lang="ru-RU" sz="2200" b="0" i="0" u="none" strike="noStrike" baseline="0" dirty="0">
-                    <a:latin typeface="Times New Roman" panose="02020603050405020304" pitchFamily="18" charset="0"/>
-                    <a:cs typeface="Times New Roman" panose="02020603050405020304" pitchFamily="18" charset="0"/>
-                  </a:rPr>
-                  <a:t>⟨2, 1, 2, 1, 3, 2, 1, 2, 1, 3⟩.</a:t>
-                </a:r>
-                <a:br>
-                  <a:rPr lang="en-US" sz="2200" b="0" i="0" u="none" strike="noStrike" baseline="0" dirty="0">
-                    <a:latin typeface="Times New Roman" panose="02020603050405020304" pitchFamily="18" charset="0"/>
-                    <a:cs typeface="Times New Roman" panose="02020603050405020304" pitchFamily="18" charset="0"/>
-                  </a:rPr>
-                </a:br>
-                <a:r>
-                  <a:rPr lang="ru-RU" sz="2200" dirty="0">
-                    <a:latin typeface="Times New Roman" panose="02020603050405020304" pitchFamily="18" charset="0"/>
-                    <a:cs typeface="Times New Roman" panose="02020603050405020304" pitchFamily="18" charset="0"/>
-                  </a:rPr>
-                  <a:t>Рассчитаем кол-во вхождений (</a:t>
-                </a:r>
-                <a:r>
-                  <a:rPr lang="el-GR" sz="2200" dirty="0">
-                    <a:latin typeface="Times New Roman" panose="02020603050405020304" pitchFamily="18" charset="0"/>
-                    <a:cs typeface="Times New Roman" panose="02020603050405020304" pitchFamily="18" charset="0"/>
-                  </a:rPr>
-                  <a:t>μ</a:t>
-                </a:r>
-                <a:r>
-                  <a:rPr lang="ru-RU" sz="2200" dirty="0">
-                    <a:latin typeface="Times New Roman" panose="02020603050405020304" pitchFamily="18" charset="0"/>
-                    <a:cs typeface="Times New Roman" panose="02020603050405020304" pitchFamily="18" charset="0"/>
-                  </a:rPr>
-                  <a:t>) и поддержку (</a:t>
-                </a:r>
-                <a:r>
-                  <a:rPr lang="el-GR" sz="2200" dirty="0">
-                    <a:latin typeface="Times New Roman" panose="02020603050405020304" pitchFamily="18" charset="0"/>
-                    <a:cs typeface="Times New Roman" panose="02020603050405020304" pitchFamily="18" charset="0"/>
-                  </a:rPr>
-                  <a:t>λ</a:t>
-                </a:r>
-                <a:r>
-                  <a:rPr lang="ru-RU" sz="2200" dirty="0">
-                    <a:latin typeface="Times New Roman" panose="02020603050405020304" pitchFamily="18" charset="0"/>
-                    <a:cs typeface="Times New Roman" panose="02020603050405020304" pitchFamily="18" charset="0"/>
-                  </a:rPr>
-                  <a:t>) для следующих шаблонов:</a:t>
-                </a:r>
-              </a:p>
-              <a:p>
-                <a:pPr indent="0">
-                  <a:lnSpc>
-                    <a:spcPct val="100000"/>
-                  </a:lnSpc>
-                  <a:buNone/>
-                </a:pPr>
-                <a:r>
-                  <a:rPr lang="en-US" sz="2200" dirty="0">
-                    <a:latin typeface="Times New Roman" panose="02020603050405020304" pitchFamily="18" charset="0"/>
-                    <a:cs typeface="Times New Roman" panose="02020603050405020304" pitchFamily="18" charset="0"/>
-                  </a:rPr>
-                  <a:t>p1 = 〈2, 1〉, </a:t>
-                </a:r>
-                <a:r>
-                  <a:rPr lang="el-GR" sz="2200" dirty="0">
-                    <a:latin typeface="Times New Roman" panose="02020603050405020304" pitchFamily="18" charset="0"/>
-                    <a:cs typeface="Times New Roman" panose="02020603050405020304" pitchFamily="18" charset="0"/>
-                  </a:rPr>
-                  <a:t>μ</a:t>
-                </a:r>
-                <a:r>
-                  <a:rPr lang="en-US" sz="2200" dirty="0">
-                    <a:latin typeface="Times New Roman" panose="02020603050405020304" pitchFamily="18" charset="0"/>
-                    <a:cs typeface="Times New Roman" panose="02020603050405020304" pitchFamily="18" charset="0"/>
-                  </a:rPr>
-                  <a:t> = 4, </a:t>
-                </a:r>
-                <a:r>
-                  <a:rPr lang="el-GR" sz="2200" dirty="0">
-                    <a:latin typeface="Times New Roman" panose="02020603050405020304" pitchFamily="18" charset="0"/>
-                    <a:cs typeface="Times New Roman" panose="02020603050405020304" pitchFamily="18" charset="0"/>
-                  </a:rPr>
-                  <a:t>λ</a:t>
-                </a:r>
-                <a:r>
-                  <a:rPr lang="en-US" sz="2200" dirty="0">
-                    <a:latin typeface="Times New Roman" panose="02020603050405020304" pitchFamily="18" charset="0"/>
-                    <a:cs typeface="Times New Roman" panose="02020603050405020304" pitchFamily="18" charset="0"/>
-                  </a:rPr>
-                  <a:t> = 0.8;</a:t>
-                </a:r>
-                <a:br>
-                  <a:rPr lang="ru-RU" sz="2200" dirty="0">
-                    <a:latin typeface="Times New Roman" panose="02020603050405020304" pitchFamily="18" charset="0"/>
-                    <a:cs typeface="Times New Roman" panose="02020603050405020304" pitchFamily="18" charset="0"/>
-                  </a:rPr>
-                </a:br>
-                <a:r>
-                  <a:rPr lang="en-US" sz="2200" dirty="0">
-                    <a:latin typeface="Times New Roman" panose="02020603050405020304" pitchFamily="18" charset="0"/>
-                    <a:cs typeface="Times New Roman" panose="02020603050405020304" pitchFamily="18" charset="0"/>
-                  </a:rPr>
-                  <a:t>p2 = 〈2, 1, 2, 1〉, </a:t>
-                </a:r>
-                <a:r>
-                  <a:rPr lang="el-GR" sz="2200" dirty="0">
-                    <a:latin typeface="Times New Roman" panose="02020603050405020304" pitchFamily="18" charset="0"/>
-                    <a:cs typeface="Times New Roman" panose="02020603050405020304" pitchFamily="18" charset="0"/>
-                  </a:rPr>
-                  <a:t>μ</a:t>
-                </a:r>
-                <a:r>
-                  <a:rPr lang="en-US" sz="2200" dirty="0">
-                    <a:latin typeface="Times New Roman" panose="02020603050405020304" pitchFamily="18" charset="0"/>
-                    <a:cs typeface="Times New Roman" panose="02020603050405020304" pitchFamily="18" charset="0"/>
-                  </a:rPr>
-                  <a:t> = 2, </a:t>
-                </a:r>
-                <a:r>
-                  <a:rPr lang="el-GR" sz="2200" dirty="0">
-                    <a:latin typeface="Times New Roman" panose="02020603050405020304" pitchFamily="18" charset="0"/>
-                    <a:cs typeface="Times New Roman" panose="02020603050405020304" pitchFamily="18" charset="0"/>
-                  </a:rPr>
-                  <a:t>λ</a:t>
-                </a:r>
-                <a:r>
-                  <a:rPr lang="en-US" sz="2200" dirty="0">
-                    <a:latin typeface="Times New Roman" panose="02020603050405020304" pitchFamily="18" charset="0"/>
-                    <a:cs typeface="Times New Roman" panose="02020603050405020304" pitchFamily="18" charset="0"/>
-                  </a:rPr>
-                  <a:t> = 0.8;</a:t>
-                </a:r>
-                <a:br>
-                  <a:rPr lang="ru-RU" sz="2200" dirty="0">
-                    <a:latin typeface="Times New Roman" panose="02020603050405020304" pitchFamily="18" charset="0"/>
-                    <a:cs typeface="Times New Roman" panose="02020603050405020304" pitchFamily="18" charset="0"/>
-                  </a:rPr>
-                </a:br>
-                <a:r>
-                  <a:rPr lang="en-US" sz="2200" dirty="0">
-                    <a:latin typeface="Times New Roman" panose="02020603050405020304" pitchFamily="18" charset="0"/>
-                    <a:cs typeface="Times New Roman" panose="02020603050405020304" pitchFamily="18" charset="0"/>
-                  </a:rPr>
-                  <a:t>p3 = 〈2, 1, 2, 1, 3〉, </a:t>
-                </a:r>
-                <a:r>
-                  <a:rPr lang="el-GR" sz="2200" dirty="0">
-                    <a:latin typeface="Times New Roman" panose="02020603050405020304" pitchFamily="18" charset="0"/>
-                    <a:cs typeface="Times New Roman" panose="02020603050405020304" pitchFamily="18" charset="0"/>
-                  </a:rPr>
-                  <a:t>μ</a:t>
-                </a:r>
-                <a:r>
-                  <a:rPr lang="en-US" sz="2200" dirty="0">
-                    <a:latin typeface="Times New Roman" panose="02020603050405020304" pitchFamily="18" charset="0"/>
-                    <a:cs typeface="Times New Roman" panose="02020603050405020304" pitchFamily="18" charset="0"/>
-                  </a:rPr>
-                  <a:t> = 2, </a:t>
-                </a:r>
-                <a:r>
-                  <a:rPr lang="el-GR" sz="2200" dirty="0">
-                    <a:latin typeface="Times New Roman" panose="02020603050405020304" pitchFamily="18" charset="0"/>
-                    <a:cs typeface="Times New Roman" panose="02020603050405020304" pitchFamily="18" charset="0"/>
-                  </a:rPr>
-                  <a:t>λ</a:t>
-                </a:r>
-                <a:r>
-                  <a:rPr lang="en-US" sz="2200" dirty="0">
-                    <a:latin typeface="Times New Roman" panose="02020603050405020304" pitchFamily="18" charset="0"/>
-                    <a:cs typeface="Times New Roman" panose="02020603050405020304" pitchFamily="18" charset="0"/>
-                  </a:rPr>
-                  <a:t> = 1;</a:t>
-                </a:r>
-                <a:br>
-                  <a:rPr lang="ru-RU" sz="2200" dirty="0">
-                    <a:latin typeface="Times New Roman" panose="02020603050405020304" pitchFamily="18" charset="0"/>
-                    <a:cs typeface="Times New Roman" panose="02020603050405020304" pitchFamily="18" charset="0"/>
-                  </a:rPr>
-                </a:br>
-                <a:r>
-                  <a:rPr lang="en-US" sz="2200" dirty="0">
-                    <a:latin typeface="Times New Roman" panose="02020603050405020304" pitchFamily="18" charset="0"/>
-                    <a:cs typeface="Times New Roman" panose="02020603050405020304" pitchFamily="18" charset="0"/>
-                  </a:rPr>
-                  <a:t>p4 = 〈3, 2, 1, 2, 1〉, </a:t>
-                </a:r>
-                <a:r>
-                  <a:rPr lang="el-GR" sz="2200" dirty="0">
-                    <a:latin typeface="Times New Roman" panose="02020603050405020304" pitchFamily="18" charset="0"/>
-                    <a:cs typeface="Times New Roman" panose="02020603050405020304" pitchFamily="18" charset="0"/>
-                  </a:rPr>
-                  <a:t>μ</a:t>
-                </a:r>
-                <a:r>
-                  <a:rPr lang="en-US" sz="2200" dirty="0">
-                    <a:latin typeface="Times New Roman" panose="02020603050405020304" pitchFamily="18" charset="0"/>
-                    <a:cs typeface="Times New Roman" panose="02020603050405020304" pitchFamily="18" charset="0"/>
-                  </a:rPr>
-                  <a:t> = 1, </a:t>
-                </a:r>
-                <a:r>
-                  <a:rPr lang="el-GR" sz="2200" dirty="0">
-                    <a:latin typeface="Times New Roman" panose="02020603050405020304" pitchFamily="18" charset="0"/>
-                    <a:cs typeface="Times New Roman" panose="02020603050405020304" pitchFamily="18" charset="0"/>
-                  </a:rPr>
-                  <a:t>λ</a:t>
-                </a:r>
-                <a:r>
-                  <a:rPr lang="en-US" sz="2200" dirty="0">
-                    <a:latin typeface="Times New Roman" panose="02020603050405020304" pitchFamily="18" charset="0"/>
-                    <a:cs typeface="Times New Roman" panose="02020603050405020304" pitchFamily="18" charset="0"/>
-                  </a:rPr>
-                  <a:t> = 0.5.</a:t>
-                </a:r>
-                <a:endParaRPr lang="ru-RU" sz="2200" b="0" i="1" dirty="0">
-                  <a:latin typeface="Cambria Math" panose="02040503050406030204" pitchFamily="18" charset="0"/>
-                  <a:ea typeface="Cambria Math" panose="02040503050406030204" pitchFamily="18" charset="0"/>
-                  <a:cs typeface="Times New Roman" panose="02020603050405020304" pitchFamily="18" charset="0"/>
-                </a:endParaRPr>
-              </a:p>
-            </p:txBody>
-          </p:sp>
-        </mc:Choice>
-        <mc:Fallback xmlns="">
-          <p:sp>
-            <p:nvSpPr>
-              <p:cNvPr id="3" name="Объект 2">
-                <a:extLst>
-                  <a:ext uri="{FF2B5EF4-FFF2-40B4-BE49-F238E27FC236}">
-                    <a16:creationId xmlns:a16="http://schemas.microsoft.com/office/drawing/2014/main" id="{68541323-2632-074C-E69F-FC80AB230174}"/>
-                  </a:ext>
-                </a:extLst>
-              </p:cNvPr>
-              <p:cNvSpPr>
-                <a:spLocks noGrp="1" noRot="1" noChangeAspect="1" noMove="1" noResize="1" noEditPoints="1" noAdjustHandles="1" noChangeArrowheads="1" noChangeShapeType="1" noTextEdit="1"/>
-              </p:cNvSpPr>
-              <p:nvPr>
-                <p:ph idx="1"/>
-              </p:nvPr>
-            </p:nvSpPr>
-            <p:spPr>
-              <a:xfrm>
-                <a:off x="428017" y="1253331"/>
-                <a:ext cx="11182378" cy="5168894"/>
-              </a:xfrm>
-              <a:blipFill>
-                <a:blip r:embed="rId2"/>
-                <a:stretch>
-                  <a:fillRect t="-825"/>
-                </a:stretch>
-              </a:blipFill>
-            </p:spPr>
-            <p:txBody>
-              <a:bodyPr/>
-              <a:lstStyle/>
-              <a:p>
-                <a:r>
-                  <a:rPr lang="ru-RU">
-                    <a:noFill/>
-                  </a:rPr>
-                  <a:t> </a:t>
-                </a:r>
-              </a:p>
-            </p:txBody>
-          </p:sp>
-        </mc:Fallback>
-      </mc:AlternateContent>
-      <p:sp>
-        <p:nvSpPr>
-          <p:cNvPr id="4" name="Номер слайда 3">
-            <a:extLst>
-              <a:ext uri="{FF2B5EF4-FFF2-40B4-BE49-F238E27FC236}">
-                <a16:creationId xmlns:a16="http://schemas.microsoft.com/office/drawing/2014/main" id="{80FEEFAF-0D6B-464C-7360-370FF23083CC}"/>
-              </a:ext>
-            </a:extLst>
-          </p:cNvPr>
-          <p:cNvSpPr>
-            <a:spLocks noGrp="1"/>
-          </p:cNvSpPr>
-          <p:nvPr>
-            <p:ph type="sldNum" sz="quarter" idx="12"/>
-          </p:nvPr>
-        </p:nvSpPr>
-        <p:spPr/>
-        <p:txBody>
-          <a:bodyPr/>
-          <a:lstStyle/>
-          <a:p>
-            <a:fld id="{E83D2FD5-BBDA-43D0-B172-791327EA2B6A}" type="slidenum">
-              <a:rPr lang="ru-RU" smtClean="0"/>
-              <a:t>5</a:t>
-            </a:fld>
-            <a:endParaRPr lang="ru-RU" dirty="0"/>
-          </a:p>
-        </p:txBody>
-      </p:sp>
-    </p:spTree>
-    <p:extLst>
-      <p:ext uri="{BB962C8B-B14F-4D97-AF65-F5344CB8AC3E}">
-        <p14:creationId xmlns:p14="http://schemas.microsoft.com/office/powerpoint/2010/main" val="3938674021"/>
-      </p:ext>
-    </p:extLst>
-  </p:cSld>
-  <p:clrMapOvr>
-    <a:masterClrMapping/>
-  </p:clrMapOvr>
-</p:sld>
-</file>
-
-<file path=ppt/slides/slide6.xml><?xml version="1.0" encoding="utf-8"?>
 <p:sld xmlns:a="http://schemas.openxmlformats.org/drawingml/2006/main" xmlns:r="http://schemas.openxmlformats.org/officeDocument/2006/relationships" xmlns:p="http://schemas.openxmlformats.org/presentationml/2006/main">
   <p:cSld>
     <p:spTree>
@@ -7288,6 +6247,405 @@
 </p:sld>
 </file>
 
+<file path=ppt/slides/slide6.xml><?xml version="1.0" encoding="utf-8"?>
+<p:sld xmlns:a="http://schemas.openxmlformats.org/drawingml/2006/main" xmlns:r="http://schemas.openxmlformats.org/officeDocument/2006/relationships" xmlns:p="http://schemas.openxmlformats.org/presentationml/2006/main">
+  <p:cSld>
+    <p:spTree>
+      <p:nvGrpSpPr>
+        <p:cNvPr id="1" name=""/>
+        <p:cNvGrpSpPr/>
+        <p:nvPr/>
+      </p:nvGrpSpPr>
+      <p:grpSpPr>
+        <a:xfrm>
+          <a:off x="0" y="0"/>
+          <a:ext cx="0" cy="0"/>
+          <a:chOff x="0" y="0"/>
+          <a:chExt cx="0" cy="0"/>
+        </a:xfrm>
+      </p:grpSpPr>
+      <p:sp>
+        <p:nvSpPr>
+          <p:cNvPr id="2" name="Заголовок 1">
+            <a:extLst>
+              <a:ext uri="{FF2B5EF4-FFF2-40B4-BE49-F238E27FC236}">
+                <a16:creationId xmlns:a16="http://schemas.microsoft.com/office/drawing/2014/main" id="{1802D59D-6A83-151A-EEA2-678960399BE4}"/>
+              </a:ext>
+            </a:extLst>
+          </p:cNvPr>
+          <p:cNvSpPr>
+            <a:spLocks noGrp="1"/>
+          </p:cNvSpPr>
+          <p:nvPr>
+            <p:ph type="title"/>
+          </p:nvPr>
+        </p:nvSpPr>
+        <p:spPr>
+          <a:xfrm>
+            <a:off x="428016" y="-72232"/>
+            <a:ext cx="11763983" cy="1325563"/>
+          </a:xfrm>
+        </p:spPr>
+        <p:txBody>
+          <a:bodyPr>
+            <a:normAutofit/>
+          </a:bodyPr>
+          <a:lstStyle/>
+          <a:p>
+            <a:r>
+              <a:rPr lang="ru-RU" sz="4000" b="1" dirty="0"/>
+              <a:t>Алгоритм </a:t>
+            </a:r>
+            <a:r>
+              <a:rPr lang="en-US" sz="4000" b="1" dirty="0"/>
+              <a:t>GSP</a:t>
+            </a:r>
+            <a:endParaRPr lang="ru-RU" sz="4000" b="1" dirty="0"/>
+          </a:p>
+        </p:txBody>
+      </p:sp>
+      <p:sp>
+        <p:nvSpPr>
+          <p:cNvPr id="4" name="Номер слайда 3">
+            <a:extLst>
+              <a:ext uri="{FF2B5EF4-FFF2-40B4-BE49-F238E27FC236}">
+                <a16:creationId xmlns:a16="http://schemas.microsoft.com/office/drawing/2014/main" id="{80FEEFAF-0D6B-464C-7360-370FF23083CC}"/>
+              </a:ext>
+            </a:extLst>
+          </p:cNvPr>
+          <p:cNvSpPr>
+            <a:spLocks noGrp="1"/>
+          </p:cNvSpPr>
+          <p:nvPr>
+            <p:ph type="sldNum" sz="quarter" idx="12"/>
+          </p:nvPr>
+        </p:nvSpPr>
+        <p:spPr/>
+        <p:txBody>
+          <a:bodyPr/>
+          <a:lstStyle/>
+          <a:p>
+            <a:fld id="{E83D2FD5-BBDA-43D0-B172-791327EA2B6A}" type="slidenum">
+              <a:rPr lang="ru-RU" smtClean="0"/>
+              <a:t>6</a:t>
+            </a:fld>
+            <a:endParaRPr lang="ru-RU" dirty="0"/>
+          </a:p>
+        </p:txBody>
+      </p:sp>
+      <p:sp>
+        <p:nvSpPr>
+          <p:cNvPr id="7" name="Объект 2">
+            <a:extLst>
+              <a:ext uri="{FF2B5EF4-FFF2-40B4-BE49-F238E27FC236}">
+                <a16:creationId xmlns:a16="http://schemas.microsoft.com/office/drawing/2014/main" id="{6CF8E559-CCDE-49E5-93F5-28EC1006FB11}"/>
+              </a:ext>
+            </a:extLst>
+          </p:cNvPr>
+          <p:cNvSpPr>
+            <a:spLocks noGrp="1"/>
+          </p:cNvSpPr>
+          <p:nvPr>
+            <p:ph idx="1"/>
+          </p:nvPr>
+        </p:nvSpPr>
+        <p:spPr>
+          <a:xfrm>
+            <a:off x="428017" y="1253331"/>
+            <a:ext cx="11182378" cy="5168894"/>
+          </a:xfrm>
+        </p:spPr>
+        <p:txBody>
+          <a:bodyPr>
+            <a:noAutofit/>
+          </a:bodyPr>
+          <a:lstStyle/>
+          <a:p>
+            <a:pPr marL="571500" indent="-342900" algn="just">
+              <a:lnSpc>
+                <a:spcPct val="100000"/>
+              </a:lnSpc>
+            </a:pPr>
+            <a:r>
+              <a:rPr lang="ru-RU" sz="2600" dirty="0">
+                <a:latin typeface="Times New Roman" panose="02020603050405020304" pitchFamily="18" charset="0"/>
+                <a:ea typeface="Times New Roman" panose="02020603050405020304" pitchFamily="18" charset="0"/>
+              </a:rPr>
+              <a:t>является модификацией алгоритма </a:t>
+            </a:r>
+            <a:r>
+              <a:rPr lang="ru-RU" sz="2600" dirty="0" err="1">
+                <a:latin typeface="Times New Roman" panose="02020603050405020304" pitchFamily="18" charset="0"/>
+                <a:ea typeface="Times New Roman" panose="02020603050405020304" pitchFamily="18" charset="0"/>
+              </a:rPr>
+              <a:t>Apriori</a:t>
+            </a:r>
+            <a:r>
+              <a:rPr lang="en-US" sz="2600" dirty="0">
+                <a:latin typeface="Times New Roman" panose="02020603050405020304" pitchFamily="18" charset="0"/>
+                <a:ea typeface="Times New Roman" panose="02020603050405020304" pitchFamily="18" charset="0"/>
+              </a:rPr>
+              <a:t>All;</a:t>
+            </a:r>
+          </a:p>
+          <a:p>
+            <a:pPr marL="571500" indent="-342900" algn="just">
+              <a:lnSpc>
+                <a:spcPct val="100000"/>
+              </a:lnSpc>
+            </a:pPr>
+            <a:r>
+              <a:rPr lang="ru-RU" sz="2600" dirty="0">
+                <a:latin typeface="Times New Roman" panose="02020603050405020304" pitchFamily="18" charset="0"/>
+                <a:ea typeface="Times New Roman" panose="02020603050405020304" pitchFamily="18" charset="0"/>
+              </a:rPr>
+              <a:t>учитывает ограничения по времени между соседними транзакциями и </a:t>
+            </a:r>
+            <a:r>
+              <a:rPr lang="en-US" sz="2600" dirty="0">
+                <a:latin typeface="Times New Roman" panose="02020603050405020304" pitchFamily="18" charset="0"/>
+                <a:ea typeface="Times New Roman" panose="02020603050405020304" pitchFamily="18" charset="0"/>
+              </a:rPr>
+              <a:t>id </a:t>
+            </a:r>
+            <a:r>
+              <a:rPr lang="ru-RU" sz="2600" dirty="0">
+                <a:latin typeface="Times New Roman" panose="02020603050405020304" pitchFamily="18" charset="0"/>
+                <a:ea typeface="Times New Roman" panose="02020603050405020304" pitchFamily="18" charset="0"/>
+              </a:rPr>
+              <a:t>клиента совершившего ее</a:t>
+            </a:r>
+            <a:r>
+              <a:rPr lang="en-US" sz="2600" dirty="0">
+                <a:latin typeface="Times New Roman" panose="02020603050405020304" pitchFamily="18" charset="0"/>
+                <a:ea typeface="Times New Roman" panose="02020603050405020304" pitchFamily="18" charset="0"/>
+              </a:rPr>
+              <a:t>;</a:t>
+            </a:r>
+            <a:endParaRPr lang="ru-RU" sz="2600" dirty="0">
+              <a:latin typeface="Times New Roman" panose="02020603050405020304" pitchFamily="18" charset="0"/>
+              <a:ea typeface="Times New Roman" panose="02020603050405020304" pitchFamily="18" charset="0"/>
+            </a:endParaRPr>
+          </a:p>
+          <a:p>
+            <a:pPr marL="571500" indent="-342900">
+              <a:lnSpc>
+                <a:spcPct val="100000"/>
+              </a:lnSpc>
+            </a:pPr>
+            <a:r>
+              <a:rPr lang="ru-RU" sz="2600" dirty="0">
+                <a:latin typeface="Times New Roman" panose="02020603050405020304" pitchFamily="18" charset="0"/>
+                <a:ea typeface="Times New Roman" panose="02020603050405020304" pitchFamily="18" charset="0"/>
+              </a:rPr>
+              <a:t>поддержка последовательности - это отношение числа покупателей, в чьих транзакциях присутствует указанная последовательность к общему числу покупателей.</a:t>
+            </a:r>
+          </a:p>
+          <a:p>
+            <a:pPr indent="0" algn="just">
+              <a:lnSpc>
+                <a:spcPct val="100000"/>
+              </a:lnSpc>
+              <a:buNone/>
+            </a:pPr>
+            <a:r>
+              <a:rPr lang="ru-RU" sz="2600" dirty="0">
+                <a:solidFill>
+                  <a:schemeClr val="tx1">
+                    <a:lumMod val="95000"/>
+                    <a:lumOff val="5000"/>
+                  </a:schemeClr>
+                </a:solidFill>
+                <a:latin typeface="Times New Roman" panose="02020603050405020304" pitchFamily="18" charset="0"/>
+                <a:ea typeface="Times New Roman" panose="02020603050405020304" pitchFamily="18" charset="0"/>
+              </a:rPr>
+              <a:t>В работе алгоритма можно выделить следующие основные этапы:</a:t>
+            </a:r>
+            <a:endParaRPr lang="en-US" sz="2600" dirty="0">
+              <a:solidFill>
+                <a:schemeClr val="tx1">
+                  <a:lumMod val="95000"/>
+                  <a:lumOff val="5000"/>
+                </a:schemeClr>
+              </a:solidFill>
+              <a:latin typeface="Times New Roman" panose="02020603050405020304" pitchFamily="18" charset="0"/>
+              <a:ea typeface="Times New Roman" panose="02020603050405020304" pitchFamily="18" charset="0"/>
+            </a:endParaRPr>
+          </a:p>
+          <a:p>
+            <a:pPr indent="0">
+              <a:lnSpc>
+                <a:spcPct val="100000"/>
+              </a:lnSpc>
+              <a:buNone/>
+            </a:pPr>
+            <a:r>
+              <a:rPr lang="en-US" sz="2600" dirty="0">
+                <a:solidFill>
+                  <a:schemeClr val="tx1">
+                    <a:lumMod val="95000"/>
+                    <a:lumOff val="5000"/>
+                  </a:schemeClr>
+                </a:solidFill>
+                <a:latin typeface="Times New Roman" panose="02020603050405020304" pitchFamily="18" charset="0"/>
+                <a:cs typeface="Times New Roman" panose="02020603050405020304" pitchFamily="18" charset="0"/>
+              </a:rPr>
+              <a:t>	1. </a:t>
+            </a:r>
+            <a:r>
+              <a:rPr lang="ru-RU" sz="2600" dirty="0">
+                <a:solidFill>
+                  <a:schemeClr val="tx1">
+                    <a:lumMod val="95000"/>
+                    <a:lumOff val="5000"/>
+                  </a:schemeClr>
+                </a:solidFill>
+                <a:latin typeface="Times New Roman" panose="02020603050405020304" pitchFamily="18" charset="0"/>
+                <a:cs typeface="Times New Roman" panose="02020603050405020304" pitchFamily="18" charset="0"/>
+              </a:rPr>
+              <a:t>Генерация кандидатов.</a:t>
+            </a:r>
+            <a:br>
+              <a:rPr lang="en-US" sz="2600" dirty="0">
+                <a:solidFill>
+                  <a:schemeClr val="tx1">
+                    <a:lumMod val="95000"/>
+                    <a:lumOff val="5000"/>
+                  </a:schemeClr>
+                </a:solidFill>
+                <a:latin typeface="Times New Roman" panose="02020603050405020304" pitchFamily="18" charset="0"/>
+                <a:cs typeface="Times New Roman" panose="02020603050405020304" pitchFamily="18" charset="0"/>
+              </a:rPr>
+            </a:br>
+            <a:r>
+              <a:rPr lang="en-US" sz="2600" dirty="0">
+                <a:solidFill>
+                  <a:schemeClr val="tx1">
+                    <a:lumMod val="95000"/>
+                    <a:lumOff val="5000"/>
+                  </a:schemeClr>
+                </a:solidFill>
+                <a:latin typeface="Times New Roman" panose="02020603050405020304" pitchFamily="18" charset="0"/>
+                <a:cs typeface="Times New Roman" panose="02020603050405020304" pitchFamily="18" charset="0"/>
+              </a:rPr>
+              <a:t>	    1.1. </a:t>
+            </a:r>
+            <a:r>
+              <a:rPr lang="ru-RU" sz="2600" dirty="0">
+                <a:solidFill>
+                  <a:schemeClr val="tx1">
+                    <a:lumMod val="95000"/>
+                    <a:lumOff val="5000"/>
+                  </a:schemeClr>
+                </a:solidFill>
+                <a:latin typeface="Times New Roman" panose="02020603050405020304" pitchFamily="18" charset="0"/>
+                <a:cs typeface="Times New Roman" panose="02020603050405020304" pitchFamily="18" charset="0"/>
+              </a:rPr>
+              <a:t>Объединение.</a:t>
+            </a:r>
+            <a:br>
+              <a:rPr lang="en-US" sz="2600" dirty="0">
+                <a:solidFill>
+                  <a:schemeClr val="tx1">
+                    <a:lumMod val="95000"/>
+                    <a:lumOff val="5000"/>
+                  </a:schemeClr>
+                </a:solidFill>
+                <a:latin typeface="Times New Roman" panose="02020603050405020304" pitchFamily="18" charset="0"/>
+                <a:cs typeface="Times New Roman" panose="02020603050405020304" pitchFamily="18" charset="0"/>
+              </a:rPr>
+            </a:br>
+            <a:r>
+              <a:rPr lang="en-US" sz="2600" dirty="0">
+                <a:solidFill>
+                  <a:schemeClr val="tx1">
+                    <a:lumMod val="95000"/>
+                    <a:lumOff val="5000"/>
+                  </a:schemeClr>
+                </a:solidFill>
+                <a:latin typeface="Times New Roman" panose="02020603050405020304" pitchFamily="18" charset="0"/>
+                <a:cs typeface="Times New Roman" panose="02020603050405020304" pitchFamily="18" charset="0"/>
+              </a:rPr>
+              <a:t>	    1.2. </a:t>
+            </a:r>
+            <a:r>
+              <a:rPr lang="ru-RU" sz="2600" dirty="0">
+                <a:solidFill>
+                  <a:schemeClr val="tx1">
+                    <a:lumMod val="95000"/>
+                    <a:lumOff val="5000"/>
+                  </a:schemeClr>
+                </a:solidFill>
+                <a:latin typeface="Times New Roman" panose="02020603050405020304" pitchFamily="18" charset="0"/>
+                <a:cs typeface="Times New Roman" panose="02020603050405020304" pitchFamily="18" charset="0"/>
+              </a:rPr>
+              <a:t>Упрощение.</a:t>
+            </a:r>
+            <a:br>
+              <a:rPr lang="en-US" sz="2600" dirty="0">
+                <a:solidFill>
+                  <a:schemeClr val="tx1">
+                    <a:lumMod val="95000"/>
+                    <a:lumOff val="5000"/>
+                  </a:schemeClr>
+                </a:solidFill>
+                <a:latin typeface="Times New Roman" panose="02020603050405020304" pitchFamily="18" charset="0"/>
+                <a:cs typeface="Times New Roman" panose="02020603050405020304" pitchFamily="18" charset="0"/>
+              </a:rPr>
+            </a:br>
+            <a:r>
+              <a:rPr lang="en-US" sz="2600" dirty="0">
+                <a:solidFill>
+                  <a:schemeClr val="tx1">
+                    <a:lumMod val="95000"/>
+                    <a:lumOff val="5000"/>
+                  </a:schemeClr>
+                </a:solidFill>
+                <a:latin typeface="Times New Roman" panose="02020603050405020304" pitchFamily="18" charset="0"/>
+                <a:cs typeface="Times New Roman" panose="02020603050405020304" pitchFamily="18" charset="0"/>
+              </a:rPr>
+              <a:t>	2. </a:t>
+            </a:r>
+            <a:r>
+              <a:rPr lang="ru-RU" sz="2600" dirty="0">
+                <a:solidFill>
+                  <a:schemeClr val="tx1">
+                    <a:lumMod val="95000"/>
+                    <a:lumOff val="5000"/>
+                  </a:schemeClr>
+                </a:solidFill>
+                <a:latin typeface="Times New Roman" panose="02020603050405020304" pitchFamily="18" charset="0"/>
+                <a:cs typeface="Times New Roman" panose="02020603050405020304" pitchFamily="18" charset="0"/>
+              </a:rPr>
+              <a:t>Подсчет поддержки кандидатов.</a:t>
+            </a:r>
+            <a:endParaRPr lang="en-US" sz="2600" dirty="0">
+              <a:solidFill>
+                <a:schemeClr val="tx1">
+                  <a:lumMod val="95000"/>
+                  <a:lumOff val="5000"/>
+                </a:schemeClr>
+              </a:solidFill>
+              <a:latin typeface="Times New Roman" panose="02020603050405020304" pitchFamily="18" charset="0"/>
+              <a:ea typeface="Times New Roman" panose="02020603050405020304" pitchFamily="18" charset="0"/>
+              <a:cs typeface="Times New Roman" panose="02020603050405020304" pitchFamily="18" charset="0"/>
+            </a:endParaRPr>
+          </a:p>
+        </p:txBody>
+      </p:sp>
+    </p:spTree>
+    <p:extLst>
+      <p:ext uri="{BB962C8B-B14F-4D97-AF65-F5344CB8AC3E}">
+        <p14:creationId xmlns:p14="http://schemas.microsoft.com/office/powerpoint/2010/main" val="2834239968"/>
+      </p:ext>
+    </p:extLst>
+  </p:cSld>
+  <p:clrMapOvr>
+    <a:masterClrMapping/>
+  </p:clrMapOvr>
+</p:sld>
+</file>
+
 <file path=ppt/slides/slide7.xml><?xml version="1.0" encoding="utf-8"?>
 <p:sld xmlns:a="http://schemas.openxmlformats.org/drawingml/2006/main" xmlns:r="http://schemas.openxmlformats.org/officeDocument/2006/relationships" xmlns:p="http://schemas.openxmlformats.org/presentationml/2006/main">
   <p:cSld>
@@ -7335,7 +6693,7 @@
           <a:p>
             <a:r>
               <a:rPr lang="ru-RU" sz="4000" b="1" dirty="0"/>
-              <a:t>Алгоритм </a:t>
+              <a:t>Пример работы алгоритма </a:t>
             </a:r>
             <a:r>
               <a:rPr lang="en-US" sz="4000" b="1" dirty="0"/>
@@ -7369,405 +6727,6 @@
             <a:fld id="{E83D2FD5-BBDA-43D0-B172-791327EA2B6A}" type="slidenum">
               <a:rPr lang="ru-RU" smtClean="0"/>
               <a:t>7</a:t>
-            </a:fld>
-            <a:endParaRPr lang="ru-RU" dirty="0"/>
-          </a:p>
-        </p:txBody>
-      </p:sp>
-      <p:sp>
-        <p:nvSpPr>
-          <p:cNvPr id="7" name="Объект 2">
-            <a:extLst>
-              <a:ext uri="{FF2B5EF4-FFF2-40B4-BE49-F238E27FC236}">
-                <a16:creationId xmlns:a16="http://schemas.microsoft.com/office/drawing/2014/main" id="{6CF8E559-CCDE-49E5-93F5-28EC1006FB11}"/>
-              </a:ext>
-            </a:extLst>
-          </p:cNvPr>
-          <p:cNvSpPr>
-            <a:spLocks noGrp="1"/>
-          </p:cNvSpPr>
-          <p:nvPr>
-            <p:ph idx="1"/>
-          </p:nvPr>
-        </p:nvSpPr>
-        <p:spPr>
-          <a:xfrm>
-            <a:off x="428017" y="1253331"/>
-            <a:ext cx="11182378" cy="5168894"/>
-          </a:xfrm>
-        </p:spPr>
-        <p:txBody>
-          <a:bodyPr>
-            <a:noAutofit/>
-          </a:bodyPr>
-          <a:lstStyle/>
-          <a:p>
-            <a:pPr marL="571500" indent="-342900" algn="just">
-              <a:lnSpc>
-                <a:spcPct val="100000"/>
-              </a:lnSpc>
-            </a:pPr>
-            <a:r>
-              <a:rPr lang="ru-RU" sz="2200" dirty="0">
-                <a:latin typeface="Times New Roman" panose="02020603050405020304" pitchFamily="18" charset="0"/>
-                <a:ea typeface="Times New Roman" panose="02020603050405020304" pitchFamily="18" charset="0"/>
-              </a:rPr>
-              <a:t>является модификацией алгоритма </a:t>
-            </a:r>
-            <a:r>
-              <a:rPr lang="ru-RU" sz="2200" dirty="0" err="1">
-                <a:latin typeface="Times New Roman" panose="02020603050405020304" pitchFamily="18" charset="0"/>
-                <a:ea typeface="Times New Roman" panose="02020603050405020304" pitchFamily="18" charset="0"/>
-              </a:rPr>
-              <a:t>Apriori</a:t>
-            </a:r>
-            <a:r>
-              <a:rPr lang="en-US" sz="2200" dirty="0">
-                <a:latin typeface="Times New Roman" panose="02020603050405020304" pitchFamily="18" charset="0"/>
-                <a:ea typeface="Times New Roman" panose="02020603050405020304" pitchFamily="18" charset="0"/>
-              </a:rPr>
-              <a:t>All;</a:t>
-            </a:r>
-          </a:p>
-          <a:p>
-            <a:pPr marL="571500" indent="-342900" algn="just">
-              <a:lnSpc>
-                <a:spcPct val="100000"/>
-              </a:lnSpc>
-            </a:pPr>
-            <a:r>
-              <a:rPr lang="ru-RU" sz="2200" dirty="0">
-                <a:latin typeface="Times New Roman" panose="02020603050405020304" pitchFamily="18" charset="0"/>
-                <a:ea typeface="Times New Roman" panose="02020603050405020304" pitchFamily="18" charset="0"/>
-              </a:rPr>
-              <a:t>учитывает ограничения по времени между соседними транзакциями и </a:t>
-            </a:r>
-            <a:r>
-              <a:rPr lang="en-US" sz="2200" dirty="0">
-                <a:latin typeface="Times New Roman" panose="02020603050405020304" pitchFamily="18" charset="0"/>
-                <a:ea typeface="Times New Roman" panose="02020603050405020304" pitchFamily="18" charset="0"/>
-              </a:rPr>
-              <a:t>id </a:t>
-            </a:r>
-            <a:r>
-              <a:rPr lang="ru-RU" sz="2200" dirty="0">
-                <a:latin typeface="Times New Roman" panose="02020603050405020304" pitchFamily="18" charset="0"/>
-                <a:ea typeface="Times New Roman" panose="02020603050405020304" pitchFamily="18" charset="0"/>
-              </a:rPr>
-              <a:t>клиента совершившего ее</a:t>
-            </a:r>
-            <a:r>
-              <a:rPr lang="en-US" sz="2200" dirty="0">
-                <a:latin typeface="Times New Roman" panose="02020603050405020304" pitchFamily="18" charset="0"/>
-                <a:ea typeface="Times New Roman" panose="02020603050405020304" pitchFamily="18" charset="0"/>
-              </a:rPr>
-              <a:t>;</a:t>
-            </a:r>
-            <a:endParaRPr lang="ru-RU" sz="2200" dirty="0">
-              <a:latin typeface="Times New Roman" panose="02020603050405020304" pitchFamily="18" charset="0"/>
-              <a:ea typeface="Times New Roman" panose="02020603050405020304" pitchFamily="18" charset="0"/>
-            </a:endParaRPr>
-          </a:p>
-          <a:p>
-            <a:pPr marL="571500" indent="-342900">
-              <a:lnSpc>
-                <a:spcPct val="100000"/>
-              </a:lnSpc>
-            </a:pPr>
-            <a:r>
-              <a:rPr lang="ru-RU" sz="2200" dirty="0">
-                <a:latin typeface="Times New Roman" panose="02020603050405020304" pitchFamily="18" charset="0"/>
-                <a:ea typeface="Times New Roman" panose="02020603050405020304" pitchFamily="18" charset="0"/>
-              </a:rPr>
-              <a:t>поддержка последовательности - это отношение числа покупателей, в чьих транзакциях присутствует указанная последовательность к общему числу покупателей.</a:t>
-            </a:r>
-          </a:p>
-          <a:p>
-            <a:pPr indent="0" algn="just">
-              <a:lnSpc>
-                <a:spcPct val="100000"/>
-              </a:lnSpc>
-              <a:buNone/>
-            </a:pPr>
-            <a:r>
-              <a:rPr lang="ru-RU" sz="2200" dirty="0">
-                <a:solidFill>
-                  <a:schemeClr val="tx1">
-                    <a:lumMod val="95000"/>
-                    <a:lumOff val="5000"/>
-                  </a:schemeClr>
-                </a:solidFill>
-                <a:latin typeface="Times New Roman" panose="02020603050405020304" pitchFamily="18" charset="0"/>
-                <a:ea typeface="Times New Roman" panose="02020603050405020304" pitchFamily="18" charset="0"/>
-              </a:rPr>
-              <a:t>В работе алгоритма можно выделить следующие основные этапы:</a:t>
-            </a:r>
-            <a:endParaRPr lang="en-US" sz="2200" dirty="0">
-              <a:solidFill>
-                <a:schemeClr val="tx1">
-                  <a:lumMod val="95000"/>
-                  <a:lumOff val="5000"/>
-                </a:schemeClr>
-              </a:solidFill>
-              <a:latin typeface="Times New Roman" panose="02020603050405020304" pitchFamily="18" charset="0"/>
-              <a:ea typeface="Times New Roman" panose="02020603050405020304" pitchFamily="18" charset="0"/>
-            </a:endParaRPr>
-          </a:p>
-          <a:p>
-            <a:pPr indent="0">
-              <a:lnSpc>
-                <a:spcPct val="100000"/>
-              </a:lnSpc>
-              <a:buNone/>
-            </a:pPr>
-            <a:r>
-              <a:rPr lang="en-US" sz="2200" dirty="0">
-                <a:solidFill>
-                  <a:schemeClr val="tx1">
-                    <a:lumMod val="95000"/>
-                    <a:lumOff val="5000"/>
-                  </a:schemeClr>
-                </a:solidFill>
-                <a:latin typeface="Times New Roman" panose="02020603050405020304" pitchFamily="18" charset="0"/>
-                <a:cs typeface="Times New Roman" panose="02020603050405020304" pitchFamily="18" charset="0"/>
-              </a:rPr>
-              <a:t>	1. </a:t>
-            </a:r>
-            <a:r>
-              <a:rPr lang="ru-RU" sz="2200" dirty="0">
-                <a:solidFill>
-                  <a:schemeClr val="tx1">
-                    <a:lumMod val="95000"/>
-                    <a:lumOff val="5000"/>
-                  </a:schemeClr>
-                </a:solidFill>
-                <a:latin typeface="Times New Roman" panose="02020603050405020304" pitchFamily="18" charset="0"/>
-                <a:cs typeface="Times New Roman" panose="02020603050405020304" pitchFamily="18" charset="0"/>
-              </a:rPr>
-              <a:t>Генерация кандидатов.</a:t>
-            </a:r>
-            <a:br>
-              <a:rPr lang="en-US" sz="2200" dirty="0">
-                <a:solidFill>
-                  <a:schemeClr val="tx1">
-                    <a:lumMod val="95000"/>
-                    <a:lumOff val="5000"/>
-                  </a:schemeClr>
-                </a:solidFill>
-                <a:latin typeface="Times New Roman" panose="02020603050405020304" pitchFamily="18" charset="0"/>
-                <a:cs typeface="Times New Roman" panose="02020603050405020304" pitchFamily="18" charset="0"/>
-              </a:rPr>
-            </a:br>
-            <a:r>
-              <a:rPr lang="en-US" sz="2200" dirty="0">
-                <a:solidFill>
-                  <a:schemeClr val="tx1">
-                    <a:lumMod val="95000"/>
-                    <a:lumOff val="5000"/>
-                  </a:schemeClr>
-                </a:solidFill>
-                <a:latin typeface="Times New Roman" panose="02020603050405020304" pitchFamily="18" charset="0"/>
-                <a:cs typeface="Times New Roman" panose="02020603050405020304" pitchFamily="18" charset="0"/>
-              </a:rPr>
-              <a:t>	    1.1. </a:t>
-            </a:r>
-            <a:r>
-              <a:rPr lang="ru-RU" sz="2200" dirty="0">
-                <a:solidFill>
-                  <a:schemeClr val="tx1">
-                    <a:lumMod val="95000"/>
-                    <a:lumOff val="5000"/>
-                  </a:schemeClr>
-                </a:solidFill>
-                <a:latin typeface="Times New Roman" panose="02020603050405020304" pitchFamily="18" charset="0"/>
-                <a:cs typeface="Times New Roman" panose="02020603050405020304" pitchFamily="18" charset="0"/>
-              </a:rPr>
-              <a:t>Объединение.</a:t>
-            </a:r>
-            <a:br>
-              <a:rPr lang="en-US" sz="2200" dirty="0">
-                <a:solidFill>
-                  <a:schemeClr val="tx1">
-                    <a:lumMod val="95000"/>
-                    <a:lumOff val="5000"/>
-                  </a:schemeClr>
-                </a:solidFill>
-                <a:latin typeface="Times New Roman" panose="02020603050405020304" pitchFamily="18" charset="0"/>
-                <a:cs typeface="Times New Roman" panose="02020603050405020304" pitchFamily="18" charset="0"/>
-              </a:rPr>
-            </a:br>
-            <a:r>
-              <a:rPr lang="en-US" sz="2200" dirty="0">
-                <a:solidFill>
-                  <a:schemeClr val="tx1">
-                    <a:lumMod val="95000"/>
-                    <a:lumOff val="5000"/>
-                  </a:schemeClr>
-                </a:solidFill>
-                <a:latin typeface="Times New Roman" panose="02020603050405020304" pitchFamily="18" charset="0"/>
-                <a:cs typeface="Times New Roman" panose="02020603050405020304" pitchFamily="18" charset="0"/>
-              </a:rPr>
-              <a:t>	    1.2. </a:t>
-            </a:r>
-            <a:r>
-              <a:rPr lang="ru-RU" sz="2200" dirty="0">
-                <a:solidFill>
-                  <a:schemeClr val="tx1">
-                    <a:lumMod val="95000"/>
-                    <a:lumOff val="5000"/>
-                  </a:schemeClr>
-                </a:solidFill>
-                <a:latin typeface="Times New Roman" panose="02020603050405020304" pitchFamily="18" charset="0"/>
-                <a:cs typeface="Times New Roman" panose="02020603050405020304" pitchFamily="18" charset="0"/>
-              </a:rPr>
-              <a:t>Упрощение.</a:t>
-            </a:r>
-            <a:br>
-              <a:rPr lang="en-US" sz="2200" dirty="0">
-                <a:solidFill>
-                  <a:schemeClr val="tx1">
-                    <a:lumMod val="95000"/>
-                    <a:lumOff val="5000"/>
-                  </a:schemeClr>
-                </a:solidFill>
-                <a:latin typeface="Times New Roman" panose="02020603050405020304" pitchFamily="18" charset="0"/>
-                <a:cs typeface="Times New Roman" panose="02020603050405020304" pitchFamily="18" charset="0"/>
-              </a:rPr>
-            </a:br>
-            <a:r>
-              <a:rPr lang="en-US" sz="2200" dirty="0">
-                <a:solidFill>
-                  <a:schemeClr val="tx1">
-                    <a:lumMod val="95000"/>
-                    <a:lumOff val="5000"/>
-                  </a:schemeClr>
-                </a:solidFill>
-                <a:latin typeface="Times New Roman" panose="02020603050405020304" pitchFamily="18" charset="0"/>
-                <a:cs typeface="Times New Roman" panose="02020603050405020304" pitchFamily="18" charset="0"/>
-              </a:rPr>
-              <a:t>	2. </a:t>
-            </a:r>
-            <a:r>
-              <a:rPr lang="ru-RU" sz="2200" dirty="0">
-                <a:solidFill>
-                  <a:schemeClr val="tx1">
-                    <a:lumMod val="95000"/>
-                    <a:lumOff val="5000"/>
-                  </a:schemeClr>
-                </a:solidFill>
-                <a:latin typeface="Times New Roman" panose="02020603050405020304" pitchFamily="18" charset="0"/>
-                <a:cs typeface="Times New Roman" panose="02020603050405020304" pitchFamily="18" charset="0"/>
-              </a:rPr>
-              <a:t>Подсчет поддержки кандидатов.</a:t>
-            </a:r>
-            <a:endParaRPr lang="en-US" sz="2200" dirty="0">
-              <a:solidFill>
-                <a:schemeClr val="tx1">
-                  <a:lumMod val="95000"/>
-                  <a:lumOff val="5000"/>
-                </a:schemeClr>
-              </a:solidFill>
-              <a:latin typeface="Times New Roman" panose="02020603050405020304" pitchFamily="18" charset="0"/>
-              <a:ea typeface="Times New Roman" panose="02020603050405020304" pitchFamily="18" charset="0"/>
-              <a:cs typeface="Times New Roman" panose="02020603050405020304" pitchFamily="18" charset="0"/>
-            </a:endParaRPr>
-          </a:p>
-        </p:txBody>
-      </p:sp>
-    </p:spTree>
-    <p:extLst>
-      <p:ext uri="{BB962C8B-B14F-4D97-AF65-F5344CB8AC3E}">
-        <p14:creationId xmlns:p14="http://schemas.microsoft.com/office/powerpoint/2010/main" val="2834239968"/>
-      </p:ext>
-    </p:extLst>
-  </p:cSld>
-  <p:clrMapOvr>
-    <a:masterClrMapping/>
-  </p:clrMapOvr>
-</p:sld>
-</file>
-
-<file path=ppt/slides/slide8.xml><?xml version="1.0" encoding="utf-8"?>
-<p:sld xmlns:a="http://schemas.openxmlformats.org/drawingml/2006/main" xmlns:r="http://schemas.openxmlformats.org/officeDocument/2006/relationships" xmlns:p="http://schemas.openxmlformats.org/presentationml/2006/main">
-  <p:cSld>
-    <p:spTree>
-      <p:nvGrpSpPr>
-        <p:cNvPr id="1" name=""/>
-        <p:cNvGrpSpPr/>
-        <p:nvPr/>
-      </p:nvGrpSpPr>
-      <p:grpSpPr>
-        <a:xfrm>
-          <a:off x="0" y="0"/>
-          <a:ext cx="0" cy="0"/>
-          <a:chOff x="0" y="0"/>
-          <a:chExt cx="0" cy="0"/>
-        </a:xfrm>
-      </p:grpSpPr>
-      <p:sp>
-        <p:nvSpPr>
-          <p:cNvPr id="2" name="Заголовок 1">
-            <a:extLst>
-              <a:ext uri="{FF2B5EF4-FFF2-40B4-BE49-F238E27FC236}">
-                <a16:creationId xmlns:a16="http://schemas.microsoft.com/office/drawing/2014/main" id="{1802D59D-6A83-151A-EEA2-678960399BE4}"/>
-              </a:ext>
-            </a:extLst>
-          </p:cNvPr>
-          <p:cNvSpPr>
-            <a:spLocks noGrp="1"/>
-          </p:cNvSpPr>
-          <p:nvPr>
-            <p:ph type="title"/>
-          </p:nvPr>
-        </p:nvSpPr>
-        <p:spPr>
-          <a:xfrm>
-            <a:off x="428016" y="-72232"/>
-            <a:ext cx="11763983" cy="1325563"/>
-          </a:xfrm>
-        </p:spPr>
-        <p:txBody>
-          <a:bodyPr>
-            <a:normAutofit/>
-          </a:bodyPr>
-          <a:lstStyle/>
-          <a:p>
-            <a:r>
-              <a:rPr lang="ru-RU" sz="4000" b="1" dirty="0"/>
-              <a:t>Пример работы алгоритма </a:t>
-            </a:r>
-            <a:r>
-              <a:rPr lang="en-US" sz="4000" b="1" dirty="0"/>
-              <a:t>GSP</a:t>
-            </a:r>
-            <a:endParaRPr lang="ru-RU" sz="4000" b="1" dirty="0"/>
-          </a:p>
-        </p:txBody>
-      </p:sp>
-      <p:sp>
-        <p:nvSpPr>
-          <p:cNvPr id="4" name="Номер слайда 3">
-            <a:extLst>
-              <a:ext uri="{FF2B5EF4-FFF2-40B4-BE49-F238E27FC236}">
-                <a16:creationId xmlns:a16="http://schemas.microsoft.com/office/drawing/2014/main" id="{80FEEFAF-0D6B-464C-7360-370FF23083CC}"/>
-              </a:ext>
-            </a:extLst>
-          </p:cNvPr>
-          <p:cNvSpPr>
-            <a:spLocks noGrp="1"/>
-          </p:cNvSpPr>
-          <p:nvPr>
-            <p:ph type="sldNum" sz="quarter" idx="12"/>
-          </p:nvPr>
-        </p:nvSpPr>
-        <p:spPr/>
-        <p:txBody>
-          <a:bodyPr/>
-          <a:lstStyle/>
-          <a:p>
-            <a:fld id="{E83D2FD5-BBDA-43D0-B172-791327EA2B6A}" type="slidenum">
-              <a:rPr lang="ru-RU" smtClean="0"/>
-              <a:t>8</a:t>
             </a:fld>
             <a:endParaRPr lang="ru-RU" dirty="0"/>
           </a:p>
@@ -7980,8 +6939,8 @@
           </a:p>
         </p:txBody>
       </p:sp>
-      <mc:AlternateContent xmlns:mc="http://schemas.openxmlformats.org/markup-compatibility/2006" xmlns:a14="http://schemas.microsoft.com/office/drawing/2010/main">
-        <mc:Choice Requires="a14">
+      <mc:AlternateContent xmlns:mc="http://schemas.openxmlformats.org/markup-compatibility/2006">
+        <mc:Choice xmlns:a14="http://schemas.microsoft.com/office/drawing/2010/main" Requires="a14">
           <p:sp>
             <p:nvSpPr>
               <p:cNvPr id="17" name="Объект 2">
@@ -8336,14 +7295,6 @@
                   </a:rPr>
                   <a:t>удаляем ⟨{1, 2} {3} {5}⟩</a:t>
                 </a:r>
-              </a:p>
-              <a:p>
-                <a:pPr indent="0">
-                  <a:lnSpc>
-                    <a:spcPct val="100000"/>
-                  </a:lnSpc>
-                  <a:buNone/>
-                </a:pPr>
                 <a:endParaRPr lang="ru-RU" sz="2200" dirty="0">
                   <a:latin typeface="Times New Roman" panose="02020603050405020304" pitchFamily="18" charset="0"/>
                   <a:ea typeface="Times New Roman" panose="02020603050405020304" pitchFamily="18" charset="0"/>
@@ -8353,7 +7304,7 @@
             </p:txBody>
           </p:sp>
         </mc:Choice>
-        <mc:Fallback xmlns="">
+        <mc:Fallback>
           <p:sp>
             <p:nvSpPr>
               <p:cNvPr id="17" name="Объект 2">
@@ -12674,6 +11625,217 @@
 </p:sld>
 </file>
 
+<file path=ppt/slides/slide8.xml><?xml version="1.0" encoding="utf-8"?>
+<p:sld xmlns:a="http://schemas.openxmlformats.org/drawingml/2006/main" xmlns:r="http://schemas.openxmlformats.org/officeDocument/2006/relationships" xmlns:p="http://schemas.openxmlformats.org/presentationml/2006/main">
+  <p:cSld>
+    <p:spTree>
+      <p:nvGrpSpPr>
+        <p:cNvPr id="1" name=""/>
+        <p:cNvGrpSpPr/>
+        <p:nvPr/>
+      </p:nvGrpSpPr>
+      <p:grpSpPr>
+        <a:xfrm>
+          <a:off x="0" y="0"/>
+          <a:ext cx="0" cy="0"/>
+          <a:chOff x="0" y="0"/>
+          <a:chExt cx="0" cy="0"/>
+        </a:xfrm>
+      </p:grpSpPr>
+      <p:sp>
+        <p:nvSpPr>
+          <p:cNvPr id="2" name="Заголовок 1">
+            <a:extLst>
+              <a:ext uri="{FF2B5EF4-FFF2-40B4-BE49-F238E27FC236}">
+                <a16:creationId xmlns:a16="http://schemas.microsoft.com/office/drawing/2014/main" id="{1802D59D-6A83-151A-EEA2-678960399BE4}"/>
+              </a:ext>
+            </a:extLst>
+          </p:cNvPr>
+          <p:cNvSpPr>
+            <a:spLocks noGrp="1"/>
+          </p:cNvSpPr>
+          <p:nvPr>
+            <p:ph type="title"/>
+          </p:nvPr>
+        </p:nvSpPr>
+        <p:spPr>
+          <a:xfrm>
+            <a:off x="428017" y="-72232"/>
+            <a:ext cx="10515600" cy="1325563"/>
+          </a:xfrm>
+        </p:spPr>
+        <p:txBody>
+          <a:bodyPr>
+            <a:normAutofit/>
+          </a:bodyPr>
+          <a:lstStyle/>
+          <a:p>
+            <a:r>
+              <a:rPr lang="ru-RU" sz="4000" b="1" dirty="0"/>
+              <a:t>Метод оценки эффективности интерфейса GOMS</a:t>
+            </a:r>
+          </a:p>
+        </p:txBody>
+      </p:sp>
+      <p:sp>
+        <p:nvSpPr>
+          <p:cNvPr id="3" name="Объект 2">
+            <a:extLst>
+              <a:ext uri="{FF2B5EF4-FFF2-40B4-BE49-F238E27FC236}">
+                <a16:creationId xmlns:a16="http://schemas.microsoft.com/office/drawing/2014/main" id="{68541323-2632-074C-E69F-FC80AB230174}"/>
+              </a:ext>
+            </a:extLst>
+          </p:cNvPr>
+          <p:cNvSpPr>
+            <a:spLocks noGrp="1"/>
+          </p:cNvSpPr>
+          <p:nvPr>
+            <p:ph idx="1"/>
+          </p:nvPr>
+        </p:nvSpPr>
+        <p:spPr>
+          <a:xfrm>
+            <a:off x="428017" y="1253331"/>
+            <a:ext cx="11182378" cy="5168894"/>
+          </a:xfrm>
+        </p:spPr>
+        <p:txBody>
+          <a:bodyPr>
+            <a:noAutofit/>
+          </a:bodyPr>
+          <a:lstStyle/>
+          <a:p>
+            <a:r>
+              <a:rPr lang="ru-RU" sz="2600" dirty="0">
+                <a:latin typeface="Times New Roman" panose="02020603050405020304" pitchFamily="18" charset="0"/>
+                <a:cs typeface="Times New Roman" panose="02020603050405020304" pitchFamily="18" charset="0"/>
+              </a:rPr>
+              <a:t>включает в себя модель </a:t>
+            </a:r>
+            <a:r>
+              <a:rPr lang="en-US" sz="2600" dirty="0">
+                <a:latin typeface="Times New Roman" panose="02020603050405020304" pitchFamily="18" charset="0"/>
+                <a:cs typeface="Times New Roman" panose="02020603050405020304" pitchFamily="18" charset="0"/>
+              </a:rPr>
+              <a:t>Keystroke-level Model (KLM)</a:t>
+            </a:r>
+            <a:endParaRPr lang="ru-RU" sz="2600" dirty="0">
+              <a:latin typeface="Times New Roman" panose="02020603050405020304" pitchFamily="18" charset="0"/>
+              <a:cs typeface="Times New Roman" panose="02020603050405020304" pitchFamily="18" charset="0"/>
+            </a:endParaRPr>
+          </a:p>
+          <a:p>
+            <a:r>
+              <a:rPr lang="en-US" sz="2600" dirty="0">
+                <a:latin typeface="Times New Roman" panose="02020603050405020304" pitchFamily="18" charset="0"/>
+                <a:cs typeface="Times New Roman" panose="02020603050405020304" pitchFamily="18" charset="0"/>
+              </a:rPr>
+              <a:t>KLM </a:t>
+            </a:r>
+            <a:r>
+              <a:rPr lang="ru-RU" sz="2600" dirty="0">
+                <a:latin typeface="Times New Roman" panose="02020603050405020304" pitchFamily="18" charset="0"/>
+                <a:cs typeface="Times New Roman" panose="02020603050405020304" pitchFamily="18" charset="0"/>
+              </a:rPr>
+              <a:t>выделяет элементарные задачи и длительность каждой из них (рассчитанные на основе усредненных данных лабораторных испытаний). Например</a:t>
+            </a:r>
+            <a:r>
+              <a:rPr lang="en-US" sz="2600" dirty="0">
+                <a:latin typeface="Times New Roman" panose="02020603050405020304" pitchFamily="18" charset="0"/>
+                <a:cs typeface="Times New Roman" panose="02020603050405020304" pitchFamily="18" charset="0"/>
+              </a:rPr>
+              <a:t>,</a:t>
+            </a:r>
+            <a:r>
+              <a:rPr lang="ru-RU" sz="2600" dirty="0">
+                <a:latin typeface="Times New Roman" panose="02020603050405020304" pitchFamily="18" charset="0"/>
+                <a:cs typeface="Times New Roman" panose="02020603050405020304" pitchFamily="18" charset="0"/>
+              </a:rPr>
+              <a:t> P – указание курсором мыши на объект</a:t>
+            </a:r>
+            <a:r>
+              <a:rPr lang="en-US" sz="2600" dirty="0">
+                <a:latin typeface="Times New Roman" panose="02020603050405020304" pitchFamily="18" charset="0"/>
+                <a:cs typeface="Times New Roman" panose="02020603050405020304" pitchFamily="18" charset="0"/>
+              </a:rPr>
+              <a:t> </a:t>
+            </a:r>
+            <a:r>
+              <a:rPr lang="ru-RU" sz="2600" dirty="0">
+                <a:latin typeface="Times New Roman" panose="02020603050405020304" pitchFamily="18" charset="0"/>
+                <a:cs typeface="Times New Roman" panose="02020603050405020304" pitchFamily="18" charset="0"/>
+              </a:rPr>
+              <a:t>–</a:t>
+            </a:r>
+            <a:r>
+              <a:rPr lang="en-US" sz="2600" dirty="0">
+                <a:latin typeface="Times New Roman" panose="02020603050405020304" pitchFamily="18" charset="0"/>
+                <a:cs typeface="Times New Roman" panose="02020603050405020304" pitchFamily="18" charset="0"/>
+              </a:rPr>
+              <a:t> </a:t>
+            </a:r>
+            <a:r>
+              <a:rPr lang="ru-RU" sz="2600" dirty="0">
+                <a:latin typeface="Times New Roman" panose="02020603050405020304" pitchFamily="18" charset="0"/>
+                <a:cs typeface="Times New Roman" panose="02020603050405020304" pitchFamily="18" charset="0"/>
+              </a:rPr>
+              <a:t>1.1 сек. и B – нажатие или отпускание мыши – 0.1 сек.</a:t>
+            </a:r>
+          </a:p>
+          <a:p>
+            <a:r>
+              <a:rPr lang="ru-RU" sz="2600" dirty="0">
+                <a:latin typeface="Times New Roman" panose="02020603050405020304" pitchFamily="18" charset="0"/>
+                <a:ea typeface="Times New Roman" panose="02020603050405020304" pitchFamily="18" charset="0"/>
+                <a:cs typeface="Times New Roman" panose="02020603050405020304" pitchFamily="18" charset="0"/>
+              </a:rPr>
+              <a:t>оценка времени на решение задачи сводится к сложению продолжительностей каждой из простейших составляющих. Например, задача, состоящая из классов 〈P, P, B〉, потребует для завершения 2.3 сек. (1.1 сек. + 1.1 сек. + 0.1 сек.).</a:t>
+            </a:r>
+          </a:p>
+        </p:txBody>
+      </p:sp>
+      <p:sp>
+        <p:nvSpPr>
+          <p:cNvPr id="4" name="Номер слайда 3">
+            <a:extLst>
+              <a:ext uri="{FF2B5EF4-FFF2-40B4-BE49-F238E27FC236}">
+                <a16:creationId xmlns:a16="http://schemas.microsoft.com/office/drawing/2014/main" id="{80FEEFAF-0D6B-464C-7360-370FF23083CC}"/>
+              </a:ext>
+            </a:extLst>
+          </p:cNvPr>
+          <p:cNvSpPr>
+            <a:spLocks noGrp="1"/>
+          </p:cNvSpPr>
+          <p:nvPr>
+            <p:ph type="sldNum" sz="quarter" idx="12"/>
+          </p:nvPr>
+        </p:nvSpPr>
+        <p:spPr/>
+        <p:txBody>
+          <a:bodyPr/>
+          <a:lstStyle/>
+          <a:p>
+            <a:fld id="{E83D2FD5-BBDA-43D0-B172-791327EA2B6A}" type="slidenum">
+              <a:rPr lang="ru-RU" smtClean="0"/>
+              <a:t>8</a:t>
+            </a:fld>
+            <a:endParaRPr lang="ru-RU" dirty="0"/>
+          </a:p>
+        </p:txBody>
+      </p:sp>
+    </p:spTree>
+    <p:extLst>
+      <p:ext uri="{BB962C8B-B14F-4D97-AF65-F5344CB8AC3E}">
+        <p14:creationId xmlns:p14="http://schemas.microsoft.com/office/powerpoint/2010/main" val="95372301"/>
+      </p:ext>
+    </p:extLst>
+  </p:cSld>
+  <p:clrMapOvr>
+    <a:masterClrMapping/>
+  </p:clrMapOvr>
+</p:sld>
+</file>
+
 <file path=ppt/slides/slide9.xml><?xml version="1.0" encoding="utf-8"?>
 <p:sld xmlns:a="http://schemas.openxmlformats.org/drawingml/2006/main" xmlns:r="http://schemas.openxmlformats.org/officeDocument/2006/relationships" xmlns:p="http://schemas.openxmlformats.org/presentationml/2006/main">
   <p:cSld>
@@ -12721,7 +11883,7 @@
           <a:p>
             <a:r>
               <a:rPr lang="ru-RU" sz="4000" b="1" dirty="0"/>
-              <a:t>Метод оценки эффективности интерфейса GOMS</a:t>
+              <a:t>Классификация</a:t>
             </a:r>
           </a:p>
         </p:txBody>
@@ -12754,91 +11916,128 @@
           </a:bodyPr>
           <a:lstStyle/>
           <a:p>
-            <a:r>
-              <a:rPr lang="ru-RU" sz="2200" dirty="0">
-                <a:latin typeface="Times New Roman" panose="02020603050405020304" pitchFamily="18" charset="0"/>
-                <a:cs typeface="Times New Roman" panose="02020603050405020304" pitchFamily="18" charset="0"/>
-              </a:rPr>
-              <a:t>включает в себя модель </a:t>
-            </a:r>
-            <a:r>
-              <a:rPr lang="en-US" sz="2200" dirty="0">
-                <a:latin typeface="Times New Roman" panose="02020603050405020304" pitchFamily="18" charset="0"/>
-                <a:cs typeface="Times New Roman" panose="02020603050405020304" pitchFamily="18" charset="0"/>
-              </a:rPr>
-              <a:t>Keystroke-level Model (KLM)</a:t>
-            </a:r>
-            <a:endParaRPr lang="ru-RU" sz="2200" dirty="0">
-              <a:latin typeface="Times New Roman" panose="02020603050405020304" pitchFamily="18" charset="0"/>
-              <a:cs typeface="Times New Roman" panose="02020603050405020304" pitchFamily="18" charset="0"/>
-            </a:endParaRPr>
-          </a:p>
-          <a:p>
-            <a:r>
-              <a:rPr lang="en-US" sz="2200" dirty="0">
-                <a:latin typeface="Times New Roman" panose="02020603050405020304" pitchFamily="18" charset="0"/>
-                <a:cs typeface="Times New Roman" panose="02020603050405020304" pitchFamily="18" charset="0"/>
-              </a:rPr>
-              <a:t>KLM </a:t>
-            </a:r>
-            <a:r>
-              <a:rPr lang="ru-RU" sz="2200" dirty="0">
-                <a:latin typeface="Times New Roman" panose="02020603050405020304" pitchFamily="18" charset="0"/>
-                <a:cs typeface="Times New Roman" panose="02020603050405020304" pitchFamily="18" charset="0"/>
-              </a:rPr>
-              <a:t>выделяет элементарные задачи и длительность каждой из них (рассчитанные на основе усредненных данных лабораторных испытаний). Например</a:t>
-            </a:r>
-            <a:r>
-              <a:rPr lang="en-US" sz="2200" dirty="0">
-                <a:latin typeface="Times New Roman" panose="02020603050405020304" pitchFamily="18" charset="0"/>
-                <a:cs typeface="Times New Roman" panose="02020603050405020304" pitchFamily="18" charset="0"/>
-              </a:rPr>
-              <a:t>,</a:t>
-            </a:r>
-            <a:r>
-              <a:rPr lang="ru-RU" sz="2200" dirty="0">
-                <a:latin typeface="Times New Roman" panose="02020603050405020304" pitchFamily="18" charset="0"/>
-                <a:cs typeface="Times New Roman" panose="02020603050405020304" pitchFamily="18" charset="0"/>
-              </a:rPr>
-              <a:t> P – указание курсором мыши на объект</a:t>
-            </a:r>
-            <a:r>
-              <a:rPr lang="en-US" sz="2200" dirty="0">
-                <a:latin typeface="Times New Roman" panose="02020603050405020304" pitchFamily="18" charset="0"/>
-                <a:cs typeface="Times New Roman" panose="02020603050405020304" pitchFamily="18" charset="0"/>
-              </a:rPr>
-              <a:t> </a:t>
-            </a:r>
-            <a:r>
-              <a:rPr lang="ru-RU" sz="2200" dirty="0">
-                <a:latin typeface="Times New Roman" panose="02020603050405020304" pitchFamily="18" charset="0"/>
-                <a:cs typeface="Times New Roman" panose="02020603050405020304" pitchFamily="18" charset="0"/>
-              </a:rPr>
-              <a:t>–</a:t>
-            </a:r>
-            <a:r>
-              <a:rPr lang="en-US" sz="2200" dirty="0">
-                <a:latin typeface="Times New Roman" panose="02020603050405020304" pitchFamily="18" charset="0"/>
-                <a:cs typeface="Times New Roman" panose="02020603050405020304" pitchFamily="18" charset="0"/>
-              </a:rPr>
-              <a:t> </a:t>
-            </a:r>
-            <a:r>
-              <a:rPr lang="ru-RU" sz="2200" dirty="0">
-                <a:latin typeface="Times New Roman" panose="02020603050405020304" pitchFamily="18" charset="0"/>
-                <a:cs typeface="Times New Roman" panose="02020603050405020304" pitchFamily="18" charset="0"/>
-              </a:rPr>
-              <a:t>1.1 сек. и B – нажатие или отпускание мыши – 0.1 сек.</a:t>
-            </a:r>
-          </a:p>
-          <a:p>
-            <a:r>
-              <a:rPr lang="ru-RU" sz="2200" dirty="0">
+            <a:pPr marL="571500" indent="-342900">
+              <a:lnSpc>
+                <a:spcPct val="100000"/>
+              </a:lnSpc>
+            </a:pPr>
+            <a:r>
+              <a:rPr lang="ru-RU" sz="2600" dirty="0">
                 <a:latin typeface="Times New Roman" panose="02020603050405020304" pitchFamily="18" charset="0"/>
                 <a:ea typeface="Times New Roman" panose="02020603050405020304" pitchFamily="18" charset="0"/>
-                <a:cs typeface="Times New Roman" panose="02020603050405020304" pitchFamily="18" charset="0"/>
-              </a:rPr>
-              <a:t>оценка времени на решение задачи сводится к сложению продолжительностей каждой из простейших составляющих. Например, задача, состоящая из классов 〈P, P, B〉, потребует для завершения 2.3 сек. (1.1 сек. + 1.1 сек. + 0.1 сек.).</a:t>
+              </a:rPr>
+              <a:t>поиск ассоциативных правил</a:t>
+            </a:r>
+            <a:r>
+              <a:rPr lang="en-US" sz="2600" dirty="0">
+                <a:latin typeface="Times New Roman" panose="02020603050405020304" pitchFamily="18" charset="0"/>
+                <a:ea typeface="Times New Roman" panose="02020603050405020304" pitchFamily="18" charset="0"/>
+              </a:rPr>
+              <a:t> (</a:t>
+            </a:r>
+            <a:r>
+              <a:rPr lang="en-US" sz="2600" dirty="0" err="1">
+                <a:latin typeface="Times New Roman" panose="02020603050405020304" pitchFamily="18" charset="0"/>
+                <a:ea typeface="Times New Roman" panose="02020603050405020304" pitchFamily="18" charset="0"/>
+              </a:rPr>
+              <a:t>Apriori</a:t>
+            </a:r>
+            <a:r>
+              <a:rPr lang="en-US" sz="2600" dirty="0">
+                <a:latin typeface="Times New Roman" panose="02020603050405020304" pitchFamily="18" charset="0"/>
+                <a:ea typeface="Times New Roman" panose="02020603050405020304" pitchFamily="18" charset="0"/>
+              </a:rPr>
+              <a:t>)</a:t>
+            </a:r>
+            <a:r>
+              <a:rPr lang="ru-RU" sz="2600" dirty="0">
+                <a:latin typeface="Times New Roman" panose="02020603050405020304" pitchFamily="18" charset="0"/>
+                <a:ea typeface="Times New Roman" panose="02020603050405020304" pitchFamily="18" charset="0"/>
+              </a:rPr>
+              <a:t>;</a:t>
+            </a:r>
+          </a:p>
+          <a:p>
+            <a:pPr marL="571500" indent="-342900">
+              <a:lnSpc>
+                <a:spcPct val="100000"/>
+              </a:lnSpc>
+            </a:pPr>
+            <a:r>
+              <a:rPr lang="ru-RU" sz="2600" dirty="0">
+                <a:latin typeface="Times New Roman" panose="02020603050405020304" pitchFamily="18" charset="0"/>
+                <a:ea typeface="Times New Roman" panose="02020603050405020304" pitchFamily="18" charset="0"/>
+              </a:rPr>
+              <a:t>поиск последовательных шаблонов</a:t>
+            </a:r>
+            <a:r>
+              <a:rPr lang="en-US" sz="2600" dirty="0">
+                <a:latin typeface="Times New Roman" panose="02020603050405020304" pitchFamily="18" charset="0"/>
+                <a:ea typeface="Times New Roman" panose="02020603050405020304" pitchFamily="18" charset="0"/>
+              </a:rPr>
+              <a:t> (GSP)</a:t>
+            </a:r>
+            <a:r>
+              <a:rPr lang="ru-RU" sz="2600" dirty="0">
+                <a:latin typeface="Times New Roman" panose="02020603050405020304" pitchFamily="18" charset="0"/>
+                <a:ea typeface="Times New Roman" panose="02020603050405020304" pitchFamily="18" charset="0"/>
+              </a:rPr>
+              <a:t>;</a:t>
+            </a:r>
+          </a:p>
+          <a:p>
+            <a:pPr marL="571500" indent="-342900">
+              <a:lnSpc>
+                <a:spcPct val="100000"/>
+              </a:lnSpc>
+            </a:pPr>
+            <a:r>
+              <a:rPr lang="ru-RU" sz="2600" dirty="0">
+                <a:latin typeface="Times New Roman" panose="02020603050405020304" pitchFamily="18" charset="0"/>
+                <a:ea typeface="Times New Roman" panose="02020603050405020304" pitchFamily="18" charset="0"/>
+              </a:rPr>
+              <a:t>сбор и анализ временных характеристик выполнения пользователем действий и промежутков между ними</a:t>
+            </a:r>
+            <a:r>
+              <a:rPr lang="en-US" sz="2600" dirty="0">
+                <a:latin typeface="Times New Roman" panose="02020603050405020304" pitchFamily="18" charset="0"/>
+                <a:ea typeface="Times New Roman" panose="02020603050405020304" pitchFamily="18" charset="0"/>
+              </a:rPr>
+              <a:t> (GOMS)</a:t>
+            </a:r>
+            <a:r>
+              <a:rPr lang="ru-RU" sz="2600" dirty="0">
+                <a:latin typeface="Times New Roman" panose="02020603050405020304" pitchFamily="18" charset="0"/>
+                <a:ea typeface="Times New Roman" panose="02020603050405020304" pitchFamily="18" charset="0"/>
+              </a:rPr>
+              <a:t>;</a:t>
+            </a:r>
+          </a:p>
+          <a:p>
+            <a:pPr marL="571500" indent="-342900">
+              <a:lnSpc>
+                <a:spcPct val="100000"/>
+              </a:lnSpc>
+            </a:pPr>
+            <a:r>
+              <a:rPr lang="ru-RU" sz="2600" dirty="0">
+                <a:latin typeface="Times New Roman" panose="02020603050405020304" pitchFamily="18" charset="0"/>
+                <a:ea typeface="Times New Roman" panose="02020603050405020304" pitchFamily="18" charset="0"/>
+              </a:rPr>
+              <a:t>вычисление уровней поддержки шаблонов поведения пользователя</a:t>
+            </a:r>
+            <a:br>
+              <a:rPr lang="ru-RU" sz="2600" dirty="0">
+                <a:latin typeface="Times New Roman" panose="02020603050405020304" pitchFamily="18" charset="0"/>
+                <a:ea typeface="Times New Roman" panose="02020603050405020304" pitchFamily="18" charset="0"/>
+              </a:rPr>
+            </a:br>
+            <a:r>
+              <a:rPr lang="ru-RU" sz="2600" dirty="0">
+                <a:latin typeface="Times New Roman" panose="02020603050405020304" pitchFamily="18" charset="0"/>
+                <a:ea typeface="Times New Roman" panose="02020603050405020304" pitchFamily="18" charset="0"/>
+              </a:rPr>
+              <a:t>(Математическая модель пользовательской активности ПО).</a:t>
             </a:r>
           </a:p>
         </p:txBody>
@@ -12875,7 +12074,7 @@
     </p:spTree>
     <p:extLst>
       <p:ext uri="{BB962C8B-B14F-4D97-AF65-F5344CB8AC3E}">
-        <p14:creationId xmlns:p14="http://schemas.microsoft.com/office/powerpoint/2010/main" val="95372301"/>
+        <p14:creationId xmlns:p14="http://schemas.microsoft.com/office/powerpoint/2010/main" val="2176375297"/>
       </p:ext>
     </p:extLst>
   </p:cSld>

--- a/НИР и ВКР/Презентация/ПронинАС_НИР_презентация.pptx
+++ b/НИР и ВКР/Презентация/ПронинАС_НИР_презентация.pptx
@@ -787,7 +787,7 @@
           <a:bodyPr/>
           <a:lstStyle/>
           <a:p>
-            <a:fld id="{D006F585-C031-4F3D-8109-2C1271EAF95C}" type="datetime1">
+            <a:fld id="{B15FD32F-C120-4D0E-9C37-E017B9568546}" type="datetime1">
               <a:rPr lang="ru-RU" smtClean="0"/>
               <a:t>18.01.2023</a:t>
             </a:fld>
@@ -985,7 +985,7 @@
           <a:bodyPr/>
           <a:lstStyle/>
           <a:p>
-            <a:fld id="{863B978C-907D-410C-AC33-C70FB0065AB1}" type="datetime1">
+            <a:fld id="{ADE0A76F-9E88-4C25-AC34-9496CF6B05A5}" type="datetime1">
               <a:rPr lang="ru-RU" smtClean="0"/>
               <a:t>18.01.2023</a:t>
             </a:fld>
@@ -1193,7 +1193,7 @@
           <a:bodyPr/>
           <a:lstStyle/>
           <a:p>
-            <a:fld id="{7370F86F-261F-4C2A-B7CA-06D91EEBB15B}" type="datetime1">
+            <a:fld id="{C05BEFB0-B7CC-46E1-93CA-7CBDF3DD5763}" type="datetime1">
               <a:rPr lang="ru-RU" smtClean="0"/>
               <a:t>18.01.2023</a:t>
             </a:fld>
@@ -1391,7 +1391,7 @@
           <a:bodyPr/>
           <a:lstStyle/>
           <a:p>
-            <a:fld id="{AFEE3786-D129-4BD2-B6F3-55FC5BC12532}" type="datetime1">
+            <a:fld id="{FB4F63C6-2E24-4C53-A45A-54950449F445}" type="datetime1">
               <a:rPr lang="ru-RU" smtClean="0"/>
               <a:t>18.01.2023</a:t>
             </a:fld>
@@ -1666,7 +1666,7 @@
           <a:bodyPr/>
           <a:lstStyle/>
           <a:p>
-            <a:fld id="{C9466CFB-2389-4A9C-AD12-8B6FB05D3E41}" type="datetime1">
+            <a:fld id="{8048CBC4-0F2F-47CB-B3E5-FEFB02445499}" type="datetime1">
               <a:rPr lang="ru-RU" smtClean="0"/>
               <a:t>18.01.2023</a:t>
             </a:fld>
@@ -1931,7 +1931,7 @@
           <a:bodyPr/>
           <a:lstStyle/>
           <a:p>
-            <a:fld id="{6E930FF5-4E67-4BB3-A0D6-D5DBBB9A8A64}" type="datetime1">
+            <a:fld id="{DA2A9EE1-5AB8-4E59-965C-274797A469D4}" type="datetime1">
               <a:rPr lang="ru-RU" smtClean="0"/>
               <a:t>18.01.2023</a:t>
             </a:fld>
@@ -2343,7 +2343,7 @@
           <a:bodyPr/>
           <a:lstStyle/>
           <a:p>
-            <a:fld id="{1F915F62-A180-4781-87B2-C363CCD39E80}" type="datetime1">
+            <a:fld id="{86833C64-03F7-434D-B18D-FA6C3C8C1E4A}" type="datetime1">
               <a:rPr lang="ru-RU" smtClean="0"/>
               <a:t>18.01.2023</a:t>
             </a:fld>
@@ -2484,7 +2484,7 @@
           <a:bodyPr/>
           <a:lstStyle/>
           <a:p>
-            <a:fld id="{67FD249C-BC1A-4A70-A502-0DCD1E4E82B3}" type="datetime1">
+            <a:fld id="{5AA3AB51-AD61-4418-AEE1-AA4936610230}" type="datetime1">
               <a:rPr lang="ru-RU" smtClean="0"/>
               <a:t>18.01.2023</a:t>
             </a:fld>
@@ -2597,7 +2597,7 @@
           <a:bodyPr/>
           <a:lstStyle/>
           <a:p>
-            <a:fld id="{45D5B91C-A2D9-4813-A97B-31FA3A6207FE}" type="datetime1">
+            <a:fld id="{BD022448-F95F-4840-8027-53F0CAF45C26}" type="datetime1">
               <a:rPr lang="ru-RU" smtClean="0"/>
               <a:t>18.01.2023</a:t>
             </a:fld>
@@ -2908,7 +2908,7 @@
           <a:bodyPr/>
           <a:lstStyle/>
           <a:p>
-            <a:fld id="{BD9E5343-4C2F-4429-B1C5-87457F54369C}" type="datetime1">
+            <a:fld id="{B797729C-76AD-421A-A62E-9C609ECFB945}" type="datetime1">
               <a:rPr lang="ru-RU" smtClean="0"/>
               <a:t>18.01.2023</a:t>
             </a:fld>
@@ -3196,7 +3196,7 @@
           <a:bodyPr/>
           <a:lstStyle/>
           <a:p>
-            <a:fld id="{802D0396-A548-40ED-918D-A78893C27574}" type="datetime1">
+            <a:fld id="{47A17012-466B-4E09-87BC-C5A3A51EB5C7}" type="datetime1">
               <a:rPr lang="ru-RU" smtClean="0"/>
               <a:t>18.01.2023</a:t>
             </a:fld>
@@ -3437,7 +3437,7 @@
             </a:lvl1pPr>
           </a:lstStyle>
           <a:p>
-            <a:fld id="{3ECCE158-C433-4D4B-A18E-F373B1318AC3}" type="datetime1">
+            <a:fld id="{A817B2BF-99C7-4566-96C2-6748A8E5D4C1}" type="datetime1">
               <a:rPr lang="ru-RU" smtClean="0"/>
               <a:t>18.01.2023</a:t>
             </a:fld>
@@ -6234,6 +6234,35 @@
           </a:prstGeom>
         </p:spPr>
       </p:pic>
+      <p:sp>
+        <p:nvSpPr>
+          <p:cNvPr id="3" name="Номер слайда 2">
+            <a:extLst>
+              <a:ext uri="{FF2B5EF4-FFF2-40B4-BE49-F238E27FC236}">
+                <a16:creationId xmlns:a16="http://schemas.microsoft.com/office/drawing/2014/main" id="{6E6C585C-A1AF-4FBF-B73A-C35B54CFE0EB}"/>
+              </a:ext>
+            </a:extLst>
+          </p:cNvPr>
+          <p:cNvSpPr>
+            <a:spLocks noGrp="1"/>
+          </p:cNvSpPr>
+          <p:nvPr>
+            <p:ph type="sldNum" sz="quarter" idx="12"/>
+          </p:nvPr>
+        </p:nvSpPr>
+        <p:spPr/>
+        <p:txBody>
+          <a:bodyPr/>
+          <a:lstStyle/>
+          <a:p>
+            <a:fld id="{E83D2FD5-BBDA-43D0-B172-791327EA2B6A}" type="slidenum">
+              <a:rPr lang="ru-RU" smtClean="0"/>
+              <a:t>5</a:t>
+            </a:fld>
+            <a:endParaRPr lang="ru-RU"/>
+          </a:p>
+        </p:txBody>
+      </p:sp>
     </p:spTree>
     <p:extLst>
       <p:ext uri="{BB962C8B-B14F-4D97-AF65-F5344CB8AC3E}">
@@ -6939,8 +6968,8 @@
           </a:p>
         </p:txBody>
       </p:sp>
-      <mc:AlternateContent xmlns:mc="http://schemas.openxmlformats.org/markup-compatibility/2006">
-        <mc:Choice xmlns:a14="http://schemas.microsoft.com/office/drawing/2010/main" Requires="a14">
+      <mc:AlternateContent xmlns:mc="http://schemas.openxmlformats.org/markup-compatibility/2006" xmlns:a14="http://schemas.microsoft.com/office/drawing/2010/main">
+        <mc:Choice Requires="a14">
           <p:sp>
             <p:nvSpPr>
               <p:cNvPr id="17" name="Объект 2">
@@ -7304,7 +7333,7 @@
             </p:txBody>
           </p:sp>
         </mc:Choice>
-        <mc:Fallback>
+        <mc:Fallback xmlns="">
           <p:sp>
             <p:nvSpPr>
               <p:cNvPr id="17" name="Объект 2">
